--- a/powerpoint/SmartPDF/Don't Just PDF.pptx
+++ b/powerpoint/SmartPDF/Don't Just PDF.pptx
@@ -5,10 +5,10 @@
     <p:sldMasterId id="2147483660" r:id="rId2"/>
   </p:sldMasterIdLst>
   <p:notesMasterIdLst>
-    <p:notesMasterId r:id="rId19"/>
+    <p:notesMasterId r:id="rId25"/>
   </p:notesMasterIdLst>
   <p:handoutMasterIdLst>
-    <p:handoutMasterId r:id="rId20"/>
+    <p:handoutMasterId r:id="rId26"/>
   </p:handoutMasterIdLst>
   <p:sldIdLst>
     <p:sldId id="264" r:id="rId3"/>
@@ -19,14 +19,20 @@
     <p:sldId id="283" r:id="rId8"/>
     <p:sldId id="284" r:id="rId9"/>
     <p:sldId id="285" r:id="rId10"/>
-    <p:sldId id="277" r:id="rId11"/>
-    <p:sldId id="278" r:id="rId12"/>
-    <p:sldId id="279" r:id="rId13"/>
-    <p:sldId id="268" r:id="rId14"/>
-    <p:sldId id="269" r:id="rId15"/>
-    <p:sldId id="270" r:id="rId16"/>
-    <p:sldId id="280" r:id="rId17"/>
-    <p:sldId id="274" r:id="rId18"/>
+    <p:sldId id="290" r:id="rId11"/>
+    <p:sldId id="286" r:id="rId12"/>
+    <p:sldId id="287" r:id="rId13"/>
+    <p:sldId id="291" r:id="rId14"/>
+    <p:sldId id="288" r:id="rId15"/>
+    <p:sldId id="289" r:id="rId16"/>
+    <p:sldId id="277" r:id="rId17"/>
+    <p:sldId id="278" r:id="rId18"/>
+    <p:sldId id="279" r:id="rId19"/>
+    <p:sldId id="268" r:id="rId20"/>
+    <p:sldId id="269" r:id="rId21"/>
+    <p:sldId id="270" r:id="rId22"/>
+    <p:sldId id="280" r:id="rId23"/>
+    <p:sldId id="274" r:id="rId24"/>
   </p:sldIdLst>
   <p:sldSz cx="12188825" cy="6858000"/>
   <p:notesSz cx="6858000" cy="9144000"/>
@@ -4038,7 +4044,7 @@
                   <a:schemeClr val="tx2"/>
                 </a:solidFill>
               </a:rPr>
-              <a:t>8/25/2016</a:t>
+              <a:t>8/27/2016</a:t>
             </a:fld>
             <a:endParaRPr>
               <a:solidFill>
@@ -4228,7 +4234,7 @@
             <a:fld id="{F95CF31C-F757-429C-A789-86504F04C3BE}" type="datetimeFigureOut">
               <a:rPr lang="en-US"/>
               <a:pPr/>
-              <a:t>8/25/2016</a:t>
+              <a:t>8/27/2016</a:t>
             </a:fld>
             <a:endParaRPr/>
           </a:p>
@@ -4828,7 +4834,7 @@
           <a:p>
             <a:fld id="{7AECB6C2-1084-4AED-A74A-DF028B0094EA}" type="datetimeFigureOut">
               <a:rPr lang="en-US"/>
-              <a:t>8/25/2016</a:t>
+              <a:t>8/27/2016</a:t>
             </a:fld>
             <a:endParaRPr/>
           </a:p>
@@ -5020,7 +5026,7 @@
           <a:p>
             <a:fld id="{7AECB6C2-1084-4AED-A74A-DF028B0094EA}" type="datetimeFigureOut">
               <a:rPr lang="en-US"/>
-              <a:t>8/25/2016</a:t>
+              <a:t>8/27/2016</a:t>
             </a:fld>
             <a:endParaRPr/>
           </a:p>
@@ -5218,7 +5224,7 @@
           <a:p>
             <a:fld id="{8B5A30F4-0B4E-4E4B-BC36-C30CD13F4E17}" type="datetimeFigureOut">
               <a:rPr lang="en-US"/>
-              <a:t>8/25/2016</a:t>
+              <a:t>8/27/2016</a:t>
             </a:fld>
             <a:endParaRPr/>
           </a:p>
@@ -5734,7 +5740,7 @@
           <a:p>
             <a:fld id="{2DD204D1-F9BD-4643-8480-6EA41EB484F1}" type="datetimeFigureOut">
               <a:rPr lang="en-US"/>
-              <a:t>8/25/2016</a:t>
+              <a:t>8/27/2016</a:t>
             </a:fld>
             <a:endParaRPr/>
           </a:p>
@@ -6182,7 +6188,7 @@
           <a:p>
             <a:fld id="{2DD204D1-F9BD-4643-8480-6EA41EB484F1}" type="datetimeFigureOut">
               <a:rPr lang="en-US"/>
-              <a:t>8/25/2016</a:t>
+              <a:t>8/27/2016</a:t>
             </a:fld>
             <a:endParaRPr/>
           </a:p>
@@ -6312,7 +6318,7 @@
           <a:p>
             <a:fld id="{2DD204D1-F9BD-4643-8480-6EA41EB484F1}" type="datetimeFigureOut">
               <a:rPr lang="en-US"/>
-              <a:t>8/25/2016</a:t>
+              <a:t>8/27/2016</a:t>
             </a:fld>
             <a:endParaRPr/>
           </a:p>
@@ -6419,7 +6425,7 @@
           <a:p>
             <a:fld id="{2DD204D1-F9BD-4643-8480-6EA41EB484F1}" type="datetimeFigureOut">
               <a:rPr lang="en-US"/>
-              <a:t>8/25/2016</a:t>
+              <a:t>8/27/2016</a:t>
             </a:fld>
             <a:endParaRPr/>
           </a:p>
@@ -6776,7 +6782,7 @@
           <a:p>
             <a:fld id="{126BF754-515F-40B9-8D24-D54D5825B3D0}" type="datetimeFigureOut">
               <a:rPr lang="en-US"/>
-              <a:t>8/25/2016</a:t>
+              <a:t>8/27/2016</a:t>
             </a:fld>
             <a:endParaRPr/>
           </a:p>
@@ -7113,7 +7119,7 @@
           <a:p>
             <a:fld id="{126BF754-515F-40B9-8D24-D54D5825B3D0}" type="datetimeFigureOut">
               <a:rPr lang="en-US"/>
-              <a:t>8/25/2016</a:t>
+              <a:t>8/27/2016</a:t>
             </a:fld>
             <a:endParaRPr/>
           </a:p>
@@ -7408,7 +7414,7 @@
             <a:fld id="{2DD204D1-F9BD-4643-8480-6EA41EB484F1}" type="datetimeFigureOut">
               <a:rPr lang="en-US"/>
               <a:pPr/>
-              <a:t>8/25/2016</a:t>
+              <a:t>8/27/2016</a:t>
             </a:fld>
             <a:endParaRPr/>
           </a:p>
@@ -7991,6 +7997,1050 @@
             <p:ph type="title"/>
           </p:nvPr>
         </p:nvSpPr>
+        <p:spPr>
+          <a:xfrm>
+            <a:off x="989012" y="76199"/>
+            <a:ext cx="10157354" cy="1397000"/>
+          </a:xfrm>
+        </p:spPr>
+        <p:txBody>
+          <a:bodyPr>
+            <a:normAutofit/>
+          </a:bodyPr>
+          <a:lstStyle/>
+          <a:p>
+            <a:r>
+              <a:rPr lang="en-US" sz="3600" dirty="0"/>
+              <a:t>Exporting and importing metadata</a:t>
+            </a:r>
+          </a:p>
+        </p:txBody>
+      </p:sp>
+      <p:sp>
+        <p:nvSpPr>
+          <p:cNvPr id="7" name="Content Placeholder 4"/>
+          <p:cNvSpPr>
+            <a:spLocks noGrp="1"/>
+          </p:cNvSpPr>
+          <p:nvPr>
+            <p:ph sz="half" idx="1"/>
+          </p:nvPr>
+        </p:nvSpPr>
+        <p:spPr>
+          <a:xfrm>
+            <a:off x="1002804" y="1905000"/>
+            <a:ext cx="6844208" cy="4724400"/>
+          </a:xfrm>
+        </p:spPr>
+        <p:txBody>
+          <a:bodyPr>
+            <a:normAutofit/>
+          </a:bodyPr>
+          <a:lstStyle/>
+          <a:p>
+            <a:pPr marL="0" indent="0">
+              <a:buNone/>
+            </a:pPr>
+            <a:r>
+              <a:rPr lang="en-US" b="1" dirty="0"/>
+              <a:t>Metadata</a:t>
+            </a:r>
+            <a:br>
+              <a:rPr lang="en-US" dirty="0"/>
+            </a:br>
+            <a:r>
+              <a:rPr lang="en-US" dirty="0"/>
+              <a:t>Includes information about the document and its contents, such as the author’s name, keywords, and copyright information, that can be used by search utilities.</a:t>
+            </a:r>
+          </a:p>
+          <a:p>
+            <a:pPr marL="0" indent="0">
+              <a:buNone/>
+            </a:pPr>
+            <a:r>
+              <a:rPr lang="en-US" b="1" dirty="0"/>
+              <a:t>XMP</a:t>
+            </a:r>
+            <a:br>
+              <a:rPr lang="en-US" dirty="0"/>
+            </a:br>
+            <a:r>
+              <a:rPr lang="en-US" dirty="0"/>
+              <a:t>The Extensible Metadata Platform (XMP) provides Adobe applications with a common XML framework that standardizes the creation, processing, and interchange of document metadata across publishing workflows.</a:t>
+            </a:r>
+            <a:endParaRPr lang="en-US" sz="2000" dirty="0"/>
+          </a:p>
+        </p:txBody>
+      </p:sp>
+      <p:pic>
+        <p:nvPicPr>
+          <p:cNvPr id="3" name="Picture 2"/>
+          <p:cNvPicPr>
+            <a:picLocks noChangeAspect="1"/>
+          </p:cNvPicPr>
+          <p:nvPr/>
+        </p:nvPicPr>
+        <p:blipFill>
+          <a:blip r:embed="rId2"/>
+          <a:stretch>
+            <a:fillRect/>
+          </a:stretch>
+        </p:blipFill>
+        <p:spPr>
+          <a:xfrm>
+            <a:off x="9371012" y="4495800"/>
+            <a:ext cx="1200057" cy="1261598"/>
+          </a:xfrm>
+          <a:prstGeom prst="rect">
+            <a:avLst/>
+          </a:prstGeom>
+        </p:spPr>
+      </p:pic>
+      <p:pic>
+        <p:nvPicPr>
+          <p:cNvPr id="4" name="Picture 3"/>
+          <p:cNvPicPr>
+            <a:picLocks noChangeAspect="1"/>
+          </p:cNvPicPr>
+          <p:nvPr/>
+        </p:nvPicPr>
+        <p:blipFill>
+          <a:blip r:embed="rId3"/>
+          <a:stretch>
+            <a:fillRect/>
+          </a:stretch>
+        </p:blipFill>
+        <p:spPr>
+          <a:xfrm>
+            <a:off x="9194849" y="1981200"/>
+            <a:ext cx="1552381" cy="1666667"/>
+          </a:xfrm>
+          <a:prstGeom prst="rect">
+            <a:avLst/>
+          </a:prstGeom>
+        </p:spPr>
+      </p:pic>
+      <p:sp>
+        <p:nvSpPr>
+          <p:cNvPr id="5" name="Down Arrow 4"/>
+          <p:cNvSpPr/>
+          <p:nvPr/>
+        </p:nvSpPr>
+        <p:spPr>
+          <a:xfrm>
+            <a:off x="9828212" y="3647867"/>
+            <a:ext cx="390572" cy="847932"/>
+          </a:xfrm>
+          <a:prstGeom prst="downArrow">
+            <a:avLst/>
+          </a:prstGeom>
+        </p:spPr>
+        <p:style>
+          <a:lnRef idx="2">
+            <a:schemeClr val="accent1">
+              <a:shade val="50000"/>
+            </a:schemeClr>
+          </a:lnRef>
+          <a:fillRef idx="1">
+            <a:schemeClr val="accent1"/>
+          </a:fillRef>
+          <a:effectRef idx="0">
+            <a:schemeClr val="accent1"/>
+          </a:effectRef>
+          <a:fontRef idx="minor">
+            <a:schemeClr val="lt1"/>
+          </a:fontRef>
+        </p:style>
+        <p:txBody>
+          <a:bodyPr rtlCol="0" anchor="ctr"/>
+          <a:lstStyle/>
+          <a:p>
+            <a:pPr algn="ctr"/>
+            <a:endParaRPr lang="en-US"/>
+          </a:p>
+        </p:txBody>
+      </p:sp>
+    </p:spTree>
+    <p:extLst>
+      <p:ext uri="{BB962C8B-B14F-4D97-AF65-F5344CB8AC3E}">
+        <p14:creationId xmlns:p14="http://schemas.microsoft.com/office/powerpoint/2010/main" val="2577499586"/>
+      </p:ext>
+    </p:extLst>
+  </p:cSld>
+  <p:clrMapOvr>
+    <a:masterClrMapping/>
+  </p:clrMapOvr>
+  <mc:AlternateContent xmlns:mc="http://schemas.openxmlformats.org/markup-compatibility/2006" xmlns:p14="http://schemas.microsoft.com/office/powerpoint/2010/main">
+    <mc:Choice Requires="p14">
+      <p:transition spd="med" p14:dur="700">
+        <p:fade/>
+      </p:transition>
+    </mc:Choice>
+    <mc:Fallback xmlns="">
+      <p:transition spd="med">
+        <p:fade/>
+      </p:transition>
+    </mc:Fallback>
+  </mc:AlternateContent>
+</p:sld>
+</file>
+
+<file path=ppt/slides/slide11.xml><?xml version="1.0" encoding="utf-8"?>
+<p:sld xmlns:a="http://schemas.openxmlformats.org/drawingml/2006/main" xmlns:r="http://schemas.openxmlformats.org/officeDocument/2006/relationships" xmlns:p="http://schemas.openxmlformats.org/presentationml/2006/main">
+  <p:cSld>
+    <p:spTree>
+      <p:nvGrpSpPr>
+        <p:cNvPr id="1" name=""/>
+        <p:cNvGrpSpPr/>
+        <p:nvPr/>
+      </p:nvGrpSpPr>
+      <p:grpSpPr>
+        <a:xfrm>
+          <a:off x="0" y="0"/>
+          <a:ext cx="0" cy="0"/>
+          <a:chOff x="0" y="0"/>
+          <a:chExt cx="0" cy="0"/>
+        </a:xfrm>
+      </p:grpSpPr>
+      <p:sp>
+        <p:nvSpPr>
+          <p:cNvPr id="2" name="Title 1"/>
+          <p:cNvSpPr>
+            <a:spLocks noGrp="1"/>
+          </p:cNvSpPr>
+          <p:nvPr>
+            <p:ph type="title"/>
+          </p:nvPr>
+        </p:nvSpPr>
+        <p:spPr>
+          <a:xfrm>
+            <a:off x="989012" y="76199"/>
+            <a:ext cx="10157354" cy="1397000"/>
+          </a:xfrm>
+        </p:spPr>
+        <p:txBody>
+          <a:bodyPr>
+            <a:normAutofit/>
+          </a:bodyPr>
+          <a:lstStyle/>
+          <a:p>
+            <a:r>
+              <a:rPr lang="en-US" sz="3600" dirty="0"/>
+              <a:t>Exporting and importing metadata</a:t>
+            </a:r>
+          </a:p>
+        </p:txBody>
+      </p:sp>
+      <p:sp>
+        <p:nvSpPr>
+          <p:cNvPr id="7" name="Content Placeholder 4"/>
+          <p:cNvSpPr>
+            <a:spLocks noGrp="1"/>
+          </p:cNvSpPr>
+          <p:nvPr>
+            <p:ph sz="half" idx="1"/>
+          </p:nvPr>
+        </p:nvSpPr>
+        <p:spPr>
+          <a:xfrm>
+            <a:off x="1002804" y="1905000"/>
+            <a:ext cx="10578008" cy="4724400"/>
+          </a:xfrm>
+        </p:spPr>
+        <p:txBody>
+          <a:bodyPr>
+            <a:normAutofit/>
+          </a:bodyPr>
+          <a:lstStyle/>
+          <a:p>
+            <a:pPr marL="0" indent="0">
+              <a:buNone/>
+            </a:pPr>
+            <a:r>
+              <a:rPr lang="en-US" b="1" dirty="0"/>
+              <a:t>Export</a:t>
+            </a:r>
+            <a:br>
+              <a:rPr lang="en-US" dirty="0"/>
+            </a:br>
+            <a:r>
+              <a:rPr lang="en-US" dirty="0"/>
+              <a:t>Specify the source of the PDF and destination of the XMP file.</a:t>
+            </a:r>
+          </a:p>
+          <a:p>
+            <a:pPr marL="0" indent="0">
+              <a:buNone/>
+            </a:pPr>
+            <a:r>
+              <a:rPr lang="en-US" sz="2000" dirty="0"/>
+              <a:t>&lt;</a:t>
+            </a:r>
+            <a:r>
+              <a:rPr lang="en-US" sz="2000" dirty="0" err="1"/>
+              <a:t>cfpdf</a:t>
+            </a:r>
+            <a:r>
+              <a:rPr lang="en-US" sz="2000" dirty="0"/>
+              <a:t> action=“export” type=“metadata” source = “file.pdf” </a:t>
+            </a:r>
+            <a:r>
+              <a:rPr lang="en-US" sz="2000" dirty="0" err="1"/>
+              <a:t>exportTo</a:t>
+            </a:r>
+            <a:r>
+              <a:rPr lang="en-US" sz="2000" dirty="0"/>
+              <a:t> =“</a:t>
+            </a:r>
+            <a:r>
+              <a:rPr lang="en-US" sz="2000" dirty="0" err="1"/>
+              <a:t>file.xmp</a:t>
+            </a:r>
+            <a:r>
+              <a:rPr lang="en-US" sz="2000" dirty="0"/>
+              <a:t>”/&gt;</a:t>
+            </a:r>
+          </a:p>
+          <a:p>
+            <a:pPr marL="0" indent="0">
+              <a:buNone/>
+            </a:pPr>
+            <a:r>
+              <a:rPr lang="en-US" b="1" dirty="0"/>
+              <a:t>Import</a:t>
+            </a:r>
+            <a:br>
+              <a:rPr lang="en-US" dirty="0"/>
+            </a:br>
+            <a:r>
+              <a:rPr lang="en-US" dirty="0"/>
+              <a:t>Specify the source of the PDF, the source of XMP file and the destination for the file to be placed.</a:t>
+            </a:r>
+          </a:p>
+          <a:p>
+            <a:pPr marL="0" indent="0">
+              <a:buNone/>
+            </a:pPr>
+            <a:r>
+              <a:rPr lang="en-US" sz="2000" dirty="0"/>
+              <a:t>&lt;</a:t>
+            </a:r>
+            <a:r>
+              <a:rPr lang="en-US" sz="2000" dirty="0" err="1"/>
+              <a:t>cfpdf</a:t>
+            </a:r>
+            <a:r>
+              <a:rPr lang="en-US" sz="2000" dirty="0"/>
+              <a:t> action=“import” type=“metadata” source=“file.pdf” </a:t>
+            </a:r>
+            <a:r>
+              <a:rPr lang="en-US" sz="2000" dirty="0" err="1"/>
+              <a:t>importFrom</a:t>
+            </a:r>
+            <a:r>
+              <a:rPr lang="en-US" sz="2000" dirty="0"/>
+              <a:t>=“</a:t>
+            </a:r>
+            <a:r>
+              <a:rPr lang="en-US" sz="2000" dirty="0" err="1"/>
+              <a:t>file.xmp</a:t>
+            </a:r>
+            <a:r>
+              <a:rPr lang="en-US" sz="2000" dirty="0"/>
+              <a:t>” destination=“PDF output file pathname” </a:t>
+            </a:r>
+            <a:r>
+              <a:rPr lang="en-US" sz="1800" dirty="0"/>
+              <a:t>/or </a:t>
+            </a:r>
+            <a:r>
+              <a:rPr lang="en-US" sz="2000" dirty="0"/>
+              <a:t>name=“PDF document variable name”/&gt;</a:t>
+            </a:r>
+            <a:endParaRPr lang="en-US" sz="1800" dirty="0"/>
+          </a:p>
+        </p:txBody>
+      </p:sp>
+    </p:spTree>
+    <p:extLst>
+      <p:ext uri="{BB962C8B-B14F-4D97-AF65-F5344CB8AC3E}">
+        <p14:creationId xmlns:p14="http://schemas.microsoft.com/office/powerpoint/2010/main" val="2025164487"/>
+      </p:ext>
+    </p:extLst>
+  </p:cSld>
+  <p:clrMapOvr>
+    <a:masterClrMapping/>
+  </p:clrMapOvr>
+  <mc:AlternateContent xmlns:mc="http://schemas.openxmlformats.org/markup-compatibility/2006" xmlns:p14="http://schemas.microsoft.com/office/powerpoint/2010/main">
+    <mc:Choice Requires="p14">
+      <p:transition spd="med" p14:dur="700">
+        <p:fade/>
+      </p:transition>
+    </mc:Choice>
+    <mc:Fallback xmlns="">
+      <p:transition spd="med">
+        <p:fade/>
+      </p:transition>
+    </mc:Fallback>
+  </mc:AlternateContent>
+</p:sld>
+</file>
+
+<file path=ppt/slides/slide12.xml><?xml version="1.0" encoding="utf-8"?>
+<p:sld xmlns:a="http://schemas.openxmlformats.org/drawingml/2006/main" xmlns:r="http://schemas.openxmlformats.org/officeDocument/2006/relationships" xmlns:p="http://schemas.openxmlformats.org/presentationml/2006/main">
+  <p:cSld>
+    <p:spTree>
+      <p:nvGrpSpPr>
+        <p:cNvPr id="1" name=""/>
+        <p:cNvGrpSpPr/>
+        <p:nvPr/>
+      </p:nvGrpSpPr>
+      <p:grpSpPr>
+        <a:xfrm>
+          <a:off x="0" y="0"/>
+          <a:ext cx="0" cy="0"/>
+          <a:chOff x="0" y="0"/>
+          <a:chExt cx="0" cy="0"/>
+        </a:xfrm>
+      </p:grpSpPr>
+      <p:sp>
+        <p:nvSpPr>
+          <p:cNvPr id="4" name="Rectangle 3"/>
+          <p:cNvSpPr/>
+          <p:nvPr/>
+        </p:nvSpPr>
+        <p:spPr>
+          <a:xfrm>
+            <a:off x="4494212" y="2667000"/>
+            <a:ext cx="3276600" cy="1200329"/>
+          </a:xfrm>
+          <a:prstGeom prst="rect">
+            <a:avLst/>
+          </a:prstGeom>
+          <a:noFill/>
+        </p:spPr>
+        <p:txBody>
+          <a:bodyPr wrap="square" lIns="91440" tIns="45720" rIns="91440" bIns="45720">
+            <a:spAutoFit/>
+          </a:bodyPr>
+          <a:lstStyle/>
+          <a:p>
+            <a:pPr algn="ctr"/>
+            <a:r>
+              <a:rPr lang="en-US" sz="7200" b="1" cap="none" spc="0" dirty="0">
+                <a:ln w="9525">
+                  <a:solidFill>
+                    <a:schemeClr val="bg1"/>
+                  </a:solidFill>
+                  <a:prstDash val="solid"/>
+                </a:ln>
+                <a:solidFill>
+                  <a:schemeClr val="tx1"/>
+                </a:solidFill>
+                <a:effectLst>
+                  <a:outerShdw blurRad="12700" dist="38100" dir="2700000" algn="tl" rotWithShape="0">
+                    <a:schemeClr val="bg1">
+                      <a:lumMod val="50000"/>
+                    </a:schemeClr>
+                  </a:outerShdw>
+                </a:effectLst>
+              </a:rPr>
+              <a:t>DEMO</a:t>
+            </a:r>
+          </a:p>
+        </p:txBody>
+      </p:sp>
+    </p:spTree>
+    <p:extLst>
+      <p:ext uri="{BB962C8B-B14F-4D97-AF65-F5344CB8AC3E}">
+        <p14:creationId xmlns:p14="http://schemas.microsoft.com/office/powerpoint/2010/main" val="534639588"/>
+      </p:ext>
+    </p:extLst>
+  </p:cSld>
+  <p:clrMapOvr>
+    <a:masterClrMapping/>
+  </p:clrMapOvr>
+  <mc:AlternateContent xmlns:mc="http://schemas.openxmlformats.org/markup-compatibility/2006" xmlns:p14="http://schemas.microsoft.com/office/powerpoint/2010/main">
+    <mc:Choice Requires="p14">
+      <p:transition spd="med" p14:dur="700">
+        <p:fade/>
+      </p:transition>
+    </mc:Choice>
+    <mc:Fallback xmlns="">
+      <p:transition spd="med">
+        <p:fade/>
+      </p:transition>
+    </mc:Fallback>
+  </mc:AlternateContent>
+</p:sld>
+</file>
+
+<file path=ppt/slides/slide13.xml><?xml version="1.0" encoding="utf-8"?>
+<p:sld xmlns:a="http://schemas.openxmlformats.org/drawingml/2006/main" xmlns:r="http://schemas.openxmlformats.org/officeDocument/2006/relationships" xmlns:p="http://schemas.openxmlformats.org/presentationml/2006/main">
+  <p:cSld>
+    <p:spTree>
+      <p:nvGrpSpPr>
+        <p:cNvPr id="1" name=""/>
+        <p:cNvGrpSpPr/>
+        <p:nvPr/>
+      </p:nvGrpSpPr>
+      <p:grpSpPr>
+        <a:xfrm>
+          <a:off x="0" y="0"/>
+          <a:ext cx="0" cy="0"/>
+          <a:chOff x="0" y="0"/>
+          <a:chExt cx="0" cy="0"/>
+        </a:xfrm>
+      </p:grpSpPr>
+      <p:sp>
+        <p:nvSpPr>
+          <p:cNvPr id="2" name="Title 1"/>
+          <p:cNvSpPr>
+            <a:spLocks noGrp="1"/>
+          </p:cNvSpPr>
+          <p:nvPr>
+            <p:ph type="title"/>
+          </p:nvPr>
+        </p:nvSpPr>
+        <p:spPr>
+          <a:xfrm>
+            <a:off x="989012" y="76199"/>
+            <a:ext cx="10157354" cy="1397000"/>
+          </a:xfrm>
+        </p:spPr>
+        <p:txBody>
+          <a:bodyPr>
+            <a:normAutofit/>
+          </a:bodyPr>
+          <a:lstStyle/>
+          <a:p>
+            <a:r>
+              <a:rPr lang="en-US" sz="3600" dirty="0"/>
+              <a:t>Sanitization</a:t>
+            </a:r>
+          </a:p>
+        </p:txBody>
+      </p:sp>
+      <p:sp>
+        <p:nvSpPr>
+          <p:cNvPr id="7" name="Content Placeholder 4"/>
+          <p:cNvSpPr>
+            <a:spLocks noGrp="1"/>
+          </p:cNvSpPr>
+          <p:nvPr>
+            <p:ph sz="half" idx="1"/>
+          </p:nvPr>
+        </p:nvSpPr>
+        <p:spPr>
+          <a:xfrm>
+            <a:off x="989012" y="1752600"/>
+            <a:ext cx="10896600" cy="2514600"/>
+          </a:xfrm>
+        </p:spPr>
+        <p:txBody>
+          <a:bodyPr>
+            <a:normAutofit/>
+          </a:bodyPr>
+          <a:lstStyle/>
+          <a:p>
+            <a:pPr marL="0" indent="0">
+              <a:buNone/>
+            </a:pPr>
+            <a:r>
+              <a:rPr lang="en-US" b="1" dirty="0"/>
+              <a:t>Sanitize</a:t>
+            </a:r>
+            <a:br>
+              <a:rPr lang="en-US" dirty="0"/>
+            </a:br>
+            <a:r>
+              <a:rPr lang="en-US" dirty="0"/>
+              <a:t>Removes metadata from your PDF </a:t>
+            </a:r>
+            <a:br>
+              <a:rPr lang="en-US" dirty="0"/>
+            </a:br>
+            <a:r>
+              <a:rPr lang="en-US" dirty="0"/>
+              <a:t>document so that sensitive information </a:t>
+            </a:r>
+            <a:br>
+              <a:rPr lang="en-US" dirty="0"/>
+            </a:br>
+            <a:r>
+              <a:rPr lang="en-US" dirty="0"/>
+              <a:t>is not inadvertently passed along when </a:t>
+            </a:r>
+            <a:br>
+              <a:rPr lang="en-US" dirty="0"/>
+            </a:br>
+            <a:r>
+              <a:rPr lang="en-US" dirty="0"/>
+              <a:t>you publish your PDF.</a:t>
+            </a:r>
+            <a:br>
+              <a:rPr lang="en-US" dirty="0"/>
+            </a:br>
+            <a:r>
+              <a:rPr lang="en-US" dirty="0"/>
+              <a:t>Sanitize removes the following:</a:t>
+            </a:r>
+          </a:p>
+          <a:p>
+            <a:pPr marL="0" indent="0">
+              <a:buNone/>
+            </a:pPr>
+            <a:endParaRPr lang="en-US" sz="1800" dirty="0"/>
+          </a:p>
+        </p:txBody>
+      </p:sp>
+      <p:sp>
+        <p:nvSpPr>
+          <p:cNvPr id="3" name="TextBox 2"/>
+          <p:cNvSpPr txBox="1"/>
+          <p:nvPr/>
+        </p:nvSpPr>
+        <p:spPr>
+          <a:xfrm>
+            <a:off x="989012" y="4114800"/>
+            <a:ext cx="4676280" cy="2677656"/>
+          </a:xfrm>
+          <a:prstGeom prst="rect">
+            <a:avLst/>
+          </a:prstGeom>
+          <a:noFill/>
+        </p:spPr>
+        <p:txBody>
+          <a:bodyPr wrap="none" rtlCol="0">
+            <a:spAutoFit/>
+          </a:bodyPr>
+          <a:lstStyle/>
+          <a:p>
+            <a:pPr marL="342900" indent="-342900">
+              <a:buFont typeface="Arial" panose="020B0604020202020204" pitchFamily="34" charset="0"/>
+              <a:buChar char="•"/>
+            </a:pPr>
+            <a:r>
+              <a:rPr lang="en-US" dirty="0"/>
+              <a:t>Metadata</a:t>
+            </a:r>
+          </a:p>
+          <a:p>
+            <a:pPr marL="342900" indent="-342900">
+              <a:buFont typeface="Arial" panose="020B0604020202020204" pitchFamily="34" charset="0"/>
+              <a:buChar char="•"/>
+            </a:pPr>
+            <a:r>
+              <a:rPr lang="en-US" dirty="0"/>
+              <a:t>Attached files</a:t>
+            </a:r>
+          </a:p>
+          <a:p>
+            <a:pPr marL="342900" indent="-342900">
+              <a:buFont typeface="Arial" panose="020B0604020202020204" pitchFamily="34" charset="0"/>
+              <a:buChar char="•"/>
+            </a:pPr>
+            <a:r>
+              <a:rPr lang="en-US" dirty="0"/>
+              <a:t>Scripts</a:t>
+            </a:r>
+          </a:p>
+          <a:p>
+            <a:pPr marL="342900" indent="-342900">
+              <a:buFont typeface="Arial" panose="020B0604020202020204" pitchFamily="34" charset="0"/>
+              <a:buChar char="•"/>
+            </a:pPr>
+            <a:r>
+              <a:rPr lang="en-US" dirty="0"/>
+              <a:t>Search indexes</a:t>
+            </a:r>
+          </a:p>
+          <a:p>
+            <a:pPr marL="342900" indent="-342900">
+              <a:buFont typeface="Arial" panose="020B0604020202020204" pitchFamily="34" charset="0"/>
+              <a:buChar char="•"/>
+            </a:pPr>
+            <a:r>
+              <a:rPr lang="en-US" dirty="0"/>
+              <a:t>Form data</a:t>
+            </a:r>
+          </a:p>
+          <a:p>
+            <a:pPr marL="342900" indent="-342900">
+              <a:buFont typeface="Arial" panose="020B0604020202020204" pitchFamily="34" charset="0"/>
+              <a:buChar char="•"/>
+            </a:pPr>
+            <a:r>
+              <a:rPr lang="en-US" dirty="0"/>
+              <a:t>Review and comment data</a:t>
+            </a:r>
+          </a:p>
+          <a:p>
+            <a:endParaRPr lang="en-US" dirty="0"/>
+          </a:p>
+        </p:txBody>
+      </p:sp>
+      <p:sp>
+        <p:nvSpPr>
+          <p:cNvPr id="6" name="TextBox 5"/>
+          <p:cNvSpPr txBox="1"/>
+          <p:nvPr/>
+        </p:nvSpPr>
+        <p:spPr>
+          <a:xfrm>
+            <a:off x="7237412" y="4267200"/>
+            <a:ext cx="4527201" cy="2308324"/>
+          </a:xfrm>
+          <a:prstGeom prst="rect">
+            <a:avLst/>
+          </a:prstGeom>
+          <a:noFill/>
+        </p:spPr>
+        <p:txBody>
+          <a:bodyPr wrap="none" rtlCol="0">
+            <a:spAutoFit/>
+          </a:bodyPr>
+          <a:lstStyle/>
+          <a:p>
+            <a:pPr marL="342900" indent="-342900">
+              <a:buFont typeface="Arial" panose="020B0604020202020204" pitchFamily="34" charset="0"/>
+              <a:buChar char="•"/>
+            </a:pPr>
+            <a:r>
+              <a:rPr lang="en-US" dirty="0"/>
+              <a:t>Obscured text and images</a:t>
+            </a:r>
+          </a:p>
+          <a:p>
+            <a:pPr marL="342900" indent="-342900">
+              <a:buFont typeface="Arial" panose="020B0604020202020204" pitchFamily="34" charset="0"/>
+              <a:buChar char="•"/>
+            </a:pPr>
+            <a:r>
+              <a:rPr lang="en-US" dirty="0"/>
+              <a:t>Unreferenced data</a:t>
+            </a:r>
+          </a:p>
+          <a:p>
+            <a:pPr marL="342900" indent="-342900">
+              <a:buFont typeface="Arial" panose="020B0604020202020204" pitchFamily="34" charset="0"/>
+              <a:buChar char="•"/>
+            </a:pPr>
+            <a:r>
+              <a:rPr lang="en-US" dirty="0"/>
+              <a:t>Links</a:t>
+            </a:r>
+          </a:p>
+          <a:p>
+            <a:pPr marL="342900" indent="-342900">
+              <a:buFont typeface="Arial" panose="020B0604020202020204" pitchFamily="34" charset="0"/>
+              <a:buChar char="•"/>
+            </a:pPr>
+            <a:r>
+              <a:rPr lang="en-US" dirty="0"/>
+              <a:t>Actions and </a:t>
+            </a:r>
+            <a:r>
+              <a:rPr lang="en-US" dirty="0" err="1"/>
+              <a:t>javascripts</a:t>
+            </a:r>
+            <a:endParaRPr lang="en-US" dirty="0"/>
+          </a:p>
+          <a:p>
+            <a:pPr marL="342900" indent="-342900">
+              <a:buFont typeface="Arial" panose="020B0604020202020204" pitchFamily="34" charset="0"/>
+              <a:buChar char="•"/>
+            </a:pPr>
+            <a:r>
+              <a:rPr lang="en-US" dirty="0"/>
+              <a:t>Overlapping objects</a:t>
+            </a:r>
+          </a:p>
+          <a:p>
+            <a:endParaRPr lang="en-US" dirty="0"/>
+          </a:p>
+        </p:txBody>
+      </p:sp>
+      <p:pic>
+        <p:nvPicPr>
+          <p:cNvPr id="5" name="Picture 4"/>
+          <p:cNvPicPr>
+            <a:picLocks noChangeAspect="1"/>
+          </p:cNvPicPr>
+          <p:nvPr/>
+        </p:nvPicPr>
+        <p:blipFill>
+          <a:blip r:embed="rId2"/>
+          <a:stretch>
+            <a:fillRect/>
+          </a:stretch>
+        </p:blipFill>
+        <p:spPr>
+          <a:xfrm>
+            <a:off x="8153359" y="1326392"/>
+            <a:ext cx="2695305" cy="2612190"/>
+          </a:xfrm>
+          <a:prstGeom prst="rect">
+            <a:avLst/>
+          </a:prstGeom>
+          <a:ln w="190500" cap="sq">
+            <a:solidFill>
+              <a:srgbClr val="C8C6BD"/>
+            </a:solidFill>
+            <a:prstDash val="solid"/>
+            <a:miter lim="800000"/>
+          </a:ln>
+          <a:effectLst>
+            <a:outerShdw blurRad="254000" algn="bl" rotWithShape="0">
+              <a:srgbClr val="000000">
+                <a:alpha val="43000"/>
+              </a:srgbClr>
+            </a:outerShdw>
+          </a:effectLst>
+          <a:scene3d>
+            <a:camera prst="perspectiveFront" fov="5400000"/>
+            <a:lightRig rig="threePt" dir="t">
+              <a:rot lat="0" lon="0" rev="2100000"/>
+            </a:lightRig>
+          </a:scene3d>
+          <a:sp3d extrusionH="25400">
+            <a:bevelT w="304800" h="152400" prst="hardEdge"/>
+            <a:extrusionClr>
+              <a:srgbClr val="000000"/>
+            </a:extrusionClr>
+          </a:sp3d>
+        </p:spPr>
+      </p:pic>
+    </p:spTree>
+    <p:extLst>
+      <p:ext uri="{BB962C8B-B14F-4D97-AF65-F5344CB8AC3E}">
+        <p14:creationId xmlns:p14="http://schemas.microsoft.com/office/powerpoint/2010/main" val="1669832632"/>
+      </p:ext>
+    </p:extLst>
+  </p:cSld>
+  <p:clrMapOvr>
+    <a:masterClrMapping/>
+  </p:clrMapOvr>
+  <mc:AlternateContent xmlns:mc="http://schemas.openxmlformats.org/markup-compatibility/2006" xmlns:p14="http://schemas.microsoft.com/office/powerpoint/2010/main">
+    <mc:Choice Requires="p14">
+      <p:transition spd="med" p14:dur="700">
+        <p:fade/>
+      </p:transition>
+    </mc:Choice>
+    <mc:Fallback xmlns="">
+      <p:transition spd="med">
+        <p:fade/>
+      </p:transition>
+    </mc:Fallback>
+  </mc:AlternateContent>
+</p:sld>
+</file>
+
+<file path=ppt/slides/slide14.xml><?xml version="1.0" encoding="utf-8"?>
+<p:sld xmlns:a="http://schemas.openxmlformats.org/drawingml/2006/main" xmlns:r="http://schemas.openxmlformats.org/officeDocument/2006/relationships" xmlns:p="http://schemas.openxmlformats.org/presentationml/2006/main">
+  <p:cSld>
+    <p:spTree>
+      <p:nvGrpSpPr>
+        <p:cNvPr id="1" name=""/>
+        <p:cNvGrpSpPr/>
+        <p:nvPr/>
+      </p:nvGrpSpPr>
+      <p:grpSpPr>
+        <a:xfrm>
+          <a:off x="0" y="0"/>
+          <a:ext cx="0" cy="0"/>
+          <a:chOff x="0" y="0"/>
+          <a:chExt cx="0" cy="0"/>
+        </a:xfrm>
+      </p:grpSpPr>
+      <p:sp>
+        <p:nvSpPr>
+          <p:cNvPr id="4" name="Rectangle 3"/>
+          <p:cNvSpPr/>
+          <p:nvPr/>
+        </p:nvSpPr>
+        <p:spPr>
+          <a:xfrm>
+            <a:off x="4494212" y="2667000"/>
+            <a:ext cx="3276600" cy="1200329"/>
+          </a:xfrm>
+          <a:prstGeom prst="rect">
+            <a:avLst/>
+          </a:prstGeom>
+          <a:noFill/>
+        </p:spPr>
+        <p:txBody>
+          <a:bodyPr wrap="square" lIns="91440" tIns="45720" rIns="91440" bIns="45720">
+            <a:spAutoFit/>
+          </a:bodyPr>
+          <a:lstStyle/>
+          <a:p>
+            <a:pPr algn="ctr"/>
+            <a:r>
+              <a:rPr lang="en-US" sz="7200" b="1" cap="none" spc="0" dirty="0">
+                <a:ln w="9525">
+                  <a:solidFill>
+                    <a:schemeClr val="bg1"/>
+                  </a:solidFill>
+                  <a:prstDash val="solid"/>
+                </a:ln>
+                <a:solidFill>
+                  <a:schemeClr val="tx1"/>
+                </a:solidFill>
+                <a:effectLst>
+                  <a:outerShdw blurRad="12700" dist="38100" dir="2700000" algn="tl" rotWithShape="0">
+                    <a:schemeClr val="bg1">
+                      <a:lumMod val="50000"/>
+                    </a:schemeClr>
+                  </a:outerShdw>
+                </a:effectLst>
+              </a:rPr>
+              <a:t>DEMO</a:t>
+            </a:r>
+          </a:p>
+        </p:txBody>
+      </p:sp>
+    </p:spTree>
+    <p:extLst>
+      <p:ext uri="{BB962C8B-B14F-4D97-AF65-F5344CB8AC3E}">
+        <p14:creationId xmlns:p14="http://schemas.microsoft.com/office/powerpoint/2010/main" val="3768639824"/>
+      </p:ext>
+    </p:extLst>
+  </p:cSld>
+  <p:clrMapOvr>
+    <a:masterClrMapping/>
+  </p:clrMapOvr>
+  <mc:AlternateContent xmlns:mc="http://schemas.openxmlformats.org/markup-compatibility/2006" xmlns:p14="http://schemas.microsoft.com/office/powerpoint/2010/main">
+    <mc:Choice Requires="p14">
+      <p:transition spd="med" p14:dur="700">
+        <p:fade/>
+      </p:transition>
+    </mc:Choice>
+    <mc:Fallback xmlns="">
+      <p:transition spd="med">
+        <p:fade/>
+      </p:transition>
+    </mc:Fallback>
+  </mc:AlternateContent>
+</p:sld>
+</file>
+
+<file path=ppt/slides/slide15.xml><?xml version="1.0" encoding="utf-8"?>
+<p:sld xmlns:a="http://schemas.openxmlformats.org/drawingml/2006/main" xmlns:r="http://schemas.openxmlformats.org/officeDocument/2006/relationships" xmlns:p="http://schemas.openxmlformats.org/presentationml/2006/main">
+  <p:cSld>
+    <p:spTree>
+      <p:nvGrpSpPr>
+        <p:cNvPr id="1" name=""/>
+        <p:cNvGrpSpPr/>
+        <p:nvPr/>
+      </p:nvGrpSpPr>
+      <p:grpSpPr>
+        <a:xfrm>
+          <a:off x="0" y="0"/>
+          <a:ext cx="0" cy="0"/>
+          <a:chOff x="0" y="0"/>
+          <a:chExt cx="0" cy="0"/>
+        </a:xfrm>
+      </p:grpSpPr>
+      <p:sp>
+        <p:nvSpPr>
+          <p:cNvPr id="2" name="Title 1"/>
+          <p:cNvSpPr>
+            <a:spLocks noGrp="1"/>
+          </p:cNvSpPr>
+          <p:nvPr>
+            <p:ph type="title"/>
+          </p:nvPr>
+        </p:nvSpPr>
+        <p:spPr/>
+        <p:txBody>
+          <a:bodyPr/>
+          <a:lstStyle/>
+          <a:p>
+            <a:r>
+              <a:rPr lang="en-US" dirty="0"/>
+              <a:t>Title and Content Layout with Chart </a:t>
+            </a:r>
+          </a:p>
+        </p:txBody>
+      </p:sp>
+      <p:graphicFrame>
+        <p:nvGraphicFramePr>
+          <p:cNvPr id="7" name="Content Placeholder 6" descr="Line" title="Chart"/>
+          <p:cNvGraphicFramePr>
+            <a:graphicFrameLocks noGrp="1"/>
+          </p:cNvGraphicFramePr>
+          <p:nvPr>
+            <p:ph idx="1"/>
+            <p:extLst>
+              <p:ext uri="{D42A27DB-BD31-4B8C-83A1-F6EECF244321}">
+                <p14:modId xmlns:p14="http://schemas.microsoft.com/office/powerpoint/2010/main" val="2432020898"/>
+              </p:ext>
+            </p:extLst>
+          </p:nvPr>
+        </p:nvGraphicFramePr>
+        <p:xfrm>
+          <a:off x="1117600" y="1701800"/>
+          <a:ext cx="10156825" cy="4470400"/>
+        </p:xfrm>
+        <a:graphic>
+          <a:graphicData uri="http://schemas.openxmlformats.org/drawingml/2006/chart">
+            <c:chart xmlns:c="http://schemas.openxmlformats.org/drawingml/2006/chart" xmlns:r="http://schemas.openxmlformats.org/officeDocument/2006/relationships" r:id="rId2"/>
+          </a:graphicData>
+        </a:graphic>
+      </p:graphicFrame>
+    </p:spTree>
+    <p:extLst>
+      <p:ext uri="{BB962C8B-B14F-4D97-AF65-F5344CB8AC3E}">
+        <p14:creationId xmlns:p14="http://schemas.microsoft.com/office/powerpoint/2010/main" val="2474917317"/>
+      </p:ext>
+    </p:extLst>
+  </p:cSld>
+  <p:clrMapOvr>
+    <a:masterClrMapping/>
+  </p:clrMapOvr>
+  <mc:AlternateContent xmlns:mc="http://schemas.openxmlformats.org/markup-compatibility/2006" xmlns:p14="http://schemas.microsoft.com/office/powerpoint/2010/main">
+    <mc:Choice Requires="p14">
+      <p:transition spd="med" p14:dur="700">
+        <p:fade/>
+      </p:transition>
+    </mc:Choice>
+    <mc:Fallback xmlns="">
+      <p:transition spd="med">
+        <p:fade/>
+      </p:transition>
+    </mc:Fallback>
+  </mc:AlternateContent>
+</p:sld>
+</file>
+
+<file path=ppt/slides/slide16.xml><?xml version="1.0" encoding="utf-8"?>
+<p:sld xmlns:a="http://schemas.openxmlformats.org/drawingml/2006/main" xmlns:r="http://schemas.openxmlformats.org/officeDocument/2006/relationships" xmlns:p="http://schemas.openxmlformats.org/presentationml/2006/main">
+  <p:cSld>
+    <p:spTree>
+      <p:nvGrpSpPr>
+        <p:cNvPr id="1" name=""/>
+        <p:cNvGrpSpPr/>
+        <p:nvPr/>
+      </p:nvGrpSpPr>
+      <p:grpSpPr>
+        <a:xfrm>
+          <a:off x="0" y="0"/>
+          <a:ext cx="0" cy="0"/>
+          <a:chOff x="0" y="0"/>
+          <a:chExt cx="0" cy="0"/>
+        </a:xfrm>
+      </p:grpSpPr>
+      <p:sp>
+        <p:nvSpPr>
+          <p:cNvPr id="2" name="Title 1"/>
+          <p:cNvSpPr>
+            <a:spLocks noGrp="1"/>
+          </p:cNvSpPr>
+          <p:nvPr>
+            <p:ph type="title"/>
+          </p:nvPr>
+        </p:nvSpPr>
         <p:spPr/>
         <p:txBody>
           <a:bodyPr/>
@@ -8304,7 +9354,7 @@
 </p:sld>
 </file>
 
-<file path=ppt/slides/slide11.xml><?xml version="1.0" encoding="utf-8"?>
+<file path=ppt/slides/slide17.xml><?xml version="1.0" encoding="utf-8"?>
 <p:sld xmlns:a="http://schemas.openxmlformats.org/drawingml/2006/main" xmlns:r="http://schemas.openxmlformats.org/officeDocument/2006/relationships" xmlns:p="http://schemas.openxmlformats.org/presentationml/2006/main">
   <p:cSld>
     <p:spTree>
@@ -8429,7 +9479,7 @@
 </p:sld>
 </file>
 
-<file path=ppt/slides/slide12.xml><?xml version="1.0" encoding="utf-8"?>
+<file path=ppt/slides/slide18.xml><?xml version="1.0" encoding="utf-8"?>
 <p:sld xmlns:a="http://schemas.openxmlformats.org/drawingml/2006/main" xmlns:r="http://schemas.openxmlformats.org/officeDocument/2006/relationships" xmlns:p="http://schemas.openxmlformats.org/presentationml/2006/main">
   <p:cSld>
     <p:spTree>
@@ -8566,7 +9616,7 @@
 </p:sld>
 </file>
 
-<file path=ppt/slides/slide13.xml><?xml version="1.0" encoding="utf-8"?>
+<file path=ppt/slides/slide19.xml><?xml version="1.0" encoding="utf-8"?>
 <p:sld xmlns:a="http://schemas.openxmlformats.org/drawingml/2006/main" xmlns:r="http://schemas.openxmlformats.org/officeDocument/2006/relationships" xmlns:p="http://schemas.openxmlformats.org/presentationml/2006/main">
   <p:cSld>
     <p:spTree>
@@ -8606,239 +9656,6 @@
     <p:extLst>
       <p:ext uri="{BB962C8B-B14F-4D97-AF65-F5344CB8AC3E}">
         <p14:creationId xmlns:p14="http://schemas.microsoft.com/office/powerpoint/2010/main" val="1653943558"/>
-      </p:ext>
-    </p:extLst>
-  </p:cSld>
-  <p:clrMapOvr>
-    <a:masterClrMapping/>
-  </p:clrMapOvr>
-  <mc:AlternateContent xmlns:mc="http://schemas.openxmlformats.org/markup-compatibility/2006" xmlns:p14="http://schemas.microsoft.com/office/powerpoint/2010/main">
-    <mc:Choice Requires="p14">
-      <p:transition spd="med" p14:dur="700">
-        <p:fade/>
-      </p:transition>
-    </mc:Choice>
-    <mc:Fallback xmlns="">
-      <p:transition spd="med">
-        <p:fade/>
-      </p:transition>
-    </mc:Fallback>
-  </mc:AlternateContent>
-</p:sld>
-</file>
-
-<file path=ppt/slides/slide14.xml><?xml version="1.0" encoding="utf-8"?>
-<p:sld xmlns:a="http://schemas.openxmlformats.org/drawingml/2006/main" xmlns:r="http://schemas.openxmlformats.org/officeDocument/2006/relationships" xmlns:p="http://schemas.openxmlformats.org/presentationml/2006/main">
-  <p:cSld>
-    <p:spTree>
-      <p:nvGrpSpPr>
-        <p:cNvPr id="1" name=""/>
-        <p:cNvGrpSpPr/>
-        <p:nvPr/>
-      </p:nvGrpSpPr>
-      <p:grpSpPr>
-        <a:xfrm>
-          <a:off x="0" y="0"/>
-          <a:ext cx="0" cy="0"/>
-          <a:chOff x="0" y="0"/>
-          <a:chExt cx="0" cy="0"/>
-        </a:xfrm>
-      </p:grpSpPr>
-    </p:spTree>
-    <p:extLst>
-      <p:ext uri="{BB962C8B-B14F-4D97-AF65-F5344CB8AC3E}">
-        <p14:creationId xmlns:p14="http://schemas.microsoft.com/office/powerpoint/2010/main" val="3030984589"/>
-      </p:ext>
-    </p:extLst>
-  </p:cSld>
-  <p:clrMapOvr>
-    <a:masterClrMapping/>
-  </p:clrMapOvr>
-  <mc:AlternateContent xmlns:mc="http://schemas.openxmlformats.org/markup-compatibility/2006" xmlns:p14="http://schemas.microsoft.com/office/powerpoint/2010/main">
-    <mc:Choice Requires="p14">
-      <p:transition spd="med" p14:dur="700">
-        <p:fade/>
-      </p:transition>
-    </mc:Choice>
-    <mc:Fallback xmlns="">
-      <p:transition spd="med">
-        <p:fade/>
-      </p:transition>
-    </mc:Fallback>
-  </mc:AlternateContent>
-</p:sld>
-</file>
-
-<file path=ppt/slides/slide15.xml><?xml version="1.0" encoding="utf-8"?>
-<p:sld xmlns:a="http://schemas.openxmlformats.org/drawingml/2006/main" xmlns:r="http://schemas.openxmlformats.org/officeDocument/2006/relationships" xmlns:p="http://schemas.openxmlformats.org/presentationml/2006/main">
-  <p:cSld>
-    <p:spTree>
-      <p:nvGrpSpPr>
-        <p:cNvPr id="1" name=""/>
-        <p:cNvGrpSpPr/>
-        <p:nvPr/>
-      </p:nvGrpSpPr>
-      <p:grpSpPr>
-        <a:xfrm>
-          <a:off x="0" y="0"/>
-          <a:ext cx="0" cy="0"/>
-          <a:chOff x="0" y="0"/>
-          <a:chExt cx="0" cy="0"/>
-        </a:xfrm>
-      </p:grpSpPr>
-      <p:sp>
-        <p:nvSpPr>
-          <p:cNvPr id="2" name="Title 1"/>
-          <p:cNvSpPr>
-            <a:spLocks noGrp="1"/>
-          </p:cNvSpPr>
-          <p:nvPr>
-            <p:ph type="title"/>
-          </p:nvPr>
-        </p:nvSpPr>
-        <p:spPr/>
-        <p:txBody>
-          <a:bodyPr/>
-          <a:lstStyle/>
-          <a:p>
-            <a:endParaRPr lang="en-US"/>
-          </a:p>
-        </p:txBody>
-      </p:sp>
-      <p:sp>
-        <p:nvSpPr>
-          <p:cNvPr id="3" name="Content Placeholder 2"/>
-          <p:cNvSpPr>
-            <a:spLocks noGrp="1"/>
-          </p:cNvSpPr>
-          <p:nvPr>
-            <p:ph idx="1"/>
-          </p:nvPr>
-        </p:nvSpPr>
-        <p:spPr/>
-        <p:txBody>
-          <a:bodyPr/>
-          <a:lstStyle/>
-          <a:p>
-            <a:endParaRPr lang="en-US"/>
-          </a:p>
-        </p:txBody>
-      </p:sp>
-      <p:sp>
-        <p:nvSpPr>
-          <p:cNvPr id="4" name="Text Placeholder 3"/>
-          <p:cNvSpPr>
-            <a:spLocks noGrp="1"/>
-          </p:cNvSpPr>
-          <p:nvPr>
-            <p:ph type="body" sz="half" idx="2"/>
-          </p:nvPr>
-        </p:nvSpPr>
-        <p:spPr/>
-        <p:txBody>
-          <a:bodyPr/>
-          <a:lstStyle/>
-          <a:p>
-            <a:endParaRPr lang="en-US"/>
-          </a:p>
-        </p:txBody>
-      </p:sp>
-    </p:spTree>
-    <p:extLst>
-      <p:ext uri="{BB962C8B-B14F-4D97-AF65-F5344CB8AC3E}">
-        <p14:creationId xmlns:p14="http://schemas.microsoft.com/office/powerpoint/2010/main" val="1750688946"/>
-      </p:ext>
-    </p:extLst>
-  </p:cSld>
-  <p:clrMapOvr>
-    <a:masterClrMapping/>
-  </p:clrMapOvr>
-  <mc:AlternateContent xmlns:mc="http://schemas.openxmlformats.org/markup-compatibility/2006" xmlns:p14="http://schemas.microsoft.com/office/powerpoint/2010/main">
-    <mc:Choice Requires="p14">
-      <p:transition spd="med" p14:dur="700">
-        <p:fade/>
-      </p:transition>
-    </mc:Choice>
-    <mc:Fallback xmlns="">
-      <p:transition spd="med">
-        <p:fade/>
-      </p:transition>
-    </mc:Fallback>
-  </mc:AlternateContent>
-</p:sld>
-</file>
-
-<file path=ppt/slides/slide16.xml><?xml version="1.0" encoding="utf-8"?>
-<p:sld xmlns:a="http://schemas.openxmlformats.org/drawingml/2006/main" xmlns:r="http://schemas.openxmlformats.org/officeDocument/2006/relationships" xmlns:p="http://schemas.openxmlformats.org/presentationml/2006/main">
-  <p:cSld>
-    <p:spTree>
-      <p:nvGrpSpPr>
-        <p:cNvPr id="1" name=""/>
-        <p:cNvGrpSpPr/>
-        <p:nvPr/>
-      </p:nvGrpSpPr>
-      <p:grpSpPr>
-        <a:xfrm>
-          <a:off x="0" y="0"/>
-          <a:ext cx="0" cy="0"/>
-          <a:chOff x="0" y="0"/>
-          <a:chExt cx="0" cy="0"/>
-        </a:xfrm>
-      </p:grpSpPr>
-      <p:sp>
-        <p:nvSpPr>
-          <p:cNvPr id="2" name="Title 1"/>
-          <p:cNvSpPr>
-            <a:spLocks noGrp="1"/>
-          </p:cNvSpPr>
-          <p:nvPr>
-            <p:ph type="title"/>
-          </p:nvPr>
-        </p:nvSpPr>
-        <p:spPr/>
-        <p:txBody>
-          <a:bodyPr/>
-          <a:lstStyle/>
-          <a:p>
-            <a:endParaRPr lang="en-US" dirty="0"/>
-          </a:p>
-        </p:txBody>
-      </p:sp>
-      <p:sp>
-        <p:nvSpPr>
-          <p:cNvPr id="4" name="Text Placeholder 3"/>
-          <p:cNvSpPr>
-            <a:spLocks noGrp="1"/>
-          </p:cNvSpPr>
-          <p:nvPr>
-            <p:ph type="body" sz="half" idx="2"/>
-          </p:nvPr>
-        </p:nvSpPr>
-        <p:spPr/>
-        <p:txBody>
-          <a:bodyPr/>
-          <a:lstStyle/>
-          <a:p>
-            <a:endParaRPr lang="en-US" dirty="0"/>
-          </a:p>
-        </p:txBody>
-      </p:sp>
-      <p:sp>
-        <p:nvSpPr>
-          <p:cNvPr id="3" name="Picture Placeholder 2"/>
-          <p:cNvSpPr>
-            <a:spLocks noGrp="1"/>
-          </p:cNvSpPr>
-          <p:nvPr>
-            <p:ph type="pic" idx="1"/>
-          </p:nvPr>
-        </p:nvSpPr>
-        <p:spPr/>
-      </p:sp>
-    </p:spTree>
-    <p:extLst>
-      <p:ext uri="{BB962C8B-B14F-4D97-AF65-F5344CB8AC3E}">
-        <p14:creationId xmlns:p14="http://schemas.microsoft.com/office/powerpoint/2010/main" val="3761302454"/>
       </p:ext>
     </p:extLst>
   </p:cSld>
@@ -9010,6 +9827,246 @@
     <p:extLst>
       <p:ext uri="{BB962C8B-B14F-4D97-AF65-F5344CB8AC3E}">
         <p14:creationId xmlns:p14="http://schemas.microsoft.com/office/powerpoint/2010/main" val="711182959"/>
+      </p:ext>
+    </p:extLst>
+  </p:cSld>
+  <p:clrMapOvr>
+    <a:masterClrMapping/>
+  </p:clrMapOvr>
+  <mc:AlternateContent xmlns:mc="http://schemas.openxmlformats.org/markup-compatibility/2006" xmlns:p14="http://schemas.microsoft.com/office/powerpoint/2010/main">
+    <mc:Choice Requires="p14">
+      <p:transition spd="med" p14:dur="700">
+        <p:fade/>
+      </p:transition>
+    </mc:Choice>
+    <mc:Fallback xmlns="">
+      <p:transition spd="med">
+        <p:fade/>
+      </p:transition>
+    </mc:Fallback>
+  </mc:AlternateContent>
+</p:sld>
+</file>
+
+<file path=ppt/slides/slide20.xml><?xml version="1.0" encoding="utf-8"?>
+<p:sld xmlns:a="http://schemas.openxmlformats.org/drawingml/2006/main" xmlns:r="http://schemas.openxmlformats.org/officeDocument/2006/relationships" xmlns:p="http://schemas.openxmlformats.org/presentationml/2006/main">
+  <p:cSld>
+    <p:spTree>
+      <p:nvGrpSpPr>
+        <p:cNvPr id="1" name=""/>
+        <p:cNvGrpSpPr/>
+        <p:nvPr/>
+      </p:nvGrpSpPr>
+      <p:grpSpPr>
+        <a:xfrm>
+          <a:off x="0" y="0"/>
+          <a:ext cx="0" cy="0"/>
+          <a:chOff x="0" y="0"/>
+          <a:chExt cx="0" cy="0"/>
+        </a:xfrm>
+      </p:grpSpPr>
+    </p:spTree>
+    <p:extLst>
+      <p:ext uri="{BB962C8B-B14F-4D97-AF65-F5344CB8AC3E}">
+        <p14:creationId xmlns:p14="http://schemas.microsoft.com/office/powerpoint/2010/main" val="3030984589"/>
+      </p:ext>
+    </p:extLst>
+  </p:cSld>
+  <p:clrMapOvr>
+    <a:masterClrMapping/>
+  </p:clrMapOvr>
+  <mc:AlternateContent xmlns:mc="http://schemas.openxmlformats.org/markup-compatibility/2006" xmlns:p14="http://schemas.microsoft.com/office/powerpoint/2010/main">
+    <mc:Choice Requires="p14">
+      <p:transition spd="med" p14:dur="700">
+        <p:fade/>
+      </p:transition>
+    </mc:Choice>
+    <mc:Fallback xmlns="">
+      <p:transition spd="med">
+        <p:fade/>
+      </p:transition>
+    </mc:Fallback>
+  </mc:AlternateContent>
+</p:sld>
+</file>
+
+<file path=ppt/slides/slide21.xml><?xml version="1.0" encoding="utf-8"?>
+<p:sld xmlns:a="http://schemas.openxmlformats.org/drawingml/2006/main" xmlns:r="http://schemas.openxmlformats.org/officeDocument/2006/relationships" xmlns:p="http://schemas.openxmlformats.org/presentationml/2006/main">
+  <p:cSld>
+    <p:spTree>
+      <p:nvGrpSpPr>
+        <p:cNvPr id="1" name=""/>
+        <p:cNvGrpSpPr/>
+        <p:nvPr/>
+      </p:nvGrpSpPr>
+      <p:grpSpPr>
+        <a:xfrm>
+          <a:off x="0" y="0"/>
+          <a:ext cx="0" cy="0"/>
+          <a:chOff x="0" y="0"/>
+          <a:chExt cx="0" cy="0"/>
+        </a:xfrm>
+      </p:grpSpPr>
+      <p:sp>
+        <p:nvSpPr>
+          <p:cNvPr id="2" name="Title 1"/>
+          <p:cNvSpPr>
+            <a:spLocks noGrp="1"/>
+          </p:cNvSpPr>
+          <p:nvPr>
+            <p:ph type="title"/>
+          </p:nvPr>
+        </p:nvSpPr>
+        <p:spPr/>
+        <p:txBody>
+          <a:bodyPr/>
+          <a:lstStyle/>
+          <a:p>
+            <a:endParaRPr lang="en-US"/>
+          </a:p>
+        </p:txBody>
+      </p:sp>
+      <p:sp>
+        <p:nvSpPr>
+          <p:cNvPr id="3" name="Content Placeholder 2"/>
+          <p:cNvSpPr>
+            <a:spLocks noGrp="1"/>
+          </p:cNvSpPr>
+          <p:nvPr>
+            <p:ph idx="1"/>
+          </p:nvPr>
+        </p:nvSpPr>
+        <p:spPr/>
+        <p:txBody>
+          <a:bodyPr/>
+          <a:lstStyle/>
+          <a:p>
+            <a:endParaRPr lang="en-US"/>
+          </a:p>
+        </p:txBody>
+      </p:sp>
+      <p:sp>
+        <p:nvSpPr>
+          <p:cNvPr id="4" name="Text Placeholder 3"/>
+          <p:cNvSpPr>
+            <a:spLocks noGrp="1"/>
+          </p:cNvSpPr>
+          <p:nvPr>
+            <p:ph type="body" sz="half" idx="2"/>
+          </p:nvPr>
+        </p:nvSpPr>
+        <p:spPr/>
+        <p:txBody>
+          <a:bodyPr/>
+          <a:lstStyle/>
+          <a:p>
+            <a:endParaRPr lang="en-US"/>
+          </a:p>
+        </p:txBody>
+      </p:sp>
+    </p:spTree>
+    <p:extLst>
+      <p:ext uri="{BB962C8B-B14F-4D97-AF65-F5344CB8AC3E}">
+        <p14:creationId xmlns:p14="http://schemas.microsoft.com/office/powerpoint/2010/main" val="1750688946"/>
+      </p:ext>
+    </p:extLst>
+  </p:cSld>
+  <p:clrMapOvr>
+    <a:masterClrMapping/>
+  </p:clrMapOvr>
+  <mc:AlternateContent xmlns:mc="http://schemas.openxmlformats.org/markup-compatibility/2006" xmlns:p14="http://schemas.microsoft.com/office/powerpoint/2010/main">
+    <mc:Choice Requires="p14">
+      <p:transition spd="med" p14:dur="700">
+        <p:fade/>
+      </p:transition>
+    </mc:Choice>
+    <mc:Fallback xmlns="">
+      <p:transition spd="med">
+        <p:fade/>
+      </p:transition>
+    </mc:Fallback>
+  </mc:AlternateContent>
+</p:sld>
+</file>
+
+<file path=ppt/slides/slide22.xml><?xml version="1.0" encoding="utf-8"?>
+<p:sld xmlns:a="http://schemas.openxmlformats.org/drawingml/2006/main" xmlns:r="http://schemas.openxmlformats.org/officeDocument/2006/relationships" xmlns:p="http://schemas.openxmlformats.org/presentationml/2006/main">
+  <p:cSld>
+    <p:spTree>
+      <p:nvGrpSpPr>
+        <p:cNvPr id="1" name=""/>
+        <p:cNvGrpSpPr/>
+        <p:nvPr/>
+      </p:nvGrpSpPr>
+      <p:grpSpPr>
+        <a:xfrm>
+          <a:off x="0" y="0"/>
+          <a:ext cx="0" cy="0"/>
+          <a:chOff x="0" y="0"/>
+          <a:chExt cx="0" cy="0"/>
+        </a:xfrm>
+      </p:grpSpPr>
+      <p:sp>
+        <p:nvSpPr>
+          <p:cNvPr id="2" name="Title 1"/>
+          <p:cNvSpPr>
+            <a:spLocks noGrp="1"/>
+          </p:cNvSpPr>
+          <p:nvPr>
+            <p:ph type="title"/>
+          </p:nvPr>
+        </p:nvSpPr>
+        <p:spPr/>
+        <p:txBody>
+          <a:bodyPr/>
+          <a:lstStyle/>
+          <a:p>
+            <a:r>
+              <a:rPr lang="en-US" dirty="0"/>
+              <a:t>+</a:t>
+            </a:r>
+            <a:br>
+              <a:rPr lang="en-US" dirty="0"/>
+            </a:br>
+            <a:endParaRPr lang="en-US" dirty="0"/>
+          </a:p>
+        </p:txBody>
+      </p:sp>
+      <p:sp>
+        <p:nvSpPr>
+          <p:cNvPr id="4" name="Text Placeholder 3"/>
+          <p:cNvSpPr>
+            <a:spLocks noGrp="1"/>
+          </p:cNvSpPr>
+          <p:nvPr>
+            <p:ph type="body" sz="half" idx="2"/>
+          </p:nvPr>
+        </p:nvSpPr>
+        <p:spPr/>
+        <p:txBody>
+          <a:bodyPr/>
+          <a:lstStyle/>
+          <a:p>
+            <a:endParaRPr lang="en-US" dirty="0"/>
+          </a:p>
+        </p:txBody>
+      </p:sp>
+      <p:sp>
+        <p:nvSpPr>
+          <p:cNvPr id="3" name="Picture Placeholder 2"/>
+          <p:cNvSpPr>
+            <a:spLocks noGrp="1"/>
+          </p:cNvSpPr>
+          <p:nvPr>
+            <p:ph type="pic" idx="1"/>
+          </p:nvPr>
+        </p:nvSpPr>
+        <p:spPr/>
+      </p:sp>
+    </p:spTree>
+    <p:extLst>
+      <p:ext uri="{BB962C8B-B14F-4D97-AF65-F5344CB8AC3E}">
+        <p14:creationId xmlns:p14="http://schemas.microsoft.com/office/powerpoint/2010/main" val="3761302454"/>
       </p:ext>
     </p:extLst>
   </p:cSld>
@@ -9851,7 +10908,7 @@
         <p:spPr>
           <a:xfrm>
             <a:off x="1827212" y="3581400"/>
-            <a:ext cx="6248400" cy="1143000"/>
+            <a:ext cx="6248400" cy="2743200"/>
           </a:xfrm>
         </p:spPr>
         <p:txBody>
@@ -9867,8 +10924,26 @@
           </a:p>
           <a:p>
             <a:r>
+              <a:rPr lang="en-US" dirty="0"/>
+              <a:t>Exporting and importing metadata</a:t>
+            </a:r>
+          </a:p>
+          <a:p>
+            <a:r>
+              <a:rPr lang="en-US" sz="2000" dirty="0"/>
+              <a:t>Sanitization</a:t>
+            </a:r>
+          </a:p>
+          <a:p>
+            <a:r>
               <a:rPr lang="en-US" sz="2000" dirty="0"/>
               <a:t>Barcode</a:t>
+            </a:r>
+          </a:p>
+          <a:p>
+            <a:r>
+              <a:rPr lang="en-US" sz="2000" dirty="0"/>
+              <a:t>All together to create PDF workflow</a:t>
             </a:r>
           </a:p>
         </p:txBody>
@@ -9985,7 +11060,7 @@
         <p:spPr>
           <a:xfrm>
             <a:off x="1002804" y="1905000"/>
-            <a:ext cx="8520608" cy="2590800"/>
+            <a:ext cx="6006008" cy="3505200"/>
           </a:xfrm>
         </p:spPr>
         <p:txBody>
@@ -10030,53 +11105,56 @@
           </a:p>
         </p:txBody>
       </p:sp>
-      <p:sp>
-        <p:nvSpPr>
-          <p:cNvPr id="3" name="Rectangle 2"/>
-          <p:cNvSpPr/>
+      <p:pic>
+        <p:nvPicPr>
+          <p:cNvPr id="5" name="Picture 4"/>
+          <p:cNvPicPr>
+            <a:picLocks noChangeAspect="1"/>
+          </p:cNvPicPr>
           <p:nvPr/>
-        </p:nvSpPr>
+        </p:nvPicPr>
+        <p:blipFill>
+          <a:blip r:embed="rId2"/>
+          <a:stretch>
+            <a:fillRect/>
+          </a:stretch>
+        </p:blipFill>
         <p:spPr>
           <a:xfrm>
-            <a:off x="4341812" y="4648200"/>
-            <a:ext cx="3276600" cy="1200329"/>
+            <a:off x="7618412" y="2053572"/>
+            <a:ext cx="3733800" cy="2800350"/>
           </a:xfrm>
           <a:prstGeom prst="rect">
             <a:avLst/>
           </a:prstGeom>
-          <a:noFill/>
+          <a:ln w="190500" cap="sq">
+            <a:solidFill>
+              <a:srgbClr val="C8C6BD"/>
+            </a:solidFill>
+            <a:prstDash val="solid"/>
+            <a:miter lim="800000"/>
+          </a:ln>
+          <a:effectLst>
+            <a:outerShdw blurRad="254000" algn="bl" rotWithShape="0">
+              <a:srgbClr val="000000">
+                <a:alpha val="43000"/>
+              </a:srgbClr>
+            </a:outerShdw>
+          </a:effectLst>
+          <a:scene3d>
+            <a:camera prst="perspectiveFront" fov="5400000"/>
+            <a:lightRig rig="threePt" dir="t">
+              <a:rot lat="0" lon="0" rev="2100000"/>
+            </a:lightRig>
+          </a:scene3d>
+          <a:sp3d extrusionH="25400">
+            <a:bevelT w="304800" h="152400" prst="hardEdge"/>
+            <a:extrusionClr>
+              <a:srgbClr val="000000"/>
+            </a:extrusionClr>
+          </a:sp3d>
         </p:spPr>
-        <p:txBody>
-          <a:bodyPr wrap="square" lIns="91440" tIns="45720" rIns="91440" bIns="45720">
-            <a:spAutoFit/>
-          </a:bodyPr>
-          <a:lstStyle/>
-          <a:p>
-            <a:pPr algn="ctr"/>
-            <a:r>
-              <a:rPr lang="en-US" sz="7200" b="1" cap="none" spc="0" dirty="0">
-                <a:ln w="9525">
-                  <a:solidFill>
-                    <a:schemeClr val="bg1"/>
-                  </a:solidFill>
-                  <a:prstDash val="solid"/>
-                </a:ln>
-                <a:solidFill>
-                  <a:schemeClr val="tx1"/>
-                </a:solidFill>
-                <a:effectLst>
-                  <a:outerShdw blurRad="12700" dist="38100" dir="2700000" algn="tl" rotWithShape="0">
-                    <a:schemeClr val="bg1">
-                      <a:lumMod val="50000"/>
-                    </a:schemeClr>
-                  </a:outerShdw>
-                </a:effectLst>
-              </a:rPr>
-              <a:t>DEMO</a:t>
-            </a:r>
-          </a:p>
-        </p:txBody>
-      </p:sp>
+      </p:pic>
     </p:spTree>
     <p:extLst>
       <p:ext uri="{BB962C8B-B14F-4D97-AF65-F5344CB8AC3E}">
@@ -10121,55 +11199,55 @@
       </p:grpSpPr>
       <p:sp>
         <p:nvSpPr>
-          <p:cNvPr id="2" name="Title 1"/>
-          <p:cNvSpPr>
-            <a:spLocks noGrp="1"/>
-          </p:cNvSpPr>
-          <p:nvPr>
-            <p:ph type="title"/>
-          </p:nvPr>
+          <p:cNvPr id="4" name="Rectangle 3"/>
+          <p:cNvSpPr/>
+          <p:nvPr/>
         </p:nvSpPr>
-        <p:spPr/>
+        <p:spPr>
+          <a:xfrm>
+            <a:off x="4494212" y="2667000"/>
+            <a:ext cx="3276600" cy="1200329"/>
+          </a:xfrm>
+          <a:prstGeom prst="rect">
+            <a:avLst/>
+          </a:prstGeom>
+          <a:noFill/>
+        </p:spPr>
         <p:txBody>
-          <a:bodyPr/>
+          <a:bodyPr wrap="square" lIns="91440" tIns="45720" rIns="91440" bIns="45720">
+            <a:spAutoFit/>
+          </a:bodyPr>
           <a:lstStyle/>
           <a:p>
-            <a:r>
-              <a:rPr lang="en-US" dirty="0"/>
-              <a:t>Title and Content Layout with Chart </a:t>
+            <a:pPr algn="ctr"/>
+            <a:r>
+              <a:rPr lang="en-US" sz="7200" b="1" cap="none" spc="0" dirty="0">
+                <a:ln w="9525">
+                  <a:solidFill>
+                    <a:schemeClr val="bg1"/>
+                  </a:solidFill>
+                  <a:prstDash val="solid"/>
+                </a:ln>
+                <a:solidFill>
+                  <a:schemeClr val="tx1"/>
+                </a:solidFill>
+                <a:effectLst>
+                  <a:outerShdw blurRad="12700" dist="38100" dir="2700000" algn="tl" rotWithShape="0">
+                    <a:schemeClr val="bg1">
+                      <a:lumMod val="50000"/>
+                    </a:schemeClr>
+                  </a:outerShdw>
+                </a:effectLst>
+              </a:rPr>
+              <a:t>DEMO</a:t>
             </a:r>
           </a:p>
         </p:txBody>
       </p:sp>
-      <p:graphicFrame>
-        <p:nvGraphicFramePr>
-          <p:cNvPr id="7" name="Content Placeholder 6" descr="Line" title="Chart"/>
-          <p:cNvGraphicFramePr>
-            <a:graphicFrameLocks noGrp="1"/>
-          </p:cNvGraphicFramePr>
-          <p:nvPr>
-            <p:ph idx="1"/>
-            <p:extLst>
-              <p:ext uri="{D42A27DB-BD31-4B8C-83A1-F6EECF244321}">
-                <p14:modId xmlns:p14="http://schemas.microsoft.com/office/powerpoint/2010/main" val="2432020898"/>
-              </p:ext>
-            </p:extLst>
-          </p:nvPr>
-        </p:nvGraphicFramePr>
-        <p:xfrm>
-          <a:off x="1117600" y="1701800"/>
-          <a:ext cx="10156825" cy="4470400"/>
-        </p:xfrm>
-        <a:graphic>
-          <a:graphicData uri="http://schemas.openxmlformats.org/drawingml/2006/chart">
-            <c:chart xmlns:c="http://schemas.openxmlformats.org/drawingml/2006/chart" xmlns:r="http://schemas.openxmlformats.org/officeDocument/2006/relationships" r:id="rId2"/>
-          </a:graphicData>
-        </a:graphic>
-      </p:graphicFrame>
     </p:spTree>
     <p:extLst>
       <p:ext uri="{BB962C8B-B14F-4D97-AF65-F5344CB8AC3E}">
-        <p14:creationId xmlns:p14="http://schemas.microsoft.com/office/powerpoint/2010/main" val="2474917317"/>
+        <p14:creationId xmlns:p14="http://schemas.microsoft.com/office/powerpoint/2010/main" val="2715543706"/>
       </p:ext>
     </p:extLst>
   </p:cSld>

--- a/powerpoint/SmartPDF/Don't Just PDF.pptx
+++ b/powerpoint/SmartPDF/Don't Just PDF.pptx
@@ -5,10 +5,10 @@
     <p:sldMasterId id="2147483660" r:id="rId2"/>
   </p:sldMasterIdLst>
   <p:notesMasterIdLst>
-    <p:notesMasterId r:id="rId25"/>
+    <p:notesMasterId r:id="rId32"/>
   </p:notesMasterIdLst>
   <p:handoutMasterIdLst>
-    <p:handoutMasterId r:id="rId26"/>
+    <p:handoutMasterId r:id="rId33"/>
   </p:handoutMasterIdLst>
   <p:sldIdLst>
     <p:sldId id="264" r:id="rId3"/>
@@ -25,14 +25,21 @@
     <p:sldId id="291" r:id="rId14"/>
     <p:sldId id="288" r:id="rId15"/>
     <p:sldId id="289" r:id="rId16"/>
-    <p:sldId id="277" r:id="rId17"/>
-    <p:sldId id="278" r:id="rId18"/>
-    <p:sldId id="279" r:id="rId19"/>
-    <p:sldId id="268" r:id="rId20"/>
-    <p:sldId id="269" r:id="rId21"/>
-    <p:sldId id="270" r:id="rId22"/>
-    <p:sldId id="280" r:id="rId23"/>
-    <p:sldId id="274" r:id="rId24"/>
+    <p:sldId id="292" r:id="rId17"/>
+    <p:sldId id="293" r:id="rId18"/>
+    <p:sldId id="294" r:id="rId19"/>
+    <p:sldId id="295" r:id="rId20"/>
+    <p:sldId id="296" r:id="rId21"/>
+    <p:sldId id="297" r:id="rId22"/>
+    <p:sldId id="298" r:id="rId23"/>
+    <p:sldId id="277" r:id="rId24"/>
+    <p:sldId id="278" r:id="rId25"/>
+    <p:sldId id="279" r:id="rId26"/>
+    <p:sldId id="268" r:id="rId27"/>
+    <p:sldId id="269" r:id="rId28"/>
+    <p:sldId id="270" r:id="rId29"/>
+    <p:sldId id="280" r:id="rId30"/>
+    <p:sldId id="274" r:id="rId31"/>
   </p:sldIdLst>
   <p:sldSz cx="12188825" cy="6858000"/>
   <p:notesSz cx="6858000" cy="9144000"/>
@@ -4044,7 +4051,7 @@
                   <a:schemeClr val="tx2"/>
                 </a:solidFill>
               </a:rPr>
-              <a:t>8/27/2016</a:t>
+              <a:t>8/29/2016</a:t>
             </a:fld>
             <a:endParaRPr>
               <a:solidFill>
@@ -4234,7 +4241,7 @@
             <a:fld id="{F95CF31C-F757-429C-A789-86504F04C3BE}" type="datetimeFigureOut">
               <a:rPr lang="en-US"/>
               <a:pPr/>
-              <a:t>8/27/2016</a:t>
+              <a:t>8/29/2016</a:t>
             </a:fld>
             <a:endParaRPr/>
           </a:p>
@@ -4834,7 +4841,7 @@
           <a:p>
             <a:fld id="{7AECB6C2-1084-4AED-A74A-DF028B0094EA}" type="datetimeFigureOut">
               <a:rPr lang="en-US"/>
-              <a:t>8/27/2016</a:t>
+              <a:t>8/29/2016</a:t>
             </a:fld>
             <a:endParaRPr/>
           </a:p>
@@ -5026,7 +5033,7 @@
           <a:p>
             <a:fld id="{7AECB6C2-1084-4AED-A74A-DF028B0094EA}" type="datetimeFigureOut">
               <a:rPr lang="en-US"/>
-              <a:t>8/27/2016</a:t>
+              <a:t>8/29/2016</a:t>
             </a:fld>
             <a:endParaRPr/>
           </a:p>
@@ -5224,7 +5231,7 @@
           <a:p>
             <a:fld id="{8B5A30F4-0B4E-4E4B-BC36-C30CD13F4E17}" type="datetimeFigureOut">
               <a:rPr lang="en-US"/>
-              <a:t>8/27/2016</a:t>
+              <a:t>8/29/2016</a:t>
             </a:fld>
             <a:endParaRPr/>
           </a:p>
@@ -5740,7 +5747,7 @@
           <a:p>
             <a:fld id="{2DD204D1-F9BD-4643-8480-6EA41EB484F1}" type="datetimeFigureOut">
               <a:rPr lang="en-US"/>
-              <a:t>8/27/2016</a:t>
+              <a:t>8/29/2016</a:t>
             </a:fld>
             <a:endParaRPr/>
           </a:p>
@@ -6188,7 +6195,7 @@
           <a:p>
             <a:fld id="{2DD204D1-F9BD-4643-8480-6EA41EB484F1}" type="datetimeFigureOut">
               <a:rPr lang="en-US"/>
-              <a:t>8/27/2016</a:t>
+              <a:t>8/29/2016</a:t>
             </a:fld>
             <a:endParaRPr/>
           </a:p>
@@ -6318,7 +6325,7 @@
           <a:p>
             <a:fld id="{2DD204D1-F9BD-4643-8480-6EA41EB484F1}" type="datetimeFigureOut">
               <a:rPr lang="en-US"/>
-              <a:t>8/27/2016</a:t>
+              <a:t>8/29/2016</a:t>
             </a:fld>
             <a:endParaRPr/>
           </a:p>
@@ -6425,7 +6432,7 @@
           <a:p>
             <a:fld id="{2DD204D1-F9BD-4643-8480-6EA41EB484F1}" type="datetimeFigureOut">
               <a:rPr lang="en-US"/>
-              <a:t>8/27/2016</a:t>
+              <a:t>8/29/2016</a:t>
             </a:fld>
             <a:endParaRPr/>
           </a:p>
@@ -6782,7 +6789,7 @@
           <a:p>
             <a:fld id="{126BF754-515F-40B9-8D24-D54D5825B3D0}" type="datetimeFigureOut">
               <a:rPr lang="en-US"/>
-              <a:t>8/27/2016</a:t>
+              <a:t>8/29/2016</a:t>
             </a:fld>
             <a:endParaRPr/>
           </a:p>
@@ -7119,7 +7126,7 @@
           <a:p>
             <a:fld id="{126BF754-515F-40B9-8D24-D54D5825B3D0}" type="datetimeFigureOut">
               <a:rPr lang="en-US"/>
-              <a:t>8/27/2016</a:t>
+              <a:t>8/29/2016</a:t>
             </a:fld>
             <a:endParaRPr/>
           </a:p>
@@ -7414,7 +7421,7 @@
             <a:fld id="{2DD204D1-F9BD-4643-8480-6EA41EB484F1}" type="datetimeFigureOut">
               <a:rPr lang="en-US"/>
               <a:pPr/>
-              <a:t>8/27/2016</a:t>
+              <a:t>8/29/2016</a:t>
             </a:fld>
             <a:endParaRPr/>
           </a:p>
@@ -8952,6 +8959,2057 @@
             <p:ph type="title"/>
           </p:nvPr>
         </p:nvSpPr>
+        <p:spPr>
+          <a:xfrm>
+            <a:off x="912812" y="84548"/>
+            <a:ext cx="10157354" cy="1015999"/>
+          </a:xfrm>
+        </p:spPr>
+        <p:txBody>
+          <a:bodyPr>
+            <a:normAutofit/>
+          </a:bodyPr>
+          <a:lstStyle/>
+          <a:p>
+            <a:r>
+              <a:rPr lang="en-US" sz="3600" dirty="0"/>
+              <a:t>Barcode</a:t>
+            </a:r>
+          </a:p>
+        </p:txBody>
+      </p:sp>
+      <p:sp>
+        <p:nvSpPr>
+          <p:cNvPr id="7" name="Content Placeholder 4"/>
+          <p:cNvSpPr>
+            <a:spLocks noGrp="1"/>
+          </p:cNvSpPr>
+          <p:nvPr>
+            <p:ph sz="half" idx="1"/>
+          </p:nvPr>
+        </p:nvSpPr>
+        <p:spPr>
+          <a:xfrm>
+            <a:off x="912812" y="1333209"/>
+            <a:ext cx="10744200" cy="1295400"/>
+          </a:xfrm>
+        </p:spPr>
+        <p:txBody>
+          <a:bodyPr>
+            <a:normAutofit/>
+          </a:bodyPr>
+          <a:lstStyle/>
+          <a:p>
+            <a:pPr marL="0" indent="0">
+              <a:buNone/>
+            </a:pPr>
+            <a:r>
+              <a:rPr lang="en-US" sz="2000" dirty="0"/>
+              <a:t>A </a:t>
+            </a:r>
+            <a:r>
+              <a:rPr lang="en-US" sz="2000" b="1" dirty="0"/>
+              <a:t>barcode</a:t>
+            </a:r>
+            <a:r>
+              <a:rPr lang="en-US" sz="2000" dirty="0"/>
+              <a:t> is an optical, machine-readable, representation of data; the data usually describes something about the object that carries the barcode. (Wikipedia)</a:t>
+            </a:r>
+            <a:endParaRPr lang="en-US" sz="1600" dirty="0"/>
+          </a:p>
+        </p:txBody>
+      </p:sp>
+      <p:sp>
+        <p:nvSpPr>
+          <p:cNvPr id="3" name="TextBox 2"/>
+          <p:cNvSpPr txBox="1"/>
+          <p:nvPr/>
+        </p:nvSpPr>
+        <p:spPr>
+          <a:xfrm>
+            <a:off x="912812" y="2726035"/>
+            <a:ext cx="4839786" cy="461665"/>
+          </a:xfrm>
+          <a:prstGeom prst="rect">
+            <a:avLst/>
+          </a:prstGeom>
+          <a:noFill/>
+        </p:spPr>
+        <p:txBody>
+          <a:bodyPr wrap="none" rtlCol="0">
+            <a:spAutoFit/>
+          </a:bodyPr>
+          <a:lstStyle/>
+          <a:p>
+            <a:r>
+              <a:rPr lang="en-US" b="1" dirty="0"/>
+              <a:t>One-Dimensional (1D) Barcode</a:t>
+            </a:r>
+          </a:p>
+        </p:txBody>
+      </p:sp>
+      <p:sp>
+        <p:nvSpPr>
+          <p:cNvPr id="6" name="TextBox 5"/>
+          <p:cNvSpPr txBox="1"/>
+          <p:nvPr/>
+        </p:nvSpPr>
+        <p:spPr>
+          <a:xfrm>
+            <a:off x="912812" y="3187700"/>
+            <a:ext cx="5965095" cy="1015663"/>
+          </a:xfrm>
+          <a:prstGeom prst="rect">
+            <a:avLst/>
+          </a:prstGeom>
+          <a:noFill/>
+        </p:spPr>
+        <p:txBody>
+          <a:bodyPr wrap="none" rtlCol="0">
+            <a:spAutoFit/>
+          </a:bodyPr>
+          <a:lstStyle/>
+          <a:p>
+            <a:r>
+              <a:rPr lang="en-US" sz="2000" dirty="0"/>
+              <a:t>Systematically represent data by varying the </a:t>
+            </a:r>
+          </a:p>
+          <a:p>
+            <a:r>
+              <a:rPr lang="en-US" sz="2000" dirty="0"/>
+              <a:t>widths and </a:t>
+            </a:r>
+            <a:r>
+              <a:rPr lang="en-US" sz="2000" dirty="0" err="1"/>
+              <a:t>spacings</a:t>
+            </a:r>
+            <a:r>
+              <a:rPr lang="en-US" sz="2000" dirty="0"/>
+              <a:t> of parallel lines, and may </a:t>
+            </a:r>
+          </a:p>
+          <a:p>
+            <a:r>
+              <a:rPr lang="en-US" sz="2000" dirty="0"/>
+              <a:t>be referred to as linear or one-dimensional. </a:t>
+            </a:r>
+          </a:p>
+        </p:txBody>
+      </p:sp>
+      <p:pic>
+        <p:nvPicPr>
+          <p:cNvPr id="4" name="Picture 3"/>
+          <p:cNvPicPr>
+            <a:picLocks noChangeAspect="1"/>
+          </p:cNvPicPr>
+          <p:nvPr/>
+        </p:nvPicPr>
+        <p:blipFill>
+          <a:blip r:embed="rId2">
+            <a:extLst>
+              <a:ext uri="{28A0092B-C50C-407E-A947-70E740481C1C}">
+                <a14:useLocalDpi xmlns:a14="http://schemas.microsoft.com/office/drawing/2010/main" val="0"/>
+              </a:ext>
+            </a:extLst>
+          </a:blip>
+          <a:stretch>
+            <a:fillRect/>
+          </a:stretch>
+        </p:blipFill>
+        <p:spPr>
+          <a:xfrm>
+            <a:off x="8685212" y="2590800"/>
+            <a:ext cx="2235200" cy="1717951"/>
+          </a:xfrm>
+          <a:prstGeom prst="rect">
+            <a:avLst/>
+          </a:prstGeom>
+          <a:ln w="190500" cap="sq">
+            <a:solidFill>
+              <a:srgbClr val="C8C6BD"/>
+            </a:solidFill>
+            <a:prstDash val="solid"/>
+            <a:miter lim="800000"/>
+          </a:ln>
+          <a:effectLst>
+            <a:outerShdw blurRad="254000" algn="bl" rotWithShape="0">
+              <a:srgbClr val="000000">
+                <a:alpha val="43000"/>
+              </a:srgbClr>
+            </a:outerShdw>
+          </a:effectLst>
+          <a:scene3d>
+            <a:camera prst="perspectiveFront" fov="5400000"/>
+            <a:lightRig rig="threePt" dir="t">
+              <a:rot lat="0" lon="0" rev="2100000"/>
+            </a:lightRig>
+          </a:scene3d>
+          <a:sp3d extrusionH="25400">
+            <a:bevelT w="304800" h="152400" prst="hardEdge"/>
+            <a:extrusionClr>
+              <a:srgbClr val="000000"/>
+            </a:extrusionClr>
+          </a:sp3d>
+        </p:spPr>
+      </p:pic>
+      <p:sp>
+        <p:nvSpPr>
+          <p:cNvPr id="8" name="TextBox 7"/>
+          <p:cNvSpPr txBox="1"/>
+          <p:nvPr/>
+        </p:nvSpPr>
+        <p:spPr>
+          <a:xfrm>
+            <a:off x="912812" y="4579788"/>
+            <a:ext cx="5486400" cy="461665"/>
+          </a:xfrm>
+          <a:prstGeom prst="rect">
+            <a:avLst/>
+          </a:prstGeom>
+          <a:noFill/>
+        </p:spPr>
+        <p:txBody>
+          <a:bodyPr wrap="square" rtlCol="0">
+            <a:spAutoFit/>
+          </a:bodyPr>
+          <a:lstStyle/>
+          <a:p>
+            <a:r>
+              <a:rPr lang="en-US" b="1" dirty="0"/>
+              <a:t>Two-Dimensional (2D) Barcode</a:t>
+            </a:r>
+          </a:p>
+        </p:txBody>
+      </p:sp>
+      <p:sp>
+        <p:nvSpPr>
+          <p:cNvPr id="9" name="TextBox 8"/>
+          <p:cNvSpPr txBox="1"/>
+          <p:nvPr/>
+        </p:nvSpPr>
+        <p:spPr>
+          <a:xfrm>
+            <a:off x="912812" y="5041453"/>
+            <a:ext cx="6758581" cy="1323439"/>
+          </a:xfrm>
+          <a:prstGeom prst="rect">
+            <a:avLst/>
+          </a:prstGeom>
+          <a:noFill/>
+        </p:spPr>
+        <p:txBody>
+          <a:bodyPr wrap="none" rtlCol="0">
+            <a:spAutoFit/>
+          </a:bodyPr>
+          <a:lstStyle/>
+          <a:p>
+            <a:r>
+              <a:rPr lang="en-US" sz="2000" dirty="0"/>
+              <a:t>Systematically represent data using two-dimensional </a:t>
+            </a:r>
+          </a:p>
+          <a:p>
+            <a:r>
+              <a:rPr lang="en-US" sz="2000" dirty="0"/>
+              <a:t>symbols and shapes. They are similar to a linear </a:t>
+            </a:r>
+          </a:p>
+          <a:p>
+            <a:r>
+              <a:rPr lang="en-US" sz="2000" dirty="0"/>
+              <a:t>1D barcode, but can represent more data </a:t>
+            </a:r>
+          </a:p>
+          <a:p>
+            <a:r>
+              <a:rPr lang="en-US" sz="2000" dirty="0"/>
+              <a:t>per unit area.</a:t>
+            </a:r>
+          </a:p>
+        </p:txBody>
+      </p:sp>
+      <p:pic>
+        <p:nvPicPr>
+          <p:cNvPr id="10" name="Picture 9"/>
+          <p:cNvPicPr>
+            <a:picLocks noChangeAspect="1"/>
+          </p:cNvPicPr>
+          <p:nvPr/>
+        </p:nvPicPr>
+        <p:blipFill>
+          <a:blip r:embed="rId3">
+            <a:extLst>
+              <a:ext uri="{28A0092B-C50C-407E-A947-70E740481C1C}">
+                <a14:useLocalDpi xmlns:a14="http://schemas.microsoft.com/office/drawing/2010/main" val="0"/>
+              </a:ext>
+            </a:extLst>
+          </a:blip>
+          <a:stretch>
+            <a:fillRect/>
+          </a:stretch>
+        </p:blipFill>
+        <p:spPr>
+          <a:xfrm>
+            <a:off x="8199405" y="4778875"/>
+            <a:ext cx="1603407" cy="1603407"/>
+          </a:xfrm>
+          <a:prstGeom prst="rect">
+            <a:avLst/>
+          </a:prstGeom>
+          <a:ln w="190500" cap="sq">
+            <a:solidFill>
+              <a:srgbClr val="C8C6BD"/>
+            </a:solidFill>
+            <a:prstDash val="solid"/>
+            <a:miter lim="800000"/>
+          </a:ln>
+          <a:effectLst>
+            <a:outerShdw blurRad="254000" algn="bl" rotWithShape="0">
+              <a:srgbClr val="000000">
+                <a:alpha val="43000"/>
+              </a:srgbClr>
+            </a:outerShdw>
+          </a:effectLst>
+          <a:scene3d>
+            <a:camera prst="perspectiveFront" fov="5400000"/>
+            <a:lightRig rig="threePt" dir="t">
+              <a:rot lat="0" lon="0" rev="2100000"/>
+            </a:lightRig>
+          </a:scene3d>
+          <a:sp3d extrusionH="25400">
+            <a:bevelT w="304800" h="152400" prst="hardEdge"/>
+            <a:extrusionClr>
+              <a:srgbClr val="000000"/>
+            </a:extrusionClr>
+          </a:sp3d>
+        </p:spPr>
+      </p:pic>
+    </p:spTree>
+    <p:extLst>
+      <p:ext uri="{BB962C8B-B14F-4D97-AF65-F5344CB8AC3E}">
+        <p14:creationId xmlns:p14="http://schemas.microsoft.com/office/powerpoint/2010/main" val="2719719530"/>
+      </p:ext>
+    </p:extLst>
+  </p:cSld>
+  <p:clrMapOvr>
+    <a:masterClrMapping/>
+  </p:clrMapOvr>
+  <mc:AlternateContent xmlns:mc="http://schemas.openxmlformats.org/markup-compatibility/2006" xmlns:p14="http://schemas.microsoft.com/office/powerpoint/2010/main">
+    <mc:Choice Requires="p14">
+      <p:transition spd="med" p14:dur="700">
+        <p:fade/>
+      </p:transition>
+    </mc:Choice>
+    <mc:Fallback xmlns="">
+      <p:transition spd="med">
+        <p:fade/>
+      </p:transition>
+    </mc:Fallback>
+  </mc:AlternateContent>
+</p:sld>
+</file>
+
+<file path=ppt/slides/slide16.xml><?xml version="1.0" encoding="utf-8"?>
+<p:sld xmlns:a="http://schemas.openxmlformats.org/drawingml/2006/main" xmlns:r="http://schemas.openxmlformats.org/officeDocument/2006/relationships" xmlns:p="http://schemas.openxmlformats.org/presentationml/2006/main">
+  <p:cSld>
+    <p:spTree>
+      <p:nvGrpSpPr>
+        <p:cNvPr id="1" name=""/>
+        <p:cNvGrpSpPr/>
+        <p:nvPr/>
+      </p:nvGrpSpPr>
+      <p:grpSpPr>
+        <a:xfrm>
+          <a:off x="0" y="0"/>
+          <a:ext cx="0" cy="0"/>
+          <a:chOff x="0" y="0"/>
+          <a:chExt cx="0" cy="0"/>
+        </a:xfrm>
+      </p:grpSpPr>
+      <p:sp>
+        <p:nvSpPr>
+          <p:cNvPr id="2" name="Title 1"/>
+          <p:cNvSpPr>
+            <a:spLocks noGrp="1"/>
+          </p:cNvSpPr>
+          <p:nvPr>
+            <p:ph type="title"/>
+          </p:nvPr>
+        </p:nvSpPr>
+        <p:spPr>
+          <a:xfrm>
+            <a:off x="934341" y="64738"/>
+            <a:ext cx="10157354" cy="939799"/>
+          </a:xfrm>
+        </p:spPr>
+        <p:txBody>
+          <a:bodyPr>
+            <a:normAutofit/>
+          </a:bodyPr>
+          <a:lstStyle/>
+          <a:p>
+            <a:r>
+              <a:rPr lang="en-US" sz="3600" dirty="0"/>
+              <a:t>Barcode</a:t>
+            </a:r>
+          </a:p>
+        </p:txBody>
+      </p:sp>
+      <p:sp>
+        <p:nvSpPr>
+          <p:cNvPr id="3" name="TextBox 2"/>
+          <p:cNvSpPr txBox="1"/>
+          <p:nvPr/>
+        </p:nvSpPr>
+        <p:spPr>
+          <a:xfrm>
+            <a:off x="902787" y="1028971"/>
+            <a:ext cx="5779146" cy="461665"/>
+          </a:xfrm>
+          <a:prstGeom prst="rect">
+            <a:avLst/>
+          </a:prstGeom>
+          <a:noFill/>
+        </p:spPr>
+        <p:txBody>
+          <a:bodyPr wrap="none" rtlCol="0">
+            <a:spAutoFit/>
+          </a:bodyPr>
+          <a:lstStyle/>
+          <a:p>
+            <a:r>
+              <a:rPr lang="en-US" b="1" dirty="0"/>
+              <a:t>One-Dimensional (1D) Barcode Types</a:t>
+            </a:r>
+          </a:p>
+        </p:txBody>
+      </p:sp>
+      <p:pic>
+        <p:nvPicPr>
+          <p:cNvPr id="4" name="Picture 3"/>
+          <p:cNvPicPr>
+            <a:picLocks noChangeAspect="1"/>
+          </p:cNvPicPr>
+          <p:nvPr/>
+        </p:nvPicPr>
+        <p:blipFill>
+          <a:blip r:embed="rId2">
+            <a:extLst>
+              <a:ext uri="{28A0092B-C50C-407E-A947-70E740481C1C}">
+                <a14:useLocalDpi xmlns:a14="http://schemas.microsoft.com/office/drawing/2010/main" val="0"/>
+              </a:ext>
+            </a:extLst>
+          </a:blip>
+          <a:stretch>
+            <a:fillRect/>
+          </a:stretch>
+        </p:blipFill>
+        <p:spPr>
+          <a:xfrm>
+            <a:off x="5942011" y="2156886"/>
+            <a:ext cx="1867546" cy="1435376"/>
+          </a:xfrm>
+          <a:prstGeom prst="rect">
+            <a:avLst/>
+          </a:prstGeom>
+          <a:solidFill>
+            <a:srgbClr val="FFFFFF">
+              <a:shade val="85000"/>
+            </a:srgbClr>
+          </a:solidFill>
+          <a:ln w="88900" cap="sq">
+            <a:solidFill>
+              <a:srgbClr val="FFFFFF"/>
+            </a:solidFill>
+            <a:miter lim="800000"/>
+          </a:ln>
+          <a:effectLst>
+            <a:outerShdw blurRad="55000" dist="18000" dir="5400000" algn="tl" rotWithShape="0">
+              <a:srgbClr val="000000">
+                <a:alpha val="40000"/>
+              </a:srgbClr>
+            </a:outerShdw>
+          </a:effectLst>
+          <a:scene3d>
+            <a:camera prst="orthographicFront"/>
+            <a:lightRig rig="twoPt" dir="t">
+              <a:rot lat="0" lon="0" rev="7200000"/>
+            </a:lightRig>
+          </a:scene3d>
+          <a:sp3d>
+            <a:bevelT w="25400" h="19050"/>
+            <a:contourClr>
+              <a:srgbClr val="FFFFFF"/>
+            </a:contourClr>
+          </a:sp3d>
+        </p:spPr>
+      </p:pic>
+      <p:sp>
+        <p:nvSpPr>
+          <p:cNvPr id="11" name="TextBox 10"/>
+          <p:cNvSpPr txBox="1"/>
+          <p:nvPr/>
+        </p:nvSpPr>
+        <p:spPr>
+          <a:xfrm>
+            <a:off x="934341" y="2156886"/>
+            <a:ext cx="3350597" cy="3662541"/>
+          </a:xfrm>
+          <a:prstGeom prst="rect">
+            <a:avLst/>
+          </a:prstGeom>
+          <a:noFill/>
+        </p:spPr>
+        <p:txBody>
+          <a:bodyPr wrap="none" rtlCol="0">
+            <a:spAutoFit/>
+          </a:bodyPr>
+          <a:lstStyle/>
+          <a:p>
+            <a:pPr marL="342900" indent="-342900">
+              <a:buFont typeface="Arial" panose="020B0604020202020204" pitchFamily="34" charset="0"/>
+              <a:buChar char="•"/>
+            </a:pPr>
+            <a:r>
+              <a:rPr lang="en-US" sz="2000" dirty="0"/>
+              <a:t>UPC CODE</a:t>
+            </a:r>
+          </a:p>
+          <a:p>
+            <a:pPr marL="342900" indent="-342900">
+              <a:buFont typeface="Arial" panose="020B0604020202020204" pitchFamily="34" charset="0"/>
+              <a:buChar char="•"/>
+            </a:pPr>
+            <a:r>
+              <a:rPr lang="en-US" sz="2000" dirty="0"/>
+              <a:t>EAN CODE</a:t>
+            </a:r>
+          </a:p>
+          <a:p>
+            <a:pPr marL="342900" indent="-342900">
+              <a:buFont typeface="Arial" panose="020B0604020202020204" pitchFamily="34" charset="0"/>
+              <a:buChar char="•"/>
+            </a:pPr>
+            <a:r>
+              <a:rPr lang="en-US" sz="2000" dirty="0"/>
+              <a:t>CODE 39</a:t>
+            </a:r>
+          </a:p>
+          <a:p>
+            <a:pPr marL="342900" indent="-342900">
+              <a:buFont typeface="Arial" panose="020B0604020202020204" pitchFamily="34" charset="0"/>
+              <a:buChar char="•"/>
+            </a:pPr>
+            <a:r>
+              <a:rPr lang="en-US" sz="2000" dirty="0"/>
+              <a:t>CODE 128</a:t>
+            </a:r>
+          </a:p>
+          <a:p>
+            <a:pPr marL="342900" indent="-342900">
+              <a:buFont typeface="Arial" panose="020B0604020202020204" pitchFamily="34" charset="0"/>
+              <a:buChar char="•"/>
+            </a:pPr>
+            <a:r>
+              <a:rPr lang="en-US" sz="2000" dirty="0"/>
+              <a:t>ITF (Interleaved 2 OF 5)</a:t>
+            </a:r>
+          </a:p>
+          <a:p>
+            <a:pPr marL="342900" indent="-342900">
+              <a:buFont typeface="Arial" panose="020B0604020202020204" pitchFamily="34" charset="0"/>
+              <a:buChar char="•"/>
+            </a:pPr>
+            <a:r>
+              <a:rPr lang="en-US" sz="2000" dirty="0"/>
+              <a:t>CODE 93</a:t>
+            </a:r>
+          </a:p>
+          <a:p>
+            <a:pPr marL="342900" indent="-342900">
+              <a:buFont typeface="Arial" panose="020B0604020202020204" pitchFamily="34" charset="0"/>
+              <a:buChar char="•"/>
+            </a:pPr>
+            <a:r>
+              <a:rPr lang="en-US" sz="2000" dirty="0"/>
+              <a:t>CODABAR</a:t>
+            </a:r>
+          </a:p>
+          <a:p>
+            <a:pPr marL="342900" indent="-342900">
+              <a:buFont typeface="Arial" panose="020B0604020202020204" pitchFamily="34" charset="0"/>
+              <a:buChar char="•"/>
+            </a:pPr>
+            <a:r>
+              <a:rPr lang="en-US" sz="2000" dirty="0"/>
+              <a:t>GS1 DATABAR</a:t>
+            </a:r>
+          </a:p>
+          <a:p>
+            <a:pPr marL="342900" indent="-342900">
+              <a:buFont typeface="Arial" panose="020B0604020202020204" pitchFamily="34" charset="0"/>
+              <a:buChar char="•"/>
+            </a:pPr>
+            <a:r>
+              <a:rPr lang="en-US" sz="2000" dirty="0"/>
+              <a:t>MSI PLESSEY</a:t>
+            </a:r>
+          </a:p>
+          <a:p>
+            <a:pPr marL="342900" indent="-342900">
+              <a:buFont typeface="Arial" panose="020B0604020202020204" pitchFamily="34" charset="0"/>
+              <a:buChar char="•"/>
+            </a:pPr>
+            <a:endParaRPr lang="en-US" dirty="0"/>
+          </a:p>
+          <a:p>
+            <a:pPr marL="342900" indent="-342900">
+              <a:buFont typeface="Arial" panose="020B0604020202020204" pitchFamily="34" charset="0"/>
+              <a:buChar char="•"/>
+            </a:pPr>
+            <a:endParaRPr lang="en-US" dirty="0"/>
+          </a:p>
+        </p:txBody>
+      </p:sp>
+      <p:sp>
+        <p:nvSpPr>
+          <p:cNvPr id="12" name="Rectangle 11"/>
+          <p:cNvSpPr/>
+          <p:nvPr/>
+        </p:nvSpPr>
+        <p:spPr>
+          <a:xfrm>
+            <a:off x="6172707" y="3732404"/>
+            <a:ext cx="1406154" cy="369332"/>
+          </a:xfrm>
+          <a:prstGeom prst="rect">
+            <a:avLst/>
+          </a:prstGeom>
+        </p:spPr>
+        <p:txBody>
+          <a:bodyPr wrap="none">
+            <a:spAutoFit/>
+          </a:bodyPr>
+          <a:lstStyle/>
+          <a:p>
+            <a:r>
+              <a:rPr lang="en-US" sz="1800" dirty="0"/>
+              <a:t>UPC CODE</a:t>
+            </a:r>
+          </a:p>
+        </p:txBody>
+      </p:sp>
+      <p:pic>
+        <p:nvPicPr>
+          <p:cNvPr id="14" name="Picture 13"/>
+          <p:cNvPicPr>
+            <a:picLocks noChangeAspect="1"/>
+          </p:cNvPicPr>
+          <p:nvPr/>
+        </p:nvPicPr>
+        <p:blipFill>
+          <a:blip r:embed="rId3">
+            <a:extLst>
+              <a:ext uri="{28A0092B-C50C-407E-A947-70E740481C1C}">
+                <a14:useLocalDpi xmlns:a14="http://schemas.microsoft.com/office/drawing/2010/main" val="0"/>
+              </a:ext>
+            </a:extLst>
+          </a:blip>
+          <a:stretch>
+            <a:fillRect/>
+          </a:stretch>
+        </p:blipFill>
+        <p:spPr>
+          <a:xfrm>
+            <a:off x="5997011" y="4299636"/>
+            <a:ext cx="1757545" cy="1757545"/>
+          </a:xfrm>
+          <a:prstGeom prst="rect">
+            <a:avLst/>
+          </a:prstGeom>
+          <a:solidFill>
+            <a:srgbClr val="FFFFFF">
+              <a:shade val="85000"/>
+            </a:srgbClr>
+          </a:solidFill>
+          <a:ln w="88900" cap="sq">
+            <a:solidFill>
+              <a:srgbClr val="FFFFFF"/>
+            </a:solidFill>
+            <a:miter lim="800000"/>
+          </a:ln>
+          <a:effectLst>
+            <a:outerShdw blurRad="55000" dist="18000" dir="5400000" algn="tl" rotWithShape="0">
+              <a:srgbClr val="000000">
+                <a:alpha val="40000"/>
+              </a:srgbClr>
+            </a:outerShdw>
+          </a:effectLst>
+          <a:scene3d>
+            <a:camera prst="orthographicFront"/>
+            <a:lightRig rig="twoPt" dir="t">
+              <a:rot lat="0" lon="0" rev="7200000"/>
+            </a:lightRig>
+          </a:scene3d>
+          <a:sp3d>
+            <a:bevelT w="25400" h="19050"/>
+            <a:contourClr>
+              <a:srgbClr val="FFFFFF"/>
+            </a:contourClr>
+          </a:sp3d>
+        </p:spPr>
+      </p:pic>
+      <p:sp>
+        <p:nvSpPr>
+          <p:cNvPr id="15" name="Rectangle 14"/>
+          <p:cNvSpPr/>
+          <p:nvPr/>
+        </p:nvSpPr>
+        <p:spPr>
+          <a:xfrm>
+            <a:off x="6172707" y="6142401"/>
+            <a:ext cx="1188146" cy="369332"/>
+          </a:xfrm>
+          <a:prstGeom prst="rect">
+            <a:avLst/>
+          </a:prstGeom>
+        </p:spPr>
+        <p:txBody>
+          <a:bodyPr wrap="none">
+            <a:spAutoFit/>
+          </a:bodyPr>
+          <a:lstStyle/>
+          <a:p>
+            <a:r>
+              <a:rPr lang="en-US" sz="1800" dirty="0"/>
+              <a:t>CODE 39</a:t>
+            </a:r>
+          </a:p>
+        </p:txBody>
+      </p:sp>
+      <p:pic>
+        <p:nvPicPr>
+          <p:cNvPr id="16" name="Picture 15"/>
+          <p:cNvPicPr>
+            <a:picLocks noChangeAspect="1"/>
+          </p:cNvPicPr>
+          <p:nvPr/>
+        </p:nvPicPr>
+        <p:blipFill>
+          <a:blip r:embed="rId4">
+            <a:extLst>
+              <a:ext uri="{28A0092B-C50C-407E-A947-70E740481C1C}">
+                <a14:useLocalDpi xmlns:a14="http://schemas.microsoft.com/office/drawing/2010/main" val="0"/>
+              </a:ext>
+            </a:extLst>
+          </a:blip>
+          <a:stretch>
+            <a:fillRect/>
+          </a:stretch>
+        </p:blipFill>
+        <p:spPr>
+          <a:xfrm>
+            <a:off x="8707979" y="2141072"/>
+            <a:ext cx="2051214" cy="1555723"/>
+          </a:xfrm>
+          <a:prstGeom prst="rect">
+            <a:avLst/>
+          </a:prstGeom>
+          <a:solidFill>
+            <a:srgbClr val="FFFFFF">
+              <a:shade val="85000"/>
+            </a:srgbClr>
+          </a:solidFill>
+          <a:ln w="88900" cap="sq">
+            <a:solidFill>
+              <a:srgbClr val="FFFFFF"/>
+            </a:solidFill>
+            <a:miter lim="800000"/>
+          </a:ln>
+          <a:effectLst>
+            <a:outerShdw blurRad="55000" dist="18000" dir="5400000" algn="tl" rotWithShape="0">
+              <a:srgbClr val="000000">
+                <a:alpha val="40000"/>
+              </a:srgbClr>
+            </a:outerShdw>
+          </a:effectLst>
+          <a:scene3d>
+            <a:camera prst="orthographicFront"/>
+            <a:lightRig rig="twoPt" dir="t">
+              <a:rot lat="0" lon="0" rev="7200000"/>
+            </a:lightRig>
+          </a:scene3d>
+          <a:sp3d>
+            <a:bevelT w="25400" h="19050"/>
+            <a:contourClr>
+              <a:srgbClr val="FFFFFF"/>
+            </a:contourClr>
+          </a:sp3d>
+        </p:spPr>
+      </p:pic>
+      <p:sp>
+        <p:nvSpPr>
+          <p:cNvPr id="17" name="Rectangle 16"/>
+          <p:cNvSpPr/>
+          <p:nvPr/>
+        </p:nvSpPr>
+        <p:spPr>
+          <a:xfrm>
+            <a:off x="8419337" y="3720822"/>
+            <a:ext cx="2727029" cy="369332"/>
+          </a:xfrm>
+          <a:prstGeom prst="rect">
+            <a:avLst/>
+          </a:prstGeom>
+        </p:spPr>
+        <p:txBody>
+          <a:bodyPr wrap="none">
+            <a:spAutoFit/>
+          </a:bodyPr>
+          <a:lstStyle/>
+          <a:p>
+            <a:r>
+              <a:rPr lang="en-US" sz="1800" dirty="0"/>
+              <a:t>ITF (Interleaved 2 OF 5)</a:t>
+            </a:r>
+          </a:p>
+        </p:txBody>
+      </p:sp>
+      <p:pic>
+        <p:nvPicPr>
+          <p:cNvPr id="18" name="Picture 17"/>
+          <p:cNvPicPr>
+            <a:picLocks noChangeAspect="1"/>
+          </p:cNvPicPr>
+          <p:nvPr/>
+        </p:nvPicPr>
+        <p:blipFill>
+          <a:blip r:embed="rId5">
+            <a:extLst>
+              <a:ext uri="{28A0092B-C50C-407E-A947-70E740481C1C}">
+                <a14:useLocalDpi xmlns:a14="http://schemas.microsoft.com/office/drawing/2010/main" val="0"/>
+              </a:ext>
+            </a:extLst>
+          </a:blip>
+          <a:stretch>
+            <a:fillRect/>
+          </a:stretch>
+        </p:blipFill>
+        <p:spPr>
+          <a:xfrm>
+            <a:off x="8745775" y="4299636"/>
+            <a:ext cx="1678867" cy="1678867"/>
+          </a:xfrm>
+          <a:prstGeom prst="rect">
+            <a:avLst/>
+          </a:prstGeom>
+          <a:solidFill>
+            <a:srgbClr val="FFFFFF">
+              <a:shade val="85000"/>
+            </a:srgbClr>
+          </a:solidFill>
+          <a:ln w="88900" cap="sq">
+            <a:solidFill>
+              <a:srgbClr val="FFFFFF"/>
+            </a:solidFill>
+            <a:miter lim="800000"/>
+          </a:ln>
+          <a:effectLst>
+            <a:outerShdw blurRad="55000" dist="18000" dir="5400000" algn="tl" rotWithShape="0">
+              <a:srgbClr val="000000">
+                <a:alpha val="40000"/>
+              </a:srgbClr>
+            </a:outerShdw>
+          </a:effectLst>
+          <a:scene3d>
+            <a:camera prst="orthographicFront"/>
+            <a:lightRig rig="twoPt" dir="t">
+              <a:rot lat="0" lon="0" rev="7200000"/>
+            </a:lightRig>
+          </a:scene3d>
+          <a:sp3d>
+            <a:bevelT w="25400" h="19050"/>
+            <a:contourClr>
+              <a:srgbClr val="FFFFFF"/>
+            </a:contourClr>
+          </a:sp3d>
+        </p:spPr>
+      </p:pic>
+      <p:sp>
+        <p:nvSpPr>
+          <p:cNvPr id="19" name="Rectangle 18"/>
+          <p:cNvSpPr/>
+          <p:nvPr/>
+        </p:nvSpPr>
+        <p:spPr>
+          <a:xfrm>
+            <a:off x="8792464" y="6100941"/>
+            <a:ext cx="1632178" cy="400110"/>
+          </a:xfrm>
+          <a:prstGeom prst="rect">
+            <a:avLst/>
+          </a:prstGeom>
+        </p:spPr>
+        <p:txBody>
+          <a:bodyPr wrap="none">
+            <a:spAutoFit/>
+          </a:bodyPr>
+          <a:lstStyle/>
+          <a:p>
+            <a:r>
+              <a:rPr lang="en-US" sz="2000" dirty="0"/>
+              <a:t>MSI PLESSEY</a:t>
+            </a:r>
+          </a:p>
+        </p:txBody>
+      </p:sp>
+    </p:spTree>
+    <p:extLst>
+      <p:ext uri="{BB962C8B-B14F-4D97-AF65-F5344CB8AC3E}">
+        <p14:creationId xmlns:p14="http://schemas.microsoft.com/office/powerpoint/2010/main" val="4220112854"/>
+      </p:ext>
+    </p:extLst>
+  </p:cSld>
+  <p:clrMapOvr>
+    <a:masterClrMapping/>
+  </p:clrMapOvr>
+  <mc:AlternateContent xmlns:mc="http://schemas.openxmlformats.org/markup-compatibility/2006" xmlns:p14="http://schemas.microsoft.com/office/powerpoint/2010/main">
+    <mc:Choice Requires="p14">
+      <p:transition spd="med" p14:dur="700">
+        <p:fade/>
+      </p:transition>
+    </mc:Choice>
+    <mc:Fallback xmlns="">
+      <p:transition spd="med">
+        <p:fade/>
+      </p:transition>
+    </mc:Fallback>
+  </mc:AlternateContent>
+</p:sld>
+</file>
+
+<file path=ppt/slides/slide17.xml><?xml version="1.0" encoding="utf-8"?>
+<p:sld xmlns:a="http://schemas.openxmlformats.org/drawingml/2006/main" xmlns:r="http://schemas.openxmlformats.org/officeDocument/2006/relationships" xmlns:p="http://schemas.openxmlformats.org/presentationml/2006/main">
+  <p:cSld>
+    <p:spTree>
+      <p:nvGrpSpPr>
+        <p:cNvPr id="1" name=""/>
+        <p:cNvGrpSpPr/>
+        <p:nvPr/>
+      </p:nvGrpSpPr>
+      <p:grpSpPr>
+        <a:xfrm>
+          <a:off x="0" y="0"/>
+          <a:ext cx="0" cy="0"/>
+          <a:chOff x="0" y="0"/>
+          <a:chExt cx="0" cy="0"/>
+        </a:xfrm>
+      </p:grpSpPr>
+      <p:sp>
+        <p:nvSpPr>
+          <p:cNvPr id="2" name="Title 1"/>
+          <p:cNvSpPr>
+            <a:spLocks noGrp="1"/>
+          </p:cNvSpPr>
+          <p:nvPr>
+            <p:ph type="title"/>
+          </p:nvPr>
+        </p:nvSpPr>
+        <p:spPr>
+          <a:xfrm>
+            <a:off x="989012" y="77501"/>
+            <a:ext cx="10157354" cy="939799"/>
+          </a:xfrm>
+        </p:spPr>
+        <p:txBody>
+          <a:bodyPr>
+            <a:normAutofit/>
+          </a:bodyPr>
+          <a:lstStyle/>
+          <a:p>
+            <a:r>
+              <a:rPr lang="en-US" sz="3600" dirty="0"/>
+              <a:t>Barcode</a:t>
+            </a:r>
+          </a:p>
+        </p:txBody>
+      </p:sp>
+      <p:sp>
+        <p:nvSpPr>
+          <p:cNvPr id="3" name="TextBox 2"/>
+          <p:cNvSpPr txBox="1"/>
+          <p:nvPr/>
+        </p:nvSpPr>
+        <p:spPr>
+          <a:xfrm>
+            <a:off x="903090" y="894663"/>
+            <a:ext cx="4783682" cy="461665"/>
+          </a:xfrm>
+          <a:prstGeom prst="rect">
+            <a:avLst/>
+          </a:prstGeom>
+          <a:noFill/>
+        </p:spPr>
+        <p:txBody>
+          <a:bodyPr wrap="none" rtlCol="0">
+            <a:spAutoFit/>
+          </a:bodyPr>
+          <a:lstStyle/>
+          <a:p>
+            <a:r>
+              <a:rPr lang="en-US" b="1" dirty="0"/>
+              <a:t>Two-Dimensional (2D) Barcode</a:t>
+            </a:r>
+          </a:p>
+        </p:txBody>
+      </p:sp>
+      <p:sp>
+        <p:nvSpPr>
+          <p:cNvPr id="11" name="TextBox 10"/>
+          <p:cNvSpPr txBox="1"/>
+          <p:nvPr/>
+        </p:nvSpPr>
+        <p:spPr>
+          <a:xfrm>
+            <a:off x="914345" y="5424380"/>
+            <a:ext cx="3083835" cy="400110"/>
+          </a:xfrm>
+          <a:prstGeom prst="rect">
+            <a:avLst/>
+          </a:prstGeom>
+          <a:noFill/>
+        </p:spPr>
+        <p:txBody>
+          <a:bodyPr wrap="square" rtlCol="0">
+            <a:spAutoFit/>
+          </a:bodyPr>
+          <a:lstStyle/>
+          <a:p>
+            <a:pPr marL="342900" indent="-342900">
+              <a:buFont typeface="Arial" panose="020B0604020202020204" pitchFamily="34" charset="0"/>
+              <a:buChar char="•"/>
+            </a:pPr>
+            <a:r>
+              <a:rPr lang="en-US" sz="2000" b="1" dirty="0"/>
+              <a:t>DATAMATRIX CODE</a:t>
+            </a:r>
+            <a:endParaRPr lang="en-US" b="1" dirty="0"/>
+          </a:p>
+        </p:txBody>
+      </p:sp>
+      <p:sp>
+        <p:nvSpPr>
+          <p:cNvPr id="12" name="Rectangle 11"/>
+          <p:cNvSpPr/>
+          <p:nvPr/>
+        </p:nvSpPr>
+        <p:spPr>
+          <a:xfrm>
+            <a:off x="926882" y="1594973"/>
+            <a:ext cx="1664238" cy="400110"/>
+          </a:xfrm>
+          <a:prstGeom prst="rect">
+            <a:avLst/>
+          </a:prstGeom>
+        </p:spPr>
+        <p:txBody>
+          <a:bodyPr wrap="none">
+            <a:spAutoFit/>
+          </a:bodyPr>
+          <a:lstStyle/>
+          <a:p>
+            <a:pPr marL="342900" indent="-342900">
+              <a:buFont typeface="Arial" panose="020B0604020202020204" pitchFamily="34" charset="0"/>
+              <a:buChar char="•"/>
+            </a:pPr>
+            <a:r>
+              <a:rPr lang="en-US" sz="2000" b="1" dirty="0"/>
+              <a:t>QR Code</a:t>
+            </a:r>
+          </a:p>
+        </p:txBody>
+      </p:sp>
+      <p:sp>
+        <p:nvSpPr>
+          <p:cNvPr id="17" name="Rectangle 16"/>
+          <p:cNvSpPr/>
+          <p:nvPr/>
+        </p:nvSpPr>
+        <p:spPr>
+          <a:xfrm>
+            <a:off x="914345" y="3493208"/>
+            <a:ext cx="1410964" cy="400110"/>
+          </a:xfrm>
+          <a:prstGeom prst="rect">
+            <a:avLst/>
+          </a:prstGeom>
+        </p:spPr>
+        <p:txBody>
+          <a:bodyPr wrap="none">
+            <a:spAutoFit/>
+          </a:bodyPr>
+          <a:lstStyle/>
+          <a:p>
+            <a:pPr marL="342900" indent="-342900">
+              <a:buFont typeface="Arial" panose="020B0604020202020204" pitchFamily="34" charset="0"/>
+              <a:buChar char="•"/>
+            </a:pPr>
+            <a:r>
+              <a:rPr lang="en-US" sz="2000" b="1" dirty="0"/>
+              <a:t>PDF417</a:t>
+            </a:r>
+            <a:endParaRPr lang="en-US" sz="1800" b="1" dirty="0"/>
+          </a:p>
+        </p:txBody>
+      </p:sp>
+      <p:pic>
+        <p:nvPicPr>
+          <p:cNvPr id="6" name="Picture 5"/>
+          <p:cNvPicPr>
+            <a:picLocks noChangeAspect="1"/>
+          </p:cNvPicPr>
+          <p:nvPr/>
+        </p:nvPicPr>
+        <p:blipFill>
+          <a:blip r:embed="rId2">
+            <a:extLst>
+              <a:ext uri="{28A0092B-C50C-407E-A947-70E740481C1C}">
+                <a14:useLocalDpi xmlns:a14="http://schemas.microsoft.com/office/drawing/2010/main" val="0"/>
+              </a:ext>
+            </a:extLst>
+          </a:blip>
+          <a:stretch>
+            <a:fillRect/>
+          </a:stretch>
+        </p:blipFill>
+        <p:spPr>
+          <a:xfrm>
+            <a:off x="9520789" y="3493208"/>
+            <a:ext cx="1905000" cy="1905000"/>
+          </a:xfrm>
+          <a:prstGeom prst="rect">
+            <a:avLst/>
+          </a:prstGeom>
+        </p:spPr>
+      </p:pic>
+      <p:pic>
+        <p:nvPicPr>
+          <p:cNvPr id="21" name="Picture 20"/>
+          <p:cNvPicPr>
+            <a:picLocks noChangeAspect="1"/>
+          </p:cNvPicPr>
+          <p:nvPr/>
+        </p:nvPicPr>
+        <p:blipFill>
+          <a:blip r:embed="rId3">
+            <a:extLst>
+              <a:ext uri="{28A0092B-C50C-407E-A947-70E740481C1C}">
+                <a14:useLocalDpi xmlns:a14="http://schemas.microsoft.com/office/drawing/2010/main" val="0"/>
+              </a:ext>
+            </a:extLst>
+          </a:blip>
+          <a:stretch>
+            <a:fillRect/>
+          </a:stretch>
+        </p:blipFill>
+        <p:spPr>
+          <a:xfrm>
+            <a:off x="9546350" y="1533115"/>
+            <a:ext cx="1905000" cy="1905000"/>
+          </a:xfrm>
+          <a:prstGeom prst="rect">
+            <a:avLst/>
+          </a:prstGeom>
+        </p:spPr>
+      </p:pic>
+      <p:sp>
+        <p:nvSpPr>
+          <p:cNvPr id="8" name="TextBox 7"/>
+          <p:cNvSpPr txBox="1"/>
+          <p:nvPr/>
+        </p:nvSpPr>
+        <p:spPr>
+          <a:xfrm>
+            <a:off x="926882" y="1905454"/>
+            <a:ext cx="8483665" cy="1477328"/>
+          </a:xfrm>
+          <a:prstGeom prst="rect">
+            <a:avLst/>
+          </a:prstGeom>
+          <a:noFill/>
+        </p:spPr>
+        <p:txBody>
+          <a:bodyPr wrap="square" rtlCol="0">
+            <a:spAutoFit/>
+          </a:bodyPr>
+          <a:lstStyle/>
+          <a:p>
+            <a:r>
+              <a:rPr lang="en-US" sz="1800" dirty="0"/>
+              <a:t>Used in tracking and marketing. Free to use, flexible in size, have a high fault tolerance, and have fast readability, though they can’t be read with a laser scanner. Support four different modes of data: numeric, alphanumeric, byte/binary, and Kanji. They are public domain and free to use.</a:t>
+            </a:r>
+          </a:p>
+        </p:txBody>
+      </p:sp>
+      <p:sp>
+        <p:nvSpPr>
+          <p:cNvPr id="9" name="TextBox 8"/>
+          <p:cNvSpPr txBox="1"/>
+          <p:nvPr/>
+        </p:nvSpPr>
+        <p:spPr>
+          <a:xfrm>
+            <a:off x="903090" y="3810000"/>
+            <a:ext cx="8507457" cy="1477328"/>
+          </a:xfrm>
+          <a:prstGeom prst="rect">
+            <a:avLst/>
+          </a:prstGeom>
+          <a:noFill/>
+        </p:spPr>
+        <p:txBody>
+          <a:bodyPr wrap="none" rtlCol="0">
+            <a:spAutoFit/>
+          </a:bodyPr>
+          <a:lstStyle/>
+          <a:p>
+            <a:r>
+              <a:rPr lang="en-US" sz="1800" dirty="0"/>
+              <a:t>Used in applications that require the storage of huge amounts of data, </a:t>
+            </a:r>
+          </a:p>
+          <a:p>
+            <a:r>
+              <a:rPr lang="en-US" sz="1800" dirty="0"/>
+              <a:t>such as photographs, fingerprints, signatures, text, numbers, and graphics. </a:t>
+            </a:r>
+          </a:p>
+          <a:p>
+            <a:r>
+              <a:rPr lang="en-US" sz="1800" dirty="0"/>
+              <a:t>They can hold over 1.1 kilobytes of machine-readable data, making them </a:t>
+            </a:r>
+          </a:p>
+          <a:p>
+            <a:r>
+              <a:rPr lang="en-US" sz="1800" dirty="0"/>
+              <a:t>much more powerful than other 2D barcodes. Like QR codes, PDF417 </a:t>
+            </a:r>
+          </a:p>
+          <a:p>
+            <a:r>
+              <a:rPr lang="en-US" sz="1800" dirty="0"/>
+              <a:t>barcodes are public domain and free to use.</a:t>
+            </a:r>
+          </a:p>
+        </p:txBody>
+      </p:sp>
+      <p:sp>
+        <p:nvSpPr>
+          <p:cNvPr id="10" name="Rectangle 9"/>
+          <p:cNvSpPr/>
+          <p:nvPr/>
+        </p:nvSpPr>
+        <p:spPr>
+          <a:xfrm>
+            <a:off x="908351" y="6008794"/>
+            <a:ext cx="1289135" cy="400110"/>
+          </a:xfrm>
+          <a:prstGeom prst="rect">
+            <a:avLst/>
+          </a:prstGeom>
+        </p:spPr>
+        <p:txBody>
+          <a:bodyPr wrap="none">
+            <a:spAutoFit/>
+          </a:bodyPr>
+          <a:lstStyle/>
+          <a:p>
+            <a:pPr marL="342900" indent="-342900">
+              <a:buFont typeface="Arial" panose="020B0604020202020204" pitchFamily="34" charset="0"/>
+              <a:buChar char="•"/>
+            </a:pPr>
+            <a:r>
+              <a:rPr lang="en-US" sz="2000" b="1" dirty="0"/>
+              <a:t>AZTEC</a:t>
+            </a:r>
+          </a:p>
+        </p:txBody>
+      </p:sp>
+    </p:spTree>
+    <p:extLst>
+      <p:ext uri="{BB962C8B-B14F-4D97-AF65-F5344CB8AC3E}">
+        <p14:creationId xmlns:p14="http://schemas.microsoft.com/office/powerpoint/2010/main" val="2734647999"/>
+      </p:ext>
+    </p:extLst>
+  </p:cSld>
+  <p:clrMapOvr>
+    <a:masterClrMapping/>
+  </p:clrMapOvr>
+  <mc:AlternateContent xmlns:mc="http://schemas.openxmlformats.org/markup-compatibility/2006" xmlns:p14="http://schemas.microsoft.com/office/powerpoint/2010/main">
+    <mc:Choice Requires="p14">
+      <p:transition spd="med" p14:dur="700">
+        <p:fade/>
+      </p:transition>
+    </mc:Choice>
+    <mc:Fallback xmlns="">
+      <p:transition spd="med">
+        <p:fade/>
+      </p:transition>
+    </mc:Fallback>
+  </mc:AlternateContent>
+</p:sld>
+</file>
+
+<file path=ppt/slides/slide18.xml><?xml version="1.0" encoding="utf-8"?>
+<p:sld xmlns:a="http://schemas.openxmlformats.org/drawingml/2006/main" xmlns:r="http://schemas.openxmlformats.org/officeDocument/2006/relationships" xmlns:p="http://schemas.openxmlformats.org/presentationml/2006/main">
+  <p:cSld>
+    <p:spTree>
+      <p:nvGrpSpPr>
+        <p:cNvPr id="1" name=""/>
+        <p:cNvGrpSpPr/>
+        <p:nvPr/>
+      </p:nvGrpSpPr>
+      <p:grpSpPr>
+        <a:xfrm>
+          <a:off x="0" y="0"/>
+          <a:ext cx="0" cy="0"/>
+          <a:chOff x="0" y="0"/>
+          <a:chExt cx="0" cy="0"/>
+        </a:xfrm>
+      </p:grpSpPr>
+      <p:sp>
+        <p:nvSpPr>
+          <p:cNvPr id="2" name="Title 1"/>
+          <p:cNvSpPr>
+            <a:spLocks noGrp="1"/>
+          </p:cNvSpPr>
+          <p:nvPr>
+            <p:ph type="title"/>
+          </p:nvPr>
+        </p:nvSpPr>
+        <p:spPr>
+          <a:xfrm>
+            <a:off x="989012" y="77501"/>
+            <a:ext cx="10157354" cy="939799"/>
+          </a:xfrm>
+        </p:spPr>
+        <p:txBody>
+          <a:bodyPr>
+            <a:normAutofit/>
+          </a:bodyPr>
+          <a:lstStyle/>
+          <a:p>
+            <a:r>
+              <a:rPr lang="en-US" sz="3600" dirty="0"/>
+              <a:t>Barcode</a:t>
+            </a:r>
+          </a:p>
+        </p:txBody>
+      </p:sp>
+      <p:sp>
+        <p:nvSpPr>
+          <p:cNvPr id="3" name="TextBox 2"/>
+          <p:cNvSpPr txBox="1"/>
+          <p:nvPr/>
+        </p:nvSpPr>
+        <p:spPr>
+          <a:xfrm>
+            <a:off x="903090" y="894663"/>
+            <a:ext cx="4783682" cy="461665"/>
+          </a:xfrm>
+          <a:prstGeom prst="rect">
+            <a:avLst/>
+          </a:prstGeom>
+          <a:noFill/>
+        </p:spPr>
+        <p:txBody>
+          <a:bodyPr wrap="none" rtlCol="0">
+            <a:spAutoFit/>
+          </a:bodyPr>
+          <a:lstStyle/>
+          <a:p>
+            <a:r>
+              <a:rPr lang="en-US" b="1" dirty="0"/>
+              <a:t>Two-Dimensional (2D) Barcode</a:t>
+            </a:r>
+          </a:p>
+        </p:txBody>
+      </p:sp>
+      <p:sp>
+        <p:nvSpPr>
+          <p:cNvPr id="12" name="Rectangle 11"/>
+          <p:cNvSpPr/>
+          <p:nvPr/>
+        </p:nvSpPr>
+        <p:spPr>
+          <a:xfrm>
+            <a:off x="979718" y="1493966"/>
+            <a:ext cx="4596130" cy="400110"/>
+          </a:xfrm>
+          <a:prstGeom prst="rect">
+            <a:avLst/>
+          </a:prstGeom>
+        </p:spPr>
+        <p:txBody>
+          <a:bodyPr wrap="none">
+            <a:spAutoFit/>
+          </a:bodyPr>
+          <a:lstStyle/>
+          <a:p>
+            <a:r>
+              <a:rPr lang="en-US" sz="2000" b="1" dirty="0"/>
+              <a:t>How to generate/read QR Barcode</a:t>
+            </a:r>
+          </a:p>
+        </p:txBody>
+      </p:sp>
+      <p:sp>
+        <p:nvSpPr>
+          <p:cNvPr id="8" name="TextBox 7"/>
+          <p:cNvSpPr txBox="1"/>
+          <p:nvPr/>
+        </p:nvSpPr>
+        <p:spPr>
+          <a:xfrm>
+            <a:off x="903090" y="1894076"/>
+            <a:ext cx="10982522" cy="1631216"/>
+          </a:xfrm>
+          <a:prstGeom prst="rect">
+            <a:avLst/>
+          </a:prstGeom>
+          <a:noFill/>
+        </p:spPr>
+        <p:txBody>
+          <a:bodyPr wrap="square" rtlCol="0">
+            <a:spAutoFit/>
+          </a:bodyPr>
+          <a:lstStyle/>
+          <a:p>
+            <a:pPr marL="457200" indent="-457200">
+              <a:buFont typeface="+mj-lt"/>
+              <a:buAutoNum type="arabicPeriod"/>
+            </a:pPr>
+            <a:r>
+              <a:rPr lang="en-US" sz="2000" dirty="0"/>
+              <a:t>Download </a:t>
+            </a:r>
+            <a:r>
+              <a:rPr lang="en-US" sz="2000" dirty="0" err="1"/>
+              <a:t>ZXing</a:t>
+            </a:r>
+            <a:r>
+              <a:rPr lang="en-US" sz="2000" dirty="0"/>
+              <a:t> ("zebra crossing") is an open-source, multi-format 1D/2D barcode image processing library implemented in Java. </a:t>
+            </a:r>
+            <a:r>
+              <a:rPr lang="en-US" sz="2000" dirty="0">
+                <a:hlinkClick r:id="rId2"/>
+              </a:rPr>
+              <a:t>https://github.com/zxing/zxing</a:t>
+            </a:r>
+            <a:endParaRPr lang="en-US" sz="2000" dirty="0"/>
+          </a:p>
+          <a:p>
+            <a:pPr marL="457200" indent="-457200">
+              <a:buFont typeface="+mj-lt"/>
+              <a:buAutoNum type="arabicPeriod"/>
+            </a:pPr>
+            <a:r>
+              <a:rPr lang="en-US" sz="2000" dirty="0"/>
+              <a:t>Save the library in your ColdFusion class path C:\{cfserverhome}\{cfusion}\wwwroot\WEB-INF\lib</a:t>
+            </a:r>
+          </a:p>
+          <a:p>
+            <a:pPr marL="457200" indent="-457200">
+              <a:buFont typeface="+mj-lt"/>
+              <a:buAutoNum type="arabicPeriod"/>
+            </a:pPr>
+            <a:r>
+              <a:rPr lang="en-US" sz="2000" dirty="0"/>
+              <a:t>Restart ColdFusion server</a:t>
+            </a:r>
+          </a:p>
+        </p:txBody>
+      </p:sp>
+      <p:pic>
+        <p:nvPicPr>
+          <p:cNvPr id="4" name="Picture 3"/>
+          <p:cNvPicPr>
+            <a:picLocks noChangeAspect="1"/>
+          </p:cNvPicPr>
+          <p:nvPr/>
+        </p:nvPicPr>
+        <p:blipFill>
+          <a:blip r:embed="rId3"/>
+          <a:stretch>
+            <a:fillRect/>
+          </a:stretch>
+        </p:blipFill>
+        <p:spPr>
+          <a:xfrm>
+            <a:off x="1446212" y="3505200"/>
+            <a:ext cx="9601527" cy="2977217"/>
+          </a:xfrm>
+          <a:prstGeom prst="rect">
+            <a:avLst/>
+          </a:prstGeom>
+        </p:spPr>
+      </p:pic>
+    </p:spTree>
+    <p:extLst>
+      <p:ext uri="{BB962C8B-B14F-4D97-AF65-F5344CB8AC3E}">
+        <p14:creationId xmlns:p14="http://schemas.microsoft.com/office/powerpoint/2010/main" val="3793590849"/>
+      </p:ext>
+    </p:extLst>
+  </p:cSld>
+  <p:clrMapOvr>
+    <a:masterClrMapping/>
+  </p:clrMapOvr>
+  <mc:AlternateContent xmlns:mc="http://schemas.openxmlformats.org/markup-compatibility/2006" xmlns:p14="http://schemas.microsoft.com/office/powerpoint/2010/main">
+    <mc:Choice Requires="p14">
+      <p:transition spd="med" p14:dur="700">
+        <p:fade/>
+      </p:transition>
+    </mc:Choice>
+    <mc:Fallback xmlns="">
+      <p:transition spd="med">
+        <p:fade/>
+      </p:transition>
+    </mc:Fallback>
+  </mc:AlternateContent>
+</p:sld>
+</file>
+
+<file path=ppt/slides/slide19.xml><?xml version="1.0" encoding="utf-8"?>
+<p:sld xmlns:a="http://schemas.openxmlformats.org/drawingml/2006/main" xmlns:r="http://schemas.openxmlformats.org/officeDocument/2006/relationships" xmlns:p="http://schemas.openxmlformats.org/presentationml/2006/main">
+  <p:cSld>
+    <p:spTree>
+      <p:nvGrpSpPr>
+        <p:cNvPr id="1" name=""/>
+        <p:cNvGrpSpPr/>
+        <p:nvPr/>
+      </p:nvGrpSpPr>
+      <p:grpSpPr>
+        <a:xfrm>
+          <a:off x="0" y="0"/>
+          <a:ext cx="0" cy="0"/>
+          <a:chOff x="0" y="0"/>
+          <a:chExt cx="0" cy="0"/>
+        </a:xfrm>
+      </p:grpSpPr>
+      <p:sp>
+        <p:nvSpPr>
+          <p:cNvPr id="4" name="Rectangle 3"/>
+          <p:cNvSpPr/>
+          <p:nvPr/>
+        </p:nvSpPr>
+        <p:spPr>
+          <a:xfrm>
+            <a:off x="4494212" y="2667000"/>
+            <a:ext cx="3276600" cy="1200329"/>
+          </a:xfrm>
+          <a:prstGeom prst="rect">
+            <a:avLst/>
+          </a:prstGeom>
+          <a:noFill/>
+        </p:spPr>
+        <p:txBody>
+          <a:bodyPr wrap="square" lIns="91440" tIns="45720" rIns="91440" bIns="45720">
+            <a:spAutoFit/>
+          </a:bodyPr>
+          <a:lstStyle/>
+          <a:p>
+            <a:pPr algn="ctr"/>
+            <a:r>
+              <a:rPr lang="en-US" sz="7200" b="1" cap="none" spc="0" dirty="0">
+                <a:ln w="9525">
+                  <a:solidFill>
+                    <a:schemeClr val="bg1"/>
+                  </a:solidFill>
+                  <a:prstDash val="solid"/>
+                </a:ln>
+                <a:solidFill>
+                  <a:schemeClr val="tx1"/>
+                </a:solidFill>
+                <a:effectLst>
+                  <a:outerShdw blurRad="12700" dist="38100" dir="2700000" algn="tl" rotWithShape="0">
+                    <a:schemeClr val="bg1">
+                      <a:lumMod val="50000"/>
+                    </a:schemeClr>
+                  </a:outerShdw>
+                </a:effectLst>
+              </a:rPr>
+              <a:t>DEMO</a:t>
+            </a:r>
+          </a:p>
+        </p:txBody>
+      </p:sp>
+    </p:spTree>
+    <p:extLst>
+      <p:ext uri="{BB962C8B-B14F-4D97-AF65-F5344CB8AC3E}">
+        <p14:creationId xmlns:p14="http://schemas.microsoft.com/office/powerpoint/2010/main" val="1523026885"/>
+      </p:ext>
+    </p:extLst>
+  </p:cSld>
+  <p:clrMapOvr>
+    <a:masterClrMapping/>
+  </p:clrMapOvr>
+  <mc:AlternateContent xmlns:mc="http://schemas.openxmlformats.org/markup-compatibility/2006" xmlns:p14="http://schemas.microsoft.com/office/powerpoint/2010/main">
+    <mc:Choice Requires="p14">
+      <p:transition spd="med" p14:dur="700">
+        <p:fade/>
+      </p:transition>
+    </mc:Choice>
+    <mc:Fallback xmlns="">
+      <p:transition spd="med">
+        <p:fade/>
+      </p:transition>
+    </mc:Fallback>
+  </mc:AlternateContent>
+</p:sld>
+</file>
+
+<file path=ppt/slides/slide2.xml><?xml version="1.0" encoding="utf-8"?>
+<p:sld xmlns:a="http://schemas.openxmlformats.org/drawingml/2006/main" xmlns:r="http://schemas.openxmlformats.org/officeDocument/2006/relationships" xmlns:p="http://schemas.openxmlformats.org/presentationml/2006/main">
+  <p:cSld>
+    <p:spTree>
+      <p:nvGrpSpPr>
+        <p:cNvPr id="1" name=""/>
+        <p:cNvGrpSpPr/>
+        <p:nvPr/>
+      </p:nvGrpSpPr>
+      <p:grpSpPr>
+        <a:xfrm>
+          <a:off x="0" y="0"/>
+          <a:ext cx="0" cy="0"/>
+          <a:chOff x="0" y="0"/>
+          <a:chExt cx="0" cy="0"/>
+        </a:xfrm>
+      </p:grpSpPr>
+      <p:sp>
+        <p:nvSpPr>
+          <p:cNvPr id="13" name="Title 12"/>
+          <p:cNvSpPr>
+            <a:spLocks noGrp="1"/>
+          </p:cNvSpPr>
+          <p:nvPr>
+            <p:ph type="title"/>
+          </p:nvPr>
+        </p:nvSpPr>
+        <p:spPr/>
+        <p:txBody>
+          <a:bodyPr/>
+          <a:lstStyle/>
+          <a:p>
+            <a:r>
+              <a:rPr lang="en-US" dirty="0"/>
+              <a:t>Who am I</a:t>
+            </a:r>
+          </a:p>
+        </p:txBody>
+      </p:sp>
+      <p:sp>
+        <p:nvSpPr>
+          <p:cNvPr id="14" name="Content Placeholder 13"/>
+          <p:cNvSpPr>
+            <a:spLocks noGrp="1"/>
+          </p:cNvSpPr>
+          <p:nvPr>
+            <p:ph idx="1"/>
+          </p:nvPr>
+        </p:nvSpPr>
+        <p:spPr/>
+        <p:txBody>
+          <a:bodyPr/>
+          <a:lstStyle/>
+          <a:p>
+            <a:r>
+              <a:rPr lang="en-US" dirty="0"/>
+              <a:t>Shirak Avakian</a:t>
+            </a:r>
+          </a:p>
+          <a:p>
+            <a:r>
+              <a:rPr lang="en-US" dirty="0"/>
+              <a:t>Enterprise Solution Architect</a:t>
+            </a:r>
+          </a:p>
+          <a:p>
+            <a:r>
+              <a:rPr lang="en-US" dirty="0"/>
+              <a:t>QBI LLC</a:t>
+            </a:r>
+          </a:p>
+          <a:p>
+            <a:r>
+              <a:rPr lang="en-US" dirty="0"/>
+              <a:t>@</a:t>
+            </a:r>
+            <a:r>
+              <a:rPr lang="en-US" dirty="0" err="1"/>
+              <a:t>ShirakAvakian</a:t>
+            </a:r>
+            <a:endParaRPr lang="en-US" dirty="0"/>
+          </a:p>
+          <a:p>
+            <a:r>
+              <a:rPr lang="en-US" dirty="0"/>
+              <a:t>ShirakAvakian@gmail.com</a:t>
+            </a:r>
+          </a:p>
+        </p:txBody>
+      </p:sp>
+      <p:pic>
+        <p:nvPicPr>
+          <p:cNvPr id="4" name="Picture 3"/>
+          <p:cNvPicPr>
+            <a:picLocks noChangeAspect="1"/>
+          </p:cNvPicPr>
+          <p:nvPr/>
+        </p:nvPicPr>
+        <p:blipFill rotWithShape="1">
+          <a:blip r:embed="rId2" cstate="print">
+            <a:extLst>
+              <a:ext uri="{28A0092B-C50C-407E-A947-70E740481C1C}">
+                <a14:useLocalDpi xmlns:a14="http://schemas.microsoft.com/office/drawing/2010/main" val="0"/>
+              </a:ext>
+            </a:extLst>
+          </a:blip>
+          <a:srcRect l="28031" r="12878"/>
+          <a:stretch/>
+        </p:blipFill>
+        <p:spPr>
+          <a:xfrm>
+            <a:off x="6323012" y="1060391"/>
+            <a:ext cx="4343402" cy="4134584"/>
+          </a:xfrm>
+          <a:prstGeom prst="roundRect">
+            <a:avLst>
+              <a:gd name="adj" fmla="val 11111"/>
+            </a:avLst>
+          </a:prstGeom>
+          <a:ln w="190500" cap="rnd">
+            <a:solidFill>
+              <a:srgbClr val="C8C6BD"/>
+            </a:solidFill>
+            <a:prstDash val="solid"/>
+          </a:ln>
+          <a:effectLst>
+            <a:outerShdw blurRad="101600" dist="50800" dir="7200000" algn="tl" rotWithShape="0">
+              <a:srgbClr val="000000">
+                <a:alpha val="45000"/>
+              </a:srgbClr>
+            </a:outerShdw>
+          </a:effectLst>
+          <a:scene3d>
+            <a:camera prst="perspectiveFront" fov="5400000"/>
+            <a:lightRig rig="threePt" dir="t">
+              <a:rot lat="0" lon="0" rev="19200000"/>
+            </a:lightRig>
+          </a:scene3d>
+          <a:sp3d extrusionH="25400">
+            <a:bevelT w="304800" h="152400" prst="hardEdge"/>
+            <a:extrusionClr>
+              <a:srgbClr val="FFFFFF"/>
+            </a:extrusionClr>
+          </a:sp3d>
+        </p:spPr>
+      </p:pic>
+    </p:spTree>
+    <p:extLst>
+      <p:ext uri="{BB962C8B-B14F-4D97-AF65-F5344CB8AC3E}">
+        <p14:creationId xmlns:p14="http://schemas.microsoft.com/office/powerpoint/2010/main" val="711182959"/>
+      </p:ext>
+    </p:extLst>
+  </p:cSld>
+  <p:clrMapOvr>
+    <a:masterClrMapping/>
+  </p:clrMapOvr>
+  <mc:AlternateContent xmlns:mc="http://schemas.openxmlformats.org/markup-compatibility/2006" xmlns:p14="http://schemas.microsoft.com/office/powerpoint/2010/main">
+    <mc:Choice Requires="p14">
+      <p:transition spd="med" p14:dur="700">
+        <p:fade/>
+      </p:transition>
+    </mc:Choice>
+    <mc:Fallback xmlns="">
+      <p:transition spd="med">
+        <p:fade/>
+      </p:transition>
+    </mc:Fallback>
+  </mc:AlternateContent>
+</p:sld>
+</file>
+
+<file path=ppt/slides/slide20.xml><?xml version="1.0" encoding="utf-8"?>
+<p:sld xmlns:a="http://schemas.openxmlformats.org/drawingml/2006/main" xmlns:r="http://schemas.openxmlformats.org/officeDocument/2006/relationships" xmlns:p="http://schemas.openxmlformats.org/presentationml/2006/main">
+  <p:cSld>
+    <p:spTree>
+      <p:nvGrpSpPr>
+        <p:cNvPr id="1" name=""/>
+        <p:cNvGrpSpPr/>
+        <p:nvPr/>
+      </p:nvGrpSpPr>
+      <p:grpSpPr>
+        <a:xfrm>
+          <a:off x="0" y="0"/>
+          <a:ext cx="0" cy="0"/>
+          <a:chOff x="0" y="0"/>
+          <a:chExt cx="0" cy="0"/>
+        </a:xfrm>
+      </p:grpSpPr>
+      <p:sp>
+        <p:nvSpPr>
+          <p:cNvPr id="2" name="Title 1"/>
+          <p:cNvSpPr>
+            <a:spLocks noGrp="1"/>
+          </p:cNvSpPr>
+          <p:nvPr>
+            <p:ph type="title"/>
+          </p:nvPr>
+        </p:nvSpPr>
+        <p:spPr>
+          <a:xfrm>
+            <a:off x="989012" y="77501"/>
+            <a:ext cx="10157354" cy="939799"/>
+          </a:xfrm>
+        </p:spPr>
+        <p:txBody>
+          <a:bodyPr>
+            <a:normAutofit/>
+          </a:bodyPr>
+          <a:lstStyle/>
+          <a:p>
+            <a:r>
+              <a:rPr lang="en-US" sz="3600" dirty="0"/>
+              <a:t>Barcode</a:t>
+            </a:r>
+          </a:p>
+        </p:txBody>
+      </p:sp>
+      <p:sp>
+        <p:nvSpPr>
+          <p:cNvPr id="3" name="TextBox 2"/>
+          <p:cNvSpPr txBox="1"/>
+          <p:nvPr/>
+        </p:nvSpPr>
+        <p:spPr>
+          <a:xfrm>
+            <a:off x="903090" y="894663"/>
+            <a:ext cx="4783682" cy="461665"/>
+          </a:xfrm>
+          <a:prstGeom prst="rect">
+            <a:avLst/>
+          </a:prstGeom>
+          <a:noFill/>
+        </p:spPr>
+        <p:txBody>
+          <a:bodyPr wrap="none" rtlCol="0">
+            <a:spAutoFit/>
+          </a:bodyPr>
+          <a:lstStyle/>
+          <a:p>
+            <a:r>
+              <a:rPr lang="en-US" b="1" dirty="0"/>
+              <a:t>Two-Dimensional (2D) Barcode</a:t>
+            </a:r>
+          </a:p>
+        </p:txBody>
+      </p:sp>
+      <p:sp>
+        <p:nvSpPr>
+          <p:cNvPr id="12" name="Rectangle 11"/>
+          <p:cNvSpPr/>
+          <p:nvPr/>
+        </p:nvSpPr>
+        <p:spPr>
+          <a:xfrm>
+            <a:off x="979718" y="1493966"/>
+            <a:ext cx="4341253" cy="400110"/>
+          </a:xfrm>
+          <a:prstGeom prst="rect">
+            <a:avLst/>
+          </a:prstGeom>
+        </p:spPr>
+        <p:txBody>
+          <a:bodyPr wrap="none">
+            <a:spAutoFit/>
+          </a:bodyPr>
+          <a:lstStyle/>
+          <a:p>
+            <a:r>
+              <a:rPr lang="en-US" sz="2000" b="1" dirty="0"/>
+              <a:t>How to generate PDF417 Barcode</a:t>
+            </a:r>
+          </a:p>
+        </p:txBody>
+      </p:sp>
+      <p:pic>
+        <p:nvPicPr>
+          <p:cNvPr id="5" name="Picture 4"/>
+          <p:cNvPicPr>
+            <a:picLocks noChangeAspect="1"/>
+          </p:cNvPicPr>
+          <p:nvPr/>
+        </p:nvPicPr>
+        <p:blipFill>
+          <a:blip r:embed="rId2"/>
+          <a:stretch>
+            <a:fillRect/>
+          </a:stretch>
+        </p:blipFill>
+        <p:spPr>
+          <a:xfrm>
+            <a:off x="963105" y="2003810"/>
+            <a:ext cx="10720111" cy="3787390"/>
+          </a:xfrm>
+          <a:prstGeom prst="rect">
+            <a:avLst/>
+          </a:prstGeom>
+        </p:spPr>
+      </p:pic>
+    </p:spTree>
+    <p:extLst>
+      <p:ext uri="{BB962C8B-B14F-4D97-AF65-F5344CB8AC3E}">
+        <p14:creationId xmlns:p14="http://schemas.microsoft.com/office/powerpoint/2010/main" val="4035506575"/>
+      </p:ext>
+    </p:extLst>
+  </p:cSld>
+  <p:clrMapOvr>
+    <a:masterClrMapping/>
+  </p:clrMapOvr>
+  <mc:AlternateContent xmlns:mc="http://schemas.openxmlformats.org/markup-compatibility/2006" xmlns:p14="http://schemas.microsoft.com/office/powerpoint/2010/main">
+    <mc:Choice Requires="p14">
+      <p:transition spd="med" p14:dur="700">
+        <p:fade/>
+      </p:transition>
+    </mc:Choice>
+    <mc:Fallback xmlns="">
+      <p:transition spd="med">
+        <p:fade/>
+      </p:transition>
+    </mc:Fallback>
+  </mc:AlternateContent>
+</p:sld>
+</file>
+
+<file path=ppt/slides/slide21.xml><?xml version="1.0" encoding="utf-8"?>
+<p:sld xmlns:a="http://schemas.openxmlformats.org/drawingml/2006/main" xmlns:r="http://schemas.openxmlformats.org/officeDocument/2006/relationships" xmlns:p="http://schemas.openxmlformats.org/presentationml/2006/main">
+  <p:cSld>
+    <p:spTree>
+      <p:nvGrpSpPr>
+        <p:cNvPr id="1" name=""/>
+        <p:cNvGrpSpPr/>
+        <p:nvPr/>
+      </p:nvGrpSpPr>
+      <p:grpSpPr>
+        <a:xfrm>
+          <a:off x="0" y="0"/>
+          <a:ext cx="0" cy="0"/>
+          <a:chOff x="0" y="0"/>
+          <a:chExt cx="0" cy="0"/>
+        </a:xfrm>
+      </p:grpSpPr>
+      <p:sp>
+        <p:nvSpPr>
+          <p:cNvPr id="4" name="Rectangle 3"/>
+          <p:cNvSpPr/>
+          <p:nvPr/>
+        </p:nvSpPr>
+        <p:spPr>
+          <a:xfrm>
+            <a:off x="4494212" y="2667000"/>
+            <a:ext cx="3276600" cy="1200329"/>
+          </a:xfrm>
+          <a:prstGeom prst="rect">
+            <a:avLst/>
+          </a:prstGeom>
+          <a:noFill/>
+        </p:spPr>
+        <p:txBody>
+          <a:bodyPr wrap="square" lIns="91440" tIns="45720" rIns="91440" bIns="45720">
+            <a:spAutoFit/>
+          </a:bodyPr>
+          <a:lstStyle/>
+          <a:p>
+            <a:pPr algn="ctr"/>
+            <a:r>
+              <a:rPr lang="en-US" sz="7200" b="1" cap="none" spc="0" dirty="0">
+                <a:ln w="9525">
+                  <a:solidFill>
+                    <a:schemeClr val="bg1"/>
+                  </a:solidFill>
+                  <a:prstDash val="solid"/>
+                </a:ln>
+                <a:solidFill>
+                  <a:schemeClr val="tx1"/>
+                </a:solidFill>
+                <a:effectLst>
+                  <a:outerShdw blurRad="12700" dist="38100" dir="2700000" algn="tl" rotWithShape="0">
+                    <a:schemeClr val="bg1">
+                      <a:lumMod val="50000"/>
+                    </a:schemeClr>
+                  </a:outerShdw>
+                </a:effectLst>
+              </a:rPr>
+              <a:t>DEMO</a:t>
+            </a:r>
+          </a:p>
+        </p:txBody>
+      </p:sp>
+    </p:spTree>
+    <p:extLst>
+      <p:ext uri="{BB962C8B-B14F-4D97-AF65-F5344CB8AC3E}">
+        <p14:creationId xmlns:p14="http://schemas.microsoft.com/office/powerpoint/2010/main" val="3150967122"/>
+      </p:ext>
+    </p:extLst>
+  </p:cSld>
+  <p:clrMapOvr>
+    <a:masterClrMapping/>
+  </p:clrMapOvr>
+  <mc:AlternateContent xmlns:mc="http://schemas.openxmlformats.org/markup-compatibility/2006" xmlns:p14="http://schemas.microsoft.com/office/powerpoint/2010/main">
+    <mc:Choice Requires="p14">
+      <p:transition spd="med" p14:dur="700">
+        <p:fade/>
+      </p:transition>
+    </mc:Choice>
+    <mc:Fallback xmlns="">
+      <p:transition spd="med">
+        <p:fade/>
+      </p:transition>
+    </mc:Fallback>
+  </mc:AlternateContent>
+</p:sld>
+</file>
+
+<file path=ppt/slides/slide22.xml><?xml version="1.0" encoding="utf-8"?>
+<p:sld xmlns:a="http://schemas.openxmlformats.org/drawingml/2006/main" xmlns:r="http://schemas.openxmlformats.org/officeDocument/2006/relationships" xmlns:p="http://schemas.openxmlformats.org/presentationml/2006/main">
+  <p:cSld>
+    <p:spTree>
+      <p:nvGrpSpPr>
+        <p:cNvPr id="1" name=""/>
+        <p:cNvGrpSpPr/>
+        <p:nvPr/>
+      </p:nvGrpSpPr>
+      <p:grpSpPr>
+        <a:xfrm>
+          <a:off x="0" y="0"/>
+          <a:ext cx="0" cy="0"/>
+          <a:chOff x="0" y="0"/>
+          <a:chExt cx="0" cy="0"/>
+        </a:xfrm>
+      </p:grpSpPr>
+      <p:sp>
+        <p:nvSpPr>
+          <p:cNvPr id="2" name="Title 1"/>
+          <p:cNvSpPr>
+            <a:spLocks noGrp="1"/>
+          </p:cNvSpPr>
+          <p:nvPr>
+            <p:ph type="title"/>
+          </p:nvPr>
+        </p:nvSpPr>
         <p:spPr/>
         <p:txBody>
           <a:bodyPr/>
@@ -9014,7 +11072,7 @@
 </p:sld>
 </file>
 
-<file path=ppt/slides/slide16.xml><?xml version="1.0" encoding="utf-8"?>
+<file path=ppt/slides/slide23.xml><?xml version="1.0" encoding="utf-8"?>
 <p:sld xmlns:a="http://schemas.openxmlformats.org/drawingml/2006/main" xmlns:r="http://schemas.openxmlformats.org/officeDocument/2006/relationships" xmlns:p="http://schemas.openxmlformats.org/presentationml/2006/main">
   <p:cSld>
     <p:spTree>
@@ -9354,7 +11412,7 @@
 </p:sld>
 </file>
 
-<file path=ppt/slides/slide17.xml><?xml version="1.0" encoding="utf-8"?>
+<file path=ppt/slides/slide24.xml><?xml version="1.0" encoding="utf-8"?>
 <p:sld xmlns:a="http://schemas.openxmlformats.org/drawingml/2006/main" xmlns:r="http://schemas.openxmlformats.org/officeDocument/2006/relationships" xmlns:p="http://schemas.openxmlformats.org/presentationml/2006/main">
   <p:cSld>
     <p:spTree>
@@ -9479,7 +11537,7 @@
 </p:sld>
 </file>
 
-<file path=ppt/slides/slide18.xml><?xml version="1.0" encoding="utf-8"?>
+<file path=ppt/slides/slide25.xml><?xml version="1.0" encoding="utf-8"?>
 <p:sld xmlns:a="http://schemas.openxmlformats.org/drawingml/2006/main" xmlns:r="http://schemas.openxmlformats.org/officeDocument/2006/relationships" xmlns:p="http://schemas.openxmlformats.org/presentationml/2006/main">
   <p:cSld>
     <p:spTree>
@@ -9616,7 +11674,7 @@
 </p:sld>
 </file>
 
-<file path=ppt/slides/slide19.xml><?xml version="1.0" encoding="utf-8"?>
+<file path=ppt/slides/slide26.xml><?xml version="1.0" encoding="utf-8"?>
 <p:sld xmlns:a="http://schemas.openxmlformats.org/drawingml/2006/main" xmlns:r="http://schemas.openxmlformats.org/officeDocument/2006/relationships" xmlns:p="http://schemas.openxmlformats.org/presentationml/2006/main">
   <p:cSld>
     <p:spTree>
@@ -9677,178 +11735,7 @@
 </p:sld>
 </file>
 
-<file path=ppt/slides/slide2.xml><?xml version="1.0" encoding="utf-8"?>
-<p:sld xmlns:a="http://schemas.openxmlformats.org/drawingml/2006/main" xmlns:r="http://schemas.openxmlformats.org/officeDocument/2006/relationships" xmlns:p="http://schemas.openxmlformats.org/presentationml/2006/main">
-  <p:cSld>
-    <p:spTree>
-      <p:nvGrpSpPr>
-        <p:cNvPr id="1" name=""/>
-        <p:cNvGrpSpPr/>
-        <p:nvPr/>
-      </p:nvGrpSpPr>
-      <p:grpSpPr>
-        <a:xfrm>
-          <a:off x="0" y="0"/>
-          <a:ext cx="0" cy="0"/>
-          <a:chOff x="0" y="0"/>
-          <a:chExt cx="0" cy="0"/>
-        </a:xfrm>
-      </p:grpSpPr>
-      <p:sp>
-        <p:nvSpPr>
-          <p:cNvPr id="13" name="Title 12"/>
-          <p:cNvSpPr>
-            <a:spLocks noGrp="1"/>
-          </p:cNvSpPr>
-          <p:nvPr>
-            <p:ph type="title"/>
-          </p:nvPr>
-        </p:nvSpPr>
-        <p:spPr/>
-        <p:txBody>
-          <a:bodyPr/>
-          <a:lstStyle/>
-          <a:p>
-            <a:r>
-              <a:rPr lang="en-US" dirty="0"/>
-              <a:t>Who am I</a:t>
-            </a:r>
-          </a:p>
-        </p:txBody>
-      </p:sp>
-      <p:sp>
-        <p:nvSpPr>
-          <p:cNvPr id="14" name="Content Placeholder 13"/>
-          <p:cNvSpPr>
-            <a:spLocks noGrp="1"/>
-          </p:cNvSpPr>
-          <p:nvPr>
-            <p:ph idx="1"/>
-          </p:nvPr>
-        </p:nvSpPr>
-        <p:spPr/>
-        <p:txBody>
-          <a:bodyPr/>
-          <a:lstStyle/>
-          <a:p>
-            <a:r>
-              <a:rPr lang="en-US" dirty="0"/>
-              <a:t>Shirak Avakian</a:t>
-            </a:r>
-          </a:p>
-          <a:p>
-            <a:r>
-              <a:rPr lang="en-US" dirty="0"/>
-              <a:t>Enterprise Solution Architect</a:t>
-            </a:r>
-          </a:p>
-          <a:p>
-            <a:r>
-              <a:rPr lang="en-US" dirty="0"/>
-              <a:t>QBI LLC</a:t>
-            </a:r>
-          </a:p>
-          <a:p>
-            <a:r>
-              <a:rPr lang="en-US" dirty="0"/>
-              <a:t>@</a:t>
-            </a:r>
-            <a:r>
-              <a:rPr lang="en-US" dirty="0" err="1"/>
-              <a:t>ShirakAvakian</a:t>
-            </a:r>
-            <a:endParaRPr lang="en-US" dirty="0"/>
-          </a:p>
-          <a:p>
-            <a:r>
-              <a:rPr lang="en-US" dirty="0"/>
-              <a:t>ShirakAvakian@gmail.com</a:t>
-            </a:r>
-          </a:p>
-        </p:txBody>
-      </p:sp>
-      <p:pic>
-        <p:nvPicPr>
-          <p:cNvPr id="4" name="Picture 3"/>
-          <p:cNvPicPr>
-            <a:picLocks noChangeAspect="1"/>
-          </p:cNvPicPr>
-          <p:nvPr/>
-        </p:nvPicPr>
-        <p:blipFill rotWithShape="1">
-          <a:blip r:embed="rId2" cstate="print">
-            <a:extLst>
-              <a:ext uri="{28A0092B-C50C-407E-A947-70E740481C1C}">
-                <a14:useLocalDpi xmlns:a14="http://schemas.microsoft.com/office/drawing/2010/main" val="0"/>
-              </a:ext>
-            </a:extLst>
-          </a:blip>
-          <a:srcRect l="28031" r="12878"/>
-          <a:stretch/>
-        </p:blipFill>
-        <p:spPr>
-          <a:xfrm>
-            <a:off x="6323012" y="1060391"/>
-            <a:ext cx="4343402" cy="4134584"/>
-          </a:xfrm>
-          <a:prstGeom prst="roundRect">
-            <a:avLst>
-              <a:gd name="adj" fmla="val 11111"/>
-            </a:avLst>
-          </a:prstGeom>
-          <a:ln w="190500" cap="rnd">
-            <a:solidFill>
-              <a:srgbClr val="C8C6BD"/>
-            </a:solidFill>
-            <a:prstDash val="solid"/>
-          </a:ln>
-          <a:effectLst>
-            <a:outerShdw blurRad="101600" dist="50800" dir="7200000" algn="tl" rotWithShape="0">
-              <a:srgbClr val="000000">
-                <a:alpha val="45000"/>
-              </a:srgbClr>
-            </a:outerShdw>
-          </a:effectLst>
-          <a:scene3d>
-            <a:camera prst="perspectiveFront" fov="5400000"/>
-            <a:lightRig rig="threePt" dir="t">
-              <a:rot lat="0" lon="0" rev="19200000"/>
-            </a:lightRig>
-          </a:scene3d>
-          <a:sp3d extrusionH="25400">
-            <a:bevelT w="304800" h="152400" prst="hardEdge"/>
-            <a:extrusionClr>
-              <a:srgbClr val="FFFFFF"/>
-            </a:extrusionClr>
-          </a:sp3d>
-        </p:spPr>
-      </p:pic>
-    </p:spTree>
-    <p:extLst>
-      <p:ext uri="{BB962C8B-B14F-4D97-AF65-F5344CB8AC3E}">
-        <p14:creationId xmlns:p14="http://schemas.microsoft.com/office/powerpoint/2010/main" val="711182959"/>
-      </p:ext>
-    </p:extLst>
-  </p:cSld>
-  <p:clrMapOvr>
-    <a:masterClrMapping/>
-  </p:clrMapOvr>
-  <mc:AlternateContent xmlns:mc="http://schemas.openxmlformats.org/markup-compatibility/2006" xmlns:p14="http://schemas.microsoft.com/office/powerpoint/2010/main">
-    <mc:Choice Requires="p14">
-      <p:transition spd="med" p14:dur="700">
-        <p:fade/>
-      </p:transition>
-    </mc:Choice>
-    <mc:Fallback xmlns="">
-      <p:transition spd="med">
-        <p:fade/>
-      </p:transition>
-    </mc:Fallback>
-  </mc:AlternateContent>
-</p:sld>
-</file>
-
-<file path=ppt/slides/slide20.xml><?xml version="1.0" encoding="utf-8"?>
+<file path=ppt/slides/slide27.xml><?xml version="1.0" encoding="utf-8"?>
 <p:sld xmlns:a="http://schemas.openxmlformats.org/drawingml/2006/main" xmlns:r="http://schemas.openxmlformats.org/officeDocument/2006/relationships" xmlns:p="http://schemas.openxmlformats.org/presentationml/2006/main">
   <p:cSld>
     <p:spTree>
@@ -9890,7 +11777,7 @@
 </p:sld>
 </file>
 
-<file path=ppt/slides/slide21.xml><?xml version="1.0" encoding="utf-8"?>
+<file path=ppt/slides/slide28.xml><?xml version="1.0" encoding="utf-8"?>
 <p:sld xmlns:a="http://schemas.openxmlformats.org/drawingml/2006/main" xmlns:r="http://schemas.openxmlformats.org/officeDocument/2006/relationships" xmlns:p="http://schemas.openxmlformats.org/presentationml/2006/main">
   <p:cSld>
     <p:spTree>
@@ -9989,7 +11876,7 @@
 </p:sld>
 </file>
 
-<file path=ppt/slides/slide22.xml><?xml version="1.0" encoding="utf-8"?>
+<file path=ppt/slides/slide29.xml><?xml version="1.0" encoding="utf-8"?>
 <p:sld xmlns:a="http://schemas.openxmlformats.org/drawingml/2006/main" xmlns:r="http://schemas.openxmlformats.org/officeDocument/2006/relationships" xmlns:p="http://schemas.openxmlformats.org/presentationml/2006/main">
   <p:cSld>
     <p:spTree>

--- a/powerpoint/SmartPDF/Don't Just PDF.pptx
+++ b/powerpoint/SmartPDF/Don't Just PDF.pptx
@@ -5,10 +5,10 @@
     <p:sldMasterId id="2147483660" r:id="rId2"/>
   </p:sldMasterIdLst>
   <p:notesMasterIdLst>
-    <p:notesMasterId r:id="rId32"/>
+    <p:notesMasterId r:id="rId35"/>
   </p:notesMasterIdLst>
   <p:handoutMasterIdLst>
-    <p:handoutMasterId r:id="rId33"/>
+    <p:handoutMasterId r:id="rId36"/>
   </p:handoutMasterIdLst>
   <p:sldIdLst>
     <p:sldId id="264" r:id="rId3"/>
@@ -32,14 +32,17 @@
     <p:sldId id="296" r:id="rId21"/>
     <p:sldId id="297" r:id="rId22"/>
     <p:sldId id="298" r:id="rId23"/>
-    <p:sldId id="277" r:id="rId24"/>
-    <p:sldId id="278" r:id="rId25"/>
-    <p:sldId id="279" r:id="rId26"/>
-    <p:sldId id="268" r:id="rId27"/>
-    <p:sldId id="269" r:id="rId28"/>
-    <p:sldId id="270" r:id="rId29"/>
-    <p:sldId id="280" r:id="rId30"/>
-    <p:sldId id="274" r:id="rId31"/>
+    <p:sldId id="300" r:id="rId24"/>
+    <p:sldId id="301" r:id="rId25"/>
+    <p:sldId id="299" r:id="rId26"/>
+    <p:sldId id="277" r:id="rId27"/>
+    <p:sldId id="278" r:id="rId28"/>
+    <p:sldId id="279" r:id="rId29"/>
+    <p:sldId id="268" r:id="rId30"/>
+    <p:sldId id="269" r:id="rId31"/>
+    <p:sldId id="270" r:id="rId32"/>
+    <p:sldId id="280" r:id="rId33"/>
+    <p:sldId id="274" r:id="rId34"/>
   </p:sldIdLst>
   <p:sldSz cx="12188825" cy="6858000"/>
   <p:notesSz cx="6858000" cy="9144000"/>
@@ -1898,7 +1901,1332 @@
 </dgm:colorsDef>
 </file>
 
+<file path=ppt/diagrams/colors2.xml><?xml version="1.0" encoding="utf-8"?>
+<dgm:colorsDef xmlns:dgm="http://schemas.openxmlformats.org/drawingml/2006/diagram" xmlns:a="http://schemas.openxmlformats.org/drawingml/2006/main" uniqueId="urn:microsoft.com/office/officeart/2005/8/colors/accent1_2">
+  <dgm:title val=""/>
+  <dgm:desc val=""/>
+  <dgm:catLst>
+    <dgm:cat type="accent1" pri="11200"/>
+  </dgm:catLst>
+  <dgm:styleLbl name="node0">
+    <dgm:fillClrLst meth="repeat">
+      <a:schemeClr val="accent1"/>
+    </dgm:fillClrLst>
+    <dgm:linClrLst meth="repeat">
+      <a:schemeClr val="lt1"/>
+    </dgm:linClrLst>
+    <dgm:effectClrLst/>
+    <dgm:txLinClrLst/>
+    <dgm:txFillClrLst/>
+    <dgm:txEffectClrLst/>
+  </dgm:styleLbl>
+  <dgm:styleLbl name="alignNode1">
+    <dgm:fillClrLst meth="repeat">
+      <a:schemeClr val="accent1"/>
+    </dgm:fillClrLst>
+    <dgm:linClrLst meth="repeat">
+      <a:schemeClr val="accent1"/>
+    </dgm:linClrLst>
+    <dgm:effectClrLst/>
+    <dgm:txLinClrLst/>
+    <dgm:txFillClrLst/>
+    <dgm:txEffectClrLst/>
+  </dgm:styleLbl>
+  <dgm:styleLbl name="node1">
+    <dgm:fillClrLst meth="repeat">
+      <a:schemeClr val="accent1"/>
+    </dgm:fillClrLst>
+    <dgm:linClrLst meth="repeat">
+      <a:schemeClr val="lt1"/>
+    </dgm:linClrLst>
+    <dgm:effectClrLst/>
+    <dgm:txLinClrLst/>
+    <dgm:txFillClrLst/>
+    <dgm:txEffectClrLst/>
+  </dgm:styleLbl>
+  <dgm:styleLbl name="lnNode1">
+    <dgm:fillClrLst meth="repeat">
+      <a:schemeClr val="accent1"/>
+    </dgm:fillClrLst>
+    <dgm:linClrLst meth="repeat">
+      <a:schemeClr val="lt1"/>
+    </dgm:linClrLst>
+    <dgm:effectClrLst/>
+    <dgm:txLinClrLst/>
+    <dgm:txFillClrLst/>
+    <dgm:txEffectClrLst/>
+  </dgm:styleLbl>
+  <dgm:styleLbl name="vennNode1">
+    <dgm:fillClrLst meth="repeat">
+      <a:schemeClr val="accent1">
+        <a:alpha val="50000"/>
+      </a:schemeClr>
+    </dgm:fillClrLst>
+    <dgm:linClrLst meth="repeat">
+      <a:schemeClr val="lt1"/>
+    </dgm:linClrLst>
+    <dgm:effectClrLst/>
+    <dgm:txLinClrLst/>
+    <dgm:txFillClrLst/>
+    <dgm:txEffectClrLst/>
+  </dgm:styleLbl>
+  <dgm:styleLbl name="node2">
+    <dgm:fillClrLst meth="repeat">
+      <a:schemeClr val="accent1"/>
+    </dgm:fillClrLst>
+    <dgm:linClrLst meth="repeat">
+      <a:schemeClr val="lt1"/>
+    </dgm:linClrLst>
+    <dgm:effectClrLst/>
+    <dgm:txLinClrLst/>
+    <dgm:txFillClrLst/>
+    <dgm:txEffectClrLst/>
+  </dgm:styleLbl>
+  <dgm:styleLbl name="node3">
+    <dgm:fillClrLst meth="repeat">
+      <a:schemeClr val="accent1"/>
+    </dgm:fillClrLst>
+    <dgm:linClrLst meth="repeat">
+      <a:schemeClr val="lt1"/>
+    </dgm:linClrLst>
+    <dgm:effectClrLst/>
+    <dgm:txLinClrLst/>
+    <dgm:txFillClrLst/>
+    <dgm:txEffectClrLst/>
+  </dgm:styleLbl>
+  <dgm:styleLbl name="node4">
+    <dgm:fillClrLst meth="repeat">
+      <a:schemeClr val="accent1"/>
+    </dgm:fillClrLst>
+    <dgm:linClrLst meth="repeat">
+      <a:schemeClr val="lt1"/>
+    </dgm:linClrLst>
+    <dgm:effectClrLst/>
+    <dgm:txLinClrLst/>
+    <dgm:txFillClrLst/>
+    <dgm:txEffectClrLst/>
+  </dgm:styleLbl>
+  <dgm:styleLbl name="fgImgPlace1">
+    <dgm:fillClrLst meth="repeat">
+      <a:schemeClr val="accent1">
+        <a:tint val="50000"/>
+      </a:schemeClr>
+    </dgm:fillClrLst>
+    <dgm:linClrLst meth="repeat">
+      <a:schemeClr val="lt1"/>
+    </dgm:linClrLst>
+    <dgm:effectClrLst/>
+    <dgm:txLinClrLst/>
+    <dgm:txFillClrLst meth="repeat">
+      <a:schemeClr val="lt1"/>
+    </dgm:txFillClrLst>
+    <dgm:txEffectClrLst/>
+  </dgm:styleLbl>
+  <dgm:styleLbl name="alignImgPlace1">
+    <dgm:fillClrLst meth="repeat">
+      <a:schemeClr val="accent1">
+        <a:tint val="50000"/>
+      </a:schemeClr>
+    </dgm:fillClrLst>
+    <dgm:linClrLst meth="repeat">
+      <a:schemeClr val="lt1"/>
+    </dgm:linClrLst>
+    <dgm:effectClrLst/>
+    <dgm:txLinClrLst/>
+    <dgm:txFillClrLst meth="repeat">
+      <a:schemeClr val="lt1"/>
+    </dgm:txFillClrLst>
+    <dgm:txEffectClrLst/>
+  </dgm:styleLbl>
+  <dgm:styleLbl name="bgImgPlace1">
+    <dgm:fillClrLst meth="repeat">
+      <a:schemeClr val="accent1">
+        <a:tint val="50000"/>
+      </a:schemeClr>
+    </dgm:fillClrLst>
+    <dgm:linClrLst meth="repeat">
+      <a:schemeClr val="lt1"/>
+    </dgm:linClrLst>
+    <dgm:effectClrLst/>
+    <dgm:txLinClrLst/>
+    <dgm:txFillClrLst meth="repeat">
+      <a:schemeClr val="lt1"/>
+    </dgm:txFillClrLst>
+    <dgm:txEffectClrLst/>
+  </dgm:styleLbl>
+  <dgm:styleLbl name="sibTrans2D1">
+    <dgm:fillClrLst meth="repeat">
+      <a:schemeClr val="accent1">
+        <a:tint val="60000"/>
+      </a:schemeClr>
+    </dgm:fillClrLst>
+    <dgm:linClrLst meth="repeat">
+      <a:schemeClr val="accent1">
+        <a:tint val="60000"/>
+      </a:schemeClr>
+    </dgm:linClrLst>
+    <dgm:effectClrLst/>
+    <dgm:txLinClrLst/>
+    <dgm:txFillClrLst/>
+    <dgm:txEffectClrLst/>
+  </dgm:styleLbl>
+  <dgm:styleLbl name="fgSibTrans2D1">
+    <dgm:fillClrLst meth="repeat">
+      <a:schemeClr val="accent1">
+        <a:tint val="60000"/>
+      </a:schemeClr>
+    </dgm:fillClrLst>
+    <dgm:linClrLst meth="repeat">
+      <a:schemeClr val="accent1">
+        <a:tint val="60000"/>
+      </a:schemeClr>
+    </dgm:linClrLst>
+    <dgm:effectClrLst/>
+    <dgm:txLinClrLst/>
+    <dgm:txFillClrLst/>
+    <dgm:txEffectClrLst/>
+  </dgm:styleLbl>
+  <dgm:styleLbl name="bgSibTrans2D1">
+    <dgm:fillClrLst meth="repeat">
+      <a:schemeClr val="accent1">
+        <a:tint val="60000"/>
+      </a:schemeClr>
+    </dgm:fillClrLst>
+    <dgm:linClrLst meth="repeat">
+      <a:schemeClr val="accent1">
+        <a:tint val="60000"/>
+      </a:schemeClr>
+    </dgm:linClrLst>
+    <dgm:effectClrLst/>
+    <dgm:txLinClrLst/>
+    <dgm:txFillClrLst/>
+    <dgm:txEffectClrLst/>
+  </dgm:styleLbl>
+  <dgm:styleLbl name="sibTrans1D1">
+    <dgm:fillClrLst meth="repeat">
+      <a:schemeClr val="accent1"/>
+    </dgm:fillClrLst>
+    <dgm:linClrLst meth="repeat">
+      <a:schemeClr val="accent1"/>
+    </dgm:linClrLst>
+    <dgm:effectClrLst/>
+    <dgm:txLinClrLst/>
+    <dgm:txFillClrLst meth="repeat">
+      <a:schemeClr val="tx1"/>
+    </dgm:txFillClrLst>
+    <dgm:txEffectClrLst/>
+  </dgm:styleLbl>
+  <dgm:styleLbl name="callout">
+    <dgm:fillClrLst meth="repeat">
+      <a:schemeClr val="accent1"/>
+    </dgm:fillClrLst>
+    <dgm:linClrLst meth="repeat">
+      <a:schemeClr val="accent1">
+        <a:tint val="50000"/>
+      </a:schemeClr>
+    </dgm:linClrLst>
+    <dgm:effectClrLst/>
+    <dgm:txLinClrLst/>
+    <dgm:txFillClrLst meth="repeat">
+      <a:schemeClr val="tx1"/>
+    </dgm:txFillClrLst>
+    <dgm:txEffectClrLst/>
+  </dgm:styleLbl>
+  <dgm:styleLbl name="asst0">
+    <dgm:fillClrLst meth="repeat">
+      <a:schemeClr val="accent1"/>
+    </dgm:fillClrLst>
+    <dgm:linClrLst meth="repeat">
+      <a:schemeClr val="lt1"/>
+    </dgm:linClrLst>
+    <dgm:effectClrLst/>
+    <dgm:txLinClrLst/>
+    <dgm:txFillClrLst/>
+    <dgm:txEffectClrLst/>
+  </dgm:styleLbl>
+  <dgm:styleLbl name="asst1">
+    <dgm:fillClrLst meth="repeat">
+      <a:schemeClr val="accent1"/>
+    </dgm:fillClrLst>
+    <dgm:linClrLst meth="repeat">
+      <a:schemeClr val="lt1"/>
+    </dgm:linClrLst>
+    <dgm:effectClrLst/>
+    <dgm:txLinClrLst/>
+    <dgm:txFillClrLst/>
+    <dgm:txEffectClrLst/>
+  </dgm:styleLbl>
+  <dgm:styleLbl name="asst2">
+    <dgm:fillClrLst meth="repeat">
+      <a:schemeClr val="accent1"/>
+    </dgm:fillClrLst>
+    <dgm:linClrLst meth="repeat">
+      <a:schemeClr val="lt1"/>
+    </dgm:linClrLst>
+    <dgm:effectClrLst/>
+    <dgm:txLinClrLst/>
+    <dgm:txFillClrLst/>
+    <dgm:txEffectClrLst/>
+  </dgm:styleLbl>
+  <dgm:styleLbl name="asst3">
+    <dgm:fillClrLst meth="repeat">
+      <a:schemeClr val="accent1"/>
+    </dgm:fillClrLst>
+    <dgm:linClrLst meth="repeat">
+      <a:schemeClr val="lt1"/>
+    </dgm:linClrLst>
+    <dgm:effectClrLst/>
+    <dgm:txLinClrLst/>
+    <dgm:txFillClrLst/>
+    <dgm:txEffectClrLst/>
+  </dgm:styleLbl>
+  <dgm:styleLbl name="asst4">
+    <dgm:fillClrLst meth="repeat">
+      <a:schemeClr val="accent1"/>
+    </dgm:fillClrLst>
+    <dgm:linClrLst meth="repeat">
+      <a:schemeClr val="lt1"/>
+    </dgm:linClrLst>
+    <dgm:effectClrLst/>
+    <dgm:txLinClrLst/>
+    <dgm:txFillClrLst/>
+    <dgm:txEffectClrLst/>
+  </dgm:styleLbl>
+  <dgm:styleLbl name="parChTrans2D1">
+    <dgm:fillClrLst meth="repeat">
+      <a:schemeClr val="accent1">
+        <a:tint val="60000"/>
+      </a:schemeClr>
+    </dgm:fillClrLst>
+    <dgm:linClrLst meth="repeat">
+      <a:schemeClr val="accent1">
+        <a:tint val="60000"/>
+      </a:schemeClr>
+    </dgm:linClrLst>
+    <dgm:effectClrLst/>
+    <dgm:txLinClrLst/>
+    <dgm:txFillClrLst meth="repeat">
+      <a:schemeClr val="lt1"/>
+    </dgm:txFillClrLst>
+    <dgm:txEffectClrLst/>
+  </dgm:styleLbl>
+  <dgm:styleLbl name="parChTrans2D2">
+    <dgm:fillClrLst meth="repeat">
+      <a:schemeClr val="accent1"/>
+    </dgm:fillClrLst>
+    <dgm:linClrLst meth="repeat">
+      <a:schemeClr val="accent1"/>
+    </dgm:linClrLst>
+    <dgm:effectClrLst/>
+    <dgm:txLinClrLst/>
+    <dgm:txFillClrLst meth="repeat">
+      <a:schemeClr val="lt1"/>
+    </dgm:txFillClrLst>
+    <dgm:txEffectClrLst/>
+  </dgm:styleLbl>
+  <dgm:styleLbl name="parChTrans2D3">
+    <dgm:fillClrLst meth="repeat">
+      <a:schemeClr val="accent1"/>
+    </dgm:fillClrLst>
+    <dgm:linClrLst meth="repeat">
+      <a:schemeClr val="accent1"/>
+    </dgm:linClrLst>
+    <dgm:effectClrLst/>
+    <dgm:txLinClrLst/>
+    <dgm:txFillClrLst meth="repeat">
+      <a:schemeClr val="lt1"/>
+    </dgm:txFillClrLst>
+    <dgm:txEffectClrLst/>
+  </dgm:styleLbl>
+  <dgm:styleLbl name="parChTrans2D4">
+    <dgm:fillClrLst meth="repeat">
+      <a:schemeClr val="accent1"/>
+    </dgm:fillClrLst>
+    <dgm:linClrLst meth="repeat">
+      <a:schemeClr val="accent1"/>
+    </dgm:linClrLst>
+    <dgm:effectClrLst/>
+    <dgm:txLinClrLst/>
+    <dgm:txFillClrLst meth="repeat">
+      <a:schemeClr val="lt1"/>
+    </dgm:txFillClrLst>
+    <dgm:txEffectClrLst/>
+  </dgm:styleLbl>
+  <dgm:styleLbl name="parChTrans1D1">
+    <dgm:fillClrLst meth="repeat">
+      <a:schemeClr val="accent1"/>
+    </dgm:fillClrLst>
+    <dgm:linClrLst meth="repeat">
+      <a:schemeClr val="accent1">
+        <a:shade val="60000"/>
+      </a:schemeClr>
+    </dgm:linClrLst>
+    <dgm:effectClrLst/>
+    <dgm:txLinClrLst/>
+    <dgm:txFillClrLst meth="repeat">
+      <a:schemeClr val="tx1"/>
+    </dgm:txFillClrLst>
+    <dgm:txEffectClrLst/>
+  </dgm:styleLbl>
+  <dgm:styleLbl name="parChTrans1D2">
+    <dgm:fillClrLst meth="repeat">
+      <a:schemeClr val="accent1"/>
+    </dgm:fillClrLst>
+    <dgm:linClrLst meth="repeat">
+      <a:schemeClr val="accent1">
+        <a:shade val="60000"/>
+      </a:schemeClr>
+    </dgm:linClrLst>
+    <dgm:effectClrLst/>
+    <dgm:txLinClrLst/>
+    <dgm:txFillClrLst meth="repeat">
+      <a:schemeClr val="tx1"/>
+    </dgm:txFillClrLst>
+    <dgm:txEffectClrLst/>
+  </dgm:styleLbl>
+  <dgm:styleLbl name="parChTrans1D3">
+    <dgm:fillClrLst meth="repeat">
+      <a:schemeClr val="accent1"/>
+    </dgm:fillClrLst>
+    <dgm:linClrLst meth="repeat">
+      <a:schemeClr val="accent1">
+        <a:shade val="80000"/>
+      </a:schemeClr>
+    </dgm:linClrLst>
+    <dgm:effectClrLst/>
+    <dgm:txLinClrLst/>
+    <dgm:txFillClrLst meth="repeat">
+      <a:schemeClr val="tx1"/>
+    </dgm:txFillClrLst>
+    <dgm:txEffectClrLst/>
+  </dgm:styleLbl>
+  <dgm:styleLbl name="parChTrans1D4">
+    <dgm:fillClrLst meth="repeat">
+      <a:schemeClr val="accent1"/>
+    </dgm:fillClrLst>
+    <dgm:linClrLst meth="repeat">
+      <a:schemeClr val="accent1">
+        <a:shade val="80000"/>
+      </a:schemeClr>
+    </dgm:linClrLst>
+    <dgm:effectClrLst/>
+    <dgm:txLinClrLst/>
+    <dgm:txFillClrLst meth="repeat">
+      <a:schemeClr val="tx1"/>
+    </dgm:txFillClrLst>
+    <dgm:txEffectClrLst/>
+  </dgm:styleLbl>
+  <dgm:styleLbl name="fgAcc1">
+    <dgm:fillClrLst meth="repeat">
+      <a:schemeClr val="lt1">
+        <a:alpha val="90000"/>
+      </a:schemeClr>
+    </dgm:fillClrLst>
+    <dgm:linClrLst meth="repeat">
+      <a:schemeClr val="accent1"/>
+    </dgm:linClrLst>
+    <dgm:effectClrLst/>
+    <dgm:txLinClrLst/>
+    <dgm:txFillClrLst meth="repeat">
+      <a:schemeClr val="dk1"/>
+    </dgm:txFillClrLst>
+    <dgm:txEffectClrLst/>
+  </dgm:styleLbl>
+  <dgm:styleLbl name="conFgAcc1">
+    <dgm:fillClrLst meth="repeat">
+      <a:schemeClr val="lt1">
+        <a:alpha val="90000"/>
+      </a:schemeClr>
+    </dgm:fillClrLst>
+    <dgm:linClrLst meth="repeat">
+      <a:schemeClr val="accent1"/>
+    </dgm:linClrLst>
+    <dgm:effectClrLst/>
+    <dgm:txLinClrLst/>
+    <dgm:txFillClrLst meth="repeat">
+      <a:schemeClr val="dk1"/>
+    </dgm:txFillClrLst>
+    <dgm:txEffectClrLst/>
+  </dgm:styleLbl>
+  <dgm:styleLbl name="alignAcc1">
+    <dgm:fillClrLst meth="repeat">
+      <a:schemeClr val="lt1">
+        <a:alpha val="90000"/>
+      </a:schemeClr>
+    </dgm:fillClrLst>
+    <dgm:linClrLst meth="repeat">
+      <a:schemeClr val="accent1"/>
+    </dgm:linClrLst>
+    <dgm:effectClrLst/>
+    <dgm:txLinClrLst/>
+    <dgm:txFillClrLst meth="repeat">
+      <a:schemeClr val="dk1"/>
+    </dgm:txFillClrLst>
+    <dgm:txEffectClrLst/>
+  </dgm:styleLbl>
+  <dgm:styleLbl name="trAlignAcc1">
+    <dgm:fillClrLst meth="repeat">
+      <a:schemeClr val="lt1">
+        <a:alpha val="40000"/>
+      </a:schemeClr>
+    </dgm:fillClrLst>
+    <dgm:linClrLst meth="repeat">
+      <a:schemeClr val="accent1"/>
+    </dgm:linClrLst>
+    <dgm:effectClrLst/>
+    <dgm:txLinClrLst/>
+    <dgm:txFillClrLst meth="repeat">
+      <a:schemeClr val="dk1"/>
+    </dgm:txFillClrLst>
+    <dgm:txEffectClrLst/>
+  </dgm:styleLbl>
+  <dgm:styleLbl name="bgAcc1">
+    <dgm:fillClrLst meth="repeat">
+      <a:schemeClr val="lt1">
+        <a:alpha val="90000"/>
+      </a:schemeClr>
+    </dgm:fillClrLst>
+    <dgm:linClrLst meth="repeat">
+      <a:schemeClr val="accent1"/>
+    </dgm:linClrLst>
+    <dgm:effectClrLst/>
+    <dgm:txLinClrLst/>
+    <dgm:txFillClrLst meth="repeat">
+      <a:schemeClr val="dk1"/>
+    </dgm:txFillClrLst>
+    <dgm:txEffectClrLst/>
+  </dgm:styleLbl>
+  <dgm:styleLbl name="solidFgAcc1">
+    <dgm:fillClrLst meth="repeat">
+      <a:schemeClr val="lt1"/>
+    </dgm:fillClrLst>
+    <dgm:linClrLst meth="repeat">
+      <a:schemeClr val="accent1"/>
+    </dgm:linClrLst>
+    <dgm:effectClrLst/>
+    <dgm:txLinClrLst/>
+    <dgm:txFillClrLst meth="repeat">
+      <a:schemeClr val="dk1"/>
+    </dgm:txFillClrLst>
+    <dgm:txEffectClrLst/>
+  </dgm:styleLbl>
+  <dgm:styleLbl name="solidAlignAcc1">
+    <dgm:fillClrLst meth="repeat">
+      <a:schemeClr val="lt1"/>
+    </dgm:fillClrLst>
+    <dgm:linClrLst meth="repeat">
+      <a:schemeClr val="accent1"/>
+    </dgm:linClrLst>
+    <dgm:effectClrLst/>
+    <dgm:txLinClrLst/>
+    <dgm:txFillClrLst meth="repeat">
+      <a:schemeClr val="dk1"/>
+    </dgm:txFillClrLst>
+    <dgm:txEffectClrLst/>
+  </dgm:styleLbl>
+  <dgm:styleLbl name="solidBgAcc1">
+    <dgm:fillClrLst meth="repeat">
+      <a:schemeClr val="lt1"/>
+    </dgm:fillClrLst>
+    <dgm:linClrLst meth="repeat">
+      <a:schemeClr val="accent1"/>
+    </dgm:linClrLst>
+    <dgm:effectClrLst/>
+    <dgm:txLinClrLst/>
+    <dgm:txFillClrLst meth="repeat">
+      <a:schemeClr val="dk1"/>
+    </dgm:txFillClrLst>
+    <dgm:txEffectClrLst/>
+  </dgm:styleLbl>
+  <dgm:styleLbl name="fgAccFollowNode1">
+    <dgm:fillClrLst meth="repeat">
+      <a:schemeClr val="accent1">
+        <a:alpha val="90000"/>
+        <a:tint val="40000"/>
+      </a:schemeClr>
+    </dgm:fillClrLst>
+    <dgm:linClrLst meth="repeat">
+      <a:schemeClr val="accent1">
+        <a:alpha val="90000"/>
+        <a:tint val="40000"/>
+      </a:schemeClr>
+    </dgm:linClrLst>
+    <dgm:effectClrLst/>
+    <dgm:txLinClrLst/>
+    <dgm:txFillClrLst meth="repeat">
+      <a:schemeClr val="dk1"/>
+    </dgm:txFillClrLst>
+    <dgm:txEffectClrLst/>
+  </dgm:styleLbl>
+  <dgm:styleLbl name="alignAccFollowNode1">
+    <dgm:fillClrLst meth="repeat">
+      <a:schemeClr val="accent1">
+        <a:alpha val="90000"/>
+        <a:tint val="40000"/>
+      </a:schemeClr>
+    </dgm:fillClrLst>
+    <dgm:linClrLst meth="repeat">
+      <a:schemeClr val="accent1">
+        <a:alpha val="90000"/>
+        <a:tint val="40000"/>
+      </a:schemeClr>
+    </dgm:linClrLst>
+    <dgm:effectClrLst/>
+    <dgm:txLinClrLst/>
+    <dgm:txFillClrLst meth="repeat">
+      <a:schemeClr val="dk1"/>
+    </dgm:txFillClrLst>
+    <dgm:txEffectClrLst/>
+  </dgm:styleLbl>
+  <dgm:styleLbl name="bgAccFollowNode1">
+    <dgm:fillClrLst meth="repeat">
+      <a:schemeClr val="accent1">
+        <a:alpha val="90000"/>
+        <a:tint val="40000"/>
+      </a:schemeClr>
+    </dgm:fillClrLst>
+    <dgm:linClrLst meth="repeat">
+      <a:schemeClr val="accent1">
+        <a:alpha val="90000"/>
+        <a:tint val="40000"/>
+      </a:schemeClr>
+    </dgm:linClrLst>
+    <dgm:effectClrLst/>
+    <dgm:txLinClrLst/>
+    <dgm:txFillClrLst meth="repeat">
+      <a:schemeClr val="dk1"/>
+    </dgm:txFillClrLst>
+    <dgm:txEffectClrLst/>
+  </dgm:styleLbl>
+  <dgm:styleLbl name="fgAcc0">
+    <dgm:fillClrLst meth="repeat">
+      <a:schemeClr val="lt1">
+        <a:alpha val="90000"/>
+      </a:schemeClr>
+    </dgm:fillClrLst>
+    <dgm:linClrLst meth="repeat">
+      <a:schemeClr val="accent1"/>
+    </dgm:linClrLst>
+    <dgm:effectClrLst/>
+    <dgm:txLinClrLst/>
+    <dgm:txFillClrLst meth="repeat">
+      <a:schemeClr val="dk1"/>
+    </dgm:txFillClrLst>
+    <dgm:txEffectClrLst/>
+  </dgm:styleLbl>
+  <dgm:styleLbl name="fgAcc2">
+    <dgm:fillClrLst meth="repeat">
+      <a:schemeClr val="lt1">
+        <a:alpha val="90000"/>
+      </a:schemeClr>
+    </dgm:fillClrLst>
+    <dgm:linClrLst meth="repeat">
+      <a:schemeClr val="accent1"/>
+    </dgm:linClrLst>
+    <dgm:effectClrLst/>
+    <dgm:txLinClrLst/>
+    <dgm:txFillClrLst meth="repeat">
+      <a:schemeClr val="dk1"/>
+    </dgm:txFillClrLst>
+    <dgm:txEffectClrLst/>
+  </dgm:styleLbl>
+  <dgm:styleLbl name="fgAcc3">
+    <dgm:fillClrLst meth="repeat">
+      <a:schemeClr val="lt1">
+        <a:alpha val="90000"/>
+      </a:schemeClr>
+    </dgm:fillClrLst>
+    <dgm:linClrLst meth="repeat">
+      <a:schemeClr val="accent1"/>
+    </dgm:linClrLst>
+    <dgm:effectClrLst/>
+    <dgm:txLinClrLst/>
+    <dgm:txFillClrLst meth="repeat">
+      <a:schemeClr val="dk1"/>
+    </dgm:txFillClrLst>
+    <dgm:txEffectClrLst/>
+  </dgm:styleLbl>
+  <dgm:styleLbl name="fgAcc4">
+    <dgm:fillClrLst meth="repeat">
+      <a:schemeClr val="lt1">
+        <a:alpha val="90000"/>
+      </a:schemeClr>
+    </dgm:fillClrLst>
+    <dgm:linClrLst meth="repeat">
+      <a:schemeClr val="accent1"/>
+    </dgm:linClrLst>
+    <dgm:effectClrLst/>
+    <dgm:txLinClrLst/>
+    <dgm:txFillClrLst meth="repeat">
+      <a:schemeClr val="dk1"/>
+    </dgm:txFillClrLst>
+    <dgm:txEffectClrLst/>
+  </dgm:styleLbl>
+  <dgm:styleLbl name="bgShp">
+    <dgm:fillClrLst meth="repeat">
+      <a:schemeClr val="accent1">
+        <a:tint val="40000"/>
+      </a:schemeClr>
+    </dgm:fillClrLst>
+    <dgm:linClrLst meth="repeat">
+      <a:schemeClr val="accent1"/>
+    </dgm:linClrLst>
+    <dgm:effectClrLst/>
+    <dgm:txLinClrLst/>
+    <dgm:txFillClrLst meth="repeat">
+      <a:schemeClr val="dk1"/>
+    </dgm:txFillClrLst>
+    <dgm:txEffectClrLst/>
+  </dgm:styleLbl>
+  <dgm:styleLbl name="dkBgShp">
+    <dgm:fillClrLst meth="repeat">
+      <a:schemeClr val="accent1">
+        <a:shade val="80000"/>
+      </a:schemeClr>
+    </dgm:fillClrLst>
+    <dgm:linClrLst meth="repeat">
+      <a:schemeClr val="accent1"/>
+    </dgm:linClrLst>
+    <dgm:effectClrLst/>
+    <dgm:txLinClrLst/>
+    <dgm:txFillClrLst meth="repeat">
+      <a:schemeClr val="lt1"/>
+    </dgm:txFillClrLst>
+    <dgm:txEffectClrLst/>
+  </dgm:styleLbl>
+  <dgm:styleLbl name="trBgShp">
+    <dgm:fillClrLst meth="repeat">
+      <a:schemeClr val="accent1">
+        <a:tint val="50000"/>
+        <a:alpha val="40000"/>
+      </a:schemeClr>
+    </dgm:fillClrLst>
+    <dgm:linClrLst meth="repeat">
+      <a:schemeClr val="accent1"/>
+    </dgm:linClrLst>
+    <dgm:effectClrLst/>
+    <dgm:txLinClrLst/>
+    <dgm:txFillClrLst meth="repeat">
+      <a:schemeClr val="lt1"/>
+    </dgm:txFillClrLst>
+    <dgm:txEffectClrLst/>
+  </dgm:styleLbl>
+  <dgm:styleLbl name="fgShp">
+    <dgm:fillClrLst meth="repeat">
+      <a:schemeClr val="accent1">
+        <a:tint val="60000"/>
+      </a:schemeClr>
+    </dgm:fillClrLst>
+    <dgm:linClrLst meth="repeat">
+      <a:schemeClr val="lt1"/>
+    </dgm:linClrLst>
+    <dgm:effectClrLst/>
+    <dgm:txLinClrLst/>
+    <dgm:txFillClrLst meth="repeat">
+      <a:schemeClr val="dk1"/>
+    </dgm:txFillClrLst>
+    <dgm:txEffectClrLst/>
+  </dgm:styleLbl>
+  <dgm:styleLbl name="revTx">
+    <dgm:fillClrLst meth="repeat">
+      <a:schemeClr val="lt1">
+        <a:alpha val="0"/>
+      </a:schemeClr>
+    </dgm:fillClrLst>
+    <dgm:linClrLst meth="repeat">
+      <a:schemeClr val="dk1">
+        <a:alpha val="0"/>
+      </a:schemeClr>
+    </dgm:linClrLst>
+    <dgm:effectClrLst/>
+    <dgm:txLinClrLst/>
+    <dgm:txFillClrLst meth="repeat">
+      <a:schemeClr val="tx1"/>
+    </dgm:txFillClrLst>
+    <dgm:txEffectClrLst/>
+  </dgm:styleLbl>
+</dgm:colorsDef>
+</file>
+
 <file path=ppt/diagrams/data1.xml><?xml version="1.0" encoding="utf-8"?>
+<dgm:dataModel xmlns:dgm="http://schemas.openxmlformats.org/drawingml/2006/diagram" xmlns:a="http://schemas.openxmlformats.org/drawingml/2006/main">
+  <dgm:ptLst>
+    <dgm:pt modelId="{F23F822D-8583-438A-9CCE-5E1447AEF4B8}" type="doc">
+      <dgm:prSet loTypeId="urn:microsoft.com/office/officeart/2005/8/layout/bProcess2" loCatId="process" qsTypeId="urn:microsoft.com/office/officeart/2005/8/quickstyle/simple1" qsCatId="simple" csTypeId="urn:microsoft.com/office/officeart/2005/8/colors/accent1_2" csCatId="accent1" phldr="1"/>
+      <dgm:spPr/>
+      <dgm:t>
+        <a:bodyPr/>
+        <a:lstStyle/>
+        <a:p>
+          <a:endParaRPr lang="en-US"/>
+        </a:p>
+      </dgm:t>
+    </dgm:pt>
+    <dgm:pt modelId="{001E127B-42DA-46F4-A211-DE744159FCEC}">
+      <dgm:prSet phldrT="[Text]"/>
+      <dgm:spPr/>
+      <dgm:t>
+        <a:bodyPr/>
+        <a:lstStyle/>
+        <a:p>
+          <a:r>
+            <a:rPr lang="en-US" dirty="0"/>
+            <a:t>Custom properties</a:t>
+          </a:r>
+        </a:p>
+      </dgm:t>
+    </dgm:pt>
+    <dgm:pt modelId="{FCBC6451-DDE8-46B2-8D5F-46F28B54ABCF}" type="parTrans" cxnId="{07AD81BB-1A92-4745-90BC-E285597E19AD}">
+      <dgm:prSet/>
+      <dgm:spPr/>
+      <dgm:t>
+        <a:bodyPr/>
+        <a:lstStyle/>
+        <a:p>
+          <a:endParaRPr lang="en-US"/>
+        </a:p>
+      </dgm:t>
+    </dgm:pt>
+    <dgm:pt modelId="{65B69FE0-9A1C-4AE7-9E0B-94DAAD258C00}" type="sibTrans" cxnId="{07AD81BB-1A92-4745-90BC-E285597E19AD}">
+      <dgm:prSet/>
+      <dgm:spPr/>
+      <dgm:t>
+        <a:bodyPr/>
+        <a:lstStyle/>
+        <a:p>
+          <a:endParaRPr lang="en-US"/>
+        </a:p>
+      </dgm:t>
+    </dgm:pt>
+    <dgm:pt modelId="{9AD05DE7-2926-44B3-81A4-501B9F19C3F3}">
+      <dgm:prSet phldrT="[Text]"/>
+      <dgm:spPr/>
+      <dgm:t>
+        <a:bodyPr/>
+        <a:lstStyle/>
+        <a:p>
+          <a:r>
+            <a:rPr lang="en-US" dirty="0"/>
+            <a:t>Export XMP</a:t>
+          </a:r>
+        </a:p>
+      </dgm:t>
+    </dgm:pt>
+    <dgm:pt modelId="{489CF48C-BD84-42D0-AC09-5C426D31000C}" type="parTrans" cxnId="{F403190F-C818-4E5B-A591-9D4A2A90C72B}">
+      <dgm:prSet/>
+      <dgm:spPr/>
+      <dgm:t>
+        <a:bodyPr/>
+        <a:lstStyle/>
+        <a:p>
+          <a:endParaRPr lang="en-US"/>
+        </a:p>
+      </dgm:t>
+    </dgm:pt>
+    <dgm:pt modelId="{DFB55E60-3576-4F43-BDEA-7A6D2818D27B}" type="sibTrans" cxnId="{F403190F-C818-4E5B-A591-9D4A2A90C72B}">
+      <dgm:prSet/>
+      <dgm:spPr/>
+      <dgm:t>
+        <a:bodyPr/>
+        <a:lstStyle/>
+        <a:p>
+          <a:endParaRPr lang="en-US"/>
+        </a:p>
+      </dgm:t>
+    </dgm:pt>
+    <dgm:pt modelId="{8C3CDBA7-95AE-44A8-B542-4902D478AC4B}">
+      <dgm:prSet phldrT="[Text]"/>
+      <dgm:spPr/>
+      <dgm:t>
+        <a:bodyPr/>
+        <a:lstStyle/>
+        <a:p>
+          <a:r>
+            <a:rPr lang="en-US" dirty="0"/>
+            <a:t>barcode</a:t>
+          </a:r>
+        </a:p>
+      </dgm:t>
+    </dgm:pt>
+    <dgm:pt modelId="{3BDA1F16-A485-4725-B354-2DED249F429A}" type="parTrans" cxnId="{160AFB96-385F-4B27-8F14-00BEC89BFE8E}">
+      <dgm:prSet/>
+      <dgm:spPr/>
+      <dgm:t>
+        <a:bodyPr/>
+        <a:lstStyle/>
+        <a:p>
+          <a:endParaRPr lang="en-US"/>
+        </a:p>
+      </dgm:t>
+    </dgm:pt>
+    <dgm:pt modelId="{E7F0C27D-D94D-4E2A-844E-C9A467B9C4E8}" type="sibTrans" cxnId="{160AFB96-385F-4B27-8F14-00BEC89BFE8E}">
+      <dgm:prSet/>
+      <dgm:spPr/>
+      <dgm:t>
+        <a:bodyPr/>
+        <a:lstStyle/>
+        <a:p>
+          <a:endParaRPr lang="en-US"/>
+        </a:p>
+      </dgm:t>
+    </dgm:pt>
+    <dgm:pt modelId="{1645F096-7F68-44BC-A808-9A70DB58E4BF}">
+      <dgm:prSet phldrT="[Text]"/>
+      <dgm:spPr/>
+      <dgm:t>
+        <a:bodyPr/>
+        <a:lstStyle/>
+        <a:p>
+          <a:r>
+            <a:rPr lang="en-US" dirty="0"/>
+            <a:t>sanitize</a:t>
+          </a:r>
+        </a:p>
+      </dgm:t>
+    </dgm:pt>
+    <dgm:pt modelId="{32F080EC-C90A-4B89-BE54-47596786F42F}" type="parTrans" cxnId="{1D0D168E-0496-4F99-90BA-5C1760B176D0}">
+      <dgm:prSet/>
+      <dgm:spPr/>
+      <dgm:t>
+        <a:bodyPr/>
+        <a:lstStyle/>
+        <a:p>
+          <a:endParaRPr lang="en-US"/>
+        </a:p>
+      </dgm:t>
+    </dgm:pt>
+    <dgm:pt modelId="{2C509B68-17DC-4311-871C-BA10B88CF357}" type="sibTrans" cxnId="{1D0D168E-0496-4F99-90BA-5C1760B176D0}">
+      <dgm:prSet/>
+      <dgm:spPr/>
+      <dgm:t>
+        <a:bodyPr/>
+        <a:lstStyle/>
+        <a:p>
+          <a:endParaRPr lang="en-US"/>
+        </a:p>
+      </dgm:t>
+    </dgm:pt>
+    <dgm:pt modelId="{C9624329-E4B8-47D5-B6D2-F33BE64F9E32}">
+      <dgm:prSet phldrT="[Text]"/>
+      <dgm:spPr/>
+      <dgm:t>
+        <a:bodyPr/>
+        <a:lstStyle/>
+        <a:p>
+          <a:r>
+            <a:rPr lang="en-US" dirty="0"/>
+            <a:t>send</a:t>
+          </a:r>
+        </a:p>
+      </dgm:t>
+    </dgm:pt>
+    <dgm:pt modelId="{EB7EBCA1-C367-4D53-A03F-5697504DA334}" type="parTrans" cxnId="{AD577B0C-3B80-488E-837B-FCBDE3E1DFB0}">
+      <dgm:prSet/>
+      <dgm:spPr/>
+      <dgm:t>
+        <a:bodyPr/>
+        <a:lstStyle/>
+        <a:p>
+          <a:endParaRPr lang="en-US"/>
+        </a:p>
+      </dgm:t>
+    </dgm:pt>
+    <dgm:pt modelId="{C3A19FA2-F5E9-4527-9A51-0F3A83EC876E}" type="sibTrans" cxnId="{AD577B0C-3B80-488E-837B-FCBDE3E1DFB0}">
+      <dgm:prSet/>
+      <dgm:spPr/>
+      <dgm:t>
+        <a:bodyPr/>
+        <a:lstStyle/>
+        <a:p>
+          <a:endParaRPr lang="en-US"/>
+        </a:p>
+      </dgm:t>
+    </dgm:pt>
+    <dgm:pt modelId="{986E9F71-D8EA-4FD9-8238-1FC45E59EFB3}">
+      <dgm:prSet phldrT="[Text]"/>
+      <dgm:spPr/>
+      <dgm:t>
+        <a:bodyPr/>
+        <a:lstStyle/>
+        <a:p>
+          <a:r>
+            <a:rPr lang="en-US" dirty="0"/>
+            <a:t>receive</a:t>
+          </a:r>
+        </a:p>
+      </dgm:t>
+    </dgm:pt>
+    <dgm:pt modelId="{F37D9A13-A8F1-4AC4-BE6D-B392885AFE22}" type="parTrans" cxnId="{3801A91C-A174-4989-9F6A-683E7C0F229D}">
+      <dgm:prSet/>
+      <dgm:spPr/>
+      <dgm:t>
+        <a:bodyPr/>
+        <a:lstStyle/>
+        <a:p>
+          <a:endParaRPr lang="en-US"/>
+        </a:p>
+      </dgm:t>
+    </dgm:pt>
+    <dgm:pt modelId="{835CE5A9-976B-4C8C-9A8A-A9AE7A9EB916}" type="sibTrans" cxnId="{3801A91C-A174-4989-9F6A-683E7C0F229D}">
+      <dgm:prSet/>
+      <dgm:spPr/>
+      <dgm:t>
+        <a:bodyPr/>
+        <a:lstStyle/>
+        <a:p>
+          <a:endParaRPr lang="en-US"/>
+        </a:p>
+      </dgm:t>
+    </dgm:pt>
+    <dgm:pt modelId="{F458DEAA-02F8-4C0E-B062-34C875112A3F}">
+      <dgm:prSet phldrT="[Text]"/>
+      <dgm:spPr/>
+      <dgm:t>
+        <a:bodyPr/>
+        <a:lstStyle/>
+        <a:p>
+          <a:r>
+            <a:rPr lang="en-US" dirty="0"/>
+            <a:t>Read barcode</a:t>
+          </a:r>
+        </a:p>
+      </dgm:t>
+    </dgm:pt>
+    <dgm:pt modelId="{679F190F-D3A8-43BA-98F2-8C498D29FAB5}" type="parTrans" cxnId="{CAF5DD44-9A92-4C93-9358-69F090DE202A}">
+      <dgm:prSet/>
+      <dgm:spPr/>
+      <dgm:t>
+        <a:bodyPr/>
+        <a:lstStyle/>
+        <a:p>
+          <a:endParaRPr lang="en-US"/>
+        </a:p>
+      </dgm:t>
+    </dgm:pt>
+    <dgm:pt modelId="{277532F9-0CC4-4732-98A6-E2AB0DE62B71}" type="sibTrans" cxnId="{CAF5DD44-9A92-4C93-9358-69F090DE202A}">
+      <dgm:prSet/>
+      <dgm:spPr/>
+      <dgm:t>
+        <a:bodyPr/>
+        <a:lstStyle/>
+        <a:p>
+          <a:endParaRPr lang="en-US"/>
+        </a:p>
+      </dgm:t>
+    </dgm:pt>
+    <dgm:pt modelId="{C11E2E4C-C48A-47AE-B978-4E8056A02723}">
+      <dgm:prSet phldrT="[Text]"/>
+      <dgm:spPr/>
+      <dgm:t>
+        <a:bodyPr/>
+        <a:lstStyle/>
+        <a:p>
+          <a:r>
+            <a:rPr lang="en-US" dirty="0"/>
+            <a:t>Import XMP</a:t>
+          </a:r>
+        </a:p>
+      </dgm:t>
+    </dgm:pt>
+    <dgm:pt modelId="{59DD8F43-55E5-46D1-87A2-EECAB9A0F5AD}" type="parTrans" cxnId="{85E20DA2-F641-4D86-9E63-4D0AF87FB777}">
+      <dgm:prSet/>
+      <dgm:spPr/>
+      <dgm:t>
+        <a:bodyPr/>
+        <a:lstStyle/>
+        <a:p>
+          <a:endParaRPr lang="en-US"/>
+        </a:p>
+      </dgm:t>
+    </dgm:pt>
+    <dgm:pt modelId="{0331C05F-D26D-4831-88E5-0A6C17A628A9}" type="sibTrans" cxnId="{85E20DA2-F641-4D86-9E63-4D0AF87FB777}">
+      <dgm:prSet/>
+      <dgm:spPr/>
+      <dgm:t>
+        <a:bodyPr/>
+        <a:lstStyle/>
+        <a:p>
+          <a:endParaRPr lang="en-US"/>
+        </a:p>
+      </dgm:t>
+    </dgm:pt>
+    <dgm:pt modelId="{E81D8604-16DF-4A46-9C6A-462A548079B4}">
+      <dgm:prSet phldrT="[Text]"/>
+      <dgm:spPr/>
+      <dgm:t>
+        <a:bodyPr/>
+        <a:lstStyle/>
+        <a:p>
+          <a:r>
+            <a:rPr lang="en-US" dirty="0"/>
+            <a:t>Continue next action</a:t>
+          </a:r>
+        </a:p>
+      </dgm:t>
+    </dgm:pt>
+    <dgm:pt modelId="{8FD8E821-BE8C-4444-AE5B-FF63095FB43A}" type="parTrans" cxnId="{F3CCB7AE-8B94-46B6-A782-47FCD6D92F32}">
+      <dgm:prSet/>
+      <dgm:spPr/>
+      <dgm:t>
+        <a:bodyPr/>
+        <a:lstStyle/>
+        <a:p>
+          <a:endParaRPr lang="en-US"/>
+        </a:p>
+      </dgm:t>
+    </dgm:pt>
+    <dgm:pt modelId="{5C8E57A2-7FE4-4C4C-9E4B-EA6F559167D1}" type="sibTrans" cxnId="{F3CCB7AE-8B94-46B6-A782-47FCD6D92F32}">
+      <dgm:prSet/>
+      <dgm:spPr/>
+      <dgm:t>
+        <a:bodyPr/>
+        <a:lstStyle/>
+        <a:p>
+          <a:endParaRPr lang="en-US"/>
+        </a:p>
+      </dgm:t>
+    </dgm:pt>
+    <dgm:pt modelId="{682DE232-5B7C-42E1-B4E2-290D3DB1EE49}" type="pres">
+      <dgm:prSet presAssocID="{F23F822D-8583-438A-9CCE-5E1447AEF4B8}" presName="diagram" presStyleCnt="0">
+        <dgm:presLayoutVars>
+          <dgm:dir/>
+          <dgm:resizeHandles/>
+        </dgm:presLayoutVars>
+      </dgm:prSet>
+      <dgm:spPr/>
+    </dgm:pt>
+    <dgm:pt modelId="{54D32005-0058-4E34-B5E7-7AF0D298124C}" type="pres">
+      <dgm:prSet presAssocID="{001E127B-42DA-46F4-A211-DE744159FCEC}" presName="firstNode" presStyleLbl="node1" presStyleIdx="0" presStyleCnt="9">
+        <dgm:presLayoutVars>
+          <dgm:bulletEnabled val="1"/>
+        </dgm:presLayoutVars>
+      </dgm:prSet>
+      <dgm:spPr/>
+    </dgm:pt>
+    <dgm:pt modelId="{D465C7D5-C5C0-4859-B8B7-12516C8CE80C}" type="pres">
+      <dgm:prSet presAssocID="{65B69FE0-9A1C-4AE7-9E0B-94DAAD258C00}" presName="sibTrans" presStyleLbl="sibTrans2D1" presStyleIdx="0" presStyleCnt="8"/>
+      <dgm:spPr/>
+    </dgm:pt>
+    <dgm:pt modelId="{66E7C837-4D60-4988-BF6F-9294462C2160}" type="pres">
+      <dgm:prSet presAssocID="{9AD05DE7-2926-44B3-81A4-501B9F19C3F3}" presName="middleNode" presStyleCnt="0"/>
+      <dgm:spPr/>
+    </dgm:pt>
+    <dgm:pt modelId="{C61BD200-4121-4A56-8BE2-8202E5B6843C}" type="pres">
+      <dgm:prSet presAssocID="{9AD05DE7-2926-44B3-81A4-501B9F19C3F3}" presName="padding" presStyleLbl="node1" presStyleIdx="0" presStyleCnt="9"/>
+      <dgm:spPr/>
+    </dgm:pt>
+    <dgm:pt modelId="{A67C58EC-D526-4B79-8252-FB214C2D8E66}" type="pres">
+      <dgm:prSet presAssocID="{9AD05DE7-2926-44B3-81A4-501B9F19C3F3}" presName="shape" presStyleLbl="node1" presStyleIdx="1" presStyleCnt="9">
+        <dgm:presLayoutVars>
+          <dgm:bulletEnabled val="1"/>
+        </dgm:presLayoutVars>
+      </dgm:prSet>
+      <dgm:spPr/>
+    </dgm:pt>
+    <dgm:pt modelId="{854466CC-F345-4A1C-8221-EE271868715A}" type="pres">
+      <dgm:prSet presAssocID="{DFB55E60-3576-4F43-BDEA-7A6D2818D27B}" presName="sibTrans" presStyleLbl="sibTrans2D1" presStyleIdx="1" presStyleCnt="8"/>
+      <dgm:spPr/>
+    </dgm:pt>
+    <dgm:pt modelId="{7ADF6AEA-BEE2-499D-B030-2273B25B45BF}" type="pres">
+      <dgm:prSet presAssocID="{8C3CDBA7-95AE-44A8-B542-4902D478AC4B}" presName="middleNode" presStyleCnt="0"/>
+      <dgm:spPr/>
+    </dgm:pt>
+    <dgm:pt modelId="{DA6AFD88-7F7A-4E18-8BD1-BF05225E08FC}" type="pres">
+      <dgm:prSet presAssocID="{8C3CDBA7-95AE-44A8-B542-4902D478AC4B}" presName="padding" presStyleLbl="node1" presStyleIdx="1" presStyleCnt="9"/>
+      <dgm:spPr/>
+    </dgm:pt>
+    <dgm:pt modelId="{7D0E0686-D007-47A9-87CB-CD5CE214DA1D}" type="pres">
+      <dgm:prSet presAssocID="{8C3CDBA7-95AE-44A8-B542-4902D478AC4B}" presName="shape" presStyleLbl="node1" presStyleIdx="2" presStyleCnt="9">
+        <dgm:presLayoutVars>
+          <dgm:bulletEnabled val="1"/>
+        </dgm:presLayoutVars>
+      </dgm:prSet>
+      <dgm:spPr/>
+    </dgm:pt>
+    <dgm:pt modelId="{9EA61A7F-CCFF-49FE-B153-3F852DED21D4}" type="pres">
+      <dgm:prSet presAssocID="{E7F0C27D-D94D-4E2A-844E-C9A467B9C4E8}" presName="sibTrans" presStyleLbl="sibTrans2D1" presStyleIdx="2" presStyleCnt="8"/>
+      <dgm:spPr/>
+    </dgm:pt>
+    <dgm:pt modelId="{078E8B97-1F98-42E7-8173-7F3EBD5244BC}" type="pres">
+      <dgm:prSet presAssocID="{1645F096-7F68-44BC-A808-9A70DB58E4BF}" presName="middleNode" presStyleCnt="0"/>
+      <dgm:spPr/>
+    </dgm:pt>
+    <dgm:pt modelId="{1485965B-4783-45CF-B61C-91FDB8D82FF7}" type="pres">
+      <dgm:prSet presAssocID="{1645F096-7F68-44BC-A808-9A70DB58E4BF}" presName="padding" presStyleLbl="node1" presStyleIdx="2" presStyleCnt="9"/>
+      <dgm:spPr/>
+    </dgm:pt>
+    <dgm:pt modelId="{37E175CA-AECF-4B58-99A1-D6FCAAC7EDCC}" type="pres">
+      <dgm:prSet presAssocID="{1645F096-7F68-44BC-A808-9A70DB58E4BF}" presName="shape" presStyleLbl="node1" presStyleIdx="3" presStyleCnt="9">
+        <dgm:presLayoutVars>
+          <dgm:bulletEnabled val="1"/>
+        </dgm:presLayoutVars>
+      </dgm:prSet>
+      <dgm:spPr/>
+    </dgm:pt>
+    <dgm:pt modelId="{F5103233-15D5-4503-8105-2CB750060A5A}" type="pres">
+      <dgm:prSet presAssocID="{2C509B68-17DC-4311-871C-BA10B88CF357}" presName="sibTrans" presStyleLbl="sibTrans2D1" presStyleIdx="3" presStyleCnt="8"/>
+      <dgm:spPr/>
+    </dgm:pt>
+    <dgm:pt modelId="{EB366A1A-19EC-4B54-975D-6B760EB09C6C}" type="pres">
+      <dgm:prSet presAssocID="{C9624329-E4B8-47D5-B6D2-F33BE64F9E32}" presName="middleNode" presStyleCnt="0"/>
+      <dgm:spPr/>
+    </dgm:pt>
+    <dgm:pt modelId="{683B10DA-E330-48A7-8162-E26C17F30958}" type="pres">
+      <dgm:prSet presAssocID="{C9624329-E4B8-47D5-B6D2-F33BE64F9E32}" presName="padding" presStyleLbl="node1" presStyleIdx="3" presStyleCnt="9"/>
+      <dgm:spPr/>
+    </dgm:pt>
+    <dgm:pt modelId="{01BC5361-18E0-4C2A-96D5-D308BC41D857}" type="pres">
+      <dgm:prSet presAssocID="{C9624329-E4B8-47D5-B6D2-F33BE64F9E32}" presName="shape" presStyleLbl="node1" presStyleIdx="4" presStyleCnt="9">
+        <dgm:presLayoutVars>
+          <dgm:bulletEnabled val="1"/>
+        </dgm:presLayoutVars>
+      </dgm:prSet>
+      <dgm:spPr/>
+    </dgm:pt>
+    <dgm:pt modelId="{F4E5EEE0-E827-439B-BE01-CF29F8DE8F31}" type="pres">
+      <dgm:prSet presAssocID="{C3A19FA2-F5E9-4527-9A51-0F3A83EC876E}" presName="sibTrans" presStyleLbl="sibTrans2D1" presStyleIdx="4" presStyleCnt="8"/>
+      <dgm:spPr/>
+    </dgm:pt>
+    <dgm:pt modelId="{0FB5A8B7-0FF4-4EB3-AC6B-1FD2EE888FB5}" type="pres">
+      <dgm:prSet presAssocID="{986E9F71-D8EA-4FD9-8238-1FC45E59EFB3}" presName="middleNode" presStyleCnt="0"/>
+      <dgm:spPr/>
+    </dgm:pt>
+    <dgm:pt modelId="{F91F0BE3-E394-48C7-A4D3-10EFE73006E4}" type="pres">
+      <dgm:prSet presAssocID="{986E9F71-D8EA-4FD9-8238-1FC45E59EFB3}" presName="padding" presStyleLbl="node1" presStyleIdx="4" presStyleCnt="9"/>
+      <dgm:spPr/>
+    </dgm:pt>
+    <dgm:pt modelId="{34F1B085-0F0A-4856-B495-E8310A72A779}" type="pres">
+      <dgm:prSet presAssocID="{986E9F71-D8EA-4FD9-8238-1FC45E59EFB3}" presName="shape" presStyleLbl="node1" presStyleIdx="5" presStyleCnt="9">
+        <dgm:presLayoutVars>
+          <dgm:bulletEnabled val="1"/>
+        </dgm:presLayoutVars>
+      </dgm:prSet>
+      <dgm:spPr/>
+    </dgm:pt>
+    <dgm:pt modelId="{5A0F3816-4BC0-4EF3-AD4B-4B3EC95C4BEB}" type="pres">
+      <dgm:prSet presAssocID="{835CE5A9-976B-4C8C-9A8A-A9AE7A9EB916}" presName="sibTrans" presStyleLbl="sibTrans2D1" presStyleIdx="5" presStyleCnt="8"/>
+      <dgm:spPr/>
+    </dgm:pt>
+    <dgm:pt modelId="{D5FFEBE4-7D97-4AF7-89A7-052C7B6D3CE1}" type="pres">
+      <dgm:prSet presAssocID="{F458DEAA-02F8-4C0E-B062-34C875112A3F}" presName="middleNode" presStyleCnt="0"/>
+      <dgm:spPr/>
+    </dgm:pt>
+    <dgm:pt modelId="{4E1F3053-6B1A-4B2C-9924-6B45692BE5EB}" type="pres">
+      <dgm:prSet presAssocID="{F458DEAA-02F8-4C0E-B062-34C875112A3F}" presName="padding" presStyleLbl="node1" presStyleIdx="5" presStyleCnt="9"/>
+      <dgm:spPr/>
+    </dgm:pt>
+    <dgm:pt modelId="{C1909CD6-0CCD-425E-9982-F40F130A2984}" type="pres">
+      <dgm:prSet presAssocID="{F458DEAA-02F8-4C0E-B062-34C875112A3F}" presName="shape" presStyleLbl="node1" presStyleIdx="6" presStyleCnt="9">
+        <dgm:presLayoutVars>
+          <dgm:bulletEnabled val="1"/>
+        </dgm:presLayoutVars>
+      </dgm:prSet>
+      <dgm:spPr/>
+    </dgm:pt>
+    <dgm:pt modelId="{77883F8D-6A60-4AFD-978B-C94B21F00F85}" type="pres">
+      <dgm:prSet presAssocID="{277532F9-0CC4-4732-98A6-E2AB0DE62B71}" presName="sibTrans" presStyleLbl="sibTrans2D1" presStyleIdx="6" presStyleCnt="8"/>
+      <dgm:spPr/>
+    </dgm:pt>
+    <dgm:pt modelId="{2ECEEC11-16E9-480A-AD30-C4E1FA6458F5}" type="pres">
+      <dgm:prSet presAssocID="{C11E2E4C-C48A-47AE-B978-4E8056A02723}" presName="middleNode" presStyleCnt="0"/>
+      <dgm:spPr/>
+    </dgm:pt>
+    <dgm:pt modelId="{30F359F0-6301-4E28-8CFB-27108FEA36CC}" type="pres">
+      <dgm:prSet presAssocID="{C11E2E4C-C48A-47AE-B978-4E8056A02723}" presName="padding" presStyleLbl="node1" presStyleIdx="6" presStyleCnt="9"/>
+      <dgm:spPr/>
+    </dgm:pt>
+    <dgm:pt modelId="{DAEE1DE4-CA78-487A-BCF8-D80F2D41FAB6}" type="pres">
+      <dgm:prSet presAssocID="{C11E2E4C-C48A-47AE-B978-4E8056A02723}" presName="shape" presStyleLbl="node1" presStyleIdx="7" presStyleCnt="9">
+        <dgm:presLayoutVars>
+          <dgm:bulletEnabled val="1"/>
+        </dgm:presLayoutVars>
+      </dgm:prSet>
+      <dgm:spPr/>
+    </dgm:pt>
+    <dgm:pt modelId="{CEF003B6-597B-4F9D-88D4-CB48AA83ABC9}" type="pres">
+      <dgm:prSet presAssocID="{0331C05F-D26D-4831-88E5-0A6C17A628A9}" presName="sibTrans" presStyleLbl="sibTrans2D1" presStyleIdx="7" presStyleCnt="8"/>
+      <dgm:spPr/>
+    </dgm:pt>
+    <dgm:pt modelId="{31AE10B1-EDF8-4A31-9DF7-6B3DBED223B2}" type="pres">
+      <dgm:prSet presAssocID="{E81D8604-16DF-4A46-9C6A-462A548079B4}" presName="lastNode" presStyleLbl="node1" presStyleIdx="8" presStyleCnt="9">
+        <dgm:presLayoutVars>
+          <dgm:bulletEnabled val="1"/>
+        </dgm:presLayoutVars>
+      </dgm:prSet>
+      <dgm:spPr/>
+    </dgm:pt>
+  </dgm:ptLst>
+  <dgm:cxnLst>
+    <dgm:cxn modelId="{C2CED775-A283-4856-BC9D-61ADA30FA119}" type="presOf" srcId="{65B69FE0-9A1C-4AE7-9E0B-94DAAD258C00}" destId="{D465C7D5-C5C0-4859-B8B7-12516C8CE80C}" srcOrd="0" destOrd="0" presId="urn:microsoft.com/office/officeart/2005/8/layout/bProcess2"/>
+    <dgm:cxn modelId="{D7907AB3-7F3B-49DE-ACB0-3C1D13494FD4}" type="presOf" srcId="{E81D8604-16DF-4A46-9C6A-462A548079B4}" destId="{31AE10B1-EDF8-4A31-9DF7-6B3DBED223B2}" srcOrd="0" destOrd="0" presId="urn:microsoft.com/office/officeart/2005/8/layout/bProcess2"/>
+    <dgm:cxn modelId="{CAF5DD44-9A92-4C93-9358-69F090DE202A}" srcId="{F23F822D-8583-438A-9CCE-5E1447AEF4B8}" destId="{F458DEAA-02F8-4C0E-B062-34C875112A3F}" srcOrd="6" destOrd="0" parTransId="{679F190F-D3A8-43BA-98F2-8C498D29FAB5}" sibTransId="{277532F9-0CC4-4732-98A6-E2AB0DE62B71}"/>
+    <dgm:cxn modelId="{7A3B3851-CA6E-4E3B-BF1C-B13D9EAFE996}" type="presOf" srcId="{0331C05F-D26D-4831-88E5-0A6C17A628A9}" destId="{CEF003B6-597B-4F9D-88D4-CB48AA83ABC9}" srcOrd="0" destOrd="0" presId="urn:microsoft.com/office/officeart/2005/8/layout/bProcess2"/>
+    <dgm:cxn modelId="{29E40D9E-B144-4914-8950-D37D4C5F94C4}" type="presOf" srcId="{001E127B-42DA-46F4-A211-DE744159FCEC}" destId="{54D32005-0058-4E34-B5E7-7AF0D298124C}" srcOrd="0" destOrd="0" presId="urn:microsoft.com/office/officeart/2005/8/layout/bProcess2"/>
+    <dgm:cxn modelId="{0264E60D-AE89-41F9-82EC-6FFB144A7D0D}" type="presOf" srcId="{DFB55E60-3576-4F43-BDEA-7A6D2818D27B}" destId="{854466CC-F345-4A1C-8221-EE271868715A}" srcOrd="0" destOrd="0" presId="urn:microsoft.com/office/officeart/2005/8/layout/bProcess2"/>
+    <dgm:cxn modelId="{85E20DA2-F641-4D86-9E63-4D0AF87FB777}" srcId="{F23F822D-8583-438A-9CCE-5E1447AEF4B8}" destId="{C11E2E4C-C48A-47AE-B978-4E8056A02723}" srcOrd="7" destOrd="0" parTransId="{59DD8F43-55E5-46D1-87A2-EECAB9A0F5AD}" sibTransId="{0331C05F-D26D-4831-88E5-0A6C17A628A9}"/>
+    <dgm:cxn modelId="{B6AC7F26-3BCA-48F8-ADFB-6C3BB3B68E17}" type="presOf" srcId="{C11E2E4C-C48A-47AE-B978-4E8056A02723}" destId="{DAEE1DE4-CA78-487A-BCF8-D80F2D41FAB6}" srcOrd="0" destOrd="0" presId="urn:microsoft.com/office/officeart/2005/8/layout/bProcess2"/>
+    <dgm:cxn modelId="{F3CCB7AE-8B94-46B6-A782-47FCD6D92F32}" srcId="{F23F822D-8583-438A-9CCE-5E1447AEF4B8}" destId="{E81D8604-16DF-4A46-9C6A-462A548079B4}" srcOrd="8" destOrd="0" parTransId="{8FD8E821-BE8C-4444-AE5B-FF63095FB43A}" sibTransId="{5C8E57A2-7FE4-4C4C-9E4B-EA6F559167D1}"/>
+    <dgm:cxn modelId="{35E30643-C375-4D52-B7FD-5838283AAC91}" type="presOf" srcId="{E7F0C27D-D94D-4E2A-844E-C9A467B9C4E8}" destId="{9EA61A7F-CCFF-49FE-B153-3F852DED21D4}" srcOrd="0" destOrd="0" presId="urn:microsoft.com/office/officeart/2005/8/layout/bProcess2"/>
+    <dgm:cxn modelId="{3C1033CD-54F0-4071-A4A1-E2ABE483070B}" type="presOf" srcId="{F458DEAA-02F8-4C0E-B062-34C875112A3F}" destId="{C1909CD6-0CCD-425E-9982-F40F130A2984}" srcOrd="0" destOrd="0" presId="urn:microsoft.com/office/officeart/2005/8/layout/bProcess2"/>
+    <dgm:cxn modelId="{160AFB96-385F-4B27-8F14-00BEC89BFE8E}" srcId="{F23F822D-8583-438A-9CCE-5E1447AEF4B8}" destId="{8C3CDBA7-95AE-44A8-B542-4902D478AC4B}" srcOrd="2" destOrd="0" parTransId="{3BDA1F16-A485-4725-B354-2DED249F429A}" sibTransId="{E7F0C27D-D94D-4E2A-844E-C9A467B9C4E8}"/>
+    <dgm:cxn modelId="{3801A91C-A174-4989-9F6A-683E7C0F229D}" srcId="{F23F822D-8583-438A-9CCE-5E1447AEF4B8}" destId="{986E9F71-D8EA-4FD9-8238-1FC45E59EFB3}" srcOrd="5" destOrd="0" parTransId="{F37D9A13-A8F1-4AC4-BE6D-B392885AFE22}" sibTransId="{835CE5A9-976B-4C8C-9A8A-A9AE7A9EB916}"/>
+    <dgm:cxn modelId="{841F35A3-B71E-404C-A795-CA3ED4BE6C9B}" type="presOf" srcId="{835CE5A9-976B-4C8C-9A8A-A9AE7A9EB916}" destId="{5A0F3816-4BC0-4EF3-AD4B-4B3EC95C4BEB}" srcOrd="0" destOrd="0" presId="urn:microsoft.com/office/officeart/2005/8/layout/bProcess2"/>
+    <dgm:cxn modelId="{1D0D168E-0496-4F99-90BA-5C1760B176D0}" srcId="{F23F822D-8583-438A-9CCE-5E1447AEF4B8}" destId="{1645F096-7F68-44BC-A808-9A70DB58E4BF}" srcOrd="3" destOrd="0" parTransId="{32F080EC-C90A-4B89-BE54-47596786F42F}" sibTransId="{2C509B68-17DC-4311-871C-BA10B88CF357}"/>
+    <dgm:cxn modelId="{AE579832-78DC-4AAA-A63E-2DD2BF77B086}" type="presOf" srcId="{2C509B68-17DC-4311-871C-BA10B88CF357}" destId="{F5103233-15D5-4503-8105-2CB750060A5A}" srcOrd="0" destOrd="0" presId="urn:microsoft.com/office/officeart/2005/8/layout/bProcess2"/>
+    <dgm:cxn modelId="{07308019-BEDE-4042-90EE-764D04828CEE}" type="presOf" srcId="{277532F9-0CC4-4732-98A6-E2AB0DE62B71}" destId="{77883F8D-6A60-4AFD-978B-C94B21F00F85}" srcOrd="0" destOrd="0" presId="urn:microsoft.com/office/officeart/2005/8/layout/bProcess2"/>
+    <dgm:cxn modelId="{41213DE4-156B-4251-90D3-41A089080926}" type="presOf" srcId="{C3A19FA2-F5E9-4527-9A51-0F3A83EC876E}" destId="{F4E5EEE0-E827-439B-BE01-CF29F8DE8F31}" srcOrd="0" destOrd="0" presId="urn:microsoft.com/office/officeart/2005/8/layout/bProcess2"/>
+    <dgm:cxn modelId="{AD577B0C-3B80-488E-837B-FCBDE3E1DFB0}" srcId="{F23F822D-8583-438A-9CCE-5E1447AEF4B8}" destId="{C9624329-E4B8-47D5-B6D2-F33BE64F9E32}" srcOrd="4" destOrd="0" parTransId="{EB7EBCA1-C367-4D53-A03F-5697504DA334}" sibTransId="{C3A19FA2-F5E9-4527-9A51-0F3A83EC876E}"/>
+    <dgm:cxn modelId="{6916945F-D766-4117-97A2-1F097312F2C5}" type="presOf" srcId="{9AD05DE7-2926-44B3-81A4-501B9F19C3F3}" destId="{A67C58EC-D526-4B79-8252-FB214C2D8E66}" srcOrd="0" destOrd="0" presId="urn:microsoft.com/office/officeart/2005/8/layout/bProcess2"/>
+    <dgm:cxn modelId="{9AE69D4D-1CD8-4A85-9A20-C11FC0103CEE}" type="presOf" srcId="{1645F096-7F68-44BC-A808-9A70DB58E4BF}" destId="{37E175CA-AECF-4B58-99A1-D6FCAAC7EDCC}" srcOrd="0" destOrd="0" presId="urn:microsoft.com/office/officeart/2005/8/layout/bProcess2"/>
+    <dgm:cxn modelId="{76199B64-3C9F-4AAF-B1CD-BD91BEE87F19}" type="presOf" srcId="{C9624329-E4B8-47D5-B6D2-F33BE64F9E32}" destId="{01BC5361-18E0-4C2A-96D5-D308BC41D857}" srcOrd="0" destOrd="0" presId="urn:microsoft.com/office/officeart/2005/8/layout/bProcess2"/>
+    <dgm:cxn modelId="{07AD81BB-1A92-4745-90BC-E285597E19AD}" srcId="{F23F822D-8583-438A-9CCE-5E1447AEF4B8}" destId="{001E127B-42DA-46F4-A211-DE744159FCEC}" srcOrd="0" destOrd="0" parTransId="{FCBC6451-DDE8-46B2-8D5F-46F28B54ABCF}" sibTransId="{65B69FE0-9A1C-4AE7-9E0B-94DAAD258C00}"/>
+    <dgm:cxn modelId="{8CA60F17-5449-4112-B101-3C5BC282E742}" type="presOf" srcId="{986E9F71-D8EA-4FD9-8238-1FC45E59EFB3}" destId="{34F1B085-0F0A-4856-B495-E8310A72A779}" srcOrd="0" destOrd="0" presId="urn:microsoft.com/office/officeart/2005/8/layout/bProcess2"/>
+    <dgm:cxn modelId="{F403190F-C818-4E5B-A591-9D4A2A90C72B}" srcId="{F23F822D-8583-438A-9CCE-5E1447AEF4B8}" destId="{9AD05DE7-2926-44B3-81A4-501B9F19C3F3}" srcOrd="1" destOrd="0" parTransId="{489CF48C-BD84-42D0-AC09-5C426D31000C}" sibTransId="{DFB55E60-3576-4F43-BDEA-7A6D2818D27B}"/>
+    <dgm:cxn modelId="{260A8396-F5E2-4B96-A42E-AB6679BC3EF4}" type="presOf" srcId="{F23F822D-8583-438A-9CCE-5E1447AEF4B8}" destId="{682DE232-5B7C-42E1-B4E2-290D3DB1EE49}" srcOrd="0" destOrd="0" presId="urn:microsoft.com/office/officeart/2005/8/layout/bProcess2"/>
+    <dgm:cxn modelId="{EEDD767B-1FCB-4FCF-9672-7AC0B1D1B8F9}" type="presOf" srcId="{8C3CDBA7-95AE-44A8-B542-4902D478AC4B}" destId="{7D0E0686-D007-47A9-87CB-CD5CE214DA1D}" srcOrd="0" destOrd="0" presId="urn:microsoft.com/office/officeart/2005/8/layout/bProcess2"/>
+    <dgm:cxn modelId="{67E1620E-174A-4FCF-A749-BFCBD872BDFA}" type="presParOf" srcId="{682DE232-5B7C-42E1-B4E2-290D3DB1EE49}" destId="{54D32005-0058-4E34-B5E7-7AF0D298124C}" srcOrd="0" destOrd="0" presId="urn:microsoft.com/office/officeart/2005/8/layout/bProcess2"/>
+    <dgm:cxn modelId="{7F8141F7-DF24-46FC-97E0-7688C9F348FD}" type="presParOf" srcId="{682DE232-5B7C-42E1-B4E2-290D3DB1EE49}" destId="{D465C7D5-C5C0-4859-B8B7-12516C8CE80C}" srcOrd="1" destOrd="0" presId="urn:microsoft.com/office/officeart/2005/8/layout/bProcess2"/>
+    <dgm:cxn modelId="{0DE006BA-76D4-4B12-8F2B-2EA29C052B11}" type="presParOf" srcId="{682DE232-5B7C-42E1-B4E2-290D3DB1EE49}" destId="{66E7C837-4D60-4988-BF6F-9294462C2160}" srcOrd="2" destOrd="0" presId="urn:microsoft.com/office/officeart/2005/8/layout/bProcess2"/>
+    <dgm:cxn modelId="{E7EDAD6B-3E9F-436C-8FE3-540C0F9163E5}" type="presParOf" srcId="{66E7C837-4D60-4988-BF6F-9294462C2160}" destId="{C61BD200-4121-4A56-8BE2-8202E5B6843C}" srcOrd="0" destOrd="0" presId="urn:microsoft.com/office/officeart/2005/8/layout/bProcess2"/>
+    <dgm:cxn modelId="{C7122D61-74F8-4109-B653-A5AA6093D417}" type="presParOf" srcId="{66E7C837-4D60-4988-BF6F-9294462C2160}" destId="{A67C58EC-D526-4B79-8252-FB214C2D8E66}" srcOrd="1" destOrd="0" presId="urn:microsoft.com/office/officeart/2005/8/layout/bProcess2"/>
+    <dgm:cxn modelId="{7C2C523C-9CCA-483D-A8DE-A8E4A3C201F6}" type="presParOf" srcId="{682DE232-5B7C-42E1-B4E2-290D3DB1EE49}" destId="{854466CC-F345-4A1C-8221-EE271868715A}" srcOrd="3" destOrd="0" presId="urn:microsoft.com/office/officeart/2005/8/layout/bProcess2"/>
+    <dgm:cxn modelId="{75E5C751-DA89-4B98-BAF9-CF419F44BA03}" type="presParOf" srcId="{682DE232-5B7C-42E1-B4E2-290D3DB1EE49}" destId="{7ADF6AEA-BEE2-499D-B030-2273B25B45BF}" srcOrd="4" destOrd="0" presId="urn:microsoft.com/office/officeart/2005/8/layout/bProcess2"/>
+    <dgm:cxn modelId="{09930F4D-1E0B-4CDF-AEA4-48954F0A82CA}" type="presParOf" srcId="{7ADF6AEA-BEE2-499D-B030-2273B25B45BF}" destId="{DA6AFD88-7F7A-4E18-8BD1-BF05225E08FC}" srcOrd="0" destOrd="0" presId="urn:microsoft.com/office/officeart/2005/8/layout/bProcess2"/>
+    <dgm:cxn modelId="{601084CA-F0D5-409A-ACF3-A7876E96DF5C}" type="presParOf" srcId="{7ADF6AEA-BEE2-499D-B030-2273B25B45BF}" destId="{7D0E0686-D007-47A9-87CB-CD5CE214DA1D}" srcOrd="1" destOrd="0" presId="urn:microsoft.com/office/officeart/2005/8/layout/bProcess2"/>
+    <dgm:cxn modelId="{C26314C1-E2EB-4E92-BEFD-C7A7D0BFD9AD}" type="presParOf" srcId="{682DE232-5B7C-42E1-B4E2-290D3DB1EE49}" destId="{9EA61A7F-CCFF-49FE-B153-3F852DED21D4}" srcOrd="5" destOrd="0" presId="urn:microsoft.com/office/officeart/2005/8/layout/bProcess2"/>
+    <dgm:cxn modelId="{8D44824F-AFAD-404D-9BD7-B77B8440E27A}" type="presParOf" srcId="{682DE232-5B7C-42E1-B4E2-290D3DB1EE49}" destId="{078E8B97-1F98-42E7-8173-7F3EBD5244BC}" srcOrd="6" destOrd="0" presId="urn:microsoft.com/office/officeart/2005/8/layout/bProcess2"/>
+    <dgm:cxn modelId="{D02202D5-0E3D-4A3B-8A21-C8E364B31294}" type="presParOf" srcId="{078E8B97-1F98-42E7-8173-7F3EBD5244BC}" destId="{1485965B-4783-45CF-B61C-91FDB8D82FF7}" srcOrd="0" destOrd="0" presId="urn:microsoft.com/office/officeart/2005/8/layout/bProcess2"/>
+    <dgm:cxn modelId="{0D41ED49-0591-4B63-9000-CBA1242F3C16}" type="presParOf" srcId="{078E8B97-1F98-42E7-8173-7F3EBD5244BC}" destId="{37E175CA-AECF-4B58-99A1-D6FCAAC7EDCC}" srcOrd="1" destOrd="0" presId="urn:microsoft.com/office/officeart/2005/8/layout/bProcess2"/>
+    <dgm:cxn modelId="{AA44F62E-D752-4397-A6C6-0191FFD075C3}" type="presParOf" srcId="{682DE232-5B7C-42E1-B4E2-290D3DB1EE49}" destId="{F5103233-15D5-4503-8105-2CB750060A5A}" srcOrd="7" destOrd="0" presId="urn:microsoft.com/office/officeart/2005/8/layout/bProcess2"/>
+    <dgm:cxn modelId="{AD0EA80C-B632-42F4-8536-1CC5B31E80FA}" type="presParOf" srcId="{682DE232-5B7C-42E1-B4E2-290D3DB1EE49}" destId="{EB366A1A-19EC-4B54-975D-6B760EB09C6C}" srcOrd="8" destOrd="0" presId="urn:microsoft.com/office/officeart/2005/8/layout/bProcess2"/>
+    <dgm:cxn modelId="{D205F8A9-7E37-460E-9B7A-D4ECA57924D6}" type="presParOf" srcId="{EB366A1A-19EC-4B54-975D-6B760EB09C6C}" destId="{683B10DA-E330-48A7-8162-E26C17F30958}" srcOrd="0" destOrd="0" presId="urn:microsoft.com/office/officeart/2005/8/layout/bProcess2"/>
+    <dgm:cxn modelId="{B748F6F0-A63F-4164-8861-3CD9A2397EBA}" type="presParOf" srcId="{EB366A1A-19EC-4B54-975D-6B760EB09C6C}" destId="{01BC5361-18E0-4C2A-96D5-D308BC41D857}" srcOrd="1" destOrd="0" presId="urn:microsoft.com/office/officeart/2005/8/layout/bProcess2"/>
+    <dgm:cxn modelId="{0260C60C-BE20-47E9-822B-70AC0279C6A1}" type="presParOf" srcId="{682DE232-5B7C-42E1-B4E2-290D3DB1EE49}" destId="{F4E5EEE0-E827-439B-BE01-CF29F8DE8F31}" srcOrd="9" destOrd="0" presId="urn:microsoft.com/office/officeart/2005/8/layout/bProcess2"/>
+    <dgm:cxn modelId="{E8DE5FD3-A0B0-4776-AC7D-3B253E7B70C1}" type="presParOf" srcId="{682DE232-5B7C-42E1-B4E2-290D3DB1EE49}" destId="{0FB5A8B7-0FF4-4EB3-AC6B-1FD2EE888FB5}" srcOrd="10" destOrd="0" presId="urn:microsoft.com/office/officeart/2005/8/layout/bProcess2"/>
+    <dgm:cxn modelId="{1CEBA094-394F-49D2-9B38-CEA2D3DBD2BF}" type="presParOf" srcId="{0FB5A8B7-0FF4-4EB3-AC6B-1FD2EE888FB5}" destId="{F91F0BE3-E394-48C7-A4D3-10EFE73006E4}" srcOrd="0" destOrd="0" presId="urn:microsoft.com/office/officeart/2005/8/layout/bProcess2"/>
+    <dgm:cxn modelId="{7B016913-FE52-4037-9784-2E95FA6AC704}" type="presParOf" srcId="{0FB5A8B7-0FF4-4EB3-AC6B-1FD2EE888FB5}" destId="{34F1B085-0F0A-4856-B495-E8310A72A779}" srcOrd="1" destOrd="0" presId="urn:microsoft.com/office/officeart/2005/8/layout/bProcess2"/>
+    <dgm:cxn modelId="{F9CE8229-273F-41F5-B033-37FB7138A342}" type="presParOf" srcId="{682DE232-5B7C-42E1-B4E2-290D3DB1EE49}" destId="{5A0F3816-4BC0-4EF3-AD4B-4B3EC95C4BEB}" srcOrd="11" destOrd="0" presId="urn:microsoft.com/office/officeart/2005/8/layout/bProcess2"/>
+    <dgm:cxn modelId="{E09D6170-BCF7-49BD-89C6-28DE76C50221}" type="presParOf" srcId="{682DE232-5B7C-42E1-B4E2-290D3DB1EE49}" destId="{D5FFEBE4-7D97-4AF7-89A7-052C7B6D3CE1}" srcOrd="12" destOrd="0" presId="urn:microsoft.com/office/officeart/2005/8/layout/bProcess2"/>
+    <dgm:cxn modelId="{7492EC6F-1A28-4C0A-82EA-D66A0E806D9A}" type="presParOf" srcId="{D5FFEBE4-7D97-4AF7-89A7-052C7B6D3CE1}" destId="{4E1F3053-6B1A-4B2C-9924-6B45692BE5EB}" srcOrd="0" destOrd="0" presId="urn:microsoft.com/office/officeart/2005/8/layout/bProcess2"/>
+    <dgm:cxn modelId="{54B1C80B-4698-46B8-B539-B35D52DCF1B4}" type="presParOf" srcId="{D5FFEBE4-7D97-4AF7-89A7-052C7B6D3CE1}" destId="{C1909CD6-0CCD-425E-9982-F40F130A2984}" srcOrd="1" destOrd="0" presId="urn:microsoft.com/office/officeart/2005/8/layout/bProcess2"/>
+    <dgm:cxn modelId="{C589BE25-E8AD-441F-A32E-B3759A5AF400}" type="presParOf" srcId="{682DE232-5B7C-42E1-B4E2-290D3DB1EE49}" destId="{77883F8D-6A60-4AFD-978B-C94B21F00F85}" srcOrd="13" destOrd="0" presId="urn:microsoft.com/office/officeart/2005/8/layout/bProcess2"/>
+    <dgm:cxn modelId="{6A00C522-7AA9-4D5A-9DDA-0140F98831BC}" type="presParOf" srcId="{682DE232-5B7C-42E1-B4E2-290D3DB1EE49}" destId="{2ECEEC11-16E9-480A-AD30-C4E1FA6458F5}" srcOrd="14" destOrd="0" presId="urn:microsoft.com/office/officeart/2005/8/layout/bProcess2"/>
+    <dgm:cxn modelId="{EC6E775D-CFA7-4624-A11A-3EB5EEBC0260}" type="presParOf" srcId="{2ECEEC11-16E9-480A-AD30-C4E1FA6458F5}" destId="{30F359F0-6301-4E28-8CFB-27108FEA36CC}" srcOrd="0" destOrd="0" presId="urn:microsoft.com/office/officeart/2005/8/layout/bProcess2"/>
+    <dgm:cxn modelId="{E93265AA-808A-4715-AA3A-8DAFCD0EA3BF}" type="presParOf" srcId="{2ECEEC11-16E9-480A-AD30-C4E1FA6458F5}" destId="{DAEE1DE4-CA78-487A-BCF8-D80F2D41FAB6}" srcOrd="1" destOrd="0" presId="urn:microsoft.com/office/officeart/2005/8/layout/bProcess2"/>
+    <dgm:cxn modelId="{7E01D973-4740-4B68-9DDE-E1ACD52FED24}" type="presParOf" srcId="{682DE232-5B7C-42E1-B4E2-290D3DB1EE49}" destId="{CEF003B6-597B-4F9D-88D4-CB48AA83ABC9}" srcOrd="15" destOrd="0" presId="urn:microsoft.com/office/officeart/2005/8/layout/bProcess2"/>
+    <dgm:cxn modelId="{14E36479-D6F1-432A-83E4-E254ECDCC078}" type="presParOf" srcId="{682DE232-5B7C-42E1-B4E2-290D3DB1EE49}" destId="{31AE10B1-EDF8-4A31-9DF7-6B3DBED223B2}" srcOrd="16" destOrd="0" presId="urn:microsoft.com/office/officeart/2005/8/layout/bProcess2"/>
+  </dgm:cxnLst>
+  <dgm:bg/>
+  <dgm:whole/>
+  <dgm:extLst>
+    <a:ext uri="http://schemas.microsoft.com/office/drawing/2008/diagram">
+      <dsp:dataModelExt xmlns:dsp="http://schemas.microsoft.com/office/drawing/2008/diagram" relId="rId6" minVer="http://schemas.openxmlformats.org/drawingml/2006/diagram"/>
+    </a:ext>
+  </dgm:extLst>
+</dgm:dataModel>
+</file>
+
+<file path=ppt/diagrams/data2.xml><?xml version="1.0" encoding="utf-8"?>
 <dgm:dataModel xmlns:dgm="http://schemas.openxmlformats.org/drawingml/2006/diagram" xmlns:a="http://schemas.openxmlformats.org/drawingml/2006/main">
   <dgm:ptLst>
     <dgm:pt modelId="{90119837-5B71-4D44-BB01-DB0B084933C8}" type="doc">
@@ -2298,6 +3626,1056 @@
 </file>
 
 <file path=ppt/diagrams/drawing1.xml><?xml version="1.0" encoding="utf-8"?>
+<dsp:drawing xmlns:dgm="http://schemas.openxmlformats.org/drawingml/2006/diagram" xmlns:dsp="http://schemas.microsoft.com/office/drawing/2008/diagram" xmlns:a="http://schemas.openxmlformats.org/drawingml/2006/main">
+  <dsp:spTree>
+    <dsp:nvGrpSpPr>
+      <dsp:cNvPr id="0" name=""/>
+      <dsp:cNvGrpSpPr/>
+    </dsp:nvGrpSpPr>
+    <dsp:grpSpPr/>
+    <dsp:sp modelId="{54D32005-0058-4E34-B5E7-7AF0D298124C}">
+      <dsp:nvSpPr>
+        <dsp:cNvPr id="0" name=""/>
+        <dsp:cNvSpPr/>
+      </dsp:nvSpPr>
+      <dsp:spPr>
+        <a:xfrm>
+          <a:off x="1078997" y="1819"/>
+          <a:ext cx="1339571" cy="1339571"/>
+        </a:xfrm>
+        <a:prstGeom prst="ellipse">
+          <a:avLst/>
+        </a:prstGeom>
+        <a:solidFill>
+          <a:schemeClr val="accent1">
+            <a:hueOff val="0"/>
+            <a:satOff val="0"/>
+            <a:lumOff val="0"/>
+            <a:alphaOff val="0"/>
+          </a:schemeClr>
+        </a:solidFill>
+        <a:ln w="12700" cap="flat" cmpd="sng" algn="ctr">
+          <a:solidFill>
+            <a:schemeClr val="lt1">
+              <a:hueOff val="0"/>
+              <a:satOff val="0"/>
+              <a:lumOff val="0"/>
+              <a:alphaOff val="0"/>
+            </a:schemeClr>
+          </a:solidFill>
+          <a:prstDash val="solid"/>
+          <a:miter lim="800000"/>
+        </a:ln>
+        <a:effectLst/>
+      </dsp:spPr>
+      <dsp:style>
+        <a:lnRef idx="2">
+          <a:scrgbClr r="0" g="0" b="0"/>
+        </a:lnRef>
+        <a:fillRef idx="1">
+          <a:scrgbClr r="0" g="0" b="0"/>
+        </a:fillRef>
+        <a:effectRef idx="0">
+          <a:scrgbClr r="0" g="0" b="0"/>
+        </a:effectRef>
+        <a:fontRef idx="minor">
+          <a:schemeClr val="lt1"/>
+        </a:fontRef>
+      </dsp:style>
+      <dsp:txBody>
+        <a:bodyPr spcFirstLastPara="0" vert="horz" wrap="square" lIns="17780" tIns="17780" rIns="17780" bIns="17780" numCol="1" spcCol="1270" anchor="ctr" anchorCtr="0">
+          <a:noAutofit/>
+        </a:bodyPr>
+        <a:lstStyle/>
+        <a:p>
+          <a:pPr marL="0" lvl="0" indent="0" algn="ctr" defTabSz="622300">
+            <a:lnSpc>
+              <a:spcPct val="90000"/>
+            </a:lnSpc>
+            <a:spcBef>
+              <a:spcPct val="0"/>
+            </a:spcBef>
+            <a:spcAft>
+              <a:spcPct val="35000"/>
+            </a:spcAft>
+            <a:buNone/>
+          </a:pPr>
+          <a:r>
+            <a:rPr lang="en-US" sz="1400" kern="1200" dirty="0"/>
+            <a:t>Custom properties</a:t>
+          </a:r>
+        </a:p>
+      </dsp:txBody>
+      <dsp:txXfrm>
+        <a:off x="1275173" y="197995"/>
+        <a:ext cx="947219" cy="947219"/>
+      </dsp:txXfrm>
+    </dsp:sp>
+    <dsp:sp modelId="{D465C7D5-C5C0-4859-B8B7-12516C8CE80C}">
+      <dsp:nvSpPr>
+        <dsp:cNvPr id="0" name=""/>
+        <dsp:cNvSpPr/>
+      </dsp:nvSpPr>
+      <dsp:spPr>
+        <a:xfrm rot="10800000">
+          <a:off x="1514358" y="1514364"/>
+          <a:ext cx="468850" cy="366701"/>
+        </a:xfrm>
+        <a:prstGeom prst="triangle">
+          <a:avLst/>
+        </a:prstGeom>
+        <a:solidFill>
+          <a:schemeClr val="accent1">
+            <a:tint val="60000"/>
+            <a:hueOff val="0"/>
+            <a:satOff val="0"/>
+            <a:lumOff val="0"/>
+            <a:alphaOff val="0"/>
+          </a:schemeClr>
+        </a:solidFill>
+        <a:ln>
+          <a:noFill/>
+        </a:ln>
+        <a:effectLst/>
+      </dsp:spPr>
+      <dsp:style>
+        <a:lnRef idx="0">
+          <a:scrgbClr r="0" g="0" b="0"/>
+        </a:lnRef>
+        <a:fillRef idx="1">
+          <a:scrgbClr r="0" g="0" b="0"/>
+        </a:fillRef>
+        <a:effectRef idx="0">
+          <a:scrgbClr r="0" g="0" b="0"/>
+        </a:effectRef>
+        <a:fontRef idx="minor">
+          <a:schemeClr val="lt1"/>
+        </a:fontRef>
+      </dsp:style>
+    </dsp:sp>
+    <dsp:sp modelId="{A67C58EC-D526-4B79-8252-FB214C2D8E66}">
+      <dsp:nvSpPr>
+        <dsp:cNvPr id="0" name=""/>
+        <dsp:cNvSpPr/>
+      </dsp:nvSpPr>
+      <dsp:spPr>
+        <a:xfrm>
+          <a:off x="1302036" y="2033280"/>
+          <a:ext cx="893494" cy="893494"/>
+        </a:xfrm>
+        <a:prstGeom prst="ellipse">
+          <a:avLst/>
+        </a:prstGeom>
+        <a:solidFill>
+          <a:schemeClr val="accent1">
+            <a:hueOff val="0"/>
+            <a:satOff val="0"/>
+            <a:lumOff val="0"/>
+            <a:alphaOff val="0"/>
+          </a:schemeClr>
+        </a:solidFill>
+        <a:ln w="12700" cap="flat" cmpd="sng" algn="ctr">
+          <a:solidFill>
+            <a:schemeClr val="lt1">
+              <a:hueOff val="0"/>
+              <a:satOff val="0"/>
+              <a:lumOff val="0"/>
+              <a:alphaOff val="0"/>
+            </a:schemeClr>
+          </a:solidFill>
+          <a:prstDash val="solid"/>
+          <a:miter lim="800000"/>
+        </a:ln>
+        <a:effectLst/>
+      </dsp:spPr>
+      <dsp:style>
+        <a:lnRef idx="2">
+          <a:scrgbClr r="0" g="0" b="0"/>
+        </a:lnRef>
+        <a:fillRef idx="1">
+          <a:scrgbClr r="0" g="0" b="0"/>
+        </a:fillRef>
+        <a:effectRef idx="0">
+          <a:scrgbClr r="0" g="0" b="0"/>
+        </a:effectRef>
+        <a:fontRef idx="minor">
+          <a:schemeClr val="lt1"/>
+        </a:fontRef>
+      </dsp:style>
+      <dsp:txBody>
+        <a:bodyPr spcFirstLastPara="0" vert="horz" wrap="square" lIns="13970" tIns="13970" rIns="13970" bIns="13970" numCol="1" spcCol="1270" anchor="ctr" anchorCtr="0">
+          <a:noAutofit/>
+        </a:bodyPr>
+        <a:lstStyle/>
+        <a:p>
+          <a:pPr marL="0" lvl="0" indent="0" algn="ctr" defTabSz="488950">
+            <a:lnSpc>
+              <a:spcPct val="90000"/>
+            </a:lnSpc>
+            <a:spcBef>
+              <a:spcPct val="0"/>
+            </a:spcBef>
+            <a:spcAft>
+              <a:spcPct val="35000"/>
+            </a:spcAft>
+            <a:buNone/>
+          </a:pPr>
+          <a:r>
+            <a:rPr lang="en-US" sz="1100" kern="1200" dirty="0"/>
+            <a:t>Export XMP</a:t>
+          </a:r>
+        </a:p>
+      </dsp:txBody>
+      <dsp:txXfrm>
+        <a:off x="1432885" y="2164129"/>
+        <a:ext cx="631796" cy="631796"/>
+      </dsp:txXfrm>
+    </dsp:sp>
+    <dsp:sp modelId="{854466CC-F345-4A1C-8221-EE271868715A}">
+      <dsp:nvSpPr>
+        <dsp:cNvPr id="0" name=""/>
+        <dsp:cNvSpPr/>
+      </dsp:nvSpPr>
+      <dsp:spPr>
+        <a:xfrm rot="10800000">
+          <a:off x="1514358" y="3211266"/>
+          <a:ext cx="468850" cy="366701"/>
+        </a:xfrm>
+        <a:prstGeom prst="triangle">
+          <a:avLst/>
+        </a:prstGeom>
+        <a:solidFill>
+          <a:schemeClr val="accent1">
+            <a:tint val="60000"/>
+            <a:hueOff val="0"/>
+            <a:satOff val="0"/>
+            <a:lumOff val="0"/>
+            <a:alphaOff val="0"/>
+          </a:schemeClr>
+        </a:solidFill>
+        <a:ln>
+          <a:noFill/>
+        </a:ln>
+        <a:effectLst/>
+      </dsp:spPr>
+      <dsp:style>
+        <a:lnRef idx="0">
+          <a:scrgbClr r="0" g="0" b="0"/>
+        </a:lnRef>
+        <a:fillRef idx="1">
+          <a:scrgbClr r="0" g="0" b="0"/>
+        </a:fillRef>
+        <a:effectRef idx="0">
+          <a:scrgbClr r="0" g="0" b="0"/>
+        </a:effectRef>
+        <a:fontRef idx="minor">
+          <a:schemeClr val="lt1"/>
+        </a:fontRef>
+      </dsp:style>
+    </dsp:sp>
+    <dsp:sp modelId="{7D0E0686-D007-47A9-87CB-CD5CE214DA1D}">
+      <dsp:nvSpPr>
+        <dsp:cNvPr id="0" name=""/>
+        <dsp:cNvSpPr/>
+      </dsp:nvSpPr>
+      <dsp:spPr>
+        <a:xfrm>
+          <a:off x="1302036" y="3841702"/>
+          <a:ext cx="893494" cy="893494"/>
+        </a:xfrm>
+        <a:prstGeom prst="ellipse">
+          <a:avLst/>
+        </a:prstGeom>
+        <a:solidFill>
+          <a:schemeClr val="accent1">
+            <a:hueOff val="0"/>
+            <a:satOff val="0"/>
+            <a:lumOff val="0"/>
+            <a:alphaOff val="0"/>
+          </a:schemeClr>
+        </a:solidFill>
+        <a:ln w="12700" cap="flat" cmpd="sng" algn="ctr">
+          <a:solidFill>
+            <a:schemeClr val="lt1">
+              <a:hueOff val="0"/>
+              <a:satOff val="0"/>
+              <a:lumOff val="0"/>
+              <a:alphaOff val="0"/>
+            </a:schemeClr>
+          </a:solidFill>
+          <a:prstDash val="solid"/>
+          <a:miter lim="800000"/>
+        </a:ln>
+        <a:effectLst/>
+      </dsp:spPr>
+      <dsp:style>
+        <a:lnRef idx="2">
+          <a:scrgbClr r="0" g="0" b="0"/>
+        </a:lnRef>
+        <a:fillRef idx="1">
+          <a:scrgbClr r="0" g="0" b="0"/>
+        </a:fillRef>
+        <a:effectRef idx="0">
+          <a:scrgbClr r="0" g="0" b="0"/>
+        </a:effectRef>
+        <a:fontRef idx="minor">
+          <a:schemeClr val="lt1"/>
+        </a:fontRef>
+      </dsp:style>
+      <dsp:txBody>
+        <a:bodyPr spcFirstLastPara="0" vert="horz" wrap="square" lIns="13970" tIns="13970" rIns="13970" bIns="13970" numCol="1" spcCol="1270" anchor="ctr" anchorCtr="0">
+          <a:noAutofit/>
+        </a:bodyPr>
+        <a:lstStyle/>
+        <a:p>
+          <a:pPr marL="0" lvl="0" indent="0" algn="ctr" defTabSz="488950">
+            <a:lnSpc>
+              <a:spcPct val="90000"/>
+            </a:lnSpc>
+            <a:spcBef>
+              <a:spcPct val="0"/>
+            </a:spcBef>
+            <a:spcAft>
+              <a:spcPct val="35000"/>
+            </a:spcAft>
+            <a:buNone/>
+          </a:pPr>
+          <a:r>
+            <a:rPr lang="en-US" sz="1100" kern="1200" dirty="0"/>
+            <a:t>barcode</a:t>
+          </a:r>
+        </a:p>
+      </dsp:txBody>
+      <dsp:txXfrm>
+        <a:off x="1432885" y="3972551"/>
+        <a:ext cx="631796" cy="631796"/>
+      </dsp:txXfrm>
+    </dsp:sp>
+    <dsp:sp modelId="{9EA61A7F-CCFF-49FE-B153-3F852DED21D4}">
+      <dsp:nvSpPr>
+        <dsp:cNvPr id="0" name=""/>
+        <dsp:cNvSpPr/>
+      </dsp:nvSpPr>
+      <dsp:spPr>
+        <a:xfrm rot="5400000">
+          <a:off x="2529415" y="4105099"/>
+          <a:ext cx="468850" cy="366701"/>
+        </a:xfrm>
+        <a:prstGeom prst="triangle">
+          <a:avLst/>
+        </a:prstGeom>
+        <a:solidFill>
+          <a:schemeClr val="accent1">
+            <a:tint val="60000"/>
+            <a:hueOff val="0"/>
+            <a:satOff val="0"/>
+            <a:lumOff val="0"/>
+            <a:alphaOff val="0"/>
+          </a:schemeClr>
+        </a:solidFill>
+        <a:ln>
+          <a:noFill/>
+        </a:ln>
+        <a:effectLst/>
+      </dsp:spPr>
+      <dsp:style>
+        <a:lnRef idx="0">
+          <a:scrgbClr r="0" g="0" b="0"/>
+        </a:lnRef>
+        <a:fillRef idx="1">
+          <a:scrgbClr r="0" g="0" b="0"/>
+        </a:fillRef>
+        <a:effectRef idx="0">
+          <a:scrgbClr r="0" g="0" b="0"/>
+        </a:effectRef>
+        <a:fontRef idx="minor">
+          <a:schemeClr val="lt1"/>
+        </a:fontRef>
+      </dsp:style>
+    </dsp:sp>
+    <dsp:sp modelId="{37E175CA-AECF-4B58-99A1-D6FCAAC7EDCC}">
+      <dsp:nvSpPr>
+        <dsp:cNvPr id="0" name=""/>
+        <dsp:cNvSpPr/>
+      </dsp:nvSpPr>
+      <dsp:spPr>
+        <a:xfrm>
+          <a:off x="3311394" y="3841702"/>
+          <a:ext cx="893494" cy="893494"/>
+        </a:xfrm>
+        <a:prstGeom prst="ellipse">
+          <a:avLst/>
+        </a:prstGeom>
+        <a:solidFill>
+          <a:schemeClr val="accent1">
+            <a:hueOff val="0"/>
+            <a:satOff val="0"/>
+            <a:lumOff val="0"/>
+            <a:alphaOff val="0"/>
+          </a:schemeClr>
+        </a:solidFill>
+        <a:ln w="12700" cap="flat" cmpd="sng" algn="ctr">
+          <a:solidFill>
+            <a:schemeClr val="lt1">
+              <a:hueOff val="0"/>
+              <a:satOff val="0"/>
+              <a:lumOff val="0"/>
+              <a:alphaOff val="0"/>
+            </a:schemeClr>
+          </a:solidFill>
+          <a:prstDash val="solid"/>
+          <a:miter lim="800000"/>
+        </a:ln>
+        <a:effectLst/>
+      </dsp:spPr>
+      <dsp:style>
+        <a:lnRef idx="2">
+          <a:scrgbClr r="0" g="0" b="0"/>
+        </a:lnRef>
+        <a:fillRef idx="1">
+          <a:scrgbClr r="0" g="0" b="0"/>
+        </a:fillRef>
+        <a:effectRef idx="0">
+          <a:scrgbClr r="0" g="0" b="0"/>
+        </a:effectRef>
+        <a:fontRef idx="minor">
+          <a:schemeClr val="lt1"/>
+        </a:fontRef>
+      </dsp:style>
+      <dsp:txBody>
+        <a:bodyPr spcFirstLastPara="0" vert="horz" wrap="square" lIns="13970" tIns="13970" rIns="13970" bIns="13970" numCol="1" spcCol="1270" anchor="ctr" anchorCtr="0">
+          <a:noAutofit/>
+        </a:bodyPr>
+        <a:lstStyle/>
+        <a:p>
+          <a:pPr marL="0" lvl="0" indent="0" algn="ctr" defTabSz="488950">
+            <a:lnSpc>
+              <a:spcPct val="90000"/>
+            </a:lnSpc>
+            <a:spcBef>
+              <a:spcPct val="0"/>
+            </a:spcBef>
+            <a:spcAft>
+              <a:spcPct val="35000"/>
+            </a:spcAft>
+            <a:buNone/>
+          </a:pPr>
+          <a:r>
+            <a:rPr lang="en-US" sz="1100" kern="1200" dirty="0"/>
+            <a:t>sanitize</a:t>
+          </a:r>
+        </a:p>
+      </dsp:txBody>
+      <dsp:txXfrm>
+        <a:off x="3442243" y="3972551"/>
+        <a:ext cx="631796" cy="631796"/>
+      </dsp:txXfrm>
+    </dsp:sp>
+    <dsp:sp modelId="{F5103233-15D5-4503-8105-2CB750060A5A}">
+      <dsp:nvSpPr>
+        <dsp:cNvPr id="0" name=""/>
+        <dsp:cNvSpPr/>
+      </dsp:nvSpPr>
+      <dsp:spPr>
+        <a:xfrm>
+          <a:off x="3523716" y="3190510"/>
+          <a:ext cx="468850" cy="366701"/>
+        </a:xfrm>
+        <a:prstGeom prst="triangle">
+          <a:avLst/>
+        </a:prstGeom>
+        <a:solidFill>
+          <a:schemeClr val="accent1">
+            <a:tint val="60000"/>
+            <a:hueOff val="0"/>
+            <a:satOff val="0"/>
+            <a:lumOff val="0"/>
+            <a:alphaOff val="0"/>
+          </a:schemeClr>
+        </a:solidFill>
+        <a:ln>
+          <a:noFill/>
+        </a:ln>
+        <a:effectLst/>
+      </dsp:spPr>
+      <dsp:style>
+        <a:lnRef idx="0">
+          <a:scrgbClr r="0" g="0" b="0"/>
+        </a:lnRef>
+        <a:fillRef idx="1">
+          <a:scrgbClr r="0" g="0" b="0"/>
+        </a:fillRef>
+        <a:effectRef idx="0">
+          <a:scrgbClr r="0" g="0" b="0"/>
+        </a:effectRef>
+        <a:fontRef idx="minor">
+          <a:schemeClr val="lt1"/>
+        </a:fontRef>
+      </dsp:style>
+    </dsp:sp>
+    <dsp:sp modelId="{01BC5361-18E0-4C2A-96D5-D308BC41D857}">
+      <dsp:nvSpPr>
+        <dsp:cNvPr id="0" name=""/>
+        <dsp:cNvSpPr/>
+      </dsp:nvSpPr>
+      <dsp:spPr>
+        <a:xfrm>
+          <a:off x="3311394" y="2033280"/>
+          <a:ext cx="893494" cy="893494"/>
+        </a:xfrm>
+        <a:prstGeom prst="ellipse">
+          <a:avLst/>
+        </a:prstGeom>
+        <a:solidFill>
+          <a:schemeClr val="accent1">
+            <a:hueOff val="0"/>
+            <a:satOff val="0"/>
+            <a:lumOff val="0"/>
+            <a:alphaOff val="0"/>
+          </a:schemeClr>
+        </a:solidFill>
+        <a:ln w="12700" cap="flat" cmpd="sng" algn="ctr">
+          <a:solidFill>
+            <a:schemeClr val="lt1">
+              <a:hueOff val="0"/>
+              <a:satOff val="0"/>
+              <a:lumOff val="0"/>
+              <a:alphaOff val="0"/>
+            </a:schemeClr>
+          </a:solidFill>
+          <a:prstDash val="solid"/>
+          <a:miter lim="800000"/>
+        </a:ln>
+        <a:effectLst/>
+      </dsp:spPr>
+      <dsp:style>
+        <a:lnRef idx="2">
+          <a:scrgbClr r="0" g="0" b="0"/>
+        </a:lnRef>
+        <a:fillRef idx="1">
+          <a:scrgbClr r="0" g="0" b="0"/>
+        </a:fillRef>
+        <a:effectRef idx="0">
+          <a:scrgbClr r="0" g="0" b="0"/>
+        </a:effectRef>
+        <a:fontRef idx="minor">
+          <a:schemeClr val="lt1"/>
+        </a:fontRef>
+      </dsp:style>
+      <dsp:txBody>
+        <a:bodyPr spcFirstLastPara="0" vert="horz" wrap="square" lIns="13970" tIns="13970" rIns="13970" bIns="13970" numCol="1" spcCol="1270" anchor="ctr" anchorCtr="0">
+          <a:noAutofit/>
+        </a:bodyPr>
+        <a:lstStyle/>
+        <a:p>
+          <a:pPr marL="0" lvl="0" indent="0" algn="ctr" defTabSz="488950">
+            <a:lnSpc>
+              <a:spcPct val="90000"/>
+            </a:lnSpc>
+            <a:spcBef>
+              <a:spcPct val="0"/>
+            </a:spcBef>
+            <a:spcAft>
+              <a:spcPct val="35000"/>
+            </a:spcAft>
+            <a:buNone/>
+          </a:pPr>
+          <a:r>
+            <a:rPr lang="en-US" sz="1100" kern="1200" dirty="0"/>
+            <a:t>send</a:t>
+          </a:r>
+        </a:p>
+      </dsp:txBody>
+      <dsp:txXfrm>
+        <a:off x="3442243" y="2164129"/>
+        <a:ext cx="631796" cy="631796"/>
+      </dsp:txXfrm>
+    </dsp:sp>
+    <dsp:sp modelId="{F4E5EEE0-E827-439B-BE01-CF29F8DE8F31}">
+      <dsp:nvSpPr>
+        <dsp:cNvPr id="0" name=""/>
+        <dsp:cNvSpPr/>
+      </dsp:nvSpPr>
+      <dsp:spPr>
+        <a:xfrm>
+          <a:off x="3523716" y="1382088"/>
+          <a:ext cx="468850" cy="366701"/>
+        </a:xfrm>
+        <a:prstGeom prst="triangle">
+          <a:avLst/>
+        </a:prstGeom>
+        <a:solidFill>
+          <a:schemeClr val="accent1">
+            <a:tint val="60000"/>
+            <a:hueOff val="0"/>
+            <a:satOff val="0"/>
+            <a:lumOff val="0"/>
+            <a:alphaOff val="0"/>
+          </a:schemeClr>
+        </a:solidFill>
+        <a:ln>
+          <a:noFill/>
+        </a:ln>
+        <a:effectLst/>
+      </dsp:spPr>
+      <dsp:style>
+        <a:lnRef idx="0">
+          <a:scrgbClr r="0" g="0" b="0"/>
+        </a:lnRef>
+        <a:fillRef idx="1">
+          <a:scrgbClr r="0" g="0" b="0"/>
+        </a:fillRef>
+        <a:effectRef idx="0">
+          <a:scrgbClr r="0" g="0" b="0"/>
+        </a:effectRef>
+        <a:fontRef idx="minor">
+          <a:schemeClr val="lt1"/>
+        </a:fontRef>
+      </dsp:style>
+    </dsp:sp>
+    <dsp:sp modelId="{34F1B085-0F0A-4856-B495-E8310A72A779}">
+      <dsp:nvSpPr>
+        <dsp:cNvPr id="0" name=""/>
+        <dsp:cNvSpPr/>
+      </dsp:nvSpPr>
+      <dsp:spPr>
+        <a:xfrm>
+          <a:off x="3311394" y="224858"/>
+          <a:ext cx="893494" cy="893494"/>
+        </a:xfrm>
+        <a:prstGeom prst="ellipse">
+          <a:avLst/>
+        </a:prstGeom>
+        <a:solidFill>
+          <a:schemeClr val="accent1">
+            <a:hueOff val="0"/>
+            <a:satOff val="0"/>
+            <a:lumOff val="0"/>
+            <a:alphaOff val="0"/>
+          </a:schemeClr>
+        </a:solidFill>
+        <a:ln w="12700" cap="flat" cmpd="sng" algn="ctr">
+          <a:solidFill>
+            <a:schemeClr val="lt1">
+              <a:hueOff val="0"/>
+              <a:satOff val="0"/>
+              <a:lumOff val="0"/>
+              <a:alphaOff val="0"/>
+            </a:schemeClr>
+          </a:solidFill>
+          <a:prstDash val="solid"/>
+          <a:miter lim="800000"/>
+        </a:ln>
+        <a:effectLst/>
+      </dsp:spPr>
+      <dsp:style>
+        <a:lnRef idx="2">
+          <a:scrgbClr r="0" g="0" b="0"/>
+        </a:lnRef>
+        <a:fillRef idx="1">
+          <a:scrgbClr r="0" g="0" b="0"/>
+        </a:fillRef>
+        <a:effectRef idx="0">
+          <a:scrgbClr r="0" g="0" b="0"/>
+        </a:effectRef>
+        <a:fontRef idx="minor">
+          <a:schemeClr val="lt1"/>
+        </a:fontRef>
+      </dsp:style>
+      <dsp:txBody>
+        <a:bodyPr spcFirstLastPara="0" vert="horz" wrap="square" lIns="13970" tIns="13970" rIns="13970" bIns="13970" numCol="1" spcCol="1270" anchor="ctr" anchorCtr="0">
+          <a:noAutofit/>
+        </a:bodyPr>
+        <a:lstStyle/>
+        <a:p>
+          <a:pPr marL="0" lvl="0" indent="0" algn="ctr" defTabSz="488950">
+            <a:lnSpc>
+              <a:spcPct val="90000"/>
+            </a:lnSpc>
+            <a:spcBef>
+              <a:spcPct val="0"/>
+            </a:spcBef>
+            <a:spcAft>
+              <a:spcPct val="35000"/>
+            </a:spcAft>
+            <a:buNone/>
+          </a:pPr>
+          <a:r>
+            <a:rPr lang="en-US" sz="1100" kern="1200" dirty="0"/>
+            <a:t>receive</a:t>
+          </a:r>
+        </a:p>
+      </dsp:txBody>
+      <dsp:txXfrm>
+        <a:off x="3442243" y="355707"/>
+        <a:ext cx="631796" cy="631796"/>
+      </dsp:txXfrm>
+    </dsp:sp>
+    <dsp:sp modelId="{5A0F3816-4BC0-4EF3-AD4B-4B3EC95C4BEB}">
+      <dsp:nvSpPr>
+        <dsp:cNvPr id="0" name=""/>
+        <dsp:cNvSpPr/>
+      </dsp:nvSpPr>
+      <dsp:spPr>
+        <a:xfrm rot="5400000">
+          <a:off x="4538773" y="488255"/>
+          <a:ext cx="468850" cy="366701"/>
+        </a:xfrm>
+        <a:prstGeom prst="triangle">
+          <a:avLst/>
+        </a:prstGeom>
+        <a:solidFill>
+          <a:schemeClr val="accent1">
+            <a:tint val="60000"/>
+            <a:hueOff val="0"/>
+            <a:satOff val="0"/>
+            <a:lumOff val="0"/>
+            <a:alphaOff val="0"/>
+          </a:schemeClr>
+        </a:solidFill>
+        <a:ln>
+          <a:noFill/>
+        </a:ln>
+        <a:effectLst/>
+      </dsp:spPr>
+      <dsp:style>
+        <a:lnRef idx="0">
+          <a:scrgbClr r="0" g="0" b="0"/>
+        </a:lnRef>
+        <a:fillRef idx="1">
+          <a:scrgbClr r="0" g="0" b="0"/>
+        </a:fillRef>
+        <a:effectRef idx="0">
+          <a:scrgbClr r="0" g="0" b="0"/>
+        </a:effectRef>
+        <a:fontRef idx="minor">
+          <a:schemeClr val="lt1"/>
+        </a:fontRef>
+      </dsp:style>
+    </dsp:sp>
+    <dsp:sp modelId="{C1909CD6-0CCD-425E-9982-F40F130A2984}">
+      <dsp:nvSpPr>
+        <dsp:cNvPr id="0" name=""/>
+        <dsp:cNvSpPr/>
+      </dsp:nvSpPr>
+      <dsp:spPr>
+        <a:xfrm>
+          <a:off x="5320752" y="224858"/>
+          <a:ext cx="893494" cy="893494"/>
+        </a:xfrm>
+        <a:prstGeom prst="ellipse">
+          <a:avLst/>
+        </a:prstGeom>
+        <a:solidFill>
+          <a:schemeClr val="accent1">
+            <a:hueOff val="0"/>
+            <a:satOff val="0"/>
+            <a:lumOff val="0"/>
+            <a:alphaOff val="0"/>
+          </a:schemeClr>
+        </a:solidFill>
+        <a:ln w="12700" cap="flat" cmpd="sng" algn="ctr">
+          <a:solidFill>
+            <a:schemeClr val="lt1">
+              <a:hueOff val="0"/>
+              <a:satOff val="0"/>
+              <a:lumOff val="0"/>
+              <a:alphaOff val="0"/>
+            </a:schemeClr>
+          </a:solidFill>
+          <a:prstDash val="solid"/>
+          <a:miter lim="800000"/>
+        </a:ln>
+        <a:effectLst/>
+      </dsp:spPr>
+      <dsp:style>
+        <a:lnRef idx="2">
+          <a:scrgbClr r="0" g="0" b="0"/>
+        </a:lnRef>
+        <a:fillRef idx="1">
+          <a:scrgbClr r="0" g="0" b="0"/>
+        </a:fillRef>
+        <a:effectRef idx="0">
+          <a:scrgbClr r="0" g="0" b="0"/>
+        </a:effectRef>
+        <a:fontRef idx="minor">
+          <a:schemeClr val="lt1"/>
+        </a:fontRef>
+      </dsp:style>
+      <dsp:txBody>
+        <a:bodyPr spcFirstLastPara="0" vert="horz" wrap="square" lIns="13970" tIns="13970" rIns="13970" bIns="13970" numCol="1" spcCol="1270" anchor="ctr" anchorCtr="0">
+          <a:noAutofit/>
+        </a:bodyPr>
+        <a:lstStyle/>
+        <a:p>
+          <a:pPr marL="0" lvl="0" indent="0" algn="ctr" defTabSz="488950">
+            <a:lnSpc>
+              <a:spcPct val="90000"/>
+            </a:lnSpc>
+            <a:spcBef>
+              <a:spcPct val="0"/>
+            </a:spcBef>
+            <a:spcAft>
+              <a:spcPct val="35000"/>
+            </a:spcAft>
+            <a:buNone/>
+          </a:pPr>
+          <a:r>
+            <a:rPr lang="en-US" sz="1100" kern="1200" dirty="0"/>
+            <a:t>Read barcode</a:t>
+          </a:r>
+        </a:p>
+      </dsp:txBody>
+      <dsp:txXfrm>
+        <a:off x="5451601" y="355707"/>
+        <a:ext cx="631796" cy="631796"/>
+      </dsp:txXfrm>
+    </dsp:sp>
+    <dsp:sp modelId="{77883F8D-6A60-4AFD-978B-C94B21F00F85}">
+      <dsp:nvSpPr>
+        <dsp:cNvPr id="0" name=""/>
+        <dsp:cNvSpPr/>
+      </dsp:nvSpPr>
+      <dsp:spPr>
+        <a:xfrm rot="10800000">
+          <a:off x="5533074" y="1402844"/>
+          <a:ext cx="468850" cy="366701"/>
+        </a:xfrm>
+        <a:prstGeom prst="triangle">
+          <a:avLst/>
+        </a:prstGeom>
+        <a:solidFill>
+          <a:schemeClr val="accent1">
+            <a:tint val="60000"/>
+            <a:hueOff val="0"/>
+            <a:satOff val="0"/>
+            <a:lumOff val="0"/>
+            <a:alphaOff val="0"/>
+          </a:schemeClr>
+        </a:solidFill>
+        <a:ln>
+          <a:noFill/>
+        </a:ln>
+        <a:effectLst/>
+      </dsp:spPr>
+      <dsp:style>
+        <a:lnRef idx="0">
+          <a:scrgbClr r="0" g="0" b="0"/>
+        </a:lnRef>
+        <a:fillRef idx="1">
+          <a:scrgbClr r="0" g="0" b="0"/>
+        </a:fillRef>
+        <a:effectRef idx="0">
+          <a:scrgbClr r="0" g="0" b="0"/>
+        </a:effectRef>
+        <a:fontRef idx="minor">
+          <a:schemeClr val="lt1"/>
+        </a:fontRef>
+      </dsp:style>
+    </dsp:sp>
+    <dsp:sp modelId="{DAEE1DE4-CA78-487A-BCF8-D80F2D41FAB6}">
+      <dsp:nvSpPr>
+        <dsp:cNvPr id="0" name=""/>
+        <dsp:cNvSpPr/>
+      </dsp:nvSpPr>
+      <dsp:spPr>
+        <a:xfrm>
+          <a:off x="5320752" y="2033280"/>
+          <a:ext cx="893494" cy="893494"/>
+        </a:xfrm>
+        <a:prstGeom prst="ellipse">
+          <a:avLst/>
+        </a:prstGeom>
+        <a:solidFill>
+          <a:schemeClr val="accent1">
+            <a:hueOff val="0"/>
+            <a:satOff val="0"/>
+            <a:lumOff val="0"/>
+            <a:alphaOff val="0"/>
+          </a:schemeClr>
+        </a:solidFill>
+        <a:ln w="12700" cap="flat" cmpd="sng" algn="ctr">
+          <a:solidFill>
+            <a:schemeClr val="lt1">
+              <a:hueOff val="0"/>
+              <a:satOff val="0"/>
+              <a:lumOff val="0"/>
+              <a:alphaOff val="0"/>
+            </a:schemeClr>
+          </a:solidFill>
+          <a:prstDash val="solid"/>
+          <a:miter lim="800000"/>
+        </a:ln>
+        <a:effectLst/>
+      </dsp:spPr>
+      <dsp:style>
+        <a:lnRef idx="2">
+          <a:scrgbClr r="0" g="0" b="0"/>
+        </a:lnRef>
+        <a:fillRef idx="1">
+          <a:scrgbClr r="0" g="0" b="0"/>
+        </a:fillRef>
+        <a:effectRef idx="0">
+          <a:scrgbClr r="0" g="0" b="0"/>
+        </a:effectRef>
+        <a:fontRef idx="minor">
+          <a:schemeClr val="lt1"/>
+        </a:fontRef>
+      </dsp:style>
+      <dsp:txBody>
+        <a:bodyPr spcFirstLastPara="0" vert="horz" wrap="square" lIns="13970" tIns="13970" rIns="13970" bIns="13970" numCol="1" spcCol="1270" anchor="ctr" anchorCtr="0">
+          <a:noAutofit/>
+        </a:bodyPr>
+        <a:lstStyle/>
+        <a:p>
+          <a:pPr marL="0" lvl="0" indent="0" algn="ctr" defTabSz="488950">
+            <a:lnSpc>
+              <a:spcPct val="90000"/>
+            </a:lnSpc>
+            <a:spcBef>
+              <a:spcPct val="0"/>
+            </a:spcBef>
+            <a:spcAft>
+              <a:spcPct val="35000"/>
+            </a:spcAft>
+            <a:buNone/>
+          </a:pPr>
+          <a:r>
+            <a:rPr lang="en-US" sz="1100" kern="1200" dirty="0"/>
+            <a:t>Import XMP</a:t>
+          </a:r>
+        </a:p>
+      </dsp:txBody>
+      <dsp:txXfrm>
+        <a:off x="5451601" y="2164129"/>
+        <a:ext cx="631796" cy="631796"/>
+      </dsp:txXfrm>
+    </dsp:sp>
+    <dsp:sp modelId="{CEF003B6-597B-4F9D-88D4-CB48AA83ABC9}">
+      <dsp:nvSpPr>
+        <dsp:cNvPr id="0" name=""/>
+        <dsp:cNvSpPr/>
+      </dsp:nvSpPr>
+      <dsp:spPr>
+        <a:xfrm rot="10800000">
+          <a:off x="5533074" y="3099747"/>
+          <a:ext cx="468850" cy="366701"/>
+        </a:xfrm>
+        <a:prstGeom prst="triangle">
+          <a:avLst/>
+        </a:prstGeom>
+        <a:solidFill>
+          <a:schemeClr val="accent1">
+            <a:tint val="60000"/>
+            <a:hueOff val="0"/>
+            <a:satOff val="0"/>
+            <a:lumOff val="0"/>
+            <a:alphaOff val="0"/>
+          </a:schemeClr>
+        </a:solidFill>
+        <a:ln>
+          <a:noFill/>
+        </a:ln>
+        <a:effectLst/>
+      </dsp:spPr>
+      <dsp:style>
+        <a:lnRef idx="0">
+          <a:scrgbClr r="0" g="0" b="0"/>
+        </a:lnRef>
+        <a:fillRef idx="1">
+          <a:scrgbClr r="0" g="0" b="0"/>
+        </a:fillRef>
+        <a:effectRef idx="0">
+          <a:scrgbClr r="0" g="0" b="0"/>
+        </a:effectRef>
+        <a:fontRef idx="minor">
+          <a:schemeClr val="lt1"/>
+        </a:fontRef>
+      </dsp:style>
+    </dsp:sp>
+    <dsp:sp modelId="{31AE10B1-EDF8-4A31-9DF7-6B3DBED223B2}">
+      <dsp:nvSpPr>
+        <dsp:cNvPr id="0" name=""/>
+        <dsp:cNvSpPr/>
+      </dsp:nvSpPr>
+      <dsp:spPr>
+        <a:xfrm>
+          <a:off x="5097713" y="3618664"/>
+          <a:ext cx="1339571" cy="1339571"/>
+        </a:xfrm>
+        <a:prstGeom prst="ellipse">
+          <a:avLst/>
+        </a:prstGeom>
+        <a:solidFill>
+          <a:schemeClr val="accent1">
+            <a:hueOff val="0"/>
+            <a:satOff val="0"/>
+            <a:lumOff val="0"/>
+            <a:alphaOff val="0"/>
+          </a:schemeClr>
+        </a:solidFill>
+        <a:ln w="12700" cap="flat" cmpd="sng" algn="ctr">
+          <a:solidFill>
+            <a:schemeClr val="lt1">
+              <a:hueOff val="0"/>
+              <a:satOff val="0"/>
+              <a:lumOff val="0"/>
+              <a:alphaOff val="0"/>
+            </a:schemeClr>
+          </a:solidFill>
+          <a:prstDash val="solid"/>
+          <a:miter lim="800000"/>
+        </a:ln>
+        <a:effectLst/>
+      </dsp:spPr>
+      <dsp:style>
+        <a:lnRef idx="2">
+          <a:scrgbClr r="0" g="0" b="0"/>
+        </a:lnRef>
+        <a:fillRef idx="1">
+          <a:scrgbClr r="0" g="0" b="0"/>
+        </a:fillRef>
+        <a:effectRef idx="0">
+          <a:scrgbClr r="0" g="0" b="0"/>
+        </a:effectRef>
+        <a:fontRef idx="minor">
+          <a:schemeClr val="lt1"/>
+        </a:fontRef>
+      </dsp:style>
+      <dsp:txBody>
+        <a:bodyPr spcFirstLastPara="0" vert="horz" wrap="square" lIns="17780" tIns="17780" rIns="17780" bIns="17780" numCol="1" spcCol="1270" anchor="ctr" anchorCtr="0">
+          <a:noAutofit/>
+        </a:bodyPr>
+        <a:lstStyle/>
+        <a:p>
+          <a:pPr marL="0" lvl="0" indent="0" algn="ctr" defTabSz="622300">
+            <a:lnSpc>
+              <a:spcPct val="90000"/>
+            </a:lnSpc>
+            <a:spcBef>
+              <a:spcPct val="0"/>
+            </a:spcBef>
+            <a:spcAft>
+              <a:spcPct val="35000"/>
+            </a:spcAft>
+            <a:buNone/>
+          </a:pPr>
+          <a:r>
+            <a:rPr lang="en-US" sz="1400" kern="1200" dirty="0"/>
+            <a:t>Continue next action</a:t>
+          </a:r>
+        </a:p>
+      </dsp:txBody>
+      <dsp:txXfrm>
+        <a:off x="5293889" y="3814840"/>
+        <a:ext cx="947219" cy="947219"/>
+      </dsp:txXfrm>
+    </dsp:sp>
+  </dsp:spTree>
+</dsp:drawing>
+</file>
+
+<file path=ppt/diagrams/drawing2.xml><?xml version="1.0" encoding="utf-8"?>
 <dsp:drawing xmlns:dgm="http://schemas.openxmlformats.org/drawingml/2006/diagram" xmlns:dsp="http://schemas.microsoft.com/office/drawing/2008/diagram" xmlns:a="http://schemas.openxmlformats.org/drawingml/2006/main">
   <dsp:spTree>
     <dsp:nvGrpSpPr>
@@ -2761,6 +5139,316 @@
 </file>
 
 <file path=ppt/diagrams/layout1.xml><?xml version="1.0" encoding="utf-8"?>
+<dgm:layoutDef xmlns:dgm="http://schemas.openxmlformats.org/drawingml/2006/diagram" xmlns:a="http://schemas.openxmlformats.org/drawingml/2006/main" uniqueId="urn:microsoft.com/office/officeart/2005/8/layout/bProcess2">
+  <dgm:title val=""/>
+  <dgm:desc val=""/>
+  <dgm:catLst>
+    <dgm:cat type="process" pri="24000"/>
+  </dgm:catLst>
+  <dgm:sampData>
+    <dgm:dataModel>
+      <dgm:ptLst>
+        <dgm:pt modelId="0" type="doc"/>
+        <dgm:pt modelId="1">
+          <dgm:prSet phldr="1"/>
+        </dgm:pt>
+        <dgm:pt modelId="2">
+          <dgm:prSet phldr="1"/>
+        </dgm:pt>
+        <dgm:pt modelId="3">
+          <dgm:prSet phldr="1"/>
+        </dgm:pt>
+        <dgm:pt modelId="4">
+          <dgm:prSet phldr="1"/>
+        </dgm:pt>
+        <dgm:pt modelId="5">
+          <dgm:prSet phldr="1"/>
+        </dgm:pt>
+        <dgm:pt modelId="6">
+          <dgm:prSet phldr="1"/>
+        </dgm:pt>
+        <dgm:pt modelId="7">
+          <dgm:prSet phldr="1"/>
+        </dgm:pt>
+        <dgm:pt modelId="8">
+          <dgm:prSet phldr="1"/>
+        </dgm:pt>
+        <dgm:pt modelId="9">
+          <dgm:prSet phldr="1"/>
+        </dgm:pt>
+      </dgm:ptLst>
+      <dgm:cxnLst>
+        <dgm:cxn modelId="10" srcId="0" destId="1" srcOrd="0" destOrd="0"/>
+        <dgm:cxn modelId="11" srcId="0" destId="2" srcOrd="1" destOrd="0"/>
+        <dgm:cxn modelId="12" srcId="0" destId="3" srcOrd="2" destOrd="0"/>
+        <dgm:cxn modelId="13" srcId="0" destId="4" srcOrd="3" destOrd="0"/>
+        <dgm:cxn modelId="14" srcId="0" destId="5" srcOrd="4" destOrd="0"/>
+        <dgm:cxn modelId="15" srcId="0" destId="6" srcOrd="5" destOrd="0"/>
+        <dgm:cxn modelId="16" srcId="0" destId="7" srcOrd="6" destOrd="0"/>
+        <dgm:cxn modelId="17" srcId="0" destId="8" srcOrd="7" destOrd="0"/>
+        <dgm:cxn modelId="18" srcId="0" destId="9" srcOrd="8" destOrd="0"/>
+      </dgm:cxnLst>
+      <dgm:bg/>
+      <dgm:whole/>
+    </dgm:dataModel>
+  </dgm:sampData>
+  <dgm:styleData>
+    <dgm:dataModel>
+      <dgm:ptLst>
+        <dgm:pt modelId="0" type="doc"/>
+        <dgm:pt modelId="1"/>
+        <dgm:pt modelId="2"/>
+      </dgm:ptLst>
+      <dgm:cxnLst>
+        <dgm:cxn modelId="3" srcId="0" destId="1" srcOrd="0" destOrd="0"/>
+        <dgm:cxn modelId="4" srcId="0" destId="2" srcOrd="1" destOrd="0"/>
+      </dgm:cxnLst>
+      <dgm:bg/>
+      <dgm:whole/>
+    </dgm:dataModel>
+  </dgm:styleData>
+  <dgm:clrData>
+    <dgm:dataModel>
+      <dgm:ptLst>
+        <dgm:pt modelId="0" type="doc"/>
+        <dgm:pt modelId="1"/>
+        <dgm:pt modelId="2"/>
+        <dgm:pt modelId="3"/>
+        <dgm:pt modelId="4"/>
+        <dgm:pt modelId="5"/>
+        <dgm:pt modelId="6"/>
+      </dgm:ptLst>
+      <dgm:cxnLst>
+        <dgm:cxn modelId="7" srcId="0" destId="1" srcOrd="0" destOrd="0"/>
+        <dgm:cxn modelId="8" srcId="0" destId="2" srcOrd="1" destOrd="0"/>
+        <dgm:cxn modelId="9" srcId="0" destId="3" srcOrd="2" destOrd="0"/>
+        <dgm:cxn modelId="10" srcId="0" destId="4" srcOrd="3" destOrd="0"/>
+        <dgm:cxn modelId="11" srcId="0" destId="5" srcOrd="4" destOrd="0"/>
+        <dgm:cxn modelId="12" srcId="0" destId="6" srcOrd="5" destOrd="0"/>
+      </dgm:cxnLst>
+      <dgm:bg/>
+      <dgm:whole/>
+    </dgm:dataModel>
+  </dgm:clrData>
+  <dgm:layoutNode name="diagram">
+    <dgm:varLst>
+      <dgm:dir/>
+      <dgm:resizeHandles/>
+    </dgm:varLst>
+    <dgm:choose name="Name0">
+      <dgm:if name="Name1" func="var" arg="dir" op="equ" val="norm">
+        <dgm:alg type="snake">
+          <dgm:param type="grDir" val="tL"/>
+          <dgm:param type="flowDir" val="col"/>
+          <dgm:param type="contDir" val="revDir"/>
+        </dgm:alg>
+      </dgm:if>
+      <dgm:else name="Name2">
+        <dgm:alg type="snake">
+          <dgm:param type="grDir" val="tR"/>
+          <dgm:param type="flowDir" val="col"/>
+          <dgm:param type="contDir" val="revDir"/>
+        </dgm:alg>
+      </dgm:else>
+    </dgm:choose>
+    <dgm:shape xmlns:r="http://schemas.openxmlformats.org/officeDocument/2006/relationships" r:blip="">
+      <dgm:adjLst/>
+    </dgm:shape>
+    <dgm:presOf/>
+    <dgm:constrLst>
+      <dgm:constr type="w" for="ch" forName="firstNode" refType="w"/>
+      <dgm:constr type="w" for="ch" forName="lastNode" refType="w" refFor="ch" refForName="firstNode" op="equ"/>
+      <dgm:constr type="w" for="ch" forName="middleNode" refType="w" refFor="ch" refForName="firstNode" op="equ"/>
+      <dgm:constr type="h" for="ch" ptType="sibTrans" refType="w" refFor="ch" refForName="middleNode" op="equ" fact="0.35"/>
+      <dgm:constr type="sp" refType="w" refFor="ch" refForName="middleNode" fact="0.5"/>
+      <dgm:constr type="connDist" for="des" ptType="sibTrans" op="equ"/>
+      <dgm:constr type="primFontSz" for="ch" forName="firstNode" val="65"/>
+      <dgm:constr type="primFontSz" for="ch" forName="lastNode" refType="primFontSz" refFor="ch" refForName="firstNode" op="equ"/>
+      <dgm:constr type="primFontSz" for="des" forName="shape" val="65"/>
+      <dgm:constr type="primFontSz" for="des" forName="shape" refType="primFontSz" refFor="ch" refForName="firstNode" op="lte"/>
+      <dgm:constr type="primFontSz" for="des" forName="shape" refType="primFontSz" refFor="ch" refForName="lastNode" op="lte"/>
+    </dgm:constrLst>
+    <dgm:ruleLst/>
+    <dgm:forEach name="Name3" axis="ch" ptType="node">
+      <dgm:choose name="Name4">
+        <dgm:if name="Name5" axis="self" ptType="node" func="pos" op="equ" val="1">
+          <dgm:layoutNode name="firstNode">
+            <dgm:varLst>
+              <dgm:bulletEnabled val="1"/>
+            </dgm:varLst>
+            <dgm:alg type="tx">
+              <dgm:param type="txAnchorVertCh" val="mid"/>
+            </dgm:alg>
+            <dgm:shape xmlns:r="http://schemas.openxmlformats.org/officeDocument/2006/relationships" type="ellipse" r:blip="">
+              <dgm:adjLst/>
+            </dgm:shape>
+            <dgm:presOf axis="desOrSelf" ptType="node"/>
+            <dgm:constrLst>
+              <dgm:constr type="h" refType="w"/>
+              <dgm:constr type="tMarg" refType="primFontSz" fact="0.1"/>
+              <dgm:constr type="bMarg" refType="primFontSz" fact="0.1"/>
+              <dgm:constr type="lMarg" refType="primFontSz" fact="0.1"/>
+              <dgm:constr type="rMarg" refType="primFontSz" fact="0.1"/>
+            </dgm:constrLst>
+            <dgm:ruleLst>
+              <dgm:rule type="primFontSz" val="5" fact="NaN" max="NaN"/>
+            </dgm:ruleLst>
+          </dgm:layoutNode>
+        </dgm:if>
+        <dgm:if name="Name6" axis="self" ptType="node" func="revPos" op="equ" val="1">
+          <dgm:layoutNode name="lastNode">
+            <dgm:varLst>
+              <dgm:bulletEnabled val="1"/>
+            </dgm:varLst>
+            <dgm:alg type="tx">
+              <dgm:param type="txAnchorVertCh" val="mid"/>
+            </dgm:alg>
+            <dgm:shape xmlns:r="http://schemas.openxmlformats.org/officeDocument/2006/relationships" type="ellipse" r:blip="">
+              <dgm:adjLst/>
+            </dgm:shape>
+            <dgm:presOf axis="desOrSelf" ptType="node"/>
+            <dgm:constrLst>
+              <dgm:constr type="h" refType="w"/>
+              <dgm:constr type="tMarg" refType="primFontSz" fact="0.1"/>
+              <dgm:constr type="bMarg" refType="primFontSz" fact="0.1"/>
+              <dgm:constr type="lMarg" refType="primFontSz" fact="0.1"/>
+              <dgm:constr type="rMarg" refType="primFontSz" fact="0.1"/>
+            </dgm:constrLst>
+            <dgm:ruleLst>
+              <dgm:rule type="primFontSz" val="5" fact="NaN" max="NaN"/>
+            </dgm:ruleLst>
+          </dgm:layoutNode>
+        </dgm:if>
+        <dgm:else name="Name7">
+          <dgm:layoutNode name="middleNode">
+            <dgm:alg type="composite"/>
+            <dgm:shape xmlns:r="http://schemas.openxmlformats.org/officeDocument/2006/relationships" r:blip="">
+              <dgm:adjLst/>
+            </dgm:shape>
+            <dgm:presOf/>
+            <dgm:constrLst>
+              <dgm:constr type="h" refType="w"/>
+              <dgm:constr type="w" for="ch" forName="padding" refType="w"/>
+              <dgm:constr type="h" for="ch" forName="padding" refType="h"/>
+              <dgm:constr type="w" for="ch" forName="shape" refType="w" fact="0.667"/>
+              <dgm:constr type="h" for="ch" forName="shape" refType="h" fact="0.667"/>
+              <dgm:constr type="ctrX" for="ch" forName="shape" refType="w" fact="0.5"/>
+              <dgm:constr type="ctrY" for="ch" forName="shape" refType="h" fact="0.5"/>
+            </dgm:constrLst>
+            <dgm:ruleLst/>
+            <dgm:layoutNode name="padding">
+              <dgm:alg type="sp"/>
+              <dgm:shape xmlns:r="http://schemas.openxmlformats.org/officeDocument/2006/relationships" type="ellipse" r:blip="" hideGeom="1">
+                <dgm:adjLst/>
+              </dgm:shape>
+              <dgm:presOf/>
+              <dgm:constrLst/>
+              <dgm:ruleLst/>
+            </dgm:layoutNode>
+            <dgm:layoutNode name="shape">
+              <dgm:varLst>
+                <dgm:bulletEnabled val="1"/>
+              </dgm:varLst>
+              <dgm:alg type="tx">
+                <dgm:param type="txAnchorVertCh" val="mid"/>
+              </dgm:alg>
+              <dgm:shape xmlns:r="http://schemas.openxmlformats.org/officeDocument/2006/relationships" type="ellipse" r:blip="">
+                <dgm:adjLst/>
+              </dgm:shape>
+              <dgm:presOf axis="desOrSelf" ptType="node"/>
+              <dgm:constrLst>
+                <dgm:constr type="h" refType="w"/>
+                <dgm:constr type="tMarg" refType="primFontSz" fact="0.1"/>
+                <dgm:constr type="bMarg" refType="primFontSz" fact="0.1"/>
+                <dgm:constr type="lMarg" refType="primFontSz" fact="0.1"/>
+                <dgm:constr type="rMarg" refType="primFontSz" fact="0.1"/>
+              </dgm:constrLst>
+              <dgm:ruleLst>
+                <dgm:rule type="primFontSz" val="5" fact="NaN" max="NaN"/>
+              </dgm:ruleLst>
+            </dgm:layoutNode>
+          </dgm:layoutNode>
+        </dgm:else>
+      </dgm:choose>
+      <dgm:forEach name="Name8" axis="followSib" ptType="sibTrans" cnt="1">
+        <dgm:layoutNode name="sibTrans">
+          <dgm:choose name="Name9">
+            <dgm:if name="Name10" func="var" arg="dir" op="equ" val="norm">
+              <dgm:choose name="Name11">
+                <dgm:if name="Name12" axis="self" ptType="sibTrans" func="pos" op="equ" val="1">
+                  <dgm:alg type="conn">
+                    <dgm:param type="begPts" val="auto"/>
+                    <dgm:param type="endPts" val="auto"/>
+                    <dgm:param type="srcNode" val="firstNode"/>
+                    <dgm:param type="dstNode" val="shape"/>
+                  </dgm:alg>
+                </dgm:if>
+                <dgm:if name="Name13" axis="self" ptType="sibTrans" func="revPos" op="equ" val="1">
+                  <dgm:alg type="conn">
+                    <dgm:param type="begPts" val="auto"/>
+                    <dgm:param type="endPts" val="auto"/>
+                    <dgm:param type="srcNode" val="shape"/>
+                    <dgm:param type="dstNode" val="lastNode"/>
+                  </dgm:alg>
+                </dgm:if>
+                <dgm:else name="Name14">
+                  <dgm:alg type="conn">
+                    <dgm:param type="begPts" val="auto"/>
+                    <dgm:param type="endPts" val="auto"/>
+                    <dgm:param type="srcNode" val="shape"/>
+                    <dgm:param type="dstNode" val="shape"/>
+                  </dgm:alg>
+                </dgm:else>
+              </dgm:choose>
+            </dgm:if>
+            <dgm:else name="Name15">
+              <dgm:choose name="Name16">
+                <dgm:if name="Name17" axis="self" ptType="sibTrans" func="pos" op="equ" val="1">
+                  <dgm:alg type="conn">
+                    <dgm:param type="begPts" val="auto"/>
+                    <dgm:param type="endPts" val="auto"/>
+                    <dgm:param type="srcNode" val="firstNode"/>
+                    <dgm:param type="dstNode" val="shape"/>
+                  </dgm:alg>
+                </dgm:if>
+                <dgm:if name="Name18" axis="self" ptType="sibTrans" func="revPos" op="equ" val="1">
+                  <dgm:alg type="conn">
+                    <dgm:param type="begPts" val="auto"/>
+                    <dgm:param type="endPts" val="auto"/>
+                    <dgm:param type="srcNode" val="shape"/>
+                    <dgm:param type="dstNode" val="lastNode"/>
+                  </dgm:alg>
+                </dgm:if>
+                <dgm:else name="Name19">
+                  <dgm:alg type="conn">
+                    <dgm:param type="begPts" val="auto"/>
+                    <dgm:param type="endPts" val="auto"/>
+                    <dgm:param type="srcNode" val="shape"/>
+                    <dgm:param type="dstNode" val="shape"/>
+                  </dgm:alg>
+                </dgm:else>
+              </dgm:choose>
+            </dgm:else>
+          </dgm:choose>
+          <dgm:shape xmlns:r="http://schemas.openxmlformats.org/officeDocument/2006/relationships" rot="90" type="triangle" r:blip="">
+            <dgm:adjLst/>
+          </dgm:shape>
+          <dgm:presOf axis="self"/>
+          <dgm:constrLst>
+            <dgm:constr type="w" refType="h"/>
+            <dgm:constr type="connDist"/>
+            <dgm:constr type="begPad" refType="connDist" fact="0.25"/>
+            <dgm:constr type="endPad" refType="connDist" fact="0.22"/>
+          </dgm:constrLst>
+          <dgm:ruleLst/>
+        </dgm:layoutNode>
+      </dgm:forEach>
+    </dgm:forEach>
+  </dgm:layoutNode>
+</dgm:layoutDef>
+</file>
+
+<file path=ppt/diagrams/layout2.xml><?xml version="1.0" encoding="utf-8"?>
 <dgm:layoutDef xmlns:dgm="http://schemas.openxmlformats.org/drawingml/2006/diagram" xmlns:a="http://schemas.openxmlformats.org/drawingml/2006/main" uniqueId="urn:microsoft.com/office/officeart/2005/8/layout/vList2">
   <dgm:title val=""/>
   <dgm:desc val=""/>
@@ -3961,6 +6649,1040 @@
 </dgm:styleDef>
 </file>
 
+<file path=ppt/diagrams/quickStyle2.xml><?xml version="1.0" encoding="utf-8"?>
+<dgm:styleDef xmlns:dgm="http://schemas.openxmlformats.org/drawingml/2006/diagram" xmlns:a="http://schemas.openxmlformats.org/drawingml/2006/main" uniqueId="urn:microsoft.com/office/officeart/2005/8/quickstyle/simple1">
+  <dgm:title val=""/>
+  <dgm:desc val=""/>
+  <dgm:catLst>
+    <dgm:cat type="simple" pri="10100"/>
+  </dgm:catLst>
+  <dgm:scene3d>
+    <a:camera prst="orthographicFront"/>
+    <a:lightRig rig="threePt" dir="t"/>
+  </dgm:scene3d>
+  <dgm:styleLbl name="node0">
+    <dgm:scene3d>
+      <a:camera prst="orthographicFront"/>
+      <a:lightRig rig="threePt" dir="t"/>
+    </dgm:scene3d>
+    <dgm:sp3d/>
+    <dgm:txPr/>
+    <dgm:style>
+      <a:lnRef idx="2">
+        <a:scrgbClr r="0" g="0" b="0"/>
+      </a:lnRef>
+      <a:fillRef idx="1">
+        <a:scrgbClr r="0" g="0" b="0"/>
+      </a:fillRef>
+      <a:effectRef idx="0">
+        <a:scrgbClr r="0" g="0" b="0"/>
+      </a:effectRef>
+      <a:fontRef idx="minor">
+        <a:schemeClr val="lt1"/>
+      </a:fontRef>
+    </dgm:style>
+  </dgm:styleLbl>
+  <dgm:styleLbl name="lnNode1">
+    <dgm:scene3d>
+      <a:camera prst="orthographicFront"/>
+      <a:lightRig rig="threePt" dir="t"/>
+    </dgm:scene3d>
+    <dgm:sp3d/>
+    <dgm:txPr/>
+    <dgm:style>
+      <a:lnRef idx="2">
+        <a:scrgbClr r="0" g="0" b="0"/>
+      </a:lnRef>
+      <a:fillRef idx="1">
+        <a:scrgbClr r="0" g="0" b="0"/>
+      </a:fillRef>
+      <a:effectRef idx="0">
+        <a:scrgbClr r="0" g="0" b="0"/>
+      </a:effectRef>
+      <a:fontRef idx="minor">
+        <a:schemeClr val="lt1"/>
+      </a:fontRef>
+    </dgm:style>
+  </dgm:styleLbl>
+  <dgm:styleLbl name="vennNode1">
+    <dgm:scene3d>
+      <a:camera prst="orthographicFront"/>
+      <a:lightRig rig="threePt" dir="t"/>
+    </dgm:scene3d>
+    <dgm:sp3d/>
+    <dgm:txPr/>
+    <dgm:style>
+      <a:lnRef idx="2">
+        <a:scrgbClr r="0" g="0" b="0"/>
+      </a:lnRef>
+      <a:fillRef idx="1">
+        <a:scrgbClr r="0" g="0" b="0"/>
+      </a:fillRef>
+      <a:effectRef idx="0">
+        <a:scrgbClr r="0" g="0" b="0"/>
+      </a:effectRef>
+      <a:fontRef idx="minor">
+        <a:schemeClr val="tx1"/>
+      </a:fontRef>
+    </dgm:style>
+  </dgm:styleLbl>
+  <dgm:styleLbl name="alignNode1">
+    <dgm:scene3d>
+      <a:camera prst="orthographicFront"/>
+      <a:lightRig rig="threePt" dir="t"/>
+    </dgm:scene3d>
+    <dgm:sp3d/>
+    <dgm:txPr/>
+    <dgm:style>
+      <a:lnRef idx="2">
+        <a:scrgbClr r="0" g="0" b="0"/>
+      </a:lnRef>
+      <a:fillRef idx="1">
+        <a:scrgbClr r="0" g="0" b="0"/>
+      </a:fillRef>
+      <a:effectRef idx="0">
+        <a:scrgbClr r="0" g="0" b="0"/>
+      </a:effectRef>
+      <a:fontRef idx="minor">
+        <a:schemeClr val="lt1"/>
+      </a:fontRef>
+    </dgm:style>
+  </dgm:styleLbl>
+  <dgm:styleLbl name="node1">
+    <dgm:scene3d>
+      <a:camera prst="orthographicFront"/>
+      <a:lightRig rig="threePt" dir="t"/>
+    </dgm:scene3d>
+    <dgm:sp3d/>
+    <dgm:txPr/>
+    <dgm:style>
+      <a:lnRef idx="2">
+        <a:scrgbClr r="0" g="0" b="0"/>
+      </a:lnRef>
+      <a:fillRef idx="1">
+        <a:scrgbClr r="0" g="0" b="0"/>
+      </a:fillRef>
+      <a:effectRef idx="0">
+        <a:scrgbClr r="0" g="0" b="0"/>
+      </a:effectRef>
+      <a:fontRef idx="minor">
+        <a:schemeClr val="lt1"/>
+      </a:fontRef>
+    </dgm:style>
+  </dgm:styleLbl>
+  <dgm:styleLbl name="node2">
+    <dgm:scene3d>
+      <a:camera prst="orthographicFront"/>
+      <a:lightRig rig="threePt" dir="t"/>
+    </dgm:scene3d>
+    <dgm:sp3d/>
+    <dgm:txPr/>
+    <dgm:style>
+      <a:lnRef idx="2">
+        <a:scrgbClr r="0" g="0" b="0"/>
+      </a:lnRef>
+      <a:fillRef idx="1">
+        <a:scrgbClr r="0" g="0" b="0"/>
+      </a:fillRef>
+      <a:effectRef idx="0">
+        <a:scrgbClr r="0" g="0" b="0"/>
+      </a:effectRef>
+      <a:fontRef idx="minor">
+        <a:schemeClr val="lt1"/>
+      </a:fontRef>
+    </dgm:style>
+  </dgm:styleLbl>
+  <dgm:styleLbl name="node3">
+    <dgm:scene3d>
+      <a:camera prst="orthographicFront"/>
+      <a:lightRig rig="threePt" dir="t"/>
+    </dgm:scene3d>
+    <dgm:sp3d/>
+    <dgm:txPr/>
+    <dgm:style>
+      <a:lnRef idx="2">
+        <a:scrgbClr r="0" g="0" b="0"/>
+      </a:lnRef>
+      <a:fillRef idx="1">
+        <a:scrgbClr r="0" g="0" b="0"/>
+      </a:fillRef>
+      <a:effectRef idx="0">
+        <a:scrgbClr r="0" g="0" b="0"/>
+      </a:effectRef>
+      <a:fontRef idx="minor">
+        <a:schemeClr val="lt1"/>
+      </a:fontRef>
+    </dgm:style>
+  </dgm:styleLbl>
+  <dgm:styleLbl name="node4">
+    <dgm:scene3d>
+      <a:camera prst="orthographicFront"/>
+      <a:lightRig rig="threePt" dir="t"/>
+    </dgm:scene3d>
+    <dgm:sp3d/>
+    <dgm:txPr/>
+    <dgm:style>
+      <a:lnRef idx="2">
+        <a:scrgbClr r="0" g="0" b="0"/>
+      </a:lnRef>
+      <a:fillRef idx="1">
+        <a:scrgbClr r="0" g="0" b="0"/>
+      </a:fillRef>
+      <a:effectRef idx="0">
+        <a:scrgbClr r="0" g="0" b="0"/>
+      </a:effectRef>
+      <a:fontRef idx="minor">
+        <a:schemeClr val="lt1"/>
+      </a:fontRef>
+    </dgm:style>
+  </dgm:styleLbl>
+  <dgm:styleLbl name="fgImgPlace1">
+    <dgm:scene3d>
+      <a:camera prst="orthographicFront"/>
+      <a:lightRig rig="threePt" dir="t"/>
+    </dgm:scene3d>
+    <dgm:sp3d/>
+    <dgm:txPr/>
+    <dgm:style>
+      <a:lnRef idx="2">
+        <a:scrgbClr r="0" g="0" b="0"/>
+      </a:lnRef>
+      <a:fillRef idx="1">
+        <a:scrgbClr r="0" g="0" b="0"/>
+      </a:fillRef>
+      <a:effectRef idx="0">
+        <a:scrgbClr r="0" g="0" b="0"/>
+      </a:effectRef>
+      <a:fontRef idx="minor"/>
+    </dgm:style>
+  </dgm:styleLbl>
+  <dgm:styleLbl name="alignImgPlace1">
+    <dgm:scene3d>
+      <a:camera prst="orthographicFront"/>
+      <a:lightRig rig="threePt" dir="t"/>
+    </dgm:scene3d>
+    <dgm:sp3d/>
+    <dgm:txPr/>
+    <dgm:style>
+      <a:lnRef idx="2">
+        <a:scrgbClr r="0" g="0" b="0"/>
+      </a:lnRef>
+      <a:fillRef idx="1">
+        <a:scrgbClr r="0" g="0" b="0"/>
+      </a:fillRef>
+      <a:effectRef idx="0">
+        <a:scrgbClr r="0" g="0" b="0"/>
+      </a:effectRef>
+      <a:fontRef idx="minor"/>
+    </dgm:style>
+  </dgm:styleLbl>
+  <dgm:styleLbl name="bgImgPlace1">
+    <dgm:scene3d>
+      <a:camera prst="orthographicFront"/>
+      <a:lightRig rig="threePt" dir="t"/>
+    </dgm:scene3d>
+    <dgm:sp3d/>
+    <dgm:txPr/>
+    <dgm:style>
+      <a:lnRef idx="2">
+        <a:scrgbClr r="0" g="0" b="0"/>
+      </a:lnRef>
+      <a:fillRef idx="1">
+        <a:scrgbClr r="0" g="0" b="0"/>
+      </a:fillRef>
+      <a:effectRef idx="0">
+        <a:scrgbClr r="0" g="0" b="0"/>
+      </a:effectRef>
+      <a:fontRef idx="minor"/>
+    </dgm:style>
+  </dgm:styleLbl>
+  <dgm:styleLbl name="sibTrans2D1">
+    <dgm:scene3d>
+      <a:camera prst="orthographicFront"/>
+      <a:lightRig rig="threePt" dir="t"/>
+    </dgm:scene3d>
+    <dgm:sp3d/>
+    <dgm:txPr/>
+    <dgm:style>
+      <a:lnRef idx="0">
+        <a:scrgbClr r="0" g="0" b="0"/>
+      </a:lnRef>
+      <a:fillRef idx="1">
+        <a:scrgbClr r="0" g="0" b="0"/>
+      </a:fillRef>
+      <a:effectRef idx="0">
+        <a:scrgbClr r="0" g="0" b="0"/>
+      </a:effectRef>
+      <a:fontRef idx="minor">
+        <a:schemeClr val="lt1"/>
+      </a:fontRef>
+    </dgm:style>
+  </dgm:styleLbl>
+  <dgm:styleLbl name="fgSibTrans2D1">
+    <dgm:scene3d>
+      <a:camera prst="orthographicFront"/>
+      <a:lightRig rig="threePt" dir="t"/>
+    </dgm:scene3d>
+    <dgm:sp3d/>
+    <dgm:txPr/>
+    <dgm:style>
+      <a:lnRef idx="0">
+        <a:scrgbClr r="0" g="0" b="0"/>
+      </a:lnRef>
+      <a:fillRef idx="1">
+        <a:scrgbClr r="0" g="0" b="0"/>
+      </a:fillRef>
+      <a:effectRef idx="0">
+        <a:scrgbClr r="0" g="0" b="0"/>
+      </a:effectRef>
+      <a:fontRef idx="minor">
+        <a:schemeClr val="lt1"/>
+      </a:fontRef>
+    </dgm:style>
+  </dgm:styleLbl>
+  <dgm:styleLbl name="bgSibTrans2D1">
+    <dgm:scene3d>
+      <a:camera prst="orthographicFront"/>
+      <a:lightRig rig="threePt" dir="t"/>
+    </dgm:scene3d>
+    <dgm:sp3d/>
+    <dgm:txPr/>
+    <dgm:style>
+      <a:lnRef idx="0">
+        <a:scrgbClr r="0" g="0" b="0"/>
+      </a:lnRef>
+      <a:fillRef idx="1">
+        <a:scrgbClr r="0" g="0" b="0"/>
+      </a:fillRef>
+      <a:effectRef idx="0">
+        <a:scrgbClr r="0" g="0" b="0"/>
+      </a:effectRef>
+      <a:fontRef idx="minor">
+        <a:schemeClr val="lt1"/>
+      </a:fontRef>
+    </dgm:style>
+  </dgm:styleLbl>
+  <dgm:styleLbl name="sibTrans1D1">
+    <dgm:scene3d>
+      <a:camera prst="orthographicFront"/>
+      <a:lightRig rig="threePt" dir="t"/>
+    </dgm:scene3d>
+    <dgm:sp3d/>
+    <dgm:txPr/>
+    <dgm:style>
+      <a:lnRef idx="1">
+        <a:scrgbClr r="0" g="0" b="0"/>
+      </a:lnRef>
+      <a:fillRef idx="0">
+        <a:scrgbClr r="0" g="0" b="0"/>
+      </a:fillRef>
+      <a:effectRef idx="0">
+        <a:scrgbClr r="0" g="0" b="0"/>
+      </a:effectRef>
+      <a:fontRef idx="minor"/>
+    </dgm:style>
+  </dgm:styleLbl>
+  <dgm:styleLbl name="callout">
+    <dgm:scene3d>
+      <a:camera prst="orthographicFront"/>
+      <a:lightRig rig="threePt" dir="t"/>
+    </dgm:scene3d>
+    <dgm:sp3d/>
+    <dgm:txPr/>
+    <dgm:style>
+      <a:lnRef idx="2">
+        <a:scrgbClr r="0" g="0" b="0"/>
+      </a:lnRef>
+      <a:fillRef idx="1">
+        <a:scrgbClr r="0" g="0" b="0"/>
+      </a:fillRef>
+      <a:effectRef idx="0">
+        <a:scrgbClr r="0" g="0" b="0"/>
+      </a:effectRef>
+      <a:fontRef idx="minor"/>
+    </dgm:style>
+  </dgm:styleLbl>
+  <dgm:styleLbl name="asst0">
+    <dgm:scene3d>
+      <a:camera prst="orthographicFront"/>
+      <a:lightRig rig="threePt" dir="t"/>
+    </dgm:scene3d>
+    <dgm:sp3d/>
+    <dgm:txPr/>
+    <dgm:style>
+      <a:lnRef idx="2">
+        <a:scrgbClr r="0" g="0" b="0"/>
+      </a:lnRef>
+      <a:fillRef idx="1">
+        <a:scrgbClr r="0" g="0" b="0"/>
+      </a:fillRef>
+      <a:effectRef idx="0">
+        <a:scrgbClr r="0" g="0" b="0"/>
+      </a:effectRef>
+      <a:fontRef idx="minor">
+        <a:schemeClr val="lt1"/>
+      </a:fontRef>
+    </dgm:style>
+  </dgm:styleLbl>
+  <dgm:styleLbl name="asst1">
+    <dgm:scene3d>
+      <a:camera prst="orthographicFront"/>
+      <a:lightRig rig="threePt" dir="t"/>
+    </dgm:scene3d>
+    <dgm:sp3d/>
+    <dgm:txPr/>
+    <dgm:style>
+      <a:lnRef idx="2">
+        <a:scrgbClr r="0" g="0" b="0"/>
+      </a:lnRef>
+      <a:fillRef idx="1">
+        <a:scrgbClr r="0" g="0" b="0"/>
+      </a:fillRef>
+      <a:effectRef idx="0">
+        <a:scrgbClr r="0" g="0" b="0"/>
+      </a:effectRef>
+      <a:fontRef idx="minor">
+        <a:schemeClr val="lt1"/>
+      </a:fontRef>
+    </dgm:style>
+  </dgm:styleLbl>
+  <dgm:styleLbl name="asst2">
+    <dgm:scene3d>
+      <a:camera prst="orthographicFront"/>
+      <a:lightRig rig="threePt" dir="t"/>
+    </dgm:scene3d>
+    <dgm:sp3d/>
+    <dgm:txPr/>
+    <dgm:style>
+      <a:lnRef idx="2">
+        <a:scrgbClr r="0" g="0" b="0"/>
+      </a:lnRef>
+      <a:fillRef idx="1">
+        <a:scrgbClr r="0" g="0" b="0"/>
+      </a:fillRef>
+      <a:effectRef idx="0">
+        <a:scrgbClr r="0" g="0" b="0"/>
+      </a:effectRef>
+      <a:fontRef idx="minor">
+        <a:schemeClr val="lt1"/>
+      </a:fontRef>
+    </dgm:style>
+  </dgm:styleLbl>
+  <dgm:styleLbl name="asst3">
+    <dgm:scene3d>
+      <a:camera prst="orthographicFront"/>
+      <a:lightRig rig="threePt" dir="t"/>
+    </dgm:scene3d>
+    <dgm:sp3d/>
+    <dgm:txPr/>
+    <dgm:style>
+      <a:lnRef idx="2">
+        <a:scrgbClr r="0" g="0" b="0"/>
+      </a:lnRef>
+      <a:fillRef idx="1">
+        <a:scrgbClr r="0" g="0" b="0"/>
+      </a:fillRef>
+      <a:effectRef idx="0">
+        <a:scrgbClr r="0" g="0" b="0"/>
+      </a:effectRef>
+      <a:fontRef idx="minor">
+        <a:schemeClr val="lt1"/>
+      </a:fontRef>
+    </dgm:style>
+  </dgm:styleLbl>
+  <dgm:styleLbl name="asst4">
+    <dgm:scene3d>
+      <a:camera prst="orthographicFront"/>
+      <a:lightRig rig="threePt" dir="t"/>
+    </dgm:scene3d>
+    <dgm:sp3d/>
+    <dgm:txPr/>
+    <dgm:style>
+      <a:lnRef idx="2">
+        <a:scrgbClr r="0" g="0" b="0"/>
+      </a:lnRef>
+      <a:fillRef idx="1">
+        <a:scrgbClr r="0" g="0" b="0"/>
+      </a:fillRef>
+      <a:effectRef idx="0">
+        <a:scrgbClr r="0" g="0" b="0"/>
+      </a:effectRef>
+      <a:fontRef idx="minor">
+        <a:schemeClr val="lt1"/>
+      </a:fontRef>
+    </dgm:style>
+  </dgm:styleLbl>
+  <dgm:styleLbl name="parChTrans2D1">
+    <dgm:scene3d>
+      <a:camera prst="orthographicFront"/>
+      <a:lightRig rig="threePt" dir="t"/>
+    </dgm:scene3d>
+    <dgm:sp3d/>
+    <dgm:txPr/>
+    <dgm:style>
+      <a:lnRef idx="2">
+        <a:scrgbClr r="0" g="0" b="0"/>
+      </a:lnRef>
+      <a:fillRef idx="1">
+        <a:scrgbClr r="0" g="0" b="0"/>
+      </a:fillRef>
+      <a:effectRef idx="0">
+        <a:scrgbClr r="0" g="0" b="0"/>
+      </a:effectRef>
+      <a:fontRef idx="minor">
+        <a:schemeClr val="lt1"/>
+      </a:fontRef>
+    </dgm:style>
+  </dgm:styleLbl>
+  <dgm:styleLbl name="parChTrans2D2">
+    <dgm:scene3d>
+      <a:camera prst="orthographicFront"/>
+      <a:lightRig rig="threePt" dir="t"/>
+    </dgm:scene3d>
+    <dgm:sp3d/>
+    <dgm:txPr/>
+    <dgm:style>
+      <a:lnRef idx="2">
+        <a:scrgbClr r="0" g="0" b="0"/>
+      </a:lnRef>
+      <a:fillRef idx="1">
+        <a:scrgbClr r="0" g="0" b="0"/>
+      </a:fillRef>
+      <a:effectRef idx="0">
+        <a:scrgbClr r="0" g="0" b="0"/>
+      </a:effectRef>
+      <a:fontRef idx="minor">
+        <a:schemeClr val="lt1"/>
+      </a:fontRef>
+    </dgm:style>
+  </dgm:styleLbl>
+  <dgm:styleLbl name="parChTrans2D3">
+    <dgm:scene3d>
+      <a:camera prst="orthographicFront"/>
+      <a:lightRig rig="threePt" dir="t"/>
+    </dgm:scene3d>
+    <dgm:sp3d/>
+    <dgm:txPr/>
+    <dgm:style>
+      <a:lnRef idx="2">
+        <a:scrgbClr r="0" g="0" b="0"/>
+      </a:lnRef>
+      <a:fillRef idx="1">
+        <a:scrgbClr r="0" g="0" b="0"/>
+      </a:fillRef>
+      <a:effectRef idx="0">
+        <a:scrgbClr r="0" g="0" b="0"/>
+      </a:effectRef>
+      <a:fontRef idx="minor">
+        <a:schemeClr val="lt1"/>
+      </a:fontRef>
+    </dgm:style>
+  </dgm:styleLbl>
+  <dgm:styleLbl name="parChTrans2D4">
+    <dgm:scene3d>
+      <a:camera prst="orthographicFront"/>
+      <a:lightRig rig="threePt" dir="t"/>
+    </dgm:scene3d>
+    <dgm:sp3d/>
+    <dgm:txPr/>
+    <dgm:style>
+      <a:lnRef idx="2">
+        <a:scrgbClr r="0" g="0" b="0"/>
+      </a:lnRef>
+      <a:fillRef idx="1">
+        <a:scrgbClr r="0" g="0" b="0"/>
+      </a:fillRef>
+      <a:effectRef idx="0">
+        <a:scrgbClr r="0" g="0" b="0"/>
+      </a:effectRef>
+      <a:fontRef idx="minor">
+        <a:schemeClr val="lt1"/>
+      </a:fontRef>
+    </dgm:style>
+  </dgm:styleLbl>
+  <dgm:styleLbl name="parChTrans1D1">
+    <dgm:scene3d>
+      <a:camera prst="orthographicFront"/>
+      <a:lightRig rig="threePt" dir="t"/>
+    </dgm:scene3d>
+    <dgm:sp3d/>
+    <dgm:txPr/>
+    <dgm:style>
+      <a:lnRef idx="2">
+        <a:scrgbClr r="0" g="0" b="0"/>
+      </a:lnRef>
+      <a:fillRef idx="0">
+        <a:scrgbClr r="0" g="0" b="0"/>
+      </a:fillRef>
+      <a:effectRef idx="0">
+        <a:scrgbClr r="0" g="0" b="0"/>
+      </a:effectRef>
+      <a:fontRef idx="minor"/>
+    </dgm:style>
+  </dgm:styleLbl>
+  <dgm:styleLbl name="parChTrans1D2">
+    <dgm:scene3d>
+      <a:camera prst="orthographicFront"/>
+      <a:lightRig rig="threePt" dir="t"/>
+    </dgm:scene3d>
+    <dgm:sp3d/>
+    <dgm:txPr/>
+    <dgm:style>
+      <a:lnRef idx="2">
+        <a:scrgbClr r="0" g="0" b="0"/>
+      </a:lnRef>
+      <a:fillRef idx="0">
+        <a:scrgbClr r="0" g="0" b="0"/>
+      </a:fillRef>
+      <a:effectRef idx="0">
+        <a:scrgbClr r="0" g="0" b="0"/>
+      </a:effectRef>
+      <a:fontRef idx="minor"/>
+    </dgm:style>
+  </dgm:styleLbl>
+  <dgm:styleLbl name="parChTrans1D3">
+    <dgm:scene3d>
+      <a:camera prst="orthographicFront"/>
+      <a:lightRig rig="threePt" dir="t"/>
+    </dgm:scene3d>
+    <dgm:sp3d/>
+    <dgm:txPr/>
+    <dgm:style>
+      <a:lnRef idx="2">
+        <a:scrgbClr r="0" g="0" b="0"/>
+      </a:lnRef>
+      <a:fillRef idx="0">
+        <a:scrgbClr r="0" g="0" b="0"/>
+      </a:fillRef>
+      <a:effectRef idx="0">
+        <a:scrgbClr r="0" g="0" b="0"/>
+      </a:effectRef>
+      <a:fontRef idx="minor"/>
+    </dgm:style>
+  </dgm:styleLbl>
+  <dgm:styleLbl name="parChTrans1D4">
+    <dgm:scene3d>
+      <a:camera prst="orthographicFront"/>
+      <a:lightRig rig="threePt" dir="t"/>
+    </dgm:scene3d>
+    <dgm:sp3d/>
+    <dgm:txPr/>
+    <dgm:style>
+      <a:lnRef idx="2">
+        <a:scrgbClr r="0" g="0" b="0"/>
+      </a:lnRef>
+      <a:fillRef idx="0">
+        <a:scrgbClr r="0" g="0" b="0"/>
+      </a:fillRef>
+      <a:effectRef idx="0">
+        <a:scrgbClr r="0" g="0" b="0"/>
+      </a:effectRef>
+      <a:fontRef idx="minor"/>
+    </dgm:style>
+  </dgm:styleLbl>
+  <dgm:styleLbl name="fgAcc1">
+    <dgm:scene3d>
+      <a:camera prst="orthographicFront"/>
+      <a:lightRig rig="threePt" dir="t"/>
+    </dgm:scene3d>
+    <dgm:sp3d/>
+    <dgm:txPr/>
+    <dgm:style>
+      <a:lnRef idx="2">
+        <a:scrgbClr r="0" g="0" b="0"/>
+      </a:lnRef>
+      <a:fillRef idx="1">
+        <a:scrgbClr r="0" g="0" b="0"/>
+      </a:fillRef>
+      <a:effectRef idx="0">
+        <a:scrgbClr r="0" g="0" b="0"/>
+      </a:effectRef>
+      <a:fontRef idx="minor"/>
+    </dgm:style>
+  </dgm:styleLbl>
+  <dgm:styleLbl name="conFgAcc1">
+    <dgm:scene3d>
+      <a:camera prst="orthographicFront"/>
+      <a:lightRig rig="threePt" dir="t"/>
+    </dgm:scene3d>
+    <dgm:sp3d/>
+    <dgm:txPr/>
+    <dgm:style>
+      <a:lnRef idx="2">
+        <a:scrgbClr r="0" g="0" b="0"/>
+      </a:lnRef>
+      <a:fillRef idx="1">
+        <a:scrgbClr r="0" g="0" b="0"/>
+      </a:fillRef>
+      <a:effectRef idx="0">
+        <a:scrgbClr r="0" g="0" b="0"/>
+      </a:effectRef>
+      <a:fontRef idx="minor"/>
+    </dgm:style>
+  </dgm:styleLbl>
+  <dgm:styleLbl name="alignAcc1">
+    <dgm:scene3d>
+      <a:camera prst="orthographicFront"/>
+      <a:lightRig rig="threePt" dir="t"/>
+    </dgm:scene3d>
+    <dgm:sp3d/>
+    <dgm:txPr/>
+    <dgm:style>
+      <a:lnRef idx="2">
+        <a:scrgbClr r="0" g="0" b="0"/>
+      </a:lnRef>
+      <a:fillRef idx="1">
+        <a:scrgbClr r="0" g="0" b="0"/>
+      </a:fillRef>
+      <a:effectRef idx="0">
+        <a:scrgbClr r="0" g="0" b="0"/>
+      </a:effectRef>
+      <a:fontRef idx="minor"/>
+    </dgm:style>
+  </dgm:styleLbl>
+  <dgm:styleLbl name="trAlignAcc1">
+    <dgm:scene3d>
+      <a:camera prst="orthographicFront"/>
+      <a:lightRig rig="threePt" dir="t"/>
+    </dgm:scene3d>
+    <dgm:sp3d/>
+    <dgm:txPr/>
+    <dgm:style>
+      <a:lnRef idx="1">
+        <a:scrgbClr r="0" g="0" b="0"/>
+      </a:lnRef>
+      <a:fillRef idx="1">
+        <a:scrgbClr r="0" g="0" b="0"/>
+      </a:fillRef>
+      <a:effectRef idx="0">
+        <a:scrgbClr r="0" g="0" b="0"/>
+      </a:effectRef>
+      <a:fontRef idx="minor"/>
+    </dgm:style>
+  </dgm:styleLbl>
+  <dgm:styleLbl name="bgAcc1">
+    <dgm:scene3d>
+      <a:camera prst="orthographicFront"/>
+      <a:lightRig rig="threePt" dir="t"/>
+    </dgm:scene3d>
+    <dgm:sp3d/>
+    <dgm:txPr/>
+    <dgm:style>
+      <a:lnRef idx="2">
+        <a:scrgbClr r="0" g="0" b="0"/>
+      </a:lnRef>
+      <a:fillRef idx="1">
+        <a:scrgbClr r="0" g="0" b="0"/>
+      </a:fillRef>
+      <a:effectRef idx="0">
+        <a:scrgbClr r="0" g="0" b="0"/>
+      </a:effectRef>
+      <a:fontRef idx="minor"/>
+    </dgm:style>
+  </dgm:styleLbl>
+  <dgm:styleLbl name="solidFgAcc1">
+    <dgm:scene3d>
+      <a:camera prst="orthographicFront"/>
+      <a:lightRig rig="threePt" dir="t"/>
+    </dgm:scene3d>
+    <dgm:sp3d/>
+    <dgm:txPr/>
+    <dgm:style>
+      <a:lnRef idx="2">
+        <a:scrgbClr r="0" g="0" b="0"/>
+      </a:lnRef>
+      <a:fillRef idx="1">
+        <a:scrgbClr r="0" g="0" b="0"/>
+      </a:fillRef>
+      <a:effectRef idx="0">
+        <a:scrgbClr r="0" g="0" b="0"/>
+      </a:effectRef>
+      <a:fontRef idx="minor"/>
+    </dgm:style>
+  </dgm:styleLbl>
+  <dgm:styleLbl name="solidAlignAcc1">
+    <dgm:scene3d>
+      <a:camera prst="orthographicFront"/>
+      <a:lightRig rig="threePt" dir="t"/>
+    </dgm:scene3d>
+    <dgm:sp3d/>
+    <dgm:txPr/>
+    <dgm:style>
+      <a:lnRef idx="2">
+        <a:scrgbClr r="0" g="0" b="0"/>
+      </a:lnRef>
+      <a:fillRef idx="1">
+        <a:scrgbClr r="0" g="0" b="0"/>
+      </a:fillRef>
+      <a:effectRef idx="0">
+        <a:scrgbClr r="0" g="0" b="0"/>
+      </a:effectRef>
+      <a:fontRef idx="minor"/>
+    </dgm:style>
+  </dgm:styleLbl>
+  <dgm:styleLbl name="solidBgAcc1">
+    <dgm:scene3d>
+      <a:camera prst="orthographicFront"/>
+      <a:lightRig rig="threePt" dir="t"/>
+    </dgm:scene3d>
+    <dgm:sp3d/>
+    <dgm:txPr/>
+    <dgm:style>
+      <a:lnRef idx="2">
+        <a:scrgbClr r="0" g="0" b="0"/>
+      </a:lnRef>
+      <a:fillRef idx="1">
+        <a:scrgbClr r="0" g="0" b="0"/>
+      </a:fillRef>
+      <a:effectRef idx="0">
+        <a:scrgbClr r="0" g="0" b="0"/>
+      </a:effectRef>
+      <a:fontRef idx="minor"/>
+    </dgm:style>
+  </dgm:styleLbl>
+  <dgm:styleLbl name="fgAccFollowNode1">
+    <dgm:scene3d>
+      <a:camera prst="orthographicFront"/>
+      <a:lightRig rig="threePt" dir="t"/>
+    </dgm:scene3d>
+    <dgm:sp3d/>
+    <dgm:txPr/>
+    <dgm:style>
+      <a:lnRef idx="2">
+        <a:scrgbClr r="0" g="0" b="0"/>
+      </a:lnRef>
+      <a:fillRef idx="1">
+        <a:scrgbClr r="0" g="0" b="0"/>
+      </a:fillRef>
+      <a:effectRef idx="0">
+        <a:scrgbClr r="0" g="0" b="0"/>
+      </a:effectRef>
+      <a:fontRef idx="minor"/>
+    </dgm:style>
+  </dgm:styleLbl>
+  <dgm:styleLbl name="alignAccFollowNode1">
+    <dgm:scene3d>
+      <a:camera prst="orthographicFront"/>
+      <a:lightRig rig="threePt" dir="t"/>
+    </dgm:scene3d>
+    <dgm:sp3d/>
+    <dgm:txPr/>
+    <dgm:style>
+      <a:lnRef idx="2">
+        <a:scrgbClr r="0" g="0" b="0"/>
+      </a:lnRef>
+      <a:fillRef idx="1">
+        <a:scrgbClr r="0" g="0" b="0"/>
+      </a:fillRef>
+      <a:effectRef idx="0">
+        <a:scrgbClr r="0" g="0" b="0"/>
+      </a:effectRef>
+      <a:fontRef idx="minor"/>
+    </dgm:style>
+  </dgm:styleLbl>
+  <dgm:styleLbl name="bgAccFollowNode1">
+    <dgm:scene3d>
+      <a:camera prst="orthographicFront"/>
+      <a:lightRig rig="threePt" dir="t"/>
+    </dgm:scene3d>
+    <dgm:sp3d/>
+    <dgm:txPr/>
+    <dgm:style>
+      <a:lnRef idx="2">
+        <a:scrgbClr r="0" g="0" b="0"/>
+      </a:lnRef>
+      <a:fillRef idx="1">
+        <a:scrgbClr r="0" g="0" b="0"/>
+      </a:fillRef>
+      <a:effectRef idx="0">
+        <a:scrgbClr r="0" g="0" b="0"/>
+      </a:effectRef>
+      <a:fontRef idx="minor"/>
+    </dgm:style>
+  </dgm:styleLbl>
+  <dgm:styleLbl name="fgAcc0">
+    <dgm:scene3d>
+      <a:camera prst="orthographicFront"/>
+      <a:lightRig rig="threePt" dir="t"/>
+    </dgm:scene3d>
+    <dgm:sp3d/>
+    <dgm:txPr/>
+    <dgm:style>
+      <a:lnRef idx="2">
+        <a:scrgbClr r="0" g="0" b="0"/>
+      </a:lnRef>
+      <a:fillRef idx="1">
+        <a:scrgbClr r="0" g="0" b="0"/>
+      </a:fillRef>
+      <a:effectRef idx="0">
+        <a:scrgbClr r="0" g="0" b="0"/>
+      </a:effectRef>
+      <a:fontRef idx="minor"/>
+    </dgm:style>
+  </dgm:styleLbl>
+  <dgm:styleLbl name="fgAcc2">
+    <dgm:scene3d>
+      <a:camera prst="orthographicFront"/>
+      <a:lightRig rig="threePt" dir="t"/>
+    </dgm:scene3d>
+    <dgm:sp3d/>
+    <dgm:txPr/>
+    <dgm:style>
+      <a:lnRef idx="2">
+        <a:scrgbClr r="0" g="0" b="0"/>
+      </a:lnRef>
+      <a:fillRef idx="1">
+        <a:scrgbClr r="0" g="0" b="0"/>
+      </a:fillRef>
+      <a:effectRef idx="0">
+        <a:scrgbClr r="0" g="0" b="0"/>
+      </a:effectRef>
+      <a:fontRef idx="minor"/>
+    </dgm:style>
+  </dgm:styleLbl>
+  <dgm:styleLbl name="fgAcc3">
+    <dgm:scene3d>
+      <a:camera prst="orthographicFront"/>
+      <a:lightRig rig="threePt" dir="t"/>
+    </dgm:scene3d>
+    <dgm:sp3d/>
+    <dgm:txPr/>
+    <dgm:style>
+      <a:lnRef idx="2">
+        <a:scrgbClr r="0" g="0" b="0"/>
+      </a:lnRef>
+      <a:fillRef idx="1">
+        <a:scrgbClr r="0" g="0" b="0"/>
+      </a:fillRef>
+      <a:effectRef idx="0">
+        <a:scrgbClr r="0" g="0" b="0"/>
+      </a:effectRef>
+      <a:fontRef idx="minor"/>
+    </dgm:style>
+  </dgm:styleLbl>
+  <dgm:styleLbl name="fgAcc4">
+    <dgm:scene3d>
+      <a:camera prst="orthographicFront"/>
+      <a:lightRig rig="threePt" dir="t"/>
+    </dgm:scene3d>
+    <dgm:sp3d/>
+    <dgm:txPr/>
+    <dgm:style>
+      <a:lnRef idx="2">
+        <a:scrgbClr r="0" g="0" b="0"/>
+      </a:lnRef>
+      <a:fillRef idx="1">
+        <a:scrgbClr r="0" g="0" b="0"/>
+      </a:fillRef>
+      <a:effectRef idx="0">
+        <a:scrgbClr r="0" g="0" b="0"/>
+      </a:effectRef>
+      <a:fontRef idx="minor"/>
+    </dgm:style>
+  </dgm:styleLbl>
+  <dgm:styleLbl name="bgShp">
+    <dgm:scene3d>
+      <a:camera prst="orthographicFront"/>
+      <a:lightRig rig="threePt" dir="t"/>
+    </dgm:scene3d>
+    <dgm:sp3d/>
+    <dgm:txPr/>
+    <dgm:style>
+      <a:lnRef idx="0">
+        <a:scrgbClr r="0" g="0" b="0"/>
+      </a:lnRef>
+      <a:fillRef idx="1">
+        <a:scrgbClr r="0" g="0" b="0"/>
+      </a:fillRef>
+      <a:effectRef idx="0">
+        <a:scrgbClr r="0" g="0" b="0"/>
+      </a:effectRef>
+      <a:fontRef idx="minor"/>
+    </dgm:style>
+  </dgm:styleLbl>
+  <dgm:styleLbl name="dkBgShp">
+    <dgm:scene3d>
+      <a:camera prst="orthographicFront"/>
+      <a:lightRig rig="threePt" dir="t"/>
+    </dgm:scene3d>
+    <dgm:sp3d/>
+    <dgm:txPr/>
+    <dgm:style>
+      <a:lnRef idx="0">
+        <a:scrgbClr r="0" g="0" b="0"/>
+      </a:lnRef>
+      <a:fillRef idx="1">
+        <a:scrgbClr r="0" g="0" b="0"/>
+      </a:fillRef>
+      <a:effectRef idx="0">
+        <a:scrgbClr r="0" g="0" b="0"/>
+      </a:effectRef>
+      <a:fontRef idx="minor"/>
+    </dgm:style>
+  </dgm:styleLbl>
+  <dgm:styleLbl name="trBgShp">
+    <dgm:scene3d>
+      <a:camera prst="orthographicFront"/>
+      <a:lightRig rig="threePt" dir="t"/>
+    </dgm:scene3d>
+    <dgm:sp3d/>
+    <dgm:txPr/>
+    <dgm:style>
+      <a:lnRef idx="0">
+        <a:scrgbClr r="0" g="0" b="0"/>
+      </a:lnRef>
+      <a:fillRef idx="1">
+        <a:scrgbClr r="0" g="0" b="0"/>
+      </a:fillRef>
+      <a:effectRef idx="0">
+        <a:scrgbClr r="0" g="0" b="0"/>
+      </a:effectRef>
+      <a:fontRef idx="minor"/>
+    </dgm:style>
+  </dgm:styleLbl>
+  <dgm:styleLbl name="fgShp">
+    <dgm:scene3d>
+      <a:camera prst="orthographicFront"/>
+      <a:lightRig rig="threePt" dir="t"/>
+    </dgm:scene3d>
+    <dgm:sp3d/>
+    <dgm:txPr/>
+    <dgm:style>
+      <a:lnRef idx="2">
+        <a:scrgbClr r="0" g="0" b="0"/>
+      </a:lnRef>
+      <a:fillRef idx="1">
+        <a:scrgbClr r="0" g="0" b="0"/>
+      </a:fillRef>
+      <a:effectRef idx="0">
+        <a:scrgbClr r="0" g="0" b="0"/>
+      </a:effectRef>
+      <a:fontRef idx="minor"/>
+    </dgm:style>
+  </dgm:styleLbl>
+  <dgm:styleLbl name="revTx">
+    <dgm:scene3d>
+      <a:camera prst="orthographicFront"/>
+      <a:lightRig rig="threePt" dir="t"/>
+    </dgm:scene3d>
+    <dgm:sp3d/>
+    <dgm:txPr/>
+    <dgm:style>
+      <a:lnRef idx="0">
+        <a:scrgbClr r="0" g="0" b="0"/>
+      </a:lnRef>
+      <a:fillRef idx="0">
+        <a:scrgbClr r="0" g="0" b="0"/>
+      </a:fillRef>
+      <a:effectRef idx="0">
+        <a:scrgbClr r="0" g="0" b="0"/>
+      </a:effectRef>
+      <a:fontRef idx="minor"/>
+    </dgm:style>
+  </dgm:styleLbl>
+</dgm:styleDef>
+</file>
+
 <file path=ppt/handoutMasters/handoutMaster1.xml><?xml version="1.0" encoding="utf-8"?>
 <p:handoutMaster xmlns:a="http://schemas.openxmlformats.org/drawingml/2006/main" xmlns:r="http://schemas.openxmlformats.org/officeDocument/2006/relationships" xmlns:p="http://schemas.openxmlformats.org/presentationml/2006/main">
   <p:cSld>
@@ -4051,7 +7773,7 @@
                   <a:schemeClr val="tx2"/>
                 </a:solidFill>
               </a:rPr>
-              <a:t>8/29/2016</a:t>
+              <a:t>8/30/2016</a:t>
             </a:fld>
             <a:endParaRPr>
               <a:solidFill>
@@ -4241,7 +7963,7 @@
             <a:fld id="{F95CF31C-F757-429C-A789-86504F04C3BE}" type="datetimeFigureOut">
               <a:rPr lang="en-US"/>
               <a:pPr/>
-              <a:t>8/29/2016</a:t>
+              <a:t>8/30/2016</a:t>
             </a:fld>
             <a:endParaRPr/>
           </a:p>
@@ -4841,7 +8563,7 @@
           <a:p>
             <a:fld id="{7AECB6C2-1084-4AED-A74A-DF028B0094EA}" type="datetimeFigureOut">
               <a:rPr lang="en-US"/>
-              <a:t>8/29/2016</a:t>
+              <a:t>8/30/2016</a:t>
             </a:fld>
             <a:endParaRPr/>
           </a:p>
@@ -5033,7 +8755,7 @@
           <a:p>
             <a:fld id="{7AECB6C2-1084-4AED-A74A-DF028B0094EA}" type="datetimeFigureOut">
               <a:rPr lang="en-US"/>
-              <a:t>8/29/2016</a:t>
+              <a:t>8/30/2016</a:t>
             </a:fld>
             <a:endParaRPr/>
           </a:p>
@@ -5231,7 +8953,7 @@
           <a:p>
             <a:fld id="{8B5A30F4-0B4E-4E4B-BC36-C30CD13F4E17}" type="datetimeFigureOut">
               <a:rPr lang="en-US"/>
-              <a:t>8/29/2016</a:t>
+              <a:t>8/30/2016</a:t>
             </a:fld>
             <a:endParaRPr/>
           </a:p>
@@ -5747,7 +9469,7 @@
           <a:p>
             <a:fld id="{2DD204D1-F9BD-4643-8480-6EA41EB484F1}" type="datetimeFigureOut">
               <a:rPr lang="en-US"/>
-              <a:t>8/29/2016</a:t>
+              <a:t>8/30/2016</a:t>
             </a:fld>
             <a:endParaRPr/>
           </a:p>
@@ -6195,7 +9917,7 @@
           <a:p>
             <a:fld id="{2DD204D1-F9BD-4643-8480-6EA41EB484F1}" type="datetimeFigureOut">
               <a:rPr lang="en-US"/>
-              <a:t>8/29/2016</a:t>
+              <a:t>8/30/2016</a:t>
             </a:fld>
             <a:endParaRPr/>
           </a:p>
@@ -6325,7 +10047,7 @@
           <a:p>
             <a:fld id="{2DD204D1-F9BD-4643-8480-6EA41EB484F1}" type="datetimeFigureOut">
               <a:rPr lang="en-US"/>
-              <a:t>8/29/2016</a:t>
+              <a:t>8/30/2016</a:t>
             </a:fld>
             <a:endParaRPr/>
           </a:p>
@@ -6432,7 +10154,7 @@
           <a:p>
             <a:fld id="{2DD204D1-F9BD-4643-8480-6EA41EB484F1}" type="datetimeFigureOut">
               <a:rPr lang="en-US"/>
-              <a:t>8/29/2016</a:t>
+              <a:t>8/30/2016</a:t>
             </a:fld>
             <a:endParaRPr/>
           </a:p>
@@ -6789,7 +10511,7 @@
           <a:p>
             <a:fld id="{126BF754-515F-40B9-8D24-D54D5825B3D0}" type="datetimeFigureOut">
               <a:rPr lang="en-US"/>
-              <a:t>8/29/2016</a:t>
+              <a:t>8/30/2016</a:t>
             </a:fld>
             <a:endParaRPr/>
           </a:p>
@@ -7126,7 +10848,7 @@
           <a:p>
             <a:fld id="{126BF754-515F-40B9-8D24-D54D5825B3D0}" type="datetimeFigureOut">
               <a:rPr lang="en-US"/>
-              <a:t>8/29/2016</a:t>
+              <a:t>8/30/2016</a:t>
             </a:fld>
             <a:endParaRPr/>
           </a:p>
@@ -7421,7 +11143,7 @@
             <a:fld id="{2DD204D1-F9BD-4643-8480-6EA41EB484F1}" type="datetimeFigureOut">
               <a:rPr lang="en-US"/>
               <a:pPr/>
-              <a:t>8/29/2016</a:t>
+              <a:t>8/30/2016</a:t>
             </a:fld>
             <a:endParaRPr/>
           </a:p>
@@ -10847,7 +14569,7 @@
       </p:sp>
       <p:pic>
         <p:nvPicPr>
-          <p:cNvPr id="5" name="Picture 4"/>
+          <p:cNvPr id="4" name="Picture 3"/>
           <p:cNvPicPr>
             <a:picLocks noChangeAspect="1"/>
           </p:cNvPicPr>
@@ -10861,8 +14583,8 @@
         </p:blipFill>
         <p:spPr>
           <a:xfrm>
-            <a:off x="963105" y="2003810"/>
-            <a:ext cx="10720111" cy="3787390"/>
+            <a:off x="979718" y="1894076"/>
+            <a:ext cx="10653866" cy="4049524"/>
           </a:xfrm>
           <a:prstGeom prst="rect">
             <a:avLst/>
@@ -11010,6 +14732,588 @@
             <p:ph type="title"/>
           </p:nvPr>
         </p:nvSpPr>
+        <p:spPr>
+          <a:xfrm>
+            <a:off x="989012" y="77501"/>
+            <a:ext cx="10157354" cy="939799"/>
+          </a:xfrm>
+        </p:spPr>
+        <p:txBody>
+          <a:bodyPr>
+            <a:normAutofit/>
+          </a:bodyPr>
+          <a:lstStyle/>
+          <a:p>
+            <a:r>
+              <a:rPr lang="en-US" sz="3600" dirty="0"/>
+              <a:t>Putting All together in real case scenario</a:t>
+            </a:r>
+          </a:p>
+        </p:txBody>
+      </p:sp>
+      <p:sp>
+        <p:nvSpPr>
+          <p:cNvPr id="12" name="Rectangle 11"/>
+          <p:cNvSpPr/>
+          <p:nvPr/>
+        </p:nvSpPr>
+        <p:spPr>
+          <a:xfrm>
+            <a:off x="979718" y="1493966"/>
+            <a:ext cx="2541080" cy="461665"/>
+          </a:xfrm>
+          <a:prstGeom prst="rect">
+            <a:avLst/>
+          </a:prstGeom>
+        </p:spPr>
+        <p:txBody>
+          <a:bodyPr wrap="none">
+            <a:spAutoFit/>
+          </a:bodyPr>
+          <a:lstStyle/>
+          <a:p>
+            <a:r>
+              <a:rPr lang="en-US" sz="2000" b="1" dirty="0"/>
+              <a:t>Projected </a:t>
+            </a:r>
+            <a:r>
+              <a:rPr lang="en-US" b="1" dirty="0"/>
+              <a:t>subject</a:t>
+            </a:r>
+            <a:endParaRPr lang="en-US" sz="2000" b="1" dirty="0"/>
+          </a:p>
+        </p:txBody>
+      </p:sp>
+      <p:sp>
+        <p:nvSpPr>
+          <p:cNvPr id="5" name="TextBox 4"/>
+          <p:cNvSpPr txBox="1"/>
+          <p:nvPr/>
+        </p:nvSpPr>
+        <p:spPr>
+          <a:xfrm>
+            <a:off x="1007972" y="1941932"/>
+            <a:ext cx="4248240" cy="3416320"/>
+          </a:xfrm>
+          <a:prstGeom prst="rect">
+            <a:avLst/>
+          </a:prstGeom>
+          <a:noFill/>
+        </p:spPr>
+        <p:txBody>
+          <a:bodyPr wrap="square" rtlCol="0">
+            <a:spAutoFit/>
+          </a:bodyPr>
+          <a:lstStyle/>
+          <a:p>
+            <a:r>
+              <a:rPr lang="en-US" sz="1800" dirty="0"/>
+              <a:t>Managing the LiveCycle of a PDF starting from creating to final signature and storage. </a:t>
+            </a:r>
+          </a:p>
+          <a:p>
+            <a:endParaRPr lang="en-US" sz="1800" dirty="0"/>
+          </a:p>
+          <a:p>
+            <a:pPr marL="285750" indent="-285750">
+              <a:buFont typeface="Arial" panose="020B0604020202020204" pitchFamily="34" charset="0"/>
+              <a:buChar char="•"/>
+            </a:pPr>
+            <a:r>
+              <a:rPr lang="en-US" sz="1800" dirty="0"/>
+              <a:t>Combining previously discussed actions we can track and manage a PDF.</a:t>
+            </a:r>
+          </a:p>
+          <a:p>
+            <a:endParaRPr lang="en-US" sz="1800" dirty="0"/>
+          </a:p>
+          <a:p>
+            <a:pPr marL="285750" indent="-285750">
+              <a:buFont typeface="Arial" panose="020B0604020202020204" pitchFamily="34" charset="0"/>
+              <a:buChar char="•"/>
+            </a:pPr>
+            <a:endParaRPr lang="en-US" sz="1800" dirty="0"/>
+          </a:p>
+          <a:p>
+            <a:pPr marL="285750" indent="-285750">
+              <a:buFont typeface="Arial" panose="020B0604020202020204" pitchFamily="34" charset="0"/>
+              <a:buChar char="•"/>
+            </a:pPr>
+            <a:r>
+              <a:rPr lang="en-US" sz="1800" dirty="0"/>
+              <a:t>Electronically received PDFs are much easier to manage than mailed in PDFs</a:t>
+            </a:r>
+          </a:p>
+        </p:txBody>
+      </p:sp>
+      <p:graphicFrame>
+        <p:nvGraphicFramePr>
+          <p:cNvPr id="11" name="Diagram 10"/>
+          <p:cNvGraphicFramePr/>
+          <p:nvPr>
+            <p:extLst>
+              <p:ext uri="{D42A27DB-BD31-4B8C-83A1-F6EECF244321}">
+                <p14:modId xmlns:p14="http://schemas.microsoft.com/office/powerpoint/2010/main" val="2257079718"/>
+              </p:ext>
+            </p:extLst>
+          </p:nvPr>
+        </p:nvGraphicFramePr>
+        <p:xfrm>
+          <a:off x="5103812" y="1495678"/>
+          <a:ext cx="7516283" cy="4960056"/>
+        </p:xfrm>
+        <a:graphic>
+          <a:graphicData uri="http://schemas.openxmlformats.org/drawingml/2006/diagram">
+            <dgm:relIds xmlns:dgm="http://schemas.openxmlformats.org/drawingml/2006/diagram" xmlns:r="http://schemas.openxmlformats.org/officeDocument/2006/relationships" r:dm="rId2" r:lo="rId3" r:qs="rId4" r:cs="rId5"/>
+          </a:graphicData>
+        </a:graphic>
+      </p:graphicFrame>
+    </p:spTree>
+    <p:extLst>
+      <p:ext uri="{BB962C8B-B14F-4D97-AF65-F5344CB8AC3E}">
+        <p14:creationId xmlns:p14="http://schemas.microsoft.com/office/powerpoint/2010/main" val="4178085523"/>
+      </p:ext>
+    </p:extLst>
+  </p:cSld>
+  <p:clrMapOvr>
+    <a:masterClrMapping/>
+  </p:clrMapOvr>
+  <mc:AlternateContent xmlns:mc="http://schemas.openxmlformats.org/markup-compatibility/2006" xmlns:p14="http://schemas.microsoft.com/office/powerpoint/2010/main">
+    <mc:Choice Requires="p14">
+      <p:transition spd="med" p14:dur="700">
+        <p:fade/>
+      </p:transition>
+    </mc:Choice>
+    <mc:Fallback xmlns="">
+      <p:transition spd="med">
+        <p:fade/>
+      </p:transition>
+    </mc:Fallback>
+  </mc:AlternateContent>
+</p:sld>
+</file>
+
+<file path=ppt/slides/slide23.xml><?xml version="1.0" encoding="utf-8"?>
+<p:sld xmlns:a="http://schemas.openxmlformats.org/drawingml/2006/main" xmlns:r="http://schemas.openxmlformats.org/officeDocument/2006/relationships" xmlns:p="http://schemas.openxmlformats.org/presentationml/2006/main">
+  <p:cSld>
+    <p:spTree>
+      <p:nvGrpSpPr>
+        <p:cNvPr id="1" name=""/>
+        <p:cNvGrpSpPr/>
+        <p:nvPr/>
+      </p:nvGrpSpPr>
+      <p:grpSpPr>
+        <a:xfrm>
+          <a:off x="0" y="0"/>
+          <a:ext cx="0" cy="0"/>
+          <a:chOff x="0" y="0"/>
+          <a:chExt cx="0" cy="0"/>
+        </a:xfrm>
+      </p:grpSpPr>
+      <p:sp>
+        <p:nvSpPr>
+          <p:cNvPr id="2" name="Title 1"/>
+          <p:cNvSpPr>
+            <a:spLocks noGrp="1"/>
+          </p:cNvSpPr>
+          <p:nvPr>
+            <p:ph type="title"/>
+          </p:nvPr>
+        </p:nvSpPr>
+        <p:spPr>
+          <a:xfrm>
+            <a:off x="989012" y="77501"/>
+            <a:ext cx="10157354" cy="939799"/>
+          </a:xfrm>
+        </p:spPr>
+        <p:txBody>
+          <a:bodyPr>
+            <a:normAutofit/>
+          </a:bodyPr>
+          <a:lstStyle/>
+          <a:p>
+            <a:r>
+              <a:rPr lang="en-US" sz="3600" dirty="0"/>
+              <a:t>Putting All together in real case scenario</a:t>
+            </a:r>
+          </a:p>
+        </p:txBody>
+      </p:sp>
+      <p:sp>
+        <p:nvSpPr>
+          <p:cNvPr id="12" name="Rectangle 11"/>
+          <p:cNvSpPr/>
+          <p:nvPr/>
+        </p:nvSpPr>
+        <p:spPr>
+          <a:xfrm>
+            <a:off x="979718" y="1493966"/>
+            <a:ext cx="2422458" cy="400110"/>
+          </a:xfrm>
+          <a:prstGeom prst="rect">
+            <a:avLst/>
+          </a:prstGeom>
+        </p:spPr>
+        <p:txBody>
+          <a:bodyPr wrap="none">
+            <a:spAutoFit/>
+          </a:bodyPr>
+          <a:lstStyle/>
+          <a:p>
+            <a:r>
+              <a:rPr lang="en-US" sz="2000" b="1" dirty="0"/>
+              <a:t>Custom Properties</a:t>
+            </a:r>
+          </a:p>
+        </p:txBody>
+      </p:sp>
+      <p:sp>
+        <p:nvSpPr>
+          <p:cNvPr id="5" name="TextBox 4"/>
+          <p:cNvSpPr txBox="1"/>
+          <p:nvPr/>
+        </p:nvSpPr>
+        <p:spPr>
+          <a:xfrm>
+            <a:off x="1007972" y="1941932"/>
+            <a:ext cx="4248240" cy="3693319"/>
+          </a:xfrm>
+          <a:prstGeom prst="rect">
+            <a:avLst/>
+          </a:prstGeom>
+          <a:noFill/>
+        </p:spPr>
+        <p:txBody>
+          <a:bodyPr wrap="square" rtlCol="0">
+            <a:spAutoFit/>
+          </a:bodyPr>
+          <a:lstStyle/>
+          <a:p>
+            <a:r>
+              <a:rPr lang="en-US" sz="1800" dirty="0"/>
+              <a:t>Key pair value( </a:t>
+            </a:r>
+            <a:r>
+              <a:rPr lang="en-US" sz="1800" dirty="0" err="1"/>
+              <a:t>TrackingNumber</a:t>
+            </a:r>
+            <a:r>
+              <a:rPr lang="en-US" sz="1800" dirty="0"/>
+              <a:t>, </a:t>
+            </a:r>
+            <a:r>
+              <a:rPr lang="en-US" sz="1800" dirty="0" err="1"/>
+              <a:t>WorkflowID</a:t>
+            </a:r>
+            <a:r>
+              <a:rPr lang="en-US" sz="1800" dirty="0"/>
+              <a:t>)</a:t>
+            </a:r>
+          </a:p>
+          <a:p>
+            <a:endParaRPr lang="en-US" sz="1800" dirty="0"/>
+          </a:p>
+          <a:p>
+            <a:pPr marL="285750" indent="-285750">
+              <a:buFont typeface="Arial" panose="020B0604020202020204" pitchFamily="34" charset="0"/>
+              <a:buChar char="•"/>
+            </a:pPr>
+            <a:r>
+              <a:rPr lang="en-US" sz="1800" dirty="0" err="1"/>
+              <a:t>TrackingNumber</a:t>
+            </a:r>
+            <a:r>
+              <a:rPr lang="en-US" sz="1800" dirty="0"/>
+              <a:t>: unique ID (</a:t>
+            </a:r>
+            <a:r>
+              <a:rPr lang="en-US" sz="1800" dirty="0" err="1"/>
+              <a:t>CreateUUID</a:t>
+            </a:r>
+            <a:r>
+              <a:rPr lang="en-US" sz="1800" dirty="0"/>
+              <a:t>) to validate the PDF by embedding inside the barcode.</a:t>
+            </a:r>
+          </a:p>
+          <a:p>
+            <a:endParaRPr lang="en-US" sz="1800" dirty="0"/>
+          </a:p>
+          <a:p>
+            <a:pPr marL="285750" indent="-285750">
+              <a:buFont typeface="Arial" panose="020B0604020202020204" pitchFamily="34" charset="0"/>
+              <a:buChar char="•"/>
+            </a:pPr>
+            <a:endParaRPr lang="en-US" sz="1800" dirty="0"/>
+          </a:p>
+          <a:p>
+            <a:pPr marL="285750" indent="-285750">
+              <a:buFont typeface="Arial" panose="020B0604020202020204" pitchFamily="34" charset="0"/>
+              <a:buChar char="•"/>
+            </a:pPr>
+            <a:r>
+              <a:rPr lang="en-US" sz="1800" dirty="0" err="1"/>
+              <a:t>WorkflowID</a:t>
+            </a:r>
+            <a:r>
+              <a:rPr lang="en-US" sz="1800" dirty="0"/>
+              <a:t>: unique ID (Database ID)definition to tell the PDF what to do next</a:t>
+            </a:r>
+          </a:p>
+          <a:p>
+            <a:endParaRPr lang="en-US" sz="1800" dirty="0"/>
+          </a:p>
+        </p:txBody>
+      </p:sp>
+      <p:sp>
+        <p:nvSpPr>
+          <p:cNvPr id="6" name="Rectangle 5"/>
+          <p:cNvSpPr/>
+          <p:nvPr/>
+        </p:nvSpPr>
+        <p:spPr>
+          <a:xfrm>
+            <a:off x="6447158" y="1493966"/>
+            <a:ext cx="3568606" cy="400110"/>
+          </a:xfrm>
+          <a:prstGeom prst="rect">
+            <a:avLst/>
+          </a:prstGeom>
+        </p:spPr>
+        <p:txBody>
+          <a:bodyPr wrap="none">
+            <a:spAutoFit/>
+          </a:bodyPr>
+          <a:lstStyle/>
+          <a:p>
+            <a:r>
+              <a:rPr lang="en-US" sz="2000" b="1" dirty="0"/>
+              <a:t>Export XMP (The Metadata)</a:t>
+            </a:r>
+          </a:p>
+        </p:txBody>
+      </p:sp>
+      <p:sp>
+        <p:nvSpPr>
+          <p:cNvPr id="7" name="TextBox 6"/>
+          <p:cNvSpPr txBox="1"/>
+          <p:nvPr/>
+        </p:nvSpPr>
+        <p:spPr>
+          <a:xfrm>
+            <a:off x="6475412" y="1941932"/>
+            <a:ext cx="4495800" cy="4247317"/>
+          </a:xfrm>
+          <a:prstGeom prst="rect">
+            <a:avLst/>
+          </a:prstGeom>
+          <a:noFill/>
+        </p:spPr>
+        <p:txBody>
+          <a:bodyPr wrap="square" rtlCol="0">
+            <a:spAutoFit/>
+          </a:bodyPr>
+          <a:lstStyle/>
+          <a:p>
+            <a:r>
+              <a:rPr lang="en-US" sz="1800" dirty="0"/>
+              <a:t>Export the metadata (XMP) file to folder structure by making the file name same as tracking number</a:t>
+            </a:r>
+          </a:p>
+          <a:p>
+            <a:endParaRPr lang="en-US" sz="1800" dirty="0"/>
+          </a:p>
+          <a:p>
+            <a:r>
+              <a:rPr lang="en-US" sz="1800" dirty="0"/>
+              <a:t>D:\DMS\xmp\{trackingNumber}.xmp</a:t>
+            </a:r>
+          </a:p>
+          <a:p>
+            <a:endParaRPr lang="en-US" sz="1800" dirty="0"/>
+          </a:p>
+          <a:p>
+            <a:pPr marL="285750" indent="-285750">
+              <a:buFont typeface="Arial" panose="020B0604020202020204" pitchFamily="34" charset="0"/>
+              <a:buChar char="•"/>
+            </a:pPr>
+            <a:r>
+              <a:rPr lang="en-US" sz="1800" dirty="0"/>
+              <a:t>Create separate drive for your filing system and make sure to tighten your security by only allowing CF account to manage the drive</a:t>
+            </a:r>
+          </a:p>
+          <a:p>
+            <a:endParaRPr lang="en-US" sz="1800" dirty="0"/>
+          </a:p>
+          <a:p>
+            <a:pPr marL="285750" indent="-285750">
+              <a:buFont typeface="Arial" panose="020B0604020202020204" pitchFamily="34" charset="0"/>
+              <a:buChar char="•"/>
+            </a:pPr>
+            <a:r>
+              <a:rPr lang="en-US" sz="1800" dirty="0"/>
+              <a:t>Run schedule jobs to follow up with file statuses and disk space</a:t>
+            </a:r>
+          </a:p>
+          <a:p>
+            <a:pPr marL="285750" indent="-285750">
+              <a:buFont typeface="Arial" panose="020B0604020202020204" pitchFamily="34" charset="0"/>
+              <a:buChar char="•"/>
+            </a:pPr>
+            <a:endParaRPr lang="en-US" sz="1800" dirty="0"/>
+          </a:p>
+          <a:p>
+            <a:pPr marL="285750" indent="-285750">
+              <a:buFont typeface="Arial" panose="020B0604020202020204" pitchFamily="34" charset="0"/>
+              <a:buChar char="•"/>
+            </a:pPr>
+            <a:r>
+              <a:rPr lang="en-US" sz="1800" dirty="0"/>
+              <a:t>Use threads when processing PDFs</a:t>
+            </a:r>
+          </a:p>
+        </p:txBody>
+      </p:sp>
+    </p:spTree>
+    <p:extLst>
+      <p:ext uri="{BB962C8B-B14F-4D97-AF65-F5344CB8AC3E}">
+        <p14:creationId xmlns:p14="http://schemas.microsoft.com/office/powerpoint/2010/main" val="3439070327"/>
+      </p:ext>
+    </p:extLst>
+  </p:cSld>
+  <p:clrMapOvr>
+    <a:masterClrMapping/>
+  </p:clrMapOvr>
+  <mc:AlternateContent xmlns:mc="http://schemas.openxmlformats.org/markup-compatibility/2006" xmlns:p14="http://schemas.microsoft.com/office/powerpoint/2010/main">
+    <mc:Choice Requires="p14">
+      <p:transition spd="med" p14:dur="700">
+        <p:fade/>
+      </p:transition>
+    </mc:Choice>
+    <mc:Fallback xmlns="">
+      <p:transition spd="med">
+        <p:fade/>
+      </p:transition>
+    </mc:Fallback>
+  </mc:AlternateContent>
+</p:sld>
+</file>
+
+<file path=ppt/slides/slide24.xml><?xml version="1.0" encoding="utf-8"?>
+<p:sld xmlns:a="http://schemas.openxmlformats.org/drawingml/2006/main" xmlns:r="http://schemas.openxmlformats.org/officeDocument/2006/relationships" xmlns:p="http://schemas.openxmlformats.org/presentationml/2006/main">
+  <p:cSld>
+    <p:spTree>
+      <p:nvGrpSpPr>
+        <p:cNvPr id="1" name=""/>
+        <p:cNvGrpSpPr/>
+        <p:nvPr/>
+      </p:nvGrpSpPr>
+      <p:grpSpPr>
+        <a:xfrm>
+          <a:off x="0" y="0"/>
+          <a:ext cx="0" cy="0"/>
+          <a:chOff x="0" y="0"/>
+          <a:chExt cx="0" cy="0"/>
+        </a:xfrm>
+      </p:grpSpPr>
+      <p:sp>
+        <p:nvSpPr>
+          <p:cNvPr id="4" name="Rectangle 3"/>
+          <p:cNvSpPr/>
+          <p:nvPr/>
+        </p:nvSpPr>
+        <p:spPr>
+          <a:xfrm>
+            <a:off x="4494212" y="2667000"/>
+            <a:ext cx="3276600" cy="1200329"/>
+          </a:xfrm>
+          <a:prstGeom prst="rect">
+            <a:avLst/>
+          </a:prstGeom>
+          <a:noFill/>
+        </p:spPr>
+        <p:txBody>
+          <a:bodyPr wrap="square" lIns="91440" tIns="45720" rIns="91440" bIns="45720">
+            <a:spAutoFit/>
+          </a:bodyPr>
+          <a:lstStyle/>
+          <a:p>
+            <a:pPr algn="ctr"/>
+            <a:r>
+              <a:rPr lang="en-US" sz="7200" b="1" cap="none" spc="0" dirty="0">
+                <a:ln w="9525">
+                  <a:solidFill>
+                    <a:schemeClr val="bg1"/>
+                  </a:solidFill>
+                  <a:prstDash val="solid"/>
+                </a:ln>
+                <a:solidFill>
+                  <a:schemeClr val="tx1"/>
+                </a:solidFill>
+                <a:effectLst>
+                  <a:outerShdw blurRad="12700" dist="38100" dir="2700000" algn="tl" rotWithShape="0">
+                    <a:schemeClr val="bg1">
+                      <a:lumMod val="50000"/>
+                    </a:schemeClr>
+                  </a:outerShdw>
+                </a:effectLst>
+              </a:rPr>
+              <a:t>DEMO</a:t>
+            </a:r>
+          </a:p>
+        </p:txBody>
+      </p:sp>
+    </p:spTree>
+    <p:extLst>
+      <p:ext uri="{BB962C8B-B14F-4D97-AF65-F5344CB8AC3E}">
+        <p14:creationId xmlns:p14="http://schemas.microsoft.com/office/powerpoint/2010/main" val="2846477724"/>
+      </p:ext>
+    </p:extLst>
+  </p:cSld>
+  <p:clrMapOvr>
+    <a:masterClrMapping/>
+  </p:clrMapOvr>
+  <mc:AlternateContent xmlns:mc="http://schemas.openxmlformats.org/markup-compatibility/2006" xmlns:p14="http://schemas.microsoft.com/office/powerpoint/2010/main">
+    <mc:Choice Requires="p14">
+      <p:transition spd="med" p14:dur="700">
+        <p:fade/>
+      </p:transition>
+    </mc:Choice>
+    <mc:Fallback xmlns="">
+      <p:transition spd="med">
+        <p:fade/>
+      </p:transition>
+    </mc:Fallback>
+  </mc:AlternateContent>
+</p:sld>
+</file>
+
+<file path=ppt/slides/slide25.xml><?xml version="1.0" encoding="utf-8"?>
+<p:sld xmlns:a="http://schemas.openxmlformats.org/drawingml/2006/main" xmlns:r="http://schemas.openxmlformats.org/officeDocument/2006/relationships" xmlns:p="http://schemas.openxmlformats.org/presentationml/2006/main">
+  <p:cSld>
+    <p:spTree>
+      <p:nvGrpSpPr>
+        <p:cNvPr id="1" name=""/>
+        <p:cNvGrpSpPr/>
+        <p:nvPr/>
+      </p:nvGrpSpPr>
+      <p:grpSpPr>
+        <a:xfrm>
+          <a:off x="0" y="0"/>
+          <a:ext cx="0" cy="0"/>
+          <a:chOff x="0" y="0"/>
+          <a:chExt cx="0" cy="0"/>
+        </a:xfrm>
+      </p:grpSpPr>
+      <p:sp>
+        <p:nvSpPr>
+          <p:cNvPr id="2" name="Title 1"/>
+          <p:cNvSpPr>
+            <a:spLocks noGrp="1"/>
+          </p:cNvSpPr>
+          <p:nvPr>
+            <p:ph type="title"/>
+          </p:nvPr>
+        </p:nvSpPr>
         <p:spPr/>
         <p:txBody>
           <a:bodyPr/>
@@ -11072,7 +15376,7 @@
 </p:sld>
 </file>
 
-<file path=ppt/slides/slide23.xml><?xml version="1.0" encoding="utf-8"?>
+<file path=ppt/slides/slide26.xml><?xml version="1.0" encoding="utf-8"?>
 <p:sld xmlns:a="http://schemas.openxmlformats.org/drawingml/2006/main" xmlns:r="http://schemas.openxmlformats.org/officeDocument/2006/relationships" xmlns:p="http://schemas.openxmlformats.org/presentationml/2006/main">
   <p:cSld>
     <p:spTree>
@@ -11412,7 +15716,7 @@
 </p:sld>
 </file>
 
-<file path=ppt/slides/slide24.xml><?xml version="1.0" encoding="utf-8"?>
+<file path=ppt/slides/slide27.xml><?xml version="1.0" encoding="utf-8"?>
 <p:sld xmlns:a="http://schemas.openxmlformats.org/drawingml/2006/main" xmlns:r="http://schemas.openxmlformats.org/officeDocument/2006/relationships" xmlns:p="http://schemas.openxmlformats.org/presentationml/2006/main">
   <p:cSld>
     <p:spTree>
@@ -11516,246 +15820,6 @@
     <p:extLst>
       <p:ext uri="{BB962C8B-B14F-4D97-AF65-F5344CB8AC3E}">
         <p14:creationId xmlns:p14="http://schemas.microsoft.com/office/powerpoint/2010/main" val="13403576"/>
-      </p:ext>
-    </p:extLst>
-  </p:cSld>
-  <p:clrMapOvr>
-    <a:masterClrMapping/>
-  </p:clrMapOvr>
-  <mc:AlternateContent xmlns:mc="http://schemas.openxmlformats.org/markup-compatibility/2006" xmlns:p14="http://schemas.microsoft.com/office/powerpoint/2010/main">
-    <mc:Choice Requires="p14">
-      <p:transition spd="med" p14:dur="700">
-        <p:fade/>
-      </p:transition>
-    </mc:Choice>
-    <mc:Fallback xmlns="">
-      <p:transition spd="med">
-        <p:fade/>
-      </p:transition>
-    </mc:Fallback>
-  </mc:AlternateContent>
-</p:sld>
-</file>
-
-<file path=ppt/slides/slide25.xml><?xml version="1.0" encoding="utf-8"?>
-<p:sld xmlns:a="http://schemas.openxmlformats.org/drawingml/2006/main" xmlns:r="http://schemas.openxmlformats.org/officeDocument/2006/relationships" xmlns:p="http://schemas.openxmlformats.org/presentationml/2006/main">
-  <p:cSld>
-    <p:spTree>
-      <p:nvGrpSpPr>
-        <p:cNvPr id="1" name=""/>
-        <p:cNvGrpSpPr/>
-        <p:nvPr/>
-      </p:nvGrpSpPr>
-      <p:grpSpPr>
-        <a:xfrm>
-          <a:off x="0" y="0"/>
-          <a:ext cx="0" cy="0"/>
-          <a:chOff x="0" y="0"/>
-          <a:chExt cx="0" cy="0"/>
-        </a:xfrm>
-      </p:grpSpPr>
-      <p:sp>
-        <p:nvSpPr>
-          <p:cNvPr id="2" name="Title 1"/>
-          <p:cNvSpPr>
-            <a:spLocks noGrp="1"/>
-          </p:cNvSpPr>
-          <p:nvPr>
-            <p:ph type="title"/>
-          </p:nvPr>
-        </p:nvSpPr>
-        <p:spPr/>
-        <p:txBody>
-          <a:bodyPr/>
-          <a:lstStyle/>
-          <a:p>
-            <a:endParaRPr lang="en-US" dirty="0"/>
-          </a:p>
-        </p:txBody>
-      </p:sp>
-      <p:sp>
-        <p:nvSpPr>
-          <p:cNvPr id="5" name="Text Placeholder 4"/>
-          <p:cNvSpPr>
-            <a:spLocks noGrp="1"/>
-          </p:cNvSpPr>
-          <p:nvPr>
-            <p:ph type="body" idx="1"/>
-          </p:nvPr>
-        </p:nvSpPr>
-        <p:spPr/>
-        <p:txBody>
-          <a:bodyPr/>
-          <a:lstStyle/>
-          <a:p>
-            <a:endParaRPr lang="en-US" dirty="0"/>
-          </a:p>
-        </p:txBody>
-      </p:sp>
-      <p:sp>
-        <p:nvSpPr>
-          <p:cNvPr id="3" name="Content Placeholder 2"/>
-          <p:cNvSpPr>
-            <a:spLocks noGrp="1"/>
-          </p:cNvSpPr>
-          <p:nvPr>
-            <p:ph sz="half" idx="2"/>
-          </p:nvPr>
-        </p:nvSpPr>
-        <p:spPr/>
-        <p:txBody>
-          <a:bodyPr/>
-          <a:lstStyle/>
-          <a:p>
-            <a:endParaRPr lang="en-US" dirty="0"/>
-          </a:p>
-        </p:txBody>
-      </p:sp>
-      <p:sp>
-        <p:nvSpPr>
-          <p:cNvPr id="6" name="Text Placeholder 5"/>
-          <p:cNvSpPr>
-            <a:spLocks noGrp="1"/>
-          </p:cNvSpPr>
-          <p:nvPr>
-            <p:ph type="body" sz="quarter" idx="3"/>
-          </p:nvPr>
-        </p:nvSpPr>
-        <p:spPr/>
-        <p:txBody>
-          <a:bodyPr/>
-          <a:lstStyle/>
-          <a:p>
-            <a:endParaRPr lang="en-US" dirty="0"/>
-          </a:p>
-        </p:txBody>
-      </p:sp>
-      <p:sp>
-        <p:nvSpPr>
-          <p:cNvPr id="4" name="Content Placeholder 3"/>
-          <p:cNvSpPr>
-            <a:spLocks noGrp="1"/>
-          </p:cNvSpPr>
-          <p:nvPr>
-            <p:ph sz="quarter" idx="4"/>
-          </p:nvPr>
-        </p:nvSpPr>
-        <p:spPr/>
-        <p:txBody>
-          <a:bodyPr/>
-          <a:lstStyle/>
-          <a:p>
-            <a:endParaRPr lang="en-US" dirty="0"/>
-          </a:p>
-        </p:txBody>
-      </p:sp>
-    </p:spTree>
-    <p:extLst>
-      <p:ext uri="{BB962C8B-B14F-4D97-AF65-F5344CB8AC3E}">
-        <p14:creationId xmlns:p14="http://schemas.microsoft.com/office/powerpoint/2010/main" val="3296948863"/>
-      </p:ext>
-    </p:extLst>
-  </p:cSld>
-  <p:clrMapOvr>
-    <a:masterClrMapping/>
-  </p:clrMapOvr>
-  <mc:AlternateContent xmlns:mc="http://schemas.openxmlformats.org/markup-compatibility/2006" xmlns:p14="http://schemas.microsoft.com/office/powerpoint/2010/main">
-    <mc:Choice Requires="p14">
-      <p:transition spd="med" p14:dur="700">
-        <p:fade/>
-      </p:transition>
-    </mc:Choice>
-    <mc:Fallback xmlns="">
-      <p:transition spd="med">
-        <p:fade/>
-      </p:transition>
-    </mc:Fallback>
-  </mc:AlternateContent>
-</p:sld>
-</file>
-
-<file path=ppt/slides/slide26.xml><?xml version="1.0" encoding="utf-8"?>
-<p:sld xmlns:a="http://schemas.openxmlformats.org/drawingml/2006/main" xmlns:r="http://schemas.openxmlformats.org/officeDocument/2006/relationships" xmlns:p="http://schemas.openxmlformats.org/presentationml/2006/main">
-  <p:cSld>
-    <p:spTree>
-      <p:nvGrpSpPr>
-        <p:cNvPr id="1" name=""/>
-        <p:cNvGrpSpPr/>
-        <p:nvPr/>
-      </p:nvGrpSpPr>
-      <p:grpSpPr>
-        <a:xfrm>
-          <a:off x="0" y="0"/>
-          <a:ext cx="0" cy="0"/>
-          <a:chOff x="0" y="0"/>
-          <a:chExt cx="0" cy="0"/>
-        </a:xfrm>
-      </p:grpSpPr>
-      <p:sp>
-        <p:nvSpPr>
-          <p:cNvPr id="2" name="Title 1"/>
-          <p:cNvSpPr>
-            <a:spLocks noGrp="1"/>
-          </p:cNvSpPr>
-          <p:nvPr>
-            <p:ph type="title"/>
-          </p:nvPr>
-        </p:nvSpPr>
-        <p:spPr/>
-        <p:txBody>
-          <a:bodyPr/>
-          <a:lstStyle/>
-          <a:p>
-            <a:endParaRPr lang="en-US" dirty="0"/>
-          </a:p>
-        </p:txBody>
-      </p:sp>
-    </p:spTree>
-    <p:extLst>
-      <p:ext uri="{BB962C8B-B14F-4D97-AF65-F5344CB8AC3E}">
-        <p14:creationId xmlns:p14="http://schemas.microsoft.com/office/powerpoint/2010/main" val="1653943558"/>
-      </p:ext>
-    </p:extLst>
-  </p:cSld>
-  <p:clrMapOvr>
-    <a:masterClrMapping/>
-  </p:clrMapOvr>
-  <mc:AlternateContent xmlns:mc="http://schemas.openxmlformats.org/markup-compatibility/2006" xmlns:p14="http://schemas.microsoft.com/office/powerpoint/2010/main">
-    <mc:Choice Requires="p14">
-      <p:transition spd="med" p14:dur="700">
-        <p:fade/>
-      </p:transition>
-    </mc:Choice>
-    <mc:Fallback xmlns="">
-      <p:transition spd="med">
-        <p:fade/>
-      </p:transition>
-    </mc:Fallback>
-  </mc:AlternateContent>
-</p:sld>
-</file>
-
-<file path=ppt/slides/slide27.xml><?xml version="1.0" encoding="utf-8"?>
-<p:sld xmlns:a="http://schemas.openxmlformats.org/drawingml/2006/main" xmlns:r="http://schemas.openxmlformats.org/officeDocument/2006/relationships" xmlns:p="http://schemas.openxmlformats.org/presentationml/2006/main">
-  <p:cSld>
-    <p:spTree>
-      <p:nvGrpSpPr>
-        <p:cNvPr id="1" name=""/>
-        <p:cNvGrpSpPr/>
-        <p:nvPr/>
-      </p:nvGrpSpPr>
-      <p:grpSpPr>
-        <a:xfrm>
-          <a:off x="0" y="0"/>
-          <a:ext cx="0" cy="0"/>
-          <a:chOff x="0" y="0"/>
-          <a:chExt cx="0" cy="0"/>
-        </a:xfrm>
-      </p:grpSpPr>
-    </p:spTree>
-    <p:extLst>
-      <p:ext uri="{BB962C8B-B14F-4D97-AF65-F5344CB8AC3E}">
-        <p14:creationId xmlns:p14="http://schemas.microsoft.com/office/powerpoint/2010/main" val="3030984589"/>
       </p:ext>
     </p:extLst>
   </p:cSld>
@@ -11809,7 +15873,26 @@
           <a:bodyPr/>
           <a:lstStyle/>
           <a:p>
-            <a:endParaRPr lang="en-US"/>
+            <a:endParaRPr lang="en-US" dirty="0"/>
+          </a:p>
+        </p:txBody>
+      </p:sp>
+      <p:sp>
+        <p:nvSpPr>
+          <p:cNvPr id="5" name="Text Placeholder 4"/>
+          <p:cNvSpPr>
+            <a:spLocks noGrp="1"/>
+          </p:cNvSpPr>
+          <p:nvPr>
+            <p:ph type="body" idx="1"/>
+          </p:nvPr>
+        </p:nvSpPr>
+        <p:spPr/>
+        <p:txBody>
+          <a:bodyPr/>
+          <a:lstStyle/>
+          <a:p>
+            <a:endParaRPr lang="en-US" dirty="0"/>
           </a:p>
         </p:txBody>
       </p:sp>
@@ -11820,7 +15903,7 @@
             <a:spLocks noGrp="1"/>
           </p:cNvSpPr>
           <p:nvPr>
-            <p:ph idx="1"/>
+            <p:ph sz="half" idx="2"/>
           </p:nvPr>
         </p:nvSpPr>
         <p:spPr/>
@@ -11828,18 +15911,18 @@
           <a:bodyPr/>
           <a:lstStyle/>
           <a:p>
-            <a:endParaRPr lang="en-US"/>
+            <a:endParaRPr lang="en-US" dirty="0"/>
           </a:p>
         </p:txBody>
       </p:sp>
       <p:sp>
         <p:nvSpPr>
-          <p:cNvPr id="4" name="Text Placeholder 3"/>
+          <p:cNvPr id="6" name="Text Placeholder 5"/>
           <p:cNvSpPr>
             <a:spLocks noGrp="1"/>
           </p:cNvSpPr>
           <p:nvPr>
-            <p:ph type="body" sz="half" idx="2"/>
+            <p:ph type="body" sz="quarter" idx="3"/>
           </p:nvPr>
         </p:nvSpPr>
         <p:spPr/>
@@ -11847,14 +15930,33 @@
           <a:bodyPr/>
           <a:lstStyle/>
           <a:p>
-            <a:endParaRPr lang="en-US"/>
+            <a:endParaRPr lang="en-US" dirty="0"/>
+          </a:p>
+        </p:txBody>
+      </p:sp>
+      <p:sp>
+        <p:nvSpPr>
+          <p:cNvPr id="4" name="Content Placeholder 3"/>
+          <p:cNvSpPr>
+            <a:spLocks noGrp="1"/>
+          </p:cNvSpPr>
+          <p:nvPr>
+            <p:ph sz="quarter" idx="4"/>
+          </p:nvPr>
+        </p:nvSpPr>
+        <p:spPr/>
+        <p:txBody>
+          <a:bodyPr/>
+          <a:lstStyle/>
+          <a:p>
+            <a:endParaRPr lang="en-US" dirty="0"/>
           </a:p>
         </p:txBody>
       </p:sp>
     </p:spTree>
     <p:extLst>
       <p:ext uri="{BB962C8B-B14F-4D97-AF65-F5344CB8AC3E}">
-        <p14:creationId xmlns:p14="http://schemas.microsoft.com/office/powerpoint/2010/main" val="1750688946"/>
+        <p14:creationId xmlns:p14="http://schemas.microsoft.com/office/powerpoint/2010/main" val="3296948863"/>
       </p:ext>
     </p:extLst>
   </p:cSld>
@@ -11908,52 +16010,14 @@
           <a:bodyPr/>
           <a:lstStyle/>
           <a:p>
-            <a:r>
-              <a:rPr lang="en-US" dirty="0"/>
-              <a:t>+</a:t>
-            </a:r>
-            <a:br>
-              <a:rPr lang="en-US" dirty="0"/>
-            </a:br>
             <a:endParaRPr lang="en-US" dirty="0"/>
           </a:p>
         </p:txBody>
-      </p:sp>
-      <p:sp>
-        <p:nvSpPr>
-          <p:cNvPr id="4" name="Text Placeholder 3"/>
-          <p:cNvSpPr>
-            <a:spLocks noGrp="1"/>
-          </p:cNvSpPr>
-          <p:nvPr>
-            <p:ph type="body" sz="half" idx="2"/>
-          </p:nvPr>
-        </p:nvSpPr>
-        <p:spPr/>
-        <p:txBody>
-          <a:bodyPr/>
-          <a:lstStyle/>
-          <a:p>
-            <a:endParaRPr lang="en-US" dirty="0"/>
-          </a:p>
-        </p:txBody>
-      </p:sp>
-      <p:sp>
-        <p:nvSpPr>
-          <p:cNvPr id="3" name="Picture Placeholder 2"/>
-          <p:cNvSpPr>
-            <a:spLocks noGrp="1"/>
-          </p:cNvSpPr>
-          <p:nvPr>
-            <p:ph type="pic" idx="1"/>
-          </p:nvPr>
-        </p:nvSpPr>
-        <p:spPr/>
       </p:sp>
     </p:spTree>
     <p:extLst>
       <p:ext uri="{BB962C8B-B14F-4D97-AF65-F5344CB8AC3E}">
-        <p14:creationId xmlns:p14="http://schemas.microsoft.com/office/powerpoint/2010/main" val="3761302454"/>
+        <p14:creationId xmlns:p14="http://schemas.microsoft.com/office/powerpoint/2010/main" val="1653943558"/>
       </p:ext>
     </p:extLst>
   </p:cSld>
@@ -12196,6 +16260,246 @@
     <p:extLst>
       <p:ext uri="{BB962C8B-B14F-4D97-AF65-F5344CB8AC3E}">
         <p14:creationId xmlns:p14="http://schemas.microsoft.com/office/powerpoint/2010/main" val="1997697987"/>
+      </p:ext>
+    </p:extLst>
+  </p:cSld>
+  <p:clrMapOvr>
+    <a:masterClrMapping/>
+  </p:clrMapOvr>
+  <mc:AlternateContent xmlns:mc="http://schemas.openxmlformats.org/markup-compatibility/2006" xmlns:p14="http://schemas.microsoft.com/office/powerpoint/2010/main">
+    <mc:Choice Requires="p14">
+      <p:transition spd="med" p14:dur="700">
+        <p:fade/>
+      </p:transition>
+    </mc:Choice>
+    <mc:Fallback xmlns="">
+      <p:transition spd="med">
+        <p:fade/>
+      </p:transition>
+    </mc:Fallback>
+  </mc:AlternateContent>
+</p:sld>
+</file>
+
+<file path=ppt/slides/slide30.xml><?xml version="1.0" encoding="utf-8"?>
+<p:sld xmlns:a="http://schemas.openxmlformats.org/drawingml/2006/main" xmlns:r="http://schemas.openxmlformats.org/officeDocument/2006/relationships" xmlns:p="http://schemas.openxmlformats.org/presentationml/2006/main">
+  <p:cSld>
+    <p:spTree>
+      <p:nvGrpSpPr>
+        <p:cNvPr id="1" name=""/>
+        <p:cNvGrpSpPr/>
+        <p:nvPr/>
+      </p:nvGrpSpPr>
+      <p:grpSpPr>
+        <a:xfrm>
+          <a:off x="0" y="0"/>
+          <a:ext cx="0" cy="0"/>
+          <a:chOff x="0" y="0"/>
+          <a:chExt cx="0" cy="0"/>
+        </a:xfrm>
+      </p:grpSpPr>
+    </p:spTree>
+    <p:extLst>
+      <p:ext uri="{BB962C8B-B14F-4D97-AF65-F5344CB8AC3E}">
+        <p14:creationId xmlns:p14="http://schemas.microsoft.com/office/powerpoint/2010/main" val="3030984589"/>
+      </p:ext>
+    </p:extLst>
+  </p:cSld>
+  <p:clrMapOvr>
+    <a:masterClrMapping/>
+  </p:clrMapOvr>
+  <mc:AlternateContent xmlns:mc="http://schemas.openxmlformats.org/markup-compatibility/2006" xmlns:p14="http://schemas.microsoft.com/office/powerpoint/2010/main">
+    <mc:Choice Requires="p14">
+      <p:transition spd="med" p14:dur="700">
+        <p:fade/>
+      </p:transition>
+    </mc:Choice>
+    <mc:Fallback xmlns="">
+      <p:transition spd="med">
+        <p:fade/>
+      </p:transition>
+    </mc:Fallback>
+  </mc:AlternateContent>
+</p:sld>
+</file>
+
+<file path=ppt/slides/slide31.xml><?xml version="1.0" encoding="utf-8"?>
+<p:sld xmlns:a="http://schemas.openxmlformats.org/drawingml/2006/main" xmlns:r="http://schemas.openxmlformats.org/officeDocument/2006/relationships" xmlns:p="http://schemas.openxmlformats.org/presentationml/2006/main">
+  <p:cSld>
+    <p:spTree>
+      <p:nvGrpSpPr>
+        <p:cNvPr id="1" name=""/>
+        <p:cNvGrpSpPr/>
+        <p:nvPr/>
+      </p:nvGrpSpPr>
+      <p:grpSpPr>
+        <a:xfrm>
+          <a:off x="0" y="0"/>
+          <a:ext cx="0" cy="0"/>
+          <a:chOff x="0" y="0"/>
+          <a:chExt cx="0" cy="0"/>
+        </a:xfrm>
+      </p:grpSpPr>
+      <p:sp>
+        <p:nvSpPr>
+          <p:cNvPr id="2" name="Title 1"/>
+          <p:cNvSpPr>
+            <a:spLocks noGrp="1"/>
+          </p:cNvSpPr>
+          <p:nvPr>
+            <p:ph type="title"/>
+          </p:nvPr>
+        </p:nvSpPr>
+        <p:spPr/>
+        <p:txBody>
+          <a:bodyPr/>
+          <a:lstStyle/>
+          <a:p>
+            <a:endParaRPr lang="en-US"/>
+          </a:p>
+        </p:txBody>
+      </p:sp>
+      <p:sp>
+        <p:nvSpPr>
+          <p:cNvPr id="3" name="Content Placeholder 2"/>
+          <p:cNvSpPr>
+            <a:spLocks noGrp="1"/>
+          </p:cNvSpPr>
+          <p:nvPr>
+            <p:ph idx="1"/>
+          </p:nvPr>
+        </p:nvSpPr>
+        <p:spPr/>
+        <p:txBody>
+          <a:bodyPr/>
+          <a:lstStyle/>
+          <a:p>
+            <a:endParaRPr lang="en-US"/>
+          </a:p>
+        </p:txBody>
+      </p:sp>
+      <p:sp>
+        <p:nvSpPr>
+          <p:cNvPr id="4" name="Text Placeholder 3"/>
+          <p:cNvSpPr>
+            <a:spLocks noGrp="1"/>
+          </p:cNvSpPr>
+          <p:nvPr>
+            <p:ph type="body" sz="half" idx="2"/>
+          </p:nvPr>
+        </p:nvSpPr>
+        <p:spPr/>
+        <p:txBody>
+          <a:bodyPr/>
+          <a:lstStyle/>
+          <a:p>
+            <a:endParaRPr lang="en-US"/>
+          </a:p>
+        </p:txBody>
+      </p:sp>
+    </p:spTree>
+    <p:extLst>
+      <p:ext uri="{BB962C8B-B14F-4D97-AF65-F5344CB8AC3E}">
+        <p14:creationId xmlns:p14="http://schemas.microsoft.com/office/powerpoint/2010/main" val="1750688946"/>
+      </p:ext>
+    </p:extLst>
+  </p:cSld>
+  <p:clrMapOvr>
+    <a:masterClrMapping/>
+  </p:clrMapOvr>
+  <mc:AlternateContent xmlns:mc="http://schemas.openxmlformats.org/markup-compatibility/2006" xmlns:p14="http://schemas.microsoft.com/office/powerpoint/2010/main">
+    <mc:Choice Requires="p14">
+      <p:transition spd="med" p14:dur="700">
+        <p:fade/>
+      </p:transition>
+    </mc:Choice>
+    <mc:Fallback xmlns="">
+      <p:transition spd="med">
+        <p:fade/>
+      </p:transition>
+    </mc:Fallback>
+  </mc:AlternateContent>
+</p:sld>
+</file>
+
+<file path=ppt/slides/slide32.xml><?xml version="1.0" encoding="utf-8"?>
+<p:sld xmlns:a="http://schemas.openxmlformats.org/drawingml/2006/main" xmlns:r="http://schemas.openxmlformats.org/officeDocument/2006/relationships" xmlns:p="http://schemas.openxmlformats.org/presentationml/2006/main">
+  <p:cSld>
+    <p:spTree>
+      <p:nvGrpSpPr>
+        <p:cNvPr id="1" name=""/>
+        <p:cNvGrpSpPr/>
+        <p:nvPr/>
+      </p:nvGrpSpPr>
+      <p:grpSpPr>
+        <a:xfrm>
+          <a:off x="0" y="0"/>
+          <a:ext cx="0" cy="0"/>
+          <a:chOff x="0" y="0"/>
+          <a:chExt cx="0" cy="0"/>
+        </a:xfrm>
+      </p:grpSpPr>
+      <p:sp>
+        <p:nvSpPr>
+          <p:cNvPr id="2" name="Title 1"/>
+          <p:cNvSpPr>
+            <a:spLocks noGrp="1"/>
+          </p:cNvSpPr>
+          <p:nvPr>
+            <p:ph type="title"/>
+          </p:nvPr>
+        </p:nvSpPr>
+        <p:spPr/>
+        <p:txBody>
+          <a:bodyPr/>
+          <a:lstStyle/>
+          <a:p>
+            <a:r>
+              <a:rPr lang="en-US" dirty="0"/>
+              <a:t>+</a:t>
+            </a:r>
+            <a:br>
+              <a:rPr lang="en-US" dirty="0"/>
+            </a:br>
+            <a:endParaRPr lang="en-US" dirty="0"/>
+          </a:p>
+        </p:txBody>
+      </p:sp>
+      <p:sp>
+        <p:nvSpPr>
+          <p:cNvPr id="4" name="Text Placeholder 3"/>
+          <p:cNvSpPr>
+            <a:spLocks noGrp="1"/>
+          </p:cNvSpPr>
+          <p:nvPr>
+            <p:ph type="body" sz="half" idx="2"/>
+          </p:nvPr>
+        </p:nvSpPr>
+        <p:spPr/>
+        <p:txBody>
+          <a:bodyPr/>
+          <a:lstStyle/>
+          <a:p>
+            <a:endParaRPr lang="en-US" dirty="0"/>
+          </a:p>
+        </p:txBody>
+      </p:sp>
+      <p:sp>
+        <p:nvSpPr>
+          <p:cNvPr id="3" name="Picture Placeholder 2"/>
+          <p:cNvSpPr>
+            <a:spLocks noGrp="1"/>
+          </p:cNvSpPr>
+          <p:nvPr>
+            <p:ph type="pic" idx="1"/>
+          </p:nvPr>
+        </p:nvSpPr>
+        <p:spPr/>
+      </p:sp>
+    </p:spTree>
+    <p:extLst>
+      <p:ext uri="{BB962C8B-B14F-4D97-AF65-F5344CB8AC3E}">
+        <p14:creationId xmlns:p14="http://schemas.microsoft.com/office/powerpoint/2010/main" val="3761302454"/>
       </p:ext>
     </p:extLst>
   </p:cSld>

--- a/powerpoint/SmartPDF/Don't Just PDF.pptx
+++ b/powerpoint/SmartPDF/Don't Just PDF.pptx
@@ -5,10 +5,10 @@
     <p:sldMasterId id="2147483660" r:id="rId2"/>
   </p:sldMasterIdLst>
   <p:notesMasterIdLst>
-    <p:notesMasterId r:id="rId35"/>
+    <p:notesMasterId r:id="rId30"/>
   </p:notesMasterIdLst>
   <p:handoutMasterIdLst>
-    <p:handoutMasterId r:id="rId36"/>
+    <p:handoutMasterId r:id="rId31"/>
   </p:handoutMasterIdLst>
   <p:sldIdLst>
     <p:sldId id="264" r:id="rId3"/>
@@ -35,14 +35,9 @@
     <p:sldId id="300" r:id="rId24"/>
     <p:sldId id="301" r:id="rId25"/>
     <p:sldId id="299" r:id="rId26"/>
-    <p:sldId id="277" r:id="rId27"/>
-    <p:sldId id="278" r:id="rId28"/>
-    <p:sldId id="279" r:id="rId29"/>
-    <p:sldId id="268" r:id="rId30"/>
-    <p:sldId id="269" r:id="rId31"/>
-    <p:sldId id="270" r:id="rId32"/>
-    <p:sldId id="280" r:id="rId33"/>
-    <p:sldId id="274" r:id="rId34"/>
+    <p:sldId id="302" r:id="rId27"/>
+    <p:sldId id="303" r:id="rId28"/>
+    <p:sldId id="274" r:id="rId29"/>
   </p:sldIdLst>
   <p:sldSz cx="12188825" cy="6858000"/>
   <p:notesSz cx="6858000" cy="9144000"/>
@@ -174,1734 +169,7 @@
 </p:presentation>
 </file>
 
-<file path=ppt/charts/chart1.xml><?xml version="1.0" encoding="utf-8"?>
-<c:chartSpace xmlns:c="http://schemas.openxmlformats.org/drawingml/2006/chart" xmlns:a="http://schemas.openxmlformats.org/drawingml/2006/main" xmlns:r="http://schemas.openxmlformats.org/officeDocument/2006/relationships" xmlns:c16r2="http://schemas.microsoft.com/office/drawing/2015/06/chart">
-  <c:date1904 val="0"/>
-  <c:lang val="en-US"/>
-  <c:roundedCorners val="0"/>
-  <mc:AlternateContent xmlns:mc="http://schemas.openxmlformats.org/markup-compatibility/2006">
-    <mc:Choice xmlns:c14="http://schemas.microsoft.com/office/drawing/2007/8/2/chart" Requires="c14">
-      <c14:style val="102"/>
-    </mc:Choice>
-    <mc:Fallback>
-      <c:style val="2"/>
-    </mc:Fallback>
-  </mc:AlternateContent>
-  <c:chart>
-    <c:autoTitleDeleted val="1"/>
-    <c:plotArea>
-      <c:layout/>
-      <c:lineChart>
-        <c:grouping val="standard"/>
-        <c:varyColors val="0"/>
-        <c:ser>
-          <c:idx val="0"/>
-          <c:order val="0"/>
-          <c:tx>
-            <c:strRef>
-              <c:f>Sheet1!$B$1</c:f>
-              <c:strCache>
-                <c:ptCount val="1"/>
-                <c:pt idx="0">
-                  <c:v>Series 1</c:v>
-                </c:pt>
-              </c:strCache>
-            </c:strRef>
-          </c:tx>
-          <c:spPr>
-            <a:ln w="28575" cap="rnd">
-              <a:solidFill>
-                <a:schemeClr val="accent1"/>
-              </a:solidFill>
-              <a:round/>
-            </a:ln>
-            <a:effectLst/>
-          </c:spPr>
-          <c:marker>
-            <c:symbol val="none"/>
-          </c:marker>
-          <c:cat>
-            <c:strRef>
-              <c:f>Sheet1!$A$2:$A$5</c:f>
-              <c:strCache>
-                <c:ptCount val="4"/>
-                <c:pt idx="0">
-                  <c:v>Category 1</c:v>
-                </c:pt>
-                <c:pt idx="1">
-                  <c:v>Category 2</c:v>
-                </c:pt>
-                <c:pt idx="2">
-                  <c:v>Category 3</c:v>
-                </c:pt>
-                <c:pt idx="3">
-                  <c:v>Category 4</c:v>
-                </c:pt>
-              </c:strCache>
-            </c:strRef>
-          </c:cat>
-          <c:val>
-            <c:numRef>
-              <c:f>Sheet1!$B$2:$B$5</c:f>
-              <c:numCache>
-                <c:formatCode>General</c:formatCode>
-                <c:ptCount val="4"/>
-                <c:pt idx="0">
-                  <c:v>4.3</c:v>
-                </c:pt>
-                <c:pt idx="1">
-                  <c:v>2.5</c:v>
-                </c:pt>
-                <c:pt idx="2">
-                  <c:v>3.5</c:v>
-                </c:pt>
-                <c:pt idx="3">
-                  <c:v>4.5</c:v>
-                </c:pt>
-              </c:numCache>
-            </c:numRef>
-          </c:val>
-          <c:smooth val="0"/>
-          <c:extLst>
-            <c:ext xmlns:c16="http://schemas.microsoft.com/office/drawing/2014/chart" uri="{C3380CC4-5D6E-409C-BE32-E72D297353CC}">
-              <c16:uniqueId val="{00000000-9C19-4304-A2A3-17AD817DA06F}"/>
-            </c:ext>
-          </c:extLst>
-        </c:ser>
-        <c:ser>
-          <c:idx val="1"/>
-          <c:order val="1"/>
-          <c:tx>
-            <c:strRef>
-              <c:f>Sheet1!$C$1</c:f>
-              <c:strCache>
-                <c:ptCount val="1"/>
-                <c:pt idx="0">
-                  <c:v>Series 2</c:v>
-                </c:pt>
-              </c:strCache>
-            </c:strRef>
-          </c:tx>
-          <c:spPr>
-            <a:ln w="28575" cap="rnd">
-              <a:solidFill>
-                <a:schemeClr val="accent2"/>
-              </a:solidFill>
-              <a:round/>
-            </a:ln>
-            <a:effectLst/>
-          </c:spPr>
-          <c:marker>
-            <c:symbol val="none"/>
-          </c:marker>
-          <c:cat>
-            <c:strRef>
-              <c:f>Sheet1!$A$2:$A$5</c:f>
-              <c:strCache>
-                <c:ptCount val="4"/>
-                <c:pt idx="0">
-                  <c:v>Category 1</c:v>
-                </c:pt>
-                <c:pt idx="1">
-                  <c:v>Category 2</c:v>
-                </c:pt>
-                <c:pt idx="2">
-                  <c:v>Category 3</c:v>
-                </c:pt>
-                <c:pt idx="3">
-                  <c:v>Category 4</c:v>
-                </c:pt>
-              </c:strCache>
-            </c:strRef>
-          </c:cat>
-          <c:val>
-            <c:numRef>
-              <c:f>Sheet1!$C$2:$C$5</c:f>
-              <c:numCache>
-                <c:formatCode>General</c:formatCode>
-                <c:ptCount val="4"/>
-                <c:pt idx="0">
-                  <c:v>2.4</c:v>
-                </c:pt>
-                <c:pt idx="1">
-                  <c:v>4.4000000000000004</c:v>
-                </c:pt>
-                <c:pt idx="2">
-                  <c:v>1.8</c:v>
-                </c:pt>
-                <c:pt idx="3">
-                  <c:v>2.8</c:v>
-                </c:pt>
-              </c:numCache>
-            </c:numRef>
-          </c:val>
-          <c:smooth val="0"/>
-          <c:extLst>
-            <c:ext xmlns:c16="http://schemas.microsoft.com/office/drawing/2014/chart" uri="{C3380CC4-5D6E-409C-BE32-E72D297353CC}">
-              <c16:uniqueId val="{00000001-9C19-4304-A2A3-17AD817DA06F}"/>
-            </c:ext>
-          </c:extLst>
-        </c:ser>
-        <c:ser>
-          <c:idx val="2"/>
-          <c:order val="2"/>
-          <c:tx>
-            <c:strRef>
-              <c:f>Sheet1!$D$1</c:f>
-              <c:strCache>
-                <c:ptCount val="1"/>
-                <c:pt idx="0">
-                  <c:v>Series 3</c:v>
-                </c:pt>
-              </c:strCache>
-            </c:strRef>
-          </c:tx>
-          <c:spPr>
-            <a:ln w="28575" cap="rnd">
-              <a:solidFill>
-                <a:schemeClr val="accent3"/>
-              </a:solidFill>
-              <a:round/>
-            </a:ln>
-            <a:effectLst/>
-          </c:spPr>
-          <c:marker>
-            <c:symbol val="none"/>
-          </c:marker>
-          <c:cat>
-            <c:strRef>
-              <c:f>Sheet1!$A$2:$A$5</c:f>
-              <c:strCache>
-                <c:ptCount val="4"/>
-                <c:pt idx="0">
-                  <c:v>Category 1</c:v>
-                </c:pt>
-                <c:pt idx="1">
-                  <c:v>Category 2</c:v>
-                </c:pt>
-                <c:pt idx="2">
-                  <c:v>Category 3</c:v>
-                </c:pt>
-                <c:pt idx="3">
-                  <c:v>Category 4</c:v>
-                </c:pt>
-              </c:strCache>
-            </c:strRef>
-          </c:cat>
-          <c:val>
-            <c:numRef>
-              <c:f>Sheet1!$D$2:$D$5</c:f>
-              <c:numCache>
-                <c:formatCode>General</c:formatCode>
-                <c:ptCount val="4"/>
-                <c:pt idx="0">
-                  <c:v>2</c:v>
-                </c:pt>
-                <c:pt idx="1">
-                  <c:v>2</c:v>
-                </c:pt>
-                <c:pt idx="2">
-                  <c:v>3</c:v>
-                </c:pt>
-                <c:pt idx="3">
-                  <c:v>5</c:v>
-                </c:pt>
-              </c:numCache>
-            </c:numRef>
-          </c:val>
-          <c:smooth val="0"/>
-          <c:extLst>
-            <c:ext xmlns:c16="http://schemas.microsoft.com/office/drawing/2014/chart" uri="{C3380CC4-5D6E-409C-BE32-E72D297353CC}">
-              <c16:uniqueId val="{00000002-9C19-4304-A2A3-17AD817DA06F}"/>
-            </c:ext>
-          </c:extLst>
-        </c:ser>
-        <c:dLbls>
-          <c:showLegendKey val="0"/>
-          <c:showVal val="0"/>
-          <c:showCatName val="0"/>
-          <c:showSerName val="0"/>
-          <c:showPercent val="0"/>
-          <c:showBubbleSize val="0"/>
-        </c:dLbls>
-        <c:smooth val="0"/>
-        <c:axId val="603891256"/>
-        <c:axId val="603890080"/>
-      </c:lineChart>
-      <c:catAx>
-        <c:axId val="603891256"/>
-        <c:scaling>
-          <c:orientation val="minMax"/>
-        </c:scaling>
-        <c:delete val="0"/>
-        <c:axPos val="b"/>
-        <c:numFmt formatCode="General" sourceLinked="1"/>
-        <c:majorTickMark val="none"/>
-        <c:minorTickMark val="none"/>
-        <c:tickLblPos val="nextTo"/>
-        <c:spPr>
-          <a:noFill/>
-          <a:ln w="9525" cap="flat" cmpd="sng" algn="ctr">
-            <a:solidFill>
-              <a:schemeClr val="tx1">
-                <a:lumMod val="15000"/>
-                <a:lumOff val="85000"/>
-              </a:schemeClr>
-            </a:solidFill>
-            <a:round/>
-          </a:ln>
-          <a:effectLst/>
-        </c:spPr>
-        <c:txPr>
-          <a:bodyPr rot="-60000000" spcFirstLastPara="1" vertOverflow="ellipsis" vert="horz" wrap="square" anchor="ctr" anchorCtr="1"/>
-          <a:lstStyle/>
-          <a:p>
-            <a:pPr>
-              <a:defRPr sz="1197" b="0" i="0" u="none" strike="noStrike" kern="1200" baseline="0">
-                <a:solidFill>
-                  <a:schemeClr val="tx1">
-                    <a:lumMod val="65000"/>
-                    <a:lumOff val="35000"/>
-                  </a:schemeClr>
-                </a:solidFill>
-                <a:latin typeface="+mn-lt"/>
-                <a:ea typeface="+mn-ea"/>
-                <a:cs typeface="+mn-cs"/>
-              </a:defRPr>
-            </a:pPr>
-            <a:endParaRPr lang="en-US"/>
-          </a:p>
-        </c:txPr>
-        <c:crossAx val="603890080"/>
-        <c:crosses val="autoZero"/>
-        <c:auto val="1"/>
-        <c:lblAlgn val="ctr"/>
-        <c:lblOffset val="100"/>
-        <c:noMultiLvlLbl val="0"/>
-      </c:catAx>
-      <c:valAx>
-        <c:axId val="603890080"/>
-        <c:scaling>
-          <c:orientation val="minMax"/>
-        </c:scaling>
-        <c:delete val="0"/>
-        <c:axPos val="l"/>
-        <c:majorGridlines>
-          <c:spPr>
-            <a:ln w="9525" cap="flat" cmpd="sng" algn="ctr">
-              <a:solidFill>
-                <a:schemeClr val="tx1">
-                  <a:lumMod val="15000"/>
-                  <a:lumOff val="85000"/>
-                </a:schemeClr>
-              </a:solidFill>
-              <a:round/>
-            </a:ln>
-            <a:effectLst/>
-          </c:spPr>
-        </c:majorGridlines>
-        <c:numFmt formatCode="General" sourceLinked="1"/>
-        <c:majorTickMark val="none"/>
-        <c:minorTickMark val="none"/>
-        <c:tickLblPos val="nextTo"/>
-        <c:spPr>
-          <a:noFill/>
-          <a:ln>
-            <a:noFill/>
-          </a:ln>
-          <a:effectLst/>
-        </c:spPr>
-        <c:txPr>
-          <a:bodyPr rot="-60000000" spcFirstLastPara="1" vertOverflow="ellipsis" vert="horz" wrap="square" anchor="ctr" anchorCtr="1"/>
-          <a:lstStyle/>
-          <a:p>
-            <a:pPr>
-              <a:defRPr sz="1197" b="0" i="0" u="none" strike="noStrike" kern="1200" baseline="0">
-                <a:solidFill>
-                  <a:schemeClr val="tx1">
-                    <a:lumMod val="65000"/>
-                    <a:lumOff val="35000"/>
-                  </a:schemeClr>
-                </a:solidFill>
-                <a:latin typeface="+mn-lt"/>
-                <a:ea typeface="+mn-ea"/>
-                <a:cs typeface="+mn-cs"/>
-              </a:defRPr>
-            </a:pPr>
-            <a:endParaRPr lang="en-US"/>
-          </a:p>
-        </c:txPr>
-        <c:crossAx val="603891256"/>
-        <c:crosses val="autoZero"/>
-        <c:crossBetween val="between"/>
-      </c:valAx>
-      <c:spPr>
-        <a:noFill/>
-        <a:ln>
-          <a:noFill/>
-        </a:ln>
-        <a:effectLst/>
-      </c:spPr>
-    </c:plotArea>
-    <c:legend>
-      <c:legendPos val="b"/>
-      <c:overlay val="0"/>
-      <c:spPr>
-        <a:noFill/>
-        <a:ln>
-          <a:noFill/>
-        </a:ln>
-        <a:effectLst/>
-      </c:spPr>
-      <c:txPr>
-        <a:bodyPr rot="0" spcFirstLastPara="1" vertOverflow="ellipsis" vert="horz" wrap="square" anchor="ctr" anchorCtr="1"/>
-        <a:lstStyle/>
-        <a:p>
-          <a:pPr>
-            <a:defRPr sz="1197" b="0" i="0" u="none" strike="noStrike" kern="1200" baseline="0">
-              <a:solidFill>
-                <a:schemeClr val="tx1">
-                  <a:lumMod val="65000"/>
-                  <a:lumOff val="35000"/>
-                </a:schemeClr>
-              </a:solidFill>
-              <a:latin typeface="+mn-lt"/>
-              <a:ea typeface="+mn-ea"/>
-              <a:cs typeface="+mn-cs"/>
-            </a:defRPr>
-          </a:pPr>
-          <a:endParaRPr lang="en-US"/>
-        </a:p>
-      </c:txPr>
-    </c:legend>
-    <c:plotVisOnly val="1"/>
-    <c:dispBlanksAs val="gap"/>
-    <c:showDLblsOverMax val="0"/>
-  </c:chart>
-  <c:spPr>
-    <a:noFill/>
-    <a:ln>
-      <a:noFill/>
-    </a:ln>
-    <a:effectLst/>
-  </c:spPr>
-  <c:txPr>
-    <a:bodyPr/>
-    <a:lstStyle/>
-    <a:p>
-      <a:pPr>
-        <a:defRPr/>
-      </a:pPr>
-      <a:endParaRPr lang="en-US"/>
-    </a:p>
-  </c:txPr>
-  <c:externalData r:id="rId3">
-    <c:autoUpdate val="0"/>
-  </c:externalData>
-</c:chartSpace>
-</file>
-
-<file path=ppt/charts/colors1.xml><?xml version="1.0" encoding="utf-8"?>
-<cs:colorStyle xmlns:cs="http://schemas.microsoft.com/office/drawing/2012/chartStyle" xmlns:a="http://schemas.openxmlformats.org/drawingml/2006/main" meth="cycle" id="10">
-  <a:schemeClr val="accent1"/>
-  <a:schemeClr val="accent2"/>
-  <a:schemeClr val="accent3"/>
-  <a:schemeClr val="accent4"/>
-  <a:schemeClr val="accent5"/>
-  <a:schemeClr val="accent6"/>
-  <cs:variation/>
-  <cs:variation>
-    <a:lumMod val="60000"/>
-  </cs:variation>
-  <cs:variation>
-    <a:lumMod val="80000"/>
-    <a:lumOff val="20000"/>
-  </cs:variation>
-  <cs:variation>
-    <a:lumMod val="80000"/>
-  </cs:variation>
-  <cs:variation>
-    <a:lumMod val="60000"/>
-    <a:lumOff val="40000"/>
-  </cs:variation>
-  <cs:variation>
-    <a:lumMod val="50000"/>
-  </cs:variation>
-  <cs:variation>
-    <a:lumMod val="70000"/>
-    <a:lumOff val="30000"/>
-  </cs:variation>
-  <cs:variation>
-    <a:lumMod val="70000"/>
-  </cs:variation>
-  <cs:variation>
-    <a:lumMod val="50000"/>
-    <a:lumOff val="50000"/>
-  </cs:variation>
-</cs:colorStyle>
-</file>
-
-<file path=ppt/charts/style1.xml><?xml version="1.0" encoding="utf-8"?>
-<cs:chartStyle xmlns:cs="http://schemas.microsoft.com/office/drawing/2012/chartStyle" xmlns:a="http://schemas.openxmlformats.org/drawingml/2006/main" id="227">
-  <cs:axisTitle>
-    <cs:lnRef idx="0"/>
-    <cs:fillRef idx="0"/>
-    <cs:effectRef idx="0"/>
-    <cs:fontRef idx="minor">
-      <a:schemeClr val="tx1">
-        <a:lumMod val="65000"/>
-        <a:lumOff val="35000"/>
-      </a:schemeClr>
-    </cs:fontRef>
-    <cs:defRPr sz="1330" kern="1200"/>
-  </cs:axisTitle>
-  <cs:categoryAxis>
-    <cs:lnRef idx="0"/>
-    <cs:fillRef idx="0"/>
-    <cs:effectRef idx="0"/>
-    <cs:fontRef idx="minor">
-      <a:schemeClr val="tx1">
-        <a:lumMod val="65000"/>
-        <a:lumOff val="35000"/>
-      </a:schemeClr>
-    </cs:fontRef>
-    <cs:spPr>
-      <a:ln w="9525" cap="flat" cmpd="sng" algn="ctr">
-        <a:solidFill>
-          <a:schemeClr val="tx1">
-            <a:lumMod val="15000"/>
-            <a:lumOff val="85000"/>
-          </a:schemeClr>
-        </a:solidFill>
-        <a:round/>
-      </a:ln>
-    </cs:spPr>
-    <cs:defRPr sz="1197" kern="1200"/>
-  </cs:categoryAxis>
-  <cs:chartArea mods="allowNoFillOverride allowNoLineOverride">
-    <cs:lnRef idx="0"/>
-    <cs:fillRef idx="0"/>
-    <cs:effectRef idx="0"/>
-    <cs:fontRef idx="minor">
-      <a:schemeClr val="tx1"/>
-    </cs:fontRef>
-    <cs:spPr>
-      <a:solidFill>
-        <a:schemeClr val="bg1"/>
-      </a:solidFill>
-      <a:ln w="9525" cap="flat" cmpd="sng" algn="ctr">
-        <a:solidFill>
-          <a:schemeClr val="tx1">
-            <a:lumMod val="15000"/>
-            <a:lumOff val="85000"/>
-          </a:schemeClr>
-        </a:solidFill>
-        <a:round/>
-      </a:ln>
-    </cs:spPr>
-    <cs:defRPr sz="1330" kern="1200"/>
-  </cs:chartArea>
-  <cs:dataLabel>
-    <cs:lnRef idx="0"/>
-    <cs:fillRef idx="0"/>
-    <cs:effectRef idx="0"/>
-    <cs:fontRef idx="minor">
-      <a:schemeClr val="tx1">
-        <a:lumMod val="75000"/>
-        <a:lumOff val="25000"/>
-      </a:schemeClr>
-    </cs:fontRef>
-    <cs:defRPr sz="1197" kern="1200"/>
-  </cs:dataLabel>
-  <cs:dataLabelCallout>
-    <cs:lnRef idx="0"/>
-    <cs:fillRef idx="0"/>
-    <cs:effectRef idx="0"/>
-    <cs:fontRef idx="minor">
-      <a:schemeClr val="dk1">
-        <a:lumMod val="65000"/>
-        <a:lumOff val="35000"/>
-      </a:schemeClr>
-    </cs:fontRef>
-    <cs:spPr>
-      <a:solidFill>
-        <a:schemeClr val="lt1"/>
-      </a:solidFill>
-      <a:ln>
-        <a:solidFill>
-          <a:schemeClr val="dk1">
-            <a:lumMod val="25000"/>
-            <a:lumOff val="75000"/>
-          </a:schemeClr>
-        </a:solidFill>
-      </a:ln>
-    </cs:spPr>
-    <cs:defRPr sz="1197" kern="1200"/>
-  </cs:dataLabelCallout>
-  <cs:dataPoint>
-    <cs:lnRef idx="0"/>
-    <cs:fillRef idx="1">
-      <cs:styleClr val="auto"/>
-    </cs:fillRef>
-    <cs:effectRef idx="0"/>
-    <cs:fontRef idx="minor">
-      <a:schemeClr val="tx1"/>
-    </cs:fontRef>
-    <cs:spPr>
-      <a:solidFill>
-        <a:schemeClr val="phClr"/>
-      </a:solidFill>
-    </cs:spPr>
-  </cs:dataPoint>
-  <cs:dataPoint3D>
-    <cs:lnRef idx="0"/>
-    <cs:fillRef idx="1">
-      <cs:styleClr val="auto"/>
-    </cs:fillRef>
-    <cs:effectRef idx="0"/>
-    <cs:fontRef idx="minor">
-      <a:schemeClr val="tx1"/>
-    </cs:fontRef>
-    <cs:spPr>
-      <a:solidFill>
-        <a:schemeClr val="phClr"/>
-      </a:solidFill>
-    </cs:spPr>
-  </cs:dataPoint3D>
-  <cs:dataPointLine>
-    <cs:lnRef idx="0">
-      <cs:styleClr val="auto"/>
-    </cs:lnRef>
-    <cs:fillRef idx="1"/>
-    <cs:effectRef idx="0"/>
-    <cs:fontRef idx="minor">
-      <a:schemeClr val="tx1"/>
-    </cs:fontRef>
-    <cs:spPr>
-      <a:ln w="28575" cap="rnd">
-        <a:solidFill>
-          <a:schemeClr val="phClr"/>
-        </a:solidFill>
-        <a:round/>
-      </a:ln>
-    </cs:spPr>
-  </cs:dataPointLine>
-  <cs:dataPointMarker>
-    <cs:lnRef idx="0">
-      <cs:styleClr val="auto"/>
-    </cs:lnRef>
-    <cs:fillRef idx="1">
-      <cs:styleClr val="auto"/>
-    </cs:fillRef>
-    <cs:effectRef idx="0"/>
-    <cs:fontRef idx="minor">
-      <a:schemeClr val="tx1"/>
-    </cs:fontRef>
-    <cs:spPr>
-      <a:solidFill>
-        <a:schemeClr val="phClr"/>
-      </a:solidFill>
-      <a:ln w="9525">
-        <a:solidFill>
-          <a:schemeClr val="phClr"/>
-        </a:solidFill>
-      </a:ln>
-    </cs:spPr>
-  </cs:dataPointMarker>
-  <cs:dataPointMarkerLayout symbol="circle" size="5"/>
-  <cs:dataPointWireframe>
-    <cs:lnRef idx="0">
-      <cs:styleClr val="auto"/>
-    </cs:lnRef>
-    <cs:fillRef idx="1"/>
-    <cs:effectRef idx="0"/>
-    <cs:fontRef idx="minor">
-      <a:schemeClr val="tx1"/>
-    </cs:fontRef>
-    <cs:spPr>
-      <a:ln w="9525" cap="rnd">
-        <a:solidFill>
-          <a:schemeClr val="phClr"/>
-        </a:solidFill>
-        <a:round/>
-      </a:ln>
-    </cs:spPr>
-  </cs:dataPointWireframe>
-  <cs:dataTable>
-    <cs:lnRef idx="0"/>
-    <cs:fillRef idx="0"/>
-    <cs:effectRef idx="0"/>
-    <cs:fontRef idx="minor">
-      <a:schemeClr val="tx1">
-        <a:lumMod val="65000"/>
-        <a:lumOff val="35000"/>
-      </a:schemeClr>
-    </cs:fontRef>
-    <cs:spPr>
-      <a:noFill/>
-      <a:ln w="9525" cap="flat" cmpd="sng" algn="ctr">
-        <a:solidFill>
-          <a:schemeClr val="tx1">
-            <a:lumMod val="15000"/>
-            <a:lumOff val="85000"/>
-          </a:schemeClr>
-        </a:solidFill>
-        <a:round/>
-      </a:ln>
-    </cs:spPr>
-    <cs:defRPr sz="1197" kern="1200"/>
-  </cs:dataTable>
-  <cs:downBar>
-    <cs:lnRef idx="0"/>
-    <cs:fillRef idx="0"/>
-    <cs:effectRef idx="0"/>
-    <cs:fontRef idx="minor">
-      <a:schemeClr val="dk1"/>
-    </cs:fontRef>
-    <cs:spPr>
-      <a:solidFill>
-        <a:schemeClr val="dk1">
-          <a:lumMod val="65000"/>
-          <a:lumOff val="35000"/>
-        </a:schemeClr>
-      </a:solidFill>
-      <a:ln w="9525">
-        <a:solidFill>
-          <a:schemeClr val="tx1">
-            <a:lumMod val="65000"/>
-            <a:lumOff val="35000"/>
-          </a:schemeClr>
-        </a:solidFill>
-      </a:ln>
-    </cs:spPr>
-  </cs:downBar>
-  <cs:dropLine>
-    <cs:lnRef idx="0"/>
-    <cs:fillRef idx="0"/>
-    <cs:effectRef idx="0"/>
-    <cs:fontRef idx="minor">
-      <a:schemeClr val="tx1"/>
-    </cs:fontRef>
-    <cs:spPr>
-      <a:ln w="9525" cap="flat" cmpd="sng" algn="ctr">
-        <a:solidFill>
-          <a:schemeClr val="tx1">
-            <a:lumMod val="35000"/>
-            <a:lumOff val="65000"/>
-          </a:schemeClr>
-        </a:solidFill>
-        <a:round/>
-      </a:ln>
-    </cs:spPr>
-  </cs:dropLine>
-  <cs:errorBar>
-    <cs:lnRef idx="0"/>
-    <cs:fillRef idx="0"/>
-    <cs:effectRef idx="0"/>
-    <cs:fontRef idx="minor">
-      <a:schemeClr val="tx1"/>
-    </cs:fontRef>
-    <cs:spPr>
-      <a:ln w="9525" cap="flat" cmpd="sng" algn="ctr">
-        <a:solidFill>
-          <a:schemeClr val="tx1">
-            <a:lumMod val="65000"/>
-            <a:lumOff val="35000"/>
-          </a:schemeClr>
-        </a:solidFill>
-        <a:round/>
-      </a:ln>
-    </cs:spPr>
-  </cs:errorBar>
-  <cs:floor>
-    <cs:lnRef idx="0"/>
-    <cs:fillRef idx="0"/>
-    <cs:effectRef idx="0"/>
-    <cs:fontRef idx="minor">
-      <a:schemeClr val="tx1"/>
-    </cs:fontRef>
-    <cs:spPr>
-      <a:noFill/>
-      <a:ln>
-        <a:noFill/>
-      </a:ln>
-    </cs:spPr>
-  </cs:floor>
-  <cs:gridlineMajor>
-    <cs:lnRef idx="0"/>
-    <cs:fillRef idx="0"/>
-    <cs:effectRef idx="0"/>
-    <cs:fontRef idx="minor">
-      <a:schemeClr val="tx1"/>
-    </cs:fontRef>
-    <cs:spPr>
-      <a:ln w="9525" cap="flat" cmpd="sng" algn="ctr">
-        <a:solidFill>
-          <a:schemeClr val="tx1">
-            <a:lumMod val="15000"/>
-            <a:lumOff val="85000"/>
-          </a:schemeClr>
-        </a:solidFill>
-        <a:round/>
-      </a:ln>
-    </cs:spPr>
-  </cs:gridlineMajor>
-  <cs:gridlineMinor>
-    <cs:lnRef idx="0"/>
-    <cs:fillRef idx="0"/>
-    <cs:effectRef idx="0"/>
-    <cs:fontRef idx="minor">
-      <a:schemeClr val="tx1"/>
-    </cs:fontRef>
-    <cs:spPr>
-      <a:ln w="9525" cap="flat" cmpd="sng" algn="ctr">
-        <a:solidFill>
-          <a:schemeClr val="tx1">
-            <a:lumMod val="5000"/>
-            <a:lumOff val="95000"/>
-          </a:schemeClr>
-        </a:solidFill>
-        <a:round/>
-      </a:ln>
-    </cs:spPr>
-  </cs:gridlineMinor>
-  <cs:hiLoLine>
-    <cs:lnRef idx="0"/>
-    <cs:fillRef idx="0"/>
-    <cs:effectRef idx="0"/>
-    <cs:fontRef idx="minor">
-      <a:schemeClr val="tx1"/>
-    </cs:fontRef>
-    <cs:spPr>
-      <a:ln w="9525" cap="flat" cmpd="sng" algn="ctr">
-        <a:solidFill>
-          <a:schemeClr val="tx1">
-            <a:lumMod val="75000"/>
-            <a:lumOff val="25000"/>
-          </a:schemeClr>
-        </a:solidFill>
-        <a:round/>
-      </a:ln>
-    </cs:spPr>
-  </cs:hiLoLine>
-  <cs:leaderLine>
-    <cs:lnRef idx="0"/>
-    <cs:fillRef idx="0"/>
-    <cs:effectRef idx="0"/>
-    <cs:fontRef idx="minor">
-      <a:schemeClr val="tx1"/>
-    </cs:fontRef>
-    <cs:spPr>
-      <a:ln w="9525" cap="flat" cmpd="sng" algn="ctr">
-        <a:solidFill>
-          <a:schemeClr val="tx1">
-            <a:lumMod val="35000"/>
-            <a:lumOff val="65000"/>
-          </a:schemeClr>
-        </a:solidFill>
-        <a:round/>
-      </a:ln>
-    </cs:spPr>
-  </cs:leaderLine>
-  <cs:legend>
-    <cs:lnRef idx="0"/>
-    <cs:fillRef idx="0"/>
-    <cs:effectRef idx="0"/>
-    <cs:fontRef idx="minor">
-      <a:schemeClr val="tx1">
-        <a:lumMod val="65000"/>
-        <a:lumOff val="35000"/>
-      </a:schemeClr>
-    </cs:fontRef>
-    <cs:defRPr sz="1197" kern="1200"/>
-  </cs:legend>
-  <cs:plotArea mods="allowNoFillOverride allowNoLineOverride">
-    <cs:lnRef idx="0"/>
-    <cs:fillRef idx="0"/>
-    <cs:effectRef idx="0"/>
-    <cs:fontRef idx="minor">
-      <a:schemeClr val="tx1"/>
-    </cs:fontRef>
-  </cs:plotArea>
-  <cs:plotArea3D mods="allowNoFillOverride allowNoLineOverride">
-    <cs:lnRef idx="0"/>
-    <cs:fillRef idx="0"/>
-    <cs:effectRef idx="0"/>
-    <cs:fontRef idx="minor">
-      <a:schemeClr val="tx1"/>
-    </cs:fontRef>
-  </cs:plotArea3D>
-  <cs:seriesAxis>
-    <cs:lnRef idx="0"/>
-    <cs:fillRef idx="0"/>
-    <cs:effectRef idx="0"/>
-    <cs:fontRef idx="minor">
-      <a:schemeClr val="tx1">
-        <a:lumMod val="65000"/>
-        <a:lumOff val="35000"/>
-      </a:schemeClr>
-    </cs:fontRef>
-    <cs:defRPr sz="1197" kern="1200"/>
-  </cs:seriesAxis>
-  <cs:seriesLine>
-    <cs:lnRef idx="0"/>
-    <cs:fillRef idx="0"/>
-    <cs:effectRef idx="0"/>
-    <cs:fontRef idx="minor">
-      <a:schemeClr val="tx1"/>
-    </cs:fontRef>
-    <cs:spPr>
-      <a:ln w="9525" cap="flat" cmpd="sng" algn="ctr">
-        <a:solidFill>
-          <a:schemeClr val="tx1">
-            <a:lumMod val="35000"/>
-            <a:lumOff val="65000"/>
-          </a:schemeClr>
-        </a:solidFill>
-        <a:round/>
-      </a:ln>
-    </cs:spPr>
-  </cs:seriesLine>
-  <cs:title>
-    <cs:lnRef idx="0"/>
-    <cs:fillRef idx="0"/>
-    <cs:effectRef idx="0"/>
-    <cs:fontRef idx="minor">
-      <a:schemeClr val="tx1">
-        <a:lumMod val="65000"/>
-        <a:lumOff val="35000"/>
-      </a:schemeClr>
-    </cs:fontRef>
-    <cs:defRPr sz="1862" b="0" kern="1200" spc="0" baseline="0"/>
-  </cs:title>
-  <cs:trendline>
-    <cs:lnRef idx="0">
-      <cs:styleClr val="auto"/>
-    </cs:lnRef>
-    <cs:fillRef idx="0"/>
-    <cs:effectRef idx="0"/>
-    <cs:fontRef idx="minor">
-      <a:schemeClr val="tx1"/>
-    </cs:fontRef>
-    <cs:spPr>
-      <a:ln w="19050" cap="rnd">
-        <a:solidFill>
-          <a:schemeClr val="phClr"/>
-        </a:solidFill>
-        <a:prstDash val="sysDot"/>
-      </a:ln>
-    </cs:spPr>
-  </cs:trendline>
-  <cs:trendlineLabel>
-    <cs:lnRef idx="0"/>
-    <cs:fillRef idx="0"/>
-    <cs:effectRef idx="0"/>
-    <cs:fontRef idx="minor">
-      <a:schemeClr val="tx1">
-        <a:lumMod val="65000"/>
-        <a:lumOff val="35000"/>
-      </a:schemeClr>
-    </cs:fontRef>
-    <cs:defRPr sz="1197" kern="1200"/>
-  </cs:trendlineLabel>
-  <cs:upBar>
-    <cs:lnRef idx="0"/>
-    <cs:fillRef idx="0"/>
-    <cs:effectRef idx="0"/>
-    <cs:fontRef idx="minor">
-      <a:schemeClr val="dk1"/>
-    </cs:fontRef>
-    <cs:spPr>
-      <a:solidFill>
-        <a:schemeClr val="lt1"/>
-      </a:solidFill>
-      <a:ln w="9525">
-        <a:solidFill>
-          <a:schemeClr val="tx1">
-            <a:lumMod val="15000"/>
-            <a:lumOff val="85000"/>
-          </a:schemeClr>
-        </a:solidFill>
-      </a:ln>
-    </cs:spPr>
-  </cs:upBar>
-  <cs:valueAxis>
-    <cs:lnRef idx="0"/>
-    <cs:fillRef idx="0"/>
-    <cs:effectRef idx="0"/>
-    <cs:fontRef idx="minor">
-      <a:schemeClr val="tx1">
-        <a:lumMod val="65000"/>
-        <a:lumOff val="35000"/>
-      </a:schemeClr>
-    </cs:fontRef>
-    <cs:defRPr sz="1197" kern="1200"/>
-  </cs:valueAxis>
-  <cs:wall>
-    <cs:lnRef idx="0"/>
-    <cs:fillRef idx="0"/>
-    <cs:effectRef idx="0"/>
-    <cs:fontRef idx="minor">
-      <a:schemeClr val="tx1"/>
-    </cs:fontRef>
-    <cs:spPr>
-      <a:noFill/>
-      <a:ln>
-        <a:noFill/>
-      </a:ln>
-    </cs:spPr>
-  </cs:wall>
-</cs:chartStyle>
-</file>
-
 <file path=ppt/diagrams/colors1.xml><?xml version="1.0" encoding="utf-8"?>
-<dgm:colorsDef xmlns:dgm="http://schemas.openxmlformats.org/drawingml/2006/diagram" xmlns:a="http://schemas.openxmlformats.org/drawingml/2006/main" uniqueId="urn:microsoft.com/office/officeart/2005/8/colors/accent1_2">
-  <dgm:title val=""/>
-  <dgm:desc val=""/>
-  <dgm:catLst>
-    <dgm:cat type="accent1" pri="11200"/>
-  </dgm:catLst>
-  <dgm:styleLbl name="node0">
-    <dgm:fillClrLst meth="repeat">
-      <a:schemeClr val="accent1"/>
-    </dgm:fillClrLst>
-    <dgm:linClrLst meth="repeat">
-      <a:schemeClr val="lt1"/>
-    </dgm:linClrLst>
-    <dgm:effectClrLst/>
-    <dgm:txLinClrLst/>
-    <dgm:txFillClrLst/>
-    <dgm:txEffectClrLst/>
-  </dgm:styleLbl>
-  <dgm:styleLbl name="alignNode1">
-    <dgm:fillClrLst meth="repeat">
-      <a:schemeClr val="accent1"/>
-    </dgm:fillClrLst>
-    <dgm:linClrLst meth="repeat">
-      <a:schemeClr val="accent1"/>
-    </dgm:linClrLst>
-    <dgm:effectClrLst/>
-    <dgm:txLinClrLst/>
-    <dgm:txFillClrLst/>
-    <dgm:txEffectClrLst/>
-  </dgm:styleLbl>
-  <dgm:styleLbl name="node1">
-    <dgm:fillClrLst meth="repeat">
-      <a:schemeClr val="accent1"/>
-    </dgm:fillClrLst>
-    <dgm:linClrLst meth="repeat">
-      <a:schemeClr val="lt1"/>
-    </dgm:linClrLst>
-    <dgm:effectClrLst/>
-    <dgm:txLinClrLst/>
-    <dgm:txFillClrLst/>
-    <dgm:txEffectClrLst/>
-  </dgm:styleLbl>
-  <dgm:styleLbl name="lnNode1">
-    <dgm:fillClrLst meth="repeat">
-      <a:schemeClr val="accent1"/>
-    </dgm:fillClrLst>
-    <dgm:linClrLst meth="repeat">
-      <a:schemeClr val="lt1"/>
-    </dgm:linClrLst>
-    <dgm:effectClrLst/>
-    <dgm:txLinClrLst/>
-    <dgm:txFillClrLst/>
-    <dgm:txEffectClrLst/>
-  </dgm:styleLbl>
-  <dgm:styleLbl name="vennNode1">
-    <dgm:fillClrLst meth="repeat">
-      <a:schemeClr val="accent1">
-        <a:alpha val="50000"/>
-      </a:schemeClr>
-    </dgm:fillClrLst>
-    <dgm:linClrLst meth="repeat">
-      <a:schemeClr val="lt1"/>
-    </dgm:linClrLst>
-    <dgm:effectClrLst/>
-    <dgm:txLinClrLst/>
-    <dgm:txFillClrLst/>
-    <dgm:txEffectClrLst/>
-  </dgm:styleLbl>
-  <dgm:styleLbl name="node2">
-    <dgm:fillClrLst meth="repeat">
-      <a:schemeClr val="accent1"/>
-    </dgm:fillClrLst>
-    <dgm:linClrLst meth="repeat">
-      <a:schemeClr val="lt1"/>
-    </dgm:linClrLst>
-    <dgm:effectClrLst/>
-    <dgm:txLinClrLst/>
-    <dgm:txFillClrLst/>
-    <dgm:txEffectClrLst/>
-  </dgm:styleLbl>
-  <dgm:styleLbl name="node3">
-    <dgm:fillClrLst meth="repeat">
-      <a:schemeClr val="accent1"/>
-    </dgm:fillClrLst>
-    <dgm:linClrLst meth="repeat">
-      <a:schemeClr val="lt1"/>
-    </dgm:linClrLst>
-    <dgm:effectClrLst/>
-    <dgm:txLinClrLst/>
-    <dgm:txFillClrLst/>
-    <dgm:txEffectClrLst/>
-  </dgm:styleLbl>
-  <dgm:styleLbl name="node4">
-    <dgm:fillClrLst meth="repeat">
-      <a:schemeClr val="accent1"/>
-    </dgm:fillClrLst>
-    <dgm:linClrLst meth="repeat">
-      <a:schemeClr val="lt1"/>
-    </dgm:linClrLst>
-    <dgm:effectClrLst/>
-    <dgm:txLinClrLst/>
-    <dgm:txFillClrLst/>
-    <dgm:txEffectClrLst/>
-  </dgm:styleLbl>
-  <dgm:styleLbl name="fgImgPlace1">
-    <dgm:fillClrLst meth="repeat">
-      <a:schemeClr val="accent1">
-        <a:tint val="50000"/>
-      </a:schemeClr>
-    </dgm:fillClrLst>
-    <dgm:linClrLst meth="repeat">
-      <a:schemeClr val="lt1"/>
-    </dgm:linClrLst>
-    <dgm:effectClrLst/>
-    <dgm:txLinClrLst/>
-    <dgm:txFillClrLst meth="repeat">
-      <a:schemeClr val="lt1"/>
-    </dgm:txFillClrLst>
-    <dgm:txEffectClrLst/>
-  </dgm:styleLbl>
-  <dgm:styleLbl name="alignImgPlace1">
-    <dgm:fillClrLst meth="repeat">
-      <a:schemeClr val="accent1">
-        <a:tint val="50000"/>
-      </a:schemeClr>
-    </dgm:fillClrLst>
-    <dgm:linClrLst meth="repeat">
-      <a:schemeClr val="lt1"/>
-    </dgm:linClrLst>
-    <dgm:effectClrLst/>
-    <dgm:txLinClrLst/>
-    <dgm:txFillClrLst meth="repeat">
-      <a:schemeClr val="lt1"/>
-    </dgm:txFillClrLst>
-    <dgm:txEffectClrLst/>
-  </dgm:styleLbl>
-  <dgm:styleLbl name="bgImgPlace1">
-    <dgm:fillClrLst meth="repeat">
-      <a:schemeClr val="accent1">
-        <a:tint val="50000"/>
-      </a:schemeClr>
-    </dgm:fillClrLst>
-    <dgm:linClrLst meth="repeat">
-      <a:schemeClr val="lt1"/>
-    </dgm:linClrLst>
-    <dgm:effectClrLst/>
-    <dgm:txLinClrLst/>
-    <dgm:txFillClrLst meth="repeat">
-      <a:schemeClr val="lt1"/>
-    </dgm:txFillClrLst>
-    <dgm:txEffectClrLst/>
-  </dgm:styleLbl>
-  <dgm:styleLbl name="sibTrans2D1">
-    <dgm:fillClrLst meth="repeat">
-      <a:schemeClr val="accent1">
-        <a:tint val="60000"/>
-      </a:schemeClr>
-    </dgm:fillClrLst>
-    <dgm:linClrLst meth="repeat">
-      <a:schemeClr val="accent1">
-        <a:tint val="60000"/>
-      </a:schemeClr>
-    </dgm:linClrLst>
-    <dgm:effectClrLst/>
-    <dgm:txLinClrLst/>
-    <dgm:txFillClrLst/>
-    <dgm:txEffectClrLst/>
-  </dgm:styleLbl>
-  <dgm:styleLbl name="fgSibTrans2D1">
-    <dgm:fillClrLst meth="repeat">
-      <a:schemeClr val="accent1">
-        <a:tint val="60000"/>
-      </a:schemeClr>
-    </dgm:fillClrLst>
-    <dgm:linClrLst meth="repeat">
-      <a:schemeClr val="accent1">
-        <a:tint val="60000"/>
-      </a:schemeClr>
-    </dgm:linClrLst>
-    <dgm:effectClrLst/>
-    <dgm:txLinClrLst/>
-    <dgm:txFillClrLst/>
-    <dgm:txEffectClrLst/>
-  </dgm:styleLbl>
-  <dgm:styleLbl name="bgSibTrans2D1">
-    <dgm:fillClrLst meth="repeat">
-      <a:schemeClr val="accent1">
-        <a:tint val="60000"/>
-      </a:schemeClr>
-    </dgm:fillClrLst>
-    <dgm:linClrLst meth="repeat">
-      <a:schemeClr val="accent1">
-        <a:tint val="60000"/>
-      </a:schemeClr>
-    </dgm:linClrLst>
-    <dgm:effectClrLst/>
-    <dgm:txLinClrLst/>
-    <dgm:txFillClrLst/>
-    <dgm:txEffectClrLst/>
-  </dgm:styleLbl>
-  <dgm:styleLbl name="sibTrans1D1">
-    <dgm:fillClrLst meth="repeat">
-      <a:schemeClr val="accent1"/>
-    </dgm:fillClrLst>
-    <dgm:linClrLst meth="repeat">
-      <a:schemeClr val="accent1"/>
-    </dgm:linClrLst>
-    <dgm:effectClrLst/>
-    <dgm:txLinClrLst/>
-    <dgm:txFillClrLst meth="repeat">
-      <a:schemeClr val="tx1"/>
-    </dgm:txFillClrLst>
-    <dgm:txEffectClrLst/>
-  </dgm:styleLbl>
-  <dgm:styleLbl name="callout">
-    <dgm:fillClrLst meth="repeat">
-      <a:schemeClr val="accent1"/>
-    </dgm:fillClrLst>
-    <dgm:linClrLst meth="repeat">
-      <a:schemeClr val="accent1">
-        <a:tint val="50000"/>
-      </a:schemeClr>
-    </dgm:linClrLst>
-    <dgm:effectClrLst/>
-    <dgm:txLinClrLst/>
-    <dgm:txFillClrLst meth="repeat">
-      <a:schemeClr val="tx1"/>
-    </dgm:txFillClrLst>
-    <dgm:txEffectClrLst/>
-  </dgm:styleLbl>
-  <dgm:styleLbl name="asst0">
-    <dgm:fillClrLst meth="repeat">
-      <a:schemeClr val="accent1"/>
-    </dgm:fillClrLst>
-    <dgm:linClrLst meth="repeat">
-      <a:schemeClr val="lt1"/>
-    </dgm:linClrLst>
-    <dgm:effectClrLst/>
-    <dgm:txLinClrLst/>
-    <dgm:txFillClrLst/>
-    <dgm:txEffectClrLst/>
-  </dgm:styleLbl>
-  <dgm:styleLbl name="asst1">
-    <dgm:fillClrLst meth="repeat">
-      <a:schemeClr val="accent1"/>
-    </dgm:fillClrLst>
-    <dgm:linClrLst meth="repeat">
-      <a:schemeClr val="lt1"/>
-    </dgm:linClrLst>
-    <dgm:effectClrLst/>
-    <dgm:txLinClrLst/>
-    <dgm:txFillClrLst/>
-    <dgm:txEffectClrLst/>
-  </dgm:styleLbl>
-  <dgm:styleLbl name="asst2">
-    <dgm:fillClrLst meth="repeat">
-      <a:schemeClr val="accent1"/>
-    </dgm:fillClrLst>
-    <dgm:linClrLst meth="repeat">
-      <a:schemeClr val="lt1"/>
-    </dgm:linClrLst>
-    <dgm:effectClrLst/>
-    <dgm:txLinClrLst/>
-    <dgm:txFillClrLst/>
-    <dgm:txEffectClrLst/>
-  </dgm:styleLbl>
-  <dgm:styleLbl name="asst3">
-    <dgm:fillClrLst meth="repeat">
-      <a:schemeClr val="accent1"/>
-    </dgm:fillClrLst>
-    <dgm:linClrLst meth="repeat">
-      <a:schemeClr val="lt1"/>
-    </dgm:linClrLst>
-    <dgm:effectClrLst/>
-    <dgm:txLinClrLst/>
-    <dgm:txFillClrLst/>
-    <dgm:txEffectClrLst/>
-  </dgm:styleLbl>
-  <dgm:styleLbl name="asst4">
-    <dgm:fillClrLst meth="repeat">
-      <a:schemeClr val="accent1"/>
-    </dgm:fillClrLst>
-    <dgm:linClrLst meth="repeat">
-      <a:schemeClr val="lt1"/>
-    </dgm:linClrLst>
-    <dgm:effectClrLst/>
-    <dgm:txLinClrLst/>
-    <dgm:txFillClrLst/>
-    <dgm:txEffectClrLst/>
-  </dgm:styleLbl>
-  <dgm:styleLbl name="parChTrans2D1">
-    <dgm:fillClrLst meth="repeat">
-      <a:schemeClr val="accent1">
-        <a:tint val="60000"/>
-      </a:schemeClr>
-    </dgm:fillClrLst>
-    <dgm:linClrLst meth="repeat">
-      <a:schemeClr val="accent1">
-        <a:tint val="60000"/>
-      </a:schemeClr>
-    </dgm:linClrLst>
-    <dgm:effectClrLst/>
-    <dgm:txLinClrLst/>
-    <dgm:txFillClrLst meth="repeat">
-      <a:schemeClr val="lt1"/>
-    </dgm:txFillClrLst>
-    <dgm:txEffectClrLst/>
-  </dgm:styleLbl>
-  <dgm:styleLbl name="parChTrans2D2">
-    <dgm:fillClrLst meth="repeat">
-      <a:schemeClr val="accent1"/>
-    </dgm:fillClrLst>
-    <dgm:linClrLst meth="repeat">
-      <a:schemeClr val="accent1"/>
-    </dgm:linClrLst>
-    <dgm:effectClrLst/>
-    <dgm:txLinClrLst/>
-    <dgm:txFillClrLst meth="repeat">
-      <a:schemeClr val="lt1"/>
-    </dgm:txFillClrLst>
-    <dgm:txEffectClrLst/>
-  </dgm:styleLbl>
-  <dgm:styleLbl name="parChTrans2D3">
-    <dgm:fillClrLst meth="repeat">
-      <a:schemeClr val="accent1"/>
-    </dgm:fillClrLst>
-    <dgm:linClrLst meth="repeat">
-      <a:schemeClr val="accent1"/>
-    </dgm:linClrLst>
-    <dgm:effectClrLst/>
-    <dgm:txLinClrLst/>
-    <dgm:txFillClrLst meth="repeat">
-      <a:schemeClr val="lt1"/>
-    </dgm:txFillClrLst>
-    <dgm:txEffectClrLst/>
-  </dgm:styleLbl>
-  <dgm:styleLbl name="parChTrans2D4">
-    <dgm:fillClrLst meth="repeat">
-      <a:schemeClr val="accent1"/>
-    </dgm:fillClrLst>
-    <dgm:linClrLst meth="repeat">
-      <a:schemeClr val="accent1"/>
-    </dgm:linClrLst>
-    <dgm:effectClrLst/>
-    <dgm:txLinClrLst/>
-    <dgm:txFillClrLst meth="repeat">
-      <a:schemeClr val="lt1"/>
-    </dgm:txFillClrLst>
-    <dgm:txEffectClrLst/>
-  </dgm:styleLbl>
-  <dgm:styleLbl name="parChTrans1D1">
-    <dgm:fillClrLst meth="repeat">
-      <a:schemeClr val="accent1"/>
-    </dgm:fillClrLst>
-    <dgm:linClrLst meth="repeat">
-      <a:schemeClr val="accent1">
-        <a:shade val="60000"/>
-      </a:schemeClr>
-    </dgm:linClrLst>
-    <dgm:effectClrLst/>
-    <dgm:txLinClrLst/>
-    <dgm:txFillClrLst meth="repeat">
-      <a:schemeClr val="tx1"/>
-    </dgm:txFillClrLst>
-    <dgm:txEffectClrLst/>
-  </dgm:styleLbl>
-  <dgm:styleLbl name="parChTrans1D2">
-    <dgm:fillClrLst meth="repeat">
-      <a:schemeClr val="accent1"/>
-    </dgm:fillClrLst>
-    <dgm:linClrLst meth="repeat">
-      <a:schemeClr val="accent1">
-        <a:shade val="60000"/>
-      </a:schemeClr>
-    </dgm:linClrLst>
-    <dgm:effectClrLst/>
-    <dgm:txLinClrLst/>
-    <dgm:txFillClrLst meth="repeat">
-      <a:schemeClr val="tx1"/>
-    </dgm:txFillClrLst>
-    <dgm:txEffectClrLst/>
-  </dgm:styleLbl>
-  <dgm:styleLbl name="parChTrans1D3">
-    <dgm:fillClrLst meth="repeat">
-      <a:schemeClr val="accent1"/>
-    </dgm:fillClrLst>
-    <dgm:linClrLst meth="repeat">
-      <a:schemeClr val="accent1">
-        <a:shade val="80000"/>
-      </a:schemeClr>
-    </dgm:linClrLst>
-    <dgm:effectClrLst/>
-    <dgm:txLinClrLst/>
-    <dgm:txFillClrLst meth="repeat">
-      <a:schemeClr val="tx1"/>
-    </dgm:txFillClrLst>
-    <dgm:txEffectClrLst/>
-  </dgm:styleLbl>
-  <dgm:styleLbl name="parChTrans1D4">
-    <dgm:fillClrLst meth="repeat">
-      <a:schemeClr val="accent1"/>
-    </dgm:fillClrLst>
-    <dgm:linClrLst meth="repeat">
-      <a:schemeClr val="accent1">
-        <a:shade val="80000"/>
-      </a:schemeClr>
-    </dgm:linClrLst>
-    <dgm:effectClrLst/>
-    <dgm:txLinClrLst/>
-    <dgm:txFillClrLst meth="repeat">
-      <a:schemeClr val="tx1"/>
-    </dgm:txFillClrLst>
-    <dgm:txEffectClrLst/>
-  </dgm:styleLbl>
-  <dgm:styleLbl name="fgAcc1">
-    <dgm:fillClrLst meth="repeat">
-      <a:schemeClr val="lt1">
-        <a:alpha val="90000"/>
-      </a:schemeClr>
-    </dgm:fillClrLst>
-    <dgm:linClrLst meth="repeat">
-      <a:schemeClr val="accent1"/>
-    </dgm:linClrLst>
-    <dgm:effectClrLst/>
-    <dgm:txLinClrLst/>
-    <dgm:txFillClrLst meth="repeat">
-      <a:schemeClr val="dk1"/>
-    </dgm:txFillClrLst>
-    <dgm:txEffectClrLst/>
-  </dgm:styleLbl>
-  <dgm:styleLbl name="conFgAcc1">
-    <dgm:fillClrLst meth="repeat">
-      <a:schemeClr val="lt1">
-        <a:alpha val="90000"/>
-      </a:schemeClr>
-    </dgm:fillClrLst>
-    <dgm:linClrLst meth="repeat">
-      <a:schemeClr val="accent1"/>
-    </dgm:linClrLst>
-    <dgm:effectClrLst/>
-    <dgm:txLinClrLst/>
-    <dgm:txFillClrLst meth="repeat">
-      <a:schemeClr val="dk1"/>
-    </dgm:txFillClrLst>
-    <dgm:txEffectClrLst/>
-  </dgm:styleLbl>
-  <dgm:styleLbl name="alignAcc1">
-    <dgm:fillClrLst meth="repeat">
-      <a:schemeClr val="lt1">
-        <a:alpha val="90000"/>
-      </a:schemeClr>
-    </dgm:fillClrLst>
-    <dgm:linClrLst meth="repeat">
-      <a:schemeClr val="accent1"/>
-    </dgm:linClrLst>
-    <dgm:effectClrLst/>
-    <dgm:txLinClrLst/>
-    <dgm:txFillClrLst meth="repeat">
-      <a:schemeClr val="dk1"/>
-    </dgm:txFillClrLst>
-    <dgm:txEffectClrLst/>
-  </dgm:styleLbl>
-  <dgm:styleLbl name="trAlignAcc1">
-    <dgm:fillClrLst meth="repeat">
-      <a:schemeClr val="lt1">
-        <a:alpha val="40000"/>
-      </a:schemeClr>
-    </dgm:fillClrLst>
-    <dgm:linClrLst meth="repeat">
-      <a:schemeClr val="accent1"/>
-    </dgm:linClrLst>
-    <dgm:effectClrLst/>
-    <dgm:txLinClrLst/>
-    <dgm:txFillClrLst meth="repeat">
-      <a:schemeClr val="dk1"/>
-    </dgm:txFillClrLst>
-    <dgm:txEffectClrLst/>
-  </dgm:styleLbl>
-  <dgm:styleLbl name="bgAcc1">
-    <dgm:fillClrLst meth="repeat">
-      <a:schemeClr val="lt1">
-        <a:alpha val="90000"/>
-      </a:schemeClr>
-    </dgm:fillClrLst>
-    <dgm:linClrLst meth="repeat">
-      <a:schemeClr val="accent1"/>
-    </dgm:linClrLst>
-    <dgm:effectClrLst/>
-    <dgm:txLinClrLst/>
-    <dgm:txFillClrLst meth="repeat">
-      <a:schemeClr val="dk1"/>
-    </dgm:txFillClrLst>
-    <dgm:txEffectClrLst/>
-  </dgm:styleLbl>
-  <dgm:styleLbl name="solidFgAcc1">
-    <dgm:fillClrLst meth="repeat">
-      <a:schemeClr val="lt1"/>
-    </dgm:fillClrLst>
-    <dgm:linClrLst meth="repeat">
-      <a:schemeClr val="accent1"/>
-    </dgm:linClrLst>
-    <dgm:effectClrLst/>
-    <dgm:txLinClrLst/>
-    <dgm:txFillClrLst meth="repeat">
-      <a:schemeClr val="dk1"/>
-    </dgm:txFillClrLst>
-    <dgm:txEffectClrLst/>
-  </dgm:styleLbl>
-  <dgm:styleLbl name="solidAlignAcc1">
-    <dgm:fillClrLst meth="repeat">
-      <a:schemeClr val="lt1"/>
-    </dgm:fillClrLst>
-    <dgm:linClrLst meth="repeat">
-      <a:schemeClr val="accent1"/>
-    </dgm:linClrLst>
-    <dgm:effectClrLst/>
-    <dgm:txLinClrLst/>
-    <dgm:txFillClrLst meth="repeat">
-      <a:schemeClr val="dk1"/>
-    </dgm:txFillClrLst>
-    <dgm:txEffectClrLst/>
-  </dgm:styleLbl>
-  <dgm:styleLbl name="solidBgAcc1">
-    <dgm:fillClrLst meth="repeat">
-      <a:schemeClr val="lt1"/>
-    </dgm:fillClrLst>
-    <dgm:linClrLst meth="repeat">
-      <a:schemeClr val="accent1"/>
-    </dgm:linClrLst>
-    <dgm:effectClrLst/>
-    <dgm:txLinClrLst/>
-    <dgm:txFillClrLst meth="repeat">
-      <a:schemeClr val="dk1"/>
-    </dgm:txFillClrLst>
-    <dgm:txEffectClrLst/>
-  </dgm:styleLbl>
-  <dgm:styleLbl name="fgAccFollowNode1">
-    <dgm:fillClrLst meth="repeat">
-      <a:schemeClr val="accent1">
-        <a:alpha val="90000"/>
-        <a:tint val="40000"/>
-      </a:schemeClr>
-    </dgm:fillClrLst>
-    <dgm:linClrLst meth="repeat">
-      <a:schemeClr val="accent1">
-        <a:alpha val="90000"/>
-        <a:tint val="40000"/>
-      </a:schemeClr>
-    </dgm:linClrLst>
-    <dgm:effectClrLst/>
-    <dgm:txLinClrLst/>
-    <dgm:txFillClrLst meth="repeat">
-      <a:schemeClr val="dk1"/>
-    </dgm:txFillClrLst>
-    <dgm:txEffectClrLst/>
-  </dgm:styleLbl>
-  <dgm:styleLbl name="alignAccFollowNode1">
-    <dgm:fillClrLst meth="repeat">
-      <a:schemeClr val="accent1">
-        <a:alpha val="90000"/>
-        <a:tint val="40000"/>
-      </a:schemeClr>
-    </dgm:fillClrLst>
-    <dgm:linClrLst meth="repeat">
-      <a:schemeClr val="accent1">
-        <a:alpha val="90000"/>
-        <a:tint val="40000"/>
-      </a:schemeClr>
-    </dgm:linClrLst>
-    <dgm:effectClrLst/>
-    <dgm:txLinClrLst/>
-    <dgm:txFillClrLst meth="repeat">
-      <a:schemeClr val="dk1"/>
-    </dgm:txFillClrLst>
-    <dgm:txEffectClrLst/>
-  </dgm:styleLbl>
-  <dgm:styleLbl name="bgAccFollowNode1">
-    <dgm:fillClrLst meth="repeat">
-      <a:schemeClr val="accent1">
-        <a:alpha val="90000"/>
-        <a:tint val="40000"/>
-      </a:schemeClr>
-    </dgm:fillClrLst>
-    <dgm:linClrLst meth="repeat">
-      <a:schemeClr val="accent1">
-        <a:alpha val="90000"/>
-        <a:tint val="40000"/>
-      </a:schemeClr>
-    </dgm:linClrLst>
-    <dgm:effectClrLst/>
-    <dgm:txLinClrLst/>
-    <dgm:txFillClrLst meth="repeat">
-      <a:schemeClr val="dk1"/>
-    </dgm:txFillClrLst>
-    <dgm:txEffectClrLst/>
-  </dgm:styleLbl>
-  <dgm:styleLbl name="fgAcc0">
-    <dgm:fillClrLst meth="repeat">
-      <a:schemeClr val="lt1">
-        <a:alpha val="90000"/>
-      </a:schemeClr>
-    </dgm:fillClrLst>
-    <dgm:linClrLst meth="repeat">
-      <a:schemeClr val="accent1"/>
-    </dgm:linClrLst>
-    <dgm:effectClrLst/>
-    <dgm:txLinClrLst/>
-    <dgm:txFillClrLst meth="repeat">
-      <a:schemeClr val="dk1"/>
-    </dgm:txFillClrLst>
-    <dgm:txEffectClrLst/>
-  </dgm:styleLbl>
-  <dgm:styleLbl name="fgAcc2">
-    <dgm:fillClrLst meth="repeat">
-      <a:schemeClr val="lt1">
-        <a:alpha val="90000"/>
-      </a:schemeClr>
-    </dgm:fillClrLst>
-    <dgm:linClrLst meth="repeat">
-      <a:schemeClr val="accent1"/>
-    </dgm:linClrLst>
-    <dgm:effectClrLst/>
-    <dgm:txLinClrLst/>
-    <dgm:txFillClrLst meth="repeat">
-      <a:schemeClr val="dk1"/>
-    </dgm:txFillClrLst>
-    <dgm:txEffectClrLst/>
-  </dgm:styleLbl>
-  <dgm:styleLbl name="fgAcc3">
-    <dgm:fillClrLst meth="repeat">
-      <a:schemeClr val="lt1">
-        <a:alpha val="90000"/>
-      </a:schemeClr>
-    </dgm:fillClrLst>
-    <dgm:linClrLst meth="repeat">
-      <a:schemeClr val="accent1"/>
-    </dgm:linClrLst>
-    <dgm:effectClrLst/>
-    <dgm:txLinClrLst/>
-    <dgm:txFillClrLst meth="repeat">
-      <a:schemeClr val="dk1"/>
-    </dgm:txFillClrLst>
-    <dgm:txEffectClrLst/>
-  </dgm:styleLbl>
-  <dgm:styleLbl name="fgAcc4">
-    <dgm:fillClrLst meth="repeat">
-      <a:schemeClr val="lt1">
-        <a:alpha val="90000"/>
-      </a:schemeClr>
-    </dgm:fillClrLst>
-    <dgm:linClrLst meth="repeat">
-      <a:schemeClr val="accent1"/>
-    </dgm:linClrLst>
-    <dgm:effectClrLst/>
-    <dgm:txLinClrLst/>
-    <dgm:txFillClrLst meth="repeat">
-      <a:schemeClr val="dk1"/>
-    </dgm:txFillClrLst>
-    <dgm:txEffectClrLst/>
-  </dgm:styleLbl>
-  <dgm:styleLbl name="bgShp">
-    <dgm:fillClrLst meth="repeat">
-      <a:schemeClr val="accent1">
-        <a:tint val="40000"/>
-      </a:schemeClr>
-    </dgm:fillClrLst>
-    <dgm:linClrLst meth="repeat">
-      <a:schemeClr val="accent1"/>
-    </dgm:linClrLst>
-    <dgm:effectClrLst/>
-    <dgm:txLinClrLst/>
-    <dgm:txFillClrLst meth="repeat">
-      <a:schemeClr val="dk1"/>
-    </dgm:txFillClrLst>
-    <dgm:txEffectClrLst/>
-  </dgm:styleLbl>
-  <dgm:styleLbl name="dkBgShp">
-    <dgm:fillClrLst meth="repeat">
-      <a:schemeClr val="accent1">
-        <a:shade val="80000"/>
-      </a:schemeClr>
-    </dgm:fillClrLst>
-    <dgm:linClrLst meth="repeat">
-      <a:schemeClr val="accent1"/>
-    </dgm:linClrLst>
-    <dgm:effectClrLst/>
-    <dgm:txLinClrLst/>
-    <dgm:txFillClrLst meth="repeat">
-      <a:schemeClr val="lt1"/>
-    </dgm:txFillClrLst>
-    <dgm:txEffectClrLst/>
-  </dgm:styleLbl>
-  <dgm:styleLbl name="trBgShp">
-    <dgm:fillClrLst meth="repeat">
-      <a:schemeClr val="accent1">
-        <a:tint val="50000"/>
-        <a:alpha val="40000"/>
-      </a:schemeClr>
-    </dgm:fillClrLst>
-    <dgm:linClrLst meth="repeat">
-      <a:schemeClr val="accent1"/>
-    </dgm:linClrLst>
-    <dgm:effectClrLst/>
-    <dgm:txLinClrLst/>
-    <dgm:txFillClrLst meth="repeat">
-      <a:schemeClr val="lt1"/>
-    </dgm:txFillClrLst>
-    <dgm:txEffectClrLst/>
-  </dgm:styleLbl>
-  <dgm:styleLbl name="fgShp">
-    <dgm:fillClrLst meth="repeat">
-      <a:schemeClr val="accent1">
-        <a:tint val="60000"/>
-      </a:schemeClr>
-    </dgm:fillClrLst>
-    <dgm:linClrLst meth="repeat">
-      <a:schemeClr val="lt1"/>
-    </dgm:linClrLst>
-    <dgm:effectClrLst/>
-    <dgm:txLinClrLst/>
-    <dgm:txFillClrLst meth="repeat">
-      <a:schemeClr val="dk1"/>
-    </dgm:txFillClrLst>
-    <dgm:txEffectClrLst/>
-  </dgm:styleLbl>
-  <dgm:styleLbl name="revTx">
-    <dgm:fillClrLst meth="repeat">
-      <a:schemeClr val="lt1">
-        <a:alpha val="0"/>
-      </a:schemeClr>
-    </dgm:fillClrLst>
-    <dgm:linClrLst meth="repeat">
-      <a:schemeClr val="dk1">
-        <a:alpha val="0"/>
-      </a:schemeClr>
-    </dgm:linClrLst>
-    <dgm:effectClrLst/>
-    <dgm:txLinClrLst/>
-    <dgm:txFillClrLst meth="repeat">
-      <a:schemeClr val="tx1"/>
-    </dgm:txFillClrLst>
-    <dgm:txEffectClrLst/>
-  </dgm:styleLbl>
-</dgm:colorsDef>
-</file>
-
-<file path=ppt/diagrams/colors2.xml><?xml version="1.0" encoding="utf-8"?>
 <dgm:colorsDef xmlns:dgm="http://schemas.openxmlformats.org/drawingml/2006/diagram" xmlns:a="http://schemas.openxmlformats.org/drawingml/2006/main" uniqueId="urn:microsoft.com/office/officeart/2005/8/colors/accent1_2">
   <dgm:title val=""/>
   <dgm:desc val=""/>
@@ -2743,7 +1011,7 @@
         <a:p>
           <a:r>
             <a:rPr lang="en-US" dirty="0"/>
-            <a:t>barcode</a:t>
+            <a:t>Sanitize</a:t>
           </a:r>
         </a:p>
       </dgm:t>
@@ -2779,7 +1047,7 @@
         <a:p>
           <a:r>
             <a:rPr lang="en-US" dirty="0"/>
-            <a:t>sanitize</a:t>
+            <a:t>Barcode</a:t>
           </a:r>
         </a:p>
       </dgm:t>
@@ -2815,7 +1083,7 @@
         <a:p>
           <a:r>
             <a:rPr lang="en-US" dirty="0"/>
-            <a:t>send</a:t>
+            <a:t>Send</a:t>
           </a:r>
         </a:p>
       </dgm:t>
@@ -2851,7 +1119,7 @@
         <a:p>
           <a:r>
             <a:rPr lang="en-US" dirty="0"/>
-            <a:t>receive</a:t>
+            <a:t>Receive</a:t>
           </a:r>
         </a:p>
       </dgm:t>
@@ -3226,405 +1494,6 @@
 </dgm:dataModel>
 </file>
 
-<file path=ppt/diagrams/data2.xml><?xml version="1.0" encoding="utf-8"?>
-<dgm:dataModel xmlns:dgm="http://schemas.openxmlformats.org/drawingml/2006/diagram" xmlns:a="http://schemas.openxmlformats.org/drawingml/2006/main">
-  <dgm:ptLst>
-    <dgm:pt modelId="{90119837-5B71-4D44-BB01-DB0B084933C8}" type="doc">
-      <dgm:prSet loTypeId="urn:microsoft.com/office/officeart/2005/8/layout/vList2" loCatId="list" qsTypeId="urn:microsoft.com/office/officeart/2005/8/quickstyle/simple1" qsCatId="simple" csTypeId="urn:microsoft.com/office/officeart/2005/8/colors/accent1_2" csCatId="accent1" phldr="1"/>
-      <dgm:spPr/>
-      <dgm:t>
-        <a:bodyPr/>
-        <a:lstStyle/>
-        <a:p>
-          <a:endParaRPr lang="en-US"/>
-        </a:p>
-      </dgm:t>
-    </dgm:pt>
-    <dgm:pt modelId="{477D14C5-CED9-4CFC-B338-DFB0C8090B9F}">
-      <dgm:prSet phldrT="[Text]"/>
-      <dgm:spPr/>
-      <dgm:t>
-        <a:bodyPr/>
-        <a:lstStyle/>
-        <a:p>
-          <a:r>
-            <a:rPr lang="en-US"/>
-            <a:t>Group A</a:t>
-          </a:r>
-          <a:endParaRPr lang="en-US" dirty="0"/>
-        </a:p>
-      </dgm:t>
-    </dgm:pt>
-    <dgm:pt modelId="{92DFCBC7-BC14-4697-8ECD-BF0D5B1EDA3B}" type="parTrans" cxnId="{7D461F02-AB37-447A-AC6B-D31C4D2EC6A9}">
-      <dgm:prSet/>
-      <dgm:spPr/>
-      <dgm:t>
-        <a:bodyPr/>
-        <a:lstStyle/>
-        <a:p>
-          <a:endParaRPr lang="en-US"/>
-        </a:p>
-      </dgm:t>
-    </dgm:pt>
-    <dgm:pt modelId="{87E3C0DB-7BEE-424E-8E11-B838D238D595}" type="sibTrans" cxnId="{7D461F02-AB37-447A-AC6B-D31C4D2EC6A9}">
-      <dgm:prSet/>
-      <dgm:spPr/>
-      <dgm:t>
-        <a:bodyPr/>
-        <a:lstStyle/>
-        <a:p>
-          <a:endParaRPr lang="en-US"/>
-        </a:p>
-      </dgm:t>
-    </dgm:pt>
-    <dgm:pt modelId="{C111C18A-FD96-4E63-821A-54D70D8DC65F}">
-      <dgm:prSet phldrT="[Text]"/>
-      <dgm:spPr/>
-      <dgm:t>
-        <a:bodyPr/>
-        <a:lstStyle/>
-        <a:p>
-          <a:r>
-            <a:rPr lang="en-US" dirty="0"/>
-            <a:t>Task 1</a:t>
-          </a:r>
-        </a:p>
-      </dgm:t>
-    </dgm:pt>
-    <dgm:pt modelId="{83BE74EF-FAB4-45A2-BBED-7CD5259AB210}" type="parTrans" cxnId="{FFD8B471-C98F-4DB5-8DE3-2AB7E896ADD5}">
-      <dgm:prSet/>
-      <dgm:spPr/>
-      <dgm:t>
-        <a:bodyPr/>
-        <a:lstStyle/>
-        <a:p>
-          <a:endParaRPr lang="en-US"/>
-        </a:p>
-      </dgm:t>
-    </dgm:pt>
-    <dgm:pt modelId="{B4F34DE2-2DAE-4F88-8C78-BD8892EBF4FF}" type="sibTrans" cxnId="{FFD8B471-C98F-4DB5-8DE3-2AB7E896ADD5}">
-      <dgm:prSet/>
-      <dgm:spPr/>
-      <dgm:t>
-        <a:bodyPr/>
-        <a:lstStyle/>
-        <a:p>
-          <a:endParaRPr lang="en-US"/>
-        </a:p>
-      </dgm:t>
-    </dgm:pt>
-    <dgm:pt modelId="{33EAD35F-38F2-4CB7-9A6D-B04FFD8A51FD}">
-      <dgm:prSet phldrT="[Text]"/>
-      <dgm:spPr/>
-      <dgm:t>
-        <a:bodyPr/>
-        <a:lstStyle/>
-        <a:p>
-          <a:r>
-            <a:rPr lang="en-US" dirty="0"/>
-            <a:t>Task 2</a:t>
-          </a:r>
-        </a:p>
-      </dgm:t>
-    </dgm:pt>
-    <dgm:pt modelId="{81FE7DB1-4BFC-4407-80A9-E5514E94C61D}" type="parTrans" cxnId="{FAC3D40F-8E66-452D-9CA4-C2871F2D10EF}">
-      <dgm:prSet/>
-      <dgm:spPr/>
-      <dgm:t>
-        <a:bodyPr/>
-        <a:lstStyle/>
-        <a:p>
-          <a:endParaRPr lang="en-US"/>
-        </a:p>
-      </dgm:t>
-    </dgm:pt>
-    <dgm:pt modelId="{4B66B839-1910-459B-92B2-14846EBA7A70}" type="sibTrans" cxnId="{FAC3D40F-8E66-452D-9CA4-C2871F2D10EF}">
-      <dgm:prSet/>
-      <dgm:spPr/>
-      <dgm:t>
-        <a:bodyPr/>
-        <a:lstStyle/>
-        <a:p>
-          <a:endParaRPr lang="en-US"/>
-        </a:p>
-      </dgm:t>
-    </dgm:pt>
-    <dgm:pt modelId="{3C67E77D-62FA-499D-B5E6-E79A091C5267}">
-      <dgm:prSet phldrT="[Text]"/>
-      <dgm:spPr/>
-      <dgm:t>
-        <a:bodyPr/>
-        <a:lstStyle/>
-        <a:p>
-          <a:r>
-            <a:rPr lang="en-US" dirty="0"/>
-            <a:t>Group B</a:t>
-          </a:r>
-        </a:p>
-      </dgm:t>
-    </dgm:pt>
-    <dgm:pt modelId="{5337D229-E330-4525-B0FA-14EC5A80604A}" type="parTrans" cxnId="{32AA6160-4426-4C4D-93AE-E2F474E37AD9}">
-      <dgm:prSet/>
-      <dgm:spPr/>
-      <dgm:t>
-        <a:bodyPr/>
-        <a:lstStyle/>
-        <a:p>
-          <a:endParaRPr lang="en-US"/>
-        </a:p>
-      </dgm:t>
-    </dgm:pt>
-    <dgm:pt modelId="{C056AC5D-B04E-4376-A1CB-3EAB7BE5AF5B}" type="sibTrans" cxnId="{32AA6160-4426-4C4D-93AE-E2F474E37AD9}">
-      <dgm:prSet/>
-      <dgm:spPr/>
-      <dgm:t>
-        <a:bodyPr/>
-        <a:lstStyle/>
-        <a:p>
-          <a:endParaRPr lang="en-US"/>
-        </a:p>
-      </dgm:t>
-    </dgm:pt>
-    <dgm:pt modelId="{D6510970-8F9C-4B45-A0F3-6ACB9AA76D40}">
-      <dgm:prSet phldrT="[Text]"/>
-      <dgm:spPr/>
-      <dgm:t>
-        <a:bodyPr/>
-        <a:lstStyle/>
-        <a:p>
-          <a:r>
-            <a:rPr lang="en-US" dirty="0"/>
-            <a:t>Task 1</a:t>
-          </a:r>
-        </a:p>
-      </dgm:t>
-    </dgm:pt>
-    <dgm:pt modelId="{7A9FC291-2B6A-4475-8B09-917F9F09E3AB}" type="parTrans" cxnId="{C6E7222A-5F84-456A-9806-D51868FAF8A9}">
-      <dgm:prSet/>
-      <dgm:spPr/>
-      <dgm:t>
-        <a:bodyPr/>
-        <a:lstStyle/>
-        <a:p>
-          <a:endParaRPr lang="en-US"/>
-        </a:p>
-      </dgm:t>
-    </dgm:pt>
-    <dgm:pt modelId="{4B87F32C-3630-48F2-9114-4262C0BEEA9E}" type="sibTrans" cxnId="{C6E7222A-5F84-456A-9806-D51868FAF8A9}">
-      <dgm:prSet/>
-      <dgm:spPr/>
-      <dgm:t>
-        <a:bodyPr/>
-        <a:lstStyle/>
-        <a:p>
-          <a:endParaRPr lang="en-US"/>
-        </a:p>
-      </dgm:t>
-    </dgm:pt>
-    <dgm:pt modelId="{709ED9DC-E391-4C6C-B788-93F1C2EFB6FD}">
-      <dgm:prSet phldrT="[Text]"/>
-      <dgm:spPr/>
-      <dgm:t>
-        <a:bodyPr/>
-        <a:lstStyle/>
-        <a:p>
-          <a:r>
-            <a:rPr lang="en-US" dirty="0"/>
-            <a:t>Task 2</a:t>
-          </a:r>
-        </a:p>
-      </dgm:t>
-    </dgm:pt>
-    <dgm:pt modelId="{B5FA6CF0-E0A0-46A0-93C9-B722B31A8A9C}" type="parTrans" cxnId="{78E3C3B3-FD19-41A6-A9CC-BB3375A6FF81}">
-      <dgm:prSet/>
-      <dgm:spPr/>
-      <dgm:t>
-        <a:bodyPr/>
-        <a:lstStyle/>
-        <a:p>
-          <a:endParaRPr lang="en-US"/>
-        </a:p>
-      </dgm:t>
-    </dgm:pt>
-    <dgm:pt modelId="{F3C03C29-D7FF-4D61-8D75-8B75B2F589EC}" type="sibTrans" cxnId="{78E3C3B3-FD19-41A6-A9CC-BB3375A6FF81}">
-      <dgm:prSet/>
-      <dgm:spPr/>
-      <dgm:t>
-        <a:bodyPr/>
-        <a:lstStyle/>
-        <a:p>
-          <a:endParaRPr lang="en-US"/>
-        </a:p>
-      </dgm:t>
-    </dgm:pt>
-    <dgm:pt modelId="{CC6B7442-0B72-4EF2-9F13-1325B51AFF9F}">
-      <dgm:prSet phldrT="[Text]"/>
-      <dgm:spPr/>
-      <dgm:t>
-        <a:bodyPr/>
-        <a:lstStyle/>
-        <a:p>
-          <a:r>
-            <a:rPr lang="en-US" dirty="0"/>
-            <a:t>Group C</a:t>
-          </a:r>
-        </a:p>
-      </dgm:t>
-    </dgm:pt>
-    <dgm:pt modelId="{E3D139E0-5DC2-4F8E-9F8F-B3F0EBCD4689}" type="parTrans" cxnId="{102D6D4D-90C9-40F4-A001-35DCC329B127}">
-      <dgm:prSet/>
-      <dgm:spPr/>
-      <dgm:t>
-        <a:bodyPr/>
-        <a:lstStyle/>
-        <a:p>
-          <a:endParaRPr lang="en-US"/>
-        </a:p>
-      </dgm:t>
-    </dgm:pt>
-    <dgm:pt modelId="{FF80E1BA-0D6F-4EE8-9640-892A5897DBCD}" type="sibTrans" cxnId="{102D6D4D-90C9-40F4-A001-35DCC329B127}">
-      <dgm:prSet/>
-      <dgm:spPr/>
-      <dgm:t>
-        <a:bodyPr/>
-        <a:lstStyle/>
-        <a:p>
-          <a:endParaRPr lang="en-US"/>
-        </a:p>
-      </dgm:t>
-    </dgm:pt>
-    <dgm:pt modelId="{FE0A3CAE-D039-42F2-AF12-1E6F6793A633}">
-      <dgm:prSet phldrT="[Text]"/>
-      <dgm:spPr/>
-      <dgm:t>
-        <a:bodyPr/>
-        <a:lstStyle/>
-        <a:p>
-          <a:r>
-            <a:rPr lang="en-US" dirty="0"/>
-            <a:t>Task 1</a:t>
-          </a:r>
-        </a:p>
-      </dgm:t>
-    </dgm:pt>
-    <dgm:pt modelId="{7E2ED2D1-AFF4-4DED-BB53-30A310825CE2}" type="parTrans" cxnId="{A6FB3C49-AB75-4315-BB6B-886AA454F16F}">
-      <dgm:prSet/>
-      <dgm:spPr/>
-      <dgm:t>
-        <a:bodyPr/>
-        <a:lstStyle/>
-        <a:p>
-          <a:endParaRPr lang="en-US"/>
-        </a:p>
-      </dgm:t>
-    </dgm:pt>
-    <dgm:pt modelId="{417BDEF2-191B-4000-BDE8-D3D22A51FCF3}" type="sibTrans" cxnId="{A6FB3C49-AB75-4315-BB6B-886AA454F16F}">
-      <dgm:prSet/>
-      <dgm:spPr/>
-      <dgm:t>
-        <a:bodyPr/>
-        <a:lstStyle/>
-        <a:p>
-          <a:endParaRPr lang="en-US"/>
-        </a:p>
-      </dgm:t>
-    </dgm:pt>
-    <dgm:pt modelId="{ED5DCCC5-BCA8-4491-AA37-BAF153ECA184}" type="pres">
-      <dgm:prSet presAssocID="{90119837-5B71-4D44-BB01-DB0B084933C8}" presName="linear" presStyleCnt="0">
-        <dgm:presLayoutVars>
-          <dgm:animLvl val="lvl"/>
-          <dgm:resizeHandles val="exact"/>
-        </dgm:presLayoutVars>
-      </dgm:prSet>
-      <dgm:spPr/>
-    </dgm:pt>
-    <dgm:pt modelId="{A9DD881E-A532-414B-870C-8ADE2076F78C}" type="pres">
-      <dgm:prSet presAssocID="{477D14C5-CED9-4CFC-B338-DFB0C8090B9F}" presName="parentText" presStyleLbl="node1" presStyleIdx="0" presStyleCnt="3">
-        <dgm:presLayoutVars>
-          <dgm:chMax val="0"/>
-          <dgm:bulletEnabled val="1"/>
-        </dgm:presLayoutVars>
-      </dgm:prSet>
-      <dgm:spPr/>
-    </dgm:pt>
-    <dgm:pt modelId="{CD5F6E02-AD43-4E7A-935B-DDF5D6C74800}" type="pres">
-      <dgm:prSet presAssocID="{477D14C5-CED9-4CFC-B338-DFB0C8090B9F}" presName="childText" presStyleLbl="revTx" presStyleIdx="0" presStyleCnt="3">
-        <dgm:presLayoutVars>
-          <dgm:bulletEnabled val="1"/>
-        </dgm:presLayoutVars>
-      </dgm:prSet>
-      <dgm:spPr/>
-    </dgm:pt>
-    <dgm:pt modelId="{81203336-F3DE-4B3A-BCF4-0F68C23AC2BB}" type="pres">
-      <dgm:prSet presAssocID="{3C67E77D-62FA-499D-B5E6-E79A091C5267}" presName="parentText" presStyleLbl="node1" presStyleIdx="1" presStyleCnt="3">
-        <dgm:presLayoutVars>
-          <dgm:chMax val="0"/>
-          <dgm:bulletEnabled val="1"/>
-        </dgm:presLayoutVars>
-      </dgm:prSet>
-      <dgm:spPr/>
-    </dgm:pt>
-    <dgm:pt modelId="{782956A5-ADC8-4959-B856-589B9D9B9635}" type="pres">
-      <dgm:prSet presAssocID="{3C67E77D-62FA-499D-B5E6-E79A091C5267}" presName="childText" presStyleLbl="revTx" presStyleIdx="1" presStyleCnt="3">
-        <dgm:presLayoutVars>
-          <dgm:bulletEnabled val="1"/>
-        </dgm:presLayoutVars>
-      </dgm:prSet>
-      <dgm:spPr/>
-    </dgm:pt>
-    <dgm:pt modelId="{D64CB5D5-837D-47FC-9E42-A26D800BC695}" type="pres">
-      <dgm:prSet presAssocID="{CC6B7442-0B72-4EF2-9F13-1325B51AFF9F}" presName="parentText" presStyleLbl="node1" presStyleIdx="2" presStyleCnt="3">
-        <dgm:presLayoutVars>
-          <dgm:chMax val="0"/>
-          <dgm:bulletEnabled val="1"/>
-        </dgm:presLayoutVars>
-      </dgm:prSet>
-      <dgm:spPr/>
-    </dgm:pt>
-    <dgm:pt modelId="{08B7B17B-8600-44B0-B235-389E5D71D804}" type="pres">
-      <dgm:prSet presAssocID="{CC6B7442-0B72-4EF2-9F13-1325B51AFF9F}" presName="childText" presStyleLbl="revTx" presStyleIdx="2" presStyleCnt="3">
-        <dgm:presLayoutVars>
-          <dgm:bulletEnabled val="1"/>
-        </dgm:presLayoutVars>
-      </dgm:prSet>
-      <dgm:spPr/>
-    </dgm:pt>
-  </dgm:ptLst>
-  <dgm:cxnLst>
-    <dgm:cxn modelId="{C6E7222A-5F84-456A-9806-D51868FAF8A9}" srcId="{3C67E77D-62FA-499D-B5E6-E79A091C5267}" destId="{D6510970-8F9C-4B45-A0F3-6ACB9AA76D40}" srcOrd="0" destOrd="0" parTransId="{7A9FC291-2B6A-4475-8B09-917F9F09E3AB}" sibTransId="{4B87F32C-3630-48F2-9114-4262C0BEEA9E}"/>
-    <dgm:cxn modelId="{3656B090-A676-4E00-8A74-815942300152}" type="presOf" srcId="{709ED9DC-E391-4C6C-B788-93F1C2EFB6FD}" destId="{782956A5-ADC8-4959-B856-589B9D9B9635}" srcOrd="0" destOrd="1" presId="urn:microsoft.com/office/officeart/2005/8/layout/vList2"/>
-    <dgm:cxn modelId="{FAC3D40F-8E66-452D-9CA4-C2871F2D10EF}" srcId="{477D14C5-CED9-4CFC-B338-DFB0C8090B9F}" destId="{33EAD35F-38F2-4CB7-9A6D-B04FFD8A51FD}" srcOrd="1" destOrd="0" parTransId="{81FE7DB1-4BFC-4407-80A9-E5514E94C61D}" sibTransId="{4B66B839-1910-459B-92B2-14846EBA7A70}"/>
-    <dgm:cxn modelId="{A55A44F5-7713-43BE-A80C-9D7C49E6D5AD}" type="presOf" srcId="{D6510970-8F9C-4B45-A0F3-6ACB9AA76D40}" destId="{782956A5-ADC8-4959-B856-589B9D9B9635}" srcOrd="0" destOrd="0" presId="urn:microsoft.com/office/officeart/2005/8/layout/vList2"/>
-    <dgm:cxn modelId="{96956FBE-70C8-4F89-BD0B-33093C0F439D}" type="presOf" srcId="{3C67E77D-62FA-499D-B5E6-E79A091C5267}" destId="{81203336-F3DE-4B3A-BCF4-0F68C23AC2BB}" srcOrd="0" destOrd="0" presId="urn:microsoft.com/office/officeart/2005/8/layout/vList2"/>
-    <dgm:cxn modelId="{32AA6160-4426-4C4D-93AE-E2F474E37AD9}" srcId="{90119837-5B71-4D44-BB01-DB0B084933C8}" destId="{3C67E77D-62FA-499D-B5E6-E79A091C5267}" srcOrd="1" destOrd="0" parTransId="{5337D229-E330-4525-B0FA-14EC5A80604A}" sibTransId="{C056AC5D-B04E-4376-A1CB-3EAB7BE5AF5B}"/>
-    <dgm:cxn modelId="{0F1F224B-6995-4D7E-B65E-FDD2121E7EA2}" type="presOf" srcId="{FE0A3CAE-D039-42F2-AF12-1E6F6793A633}" destId="{08B7B17B-8600-44B0-B235-389E5D71D804}" srcOrd="0" destOrd="0" presId="urn:microsoft.com/office/officeart/2005/8/layout/vList2"/>
-    <dgm:cxn modelId="{5BDE416F-F97E-4F73-BE1A-C12EA4F60682}" type="presOf" srcId="{90119837-5B71-4D44-BB01-DB0B084933C8}" destId="{ED5DCCC5-BCA8-4491-AA37-BAF153ECA184}" srcOrd="0" destOrd="0" presId="urn:microsoft.com/office/officeart/2005/8/layout/vList2"/>
-    <dgm:cxn modelId="{A6FB3C49-AB75-4315-BB6B-886AA454F16F}" srcId="{CC6B7442-0B72-4EF2-9F13-1325B51AFF9F}" destId="{FE0A3CAE-D039-42F2-AF12-1E6F6793A633}" srcOrd="0" destOrd="0" parTransId="{7E2ED2D1-AFF4-4DED-BB53-30A310825CE2}" sibTransId="{417BDEF2-191B-4000-BDE8-D3D22A51FCF3}"/>
-    <dgm:cxn modelId="{594ECC8D-94FA-41B7-9F5F-6B7A67E36EF5}" type="presOf" srcId="{C111C18A-FD96-4E63-821A-54D70D8DC65F}" destId="{CD5F6E02-AD43-4E7A-935B-DDF5D6C74800}" srcOrd="0" destOrd="0" presId="urn:microsoft.com/office/officeart/2005/8/layout/vList2"/>
-    <dgm:cxn modelId="{109ECBC1-64DC-48B7-847D-6354B293D099}" type="presOf" srcId="{33EAD35F-38F2-4CB7-9A6D-B04FFD8A51FD}" destId="{CD5F6E02-AD43-4E7A-935B-DDF5D6C74800}" srcOrd="0" destOrd="1" presId="urn:microsoft.com/office/officeart/2005/8/layout/vList2"/>
-    <dgm:cxn modelId="{7D461F02-AB37-447A-AC6B-D31C4D2EC6A9}" srcId="{90119837-5B71-4D44-BB01-DB0B084933C8}" destId="{477D14C5-CED9-4CFC-B338-DFB0C8090B9F}" srcOrd="0" destOrd="0" parTransId="{92DFCBC7-BC14-4697-8ECD-BF0D5B1EDA3B}" sibTransId="{87E3C0DB-7BEE-424E-8E11-B838D238D595}"/>
-    <dgm:cxn modelId="{78E3C3B3-FD19-41A6-A9CC-BB3375A6FF81}" srcId="{3C67E77D-62FA-499D-B5E6-E79A091C5267}" destId="{709ED9DC-E391-4C6C-B788-93F1C2EFB6FD}" srcOrd="1" destOrd="0" parTransId="{B5FA6CF0-E0A0-46A0-93C9-B722B31A8A9C}" sibTransId="{F3C03C29-D7FF-4D61-8D75-8B75B2F589EC}"/>
-    <dgm:cxn modelId="{FFD8B471-C98F-4DB5-8DE3-2AB7E896ADD5}" srcId="{477D14C5-CED9-4CFC-B338-DFB0C8090B9F}" destId="{C111C18A-FD96-4E63-821A-54D70D8DC65F}" srcOrd="0" destOrd="0" parTransId="{83BE74EF-FAB4-45A2-BBED-7CD5259AB210}" sibTransId="{B4F34DE2-2DAE-4F88-8C78-BD8892EBF4FF}"/>
-    <dgm:cxn modelId="{102D6D4D-90C9-40F4-A001-35DCC329B127}" srcId="{90119837-5B71-4D44-BB01-DB0B084933C8}" destId="{CC6B7442-0B72-4EF2-9F13-1325B51AFF9F}" srcOrd="2" destOrd="0" parTransId="{E3D139E0-5DC2-4F8E-9F8F-B3F0EBCD4689}" sibTransId="{FF80E1BA-0D6F-4EE8-9640-892A5897DBCD}"/>
-    <dgm:cxn modelId="{139D5BB1-09CB-45F8-9347-D7764258A754}" type="presOf" srcId="{CC6B7442-0B72-4EF2-9F13-1325B51AFF9F}" destId="{D64CB5D5-837D-47FC-9E42-A26D800BC695}" srcOrd="0" destOrd="0" presId="urn:microsoft.com/office/officeart/2005/8/layout/vList2"/>
-    <dgm:cxn modelId="{8D0A4494-246A-45A7-AB6A-CDBC9E33ECD3}" type="presOf" srcId="{477D14C5-CED9-4CFC-B338-DFB0C8090B9F}" destId="{A9DD881E-A532-414B-870C-8ADE2076F78C}" srcOrd="0" destOrd="0" presId="urn:microsoft.com/office/officeart/2005/8/layout/vList2"/>
-    <dgm:cxn modelId="{0910C0A3-A67A-496C-8A74-C4E35FED4675}" type="presParOf" srcId="{ED5DCCC5-BCA8-4491-AA37-BAF153ECA184}" destId="{A9DD881E-A532-414B-870C-8ADE2076F78C}" srcOrd="0" destOrd="0" presId="urn:microsoft.com/office/officeart/2005/8/layout/vList2"/>
-    <dgm:cxn modelId="{9334B2F5-7FCF-4B1F-B6AA-DB249F4421A1}" type="presParOf" srcId="{ED5DCCC5-BCA8-4491-AA37-BAF153ECA184}" destId="{CD5F6E02-AD43-4E7A-935B-DDF5D6C74800}" srcOrd="1" destOrd="0" presId="urn:microsoft.com/office/officeart/2005/8/layout/vList2"/>
-    <dgm:cxn modelId="{4F4F04E9-8CC4-46EA-94F2-D97F126F4DA5}" type="presParOf" srcId="{ED5DCCC5-BCA8-4491-AA37-BAF153ECA184}" destId="{81203336-F3DE-4B3A-BCF4-0F68C23AC2BB}" srcOrd="2" destOrd="0" presId="urn:microsoft.com/office/officeart/2005/8/layout/vList2"/>
-    <dgm:cxn modelId="{9E10C16C-1E52-4EC3-8CA1-A7C07C605948}" type="presParOf" srcId="{ED5DCCC5-BCA8-4491-AA37-BAF153ECA184}" destId="{782956A5-ADC8-4959-B856-589B9D9B9635}" srcOrd="3" destOrd="0" presId="urn:microsoft.com/office/officeart/2005/8/layout/vList2"/>
-    <dgm:cxn modelId="{8E5B4048-9D19-4E76-9DF1-CC741CEADF9A}" type="presParOf" srcId="{ED5DCCC5-BCA8-4491-AA37-BAF153ECA184}" destId="{D64CB5D5-837D-47FC-9E42-A26D800BC695}" srcOrd="4" destOrd="0" presId="urn:microsoft.com/office/officeart/2005/8/layout/vList2"/>
-    <dgm:cxn modelId="{3160F1A4-3C45-478F-BAAB-DEF3A5444A4A}" type="presParOf" srcId="{ED5DCCC5-BCA8-4491-AA37-BAF153ECA184}" destId="{08B7B17B-8600-44B0-B235-389E5D71D804}" srcOrd="5" destOrd="0" presId="urn:microsoft.com/office/officeart/2005/8/layout/vList2"/>
-  </dgm:cxnLst>
-  <dgm:bg/>
-  <dgm:whole/>
-  <dgm:extLst>
-    <a:ext uri="http://schemas.microsoft.com/office/drawing/2008/diagram">
-      <dsp:dataModelExt xmlns:dsp="http://schemas.microsoft.com/office/drawing/2008/diagram" relId="rId6" minVer="http://schemas.openxmlformats.org/drawingml/2006/diagram"/>
-    </a:ext>
-  </dgm:extLst>
-</dgm:dataModel>
-</file>
-
 <file path=ppt/diagrams/drawing1.xml><?xml version="1.0" encoding="utf-8"?>
 <dsp:drawing xmlns:dgm="http://schemas.openxmlformats.org/drawingml/2006/diagram" xmlns:dsp="http://schemas.microsoft.com/office/drawing/2008/diagram" xmlns:a="http://schemas.openxmlformats.org/drawingml/2006/main">
   <dsp:spTree>
@@ -3942,7 +1811,7 @@
           </a:pPr>
           <a:r>
             <a:rPr lang="en-US" sz="1100" kern="1200" dirty="0"/>
-            <a:t>barcode</a:t>
+            <a:t>Sanitize</a:t>
           </a:r>
         </a:p>
       </dsp:txBody>
@@ -4062,7 +1931,7 @@
           </a:pPr>
           <a:r>
             <a:rPr lang="en-US" sz="1100" kern="1200" dirty="0"/>
-            <a:t>sanitize</a:t>
+            <a:t>Barcode</a:t>
           </a:r>
         </a:p>
       </dsp:txBody>
@@ -4182,7 +2051,7 @@
           </a:pPr>
           <a:r>
             <a:rPr lang="en-US" sz="1100" kern="1200" dirty="0"/>
-            <a:t>send</a:t>
+            <a:t>Send</a:t>
           </a:r>
         </a:p>
       </dsp:txBody>
@@ -4302,7 +2171,7 @@
           </a:pPr>
           <a:r>
             <a:rPr lang="en-US" sz="1100" kern="1200" dirty="0"/>
-            <a:t>receive</a:t>
+            <a:t>Receive</a:t>
           </a:r>
         </a:p>
       </dsp:txBody>
@@ -4675,469 +2544,6 @@
 </dsp:drawing>
 </file>
 
-<file path=ppt/diagrams/drawing2.xml><?xml version="1.0" encoding="utf-8"?>
-<dsp:drawing xmlns:dgm="http://schemas.openxmlformats.org/drawingml/2006/diagram" xmlns:dsp="http://schemas.microsoft.com/office/drawing/2008/diagram" xmlns:a="http://schemas.openxmlformats.org/drawingml/2006/main">
-  <dsp:spTree>
-    <dsp:nvGrpSpPr>
-      <dsp:cNvPr id="0" name=""/>
-      <dsp:cNvGrpSpPr/>
-    </dsp:nvGrpSpPr>
-    <dsp:grpSpPr/>
-    <dsp:sp modelId="{A9DD881E-A532-414B-870C-8ADE2076F78C}">
-      <dsp:nvSpPr>
-        <dsp:cNvPr id="0" name=""/>
-        <dsp:cNvSpPr/>
-      </dsp:nvSpPr>
-      <dsp:spPr>
-        <a:xfrm>
-          <a:off x="0" y="29007"/>
-          <a:ext cx="4976813" cy="743535"/>
-        </a:xfrm>
-        <a:prstGeom prst="roundRect">
-          <a:avLst/>
-        </a:prstGeom>
-        <a:solidFill>
-          <a:schemeClr val="accent1">
-            <a:hueOff val="0"/>
-            <a:satOff val="0"/>
-            <a:lumOff val="0"/>
-            <a:alphaOff val="0"/>
-          </a:schemeClr>
-        </a:solidFill>
-        <a:ln w="12700" cap="flat" cmpd="sng" algn="ctr">
-          <a:solidFill>
-            <a:schemeClr val="lt1">
-              <a:hueOff val="0"/>
-              <a:satOff val="0"/>
-              <a:lumOff val="0"/>
-              <a:alphaOff val="0"/>
-            </a:schemeClr>
-          </a:solidFill>
-          <a:prstDash val="solid"/>
-          <a:miter lim="800000"/>
-        </a:ln>
-        <a:effectLst/>
-      </dsp:spPr>
-      <dsp:style>
-        <a:lnRef idx="2">
-          <a:scrgbClr r="0" g="0" b="0"/>
-        </a:lnRef>
-        <a:fillRef idx="1">
-          <a:scrgbClr r="0" g="0" b="0"/>
-        </a:fillRef>
-        <a:effectRef idx="0">
-          <a:scrgbClr r="0" g="0" b="0"/>
-        </a:effectRef>
-        <a:fontRef idx="minor">
-          <a:schemeClr val="lt1"/>
-        </a:fontRef>
-      </dsp:style>
-      <dsp:txBody>
-        <a:bodyPr spcFirstLastPara="0" vert="horz" wrap="square" lIns="118110" tIns="118110" rIns="118110" bIns="118110" numCol="1" spcCol="1270" anchor="ctr" anchorCtr="0">
-          <a:noAutofit/>
-        </a:bodyPr>
-        <a:lstStyle/>
-        <a:p>
-          <a:pPr marL="0" lvl="0" indent="0" algn="l" defTabSz="1377950">
-            <a:lnSpc>
-              <a:spcPct val="90000"/>
-            </a:lnSpc>
-            <a:spcBef>
-              <a:spcPct val="0"/>
-            </a:spcBef>
-            <a:spcAft>
-              <a:spcPct val="35000"/>
-            </a:spcAft>
-            <a:buNone/>
-          </a:pPr>
-          <a:r>
-            <a:rPr lang="en-US" sz="3100" kern="1200"/>
-            <a:t>Group A</a:t>
-          </a:r>
-          <a:endParaRPr lang="en-US" sz="3100" kern="1200" dirty="0"/>
-        </a:p>
-      </dsp:txBody>
-      <dsp:txXfrm>
-        <a:off x="36296" y="65303"/>
-        <a:ext cx="4904221" cy="670943"/>
-      </dsp:txXfrm>
-    </dsp:sp>
-    <dsp:sp modelId="{CD5F6E02-AD43-4E7A-935B-DDF5D6C74800}">
-      <dsp:nvSpPr>
-        <dsp:cNvPr id="0" name=""/>
-        <dsp:cNvSpPr/>
-      </dsp:nvSpPr>
-      <dsp:spPr>
-        <a:xfrm>
-          <a:off x="0" y="772542"/>
-          <a:ext cx="4976813" cy="834210"/>
-        </a:xfrm>
-        <a:prstGeom prst="rect">
-          <a:avLst/>
-        </a:prstGeom>
-        <a:noFill/>
-        <a:ln>
-          <a:noFill/>
-        </a:ln>
-        <a:effectLst/>
-      </dsp:spPr>
-      <dsp:style>
-        <a:lnRef idx="0">
-          <a:scrgbClr r="0" g="0" b="0"/>
-        </a:lnRef>
-        <a:fillRef idx="0">
-          <a:scrgbClr r="0" g="0" b="0"/>
-        </a:fillRef>
-        <a:effectRef idx="0">
-          <a:scrgbClr r="0" g="0" b="0"/>
-        </a:effectRef>
-        <a:fontRef idx="minor"/>
-      </dsp:style>
-      <dsp:txBody>
-        <a:bodyPr spcFirstLastPara="0" vert="horz" wrap="square" lIns="158014" tIns="39370" rIns="220472" bIns="39370" numCol="1" spcCol="1270" anchor="t" anchorCtr="0">
-          <a:noAutofit/>
-        </a:bodyPr>
-        <a:lstStyle/>
-        <a:p>
-          <a:pPr marL="228600" lvl="1" indent="-228600" algn="l" defTabSz="1066800">
-            <a:lnSpc>
-              <a:spcPct val="90000"/>
-            </a:lnSpc>
-            <a:spcBef>
-              <a:spcPct val="0"/>
-            </a:spcBef>
-            <a:spcAft>
-              <a:spcPct val="20000"/>
-            </a:spcAft>
-            <a:buChar char="•"/>
-          </a:pPr>
-          <a:r>
-            <a:rPr lang="en-US" sz="2400" kern="1200" dirty="0"/>
-            <a:t>Task 1</a:t>
-          </a:r>
-        </a:p>
-        <a:p>
-          <a:pPr marL="228600" lvl="1" indent="-228600" algn="l" defTabSz="1066800">
-            <a:lnSpc>
-              <a:spcPct val="90000"/>
-            </a:lnSpc>
-            <a:spcBef>
-              <a:spcPct val="0"/>
-            </a:spcBef>
-            <a:spcAft>
-              <a:spcPct val="20000"/>
-            </a:spcAft>
-            <a:buChar char="•"/>
-          </a:pPr>
-          <a:r>
-            <a:rPr lang="en-US" sz="2400" kern="1200" dirty="0"/>
-            <a:t>Task 2</a:t>
-          </a:r>
-        </a:p>
-      </dsp:txBody>
-      <dsp:txXfrm>
-        <a:off x="0" y="772542"/>
-        <a:ext cx="4976813" cy="834210"/>
-      </dsp:txXfrm>
-    </dsp:sp>
-    <dsp:sp modelId="{81203336-F3DE-4B3A-BCF4-0F68C23AC2BB}">
-      <dsp:nvSpPr>
-        <dsp:cNvPr id="0" name=""/>
-        <dsp:cNvSpPr/>
-      </dsp:nvSpPr>
-      <dsp:spPr>
-        <a:xfrm>
-          <a:off x="0" y="1606752"/>
-          <a:ext cx="4976813" cy="743535"/>
-        </a:xfrm>
-        <a:prstGeom prst="roundRect">
-          <a:avLst/>
-        </a:prstGeom>
-        <a:solidFill>
-          <a:schemeClr val="accent1">
-            <a:hueOff val="0"/>
-            <a:satOff val="0"/>
-            <a:lumOff val="0"/>
-            <a:alphaOff val="0"/>
-          </a:schemeClr>
-        </a:solidFill>
-        <a:ln w="12700" cap="flat" cmpd="sng" algn="ctr">
-          <a:solidFill>
-            <a:schemeClr val="lt1">
-              <a:hueOff val="0"/>
-              <a:satOff val="0"/>
-              <a:lumOff val="0"/>
-              <a:alphaOff val="0"/>
-            </a:schemeClr>
-          </a:solidFill>
-          <a:prstDash val="solid"/>
-          <a:miter lim="800000"/>
-        </a:ln>
-        <a:effectLst/>
-      </dsp:spPr>
-      <dsp:style>
-        <a:lnRef idx="2">
-          <a:scrgbClr r="0" g="0" b="0"/>
-        </a:lnRef>
-        <a:fillRef idx="1">
-          <a:scrgbClr r="0" g="0" b="0"/>
-        </a:fillRef>
-        <a:effectRef idx="0">
-          <a:scrgbClr r="0" g="0" b="0"/>
-        </a:effectRef>
-        <a:fontRef idx="minor">
-          <a:schemeClr val="lt1"/>
-        </a:fontRef>
-      </dsp:style>
-      <dsp:txBody>
-        <a:bodyPr spcFirstLastPara="0" vert="horz" wrap="square" lIns="118110" tIns="118110" rIns="118110" bIns="118110" numCol="1" spcCol="1270" anchor="ctr" anchorCtr="0">
-          <a:noAutofit/>
-        </a:bodyPr>
-        <a:lstStyle/>
-        <a:p>
-          <a:pPr marL="0" lvl="0" indent="0" algn="l" defTabSz="1377950">
-            <a:lnSpc>
-              <a:spcPct val="90000"/>
-            </a:lnSpc>
-            <a:spcBef>
-              <a:spcPct val="0"/>
-            </a:spcBef>
-            <a:spcAft>
-              <a:spcPct val="35000"/>
-            </a:spcAft>
-            <a:buNone/>
-          </a:pPr>
-          <a:r>
-            <a:rPr lang="en-US" sz="3100" kern="1200" dirty="0"/>
-            <a:t>Group B</a:t>
-          </a:r>
-        </a:p>
-      </dsp:txBody>
-      <dsp:txXfrm>
-        <a:off x="36296" y="1643048"/>
-        <a:ext cx="4904221" cy="670943"/>
-      </dsp:txXfrm>
-    </dsp:sp>
-    <dsp:sp modelId="{782956A5-ADC8-4959-B856-589B9D9B9635}">
-      <dsp:nvSpPr>
-        <dsp:cNvPr id="0" name=""/>
-        <dsp:cNvSpPr/>
-      </dsp:nvSpPr>
-      <dsp:spPr>
-        <a:xfrm>
-          <a:off x="0" y="2350287"/>
-          <a:ext cx="4976813" cy="834210"/>
-        </a:xfrm>
-        <a:prstGeom prst="rect">
-          <a:avLst/>
-        </a:prstGeom>
-        <a:noFill/>
-        <a:ln>
-          <a:noFill/>
-        </a:ln>
-        <a:effectLst/>
-      </dsp:spPr>
-      <dsp:style>
-        <a:lnRef idx="0">
-          <a:scrgbClr r="0" g="0" b="0"/>
-        </a:lnRef>
-        <a:fillRef idx="0">
-          <a:scrgbClr r="0" g="0" b="0"/>
-        </a:fillRef>
-        <a:effectRef idx="0">
-          <a:scrgbClr r="0" g="0" b="0"/>
-        </a:effectRef>
-        <a:fontRef idx="minor"/>
-      </dsp:style>
-      <dsp:txBody>
-        <a:bodyPr spcFirstLastPara="0" vert="horz" wrap="square" lIns="158014" tIns="39370" rIns="220472" bIns="39370" numCol="1" spcCol="1270" anchor="t" anchorCtr="0">
-          <a:noAutofit/>
-        </a:bodyPr>
-        <a:lstStyle/>
-        <a:p>
-          <a:pPr marL="228600" lvl="1" indent="-228600" algn="l" defTabSz="1066800">
-            <a:lnSpc>
-              <a:spcPct val="90000"/>
-            </a:lnSpc>
-            <a:spcBef>
-              <a:spcPct val="0"/>
-            </a:spcBef>
-            <a:spcAft>
-              <a:spcPct val="20000"/>
-            </a:spcAft>
-            <a:buChar char="•"/>
-          </a:pPr>
-          <a:r>
-            <a:rPr lang="en-US" sz="2400" kern="1200" dirty="0"/>
-            <a:t>Task 1</a:t>
-          </a:r>
-        </a:p>
-        <a:p>
-          <a:pPr marL="228600" lvl="1" indent="-228600" algn="l" defTabSz="1066800">
-            <a:lnSpc>
-              <a:spcPct val="90000"/>
-            </a:lnSpc>
-            <a:spcBef>
-              <a:spcPct val="0"/>
-            </a:spcBef>
-            <a:spcAft>
-              <a:spcPct val="20000"/>
-            </a:spcAft>
-            <a:buChar char="•"/>
-          </a:pPr>
-          <a:r>
-            <a:rPr lang="en-US" sz="2400" kern="1200" dirty="0"/>
-            <a:t>Task 2</a:t>
-          </a:r>
-        </a:p>
-      </dsp:txBody>
-      <dsp:txXfrm>
-        <a:off x="0" y="2350287"/>
-        <a:ext cx="4976813" cy="834210"/>
-      </dsp:txXfrm>
-    </dsp:sp>
-    <dsp:sp modelId="{D64CB5D5-837D-47FC-9E42-A26D800BC695}">
-      <dsp:nvSpPr>
-        <dsp:cNvPr id="0" name=""/>
-        <dsp:cNvSpPr/>
-      </dsp:nvSpPr>
-      <dsp:spPr>
-        <a:xfrm>
-          <a:off x="0" y="3184497"/>
-          <a:ext cx="4976813" cy="743535"/>
-        </a:xfrm>
-        <a:prstGeom prst="roundRect">
-          <a:avLst/>
-        </a:prstGeom>
-        <a:solidFill>
-          <a:schemeClr val="accent1">
-            <a:hueOff val="0"/>
-            <a:satOff val="0"/>
-            <a:lumOff val="0"/>
-            <a:alphaOff val="0"/>
-          </a:schemeClr>
-        </a:solidFill>
-        <a:ln w="12700" cap="flat" cmpd="sng" algn="ctr">
-          <a:solidFill>
-            <a:schemeClr val="lt1">
-              <a:hueOff val="0"/>
-              <a:satOff val="0"/>
-              <a:lumOff val="0"/>
-              <a:alphaOff val="0"/>
-            </a:schemeClr>
-          </a:solidFill>
-          <a:prstDash val="solid"/>
-          <a:miter lim="800000"/>
-        </a:ln>
-        <a:effectLst/>
-      </dsp:spPr>
-      <dsp:style>
-        <a:lnRef idx="2">
-          <a:scrgbClr r="0" g="0" b="0"/>
-        </a:lnRef>
-        <a:fillRef idx="1">
-          <a:scrgbClr r="0" g="0" b="0"/>
-        </a:fillRef>
-        <a:effectRef idx="0">
-          <a:scrgbClr r="0" g="0" b="0"/>
-        </a:effectRef>
-        <a:fontRef idx="minor">
-          <a:schemeClr val="lt1"/>
-        </a:fontRef>
-      </dsp:style>
-      <dsp:txBody>
-        <a:bodyPr spcFirstLastPara="0" vert="horz" wrap="square" lIns="118110" tIns="118110" rIns="118110" bIns="118110" numCol="1" spcCol="1270" anchor="ctr" anchorCtr="0">
-          <a:noAutofit/>
-        </a:bodyPr>
-        <a:lstStyle/>
-        <a:p>
-          <a:pPr marL="0" lvl="0" indent="0" algn="l" defTabSz="1377950">
-            <a:lnSpc>
-              <a:spcPct val="90000"/>
-            </a:lnSpc>
-            <a:spcBef>
-              <a:spcPct val="0"/>
-            </a:spcBef>
-            <a:spcAft>
-              <a:spcPct val="35000"/>
-            </a:spcAft>
-            <a:buNone/>
-          </a:pPr>
-          <a:r>
-            <a:rPr lang="en-US" sz="3100" kern="1200" dirty="0"/>
-            <a:t>Group C</a:t>
-          </a:r>
-        </a:p>
-      </dsp:txBody>
-      <dsp:txXfrm>
-        <a:off x="36296" y="3220793"/>
-        <a:ext cx="4904221" cy="670943"/>
-      </dsp:txXfrm>
-    </dsp:sp>
-    <dsp:sp modelId="{08B7B17B-8600-44B0-B235-389E5D71D804}">
-      <dsp:nvSpPr>
-        <dsp:cNvPr id="0" name=""/>
-        <dsp:cNvSpPr/>
-      </dsp:nvSpPr>
-      <dsp:spPr>
-        <a:xfrm>
-          <a:off x="0" y="3928032"/>
-          <a:ext cx="4976813" cy="513360"/>
-        </a:xfrm>
-        <a:prstGeom prst="rect">
-          <a:avLst/>
-        </a:prstGeom>
-        <a:noFill/>
-        <a:ln>
-          <a:noFill/>
-        </a:ln>
-        <a:effectLst/>
-      </dsp:spPr>
-      <dsp:style>
-        <a:lnRef idx="0">
-          <a:scrgbClr r="0" g="0" b="0"/>
-        </a:lnRef>
-        <a:fillRef idx="0">
-          <a:scrgbClr r="0" g="0" b="0"/>
-        </a:fillRef>
-        <a:effectRef idx="0">
-          <a:scrgbClr r="0" g="0" b="0"/>
-        </a:effectRef>
-        <a:fontRef idx="minor"/>
-      </dsp:style>
-      <dsp:txBody>
-        <a:bodyPr spcFirstLastPara="0" vert="horz" wrap="square" lIns="158014" tIns="39370" rIns="220472" bIns="39370" numCol="1" spcCol="1270" anchor="t" anchorCtr="0">
-          <a:noAutofit/>
-        </a:bodyPr>
-        <a:lstStyle/>
-        <a:p>
-          <a:pPr marL="228600" lvl="1" indent="-228600" algn="l" defTabSz="1066800">
-            <a:lnSpc>
-              <a:spcPct val="90000"/>
-            </a:lnSpc>
-            <a:spcBef>
-              <a:spcPct val="0"/>
-            </a:spcBef>
-            <a:spcAft>
-              <a:spcPct val="20000"/>
-            </a:spcAft>
-            <a:buChar char="•"/>
-          </a:pPr>
-          <a:r>
-            <a:rPr lang="en-US" sz="2400" kern="1200" dirty="0"/>
-            <a:t>Task 1</a:t>
-          </a:r>
-        </a:p>
-      </dsp:txBody>
-      <dsp:txXfrm>
-        <a:off x="0" y="3928032"/>
-        <a:ext cx="4976813" cy="513360"/>
-      </dsp:txXfrm>
-    </dsp:sp>
-  </dsp:spTree>
-</dsp:drawing>
-</file>
-
 <file path=ppt/diagrams/layout1.xml><?xml version="1.0" encoding="utf-8"?>
 <dgm:layoutDef xmlns:dgm="http://schemas.openxmlformats.org/drawingml/2006/diagram" xmlns:a="http://schemas.openxmlformats.org/drawingml/2006/main" uniqueId="urn:microsoft.com/office/officeart/2005/8/layout/bProcess2">
   <dgm:title val=""/>
@@ -5448,1208 +2854,7 @@
 </dgm:layoutDef>
 </file>
 
-<file path=ppt/diagrams/layout2.xml><?xml version="1.0" encoding="utf-8"?>
-<dgm:layoutDef xmlns:dgm="http://schemas.openxmlformats.org/drawingml/2006/diagram" xmlns:a="http://schemas.openxmlformats.org/drawingml/2006/main" uniqueId="urn:microsoft.com/office/officeart/2005/8/layout/vList2">
-  <dgm:title val=""/>
-  <dgm:desc val=""/>
-  <dgm:catLst>
-    <dgm:cat type="list" pri="3000"/>
-    <dgm:cat type="convert" pri="1000"/>
-  </dgm:catLst>
-  <dgm:sampData>
-    <dgm:dataModel>
-      <dgm:ptLst>
-        <dgm:pt modelId="0" type="doc"/>
-        <dgm:pt modelId="1">
-          <dgm:prSet phldr="1"/>
-        </dgm:pt>
-        <dgm:pt modelId="11">
-          <dgm:prSet phldr="1"/>
-        </dgm:pt>
-        <dgm:pt modelId="2">
-          <dgm:prSet phldr="1"/>
-        </dgm:pt>
-        <dgm:pt modelId="21">
-          <dgm:prSet phldr="1"/>
-        </dgm:pt>
-      </dgm:ptLst>
-      <dgm:cxnLst>
-        <dgm:cxn modelId="4" srcId="0" destId="1" srcOrd="0" destOrd="0"/>
-        <dgm:cxn modelId="5" srcId="0" destId="2" srcOrd="1" destOrd="0"/>
-        <dgm:cxn modelId="12" srcId="1" destId="11" srcOrd="0" destOrd="0"/>
-        <dgm:cxn modelId="23" srcId="2" destId="21" srcOrd="0" destOrd="0"/>
-      </dgm:cxnLst>
-      <dgm:bg/>
-      <dgm:whole/>
-    </dgm:dataModel>
-  </dgm:sampData>
-  <dgm:styleData>
-    <dgm:dataModel>
-      <dgm:ptLst>
-        <dgm:pt modelId="0" type="doc"/>
-        <dgm:pt modelId="1"/>
-        <dgm:pt modelId="2"/>
-      </dgm:ptLst>
-      <dgm:cxnLst>
-        <dgm:cxn modelId="3" srcId="0" destId="1" srcOrd="0" destOrd="0"/>
-        <dgm:cxn modelId="4" srcId="0" destId="2" srcOrd="1" destOrd="0"/>
-      </dgm:cxnLst>
-      <dgm:bg/>
-      <dgm:whole/>
-    </dgm:dataModel>
-  </dgm:styleData>
-  <dgm:clrData>
-    <dgm:dataModel>
-      <dgm:ptLst>
-        <dgm:pt modelId="0" type="doc"/>
-        <dgm:pt modelId="1"/>
-        <dgm:pt modelId="2"/>
-        <dgm:pt modelId="3"/>
-        <dgm:pt modelId="4"/>
-      </dgm:ptLst>
-      <dgm:cxnLst>
-        <dgm:cxn modelId="5" srcId="0" destId="1" srcOrd="0" destOrd="0"/>
-        <dgm:cxn modelId="6" srcId="0" destId="2" srcOrd="1" destOrd="0"/>
-        <dgm:cxn modelId="7" srcId="0" destId="3" srcOrd="2" destOrd="0"/>
-        <dgm:cxn modelId="8" srcId="0" destId="4" srcOrd="3" destOrd="0"/>
-      </dgm:cxnLst>
-      <dgm:bg/>
-      <dgm:whole/>
-    </dgm:dataModel>
-  </dgm:clrData>
-  <dgm:layoutNode name="linear">
-    <dgm:varLst>
-      <dgm:animLvl val="lvl"/>
-      <dgm:resizeHandles val="exact"/>
-    </dgm:varLst>
-    <dgm:alg type="lin">
-      <dgm:param type="linDir" val="fromT"/>
-      <dgm:param type="vertAlign" val="mid"/>
-    </dgm:alg>
-    <dgm:shape xmlns:r="http://schemas.openxmlformats.org/officeDocument/2006/relationships" r:blip="">
-      <dgm:adjLst/>
-    </dgm:shape>
-    <dgm:presOf/>
-    <dgm:constrLst>
-      <dgm:constr type="w" for="ch" forName="parentText" refType="w"/>
-      <dgm:constr type="h" for="ch" forName="parentText" refType="primFontSz" refFor="ch" refForName="parentText" fact="0.52"/>
-      <dgm:constr type="w" for="ch" forName="childText" refType="w"/>
-      <dgm:constr type="h" for="ch" forName="childText" refType="primFontSz" refFor="ch" refForName="parentText" fact="0.46"/>
-      <dgm:constr type="h" for="ch" forName="parentText" op="equ"/>
-      <dgm:constr type="primFontSz" for="ch" forName="parentText" op="equ" val="65"/>
-      <dgm:constr type="primFontSz" for="ch" forName="childText" refType="primFontSz" refFor="ch" refForName="parentText" op="equ"/>
-      <dgm:constr type="h" for="ch" forName="spacer" refType="primFontSz" refFor="ch" refForName="parentText" fact="0.08"/>
-    </dgm:constrLst>
-    <dgm:ruleLst>
-      <dgm:rule type="primFontSz" for="ch" forName="parentText" val="5" fact="NaN" max="NaN"/>
-    </dgm:ruleLst>
-    <dgm:forEach name="Name0" axis="ch" ptType="node">
-      <dgm:layoutNode name="parentText" styleLbl="node1">
-        <dgm:varLst>
-          <dgm:chMax val="0"/>
-          <dgm:bulletEnabled val="1"/>
-        </dgm:varLst>
-        <dgm:alg type="tx">
-          <dgm:param type="parTxLTRAlign" val="l"/>
-          <dgm:param type="parTxRTLAlign" val="r"/>
-        </dgm:alg>
-        <dgm:shape xmlns:r="http://schemas.openxmlformats.org/officeDocument/2006/relationships" type="roundRect" r:blip="">
-          <dgm:adjLst/>
-        </dgm:shape>
-        <dgm:presOf axis="self"/>
-        <dgm:constrLst>
-          <dgm:constr type="tMarg" refType="primFontSz" fact="0.3"/>
-          <dgm:constr type="bMarg" refType="primFontSz" fact="0.3"/>
-          <dgm:constr type="lMarg" refType="primFontSz" fact="0.3"/>
-          <dgm:constr type="rMarg" refType="primFontSz" fact="0.3"/>
-        </dgm:constrLst>
-        <dgm:ruleLst>
-          <dgm:rule type="h" val="INF" fact="NaN" max="NaN"/>
-        </dgm:ruleLst>
-      </dgm:layoutNode>
-      <dgm:choose name="Name1">
-        <dgm:if name="Name2" axis="ch" ptType="node" func="cnt" op="gte" val="1">
-          <dgm:layoutNode name="childText" styleLbl="revTx">
-            <dgm:varLst>
-              <dgm:bulletEnabled val="1"/>
-            </dgm:varLst>
-            <dgm:alg type="tx">
-              <dgm:param type="stBulletLvl" val="1"/>
-              <dgm:param type="lnSpAfChP" val="20"/>
-            </dgm:alg>
-            <dgm:shape xmlns:r="http://schemas.openxmlformats.org/officeDocument/2006/relationships" type="rect" r:blip="">
-              <dgm:adjLst/>
-            </dgm:shape>
-            <dgm:presOf axis="des" ptType="node"/>
-            <dgm:constrLst>
-              <dgm:constr type="tMarg" refType="primFontSz" fact="0.1"/>
-              <dgm:constr type="bMarg" refType="primFontSz" fact="0.1"/>
-              <dgm:constr type="lMarg" refType="w" fact="0.09"/>
-            </dgm:constrLst>
-            <dgm:ruleLst>
-              <dgm:rule type="h" val="INF" fact="NaN" max="NaN"/>
-            </dgm:ruleLst>
-          </dgm:layoutNode>
-        </dgm:if>
-        <dgm:else name="Name3">
-          <dgm:choose name="Name4">
-            <dgm:if name="Name5" axis="par ch" ptType="doc node" func="cnt" op="gte" val="2">
-              <dgm:forEach name="Name6" axis="followSib" ptType="sibTrans" cnt="1">
-                <dgm:layoutNode name="spacer">
-                  <dgm:alg type="sp"/>
-                  <dgm:shape xmlns:r="http://schemas.openxmlformats.org/officeDocument/2006/relationships" r:blip="">
-                    <dgm:adjLst/>
-                  </dgm:shape>
-                  <dgm:presOf/>
-                  <dgm:constrLst/>
-                  <dgm:ruleLst/>
-                </dgm:layoutNode>
-              </dgm:forEach>
-            </dgm:if>
-            <dgm:else name="Name7"/>
-          </dgm:choose>
-        </dgm:else>
-      </dgm:choose>
-    </dgm:forEach>
-  </dgm:layoutNode>
-</dgm:layoutDef>
-</file>
-
 <file path=ppt/diagrams/quickStyle1.xml><?xml version="1.0" encoding="utf-8"?>
-<dgm:styleDef xmlns:dgm="http://schemas.openxmlformats.org/drawingml/2006/diagram" xmlns:a="http://schemas.openxmlformats.org/drawingml/2006/main" uniqueId="urn:microsoft.com/office/officeart/2005/8/quickstyle/simple1">
-  <dgm:title val=""/>
-  <dgm:desc val=""/>
-  <dgm:catLst>
-    <dgm:cat type="simple" pri="10100"/>
-  </dgm:catLst>
-  <dgm:scene3d>
-    <a:camera prst="orthographicFront"/>
-    <a:lightRig rig="threePt" dir="t"/>
-  </dgm:scene3d>
-  <dgm:styleLbl name="node0">
-    <dgm:scene3d>
-      <a:camera prst="orthographicFront"/>
-      <a:lightRig rig="threePt" dir="t"/>
-    </dgm:scene3d>
-    <dgm:sp3d/>
-    <dgm:txPr/>
-    <dgm:style>
-      <a:lnRef idx="2">
-        <a:scrgbClr r="0" g="0" b="0"/>
-      </a:lnRef>
-      <a:fillRef idx="1">
-        <a:scrgbClr r="0" g="0" b="0"/>
-      </a:fillRef>
-      <a:effectRef idx="0">
-        <a:scrgbClr r="0" g="0" b="0"/>
-      </a:effectRef>
-      <a:fontRef idx="minor">
-        <a:schemeClr val="lt1"/>
-      </a:fontRef>
-    </dgm:style>
-  </dgm:styleLbl>
-  <dgm:styleLbl name="lnNode1">
-    <dgm:scene3d>
-      <a:camera prst="orthographicFront"/>
-      <a:lightRig rig="threePt" dir="t"/>
-    </dgm:scene3d>
-    <dgm:sp3d/>
-    <dgm:txPr/>
-    <dgm:style>
-      <a:lnRef idx="2">
-        <a:scrgbClr r="0" g="0" b="0"/>
-      </a:lnRef>
-      <a:fillRef idx="1">
-        <a:scrgbClr r="0" g="0" b="0"/>
-      </a:fillRef>
-      <a:effectRef idx="0">
-        <a:scrgbClr r="0" g="0" b="0"/>
-      </a:effectRef>
-      <a:fontRef idx="minor">
-        <a:schemeClr val="lt1"/>
-      </a:fontRef>
-    </dgm:style>
-  </dgm:styleLbl>
-  <dgm:styleLbl name="vennNode1">
-    <dgm:scene3d>
-      <a:camera prst="orthographicFront"/>
-      <a:lightRig rig="threePt" dir="t"/>
-    </dgm:scene3d>
-    <dgm:sp3d/>
-    <dgm:txPr/>
-    <dgm:style>
-      <a:lnRef idx="2">
-        <a:scrgbClr r="0" g="0" b="0"/>
-      </a:lnRef>
-      <a:fillRef idx="1">
-        <a:scrgbClr r="0" g="0" b="0"/>
-      </a:fillRef>
-      <a:effectRef idx="0">
-        <a:scrgbClr r="0" g="0" b="0"/>
-      </a:effectRef>
-      <a:fontRef idx="minor">
-        <a:schemeClr val="tx1"/>
-      </a:fontRef>
-    </dgm:style>
-  </dgm:styleLbl>
-  <dgm:styleLbl name="alignNode1">
-    <dgm:scene3d>
-      <a:camera prst="orthographicFront"/>
-      <a:lightRig rig="threePt" dir="t"/>
-    </dgm:scene3d>
-    <dgm:sp3d/>
-    <dgm:txPr/>
-    <dgm:style>
-      <a:lnRef idx="2">
-        <a:scrgbClr r="0" g="0" b="0"/>
-      </a:lnRef>
-      <a:fillRef idx="1">
-        <a:scrgbClr r="0" g="0" b="0"/>
-      </a:fillRef>
-      <a:effectRef idx="0">
-        <a:scrgbClr r="0" g="0" b="0"/>
-      </a:effectRef>
-      <a:fontRef idx="minor">
-        <a:schemeClr val="lt1"/>
-      </a:fontRef>
-    </dgm:style>
-  </dgm:styleLbl>
-  <dgm:styleLbl name="node1">
-    <dgm:scene3d>
-      <a:camera prst="orthographicFront"/>
-      <a:lightRig rig="threePt" dir="t"/>
-    </dgm:scene3d>
-    <dgm:sp3d/>
-    <dgm:txPr/>
-    <dgm:style>
-      <a:lnRef idx="2">
-        <a:scrgbClr r="0" g="0" b="0"/>
-      </a:lnRef>
-      <a:fillRef idx="1">
-        <a:scrgbClr r="0" g="0" b="0"/>
-      </a:fillRef>
-      <a:effectRef idx="0">
-        <a:scrgbClr r="0" g="0" b="0"/>
-      </a:effectRef>
-      <a:fontRef idx="minor">
-        <a:schemeClr val="lt1"/>
-      </a:fontRef>
-    </dgm:style>
-  </dgm:styleLbl>
-  <dgm:styleLbl name="node2">
-    <dgm:scene3d>
-      <a:camera prst="orthographicFront"/>
-      <a:lightRig rig="threePt" dir="t"/>
-    </dgm:scene3d>
-    <dgm:sp3d/>
-    <dgm:txPr/>
-    <dgm:style>
-      <a:lnRef idx="2">
-        <a:scrgbClr r="0" g="0" b="0"/>
-      </a:lnRef>
-      <a:fillRef idx="1">
-        <a:scrgbClr r="0" g="0" b="0"/>
-      </a:fillRef>
-      <a:effectRef idx="0">
-        <a:scrgbClr r="0" g="0" b="0"/>
-      </a:effectRef>
-      <a:fontRef idx="minor">
-        <a:schemeClr val="lt1"/>
-      </a:fontRef>
-    </dgm:style>
-  </dgm:styleLbl>
-  <dgm:styleLbl name="node3">
-    <dgm:scene3d>
-      <a:camera prst="orthographicFront"/>
-      <a:lightRig rig="threePt" dir="t"/>
-    </dgm:scene3d>
-    <dgm:sp3d/>
-    <dgm:txPr/>
-    <dgm:style>
-      <a:lnRef idx="2">
-        <a:scrgbClr r="0" g="0" b="0"/>
-      </a:lnRef>
-      <a:fillRef idx="1">
-        <a:scrgbClr r="0" g="0" b="0"/>
-      </a:fillRef>
-      <a:effectRef idx="0">
-        <a:scrgbClr r="0" g="0" b="0"/>
-      </a:effectRef>
-      <a:fontRef idx="minor">
-        <a:schemeClr val="lt1"/>
-      </a:fontRef>
-    </dgm:style>
-  </dgm:styleLbl>
-  <dgm:styleLbl name="node4">
-    <dgm:scene3d>
-      <a:camera prst="orthographicFront"/>
-      <a:lightRig rig="threePt" dir="t"/>
-    </dgm:scene3d>
-    <dgm:sp3d/>
-    <dgm:txPr/>
-    <dgm:style>
-      <a:lnRef idx="2">
-        <a:scrgbClr r="0" g="0" b="0"/>
-      </a:lnRef>
-      <a:fillRef idx="1">
-        <a:scrgbClr r="0" g="0" b="0"/>
-      </a:fillRef>
-      <a:effectRef idx="0">
-        <a:scrgbClr r="0" g="0" b="0"/>
-      </a:effectRef>
-      <a:fontRef idx="minor">
-        <a:schemeClr val="lt1"/>
-      </a:fontRef>
-    </dgm:style>
-  </dgm:styleLbl>
-  <dgm:styleLbl name="fgImgPlace1">
-    <dgm:scene3d>
-      <a:camera prst="orthographicFront"/>
-      <a:lightRig rig="threePt" dir="t"/>
-    </dgm:scene3d>
-    <dgm:sp3d/>
-    <dgm:txPr/>
-    <dgm:style>
-      <a:lnRef idx="2">
-        <a:scrgbClr r="0" g="0" b="0"/>
-      </a:lnRef>
-      <a:fillRef idx="1">
-        <a:scrgbClr r="0" g="0" b="0"/>
-      </a:fillRef>
-      <a:effectRef idx="0">
-        <a:scrgbClr r="0" g="0" b="0"/>
-      </a:effectRef>
-      <a:fontRef idx="minor"/>
-    </dgm:style>
-  </dgm:styleLbl>
-  <dgm:styleLbl name="alignImgPlace1">
-    <dgm:scene3d>
-      <a:camera prst="orthographicFront"/>
-      <a:lightRig rig="threePt" dir="t"/>
-    </dgm:scene3d>
-    <dgm:sp3d/>
-    <dgm:txPr/>
-    <dgm:style>
-      <a:lnRef idx="2">
-        <a:scrgbClr r="0" g="0" b="0"/>
-      </a:lnRef>
-      <a:fillRef idx="1">
-        <a:scrgbClr r="0" g="0" b="0"/>
-      </a:fillRef>
-      <a:effectRef idx="0">
-        <a:scrgbClr r="0" g="0" b="0"/>
-      </a:effectRef>
-      <a:fontRef idx="minor"/>
-    </dgm:style>
-  </dgm:styleLbl>
-  <dgm:styleLbl name="bgImgPlace1">
-    <dgm:scene3d>
-      <a:camera prst="orthographicFront"/>
-      <a:lightRig rig="threePt" dir="t"/>
-    </dgm:scene3d>
-    <dgm:sp3d/>
-    <dgm:txPr/>
-    <dgm:style>
-      <a:lnRef idx="2">
-        <a:scrgbClr r="0" g="0" b="0"/>
-      </a:lnRef>
-      <a:fillRef idx="1">
-        <a:scrgbClr r="0" g="0" b="0"/>
-      </a:fillRef>
-      <a:effectRef idx="0">
-        <a:scrgbClr r="0" g="0" b="0"/>
-      </a:effectRef>
-      <a:fontRef idx="minor"/>
-    </dgm:style>
-  </dgm:styleLbl>
-  <dgm:styleLbl name="sibTrans2D1">
-    <dgm:scene3d>
-      <a:camera prst="orthographicFront"/>
-      <a:lightRig rig="threePt" dir="t"/>
-    </dgm:scene3d>
-    <dgm:sp3d/>
-    <dgm:txPr/>
-    <dgm:style>
-      <a:lnRef idx="0">
-        <a:scrgbClr r="0" g="0" b="0"/>
-      </a:lnRef>
-      <a:fillRef idx="1">
-        <a:scrgbClr r="0" g="0" b="0"/>
-      </a:fillRef>
-      <a:effectRef idx="0">
-        <a:scrgbClr r="0" g="0" b="0"/>
-      </a:effectRef>
-      <a:fontRef idx="minor">
-        <a:schemeClr val="lt1"/>
-      </a:fontRef>
-    </dgm:style>
-  </dgm:styleLbl>
-  <dgm:styleLbl name="fgSibTrans2D1">
-    <dgm:scene3d>
-      <a:camera prst="orthographicFront"/>
-      <a:lightRig rig="threePt" dir="t"/>
-    </dgm:scene3d>
-    <dgm:sp3d/>
-    <dgm:txPr/>
-    <dgm:style>
-      <a:lnRef idx="0">
-        <a:scrgbClr r="0" g="0" b="0"/>
-      </a:lnRef>
-      <a:fillRef idx="1">
-        <a:scrgbClr r="0" g="0" b="0"/>
-      </a:fillRef>
-      <a:effectRef idx="0">
-        <a:scrgbClr r="0" g="0" b="0"/>
-      </a:effectRef>
-      <a:fontRef idx="minor">
-        <a:schemeClr val="lt1"/>
-      </a:fontRef>
-    </dgm:style>
-  </dgm:styleLbl>
-  <dgm:styleLbl name="bgSibTrans2D1">
-    <dgm:scene3d>
-      <a:camera prst="orthographicFront"/>
-      <a:lightRig rig="threePt" dir="t"/>
-    </dgm:scene3d>
-    <dgm:sp3d/>
-    <dgm:txPr/>
-    <dgm:style>
-      <a:lnRef idx="0">
-        <a:scrgbClr r="0" g="0" b="0"/>
-      </a:lnRef>
-      <a:fillRef idx="1">
-        <a:scrgbClr r="0" g="0" b="0"/>
-      </a:fillRef>
-      <a:effectRef idx="0">
-        <a:scrgbClr r="0" g="0" b="0"/>
-      </a:effectRef>
-      <a:fontRef idx="minor">
-        <a:schemeClr val="lt1"/>
-      </a:fontRef>
-    </dgm:style>
-  </dgm:styleLbl>
-  <dgm:styleLbl name="sibTrans1D1">
-    <dgm:scene3d>
-      <a:camera prst="orthographicFront"/>
-      <a:lightRig rig="threePt" dir="t"/>
-    </dgm:scene3d>
-    <dgm:sp3d/>
-    <dgm:txPr/>
-    <dgm:style>
-      <a:lnRef idx="1">
-        <a:scrgbClr r="0" g="0" b="0"/>
-      </a:lnRef>
-      <a:fillRef idx="0">
-        <a:scrgbClr r="0" g="0" b="0"/>
-      </a:fillRef>
-      <a:effectRef idx="0">
-        <a:scrgbClr r="0" g="0" b="0"/>
-      </a:effectRef>
-      <a:fontRef idx="minor"/>
-    </dgm:style>
-  </dgm:styleLbl>
-  <dgm:styleLbl name="callout">
-    <dgm:scene3d>
-      <a:camera prst="orthographicFront"/>
-      <a:lightRig rig="threePt" dir="t"/>
-    </dgm:scene3d>
-    <dgm:sp3d/>
-    <dgm:txPr/>
-    <dgm:style>
-      <a:lnRef idx="2">
-        <a:scrgbClr r="0" g="0" b="0"/>
-      </a:lnRef>
-      <a:fillRef idx="1">
-        <a:scrgbClr r="0" g="0" b="0"/>
-      </a:fillRef>
-      <a:effectRef idx="0">
-        <a:scrgbClr r="0" g="0" b="0"/>
-      </a:effectRef>
-      <a:fontRef idx="minor"/>
-    </dgm:style>
-  </dgm:styleLbl>
-  <dgm:styleLbl name="asst0">
-    <dgm:scene3d>
-      <a:camera prst="orthographicFront"/>
-      <a:lightRig rig="threePt" dir="t"/>
-    </dgm:scene3d>
-    <dgm:sp3d/>
-    <dgm:txPr/>
-    <dgm:style>
-      <a:lnRef idx="2">
-        <a:scrgbClr r="0" g="0" b="0"/>
-      </a:lnRef>
-      <a:fillRef idx="1">
-        <a:scrgbClr r="0" g="0" b="0"/>
-      </a:fillRef>
-      <a:effectRef idx="0">
-        <a:scrgbClr r="0" g="0" b="0"/>
-      </a:effectRef>
-      <a:fontRef idx="minor">
-        <a:schemeClr val="lt1"/>
-      </a:fontRef>
-    </dgm:style>
-  </dgm:styleLbl>
-  <dgm:styleLbl name="asst1">
-    <dgm:scene3d>
-      <a:camera prst="orthographicFront"/>
-      <a:lightRig rig="threePt" dir="t"/>
-    </dgm:scene3d>
-    <dgm:sp3d/>
-    <dgm:txPr/>
-    <dgm:style>
-      <a:lnRef idx="2">
-        <a:scrgbClr r="0" g="0" b="0"/>
-      </a:lnRef>
-      <a:fillRef idx="1">
-        <a:scrgbClr r="0" g="0" b="0"/>
-      </a:fillRef>
-      <a:effectRef idx="0">
-        <a:scrgbClr r="0" g="0" b="0"/>
-      </a:effectRef>
-      <a:fontRef idx="minor">
-        <a:schemeClr val="lt1"/>
-      </a:fontRef>
-    </dgm:style>
-  </dgm:styleLbl>
-  <dgm:styleLbl name="asst2">
-    <dgm:scene3d>
-      <a:camera prst="orthographicFront"/>
-      <a:lightRig rig="threePt" dir="t"/>
-    </dgm:scene3d>
-    <dgm:sp3d/>
-    <dgm:txPr/>
-    <dgm:style>
-      <a:lnRef idx="2">
-        <a:scrgbClr r="0" g="0" b="0"/>
-      </a:lnRef>
-      <a:fillRef idx="1">
-        <a:scrgbClr r="0" g="0" b="0"/>
-      </a:fillRef>
-      <a:effectRef idx="0">
-        <a:scrgbClr r="0" g="0" b="0"/>
-      </a:effectRef>
-      <a:fontRef idx="minor">
-        <a:schemeClr val="lt1"/>
-      </a:fontRef>
-    </dgm:style>
-  </dgm:styleLbl>
-  <dgm:styleLbl name="asst3">
-    <dgm:scene3d>
-      <a:camera prst="orthographicFront"/>
-      <a:lightRig rig="threePt" dir="t"/>
-    </dgm:scene3d>
-    <dgm:sp3d/>
-    <dgm:txPr/>
-    <dgm:style>
-      <a:lnRef idx="2">
-        <a:scrgbClr r="0" g="0" b="0"/>
-      </a:lnRef>
-      <a:fillRef idx="1">
-        <a:scrgbClr r="0" g="0" b="0"/>
-      </a:fillRef>
-      <a:effectRef idx="0">
-        <a:scrgbClr r="0" g="0" b="0"/>
-      </a:effectRef>
-      <a:fontRef idx="minor">
-        <a:schemeClr val="lt1"/>
-      </a:fontRef>
-    </dgm:style>
-  </dgm:styleLbl>
-  <dgm:styleLbl name="asst4">
-    <dgm:scene3d>
-      <a:camera prst="orthographicFront"/>
-      <a:lightRig rig="threePt" dir="t"/>
-    </dgm:scene3d>
-    <dgm:sp3d/>
-    <dgm:txPr/>
-    <dgm:style>
-      <a:lnRef idx="2">
-        <a:scrgbClr r="0" g="0" b="0"/>
-      </a:lnRef>
-      <a:fillRef idx="1">
-        <a:scrgbClr r="0" g="0" b="0"/>
-      </a:fillRef>
-      <a:effectRef idx="0">
-        <a:scrgbClr r="0" g="0" b="0"/>
-      </a:effectRef>
-      <a:fontRef idx="minor">
-        <a:schemeClr val="lt1"/>
-      </a:fontRef>
-    </dgm:style>
-  </dgm:styleLbl>
-  <dgm:styleLbl name="parChTrans2D1">
-    <dgm:scene3d>
-      <a:camera prst="orthographicFront"/>
-      <a:lightRig rig="threePt" dir="t"/>
-    </dgm:scene3d>
-    <dgm:sp3d/>
-    <dgm:txPr/>
-    <dgm:style>
-      <a:lnRef idx="2">
-        <a:scrgbClr r="0" g="0" b="0"/>
-      </a:lnRef>
-      <a:fillRef idx="1">
-        <a:scrgbClr r="0" g="0" b="0"/>
-      </a:fillRef>
-      <a:effectRef idx="0">
-        <a:scrgbClr r="0" g="0" b="0"/>
-      </a:effectRef>
-      <a:fontRef idx="minor">
-        <a:schemeClr val="lt1"/>
-      </a:fontRef>
-    </dgm:style>
-  </dgm:styleLbl>
-  <dgm:styleLbl name="parChTrans2D2">
-    <dgm:scene3d>
-      <a:camera prst="orthographicFront"/>
-      <a:lightRig rig="threePt" dir="t"/>
-    </dgm:scene3d>
-    <dgm:sp3d/>
-    <dgm:txPr/>
-    <dgm:style>
-      <a:lnRef idx="2">
-        <a:scrgbClr r="0" g="0" b="0"/>
-      </a:lnRef>
-      <a:fillRef idx="1">
-        <a:scrgbClr r="0" g="0" b="0"/>
-      </a:fillRef>
-      <a:effectRef idx="0">
-        <a:scrgbClr r="0" g="0" b="0"/>
-      </a:effectRef>
-      <a:fontRef idx="minor">
-        <a:schemeClr val="lt1"/>
-      </a:fontRef>
-    </dgm:style>
-  </dgm:styleLbl>
-  <dgm:styleLbl name="parChTrans2D3">
-    <dgm:scene3d>
-      <a:camera prst="orthographicFront"/>
-      <a:lightRig rig="threePt" dir="t"/>
-    </dgm:scene3d>
-    <dgm:sp3d/>
-    <dgm:txPr/>
-    <dgm:style>
-      <a:lnRef idx="2">
-        <a:scrgbClr r="0" g="0" b="0"/>
-      </a:lnRef>
-      <a:fillRef idx="1">
-        <a:scrgbClr r="0" g="0" b="0"/>
-      </a:fillRef>
-      <a:effectRef idx="0">
-        <a:scrgbClr r="0" g="0" b="0"/>
-      </a:effectRef>
-      <a:fontRef idx="minor">
-        <a:schemeClr val="lt1"/>
-      </a:fontRef>
-    </dgm:style>
-  </dgm:styleLbl>
-  <dgm:styleLbl name="parChTrans2D4">
-    <dgm:scene3d>
-      <a:camera prst="orthographicFront"/>
-      <a:lightRig rig="threePt" dir="t"/>
-    </dgm:scene3d>
-    <dgm:sp3d/>
-    <dgm:txPr/>
-    <dgm:style>
-      <a:lnRef idx="2">
-        <a:scrgbClr r="0" g="0" b="0"/>
-      </a:lnRef>
-      <a:fillRef idx="1">
-        <a:scrgbClr r="0" g="0" b="0"/>
-      </a:fillRef>
-      <a:effectRef idx="0">
-        <a:scrgbClr r="0" g="0" b="0"/>
-      </a:effectRef>
-      <a:fontRef idx="minor">
-        <a:schemeClr val="lt1"/>
-      </a:fontRef>
-    </dgm:style>
-  </dgm:styleLbl>
-  <dgm:styleLbl name="parChTrans1D1">
-    <dgm:scene3d>
-      <a:camera prst="orthographicFront"/>
-      <a:lightRig rig="threePt" dir="t"/>
-    </dgm:scene3d>
-    <dgm:sp3d/>
-    <dgm:txPr/>
-    <dgm:style>
-      <a:lnRef idx="2">
-        <a:scrgbClr r="0" g="0" b="0"/>
-      </a:lnRef>
-      <a:fillRef idx="0">
-        <a:scrgbClr r="0" g="0" b="0"/>
-      </a:fillRef>
-      <a:effectRef idx="0">
-        <a:scrgbClr r="0" g="0" b="0"/>
-      </a:effectRef>
-      <a:fontRef idx="minor"/>
-    </dgm:style>
-  </dgm:styleLbl>
-  <dgm:styleLbl name="parChTrans1D2">
-    <dgm:scene3d>
-      <a:camera prst="orthographicFront"/>
-      <a:lightRig rig="threePt" dir="t"/>
-    </dgm:scene3d>
-    <dgm:sp3d/>
-    <dgm:txPr/>
-    <dgm:style>
-      <a:lnRef idx="2">
-        <a:scrgbClr r="0" g="0" b="0"/>
-      </a:lnRef>
-      <a:fillRef idx="0">
-        <a:scrgbClr r="0" g="0" b="0"/>
-      </a:fillRef>
-      <a:effectRef idx="0">
-        <a:scrgbClr r="0" g="0" b="0"/>
-      </a:effectRef>
-      <a:fontRef idx="minor"/>
-    </dgm:style>
-  </dgm:styleLbl>
-  <dgm:styleLbl name="parChTrans1D3">
-    <dgm:scene3d>
-      <a:camera prst="orthographicFront"/>
-      <a:lightRig rig="threePt" dir="t"/>
-    </dgm:scene3d>
-    <dgm:sp3d/>
-    <dgm:txPr/>
-    <dgm:style>
-      <a:lnRef idx="2">
-        <a:scrgbClr r="0" g="0" b="0"/>
-      </a:lnRef>
-      <a:fillRef idx="0">
-        <a:scrgbClr r="0" g="0" b="0"/>
-      </a:fillRef>
-      <a:effectRef idx="0">
-        <a:scrgbClr r="0" g="0" b="0"/>
-      </a:effectRef>
-      <a:fontRef idx="minor"/>
-    </dgm:style>
-  </dgm:styleLbl>
-  <dgm:styleLbl name="parChTrans1D4">
-    <dgm:scene3d>
-      <a:camera prst="orthographicFront"/>
-      <a:lightRig rig="threePt" dir="t"/>
-    </dgm:scene3d>
-    <dgm:sp3d/>
-    <dgm:txPr/>
-    <dgm:style>
-      <a:lnRef idx="2">
-        <a:scrgbClr r="0" g="0" b="0"/>
-      </a:lnRef>
-      <a:fillRef idx="0">
-        <a:scrgbClr r="0" g="0" b="0"/>
-      </a:fillRef>
-      <a:effectRef idx="0">
-        <a:scrgbClr r="0" g="0" b="0"/>
-      </a:effectRef>
-      <a:fontRef idx="minor"/>
-    </dgm:style>
-  </dgm:styleLbl>
-  <dgm:styleLbl name="fgAcc1">
-    <dgm:scene3d>
-      <a:camera prst="orthographicFront"/>
-      <a:lightRig rig="threePt" dir="t"/>
-    </dgm:scene3d>
-    <dgm:sp3d/>
-    <dgm:txPr/>
-    <dgm:style>
-      <a:lnRef idx="2">
-        <a:scrgbClr r="0" g="0" b="0"/>
-      </a:lnRef>
-      <a:fillRef idx="1">
-        <a:scrgbClr r="0" g="0" b="0"/>
-      </a:fillRef>
-      <a:effectRef idx="0">
-        <a:scrgbClr r="0" g="0" b="0"/>
-      </a:effectRef>
-      <a:fontRef idx="minor"/>
-    </dgm:style>
-  </dgm:styleLbl>
-  <dgm:styleLbl name="conFgAcc1">
-    <dgm:scene3d>
-      <a:camera prst="orthographicFront"/>
-      <a:lightRig rig="threePt" dir="t"/>
-    </dgm:scene3d>
-    <dgm:sp3d/>
-    <dgm:txPr/>
-    <dgm:style>
-      <a:lnRef idx="2">
-        <a:scrgbClr r="0" g="0" b="0"/>
-      </a:lnRef>
-      <a:fillRef idx="1">
-        <a:scrgbClr r="0" g="0" b="0"/>
-      </a:fillRef>
-      <a:effectRef idx="0">
-        <a:scrgbClr r="0" g="0" b="0"/>
-      </a:effectRef>
-      <a:fontRef idx="minor"/>
-    </dgm:style>
-  </dgm:styleLbl>
-  <dgm:styleLbl name="alignAcc1">
-    <dgm:scene3d>
-      <a:camera prst="orthographicFront"/>
-      <a:lightRig rig="threePt" dir="t"/>
-    </dgm:scene3d>
-    <dgm:sp3d/>
-    <dgm:txPr/>
-    <dgm:style>
-      <a:lnRef idx="2">
-        <a:scrgbClr r="0" g="0" b="0"/>
-      </a:lnRef>
-      <a:fillRef idx="1">
-        <a:scrgbClr r="0" g="0" b="0"/>
-      </a:fillRef>
-      <a:effectRef idx="0">
-        <a:scrgbClr r="0" g="0" b="0"/>
-      </a:effectRef>
-      <a:fontRef idx="minor"/>
-    </dgm:style>
-  </dgm:styleLbl>
-  <dgm:styleLbl name="trAlignAcc1">
-    <dgm:scene3d>
-      <a:camera prst="orthographicFront"/>
-      <a:lightRig rig="threePt" dir="t"/>
-    </dgm:scene3d>
-    <dgm:sp3d/>
-    <dgm:txPr/>
-    <dgm:style>
-      <a:lnRef idx="1">
-        <a:scrgbClr r="0" g="0" b="0"/>
-      </a:lnRef>
-      <a:fillRef idx="1">
-        <a:scrgbClr r="0" g="0" b="0"/>
-      </a:fillRef>
-      <a:effectRef idx="0">
-        <a:scrgbClr r="0" g="0" b="0"/>
-      </a:effectRef>
-      <a:fontRef idx="minor"/>
-    </dgm:style>
-  </dgm:styleLbl>
-  <dgm:styleLbl name="bgAcc1">
-    <dgm:scene3d>
-      <a:camera prst="orthographicFront"/>
-      <a:lightRig rig="threePt" dir="t"/>
-    </dgm:scene3d>
-    <dgm:sp3d/>
-    <dgm:txPr/>
-    <dgm:style>
-      <a:lnRef idx="2">
-        <a:scrgbClr r="0" g="0" b="0"/>
-      </a:lnRef>
-      <a:fillRef idx="1">
-        <a:scrgbClr r="0" g="0" b="0"/>
-      </a:fillRef>
-      <a:effectRef idx="0">
-        <a:scrgbClr r="0" g="0" b="0"/>
-      </a:effectRef>
-      <a:fontRef idx="minor"/>
-    </dgm:style>
-  </dgm:styleLbl>
-  <dgm:styleLbl name="solidFgAcc1">
-    <dgm:scene3d>
-      <a:camera prst="orthographicFront"/>
-      <a:lightRig rig="threePt" dir="t"/>
-    </dgm:scene3d>
-    <dgm:sp3d/>
-    <dgm:txPr/>
-    <dgm:style>
-      <a:lnRef idx="2">
-        <a:scrgbClr r="0" g="0" b="0"/>
-      </a:lnRef>
-      <a:fillRef idx="1">
-        <a:scrgbClr r="0" g="0" b="0"/>
-      </a:fillRef>
-      <a:effectRef idx="0">
-        <a:scrgbClr r="0" g="0" b="0"/>
-      </a:effectRef>
-      <a:fontRef idx="minor"/>
-    </dgm:style>
-  </dgm:styleLbl>
-  <dgm:styleLbl name="solidAlignAcc1">
-    <dgm:scene3d>
-      <a:camera prst="orthographicFront"/>
-      <a:lightRig rig="threePt" dir="t"/>
-    </dgm:scene3d>
-    <dgm:sp3d/>
-    <dgm:txPr/>
-    <dgm:style>
-      <a:lnRef idx="2">
-        <a:scrgbClr r="0" g="0" b="0"/>
-      </a:lnRef>
-      <a:fillRef idx="1">
-        <a:scrgbClr r="0" g="0" b="0"/>
-      </a:fillRef>
-      <a:effectRef idx="0">
-        <a:scrgbClr r="0" g="0" b="0"/>
-      </a:effectRef>
-      <a:fontRef idx="minor"/>
-    </dgm:style>
-  </dgm:styleLbl>
-  <dgm:styleLbl name="solidBgAcc1">
-    <dgm:scene3d>
-      <a:camera prst="orthographicFront"/>
-      <a:lightRig rig="threePt" dir="t"/>
-    </dgm:scene3d>
-    <dgm:sp3d/>
-    <dgm:txPr/>
-    <dgm:style>
-      <a:lnRef idx="2">
-        <a:scrgbClr r="0" g="0" b="0"/>
-      </a:lnRef>
-      <a:fillRef idx="1">
-        <a:scrgbClr r="0" g="0" b="0"/>
-      </a:fillRef>
-      <a:effectRef idx="0">
-        <a:scrgbClr r="0" g="0" b="0"/>
-      </a:effectRef>
-      <a:fontRef idx="minor"/>
-    </dgm:style>
-  </dgm:styleLbl>
-  <dgm:styleLbl name="fgAccFollowNode1">
-    <dgm:scene3d>
-      <a:camera prst="orthographicFront"/>
-      <a:lightRig rig="threePt" dir="t"/>
-    </dgm:scene3d>
-    <dgm:sp3d/>
-    <dgm:txPr/>
-    <dgm:style>
-      <a:lnRef idx="2">
-        <a:scrgbClr r="0" g="0" b="0"/>
-      </a:lnRef>
-      <a:fillRef idx="1">
-        <a:scrgbClr r="0" g="0" b="0"/>
-      </a:fillRef>
-      <a:effectRef idx="0">
-        <a:scrgbClr r="0" g="0" b="0"/>
-      </a:effectRef>
-      <a:fontRef idx="minor"/>
-    </dgm:style>
-  </dgm:styleLbl>
-  <dgm:styleLbl name="alignAccFollowNode1">
-    <dgm:scene3d>
-      <a:camera prst="orthographicFront"/>
-      <a:lightRig rig="threePt" dir="t"/>
-    </dgm:scene3d>
-    <dgm:sp3d/>
-    <dgm:txPr/>
-    <dgm:style>
-      <a:lnRef idx="2">
-        <a:scrgbClr r="0" g="0" b="0"/>
-      </a:lnRef>
-      <a:fillRef idx="1">
-        <a:scrgbClr r="0" g="0" b="0"/>
-      </a:fillRef>
-      <a:effectRef idx="0">
-        <a:scrgbClr r="0" g="0" b="0"/>
-      </a:effectRef>
-      <a:fontRef idx="minor"/>
-    </dgm:style>
-  </dgm:styleLbl>
-  <dgm:styleLbl name="bgAccFollowNode1">
-    <dgm:scene3d>
-      <a:camera prst="orthographicFront"/>
-      <a:lightRig rig="threePt" dir="t"/>
-    </dgm:scene3d>
-    <dgm:sp3d/>
-    <dgm:txPr/>
-    <dgm:style>
-      <a:lnRef idx="2">
-        <a:scrgbClr r="0" g="0" b="0"/>
-      </a:lnRef>
-      <a:fillRef idx="1">
-        <a:scrgbClr r="0" g="0" b="0"/>
-      </a:fillRef>
-      <a:effectRef idx="0">
-        <a:scrgbClr r="0" g="0" b="0"/>
-      </a:effectRef>
-      <a:fontRef idx="minor"/>
-    </dgm:style>
-  </dgm:styleLbl>
-  <dgm:styleLbl name="fgAcc0">
-    <dgm:scene3d>
-      <a:camera prst="orthographicFront"/>
-      <a:lightRig rig="threePt" dir="t"/>
-    </dgm:scene3d>
-    <dgm:sp3d/>
-    <dgm:txPr/>
-    <dgm:style>
-      <a:lnRef idx="2">
-        <a:scrgbClr r="0" g="0" b="0"/>
-      </a:lnRef>
-      <a:fillRef idx="1">
-        <a:scrgbClr r="0" g="0" b="0"/>
-      </a:fillRef>
-      <a:effectRef idx="0">
-        <a:scrgbClr r="0" g="0" b="0"/>
-      </a:effectRef>
-      <a:fontRef idx="minor"/>
-    </dgm:style>
-  </dgm:styleLbl>
-  <dgm:styleLbl name="fgAcc2">
-    <dgm:scene3d>
-      <a:camera prst="orthographicFront"/>
-      <a:lightRig rig="threePt" dir="t"/>
-    </dgm:scene3d>
-    <dgm:sp3d/>
-    <dgm:txPr/>
-    <dgm:style>
-      <a:lnRef idx="2">
-        <a:scrgbClr r="0" g="0" b="0"/>
-      </a:lnRef>
-      <a:fillRef idx="1">
-        <a:scrgbClr r="0" g="0" b="0"/>
-      </a:fillRef>
-      <a:effectRef idx="0">
-        <a:scrgbClr r="0" g="0" b="0"/>
-      </a:effectRef>
-      <a:fontRef idx="minor"/>
-    </dgm:style>
-  </dgm:styleLbl>
-  <dgm:styleLbl name="fgAcc3">
-    <dgm:scene3d>
-      <a:camera prst="orthographicFront"/>
-      <a:lightRig rig="threePt" dir="t"/>
-    </dgm:scene3d>
-    <dgm:sp3d/>
-    <dgm:txPr/>
-    <dgm:style>
-      <a:lnRef idx="2">
-        <a:scrgbClr r="0" g="0" b="0"/>
-      </a:lnRef>
-      <a:fillRef idx="1">
-        <a:scrgbClr r="0" g="0" b="0"/>
-      </a:fillRef>
-      <a:effectRef idx="0">
-        <a:scrgbClr r="0" g="0" b="0"/>
-      </a:effectRef>
-      <a:fontRef idx="minor"/>
-    </dgm:style>
-  </dgm:styleLbl>
-  <dgm:styleLbl name="fgAcc4">
-    <dgm:scene3d>
-      <a:camera prst="orthographicFront"/>
-      <a:lightRig rig="threePt" dir="t"/>
-    </dgm:scene3d>
-    <dgm:sp3d/>
-    <dgm:txPr/>
-    <dgm:style>
-      <a:lnRef idx="2">
-        <a:scrgbClr r="0" g="0" b="0"/>
-      </a:lnRef>
-      <a:fillRef idx="1">
-        <a:scrgbClr r="0" g="0" b="0"/>
-      </a:fillRef>
-      <a:effectRef idx="0">
-        <a:scrgbClr r="0" g="0" b="0"/>
-      </a:effectRef>
-      <a:fontRef idx="minor"/>
-    </dgm:style>
-  </dgm:styleLbl>
-  <dgm:styleLbl name="bgShp">
-    <dgm:scene3d>
-      <a:camera prst="orthographicFront"/>
-      <a:lightRig rig="threePt" dir="t"/>
-    </dgm:scene3d>
-    <dgm:sp3d/>
-    <dgm:txPr/>
-    <dgm:style>
-      <a:lnRef idx="0">
-        <a:scrgbClr r="0" g="0" b="0"/>
-      </a:lnRef>
-      <a:fillRef idx="1">
-        <a:scrgbClr r="0" g="0" b="0"/>
-      </a:fillRef>
-      <a:effectRef idx="0">
-        <a:scrgbClr r="0" g="0" b="0"/>
-      </a:effectRef>
-      <a:fontRef idx="minor"/>
-    </dgm:style>
-  </dgm:styleLbl>
-  <dgm:styleLbl name="dkBgShp">
-    <dgm:scene3d>
-      <a:camera prst="orthographicFront"/>
-      <a:lightRig rig="threePt" dir="t"/>
-    </dgm:scene3d>
-    <dgm:sp3d/>
-    <dgm:txPr/>
-    <dgm:style>
-      <a:lnRef idx="0">
-        <a:scrgbClr r="0" g="0" b="0"/>
-      </a:lnRef>
-      <a:fillRef idx="1">
-        <a:scrgbClr r="0" g="0" b="0"/>
-      </a:fillRef>
-      <a:effectRef idx="0">
-        <a:scrgbClr r="0" g="0" b="0"/>
-      </a:effectRef>
-      <a:fontRef idx="minor"/>
-    </dgm:style>
-  </dgm:styleLbl>
-  <dgm:styleLbl name="trBgShp">
-    <dgm:scene3d>
-      <a:camera prst="orthographicFront"/>
-      <a:lightRig rig="threePt" dir="t"/>
-    </dgm:scene3d>
-    <dgm:sp3d/>
-    <dgm:txPr/>
-    <dgm:style>
-      <a:lnRef idx="0">
-        <a:scrgbClr r="0" g="0" b="0"/>
-      </a:lnRef>
-      <a:fillRef idx="1">
-        <a:scrgbClr r="0" g="0" b="0"/>
-      </a:fillRef>
-      <a:effectRef idx="0">
-        <a:scrgbClr r="0" g="0" b="0"/>
-      </a:effectRef>
-      <a:fontRef idx="minor"/>
-    </dgm:style>
-  </dgm:styleLbl>
-  <dgm:styleLbl name="fgShp">
-    <dgm:scene3d>
-      <a:camera prst="orthographicFront"/>
-      <a:lightRig rig="threePt" dir="t"/>
-    </dgm:scene3d>
-    <dgm:sp3d/>
-    <dgm:txPr/>
-    <dgm:style>
-      <a:lnRef idx="2">
-        <a:scrgbClr r="0" g="0" b="0"/>
-      </a:lnRef>
-      <a:fillRef idx="1">
-        <a:scrgbClr r="0" g="0" b="0"/>
-      </a:fillRef>
-      <a:effectRef idx="0">
-        <a:scrgbClr r="0" g="0" b="0"/>
-      </a:effectRef>
-      <a:fontRef idx="minor"/>
-    </dgm:style>
-  </dgm:styleLbl>
-  <dgm:styleLbl name="revTx">
-    <dgm:scene3d>
-      <a:camera prst="orthographicFront"/>
-      <a:lightRig rig="threePt" dir="t"/>
-    </dgm:scene3d>
-    <dgm:sp3d/>
-    <dgm:txPr/>
-    <dgm:style>
-      <a:lnRef idx="0">
-        <a:scrgbClr r="0" g="0" b="0"/>
-      </a:lnRef>
-      <a:fillRef idx="0">
-        <a:scrgbClr r="0" g="0" b="0"/>
-      </a:fillRef>
-      <a:effectRef idx="0">
-        <a:scrgbClr r="0" g="0" b="0"/>
-      </a:effectRef>
-      <a:fontRef idx="minor"/>
-    </dgm:style>
-  </dgm:styleLbl>
-</dgm:styleDef>
-</file>
-
-<file path=ppt/diagrams/quickStyle2.xml><?xml version="1.0" encoding="utf-8"?>
 <dgm:styleDef xmlns:dgm="http://schemas.openxmlformats.org/drawingml/2006/diagram" xmlns:a="http://schemas.openxmlformats.org/drawingml/2006/main" uniqueId="urn:microsoft.com/office/officeart/2005/8/quickstyle/simple1">
   <dgm:title val=""/>
   <dgm:desc val=""/>
@@ -7773,7 +3978,7 @@
                   <a:schemeClr val="tx2"/>
                 </a:solidFill>
               </a:rPr>
-              <a:t>8/30/2016</a:t>
+              <a:t>9/1/2016</a:t>
             </a:fld>
             <a:endParaRPr>
               <a:solidFill>
@@ -7963,7 +4168,7 @@
             <a:fld id="{F95CF31C-F757-429C-A789-86504F04C3BE}" type="datetimeFigureOut">
               <a:rPr lang="en-US"/>
               <a:pPr/>
-              <a:t>8/30/2016</a:t>
+              <a:t>9/1/2016</a:t>
             </a:fld>
             <a:endParaRPr/>
           </a:p>
@@ -8563,7 +4768,7 @@
           <a:p>
             <a:fld id="{7AECB6C2-1084-4AED-A74A-DF028B0094EA}" type="datetimeFigureOut">
               <a:rPr lang="en-US"/>
-              <a:t>8/30/2016</a:t>
+              <a:t>9/1/2016</a:t>
             </a:fld>
             <a:endParaRPr/>
           </a:p>
@@ -8755,7 +4960,7 @@
           <a:p>
             <a:fld id="{7AECB6C2-1084-4AED-A74A-DF028B0094EA}" type="datetimeFigureOut">
               <a:rPr lang="en-US"/>
-              <a:t>8/30/2016</a:t>
+              <a:t>9/1/2016</a:t>
             </a:fld>
             <a:endParaRPr/>
           </a:p>
@@ -8953,7 +5158,7 @@
           <a:p>
             <a:fld id="{8B5A30F4-0B4E-4E4B-BC36-C30CD13F4E17}" type="datetimeFigureOut">
               <a:rPr lang="en-US"/>
-              <a:t>8/30/2016</a:t>
+              <a:t>9/1/2016</a:t>
             </a:fld>
             <a:endParaRPr/>
           </a:p>
@@ -9469,7 +5674,7 @@
           <a:p>
             <a:fld id="{2DD204D1-F9BD-4643-8480-6EA41EB484F1}" type="datetimeFigureOut">
               <a:rPr lang="en-US"/>
-              <a:t>8/30/2016</a:t>
+              <a:t>9/1/2016</a:t>
             </a:fld>
             <a:endParaRPr/>
           </a:p>
@@ -9917,7 +6122,7 @@
           <a:p>
             <a:fld id="{2DD204D1-F9BD-4643-8480-6EA41EB484F1}" type="datetimeFigureOut">
               <a:rPr lang="en-US"/>
-              <a:t>8/30/2016</a:t>
+              <a:t>9/1/2016</a:t>
             </a:fld>
             <a:endParaRPr/>
           </a:p>
@@ -10047,7 +6252,7 @@
           <a:p>
             <a:fld id="{2DD204D1-F9BD-4643-8480-6EA41EB484F1}" type="datetimeFigureOut">
               <a:rPr lang="en-US"/>
-              <a:t>8/30/2016</a:t>
+              <a:t>9/1/2016</a:t>
             </a:fld>
             <a:endParaRPr/>
           </a:p>
@@ -10154,7 +6359,7 @@
           <a:p>
             <a:fld id="{2DD204D1-F9BD-4643-8480-6EA41EB484F1}" type="datetimeFigureOut">
               <a:rPr lang="en-US"/>
-              <a:t>8/30/2016</a:t>
+              <a:t>9/1/2016</a:t>
             </a:fld>
             <a:endParaRPr/>
           </a:p>
@@ -10511,7 +6716,7 @@
           <a:p>
             <a:fld id="{126BF754-515F-40B9-8D24-D54D5825B3D0}" type="datetimeFigureOut">
               <a:rPr lang="en-US"/>
-              <a:t>8/30/2016</a:t>
+              <a:t>9/1/2016</a:t>
             </a:fld>
             <a:endParaRPr/>
           </a:p>
@@ -10848,7 +7053,7 @@
           <a:p>
             <a:fld id="{126BF754-515F-40B9-8D24-D54D5825B3D0}" type="datetimeFigureOut">
               <a:rPr lang="en-US"/>
-              <a:t>8/30/2016</a:t>
+              <a:t>9/1/2016</a:t>
             </a:fld>
             <a:endParaRPr/>
           </a:p>
@@ -11143,7 +7348,7 @@
             <a:fld id="{2DD204D1-F9BD-4643-8480-6EA41EB484F1}" type="datetimeFigureOut">
               <a:rPr lang="en-US"/>
               <a:pPr/>
-              <a:t>8/30/2016</a:t>
+              <a:t>9/1/2016</a:t>
             </a:fld>
             <a:endParaRPr/>
           </a:p>
@@ -14853,7 +11058,7 @@
           <p:nvPr>
             <p:extLst>
               <p:ext uri="{D42A27DB-BD31-4B8C-83A1-F6EECF244321}">
-                <p14:modId xmlns:p14="http://schemas.microsoft.com/office/powerpoint/2010/main" val="2257079718"/>
+                <p14:modId xmlns:p14="http://schemas.microsoft.com/office/powerpoint/2010/main" val="2970675895"/>
               </p:ext>
             </p:extLst>
           </p:nvPr>
@@ -15314,47 +11519,270 @@
             <p:ph type="title"/>
           </p:nvPr>
         </p:nvSpPr>
-        <p:spPr/>
-        <p:txBody>
-          <a:bodyPr/>
+        <p:spPr>
+          <a:xfrm>
+            <a:off x="989012" y="77501"/>
+            <a:ext cx="10157354" cy="939799"/>
+          </a:xfrm>
+        </p:spPr>
+        <p:txBody>
+          <a:bodyPr>
+            <a:normAutofit/>
+          </a:bodyPr>
           <a:lstStyle/>
           <a:p>
             <a:r>
-              <a:rPr lang="en-US" dirty="0"/>
-              <a:t>Title and Content Layout with Chart </a:t>
-            </a:r>
-          </a:p>
-        </p:txBody>
-      </p:sp>
-      <p:graphicFrame>
-        <p:nvGraphicFramePr>
-          <p:cNvPr id="7" name="Content Placeholder 6" descr="Line" title="Chart"/>
-          <p:cNvGraphicFramePr>
-            <a:graphicFrameLocks noGrp="1"/>
-          </p:cNvGraphicFramePr>
-          <p:nvPr>
-            <p:ph idx="1"/>
-            <p:extLst>
-              <p:ext uri="{D42A27DB-BD31-4B8C-83A1-F6EECF244321}">
-                <p14:modId xmlns:p14="http://schemas.microsoft.com/office/powerpoint/2010/main" val="2432020898"/>
-              </p:ext>
-            </p:extLst>
-          </p:nvPr>
-        </p:nvGraphicFramePr>
-        <p:xfrm>
-          <a:off x="1117600" y="1701800"/>
-          <a:ext cx="10156825" cy="4470400"/>
-        </p:xfrm>
-        <a:graphic>
-          <a:graphicData uri="http://schemas.openxmlformats.org/drawingml/2006/chart">
-            <c:chart xmlns:c="http://schemas.openxmlformats.org/drawingml/2006/chart" xmlns:r="http://schemas.openxmlformats.org/officeDocument/2006/relationships" r:id="rId2"/>
-          </a:graphicData>
-        </a:graphic>
-      </p:graphicFrame>
+              <a:rPr lang="en-US" sz="3600" dirty="0"/>
+              <a:t>Putting All together in real case scenario</a:t>
+            </a:r>
+          </a:p>
+        </p:txBody>
+      </p:sp>
+      <p:sp>
+        <p:nvSpPr>
+          <p:cNvPr id="12" name="Rectangle 11"/>
+          <p:cNvSpPr/>
+          <p:nvPr/>
+        </p:nvSpPr>
+        <p:spPr>
+          <a:xfrm>
+            <a:off x="979718" y="1493966"/>
+            <a:ext cx="1641796" cy="400110"/>
+          </a:xfrm>
+          <a:prstGeom prst="rect">
+            <a:avLst/>
+          </a:prstGeom>
+        </p:spPr>
+        <p:txBody>
+          <a:bodyPr wrap="none">
+            <a:spAutoFit/>
+          </a:bodyPr>
+          <a:lstStyle/>
+          <a:p>
+            <a:r>
+              <a:rPr lang="en-US" sz="2000" b="1" dirty="0"/>
+              <a:t>Sanitize PDF</a:t>
+            </a:r>
+          </a:p>
+        </p:txBody>
+      </p:sp>
+      <p:sp>
+        <p:nvSpPr>
+          <p:cNvPr id="5" name="TextBox 4"/>
+          <p:cNvSpPr txBox="1"/>
+          <p:nvPr/>
+        </p:nvSpPr>
+        <p:spPr>
+          <a:xfrm>
+            <a:off x="1007972" y="1941932"/>
+            <a:ext cx="4248240" cy="1200329"/>
+          </a:xfrm>
+          <a:prstGeom prst="rect">
+            <a:avLst/>
+          </a:prstGeom>
+          <a:noFill/>
+        </p:spPr>
+        <p:txBody>
+          <a:bodyPr wrap="square" rtlCol="0">
+            <a:spAutoFit/>
+          </a:bodyPr>
+          <a:lstStyle/>
+          <a:p>
+            <a:r>
+              <a:rPr lang="en-US" sz="1800" dirty="0"/>
+              <a:t>When the PDF metadata has sensitive data, it is recommended to sanitize the PDF before sending it to The client. </a:t>
+            </a:r>
+          </a:p>
+        </p:txBody>
+      </p:sp>
+      <p:sp>
+        <p:nvSpPr>
+          <p:cNvPr id="6" name="Rectangle 5"/>
+          <p:cNvSpPr/>
+          <p:nvPr/>
+        </p:nvSpPr>
+        <p:spPr>
+          <a:xfrm>
+            <a:off x="6447158" y="1493966"/>
+            <a:ext cx="3603872" cy="400110"/>
+          </a:xfrm>
+          <a:prstGeom prst="rect">
+            <a:avLst/>
+          </a:prstGeom>
+        </p:spPr>
+        <p:txBody>
+          <a:bodyPr wrap="none">
+            <a:spAutoFit/>
+          </a:bodyPr>
+          <a:lstStyle/>
+          <a:p>
+            <a:r>
+              <a:rPr lang="en-US" sz="2000" b="1" dirty="0"/>
+              <a:t>Import XMP (The Metadata)</a:t>
+            </a:r>
+          </a:p>
+        </p:txBody>
+      </p:sp>
+      <p:sp>
+        <p:nvSpPr>
+          <p:cNvPr id="7" name="TextBox 6"/>
+          <p:cNvSpPr txBox="1"/>
+          <p:nvPr/>
+        </p:nvSpPr>
+        <p:spPr>
+          <a:xfrm>
+            <a:off x="6475412" y="1941932"/>
+            <a:ext cx="4495800" cy="2585323"/>
+          </a:xfrm>
+          <a:prstGeom prst="rect">
+            <a:avLst/>
+          </a:prstGeom>
+          <a:noFill/>
+        </p:spPr>
+        <p:txBody>
+          <a:bodyPr wrap="square" rtlCol="0">
+            <a:spAutoFit/>
+          </a:bodyPr>
+          <a:lstStyle/>
+          <a:p>
+            <a:r>
+              <a:rPr lang="en-US" sz="1800" dirty="0"/>
+              <a:t>Import already saved metadata (XMP) file to received PDF.</a:t>
+            </a:r>
+          </a:p>
+          <a:p>
+            <a:r>
+              <a:rPr lang="en-US" sz="1800" dirty="0"/>
+              <a:t>D:\DMS\xmp\{trackingNumber}.xmp</a:t>
+            </a:r>
+          </a:p>
+          <a:p>
+            <a:endParaRPr lang="en-US" sz="1800" dirty="0"/>
+          </a:p>
+          <a:p>
+            <a:pPr marL="285750" indent="-285750">
+              <a:buFont typeface="Arial" panose="020B0604020202020204" pitchFamily="34" charset="0"/>
+              <a:buChar char="•"/>
+            </a:pPr>
+            <a:r>
+              <a:rPr lang="en-US" sz="1800" dirty="0"/>
+              <a:t>Validate </a:t>
+            </a:r>
+            <a:r>
+              <a:rPr lang="en-US" sz="1800" dirty="0" err="1"/>
+              <a:t>TrackingNumber</a:t>
+            </a:r>
+            <a:endParaRPr lang="en-US" sz="1800" dirty="0"/>
+          </a:p>
+          <a:p>
+            <a:endParaRPr lang="en-US" sz="1800" dirty="0"/>
+          </a:p>
+          <a:p>
+            <a:pPr marL="285750" indent="-285750">
+              <a:buFont typeface="Arial" panose="020B0604020202020204" pitchFamily="34" charset="0"/>
+              <a:buChar char="•"/>
+            </a:pPr>
+            <a:r>
+              <a:rPr lang="en-US" sz="1800" dirty="0"/>
+              <a:t>Read </a:t>
+            </a:r>
+            <a:r>
+              <a:rPr lang="en-US" sz="1800" dirty="0" err="1"/>
+              <a:t>WorkflowID</a:t>
+            </a:r>
+            <a:endParaRPr lang="en-US" sz="1800" dirty="0"/>
+          </a:p>
+          <a:p>
+            <a:pPr marL="285750" indent="-285750">
+              <a:buFont typeface="Arial" panose="020B0604020202020204" pitchFamily="34" charset="0"/>
+              <a:buChar char="•"/>
+            </a:pPr>
+            <a:endParaRPr lang="en-US" sz="1800" dirty="0"/>
+          </a:p>
+          <a:p>
+            <a:pPr marL="285750" indent="-285750">
+              <a:buFont typeface="Arial" panose="020B0604020202020204" pitchFamily="34" charset="0"/>
+              <a:buChar char="•"/>
+            </a:pPr>
+            <a:r>
+              <a:rPr lang="en-US" sz="1800" dirty="0"/>
+              <a:t>Assign next </a:t>
+            </a:r>
+            <a:r>
+              <a:rPr lang="en-US" sz="1800" dirty="0" err="1"/>
+              <a:t>WorkflowID</a:t>
+            </a:r>
+            <a:endParaRPr lang="en-US" sz="1800" dirty="0"/>
+          </a:p>
+        </p:txBody>
+      </p:sp>
+      <p:sp>
+        <p:nvSpPr>
+          <p:cNvPr id="8" name="Rectangle 7"/>
+          <p:cNvSpPr/>
+          <p:nvPr/>
+        </p:nvSpPr>
+        <p:spPr>
+          <a:xfrm>
+            <a:off x="1037206" y="3438234"/>
+            <a:ext cx="1245854" cy="400110"/>
+          </a:xfrm>
+          <a:prstGeom prst="rect">
+            <a:avLst/>
+          </a:prstGeom>
+        </p:spPr>
+        <p:txBody>
+          <a:bodyPr wrap="none">
+            <a:spAutoFit/>
+          </a:bodyPr>
+          <a:lstStyle/>
+          <a:p>
+            <a:r>
+              <a:rPr lang="en-US" sz="2000" b="1" dirty="0"/>
+              <a:t>Barcode</a:t>
+            </a:r>
+          </a:p>
+        </p:txBody>
+      </p:sp>
+      <p:sp>
+        <p:nvSpPr>
+          <p:cNvPr id="9" name="TextBox 8"/>
+          <p:cNvSpPr txBox="1"/>
+          <p:nvPr/>
+        </p:nvSpPr>
+        <p:spPr>
+          <a:xfrm>
+            <a:off x="1065460" y="3886200"/>
+            <a:ext cx="4248240" cy="1200329"/>
+          </a:xfrm>
+          <a:prstGeom prst="rect">
+            <a:avLst/>
+          </a:prstGeom>
+          <a:noFill/>
+        </p:spPr>
+        <p:txBody>
+          <a:bodyPr wrap="square" rtlCol="0">
+            <a:spAutoFit/>
+          </a:bodyPr>
+          <a:lstStyle/>
+          <a:p>
+            <a:r>
+              <a:rPr lang="en-US" sz="1800" dirty="0"/>
+              <a:t>The barcode will play big role to define the PDF.</a:t>
+            </a:r>
+          </a:p>
+          <a:p>
+            <a:r>
+              <a:rPr lang="en-US" sz="1800" dirty="0"/>
+              <a:t>We will use QR barcode to track the PDF.</a:t>
+            </a:r>
+          </a:p>
+        </p:txBody>
+      </p:sp>
     </p:spTree>
     <p:extLst>
       <p:ext uri="{BB962C8B-B14F-4D97-AF65-F5344CB8AC3E}">
-        <p14:creationId xmlns:p14="http://schemas.microsoft.com/office/powerpoint/2010/main" val="2474917317"/>
+        <p14:creationId xmlns:p14="http://schemas.microsoft.com/office/powerpoint/2010/main" val="3794122624"/>
       </p:ext>
     </p:extLst>
   </p:cSld>
@@ -15395,306 +11823,55 @@
       </p:grpSpPr>
       <p:sp>
         <p:nvSpPr>
-          <p:cNvPr id="2" name="Title 1"/>
-          <p:cNvSpPr>
-            <a:spLocks noGrp="1"/>
-          </p:cNvSpPr>
-          <p:nvPr>
-            <p:ph type="title"/>
-          </p:nvPr>
-        </p:nvSpPr>
-        <p:spPr/>
-        <p:txBody>
-          <a:bodyPr/>
+          <p:cNvPr id="4" name="Rectangle 3"/>
+          <p:cNvSpPr/>
+          <p:nvPr/>
+        </p:nvSpPr>
+        <p:spPr>
+          <a:xfrm>
+            <a:off x="4494212" y="2667000"/>
+            <a:ext cx="3276600" cy="1200329"/>
+          </a:xfrm>
+          <a:prstGeom prst="rect">
+            <a:avLst/>
+          </a:prstGeom>
+          <a:noFill/>
+        </p:spPr>
+        <p:txBody>
+          <a:bodyPr wrap="square" lIns="91440" tIns="45720" rIns="91440" bIns="45720">
+            <a:spAutoFit/>
+          </a:bodyPr>
           <a:lstStyle/>
           <a:p>
-            <a:r>
-              <a:rPr lang="en-US" dirty="0"/>
-              <a:t>Two Content Layout with Table</a:t>
-            </a:r>
-          </a:p>
-        </p:txBody>
-      </p:sp>
-      <p:sp>
-        <p:nvSpPr>
-          <p:cNvPr id="5" name="Content Placeholder 4"/>
-          <p:cNvSpPr>
-            <a:spLocks noGrp="1"/>
-          </p:cNvSpPr>
-          <p:nvPr>
-            <p:ph sz="half" idx="1"/>
-          </p:nvPr>
-        </p:nvSpPr>
-        <p:spPr/>
-        <p:txBody>
-          <a:bodyPr/>
-          <a:lstStyle/>
-          <a:p>
-            <a:r>
-              <a:rPr lang="en-US"/>
-              <a:t>First bullet point here</a:t>
-            </a:r>
-          </a:p>
-          <a:p>
-            <a:r>
-              <a:rPr lang="en-US"/>
-              <a:t>Second bullet point here</a:t>
-            </a:r>
-          </a:p>
-          <a:p>
-            <a:r>
-              <a:rPr lang="en-US"/>
-              <a:t>Third bullet point here</a:t>
-            </a:r>
-            <a:endParaRPr lang="en-US" dirty="0"/>
-          </a:p>
-        </p:txBody>
-      </p:sp>
-      <p:graphicFrame>
-        <p:nvGraphicFramePr>
-          <p:cNvPr id="6" name="Content Placeholder 5" descr="Sample table with 3 columns, 4 rows" title="Table"/>
-          <p:cNvGraphicFramePr>
-            <a:graphicFrameLocks noGrp="1"/>
-          </p:cNvGraphicFramePr>
-          <p:nvPr>
-            <p:ph sz="half" idx="2"/>
-            <p:extLst>
-              <p:ext uri="{D42A27DB-BD31-4B8C-83A1-F6EECF244321}">
-                <p14:modId xmlns:p14="http://schemas.microsoft.com/office/powerpoint/2010/main" val="2544813373"/>
-              </p:ext>
-            </p:extLst>
-          </p:nvPr>
-        </p:nvGraphicFramePr>
-        <p:xfrm>
-          <a:off x="6297613" y="1701800"/>
-          <a:ext cx="4976811" cy="2413000"/>
-        </p:xfrm>
-        <a:graphic>
-          <a:graphicData uri="http://schemas.openxmlformats.org/drawingml/2006/table">
-            <a:tbl>
-              <a:tblPr firstRow="1" bandRow="1">
-                <a:tableStyleId>{69012ECD-51FC-41F1-AA8D-1B2483CD663E}</a:tableStyleId>
-              </a:tblPr>
-              <a:tblGrid>
-                <a:gridCol w="1658937">
-                  <a:extLst>
-                    <a:ext uri="{9D8B030D-6E8A-4147-A177-3AD203B41FA5}">
-                      <a16:colId xmlns:a16="http://schemas.microsoft.com/office/drawing/2014/main" val="20000"/>
-                    </a:ext>
-                  </a:extLst>
-                </a:gridCol>
-                <a:gridCol w="1658937">
-                  <a:extLst>
-                    <a:ext uri="{9D8B030D-6E8A-4147-A177-3AD203B41FA5}">
-                      <a16:colId xmlns:a16="http://schemas.microsoft.com/office/drawing/2014/main" val="20001"/>
-                    </a:ext>
-                  </a:extLst>
-                </a:gridCol>
-                <a:gridCol w="1658937">
-                  <a:extLst>
-                    <a:ext uri="{9D8B030D-6E8A-4147-A177-3AD203B41FA5}">
-                      <a16:colId xmlns:a16="http://schemas.microsoft.com/office/drawing/2014/main" val="20002"/>
-                    </a:ext>
-                  </a:extLst>
-                </a:gridCol>
-              </a:tblGrid>
-              <a:tr h="603250">
-                <a:tc>
-                  <a:txBody>
-                    <a:bodyPr/>
-                    <a:lstStyle/>
-                    <a:p>
-                      <a:endParaRPr lang="en-US" dirty="0"/>
-                    </a:p>
-                  </a:txBody>
-                  <a:tcPr anchor="ctr"/>
-                </a:tc>
-                <a:tc>
-                  <a:txBody>
-                    <a:bodyPr/>
-                    <a:lstStyle/>
-                    <a:p>
-                      <a:pPr algn="ctr"/>
-                      <a:r>
-                        <a:rPr lang="en-US" dirty="0"/>
-                        <a:t>Group A</a:t>
-                      </a:r>
-                    </a:p>
-                  </a:txBody>
-                  <a:tcPr anchor="ctr"/>
-                </a:tc>
-                <a:tc>
-                  <a:txBody>
-                    <a:bodyPr/>
-                    <a:lstStyle/>
-                    <a:p>
-                      <a:pPr algn="ctr"/>
-                      <a:r>
-                        <a:rPr lang="en-US" dirty="0"/>
-                        <a:t>Group B</a:t>
-                      </a:r>
-                    </a:p>
-                  </a:txBody>
-                  <a:tcPr anchor="ctr"/>
-                </a:tc>
-                <a:extLst>
-                  <a:ext uri="{0D108BD9-81ED-4DB2-BD59-A6C34878D82A}">
-                    <a16:rowId xmlns:a16="http://schemas.microsoft.com/office/drawing/2014/main" val="10000"/>
-                  </a:ext>
-                </a:extLst>
-              </a:tr>
-              <a:tr h="603250">
-                <a:tc>
-                  <a:txBody>
-                    <a:bodyPr/>
-                    <a:lstStyle/>
-                    <a:p>
-                      <a:r>
-                        <a:rPr lang="en-US" dirty="0"/>
-                        <a:t>Class 1</a:t>
-                      </a:r>
-                    </a:p>
-                  </a:txBody>
-                  <a:tcPr anchor="ctr"/>
-                </a:tc>
-                <a:tc>
-                  <a:txBody>
-                    <a:bodyPr/>
-                    <a:lstStyle/>
-                    <a:p>
-                      <a:pPr algn="ctr"/>
-                      <a:r>
-                        <a:rPr lang="en-US" dirty="0"/>
-                        <a:t>82</a:t>
-                      </a:r>
-                    </a:p>
-                  </a:txBody>
-                  <a:tcPr anchor="ctr"/>
-                </a:tc>
-                <a:tc>
-                  <a:txBody>
-                    <a:bodyPr/>
-                    <a:lstStyle/>
-                    <a:p>
-                      <a:pPr algn="ctr"/>
-                      <a:r>
-                        <a:rPr lang="en-US" dirty="0"/>
-                        <a:t>95</a:t>
-                      </a:r>
-                    </a:p>
-                  </a:txBody>
-                  <a:tcPr anchor="ctr"/>
-                </a:tc>
-                <a:extLst>
-                  <a:ext uri="{0D108BD9-81ED-4DB2-BD59-A6C34878D82A}">
-                    <a16:rowId xmlns:a16="http://schemas.microsoft.com/office/drawing/2014/main" val="10001"/>
-                  </a:ext>
-                </a:extLst>
-              </a:tr>
-              <a:tr h="603250">
-                <a:tc>
-                  <a:txBody>
-                    <a:bodyPr/>
-                    <a:lstStyle/>
-                    <a:p>
-                      <a:r>
-                        <a:rPr lang="en-US" dirty="0"/>
-                        <a:t>Class 2</a:t>
-                      </a:r>
-                    </a:p>
-                  </a:txBody>
-                  <a:tcPr anchor="ctr"/>
-                </a:tc>
-                <a:tc>
-                  <a:txBody>
-                    <a:bodyPr/>
-                    <a:lstStyle/>
-                    <a:p>
-                      <a:pPr algn="ctr"/>
-                      <a:r>
-                        <a:rPr lang="en-US" dirty="0"/>
-                        <a:t>76</a:t>
-                      </a:r>
-                    </a:p>
-                  </a:txBody>
-                  <a:tcPr anchor="ctr"/>
-                </a:tc>
-                <a:tc>
-                  <a:txBody>
-                    <a:bodyPr/>
-                    <a:lstStyle/>
-                    <a:p>
-                      <a:pPr algn="ctr"/>
-                      <a:r>
-                        <a:rPr lang="en-US" dirty="0"/>
-                        <a:t>88</a:t>
-                      </a:r>
-                    </a:p>
-                  </a:txBody>
-                  <a:tcPr anchor="ctr"/>
-                </a:tc>
-                <a:extLst>
-                  <a:ext uri="{0D108BD9-81ED-4DB2-BD59-A6C34878D82A}">
-                    <a16:rowId xmlns:a16="http://schemas.microsoft.com/office/drawing/2014/main" val="10002"/>
-                  </a:ext>
-                </a:extLst>
-              </a:tr>
-              <a:tr h="603250">
-                <a:tc>
-                  <a:txBody>
-                    <a:bodyPr/>
-                    <a:lstStyle/>
-                    <a:p>
-                      <a:r>
-                        <a:rPr lang="en-US" dirty="0"/>
-                        <a:t>Class 3</a:t>
-                      </a:r>
-                    </a:p>
-                  </a:txBody>
-                  <a:tcPr anchor="ctr"/>
-                </a:tc>
-                <a:tc>
-                  <a:txBody>
-                    <a:bodyPr/>
-                    <a:lstStyle/>
-                    <a:p>
-                      <a:pPr algn="ctr"/>
-                      <a:r>
-                        <a:rPr lang="en-US" dirty="0"/>
-                        <a:t>84</a:t>
-                      </a:r>
-                    </a:p>
-                  </a:txBody>
-                  <a:tcPr anchor="ctr"/>
-                </a:tc>
-                <a:tc>
-                  <a:txBody>
-                    <a:bodyPr/>
-                    <a:lstStyle/>
-                    <a:p>
-                      <a:pPr algn="ctr"/>
-                      <a:r>
-                        <a:rPr lang="en-US" dirty="0"/>
-                        <a:t>90</a:t>
-                      </a:r>
-                    </a:p>
-                  </a:txBody>
-                  <a:tcPr anchor="ctr"/>
-                </a:tc>
-                <a:extLst>
-                  <a:ext uri="{0D108BD9-81ED-4DB2-BD59-A6C34878D82A}">
-                    <a16:rowId xmlns:a16="http://schemas.microsoft.com/office/drawing/2014/main" val="10003"/>
-                  </a:ext>
-                </a:extLst>
-              </a:tr>
-            </a:tbl>
-          </a:graphicData>
-        </a:graphic>
-      </p:graphicFrame>
+            <a:pPr algn="ctr"/>
+            <a:r>
+              <a:rPr lang="en-US" sz="7200" b="1" cap="none" spc="0" dirty="0">
+                <a:ln w="9525">
+                  <a:solidFill>
+                    <a:schemeClr val="bg1"/>
+                  </a:solidFill>
+                  <a:prstDash val="solid"/>
+                </a:ln>
+                <a:solidFill>
+                  <a:schemeClr val="tx1"/>
+                </a:solidFill>
+                <a:effectLst>
+                  <a:outerShdw blurRad="12700" dist="38100" dir="2700000" algn="tl" rotWithShape="0">
+                    <a:schemeClr val="bg1">
+                      <a:lumMod val="50000"/>
+                    </a:schemeClr>
+                  </a:outerShdw>
+                </a:effectLst>
+              </a:rPr>
+              <a:t>DEMO</a:t>
+            </a:r>
+          </a:p>
+        </p:txBody>
+      </p:sp>
     </p:spTree>
     <p:extLst>
       <p:ext uri="{BB962C8B-B14F-4D97-AF65-F5344CB8AC3E}">
-        <p14:creationId xmlns:p14="http://schemas.microsoft.com/office/powerpoint/2010/main" val="6860444"/>
+        <p14:creationId xmlns:p14="http://schemas.microsoft.com/office/powerpoint/2010/main" val="2582284963"/>
       </p:ext>
     </p:extLst>
   </p:cSld>
@@ -15735,7 +11912,94 @@
       </p:grpSpPr>
       <p:sp>
         <p:nvSpPr>
-          <p:cNvPr id="2" name="Title 1"/>
+          <p:cNvPr id="4" name="Text Placeholder 3"/>
+          <p:cNvSpPr>
+            <a:spLocks noGrp="1"/>
+          </p:cNvSpPr>
+          <p:nvPr>
+            <p:ph type="body" sz="half" idx="2"/>
+          </p:nvPr>
+        </p:nvSpPr>
+        <p:spPr>
+          <a:xfrm>
+            <a:off x="2589212" y="2209800"/>
+            <a:ext cx="7313295" cy="1961342"/>
+          </a:xfrm>
+        </p:spPr>
+        <p:txBody>
+          <a:bodyPr>
+            <a:normAutofit/>
+          </a:bodyPr>
+          <a:lstStyle/>
+          <a:p>
+            <a:pPr marL="285750" indent="-285750">
+              <a:buFont typeface="Arial" panose="020B0604020202020204" pitchFamily="34" charset="0"/>
+              <a:buChar char="•"/>
+            </a:pPr>
+            <a:r>
+              <a:rPr lang="en-US" dirty="0">
+                <a:hlinkClick r:id="rId2"/>
+              </a:rPr>
+              <a:t>http://www.scandit.com/2015/01/27/types-barcodes-choosing-right-barcode/</a:t>
+            </a:r>
+            <a:endParaRPr lang="en-US" dirty="0"/>
+          </a:p>
+          <a:p>
+            <a:pPr marL="285750" indent="-285750">
+              <a:buFont typeface="Arial" panose="020B0604020202020204" pitchFamily="34" charset="0"/>
+              <a:buChar char="•"/>
+            </a:pPr>
+            <a:endParaRPr lang="en-US" dirty="0"/>
+          </a:p>
+          <a:p>
+            <a:pPr marL="285750" indent="-285750">
+              <a:buFont typeface="Arial" panose="020B0604020202020204" pitchFamily="34" charset="0"/>
+              <a:buChar char="•"/>
+            </a:pPr>
+            <a:r>
+              <a:rPr lang="en-US" dirty="0">
+                <a:hlinkClick r:id="rId3"/>
+              </a:rPr>
+              <a:t>https://acrobat.adobe.com/us/en/why-adobe/about-adobe-pdf.html</a:t>
+            </a:r>
+            <a:endParaRPr lang="en-US" dirty="0"/>
+          </a:p>
+          <a:p>
+            <a:pPr marL="285750" indent="-285750">
+              <a:buFont typeface="Arial" panose="020B0604020202020204" pitchFamily="34" charset="0"/>
+              <a:buChar char="•"/>
+            </a:pPr>
+            <a:endParaRPr lang="en-US" dirty="0"/>
+          </a:p>
+          <a:p>
+            <a:pPr marL="285750" indent="-285750">
+              <a:buFont typeface="Arial" panose="020B0604020202020204" pitchFamily="34" charset="0"/>
+              <a:buChar char="•"/>
+            </a:pPr>
+            <a:r>
+              <a:rPr lang="en-US" dirty="0"/>
+              <a:t>Source Code </a:t>
+            </a:r>
+            <a:r>
+              <a:rPr lang="en-US" dirty="0">
+                <a:hlinkClick r:id="rId4"/>
+              </a:rPr>
+              <a:t>https://github.com/cfclick/CFSummit2016</a:t>
+            </a:r>
+            <a:endParaRPr lang="en-US" dirty="0"/>
+          </a:p>
+          <a:p>
+            <a:pPr marL="285750" indent="-285750">
+              <a:buFont typeface="Arial" panose="020B0604020202020204" pitchFamily="34" charset="0"/>
+              <a:buChar char="•"/>
+            </a:pPr>
+            <a:endParaRPr lang="en-US" dirty="0"/>
+          </a:p>
+        </p:txBody>
+      </p:sp>
+      <p:sp>
+        <p:nvSpPr>
+          <p:cNvPr id="5" name="Title 4"/>
           <p:cNvSpPr>
             <a:spLocks noGrp="1"/>
           </p:cNvSpPr>
@@ -15743,281 +12007,203 @@
             <p:ph type="title"/>
           </p:nvPr>
         </p:nvSpPr>
-        <p:spPr/>
-        <p:txBody>
-          <a:bodyPr/>
+        <p:spPr>
+          <a:xfrm>
+            <a:off x="2437765" y="5257800"/>
+            <a:ext cx="7313295" cy="1066800"/>
+          </a:xfrm>
+        </p:spPr>
+        <p:txBody>
+          <a:bodyPr>
+            <a:normAutofit/>
+          </a:bodyPr>
           <a:lstStyle/>
           <a:p>
             <a:r>
-              <a:rPr lang="en-US"/>
-              <a:t>Two Content Layout with SmartArt</a:t>
-            </a:r>
-            <a:endParaRPr lang="en-US" dirty="0"/>
-          </a:p>
-        </p:txBody>
-      </p:sp>
-      <p:graphicFrame>
-        <p:nvGraphicFramePr>
-          <p:cNvPr id="4" name="Content Placeholder 3" descr="Vertical Bullet List" title="SmartArt"/>
-          <p:cNvGraphicFramePr>
-            <a:graphicFrameLocks noGrp="1"/>
-          </p:cNvGraphicFramePr>
-          <p:nvPr>
-            <p:ph sz="half" idx="1"/>
-            <p:extLst>
-              <p:ext uri="{D42A27DB-BD31-4B8C-83A1-F6EECF244321}">
-                <p14:modId xmlns:p14="http://schemas.microsoft.com/office/powerpoint/2010/main" val="793007413"/>
-              </p:ext>
-            </p:extLst>
-          </p:nvPr>
-        </p:nvGraphicFramePr>
-        <p:xfrm>
-          <a:off x="1117600" y="1701800"/>
-          <a:ext cx="4976813" cy="4470400"/>
-        </p:xfrm>
-        <a:graphic>
-          <a:graphicData uri="http://schemas.openxmlformats.org/drawingml/2006/diagram">
-            <dgm:relIds xmlns:dgm="http://schemas.openxmlformats.org/drawingml/2006/diagram" xmlns:r="http://schemas.openxmlformats.org/officeDocument/2006/relationships" r:dm="rId2" r:lo="rId3" r:qs="rId4" r:cs="rId5"/>
-          </a:graphicData>
-        </a:graphic>
-      </p:graphicFrame>
-      <p:sp>
-        <p:nvSpPr>
-          <p:cNvPr id="6" name="Content Placeholder 5"/>
-          <p:cNvSpPr>
-            <a:spLocks noGrp="1"/>
-          </p:cNvSpPr>
-          <p:nvPr>
-            <p:ph sz="half" idx="2"/>
-          </p:nvPr>
-        </p:nvSpPr>
-        <p:spPr/>
-        <p:txBody>
-          <a:bodyPr/>
+              <a:rPr lang="en-US" dirty="0"/>
+              <a:t>Don’t leave hold of your common sense. Think about what you’re doing and how the technology can enhance it. Don’t think technology first.</a:t>
+            </a:r>
+          </a:p>
+        </p:txBody>
+      </p:sp>
+      <p:sp>
+        <p:nvSpPr>
+          <p:cNvPr id="6" name="Rectangle 5"/>
+          <p:cNvSpPr/>
+          <p:nvPr/>
+        </p:nvSpPr>
+        <p:spPr>
+          <a:xfrm>
+            <a:off x="2437765" y="457200"/>
+            <a:ext cx="2904962" cy="707886"/>
+          </a:xfrm>
+          <a:prstGeom prst="rect">
+            <a:avLst/>
+          </a:prstGeom>
+        </p:spPr>
+        <p:txBody>
+          <a:bodyPr wrap="none">
+            <a:spAutoFit/>
+          </a:bodyPr>
           <a:lstStyle/>
           <a:p>
-            <a:r>
-              <a:rPr lang="en-US"/>
-              <a:t>First bullet point here</a:t>
-            </a:r>
-          </a:p>
-          <a:p>
-            <a:r>
-              <a:rPr lang="en-US"/>
-              <a:t>Second bullet point here</a:t>
-            </a:r>
-          </a:p>
-          <a:p>
-            <a:r>
-              <a:rPr lang="en-US"/>
-              <a:t>Third bullet point here</a:t>
-            </a:r>
-            <a:endParaRPr lang="en-US" dirty="0"/>
+            <a:pPr algn="ctr"/>
+            <a:r>
+              <a:rPr lang="en-US" sz="4000" b="1" dirty="0">
+                <a:ln w="9525">
+                  <a:solidFill>
+                    <a:schemeClr val="bg1"/>
+                  </a:solidFill>
+                  <a:prstDash val="solid"/>
+                </a:ln>
+                <a:effectLst>
+                  <a:outerShdw blurRad="12700" dist="38100" dir="2700000" algn="tl" rotWithShape="0">
+                    <a:schemeClr val="bg1">
+                      <a:lumMod val="50000"/>
+                    </a:schemeClr>
+                  </a:outerShdw>
+                </a:effectLst>
+              </a:rPr>
+              <a:t>Questions?</a:t>
+            </a:r>
+            <a:endParaRPr lang="en-US" b="1" dirty="0">
+              <a:ln w="9525">
+                <a:solidFill>
+                  <a:schemeClr val="bg1"/>
+                </a:solidFill>
+                <a:prstDash val="solid"/>
+              </a:ln>
+              <a:effectLst>
+                <a:outerShdw blurRad="12700" dist="38100" dir="2700000" algn="tl" rotWithShape="0">
+                  <a:schemeClr val="bg1">
+                    <a:lumMod val="50000"/>
+                  </a:schemeClr>
+                </a:outerShdw>
+              </a:effectLst>
+            </a:endParaRPr>
+          </a:p>
+        </p:txBody>
+      </p:sp>
+      <p:sp>
+        <p:nvSpPr>
+          <p:cNvPr id="7" name="Rectangle 6"/>
+          <p:cNvSpPr/>
+          <p:nvPr/>
+        </p:nvSpPr>
+        <p:spPr>
+          <a:xfrm>
+            <a:off x="2437765" y="1447800"/>
+            <a:ext cx="2720618" cy="707886"/>
+          </a:xfrm>
+          <a:prstGeom prst="rect">
+            <a:avLst/>
+          </a:prstGeom>
+        </p:spPr>
+        <p:txBody>
+          <a:bodyPr wrap="none">
+            <a:spAutoFit/>
+          </a:bodyPr>
+          <a:lstStyle/>
+          <a:p>
+            <a:pPr algn="ctr"/>
+            <a:r>
+              <a:rPr lang="en-US" sz="4000" b="1" dirty="0">
+                <a:ln w="9525">
+                  <a:solidFill>
+                    <a:schemeClr val="bg1"/>
+                  </a:solidFill>
+                  <a:prstDash val="solid"/>
+                </a:ln>
+                <a:effectLst>
+                  <a:outerShdw blurRad="12700" dist="38100" dir="2700000" algn="tl" rotWithShape="0">
+                    <a:schemeClr val="bg1">
+                      <a:lumMod val="50000"/>
+                    </a:schemeClr>
+                  </a:outerShdw>
+                </a:effectLst>
+              </a:rPr>
+              <a:t>Resources</a:t>
+            </a:r>
+            <a:endParaRPr lang="en-US" b="1" dirty="0">
+              <a:ln w="9525">
+                <a:solidFill>
+                  <a:schemeClr val="bg1"/>
+                </a:solidFill>
+                <a:prstDash val="solid"/>
+              </a:ln>
+              <a:effectLst>
+                <a:outerShdw blurRad="12700" dist="38100" dir="2700000" algn="tl" rotWithShape="0">
+                  <a:schemeClr val="bg1">
+                    <a:lumMod val="50000"/>
+                  </a:schemeClr>
+                </a:outerShdw>
+              </a:effectLst>
+            </a:endParaRPr>
+          </a:p>
+        </p:txBody>
+      </p:sp>
+      <p:sp>
+        <p:nvSpPr>
+          <p:cNvPr id="8" name="Rectangle 7"/>
+          <p:cNvSpPr/>
+          <p:nvPr/>
+        </p:nvSpPr>
+        <p:spPr>
+          <a:xfrm>
+            <a:off x="2589212" y="4360528"/>
+            <a:ext cx="1877438" cy="707886"/>
+          </a:xfrm>
+          <a:prstGeom prst="rect">
+            <a:avLst/>
+          </a:prstGeom>
+        </p:spPr>
+        <p:txBody>
+          <a:bodyPr wrap="none">
+            <a:spAutoFit/>
+          </a:bodyPr>
+          <a:lstStyle/>
+          <a:p>
+            <a:pPr algn="ctr"/>
+            <a:r>
+              <a:rPr lang="en-US" sz="4000" b="1" dirty="0">
+                <a:ln w="9525">
+                  <a:solidFill>
+                    <a:schemeClr val="bg1"/>
+                  </a:solidFill>
+                  <a:prstDash val="solid"/>
+                </a:ln>
+                <a:effectLst>
+                  <a:outerShdw blurRad="12700" dist="38100" dir="2700000" algn="tl" rotWithShape="0">
+                    <a:schemeClr val="bg1">
+                      <a:lumMod val="50000"/>
+                    </a:schemeClr>
+                  </a:outerShdw>
+                </a:effectLst>
+              </a:rPr>
+              <a:t>Thanks</a:t>
+            </a:r>
+            <a:endParaRPr lang="en-US" b="1" dirty="0">
+              <a:ln w="9525">
+                <a:solidFill>
+                  <a:schemeClr val="bg1"/>
+                </a:solidFill>
+                <a:prstDash val="solid"/>
+              </a:ln>
+              <a:effectLst>
+                <a:outerShdw blurRad="12700" dist="38100" dir="2700000" algn="tl" rotWithShape="0">
+                  <a:schemeClr val="bg1">
+                    <a:lumMod val="50000"/>
+                  </a:schemeClr>
+                </a:outerShdw>
+              </a:effectLst>
+            </a:endParaRPr>
           </a:p>
         </p:txBody>
       </p:sp>
     </p:spTree>
     <p:extLst>
       <p:ext uri="{BB962C8B-B14F-4D97-AF65-F5344CB8AC3E}">
-        <p14:creationId xmlns:p14="http://schemas.microsoft.com/office/powerpoint/2010/main" val="13403576"/>
-      </p:ext>
-    </p:extLst>
-  </p:cSld>
-  <p:clrMapOvr>
-    <a:masterClrMapping/>
-  </p:clrMapOvr>
-  <mc:AlternateContent xmlns:mc="http://schemas.openxmlformats.org/markup-compatibility/2006" xmlns:p14="http://schemas.microsoft.com/office/powerpoint/2010/main">
-    <mc:Choice Requires="p14">
-      <p:transition spd="med" p14:dur="700">
-        <p:fade/>
-      </p:transition>
-    </mc:Choice>
-    <mc:Fallback xmlns="">
-      <p:transition spd="med">
-        <p:fade/>
-      </p:transition>
-    </mc:Fallback>
-  </mc:AlternateContent>
-</p:sld>
-</file>
-
-<file path=ppt/slides/slide28.xml><?xml version="1.0" encoding="utf-8"?>
-<p:sld xmlns:a="http://schemas.openxmlformats.org/drawingml/2006/main" xmlns:r="http://schemas.openxmlformats.org/officeDocument/2006/relationships" xmlns:p="http://schemas.openxmlformats.org/presentationml/2006/main">
-  <p:cSld>
-    <p:spTree>
-      <p:nvGrpSpPr>
-        <p:cNvPr id="1" name=""/>
-        <p:cNvGrpSpPr/>
-        <p:nvPr/>
-      </p:nvGrpSpPr>
-      <p:grpSpPr>
-        <a:xfrm>
-          <a:off x="0" y="0"/>
-          <a:ext cx="0" cy="0"/>
-          <a:chOff x="0" y="0"/>
-          <a:chExt cx="0" cy="0"/>
-        </a:xfrm>
-      </p:grpSpPr>
-      <p:sp>
-        <p:nvSpPr>
-          <p:cNvPr id="2" name="Title 1"/>
-          <p:cNvSpPr>
-            <a:spLocks noGrp="1"/>
-          </p:cNvSpPr>
-          <p:nvPr>
-            <p:ph type="title"/>
-          </p:nvPr>
-        </p:nvSpPr>
-        <p:spPr/>
-        <p:txBody>
-          <a:bodyPr/>
-          <a:lstStyle/>
-          <a:p>
-            <a:endParaRPr lang="en-US" dirty="0"/>
-          </a:p>
-        </p:txBody>
-      </p:sp>
-      <p:sp>
-        <p:nvSpPr>
-          <p:cNvPr id="5" name="Text Placeholder 4"/>
-          <p:cNvSpPr>
-            <a:spLocks noGrp="1"/>
-          </p:cNvSpPr>
-          <p:nvPr>
-            <p:ph type="body" idx="1"/>
-          </p:nvPr>
-        </p:nvSpPr>
-        <p:spPr/>
-        <p:txBody>
-          <a:bodyPr/>
-          <a:lstStyle/>
-          <a:p>
-            <a:endParaRPr lang="en-US" dirty="0"/>
-          </a:p>
-        </p:txBody>
-      </p:sp>
-      <p:sp>
-        <p:nvSpPr>
-          <p:cNvPr id="3" name="Content Placeholder 2"/>
-          <p:cNvSpPr>
-            <a:spLocks noGrp="1"/>
-          </p:cNvSpPr>
-          <p:nvPr>
-            <p:ph sz="half" idx="2"/>
-          </p:nvPr>
-        </p:nvSpPr>
-        <p:spPr/>
-        <p:txBody>
-          <a:bodyPr/>
-          <a:lstStyle/>
-          <a:p>
-            <a:endParaRPr lang="en-US" dirty="0"/>
-          </a:p>
-        </p:txBody>
-      </p:sp>
-      <p:sp>
-        <p:nvSpPr>
-          <p:cNvPr id="6" name="Text Placeholder 5"/>
-          <p:cNvSpPr>
-            <a:spLocks noGrp="1"/>
-          </p:cNvSpPr>
-          <p:nvPr>
-            <p:ph type="body" sz="quarter" idx="3"/>
-          </p:nvPr>
-        </p:nvSpPr>
-        <p:spPr/>
-        <p:txBody>
-          <a:bodyPr/>
-          <a:lstStyle/>
-          <a:p>
-            <a:endParaRPr lang="en-US" dirty="0"/>
-          </a:p>
-        </p:txBody>
-      </p:sp>
-      <p:sp>
-        <p:nvSpPr>
-          <p:cNvPr id="4" name="Content Placeholder 3"/>
-          <p:cNvSpPr>
-            <a:spLocks noGrp="1"/>
-          </p:cNvSpPr>
-          <p:nvPr>
-            <p:ph sz="quarter" idx="4"/>
-          </p:nvPr>
-        </p:nvSpPr>
-        <p:spPr/>
-        <p:txBody>
-          <a:bodyPr/>
-          <a:lstStyle/>
-          <a:p>
-            <a:endParaRPr lang="en-US" dirty="0"/>
-          </a:p>
-        </p:txBody>
-      </p:sp>
-    </p:spTree>
-    <p:extLst>
-      <p:ext uri="{BB962C8B-B14F-4D97-AF65-F5344CB8AC3E}">
-        <p14:creationId xmlns:p14="http://schemas.microsoft.com/office/powerpoint/2010/main" val="3296948863"/>
-      </p:ext>
-    </p:extLst>
-  </p:cSld>
-  <p:clrMapOvr>
-    <a:masterClrMapping/>
-  </p:clrMapOvr>
-  <mc:AlternateContent xmlns:mc="http://schemas.openxmlformats.org/markup-compatibility/2006" xmlns:p14="http://schemas.microsoft.com/office/powerpoint/2010/main">
-    <mc:Choice Requires="p14">
-      <p:transition spd="med" p14:dur="700">
-        <p:fade/>
-      </p:transition>
-    </mc:Choice>
-    <mc:Fallback xmlns="">
-      <p:transition spd="med">
-        <p:fade/>
-      </p:transition>
-    </mc:Fallback>
-  </mc:AlternateContent>
-</p:sld>
-</file>
-
-<file path=ppt/slides/slide29.xml><?xml version="1.0" encoding="utf-8"?>
-<p:sld xmlns:a="http://schemas.openxmlformats.org/drawingml/2006/main" xmlns:r="http://schemas.openxmlformats.org/officeDocument/2006/relationships" xmlns:p="http://schemas.openxmlformats.org/presentationml/2006/main">
-  <p:cSld>
-    <p:spTree>
-      <p:nvGrpSpPr>
-        <p:cNvPr id="1" name=""/>
-        <p:cNvGrpSpPr/>
-        <p:nvPr/>
-      </p:nvGrpSpPr>
-      <p:grpSpPr>
-        <a:xfrm>
-          <a:off x="0" y="0"/>
-          <a:ext cx="0" cy="0"/>
-          <a:chOff x="0" y="0"/>
-          <a:chExt cx="0" cy="0"/>
-        </a:xfrm>
-      </p:grpSpPr>
-      <p:sp>
-        <p:nvSpPr>
-          <p:cNvPr id="2" name="Title 1"/>
-          <p:cNvSpPr>
-            <a:spLocks noGrp="1"/>
-          </p:cNvSpPr>
-          <p:nvPr>
-            <p:ph type="title"/>
-          </p:nvPr>
-        </p:nvSpPr>
-        <p:spPr/>
-        <p:txBody>
-          <a:bodyPr/>
-          <a:lstStyle/>
-          <a:p>
-            <a:endParaRPr lang="en-US" dirty="0"/>
-          </a:p>
-        </p:txBody>
-      </p:sp>
-    </p:spTree>
-    <p:extLst>
-      <p:ext uri="{BB962C8B-B14F-4D97-AF65-F5344CB8AC3E}">
-        <p14:creationId xmlns:p14="http://schemas.microsoft.com/office/powerpoint/2010/main" val="1653943558"/>
+        <p14:creationId xmlns:p14="http://schemas.microsoft.com/office/powerpoint/2010/main" val="3761302454"/>
       </p:ext>
     </p:extLst>
   </p:cSld>
@@ -16260,246 +12446,6 @@
     <p:extLst>
       <p:ext uri="{BB962C8B-B14F-4D97-AF65-F5344CB8AC3E}">
         <p14:creationId xmlns:p14="http://schemas.microsoft.com/office/powerpoint/2010/main" val="1997697987"/>
-      </p:ext>
-    </p:extLst>
-  </p:cSld>
-  <p:clrMapOvr>
-    <a:masterClrMapping/>
-  </p:clrMapOvr>
-  <mc:AlternateContent xmlns:mc="http://schemas.openxmlformats.org/markup-compatibility/2006" xmlns:p14="http://schemas.microsoft.com/office/powerpoint/2010/main">
-    <mc:Choice Requires="p14">
-      <p:transition spd="med" p14:dur="700">
-        <p:fade/>
-      </p:transition>
-    </mc:Choice>
-    <mc:Fallback xmlns="">
-      <p:transition spd="med">
-        <p:fade/>
-      </p:transition>
-    </mc:Fallback>
-  </mc:AlternateContent>
-</p:sld>
-</file>
-
-<file path=ppt/slides/slide30.xml><?xml version="1.0" encoding="utf-8"?>
-<p:sld xmlns:a="http://schemas.openxmlformats.org/drawingml/2006/main" xmlns:r="http://schemas.openxmlformats.org/officeDocument/2006/relationships" xmlns:p="http://schemas.openxmlformats.org/presentationml/2006/main">
-  <p:cSld>
-    <p:spTree>
-      <p:nvGrpSpPr>
-        <p:cNvPr id="1" name=""/>
-        <p:cNvGrpSpPr/>
-        <p:nvPr/>
-      </p:nvGrpSpPr>
-      <p:grpSpPr>
-        <a:xfrm>
-          <a:off x="0" y="0"/>
-          <a:ext cx="0" cy="0"/>
-          <a:chOff x="0" y="0"/>
-          <a:chExt cx="0" cy="0"/>
-        </a:xfrm>
-      </p:grpSpPr>
-    </p:spTree>
-    <p:extLst>
-      <p:ext uri="{BB962C8B-B14F-4D97-AF65-F5344CB8AC3E}">
-        <p14:creationId xmlns:p14="http://schemas.microsoft.com/office/powerpoint/2010/main" val="3030984589"/>
-      </p:ext>
-    </p:extLst>
-  </p:cSld>
-  <p:clrMapOvr>
-    <a:masterClrMapping/>
-  </p:clrMapOvr>
-  <mc:AlternateContent xmlns:mc="http://schemas.openxmlformats.org/markup-compatibility/2006" xmlns:p14="http://schemas.microsoft.com/office/powerpoint/2010/main">
-    <mc:Choice Requires="p14">
-      <p:transition spd="med" p14:dur="700">
-        <p:fade/>
-      </p:transition>
-    </mc:Choice>
-    <mc:Fallback xmlns="">
-      <p:transition spd="med">
-        <p:fade/>
-      </p:transition>
-    </mc:Fallback>
-  </mc:AlternateContent>
-</p:sld>
-</file>
-
-<file path=ppt/slides/slide31.xml><?xml version="1.0" encoding="utf-8"?>
-<p:sld xmlns:a="http://schemas.openxmlformats.org/drawingml/2006/main" xmlns:r="http://schemas.openxmlformats.org/officeDocument/2006/relationships" xmlns:p="http://schemas.openxmlformats.org/presentationml/2006/main">
-  <p:cSld>
-    <p:spTree>
-      <p:nvGrpSpPr>
-        <p:cNvPr id="1" name=""/>
-        <p:cNvGrpSpPr/>
-        <p:nvPr/>
-      </p:nvGrpSpPr>
-      <p:grpSpPr>
-        <a:xfrm>
-          <a:off x="0" y="0"/>
-          <a:ext cx="0" cy="0"/>
-          <a:chOff x="0" y="0"/>
-          <a:chExt cx="0" cy="0"/>
-        </a:xfrm>
-      </p:grpSpPr>
-      <p:sp>
-        <p:nvSpPr>
-          <p:cNvPr id="2" name="Title 1"/>
-          <p:cNvSpPr>
-            <a:spLocks noGrp="1"/>
-          </p:cNvSpPr>
-          <p:nvPr>
-            <p:ph type="title"/>
-          </p:nvPr>
-        </p:nvSpPr>
-        <p:spPr/>
-        <p:txBody>
-          <a:bodyPr/>
-          <a:lstStyle/>
-          <a:p>
-            <a:endParaRPr lang="en-US"/>
-          </a:p>
-        </p:txBody>
-      </p:sp>
-      <p:sp>
-        <p:nvSpPr>
-          <p:cNvPr id="3" name="Content Placeholder 2"/>
-          <p:cNvSpPr>
-            <a:spLocks noGrp="1"/>
-          </p:cNvSpPr>
-          <p:nvPr>
-            <p:ph idx="1"/>
-          </p:nvPr>
-        </p:nvSpPr>
-        <p:spPr/>
-        <p:txBody>
-          <a:bodyPr/>
-          <a:lstStyle/>
-          <a:p>
-            <a:endParaRPr lang="en-US"/>
-          </a:p>
-        </p:txBody>
-      </p:sp>
-      <p:sp>
-        <p:nvSpPr>
-          <p:cNvPr id="4" name="Text Placeholder 3"/>
-          <p:cNvSpPr>
-            <a:spLocks noGrp="1"/>
-          </p:cNvSpPr>
-          <p:nvPr>
-            <p:ph type="body" sz="half" idx="2"/>
-          </p:nvPr>
-        </p:nvSpPr>
-        <p:spPr/>
-        <p:txBody>
-          <a:bodyPr/>
-          <a:lstStyle/>
-          <a:p>
-            <a:endParaRPr lang="en-US"/>
-          </a:p>
-        </p:txBody>
-      </p:sp>
-    </p:spTree>
-    <p:extLst>
-      <p:ext uri="{BB962C8B-B14F-4D97-AF65-F5344CB8AC3E}">
-        <p14:creationId xmlns:p14="http://schemas.microsoft.com/office/powerpoint/2010/main" val="1750688946"/>
-      </p:ext>
-    </p:extLst>
-  </p:cSld>
-  <p:clrMapOvr>
-    <a:masterClrMapping/>
-  </p:clrMapOvr>
-  <mc:AlternateContent xmlns:mc="http://schemas.openxmlformats.org/markup-compatibility/2006" xmlns:p14="http://schemas.microsoft.com/office/powerpoint/2010/main">
-    <mc:Choice Requires="p14">
-      <p:transition spd="med" p14:dur="700">
-        <p:fade/>
-      </p:transition>
-    </mc:Choice>
-    <mc:Fallback xmlns="">
-      <p:transition spd="med">
-        <p:fade/>
-      </p:transition>
-    </mc:Fallback>
-  </mc:AlternateContent>
-</p:sld>
-</file>
-
-<file path=ppt/slides/slide32.xml><?xml version="1.0" encoding="utf-8"?>
-<p:sld xmlns:a="http://schemas.openxmlformats.org/drawingml/2006/main" xmlns:r="http://schemas.openxmlformats.org/officeDocument/2006/relationships" xmlns:p="http://schemas.openxmlformats.org/presentationml/2006/main">
-  <p:cSld>
-    <p:spTree>
-      <p:nvGrpSpPr>
-        <p:cNvPr id="1" name=""/>
-        <p:cNvGrpSpPr/>
-        <p:nvPr/>
-      </p:nvGrpSpPr>
-      <p:grpSpPr>
-        <a:xfrm>
-          <a:off x="0" y="0"/>
-          <a:ext cx="0" cy="0"/>
-          <a:chOff x="0" y="0"/>
-          <a:chExt cx="0" cy="0"/>
-        </a:xfrm>
-      </p:grpSpPr>
-      <p:sp>
-        <p:nvSpPr>
-          <p:cNvPr id="2" name="Title 1"/>
-          <p:cNvSpPr>
-            <a:spLocks noGrp="1"/>
-          </p:cNvSpPr>
-          <p:nvPr>
-            <p:ph type="title"/>
-          </p:nvPr>
-        </p:nvSpPr>
-        <p:spPr/>
-        <p:txBody>
-          <a:bodyPr/>
-          <a:lstStyle/>
-          <a:p>
-            <a:r>
-              <a:rPr lang="en-US" dirty="0"/>
-              <a:t>+</a:t>
-            </a:r>
-            <a:br>
-              <a:rPr lang="en-US" dirty="0"/>
-            </a:br>
-            <a:endParaRPr lang="en-US" dirty="0"/>
-          </a:p>
-        </p:txBody>
-      </p:sp>
-      <p:sp>
-        <p:nvSpPr>
-          <p:cNvPr id="4" name="Text Placeholder 3"/>
-          <p:cNvSpPr>
-            <a:spLocks noGrp="1"/>
-          </p:cNvSpPr>
-          <p:nvPr>
-            <p:ph type="body" sz="half" idx="2"/>
-          </p:nvPr>
-        </p:nvSpPr>
-        <p:spPr/>
-        <p:txBody>
-          <a:bodyPr/>
-          <a:lstStyle/>
-          <a:p>
-            <a:endParaRPr lang="en-US" dirty="0"/>
-          </a:p>
-        </p:txBody>
-      </p:sp>
-      <p:sp>
-        <p:nvSpPr>
-          <p:cNvPr id="3" name="Picture Placeholder 2"/>
-          <p:cNvSpPr>
-            <a:spLocks noGrp="1"/>
-          </p:cNvSpPr>
-          <p:nvPr>
-            <p:ph type="pic" idx="1"/>
-          </p:nvPr>
-        </p:nvSpPr>
-        <p:spPr/>
-      </p:sp>
-    </p:spTree>
-    <p:extLst>
-      <p:ext uri="{BB962C8B-B14F-4D97-AF65-F5344CB8AC3E}">
-        <p14:creationId xmlns:p14="http://schemas.microsoft.com/office/powerpoint/2010/main" val="3761302454"/>
       </p:ext>
     </p:extLst>
   </p:cSld>

--- a/powerpoint/SmartPDF/Don't Just PDF.pptx
+++ b/powerpoint/SmartPDF/Don't Just PDF.pptx
@@ -3975,7 +3975,7 @@
                   <a:schemeClr val="tx2"/>
                 </a:solidFill>
               </a:rPr>
-              <a:t>9/6/2016</a:t>
+              <a:t>9/7/2016</a:t>
             </a:fld>
             <a:endParaRPr>
               <a:solidFill>
@@ -4165,7 +4165,7 @@
             <a:fld id="{F95CF31C-F757-429C-A789-86504F04C3BE}" type="datetimeFigureOut">
               <a:rPr lang="en-US"/>
               <a:pPr/>
-              <a:t>9/6/2016</a:t>
+              <a:t>9/7/2016</a:t>
             </a:fld>
             <a:endParaRPr/>
           </a:p>
@@ -4765,7 +4765,7 @@
           <a:p>
             <a:fld id="{7AECB6C2-1084-4AED-A74A-DF028B0094EA}" type="datetimeFigureOut">
               <a:rPr lang="en-US"/>
-              <a:t>9/6/2016</a:t>
+              <a:t>9/7/2016</a:t>
             </a:fld>
             <a:endParaRPr/>
           </a:p>
@@ -4957,7 +4957,7 @@
           <a:p>
             <a:fld id="{7AECB6C2-1084-4AED-A74A-DF028B0094EA}" type="datetimeFigureOut">
               <a:rPr lang="en-US"/>
-              <a:t>9/6/2016</a:t>
+              <a:t>9/7/2016</a:t>
             </a:fld>
             <a:endParaRPr/>
           </a:p>
@@ -5155,7 +5155,7 @@
           <a:p>
             <a:fld id="{8B5A30F4-0B4E-4E4B-BC36-C30CD13F4E17}" type="datetimeFigureOut">
               <a:rPr lang="en-US"/>
-              <a:t>9/6/2016</a:t>
+              <a:t>9/7/2016</a:t>
             </a:fld>
             <a:endParaRPr/>
           </a:p>
@@ -5671,7 +5671,7 @@
           <a:p>
             <a:fld id="{2DD204D1-F9BD-4643-8480-6EA41EB484F1}" type="datetimeFigureOut">
               <a:rPr lang="en-US"/>
-              <a:t>9/6/2016</a:t>
+              <a:t>9/7/2016</a:t>
             </a:fld>
             <a:endParaRPr/>
           </a:p>
@@ -6119,7 +6119,7 @@
           <a:p>
             <a:fld id="{2DD204D1-F9BD-4643-8480-6EA41EB484F1}" type="datetimeFigureOut">
               <a:rPr lang="en-US"/>
-              <a:t>9/6/2016</a:t>
+              <a:t>9/7/2016</a:t>
             </a:fld>
             <a:endParaRPr/>
           </a:p>
@@ -6249,7 +6249,7 @@
           <a:p>
             <a:fld id="{2DD204D1-F9BD-4643-8480-6EA41EB484F1}" type="datetimeFigureOut">
               <a:rPr lang="en-US"/>
-              <a:t>9/6/2016</a:t>
+              <a:t>9/7/2016</a:t>
             </a:fld>
             <a:endParaRPr/>
           </a:p>
@@ -6356,7 +6356,7 @@
           <a:p>
             <a:fld id="{2DD204D1-F9BD-4643-8480-6EA41EB484F1}" type="datetimeFigureOut">
               <a:rPr lang="en-US"/>
-              <a:t>9/6/2016</a:t>
+              <a:t>9/7/2016</a:t>
             </a:fld>
             <a:endParaRPr/>
           </a:p>
@@ -6713,7 +6713,7 @@
           <a:p>
             <a:fld id="{126BF754-515F-40B9-8D24-D54D5825B3D0}" type="datetimeFigureOut">
               <a:rPr lang="en-US"/>
-              <a:t>9/6/2016</a:t>
+              <a:t>9/7/2016</a:t>
             </a:fld>
             <a:endParaRPr/>
           </a:p>
@@ -7050,7 +7050,7 @@
           <a:p>
             <a:fld id="{126BF754-515F-40B9-8D24-D54D5825B3D0}" type="datetimeFigureOut">
               <a:rPr lang="en-US"/>
-              <a:t>9/6/2016</a:t>
+              <a:t>9/7/2016</a:t>
             </a:fld>
             <a:endParaRPr/>
           </a:p>
@@ -7345,7 +7345,7 @@
             <a:fld id="{2DD204D1-F9BD-4643-8480-6EA41EB484F1}" type="datetimeFigureOut">
               <a:rPr lang="en-US"/>
               <a:pPr/>
-              <a:t>9/6/2016</a:t>
+              <a:t>9/7/2016</a:t>
             </a:fld>
             <a:endParaRPr/>
           </a:p>

--- a/powerpoint/SmartPDF/Don't Just PDF.pptx
+++ b/powerpoint/SmartPDF/Don't Just PDF.pptx
@@ -4140,7 +4140,7 @@
                   <a:schemeClr val="tx2"/>
                 </a:solidFill>
               </a:rPr>
-              <a:t>9/7/2016</a:t>
+              <a:t>9/13/2016</a:t>
             </a:fld>
             <a:endParaRPr>
               <a:solidFill>
@@ -4330,7 +4330,7 @@
             <a:fld id="{F95CF31C-F757-429C-A789-86504F04C3BE}" type="datetimeFigureOut">
               <a:rPr lang="en-US"/>
               <a:pPr/>
-              <a:t>9/7/2016</a:t>
+              <a:t>9/13/2016</a:t>
             </a:fld>
             <a:endParaRPr/>
           </a:p>
@@ -4751,7 +4751,7 @@
           <a:p>
             <a:fld id="{43BAF7D2-47D3-439E-B818-706FF392AEFA}" type="datetimeFigureOut">
               <a:rPr lang="en-IN" smtClean="0"/>
-              <a:t>07-09-2016</a:t>
+              <a:t>13-09-2016</a:t>
             </a:fld>
             <a:endParaRPr lang="en-IN"/>
           </a:p>
@@ -4921,7 +4921,7 @@
           <a:p>
             <a:fld id="{43BAF7D2-47D3-439E-B818-706FF392AEFA}" type="datetimeFigureOut">
               <a:rPr lang="en-IN" smtClean="0"/>
-              <a:t>07-09-2016</a:t>
+              <a:t>13-09-2016</a:t>
             </a:fld>
             <a:endParaRPr lang="en-IN"/>
           </a:p>
@@ -5101,7 +5101,7 @@
           <a:p>
             <a:fld id="{43BAF7D2-47D3-439E-B818-706FF392AEFA}" type="datetimeFigureOut">
               <a:rPr lang="en-IN" smtClean="0"/>
-              <a:t>07-09-2016</a:t>
+              <a:t>13-09-2016</a:t>
             </a:fld>
             <a:endParaRPr lang="en-IN"/>
           </a:p>
@@ -5407,7 +5407,7 @@
           <a:p>
             <a:fld id="{43BAF7D2-47D3-439E-B818-706FF392AEFA}" type="datetimeFigureOut">
               <a:rPr lang="en-IN" smtClean="0"/>
-              <a:t>07-09-2016</a:t>
+              <a:t>13-09-2016</a:t>
             </a:fld>
             <a:endParaRPr lang="en-IN"/>
           </a:p>
@@ -5774,7 +5774,7 @@
           <a:p>
             <a:fld id="{43BAF7D2-47D3-439E-B818-706FF392AEFA}" type="datetimeFigureOut">
               <a:rPr lang="en-IN" smtClean="0"/>
-              <a:t>07-09-2016</a:t>
+              <a:t>13-09-2016</a:t>
             </a:fld>
             <a:endParaRPr lang="en-IN"/>
           </a:p>
@@ -5892,7 +5892,7 @@
           <a:p>
             <a:fld id="{43BAF7D2-47D3-439E-B818-706FF392AEFA}" type="datetimeFigureOut">
               <a:rPr lang="en-IN" smtClean="0"/>
-              <a:t>07-09-2016</a:t>
+              <a:t>13-09-2016</a:t>
             </a:fld>
             <a:endParaRPr lang="en-IN"/>
           </a:p>
@@ -5987,7 +5987,7 @@
           <a:p>
             <a:fld id="{43BAF7D2-47D3-439E-B818-706FF392AEFA}" type="datetimeFigureOut">
               <a:rPr lang="en-IN" smtClean="0"/>
-              <a:t>07-09-2016</a:t>
+              <a:t>13-09-2016</a:t>
             </a:fld>
             <a:endParaRPr lang="en-IN"/>
           </a:p>
@@ -6264,7 +6264,7 @@
           <a:p>
             <a:fld id="{43BAF7D2-47D3-439E-B818-706FF392AEFA}" type="datetimeFigureOut">
               <a:rPr lang="en-IN" smtClean="0"/>
-              <a:t>07-09-2016</a:t>
+              <a:t>13-09-2016</a:t>
             </a:fld>
             <a:endParaRPr lang="en-IN"/>
           </a:p>
@@ -6521,7 +6521,7 @@
           <a:p>
             <a:fld id="{43BAF7D2-47D3-439E-B818-706FF392AEFA}" type="datetimeFigureOut">
               <a:rPr lang="en-IN" smtClean="0"/>
-              <a:t>07-09-2016</a:t>
+              <a:t>13-09-2016</a:t>
             </a:fld>
             <a:endParaRPr lang="en-IN"/>
           </a:p>
@@ -6743,7 +6743,7 @@
           <a:p>
             <a:fld id="{43BAF7D2-47D3-439E-B818-706FF392AEFA}" type="datetimeFigureOut">
               <a:rPr lang="en-IN" smtClean="0"/>
-              <a:t>07-09-2016</a:t>
+              <a:t>13-09-2016</a:t>
             </a:fld>
             <a:endParaRPr lang="en-IN"/>
           </a:p>
@@ -20398,14 +20398,20 @@
           <a:p>
             <a:pPr algn="l" defTabSz="914126"/>
             <a:r>
-              <a:rPr lang="en-IN" sz="4999" b="1" dirty="0">
+              <a:rPr lang="en-IN" sz="4999" b="1">
                 <a:solidFill>
                   <a:srgbClr val="FFFF00"/>
                 </a:solidFill>
                 <a:latin typeface="Adobe Clean" panose="020B0503020404020204" pitchFamily="34" charset="0"/>
               </a:rPr>
-              <a:t>Questions?</a:t>
+              <a:t>Thank you</a:t>
             </a:r>
+            <a:endParaRPr lang="en-IN" sz="4999" b="1" dirty="0">
+              <a:solidFill>
+                <a:srgbClr val="FFFF00"/>
+              </a:solidFill>
+              <a:latin typeface="Adobe Clean" panose="020B0503020404020204" pitchFamily="34" charset="0"/>
+            </a:endParaRPr>
           </a:p>
         </p:txBody>
       </p:sp>
@@ -20417,7 +20423,7 @@
         </p:nvSpPr>
         <p:spPr>
           <a:xfrm>
-            <a:off x="455612" y="1534538"/>
+            <a:off x="455612" y="2660126"/>
             <a:ext cx="2514600" cy="523220"/>
           </a:xfrm>
           <a:prstGeom prst="rect">
@@ -20438,183 +20444,6 @@
           </a:p>
         </p:txBody>
       </p:sp>
-      <p:pic>
-        <p:nvPicPr>
-          <p:cNvPr id="7" name="Picture 6"/>
-          <p:cNvPicPr>
-            <a:picLocks noChangeAspect="1"/>
-          </p:cNvPicPr>
-          <p:nvPr/>
-        </p:nvPicPr>
-        <p:blipFill>
-          <a:blip r:embed="rId2"/>
-          <a:stretch>
-            <a:fillRect/>
-          </a:stretch>
-        </p:blipFill>
-        <p:spPr>
-          <a:xfrm>
-            <a:off x="8685212" y="1752600"/>
-            <a:ext cx="2623543" cy="4522720"/>
-          </a:xfrm>
-          <a:prstGeom prst="roundRect">
-            <a:avLst>
-              <a:gd name="adj" fmla="val 11111"/>
-            </a:avLst>
-          </a:prstGeom>
-          <a:ln w="190500" cap="rnd">
-            <a:solidFill>
-              <a:srgbClr val="C8C6BD"/>
-            </a:solidFill>
-            <a:prstDash val="solid"/>
-          </a:ln>
-          <a:effectLst>
-            <a:outerShdw blurRad="101600" dist="50800" dir="7200000" algn="tl" rotWithShape="0">
-              <a:srgbClr val="000000">
-                <a:alpha val="45000"/>
-              </a:srgbClr>
-            </a:outerShdw>
-          </a:effectLst>
-          <a:scene3d>
-            <a:camera prst="perspectiveFront" fov="5400000"/>
-            <a:lightRig rig="threePt" dir="t">
-              <a:rot lat="0" lon="0" rev="19200000"/>
-            </a:lightRig>
-          </a:scene3d>
-          <a:sp3d extrusionH="25400">
-            <a:bevelT w="304800" h="152400" prst="hardEdge"/>
-            <a:extrusionClr>
-              <a:srgbClr val="FFFFFF"/>
-            </a:extrusionClr>
-          </a:sp3d>
-        </p:spPr>
-      </p:pic>
-      <p:pic>
-        <p:nvPicPr>
-          <p:cNvPr id="8" name="Picture 7"/>
-          <p:cNvPicPr>
-            <a:picLocks noChangeAspect="1"/>
-          </p:cNvPicPr>
-          <p:nvPr/>
-        </p:nvPicPr>
-        <p:blipFill>
-          <a:blip r:embed="rId3">
-            <a:extLst>
-              <a:ext uri="{28A0092B-C50C-407E-A947-70E740481C1C}">
-                <a14:useLocalDpi xmlns:a14="http://schemas.microsoft.com/office/drawing/2010/main" val="0"/>
-              </a:ext>
-            </a:extLst>
-          </a:blip>
-          <a:stretch>
-            <a:fillRect/>
-          </a:stretch>
-        </p:blipFill>
-        <p:spPr>
-          <a:xfrm>
-            <a:off x="6627812" y="1748340"/>
-            <a:ext cx="1554158" cy="1554158"/>
-          </a:xfrm>
-          <a:prstGeom prst="rect">
-            <a:avLst/>
-          </a:prstGeom>
-        </p:spPr>
-      </p:pic>
-      <p:pic>
-        <p:nvPicPr>
-          <p:cNvPr id="9" name="Picture 8"/>
-          <p:cNvPicPr>
-            <a:picLocks noChangeAspect="1"/>
-          </p:cNvPicPr>
-          <p:nvPr/>
-        </p:nvPicPr>
-        <p:blipFill>
-          <a:blip r:embed="rId3">
-            <a:extLst>
-              <a:ext uri="{28A0092B-C50C-407E-A947-70E740481C1C}">
-                <a14:useLocalDpi xmlns:a14="http://schemas.microsoft.com/office/drawing/2010/main" val="0"/>
-              </a:ext>
-            </a:extLst>
-          </a:blip>
-          <a:stretch>
-            <a:fillRect/>
-          </a:stretch>
-        </p:blipFill>
-        <p:spPr>
-          <a:xfrm>
-            <a:off x="6780212" y="1900740"/>
-            <a:ext cx="1554158" cy="1554158"/>
-          </a:xfrm>
-          <a:prstGeom prst="rect">
-            <a:avLst/>
-          </a:prstGeom>
-        </p:spPr>
-      </p:pic>
-      <p:pic>
-        <p:nvPicPr>
-          <p:cNvPr id="10" name="Picture 9"/>
-          <p:cNvPicPr>
-            <a:picLocks noChangeAspect="1"/>
-          </p:cNvPicPr>
-          <p:nvPr/>
-        </p:nvPicPr>
-        <p:blipFill>
-          <a:blip r:embed="rId3">
-            <a:extLst>
-              <a:ext uri="{28A0092B-C50C-407E-A947-70E740481C1C}">
-                <a14:useLocalDpi xmlns:a14="http://schemas.microsoft.com/office/drawing/2010/main" val="0"/>
-              </a:ext>
-            </a:extLst>
-          </a:blip>
-          <a:stretch>
-            <a:fillRect/>
-          </a:stretch>
-        </p:blipFill>
-        <p:spPr>
-          <a:xfrm>
-            <a:off x="6932612" y="2053140"/>
-            <a:ext cx="1554158" cy="1554158"/>
-          </a:xfrm>
-          <a:prstGeom prst="rect">
-            <a:avLst/>
-          </a:prstGeom>
-        </p:spPr>
-      </p:pic>
-      <p:cxnSp>
-        <p:nvCxnSpPr>
-          <p:cNvPr id="3" name="Curved Connector 2"/>
-          <p:cNvCxnSpPr>
-            <a:stCxn id="7" idx="1"/>
-            <a:endCxn id="10" idx="2"/>
-          </p:cNvCxnSpPr>
-          <p:nvPr/>
-        </p:nvCxnSpPr>
-        <p:spPr>
-          <a:xfrm rot="10800000">
-            <a:off x="7709692" y="3607298"/>
-            <a:ext cx="975521" cy="406662"/>
-          </a:xfrm>
-          <a:prstGeom prst="curvedConnector2">
-            <a:avLst/>
-          </a:prstGeom>
-          <a:ln>
-            <a:tailEnd type="triangle"/>
-          </a:ln>
-        </p:spPr>
-        <p:style>
-          <a:lnRef idx="3">
-            <a:schemeClr val="dk1"/>
-          </a:lnRef>
-          <a:fillRef idx="0">
-            <a:schemeClr val="dk1"/>
-          </a:fillRef>
-          <a:effectRef idx="2">
-            <a:schemeClr val="dk1"/>
-          </a:effectRef>
-          <a:fontRef idx="minor">
-            <a:schemeClr val="tx1"/>
-          </a:fontRef>
-        </p:style>
-      </p:cxnSp>
       <p:sp>
         <p:nvSpPr>
           <p:cNvPr id="13" name="TextBox 12"/>
@@ -20623,7 +20452,7 @@
         </p:nvSpPr>
         <p:spPr>
           <a:xfrm>
-            <a:off x="455612" y="1961417"/>
+            <a:off x="455612" y="3087005"/>
             <a:ext cx="4388702" cy="1200329"/>
           </a:xfrm>
           <a:prstGeom prst="rect">
@@ -20643,7 +20472,7 @@
             </a:pPr>
             <a:r>
               <a:rPr lang="en-US" dirty="0">
-                <a:hlinkClick r:id="rId4"/>
+                <a:hlinkClick r:id="rId2"/>
               </a:rPr>
               <a:t>https://acrobat.adobe.com</a:t>
             </a:r>
@@ -20656,7 +20485,7 @@
             </a:pPr>
             <a:r>
               <a:rPr lang="en-US" dirty="0">
-                <a:hlinkClick r:id="rId5"/>
+                <a:hlinkClick r:id="rId3"/>
               </a:rPr>
               <a:t>http://www.scandit.com/</a:t>
             </a:r>
@@ -20669,7 +20498,7 @@
             </a:pPr>
             <a:r>
               <a:rPr lang="en-US" dirty="0">
-                <a:hlinkClick r:id="rId6"/>
+                <a:hlinkClick r:id="rId4"/>
               </a:rPr>
               <a:t>http://developers.itextpdf.com</a:t>
             </a:r>
@@ -20685,7 +20514,7 @@
         </p:nvSpPr>
         <p:spPr>
           <a:xfrm>
-            <a:off x="451247" y="3210565"/>
+            <a:off x="455612" y="5004871"/>
             <a:ext cx="6092825" cy="892552"/>
           </a:xfrm>
           <a:prstGeom prst="rect">
@@ -20708,52 +20537,11 @@
             </a:r>
             <a:r>
               <a:rPr lang="en-US" dirty="0">
-                <a:hlinkClick r:id="rId7"/>
+                <a:hlinkClick r:id="rId5"/>
               </a:rPr>
               <a:t>https://github.com/cfclick/CFSummit2016</a:t>
             </a:r>
             <a:endParaRPr lang="en-US" dirty="0"/>
-          </a:p>
-        </p:txBody>
-      </p:sp>
-      <p:sp>
-        <p:nvSpPr>
-          <p:cNvPr id="15" name="TextBox 14"/>
-          <p:cNvSpPr txBox="1"/>
-          <p:nvPr/>
-        </p:nvSpPr>
-        <p:spPr>
-          <a:xfrm>
-            <a:off x="451247" y="4379683"/>
-            <a:ext cx="7542899" cy="1200329"/>
-          </a:xfrm>
-          <a:prstGeom prst="rect">
-            <a:avLst/>
-          </a:prstGeom>
-          <a:noFill/>
-        </p:spPr>
-        <p:txBody>
-          <a:bodyPr wrap="none" rtlCol="0">
-            <a:spAutoFit/>
-          </a:bodyPr>
-          <a:lstStyle/>
-          <a:p>
-            <a:r>
-              <a:rPr lang="en-US" dirty="0"/>
-              <a:t>Don’t leave hold of your common sense. Think about what </a:t>
-            </a:r>
-          </a:p>
-          <a:p>
-            <a:r>
-              <a:rPr lang="en-US" dirty="0"/>
-              <a:t>you’re doing and how the technology can enhance it. </a:t>
-            </a:r>
-          </a:p>
-          <a:p>
-            <a:r>
-              <a:rPr lang="en-US" dirty="0"/>
-              <a:t>Don’t think about technology first.</a:t>
-            </a:r>
           </a:p>
         </p:txBody>
       </p:sp>
@@ -20765,8 +20553,8 @@
         </p:nvSpPr>
         <p:spPr>
           <a:xfrm>
-            <a:off x="449659" y="5856578"/>
-            <a:ext cx="3536674" cy="923330"/>
+            <a:off x="338429" y="1602089"/>
+            <a:ext cx="3014223" cy="923330"/>
           </a:xfrm>
           <a:prstGeom prst="rect">
             <a:avLst/>
@@ -20794,8 +20582,63 @@
                   </a:outerShdw>
                 </a:effectLst>
               </a:rPr>
-              <a:t>THANK YOU</a:t>
+              <a:t>Questions</a:t>
             </a:r>
+          </a:p>
+        </p:txBody>
+      </p:sp>
+      <p:sp>
+        <p:nvSpPr>
+          <p:cNvPr id="17" name="TextBox 16"/>
+          <p:cNvSpPr txBox="1"/>
+          <p:nvPr/>
+        </p:nvSpPr>
+        <p:spPr>
+          <a:xfrm>
+            <a:off x="5484812" y="2931387"/>
+            <a:ext cx="6416249" cy="2092881"/>
+          </a:xfrm>
+          <a:prstGeom prst="rect">
+            <a:avLst/>
+          </a:prstGeom>
+        </p:spPr>
+        <p:style>
+          <a:lnRef idx="0">
+            <a:schemeClr val="accent2"/>
+          </a:lnRef>
+          <a:fillRef idx="3">
+            <a:schemeClr val="accent2"/>
+          </a:fillRef>
+          <a:effectRef idx="3">
+            <a:schemeClr val="accent2"/>
+          </a:effectRef>
+          <a:fontRef idx="minor">
+            <a:schemeClr val="lt1"/>
+          </a:fontRef>
+        </p:style>
+        <p:txBody>
+          <a:bodyPr wrap="square" rtlCol="0">
+            <a:spAutoFit/>
+          </a:bodyPr>
+          <a:lstStyle/>
+          <a:p>
+            <a:r>
+              <a:rPr lang="en-US" sz="2800" dirty="0"/>
+              <a:t>Don’t leave hold of your common sense. Think about what you’re doing and how the technology can enhance it. </a:t>
+            </a:r>
+          </a:p>
+          <a:p>
+            <a:r>
+              <a:rPr lang="en-US" sz="2800" dirty="0"/>
+              <a:t>Don’t think about technology first.</a:t>
+            </a:r>
+          </a:p>
+          <a:p>
+            <a:r>
+              <a:rPr lang="en-US" dirty="0"/>
+              <a:t>(Esther Dyson)</a:t>
+            </a:r>
+            <a:endParaRPr lang="en-US" sz="2800" dirty="0"/>
           </a:p>
         </p:txBody>
       </p:sp>

--- a/powerpoint/SmartPDF/Don't Just PDF.pptx
+++ b/powerpoint/SmartPDF/Don't Just PDF.pptx
@@ -7296,7 +7296,7 @@
           <a:p>
             <a:pPr algn="l"/>
             <a:r>
-              <a:rPr lang="en-IN" sz="4999" b="1" dirty="0">
+              <a:rPr lang="en-IN" sz="4400" b="1" dirty="0">
                 <a:solidFill>
                   <a:srgbClr val="FFFF00"/>
                 </a:solidFill>
@@ -7318,7 +7318,7 @@
         <p:spPr>
           <a:xfrm>
             <a:off x="1002804" y="1905000"/>
-            <a:ext cx="6844208" cy="4724400"/>
+            <a:ext cx="6844208" cy="3657600"/>
           </a:xfrm>
           <a:prstGeom prst="rect">
             <a:avLst/>
@@ -7502,7 +7502,7 @@
               <a:rPr lang="en-US" dirty="0"/>
             </a:br>
             <a:r>
-              <a:rPr lang="en-US" dirty="0"/>
+              <a:rPr lang="en-US" sz="2000" dirty="0"/>
               <a:t>Includes information about the document and its contents, such as the author’s name, keywords, and copyright information, that can be used by search utilities.</a:t>
             </a:r>
           </a:p>
@@ -7520,10 +7520,9 @@
               <a:rPr lang="en-US" dirty="0"/>
             </a:br>
             <a:r>
-              <a:rPr lang="en-US" dirty="0"/>
+              <a:rPr lang="en-US" sz="2000" dirty="0"/>
               <a:t>The Extensible Metadata Platform (XMP) provides Adobe applications with a common XML framework that standardizes the creation, processing, and interchange of document metadata across publishing workflows.</a:t>
             </a:r>
-            <a:endParaRPr lang="en-US" sz="2000" dirty="0"/>
           </a:p>
         </p:txBody>
       </p:sp>
@@ -9128,7 +9127,7 @@
           <a:p>
             <a:pPr algn="l"/>
             <a:r>
-              <a:rPr lang="en-IN" sz="4999" b="1" dirty="0">
+              <a:rPr lang="en-IN" sz="4400" b="1" dirty="0">
                 <a:solidFill>
                   <a:srgbClr val="FFFF00"/>
                 </a:solidFill>
@@ -9158,7 +9157,7 @@
         </p:spPr>
         <p:txBody>
           <a:bodyPr vert="horz" lIns="91440" tIns="45720" rIns="91440" bIns="45720" rtlCol="0">
-            <a:normAutofit lnSpcReduction="10000"/>
+            <a:normAutofit/>
           </a:bodyPr>
           <a:lstStyle>
             <a:lvl1pPr marL="0" indent="0" algn="ctr" defTabSz="914126" rtl="0" eaLnBrk="1" latinLnBrk="0" hangingPunct="1">
@@ -9334,11 +9333,11 @@
               <a:rPr lang="en-US" dirty="0"/>
             </a:br>
             <a:r>
-              <a:rPr lang="en-US" dirty="0"/>
+              <a:rPr lang="en-US" sz="2000" dirty="0"/>
               <a:t>Removes metadata from your PDF document so that sensitive information is not inadvertently passed along when you publish your PDF.</a:t>
             </a:r>
             <a:br>
-              <a:rPr lang="en-US" dirty="0"/>
+              <a:rPr lang="en-US" sz="2000" dirty="0"/>
             </a:br>
             <a:endParaRPr lang="en-US" sz="1800" dirty="0"/>
           </a:p>
@@ -9353,7 +9352,7 @@
         <p:spPr>
           <a:xfrm>
             <a:off x="1001279" y="3665083"/>
-            <a:ext cx="3852721" cy="3416320"/>
+            <a:ext cx="3304687" cy="2985433"/>
           </a:xfrm>
           <a:prstGeom prst="rect">
             <a:avLst/>
@@ -9371,7 +9370,7 @@
               <a:buChar char="•"/>
             </a:pPr>
             <a:r>
-              <a:rPr lang="en-US" dirty="0"/>
+              <a:rPr lang="en-US" sz="2000" dirty="0"/>
               <a:t>Metadata</a:t>
             </a:r>
           </a:p>
@@ -9381,7 +9380,7 @@
               <a:buChar char="•"/>
             </a:pPr>
             <a:r>
-              <a:rPr lang="en-US" dirty="0"/>
+              <a:rPr lang="en-US" sz="2000" dirty="0"/>
               <a:t>Attached files</a:t>
             </a:r>
           </a:p>
@@ -9391,7 +9390,7 @@
               <a:buChar char="•"/>
             </a:pPr>
             <a:r>
-              <a:rPr lang="en-US" dirty="0"/>
+              <a:rPr lang="en-US" sz="2000" dirty="0"/>
               <a:t>Scripts</a:t>
             </a:r>
           </a:p>
@@ -9401,7 +9400,7 @@
               <a:buChar char="•"/>
             </a:pPr>
             <a:r>
-              <a:rPr lang="en-US" dirty="0"/>
+              <a:rPr lang="en-US" sz="2000" dirty="0"/>
               <a:t>Search indexes</a:t>
             </a:r>
           </a:p>
@@ -9411,7 +9410,7 @@
               <a:buChar char="•"/>
             </a:pPr>
             <a:r>
-              <a:rPr lang="en-US" dirty="0"/>
+              <a:rPr lang="en-US" sz="2000" dirty="0"/>
               <a:t>Form data</a:t>
             </a:r>
           </a:p>
@@ -9421,7 +9420,7 @@
               <a:buChar char="•"/>
             </a:pPr>
             <a:r>
-              <a:rPr lang="en-US" dirty="0"/>
+              <a:rPr lang="en-US" sz="2000" dirty="0"/>
               <a:t>Review and comment data</a:t>
             </a:r>
           </a:p>
@@ -9431,7 +9430,7 @@
               <a:buChar char="•"/>
             </a:pPr>
             <a:r>
-              <a:rPr lang="en-US" dirty="0"/>
+              <a:rPr lang="en-US" sz="2000" dirty="0"/>
               <a:t>Obscured text and images</a:t>
             </a:r>
           </a:p>
@@ -9456,7 +9455,7 @@
         <p:spPr>
           <a:xfrm>
             <a:off x="4778459" y="3722101"/>
-            <a:ext cx="3374898" cy="1938992"/>
+            <a:ext cx="3023776" cy="1754326"/>
           </a:xfrm>
           <a:prstGeom prst="rect">
             <a:avLst/>
@@ -9474,7 +9473,7 @@
               <a:buChar char="•"/>
             </a:pPr>
             <a:r>
-              <a:rPr lang="en-US" dirty="0"/>
+              <a:rPr lang="en-US" sz="2000" dirty="0"/>
               <a:t>Unreferenced data</a:t>
             </a:r>
           </a:p>
@@ -9484,7 +9483,7 @@
               <a:buChar char="•"/>
             </a:pPr>
             <a:r>
-              <a:rPr lang="en-US" dirty="0"/>
+              <a:rPr lang="en-US" sz="2000" dirty="0"/>
               <a:t>Links</a:t>
             </a:r>
           </a:p>
@@ -9494,14 +9493,14 @@
               <a:buChar char="•"/>
             </a:pPr>
             <a:r>
-              <a:rPr lang="en-US" dirty="0"/>
+              <a:rPr lang="en-US" sz="2000" dirty="0"/>
               <a:t>Actions and </a:t>
             </a:r>
             <a:r>
-              <a:rPr lang="en-US" dirty="0" err="1"/>
+              <a:rPr lang="en-US" sz="2000" dirty="0" err="1"/>
               <a:t>javascripts</a:t>
             </a:r>
-            <a:endParaRPr lang="en-US" dirty="0"/>
+            <a:endParaRPr lang="en-US" sz="2000" dirty="0"/>
           </a:p>
           <a:p>
             <a:pPr marL="342900" indent="-342900">
@@ -9509,7 +9508,7 @@
               <a:buChar char="•"/>
             </a:pPr>
             <a:r>
-              <a:rPr lang="en-US" dirty="0"/>
+              <a:rPr lang="en-US" sz="2000" dirty="0"/>
               <a:t>Overlapping objects</a:t>
             </a:r>
           </a:p>
@@ -9842,7 +9841,7 @@
                             </p:stCondLst>
                             <p:childTnLst>
                               <p:par>
-                                <p:cTn id="19" presetID="42" presetClass="entr" presetSubtype="0" fill="hold" nodeType="clickEffect">
+                                <p:cTn id="19" presetID="42" presetClass="entr" presetSubtype="0" fill="hold" grpId="0" nodeType="clickEffect">
                                   <p:stCondLst>
                                     <p:cond delay="0"/>
                                   </p:stCondLst>
@@ -9855,11 +9854,7 @@
                                           </p:stCondLst>
                                         </p:cTn>
                                         <p:tgtEl>
-                                          <p:spTgt spid="5">
-                                            <p:txEl>
-                                              <p:pRg st="0" end="0"/>
-                                            </p:txEl>
-                                          </p:spTgt>
+                                          <p:spTgt spid="2"/>
                                         </p:tgtEl>
                                         <p:attrNameLst>
                                           <p:attrName>style.visibility</p:attrName>
@@ -9873,11 +9868,7 @@
                                       <p:cBhvr>
                                         <p:cTn id="21" dur="1000"/>
                                         <p:tgtEl>
-                                          <p:spTgt spid="5">
-                                            <p:txEl>
-                                              <p:pRg st="0" end="0"/>
-                                            </p:txEl>
-                                          </p:spTgt>
+                                          <p:spTgt spid="2"/>
                                         </p:tgtEl>
                                       </p:cBhvr>
                                     </p:animEffect>
@@ -9885,11 +9876,7 @@
                                       <p:cBhvr>
                                         <p:cTn id="22" dur="1000" fill="hold"/>
                                         <p:tgtEl>
-                                          <p:spTgt spid="5">
-                                            <p:txEl>
-                                              <p:pRg st="0" end="0"/>
-                                            </p:txEl>
-                                          </p:spTgt>
+                                          <p:spTgt spid="2"/>
                                         </p:tgtEl>
                                         <p:attrNameLst>
                                           <p:attrName>ppt_x</p:attrName>
@@ -9912,11 +9899,7 @@
                                       <p:cBhvr>
                                         <p:cTn id="23" dur="1000" fill="hold"/>
                                         <p:tgtEl>
-                                          <p:spTgt spid="5">
-                                            <p:txEl>
-                                              <p:pRg st="0" end="0"/>
-                                            </p:txEl>
-                                          </p:spTgt>
+                                          <p:spTgt spid="2"/>
                                         </p:tgtEl>
                                         <p:attrNameLst>
                                           <p:attrName>ppt_y</p:attrName>
@@ -9957,7 +9940,7 @@
                             </p:stCondLst>
                             <p:childTnLst>
                               <p:par>
-                                <p:cTn id="26" presetID="42" presetClass="entr" presetSubtype="0" fill="hold" nodeType="clickEffect">
+                                <p:cTn id="26" presetID="42" presetClass="entr" presetSubtype="0" fill="hold" grpId="0" nodeType="clickEffect">
                                   <p:stCondLst>
                                     <p:cond delay="0"/>
                                   </p:stCondLst>
@@ -9970,11 +9953,7 @@
                                           </p:stCondLst>
                                         </p:cTn>
                                         <p:tgtEl>
-                                          <p:spTgt spid="5">
-                                            <p:txEl>
-                                              <p:pRg st="1" end="1"/>
-                                            </p:txEl>
-                                          </p:spTgt>
+                                          <p:spTgt spid="5"/>
                                         </p:tgtEl>
                                         <p:attrNameLst>
                                           <p:attrName>style.visibility</p:attrName>
@@ -9988,11 +9967,7 @@
                                       <p:cBhvr>
                                         <p:cTn id="28" dur="1000"/>
                                         <p:tgtEl>
-                                          <p:spTgt spid="5">
-                                            <p:txEl>
-                                              <p:pRg st="1" end="1"/>
-                                            </p:txEl>
-                                          </p:spTgt>
+                                          <p:spTgt spid="5"/>
                                         </p:tgtEl>
                                       </p:cBhvr>
                                     </p:animEffect>
@@ -10000,11 +9975,7 @@
                                       <p:cBhvr>
                                         <p:cTn id="29" dur="1000" fill="hold"/>
                                         <p:tgtEl>
-                                          <p:spTgt spid="5">
-                                            <p:txEl>
-                                              <p:pRg st="1" end="1"/>
-                                            </p:txEl>
-                                          </p:spTgt>
+                                          <p:spTgt spid="5"/>
                                         </p:tgtEl>
                                         <p:attrNameLst>
                                           <p:attrName>ppt_x</p:attrName>
@@ -10027,11 +9998,7 @@
                                       <p:cBhvr>
                                         <p:cTn id="30" dur="1000" fill="hold"/>
                                         <p:tgtEl>
-                                          <p:spTgt spid="5">
-                                            <p:txEl>
-                                              <p:pRg st="1" end="1"/>
-                                            </p:txEl>
-                                          </p:spTgt>
+                                          <p:spTgt spid="5"/>
                                         </p:tgtEl>
                                         <p:attrNameLst>
                                           <p:attrName>ppt_y</p:attrName>
@@ -10072,7 +10039,7 @@
                             </p:stCondLst>
                             <p:childTnLst>
                               <p:par>
-                                <p:cTn id="33" presetID="42" presetClass="entr" presetSubtype="0" fill="hold" nodeType="clickEffect">
+                                <p:cTn id="33" presetID="42" presetClass="entr" presetSubtype="0" fill="hold" grpId="0" nodeType="clickEffect">
                                   <p:stCondLst>
                                     <p:cond delay="0"/>
                                   </p:stCondLst>
@@ -10085,11 +10052,7 @@
                                           </p:stCondLst>
                                         </p:cTn>
                                         <p:tgtEl>
-                                          <p:spTgt spid="5">
-                                            <p:txEl>
-                                              <p:pRg st="2" end="2"/>
-                                            </p:txEl>
-                                          </p:spTgt>
+                                          <p:spTgt spid="8"/>
                                         </p:tgtEl>
                                         <p:attrNameLst>
                                           <p:attrName>style.visibility</p:attrName>
@@ -10103,11 +10066,7 @@
                                       <p:cBhvr>
                                         <p:cTn id="35" dur="1000"/>
                                         <p:tgtEl>
-                                          <p:spTgt spid="5">
-                                            <p:txEl>
-                                              <p:pRg st="2" end="2"/>
-                                            </p:txEl>
-                                          </p:spTgt>
+                                          <p:spTgt spid="8"/>
                                         </p:tgtEl>
                                       </p:cBhvr>
                                     </p:animEffect>
@@ -10115,11 +10074,7 @@
                                       <p:cBhvr>
                                         <p:cTn id="36" dur="1000" fill="hold"/>
                                         <p:tgtEl>
-                                          <p:spTgt spid="5">
-                                            <p:txEl>
-                                              <p:pRg st="2" end="2"/>
-                                            </p:txEl>
-                                          </p:spTgt>
+                                          <p:spTgt spid="8"/>
                                         </p:tgtEl>
                                         <p:attrNameLst>
                                           <p:attrName>ppt_x</p:attrName>
@@ -10142,931 +10097,7 @@
                                       <p:cBhvr>
                                         <p:cTn id="37" dur="1000" fill="hold"/>
                                         <p:tgtEl>
-                                          <p:spTgt spid="5">
-                                            <p:txEl>
-                                              <p:pRg st="2" end="2"/>
-                                            </p:txEl>
-                                          </p:spTgt>
-                                        </p:tgtEl>
-                                        <p:attrNameLst>
-                                          <p:attrName>ppt_y</p:attrName>
-                                        </p:attrNameLst>
-                                      </p:cBhvr>
-                                      <p:tavLst>
-                                        <p:tav tm="0">
-                                          <p:val>
-                                            <p:strVal val="#ppt_y+.1"/>
-                                          </p:val>
-                                        </p:tav>
-                                        <p:tav tm="100000">
-                                          <p:val>
-                                            <p:strVal val="#ppt_y"/>
-                                          </p:val>
-                                        </p:tav>
-                                      </p:tavLst>
-                                    </p:anim>
-                                  </p:childTnLst>
-                                </p:cTn>
-                              </p:par>
-                            </p:childTnLst>
-                          </p:cTn>
-                        </p:par>
-                      </p:childTnLst>
-                    </p:cTn>
-                  </p:par>
-                  <p:par>
-                    <p:cTn id="38" fill="hold">
-                      <p:stCondLst>
-                        <p:cond delay="indefinite"/>
-                      </p:stCondLst>
-                      <p:childTnLst>
-                        <p:par>
-                          <p:cTn id="39" fill="hold">
-                            <p:stCondLst>
-                              <p:cond delay="0"/>
-                            </p:stCondLst>
-                            <p:childTnLst>
-                              <p:par>
-                                <p:cTn id="40" presetID="42" presetClass="entr" presetSubtype="0" fill="hold" nodeType="clickEffect">
-                                  <p:stCondLst>
-                                    <p:cond delay="0"/>
-                                  </p:stCondLst>
-                                  <p:childTnLst>
-                                    <p:set>
-                                      <p:cBhvr>
-                                        <p:cTn id="41" dur="1" fill="hold">
-                                          <p:stCondLst>
-                                            <p:cond delay="0"/>
-                                          </p:stCondLst>
-                                        </p:cTn>
-                                        <p:tgtEl>
-                                          <p:spTgt spid="5">
-                                            <p:txEl>
-                                              <p:pRg st="3" end="3"/>
-                                            </p:txEl>
-                                          </p:spTgt>
-                                        </p:tgtEl>
-                                        <p:attrNameLst>
-                                          <p:attrName>style.visibility</p:attrName>
-                                        </p:attrNameLst>
-                                      </p:cBhvr>
-                                      <p:to>
-                                        <p:strVal val="visible"/>
-                                      </p:to>
-                                    </p:set>
-                                    <p:animEffect transition="in" filter="fade">
-                                      <p:cBhvr>
-                                        <p:cTn id="42" dur="1000"/>
-                                        <p:tgtEl>
-                                          <p:spTgt spid="5">
-                                            <p:txEl>
-                                              <p:pRg st="3" end="3"/>
-                                            </p:txEl>
-                                          </p:spTgt>
-                                        </p:tgtEl>
-                                      </p:cBhvr>
-                                    </p:animEffect>
-                                    <p:anim calcmode="lin" valueType="num">
-                                      <p:cBhvr>
-                                        <p:cTn id="43" dur="1000" fill="hold"/>
-                                        <p:tgtEl>
-                                          <p:spTgt spid="5">
-                                            <p:txEl>
-                                              <p:pRg st="3" end="3"/>
-                                            </p:txEl>
-                                          </p:spTgt>
-                                        </p:tgtEl>
-                                        <p:attrNameLst>
-                                          <p:attrName>ppt_x</p:attrName>
-                                        </p:attrNameLst>
-                                      </p:cBhvr>
-                                      <p:tavLst>
-                                        <p:tav tm="0">
-                                          <p:val>
-                                            <p:strVal val="#ppt_x"/>
-                                          </p:val>
-                                        </p:tav>
-                                        <p:tav tm="100000">
-                                          <p:val>
-                                            <p:strVal val="#ppt_x"/>
-                                          </p:val>
-                                        </p:tav>
-                                      </p:tavLst>
-                                    </p:anim>
-                                    <p:anim calcmode="lin" valueType="num">
-                                      <p:cBhvr>
-                                        <p:cTn id="44" dur="1000" fill="hold"/>
-                                        <p:tgtEl>
-                                          <p:spTgt spid="5">
-                                            <p:txEl>
-                                              <p:pRg st="3" end="3"/>
-                                            </p:txEl>
-                                          </p:spTgt>
-                                        </p:tgtEl>
-                                        <p:attrNameLst>
-                                          <p:attrName>ppt_y</p:attrName>
-                                        </p:attrNameLst>
-                                      </p:cBhvr>
-                                      <p:tavLst>
-                                        <p:tav tm="0">
-                                          <p:val>
-                                            <p:strVal val="#ppt_y+.1"/>
-                                          </p:val>
-                                        </p:tav>
-                                        <p:tav tm="100000">
-                                          <p:val>
-                                            <p:strVal val="#ppt_y"/>
-                                          </p:val>
-                                        </p:tav>
-                                      </p:tavLst>
-                                    </p:anim>
-                                  </p:childTnLst>
-                                </p:cTn>
-                              </p:par>
-                            </p:childTnLst>
-                          </p:cTn>
-                        </p:par>
-                      </p:childTnLst>
-                    </p:cTn>
-                  </p:par>
-                  <p:par>
-                    <p:cTn id="45" fill="hold">
-                      <p:stCondLst>
-                        <p:cond delay="indefinite"/>
-                      </p:stCondLst>
-                      <p:childTnLst>
-                        <p:par>
-                          <p:cTn id="46" fill="hold">
-                            <p:stCondLst>
-                              <p:cond delay="0"/>
-                            </p:stCondLst>
-                            <p:childTnLst>
-                              <p:par>
-                                <p:cTn id="47" presetID="42" presetClass="entr" presetSubtype="0" fill="hold" nodeType="clickEffect">
-                                  <p:stCondLst>
-                                    <p:cond delay="0"/>
-                                  </p:stCondLst>
-                                  <p:childTnLst>
-                                    <p:set>
-                                      <p:cBhvr>
-                                        <p:cTn id="48" dur="1" fill="hold">
-                                          <p:stCondLst>
-                                            <p:cond delay="0"/>
-                                          </p:stCondLst>
-                                        </p:cTn>
-                                        <p:tgtEl>
-                                          <p:spTgt spid="5">
-                                            <p:txEl>
-                                              <p:pRg st="4" end="4"/>
-                                            </p:txEl>
-                                          </p:spTgt>
-                                        </p:tgtEl>
-                                        <p:attrNameLst>
-                                          <p:attrName>style.visibility</p:attrName>
-                                        </p:attrNameLst>
-                                      </p:cBhvr>
-                                      <p:to>
-                                        <p:strVal val="visible"/>
-                                      </p:to>
-                                    </p:set>
-                                    <p:animEffect transition="in" filter="fade">
-                                      <p:cBhvr>
-                                        <p:cTn id="49" dur="1000"/>
-                                        <p:tgtEl>
-                                          <p:spTgt spid="5">
-                                            <p:txEl>
-                                              <p:pRg st="4" end="4"/>
-                                            </p:txEl>
-                                          </p:spTgt>
-                                        </p:tgtEl>
-                                      </p:cBhvr>
-                                    </p:animEffect>
-                                    <p:anim calcmode="lin" valueType="num">
-                                      <p:cBhvr>
-                                        <p:cTn id="50" dur="1000" fill="hold"/>
-                                        <p:tgtEl>
-                                          <p:spTgt spid="5">
-                                            <p:txEl>
-                                              <p:pRg st="4" end="4"/>
-                                            </p:txEl>
-                                          </p:spTgt>
-                                        </p:tgtEl>
-                                        <p:attrNameLst>
-                                          <p:attrName>ppt_x</p:attrName>
-                                        </p:attrNameLst>
-                                      </p:cBhvr>
-                                      <p:tavLst>
-                                        <p:tav tm="0">
-                                          <p:val>
-                                            <p:strVal val="#ppt_x"/>
-                                          </p:val>
-                                        </p:tav>
-                                        <p:tav tm="100000">
-                                          <p:val>
-                                            <p:strVal val="#ppt_x"/>
-                                          </p:val>
-                                        </p:tav>
-                                      </p:tavLst>
-                                    </p:anim>
-                                    <p:anim calcmode="lin" valueType="num">
-                                      <p:cBhvr>
-                                        <p:cTn id="51" dur="1000" fill="hold"/>
-                                        <p:tgtEl>
-                                          <p:spTgt spid="5">
-                                            <p:txEl>
-                                              <p:pRg st="4" end="4"/>
-                                            </p:txEl>
-                                          </p:spTgt>
-                                        </p:tgtEl>
-                                        <p:attrNameLst>
-                                          <p:attrName>ppt_y</p:attrName>
-                                        </p:attrNameLst>
-                                      </p:cBhvr>
-                                      <p:tavLst>
-                                        <p:tav tm="0">
-                                          <p:val>
-                                            <p:strVal val="#ppt_y+.1"/>
-                                          </p:val>
-                                        </p:tav>
-                                        <p:tav tm="100000">
-                                          <p:val>
-                                            <p:strVal val="#ppt_y"/>
-                                          </p:val>
-                                        </p:tav>
-                                      </p:tavLst>
-                                    </p:anim>
-                                  </p:childTnLst>
-                                </p:cTn>
-                              </p:par>
-                            </p:childTnLst>
-                          </p:cTn>
-                        </p:par>
-                      </p:childTnLst>
-                    </p:cTn>
-                  </p:par>
-                  <p:par>
-                    <p:cTn id="52" fill="hold">
-                      <p:stCondLst>
-                        <p:cond delay="indefinite"/>
-                      </p:stCondLst>
-                      <p:childTnLst>
-                        <p:par>
-                          <p:cTn id="53" fill="hold">
-                            <p:stCondLst>
-                              <p:cond delay="0"/>
-                            </p:stCondLst>
-                            <p:childTnLst>
-                              <p:par>
-                                <p:cTn id="54" presetID="42" presetClass="entr" presetSubtype="0" fill="hold" nodeType="clickEffect">
-                                  <p:stCondLst>
-                                    <p:cond delay="0"/>
-                                  </p:stCondLst>
-                                  <p:childTnLst>
-                                    <p:set>
-                                      <p:cBhvr>
-                                        <p:cTn id="55" dur="1" fill="hold">
-                                          <p:stCondLst>
-                                            <p:cond delay="0"/>
-                                          </p:stCondLst>
-                                        </p:cTn>
-                                        <p:tgtEl>
-                                          <p:spTgt spid="5">
-                                            <p:txEl>
-                                              <p:pRg st="5" end="5"/>
-                                            </p:txEl>
-                                          </p:spTgt>
-                                        </p:tgtEl>
-                                        <p:attrNameLst>
-                                          <p:attrName>style.visibility</p:attrName>
-                                        </p:attrNameLst>
-                                      </p:cBhvr>
-                                      <p:to>
-                                        <p:strVal val="visible"/>
-                                      </p:to>
-                                    </p:set>
-                                    <p:animEffect transition="in" filter="fade">
-                                      <p:cBhvr>
-                                        <p:cTn id="56" dur="1000"/>
-                                        <p:tgtEl>
-                                          <p:spTgt spid="5">
-                                            <p:txEl>
-                                              <p:pRg st="5" end="5"/>
-                                            </p:txEl>
-                                          </p:spTgt>
-                                        </p:tgtEl>
-                                      </p:cBhvr>
-                                    </p:animEffect>
-                                    <p:anim calcmode="lin" valueType="num">
-                                      <p:cBhvr>
-                                        <p:cTn id="57" dur="1000" fill="hold"/>
-                                        <p:tgtEl>
-                                          <p:spTgt spid="5">
-                                            <p:txEl>
-                                              <p:pRg st="5" end="5"/>
-                                            </p:txEl>
-                                          </p:spTgt>
-                                        </p:tgtEl>
-                                        <p:attrNameLst>
-                                          <p:attrName>ppt_x</p:attrName>
-                                        </p:attrNameLst>
-                                      </p:cBhvr>
-                                      <p:tavLst>
-                                        <p:tav tm="0">
-                                          <p:val>
-                                            <p:strVal val="#ppt_x"/>
-                                          </p:val>
-                                        </p:tav>
-                                        <p:tav tm="100000">
-                                          <p:val>
-                                            <p:strVal val="#ppt_x"/>
-                                          </p:val>
-                                        </p:tav>
-                                      </p:tavLst>
-                                    </p:anim>
-                                    <p:anim calcmode="lin" valueType="num">
-                                      <p:cBhvr>
-                                        <p:cTn id="58" dur="1000" fill="hold"/>
-                                        <p:tgtEl>
-                                          <p:spTgt spid="5">
-                                            <p:txEl>
-                                              <p:pRg st="5" end="5"/>
-                                            </p:txEl>
-                                          </p:spTgt>
-                                        </p:tgtEl>
-                                        <p:attrNameLst>
-                                          <p:attrName>ppt_y</p:attrName>
-                                        </p:attrNameLst>
-                                      </p:cBhvr>
-                                      <p:tavLst>
-                                        <p:tav tm="0">
-                                          <p:val>
-                                            <p:strVal val="#ppt_y+.1"/>
-                                          </p:val>
-                                        </p:tav>
-                                        <p:tav tm="100000">
-                                          <p:val>
-                                            <p:strVal val="#ppt_y"/>
-                                          </p:val>
-                                        </p:tav>
-                                      </p:tavLst>
-                                    </p:anim>
-                                  </p:childTnLst>
-                                </p:cTn>
-                              </p:par>
-                            </p:childTnLst>
-                          </p:cTn>
-                        </p:par>
-                      </p:childTnLst>
-                    </p:cTn>
-                  </p:par>
-                  <p:par>
-                    <p:cTn id="59" fill="hold">
-                      <p:stCondLst>
-                        <p:cond delay="indefinite"/>
-                      </p:stCondLst>
-                      <p:childTnLst>
-                        <p:par>
-                          <p:cTn id="60" fill="hold">
-                            <p:stCondLst>
-                              <p:cond delay="0"/>
-                            </p:stCondLst>
-                            <p:childTnLst>
-                              <p:par>
-                                <p:cTn id="61" presetID="42" presetClass="entr" presetSubtype="0" fill="hold" nodeType="clickEffect">
-                                  <p:stCondLst>
-                                    <p:cond delay="0"/>
-                                  </p:stCondLst>
-                                  <p:childTnLst>
-                                    <p:set>
-                                      <p:cBhvr>
-                                        <p:cTn id="62" dur="1" fill="hold">
-                                          <p:stCondLst>
-                                            <p:cond delay="0"/>
-                                          </p:stCondLst>
-                                        </p:cTn>
-                                        <p:tgtEl>
-                                          <p:spTgt spid="5">
-                                            <p:txEl>
-                                              <p:pRg st="6" end="6"/>
-                                            </p:txEl>
-                                          </p:spTgt>
-                                        </p:tgtEl>
-                                        <p:attrNameLst>
-                                          <p:attrName>style.visibility</p:attrName>
-                                        </p:attrNameLst>
-                                      </p:cBhvr>
-                                      <p:to>
-                                        <p:strVal val="visible"/>
-                                      </p:to>
-                                    </p:set>
-                                    <p:animEffect transition="in" filter="fade">
-                                      <p:cBhvr>
-                                        <p:cTn id="63" dur="1000"/>
-                                        <p:tgtEl>
-                                          <p:spTgt spid="5">
-                                            <p:txEl>
-                                              <p:pRg st="6" end="6"/>
-                                            </p:txEl>
-                                          </p:spTgt>
-                                        </p:tgtEl>
-                                      </p:cBhvr>
-                                    </p:animEffect>
-                                    <p:anim calcmode="lin" valueType="num">
-                                      <p:cBhvr>
-                                        <p:cTn id="64" dur="1000" fill="hold"/>
-                                        <p:tgtEl>
-                                          <p:spTgt spid="5">
-                                            <p:txEl>
-                                              <p:pRg st="6" end="6"/>
-                                            </p:txEl>
-                                          </p:spTgt>
-                                        </p:tgtEl>
-                                        <p:attrNameLst>
-                                          <p:attrName>ppt_x</p:attrName>
-                                        </p:attrNameLst>
-                                      </p:cBhvr>
-                                      <p:tavLst>
-                                        <p:tav tm="0">
-                                          <p:val>
-                                            <p:strVal val="#ppt_x"/>
-                                          </p:val>
-                                        </p:tav>
-                                        <p:tav tm="100000">
-                                          <p:val>
-                                            <p:strVal val="#ppt_x"/>
-                                          </p:val>
-                                        </p:tav>
-                                      </p:tavLst>
-                                    </p:anim>
-                                    <p:anim calcmode="lin" valueType="num">
-                                      <p:cBhvr>
-                                        <p:cTn id="65" dur="1000" fill="hold"/>
-                                        <p:tgtEl>
-                                          <p:spTgt spid="5">
-                                            <p:txEl>
-                                              <p:pRg st="6" end="6"/>
-                                            </p:txEl>
-                                          </p:spTgt>
-                                        </p:tgtEl>
-                                        <p:attrNameLst>
-                                          <p:attrName>ppt_y</p:attrName>
-                                        </p:attrNameLst>
-                                      </p:cBhvr>
-                                      <p:tavLst>
-                                        <p:tav tm="0">
-                                          <p:val>
-                                            <p:strVal val="#ppt_y+.1"/>
-                                          </p:val>
-                                        </p:tav>
-                                        <p:tav tm="100000">
-                                          <p:val>
-                                            <p:strVal val="#ppt_y"/>
-                                          </p:val>
-                                        </p:tav>
-                                      </p:tavLst>
-                                    </p:anim>
-                                  </p:childTnLst>
-                                </p:cTn>
-                              </p:par>
-                            </p:childTnLst>
-                          </p:cTn>
-                        </p:par>
-                      </p:childTnLst>
-                    </p:cTn>
-                  </p:par>
-                  <p:par>
-                    <p:cTn id="66" fill="hold">
-                      <p:stCondLst>
-                        <p:cond delay="indefinite"/>
-                      </p:stCondLst>
-                      <p:childTnLst>
-                        <p:par>
-                          <p:cTn id="67" fill="hold">
-                            <p:stCondLst>
-                              <p:cond delay="0"/>
-                            </p:stCondLst>
-                            <p:childTnLst>
-                              <p:par>
-                                <p:cTn id="68" presetID="42" presetClass="entr" presetSubtype="0" fill="hold" nodeType="clickEffect">
-                                  <p:stCondLst>
-                                    <p:cond delay="0"/>
-                                  </p:stCondLst>
-                                  <p:childTnLst>
-                                    <p:set>
-                                      <p:cBhvr>
-                                        <p:cTn id="69" dur="1" fill="hold">
-                                          <p:stCondLst>
-                                            <p:cond delay="0"/>
-                                          </p:stCondLst>
-                                        </p:cTn>
-                                        <p:tgtEl>
-                                          <p:spTgt spid="8">
-                                            <p:txEl>
-                                              <p:pRg st="0" end="0"/>
-                                            </p:txEl>
-                                          </p:spTgt>
-                                        </p:tgtEl>
-                                        <p:attrNameLst>
-                                          <p:attrName>style.visibility</p:attrName>
-                                        </p:attrNameLst>
-                                      </p:cBhvr>
-                                      <p:to>
-                                        <p:strVal val="visible"/>
-                                      </p:to>
-                                    </p:set>
-                                    <p:animEffect transition="in" filter="fade">
-                                      <p:cBhvr>
-                                        <p:cTn id="70" dur="1000"/>
-                                        <p:tgtEl>
-                                          <p:spTgt spid="8">
-                                            <p:txEl>
-                                              <p:pRg st="0" end="0"/>
-                                            </p:txEl>
-                                          </p:spTgt>
-                                        </p:tgtEl>
-                                      </p:cBhvr>
-                                    </p:animEffect>
-                                    <p:anim calcmode="lin" valueType="num">
-                                      <p:cBhvr>
-                                        <p:cTn id="71" dur="1000" fill="hold"/>
-                                        <p:tgtEl>
-                                          <p:spTgt spid="8">
-                                            <p:txEl>
-                                              <p:pRg st="0" end="0"/>
-                                            </p:txEl>
-                                          </p:spTgt>
-                                        </p:tgtEl>
-                                        <p:attrNameLst>
-                                          <p:attrName>ppt_x</p:attrName>
-                                        </p:attrNameLst>
-                                      </p:cBhvr>
-                                      <p:tavLst>
-                                        <p:tav tm="0">
-                                          <p:val>
-                                            <p:strVal val="#ppt_x"/>
-                                          </p:val>
-                                        </p:tav>
-                                        <p:tav tm="100000">
-                                          <p:val>
-                                            <p:strVal val="#ppt_x"/>
-                                          </p:val>
-                                        </p:tav>
-                                      </p:tavLst>
-                                    </p:anim>
-                                    <p:anim calcmode="lin" valueType="num">
-                                      <p:cBhvr>
-                                        <p:cTn id="72" dur="1000" fill="hold"/>
-                                        <p:tgtEl>
-                                          <p:spTgt spid="8">
-                                            <p:txEl>
-                                              <p:pRg st="0" end="0"/>
-                                            </p:txEl>
-                                          </p:spTgt>
-                                        </p:tgtEl>
-                                        <p:attrNameLst>
-                                          <p:attrName>ppt_y</p:attrName>
-                                        </p:attrNameLst>
-                                      </p:cBhvr>
-                                      <p:tavLst>
-                                        <p:tav tm="0">
-                                          <p:val>
-                                            <p:strVal val="#ppt_y+.1"/>
-                                          </p:val>
-                                        </p:tav>
-                                        <p:tav tm="100000">
-                                          <p:val>
-                                            <p:strVal val="#ppt_y"/>
-                                          </p:val>
-                                        </p:tav>
-                                      </p:tavLst>
-                                    </p:anim>
-                                  </p:childTnLst>
-                                </p:cTn>
-                              </p:par>
-                            </p:childTnLst>
-                          </p:cTn>
-                        </p:par>
-                      </p:childTnLst>
-                    </p:cTn>
-                  </p:par>
-                  <p:par>
-                    <p:cTn id="73" fill="hold">
-                      <p:stCondLst>
-                        <p:cond delay="indefinite"/>
-                      </p:stCondLst>
-                      <p:childTnLst>
-                        <p:par>
-                          <p:cTn id="74" fill="hold">
-                            <p:stCondLst>
-                              <p:cond delay="0"/>
-                            </p:stCondLst>
-                            <p:childTnLst>
-                              <p:par>
-                                <p:cTn id="75" presetID="42" presetClass="entr" presetSubtype="0" fill="hold" nodeType="clickEffect">
-                                  <p:stCondLst>
-                                    <p:cond delay="0"/>
-                                  </p:stCondLst>
-                                  <p:childTnLst>
-                                    <p:set>
-                                      <p:cBhvr>
-                                        <p:cTn id="76" dur="1" fill="hold">
-                                          <p:stCondLst>
-                                            <p:cond delay="0"/>
-                                          </p:stCondLst>
-                                        </p:cTn>
-                                        <p:tgtEl>
-                                          <p:spTgt spid="8">
-                                            <p:txEl>
-                                              <p:pRg st="1" end="1"/>
-                                            </p:txEl>
-                                          </p:spTgt>
-                                        </p:tgtEl>
-                                        <p:attrNameLst>
-                                          <p:attrName>style.visibility</p:attrName>
-                                        </p:attrNameLst>
-                                      </p:cBhvr>
-                                      <p:to>
-                                        <p:strVal val="visible"/>
-                                      </p:to>
-                                    </p:set>
-                                    <p:animEffect transition="in" filter="fade">
-                                      <p:cBhvr>
-                                        <p:cTn id="77" dur="1000"/>
-                                        <p:tgtEl>
-                                          <p:spTgt spid="8">
-                                            <p:txEl>
-                                              <p:pRg st="1" end="1"/>
-                                            </p:txEl>
-                                          </p:spTgt>
-                                        </p:tgtEl>
-                                      </p:cBhvr>
-                                    </p:animEffect>
-                                    <p:anim calcmode="lin" valueType="num">
-                                      <p:cBhvr>
-                                        <p:cTn id="78" dur="1000" fill="hold"/>
-                                        <p:tgtEl>
-                                          <p:spTgt spid="8">
-                                            <p:txEl>
-                                              <p:pRg st="1" end="1"/>
-                                            </p:txEl>
-                                          </p:spTgt>
-                                        </p:tgtEl>
-                                        <p:attrNameLst>
-                                          <p:attrName>ppt_x</p:attrName>
-                                        </p:attrNameLst>
-                                      </p:cBhvr>
-                                      <p:tavLst>
-                                        <p:tav tm="0">
-                                          <p:val>
-                                            <p:strVal val="#ppt_x"/>
-                                          </p:val>
-                                        </p:tav>
-                                        <p:tav tm="100000">
-                                          <p:val>
-                                            <p:strVal val="#ppt_x"/>
-                                          </p:val>
-                                        </p:tav>
-                                      </p:tavLst>
-                                    </p:anim>
-                                    <p:anim calcmode="lin" valueType="num">
-                                      <p:cBhvr>
-                                        <p:cTn id="79" dur="1000" fill="hold"/>
-                                        <p:tgtEl>
-                                          <p:spTgt spid="8">
-                                            <p:txEl>
-                                              <p:pRg st="1" end="1"/>
-                                            </p:txEl>
-                                          </p:spTgt>
-                                        </p:tgtEl>
-                                        <p:attrNameLst>
-                                          <p:attrName>ppt_y</p:attrName>
-                                        </p:attrNameLst>
-                                      </p:cBhvr>
-                                      <p:tavLst>
-                                        <p:tav tm="0">
-                                          <p:val>
-                                            <p:strVal val="#ppt_y+.1"/>
-                                          </p:val>
-                                        </p:tav>
-                                        <p:tav tm="100000">
-                                          <p:val>
-                                            <p:strVal val="#ppt_y"/>
-                                          </p:val>
-                                        </p:tav>
-                                      </p:tavLst>
-                                    </p:anim>
-                                  </p:childTnLst>
-                                </p:cTn>
-                              </p:par>
-                            </p:childTnLst>
-                          </p:cTn>
-                        </p:par>
-                      </p:childTnLst>
-                    </p:cTn>
-                  </p:par>
-                  <p:par>
-                    <p:cTn id="80" fill="hold">
-                      <p:stCondLst>
-                        <p:cond delay="indefinite"/>
-                      </p:stCondLst>
-                      <p:childTnLst>
-                        <p:par>
-                          <p:cTn id="81" fill="hold">
-                            <p:stCondLst>
-                              <p:cond delay="0"/>
-                            </p:stCondLst>
-                            <p:childTnLst>
-                              <p:par>
-                                <p:cTn id="82" presetID="42" presetClass="entr" presetSubtype="0" fill="hold" nodeType="clickEffect">
-                                  <p:stCondLst>
-                                    <p:cond delay="0"/>
-                                  </p:stCondLst>
-                                  <p:childTnLst>
-                                    <p:set>
-                                      <p:cBhvr>
-                                        <p:cTn id="83" dur="1" fill="hold">
-                                          <p:stCondLst>
-                                            <p:cond delay="0"/>
-                                          </p:stCondLst>
-                                        </p:cTn>
-                                        <p:tgtEl>
-                                          <p:spTgt spid="8">
-                                            <p:txEl>
-                                              <p:pRg st="2" end="2"/>
-                                            </p:txEl>
-                                          </p:spTgt>
-                                        </p:tgtEl>
-                                        <p:attrNameLst>
-                                          <p:attrName>style.visibility</p:attrName>
-                                        </p:attrNameLst>
-                                      </p:cBhvr>
-                                      <p:to>
-                                        <p:strVal val="visible"/>
-                                      </p:to>
-                                    </p:set>
-                                    <p:animEffect transition="in" filter="fade">
-                                      <p:cBhvr>
-                                        <p:cTn id="84" dur="1000"/>
-                                        <p:tgtEl>
-                                          <p:spTgt spid="8">
-                                            <p:txEl>
-                                              <p:pRg st="2" end="2"/>
-                                            </p:txEl>
-                                          </p:spTgt>
-                                        </p:tgtEl>
-                                      </p:cBhvr>
-                                    </p:animEffect>
-                                    <p:anim calcmode="lin" valueType="num">
-                                      <p:cBhvr>
-                                        <p:cTn id="85" dur="1000" fill="hold"/>
-                                        <p:tgtEl>
-                                          <p:spTgt spid="8">
-                                            <p:txEl>
-                                              <p:pRg st="2" end="2"/>
-                                            </p:txEl>
-                                          </p:spTgt>
-                                        </p:tgtEl>
-                                        <p:attrNameLst>
-                                          <p:attrName>ppt_x</p:attrName>
-                                        </p:attrNameLst>
-                                      </p:cBhvr>
-                                      <p:tavLst>
-                                        <p:tav tm="0">
-                                          <p:val>
-                                            <p:strVal val="#ppt_x"/>
-                                          </p:val>
-                                        </p:tav>
-                                        <p:tav tm="100000">
-                                          <p:val>
-                                            <p:strVal val="#ppt_x"/>
-                                          </p:val>
-                                        </p:tav>
-                                      </p:tavLst>
-                                    </p:anim>
-                                    <p:anim calcmode="lin" valueType="num">
-                                      <p:cBhvr>
-                                        <p:cTn id="86" dur="1000" fill="hold"/>
-                                        <p:tgtEl>
-                                          <p:spTgt spid="8">
-                                            <p:txEl>
-                                              <p:pRg st="2" end="2"/>
-                                            </p:txEl>
-                                          </p:spTgt>
-                                        </p:tgtEl>
-                                        <p:attrNameLst>
-                                          <p:attrName>ppt_y</p:attrName>
-                                        </p:attrNameLst>
-                                      </p:cBhvr>
-                                      <p:tavLst>
-                                        <p:tav tm="0">
-                                          <p:val>
-                                            <p:strVal val="#ppt_y+.1"/>
-                                          </p:val>
-                                        </p:tav>
-                                        <p:tav tm="100000">
-                                          <p:val>
-                                            <p:strVal val="#ppt_y"/>
-                                          </p:val>
-                                        </p:tav>
-                                      </p:tavLst>
-                                    </p:anim>
-                                  </p:childTnLst>
-                                </p:cTn>
-                              </p:par>
-                            </p:childTnLst>
-                          </p:cTn>
-                        </p:par>
-                      </p:childTnLst>
-                    </p:cTn>
-                  </p:par>
-                  <p:par>
-                    <p:cTn id="87" fill="hold">
-                      <p:stCondLst>
-                        <p:cond delay="indefinite"/>
-                      </p:stCondLst>
-                      <p:childTnLst>
-                        <p:par>
-                          <p:cTn id="88" fill="hold">
-                            <p:stCondLst>
-                              <p:cond delay="0"/>
-                            </p:stCondLst>
-                            <p:childTnLst>
-                              <p:par>
-                                <p:cTn id="89" presetID="42" presetClass="entr" presetSubtype="0" fill="hold" nodeType="clickEffect">
-                                  <p:stCondLst>
-                                    <p:cond delay="0"/>
-                                  </p:stCondLst>
-                                  <p:childTnLst>
-                                    <p:set>
-                                      <p:cBhvr>
-                                        <p:cTn id="90" dur="1" fill="hold">
-                                          <p:stCondLst>
-                                            <p:cond delay="0"/>
-                                          </p:stCondLst>
-                                        </p:cTn>
-                                        <p:tgtEl>
-                                          <p:spTgt spid="8">
-                                            <p:txEl>
-                                              <p:pRg st="3" end="3"/>
-                                            </p:txEl>
-                                          </p:spTgt>
-                                        </p:tgtEl>
-                                        <p:attrNameLst>
-                                          <p:attrName>style.visibility</p:attrName>
-                                        </p:attrNameLst>
-                                      </p:cBhvr>
-                                      <p:to>
-                                        <p:strVal val="visible"/>
-                                      </p:to>
-                                    </p:set>
-                                    <p:animEffect transition="in" filter="fade">
-                                      <p:cBhvr>
-                                        <p:cTn id="91" dur="1000"/>
-                                        <p:tgtEl>
-                                          <p:spTgt spid="8">
-                                            <p:txEl>
-                                              <p:pRg st="3" end="3"/>
-                                            </p:txEl>
-                                          </p:spTgt>
-                                        </p:tgtEl>
-                                      </p:cBhvr>
-                                    </p:animEffect>
-                                    <p:anim calcmode="lin" valueType="num">
-                                      <p:cBhvr>
-                                        <p:cTn id="92" dur="1000" fill="hold"/>
-                                        <p:tgtEl>
-                                          <p:spTgt spid="8">
-                                            <p:txEl>
-                                              <p:pRg st="3" end="3"/>
-                                            </p:txEl>
-                                          </p:spTgt>
-                                        </p:tgtEl>
-                                        <p:attrNameLst>
-                                          <p:attrName>ppt_x</p:attrName>
-                                        </p:attrNameLst>
-                                      </p:cBhvr>
-                                      <p:tavLst>
-                                        <p:tav tm="0">
-                                          <p:val>
-                                            <p:strVal val="#ppt_x"/>
-                                          </p:val>
-                                        </p:tav>
-                                        <p:tav tm="100000">
-                                          <p:val>
-                                            <p:strVal val="#ppt_x"/>
-                                          </p:val>
-                                        </p:tav>
-                                      </p:tavLst>
-                                    </p:anim>
-                                    <p:anim calcmode="lin" valueType="num">
-                                      <p:cBhvr>
-                                        <p:cTn id="93" dur="1000" fill="hold"/>
-                                        <p:tgtEl>
-                                          <p:spTgt spid="8">
-                                            <p:txEl>
-                                              <p:pRg st="3" end="3"/>
-                                            </p:txEl>
-                                          </p:spTgt>
+                                          <p:spTgt spid="8"/>
                                         </p:tgtEl>
                                         <p:attrNameLst>
                                           <p:attrName>ppt_y</p:attrName>
@@ -11117,6 +10148,9 @@
     </p:tnLst>
     <p:bldLst>
       <p:bldP spid="4" grpId="0" build="p"/>
+      <p:bldP spid="5" grpId="0"/>
+      <p:bldP spid="8" grpId="0"/>
+      <p:bldP spid="2" grpId="0"/>
     </p:bldLst>
   </p:timing>
 </p:sld>
@@ -11274,7 +10308,7 @@
           <a:p>
             <a:pPr algn="l"/>
             <a:r>
-              <a:rPr lang="en-IN" sz="4999" b="1" dirty="0">
+              <a:rPr lang="en-IN" sz="4400" b="1" dirty="0">
                 <a:solidFill>
                   <a:srgbClr val="FFFF00"/>
                 </a:solidFill>
@@ -11497,7 +10531,7 @@
         <p:spPr>
           <a:xfrm>
             <a:off x="442479" y="2685577"/>
-            <a:ext cx="4839786" cy="461665"/>
+            <a:ext cx="4127027" cy="461665"/>
           </a:xfrm>
           <a:prstGeom prst="rect">
             <a:avLst/>
@@ -11618,7 +10652,7 @@
         </p:nvSpPr>
         <p:spPr>
           <a:xfrm>
-            <a:off x="531812" y="4584201"/>
+            <a:off x="442479" y="4568298"/>
             <a:ext cx="5486400" cy="461665"/>
           </a:xfrm>
           <a:prstGeom prst="rect">
@@ -11647,7 +10681,7 @@
         </p:nvSpPr>
         <p:spPr>
           <a:xfrm>
-            <a:off x="531812" y="5045866"/>
+            <a:off x="442479" y="5029963"/>
             <a:ext cx="7115030" cy="1015663"/>
           </a:xfrm>
           <a:prstGeom prst="rect">
@@ -12542,7 +11576,7 @@
           <a:p>
             <a:pPr algn="l"/>
             <a:r>
-              <a:rPr lang="en-IN" sz="4999" b="1" dirty="0">
+              <a:rPr lang="en-IN" sz="4400" b="1" dirty="0">
                 <a:solidFill>
                   <a:srgbClr val="FFFF00"/>
                 </a:solidFill>
@@ -12561,7 +11595,7 @@
         </p:nvSpPr>
         <p:spPr>
           <a:xfrm>
-            <a:off x="393561" y="1462009"/>
+            <a:off x="393561" y="1708252"/>
             <a:ext cx="5779146" cy="461665"/>
           </a:xfrm>
           <a:prstGeom prst="rect">
@@ -12647,7 +11681,7 @@
         <p:spPr>
           <a:xfrm>
             <a:off x="550878" y="2315962"/>
-            <a:ext cx="3432414" cy="4278094"/>
+            <a:ext cx="2955617" cy="2862322"/>
           </a:xfrm>
           <a:prstGeom prst="rect">
             <a:avLst/>
@@ -12665,7 +11699,7 @@
               <a:buChar char="•"/>
             </a:pPr>
             <a:r>
-              <a:rPr lang="en-US" dirty="0"/>
+              <a:rPr lang="en-US" sz="2000" dirty="0"/>
               <a:t>UPC CODE</a:t>
             </a:r>
           </a:p>
@@ -12675,7 +11709,7 @@
               <a:buChar char="•"/>
             </a:pPr>
             <a:r>
-              <a:rPr lang="en-US" dirty="0"/>
+              <a:rPr lang="en-US" sz="2000" dirty="0"/>
               <a:t>EAN CODE</a:t>
             </a:r>
           </a:p>
@@ -12685,7 +11719,7 @@
               <a:buChar char="•"/>
             </a:pPr>
             <a:r>
-              <a:rPr lang="en-US" dirty="0"/>
+              <a:rPr lang="en-US" sz="2000" dirty="0"/>
               <a:t>CODE 39</a:t>
             </a:r>
           </a:p>
@@ -12695,7 +11729,7 @@
               <a:buChar char="•"/>
             </a:pPr>
             <a:r>
-              <a:rPr lang="en-US" dirty="0"/>
+              <a:rPr lang="en-US" sz="2000" dirty="0"/>
               <a:t>CODE 128</a:t>
             </a:r>
           </a:p>
@@ -12705,7 +11739,7 @@
               <a:buChar char="•"/>
             </a:pPr>
             <a:r>
-              <a:rPr lang="en-US" dirty="0"/>
+              <a:rPr lang="en-US" sz="2000" dirty="0"/>
               <a:t>ITF (Interleaved 2 OF 5)</a:t>
             </a:r>
           </a:p>
@@ -12715,7 +11749,7 @@
               <a:buChar char="•"/>
             </a:pPr>
             <a:r>
-              <a:rPr lang="en-US" dirty="0"/>
+              <a:rPr lang="en-US" sz="2000" dirty="0"/>
               <a:t>CODE 93</a:t>
             </a:r>
           </a:p>
@@ -12725,7 +11759,7 @@
               <a:buChar char="•"/>
             </a:pPr>
             <a:r>
-              <a:rPr lang="en-US" dirty="0"/>
+              <a:rPr lang="en-US" sz="2000" dirty="0"/>
               <a:t>CODABAR</a:t>
             </a:r>
           </a:p>
@@ -12735,7 +11769,7 @@
               <a:buChar char="•"/>
             </a:pPr>
             <a:r>
-              <a:rPr lang="en-US" dirty="0"/>
+              <a:rPr lang="en-US" sz="2000" dirty="0"/>
               <a:t>GS1 DATABAR</a:t>
             </a:r>
           </a:p>
@@ -12745,23 +11779,9 @@
               <a:buChar char="•"/>
             </a:pPr>
             <a:r>
-              <a:rPr lang="en-US" dirty="0"/>
+              <a:rPr lang="en-US" sz="2000" dirty="0"/>
               <a:t>MSI PLESSEY</a:t>
             </a:r>
-          </a:p>
-          <a:p>
-            <a:pPr marL="342900" indent="-342900">
-              <a:buFont typeface="Arial" panose="020B0604020202020204" pitchFamily="34" charset="0"/>
-              <a:buChar char="•"/>
-            </a:pPr>
-            <a:endParaRPr lang="en-US" sz="2800" dirty="0"/>
-          </a:p>
-          <a:p>
-            <a:pPr marL="342900" indent="-342900">
-              <a:buFont typeface="Arial" panose="020B0604020202020204" pitchFamily="34" charset="0"/>
-              <a:buChar char="•"/>
-            </a:pPr>
-            <a:endParaRPr lang="en-US" sz="2800" dirty="0"/>
           </a:p>
         </p:txBody>
       </p:sp>
@@ -15009,7 +14029,7 @@
           <a:p>
             <a:pPr algn="l"/>
             <a:r>
-              <a:rPr lang="en-IN" sz="4999" b="1" dirty="0">
+              <a:rPr lang="en-IN" sz="4400" b="1" dirty="0">
                 <a:solidFill>
                   <a:srgbClr val="FFFF00"/>
                 </a:solidFill>
@@ -16359,7 +15379,7 @@
           <a:p>
             <a:pPr algn="l"/>
             <a:r>
-              <a:rPr lang="en-IN" sz="4999" b="1" dirty="0">
+              <a:rPr lang="en-IN" sz="4400" b="1" dirty="0">
                 <a:solidFill>
                   <a:srgbClr val="FFFF00"/>
                 </a:solidFill>
@@ -16379,7 +15399,7 @@
         <p:spPr>
           <a:xfrm>
             <a:off x="379412" y="1493966"/>
-            <a:ext cx="3854838" cy="400110"/>
+            <a:ext cx="4585743" cy="461665"/>
           </a:xfrm>
           <a:prstGeom prst="rect">
             <a:avLst/>
@@ -16392,7 +15412,7 @@
           <a:lstStyle/>
           <a:p>
             <a:r>
-              <a:rPr lang="en-US" sz="2000" b="1" dirty="0"/>
+              <a:rPr lang="en-US" b="1" dirty="0"/>
               <a:t>How to generate/read QR Barcode</a:t>
             </a:r>
           </a:p>
@@ -16406,7 +15426,7 @@
         </p:nvSpPr>
         <p:spPr>
           <a:xfrm>
-            <a:off x="375515" y="1894076"/>
+            <a:off x="379412" y="1955631"/>
             <a:ext cx="10982522" cy="1323439"/>
           </a:xfrm>
           <a:prstGeom prst="rect">
@@ -17231,7 +16251,7 @@
           <a:p>
             <a:pPr algn="l"/>
             <a:r>
-              <a:rPr lang="en-IN" sz="4999" b="1" dirty="0">
+              <a:rPr lang="en-IN" sz="4400" b="1" dirty="0">
                 <a:solidFill>
                   <a:srgbClr val="FFFF00"/>
                 </a:solidFill>
@@ -17617,8 +16637,8 @@
         </p:nvSpPr>
         <p:spPr>
           <a:xfrm>
-            <a:off x="282301" y="1456750"/>
-            <a:ext cx="4341253" cy="400110"/>
+            <a:off x="303212" y="1511366"/>
+            <a:ext cx="4454553" cy="461665"/>
           </a:xfrm>
           <a:prstGeom prst="rect">
             <a:avLst/>
@@ -17631,7 +16651,7 @@
           <a:lstStyle/>
           <a:p>
             <a:r>
-              <a:rPr lang="en-US" sz="2000" b="1" dirty="0"/>
+              <a:rPr lang="en-US" b="1" dirty="0"/>
               <a:t>How to generate PDF417 Barcode</a:t>
             </a:r>
           </a:p>
@@ -18057,7 +17077,7 @@
           <a:p>
             <a:pPr algn="l"/>
             <a:r>
-              <a:rPr lang="en-IN" sz="4999" b="1" dirty="0">
+              <a:rPr lang="en-IN" sz="4400" b="1" dirty="0">
                 <a:solidFill>
                   <a:srgbClr val="FFFF00"/>
                 </a:solidFill>
@@ -18077,7 +17097,7 @@
         <p:spPr>
           <a:xfrm>
             <a:off x="379412" y="1579538"/>
-            <a:ext cx="2541080" cy="461665"/>
+            <a:ext cx="2753574" cy="523220"/>
           </a:xfrm>
           <a:prstGeom prst="rect">
             <a:avLst/>
@@ -18090,14 +17110,18 @@
           <a:lstStyle/>
           <a:p>
             <a:r>
-              <a:rPr lang="en-US" sz="2000" b="1" dirty="0"/>
-              <a:t>Projected </a:t>
+              <a:rPr lang="en-US" sz="2800" b="1" dirty="0"/>
+              <a:t>Projected</a:t>
             </a:r>
             <a:r>
               <a:rPr lang="en-US" b="1" dirty="0"/>
+              <a:t> </a:t>
+            </a:r>
+            <a:r>
+              <a:rPr lang="en-US" sz="2800" b="1" dirty="0"/>
               <a:t>subject</a:t>
             </a:r>
-            <a:endParaRPr lang="en-US" sz="2000" b="1" dirty="0"/>
+            <a:endParaRPr lang="en-US" b="1" dirty="0"/>
           </a:p>
         </p:txBody>
       </p:sp>
@@ -18837,7 +17861,7 @@
           <a:p>
             <a:pPr algn="l"/>
             <a:r>
-              <a:rPr lang="en-IN" sz="4999" b="1" dirty="0">
+              <a:rPr lang="en-IN" sz="4400" b="1" dirty="0">
                 <a:solidFill>
                   <a:srgbClr val="FFFF00"/>
                 </a:solidFill>
@@ -18857,7 +17881,7 @@
         <p:spPr>
           <a:xfrm>
             <a:off x="455612" y="1548733"/>
-            <a:ext cx="2514600" cy="406898"/>
+            <a:ext cx="3429000" cy="461665"/>
           </a:xfrm>
           <a:prstGeom prst="rect">
             <a:avLst/>
@@ -18870,7 +17894,7 @@
           <a:lstStyle/>
           <a:p>
             <a:r>
-              <a:rPr lang="en-US" sz="2000" b="1" dirty="0"/>
+              <a:rPr lang="en-US" b="1" dirty="0"/>
               <a:t>Custom Properties</a:t>
             </a:r>
           </a:p>
@@ -20424,7 +19448,7 @@
         <p:spPr>
           <a:xfrm>
             <a:off x="455612" y="2660126"/>
-            <a:ext cx="2514600" cy="523220"/>
+            <a:ext cx="2514600" cy="461665"/>
           </a:xfrm>
           <a:prstGeom prst="rect">
             <a:avLst/>
@@ -20437,7 +19461,7 @@
           <a:lstStyle/>
           <a:p>
             <a:r>
-              <a:rPr lang="en-US" sz="2800" b="1" dirty="0"/>
+              <a:rPr lang="en-US" b="1" dirty="0"/>
               <a:t>Resources</a:t>
             </a:r>
             <a:endParaRPr lang="en-US" sz="2000" b="1" dirty="0"/>
@@ -20514,34 +19538,34 @@
         </p:nvSpPr>
         <p:spPr>
           <a:xfrm>
-            <a:off x="455612" y="5004871"/>
-            <a:ext cx="6092825" cy="892552"/>
+            <a:off x="455613" y="5004871"/>
+            <a:ext cx="4724400" cy="769441"/>
           </a:xfrm>
           <a:prstGeom prst="rect">
             <a:avLst/>
           </a:prstGeom>
         </p:spPr>
         <p:txBody>
-          <a:bodyPr>
+          <a:bodyPr wrap="square">
             <a:spAutoFit/>
           </a:bodyPr>
           <a:lstStyle/>
           <a:p>
             <a:r>
-              <a:rPr lang="en-US" sz="2800" b="1" dirty="0"/>
+              <a:rPr lang="en-US" b="1" dirty="0"/>
               <a:t>Source Code</a:t>
             </a:r>
             <a:r>
-              <a:rPr lang="en-US" dirty="0"/>
+              <a:rPr lang="en-US" sz="2000" dirty="0"/>
               <a:t> </a:t>
             </a:r>
             <a:r>
-              <a:rPr lang="en-US" dirty="0">
+              <a:rPr lang="en-US" sz="2000" dirty="0">
                 <a:hlinkClick r:id="rId5"/>
               </a:rPr>
               <a:t>https://github.com/cfclick/CFSummit2016</a:t>
             </a:r>
-            <a:endParaRPr lang="en-US" dirty="0"/>
+            <a:endParaRPr lang="en-US" sz="2000" dirty="0"/>
           </a:p>
         </p:txBody>
       </p:sp>
@@ -20847,7 +19871,7 @@
           <a:p>
             <a:pPr algn="l"/>
             <a:r>
-              <a:rPr lang="en-IN" sz="4999" b="1" dirty="0">
+              <a:rPr lang="en-IN" sz="4400" b="1" dirty="0">
                 <a:solidFill>
                   <a:srgbClr val="FFFF00"/>
                 </a:solidFill>
@@ -20901,7 +19925,9 @@
           <a:p>
             <a:pPr algn="l"/>
             <a:r>
-              <a:rPr lang="en-US" sz="3600" b="1" dirty="0"/>
+              <a:rPr lang="en-US" sz="2400" b="1" dirty="0">
+                <a:latin typeface="+mn-lt"/>
+              </a:rPr>
               <a:t>What is PDF</a:t>
             </a:r>
           </a:p>
@@ -21072,7 +20098,9 @@
           </a:lstStyle>
           <a:p>
             <a:r>
-              <a:rPr lang="en-US" sz="3600" b="1" dirty="0"/>
+              <a:rPr lang="en-US" sz="2400" b="1" dirty="0">
+                <a:latin typeface="+mn-lt"/>
+              </a:rPr>
               <a:t>Some Facts About PDF</a:t>
             </a:r>
           </a:p>
@@ -22185,7 +21213,7 @@
           <a:p>
             <a:pPr algn="l"/>
             <a:r>
-              <a:rPr lang="en-IN" sz="4999" b="1" dirty="0">
+              <a:rPr lang="en-IN" sz="4400" b="1" dirty="0">
                 <a:solidFill>
                   <a:srgbClr val="FFFF00"/>
                 </a:solidFill>
@@ -22206,8 +21234,8 @@
         </p:nvSpPr>
         <p:spPr>
           <a:xfrm>
-            <a:off x="608012" y="2438400"/>
-            <a:ext cx="6172200" cy="3733800"/>
+            <a:off x="608012" y="2667000"/>
+            <a:ext cx="6172200" cy="2895600"/>
           </a:xfrm>
           <a:prstGeom prst="rect">
             <a:avLst/>
@@ -22387,7 +21415,7 @@
               <a:buChar char="•"/>
             </a:pPr>
             <a:r>
-              <a:rPr lang="en-US" sz="2400" dirty="0"/>
+              <a:rPr lang="en-US" sz="2000" dirty="0"/>
               <a:t>In 1991, Adobe cofounder Dr. John Warnock launched the paper-to-digital revolution with an idea he called The Camelot Project. </a:t>
             </a:r>
           </a:p>
@@ -22397,7 +21425,7 @@
               <a:buChar char="•"/>
             </a:pPr>
             <a:r>
-              <a:rPr lang="en-US" sz="2400" dirty="0"/>
+              <a:rPr lang="en-US" sz="2000" dirty="0"/>
               <a:t>By 1992, Camelot had developed into PDF. Today, it is the format trusted by businesses around the world.</a:t>
             </a:r>
           </a:p>
@@ -22407,10 +21435,10 @@
               <a:buChar char="•"/>
             </a:pPr>
             <a:r>
-              <a:rPr lang="en-US" sz="2400" dirty="0"/>
+              <a:rPr lang="en-US" sz="2000" dirty="0"/>
               <a:t>Today, Warnock's vision is alive, well, and evolving. Adobe PDFs preserve all the data in the original file - even when text, graphics, spreadsheets, and more</a:t>
             </a:r>
-            <a:endParaRPr lang="en-US" sz="2000" dirty="0"/>
+            <a:endParaRPr lang="en-US" sz="1800" dirty="0"/>
           </a:p>
         </p:txBody>
       </p:sp>
@@ -23017,7 +22045,7 @@
           <a:p>
             <a:pPr algn="l"/>
             <a:r>
-              <a:rPr lang="en-IN" sz="4999" b="1" dirty="0">
+              <a:rPr lang="en-IN" sz="4400" b="1" dirty="0">
                 <a:solidFill>
                   <a:srgbClr val="FFFF00"/>
                 </a:solidFill>
@@ -23039,7 +22067,7 @@
         <p:spPr>
           <a:xfrm>
             <a:off x="1141412" y="2743200"/>
-            <a:ext cx="6781800" cy="2870200"/>
+            <a:ext cx="6781800" cy="1752600"/>
           </a:xfrm>
           <a:prstGeom prst="rect">
             <a:avLst/>
@@ -23219,7 +22247,7 @@
               <a:buChar char="•"/>
             </a:pPr>
             <a:r>
-              <a:rPr lang="en-US" sz="2400" dirty="0"/>
+              <a:rPr lang="en-US" sz="2000" dirty="0"/>
               <a:t>Password protect your PDF </a:t>
             </a:r>
           </a:p>
@@ -23229,7 +22257,7 @@
               <a:buChar char="•"/>
             </a:pPr>
             <a:r>
-              <a:rPr lang="en-US" sz="2400" dirty="0"/>
+              <a:rPr lang="en-US" sz="2000" dirty="0"/>
               <a:t>Redact sensitive information</a:t>
             </a:r>
           </a:p>
@@ -23239,7 +22267,7 @@
               <a:buChar char="•"/>
             </a:pPr>
             <a:r>
-              <a:rPr lang="en-US" sz="2400" dirty="0"/>
+              <a:rPr lang="en-US" sz="2000" dirty="0"/>
               <a:t>Sanitization—Remove hidden data from PDF</a:t>
             </a:r>
           </a:p>
@@ -23249,10 +22277,10 @@
               <a:buChar char="•"/>
             </a:pPr>
             <a:r>
-              <a:rPr lang="en-US" sz="2400" dirty="0"/>
+              <a:rPr lang="en-US" sz="2000" dirty="0"/>
               <a:t>Digitally sign the PDF using private/public key pair </a:t>
             </a:r>
-            <a:endParaRPr lang="en-US" sz="2000" dirty="0"/>
+            <a:endParaRPr lang="en-US" sz="1800" dirty="0"/>
           </a:p>
         </p:txBody>
       </p:sp>
@@ -23948,7 +22976,7 @@
           <a:p>
             <a:pPr algn="l"/>
             <a:r>
-              <a:rPr lang="en-IN" sz="4999" b="1" dirty="0">
+              <a:rPr lang="en-IN" sz="4400" b="1" dirty="0">
                 <a:solidFill>
                   <a:srgbClr val="FFFF00"/>
                 </a:solidFill>
@@ -23969,8 +22997,8 @@
         </p:nvSpPr>
         <p:spPr>
           <a:xfrm>
-            <a:off x="671945" y="2036183"/>
-            <a:ext cx="5891504" cy="3708400"/>
+            <a:off x="698933" y="2590800"/>
+            <a:ext cx="5891504" cy="2810883"/>
           </a:xfrm>
           <a:prstGeom prst="rect">
             <a:avLst/>
@@ -24150,7 +23178,7 @@
               <a:buChar char="•"/>
             </a:pPr>
             <a:r>
-              <a:rPr lang="en-US" sz="2400" dirty="0"/>
+              <a:rPr lang="en-US" sz="2000" dirty="0"/>
               <a:t>If you can share &amp; reduce physical occupation of 1000 books to 1000 digital files resting in your lap. </a:t>
             </a:r>
           </a:p>
@@ -24160,7 +23188,7 @@
               <a:buChar char="•"/>
             </a:pPr>
             <a:r>
-              <a:rPr lang="en-US" sz="2400" dirty="0"/>
+              <a:rPr lang="en-US" sz="2000" dirty="0"/>
               <a:t>If you can search for files, pages within seconds.</a:t>
             </a:r>
           </a:p>
@@ -24170,7 +23198,7 @@
               <a:buChar char="•"/>
             </a:pPr>
             <a:r>
-              <a:rPr lang="en-US" sz="2400" dirty="0"/>
+              <a:rPr lang="en-US" sz="2000" dirty="0"/>
               <a:t>If you can sign, edit, comment, stamp PDF.</a:t>
             </a:r>
           </a:p>
@@ -24180,7 +23208,7 @@
               <a:buChar char="•"/>
             </a:pPr>
             <a:r>
-              <a:rPr lang="en-US" sz="2400" dirty="0"/>
+              <a:rPr lang="en-US" sz="2000" dirty="0"/>
               <a:t>If you can secure a PDF.</a:t>
             </a:r>
           </a:p>
@@ -24190,7 +23218,7 @@
               <a:buChar char="•"/>
             </a:pPr>
             <a:r>
-              <a:rPr lang="en-US" sz="2400" dirty="0"/>
+              <a:rPr lang="en-US" sz="2000" dirty="0"/>
               <a:t>If all above can be done by a PDF, shouldn’t we call it SMART?</a:t>
             </a:r>
           </a:p>
@@ -26034,7 +25062,7 @@
           <a:p>
             <a:pPr algn="l"/>
             <a:r>
-              <a:rPr lang="en-IN" sz="4999" b="1" dirty="0">
+              <a:rPr lang="en-IN" sz="4000" b="1" dirty="0">
                 <a:solidFill>
                   <a:srgbClr val="FFFF00"/>
                 </a:solidFill>

--- a/powerpoint/SmartPDF/Don't Just PDF.pptx
+++ b/powerpoint/SmartPDF/Don't Just PDF.pptx
@@ -7624,6 +7624,18 @@
   <p:clrMapOvr>
     <a:masterClrMapping/>
   </p:clrMapOvr>
+  <mc:AlternateContent xmlns:mc="http://schemas.openxmlformats.org/markup-compatibility/2006">
+    <mc:Choice xmlns:p15="http://schemas.microsoft.com/office/powerpoint/2012/main" Requires="p15">
+      <p:transition xmlns:p14="http://schemas.microsoft.com/office/powerpoint/2010/main" spd="slow" p14:dur="2000">
+        <p15:prstTrans prst="fallOver"/>
+      </p:transition>
+    </mc:Choice>
+    <mc:Fallback>
+      <p:transition spd="slow">
+        <p:fade/>
+      </p:transition>
+    </mc:Fallback>
+  </mc:AlternateContent>
   <p:timing>
     <p:tnLst>
       <p:par>
@@ -8518,6 +8530,18 @@
   <p:clrMapOvr>
     <a:masterClrMapping/>
   </p:clrMapOvr>
+  <mc:AlternateContent xmlns:mc="http://schemas.openxmlformats.org/markup-compatibility/2006">
+    <mc:Choice xmlns:p15="http://schemas.microsoft.com/office/powerpoint/2012/main" Requires="p15">
+      <p:transition xmlns:p14="http://schemas.microsoft.com/office/powerpoint/2010/main" spd="slow" p14:dur="2000">
+        <p15:prstTrans prst="fallOver"/>
+      </p:transition>
+    </mc:Choice>
+    <mc:Fallback>
+      <p:transition spd="slow">
+        <p:fade/>
+      </p:transition>
+    </mc:Fallback>
+  </mc:AlternateContent>
   <p:timing>
     <p:tnLst>
       <p:par>
@@ -9064,6 +9088,18 @@
   <p:clrMapOvr>
     <a:masterClrMapping/>
   </p:clrMapOvr>
+  <mc:AlternateContent xmlns:mc="http://schemas.openxmlformats.org/markup-compatibility/2006">
+    <mc:Choice xmlns:p15="http://schemas.microsoft.com/office/powerpoint/2012/main" Requires="p15">
+      <p:transition xmlns:p14="http://schemas.microsoft.com/office/powerpoint/2010/main" spd="slow" p14:dur="2000">
+        <p15:prstTrans prst="fallOver"/>
+      </p:transition>
+    </mc:Choice>
+    <mc:Fallback>
+      <p:transition spd="slow">
+        <p:fade/>
+      </p:transition>
+    </mc:Fallback>
+  </mc:AlternateContent>
 </p:sld>
 </file>
 
@@ -9606,6 +9642,18 @@
   <p:clrMapOvr>
     <a:masterClrMapping/>
   </p:clrMapOvr>
+  <mc:AlternateContent xmlns:mc="http://schemas.openxmlformats.org/markup-compatibility/2006">
+    <mc:Choice xmlns:p15="http://schemas.microsoft.com/office/powerpoint/2012/main" Requires="p15">
+      <p:transition xmlns:p14="http://schemas.microsoft.com/office/powerpoint/2010/main" spd="slow" p14:dur="2000">
+        <p15:prstTrans prst="fallOver"/>
+      </p:transition>
+    </mc:Choice>
+    <mc:Fallback>
+      <p:transition spd="slow">
+        <p:fade/>
+      </p:transition>
+    </mc:Fallback>
+  </mc:AlternateContent>
   <p:timing>
     <p:tnLst>
       <p:par>
@@ -10245,6 +10293,18 @@
   <p:clrMapOvr>
     <a:masterClrMapping/>
   </p:clrMapOvr>
+  <mc:AlternateContent xmlns:mc="http://schemas.openxmlformats.org/markup-compatibility/2006">
+    <mc:Choice xmlns:p15="http://schemas.microsoft.com/office/powerpoint/2012/main" Requires="p15">
+      <p:transition xmlns:p14="http://schemas.microsoft.com/office/powerpoint/2010/main" spd="slow" p14:dur="2000">
+        <p15:prstTrans prst="fallOver"/>
+      </p:transition>
+    </mc:Choice>
+    <mc:Fallback>
+      <p:transition spd="slow">
+        <p:fade/>
+      </p:transition>
+    </mc:Fallback>
+  </mc:AlternateContent>
 </p:sld>
 </file>
 
@@ -10768,6 +10828,18 @@
   <p:clrMapOvr>
     <a:masterClrMapping/>
   </p:clrMapOvr>
+  <mc:AlternateContent xmlns:mc="http://schemas.openxmlformats.org/markup-compatibility/2006">
+    <mc:Choice xmlns:p15="http://schemas.microsoft.com/office/powerpoint/2012/main" Requires="p15">
+      <p:transition xmlns:p14="http://schemas.microsoft.com/office/powerpoint/2010/main" spd="slow" p14:dur="2000">
+        <p15:prstTrans prst="fallOver"/>
+      </p:transition>
+    </mc:Choice>
+    <mc:Fallback>
+      <p:transition spd="slow">
+        <p:fade/>
+      </p:transition>
+    </mc:Fallback>
+  </mc:AlternateContent>
   <p:timing>
     <p:tnLst>
       <p:par>
@@ -12075,6 +12147,18 @@
   <p:clrMapOvr>
     <a:masterClrMapping/>
   </p:clrMapOvr>
+  <mc:AlternateContent xmlns:mc="http://schemas.openxmlformats.org/markup-compatibility/2006">
+    <mc:Choice xmlns:p15="http://schemas.microsoft.com/office/powerpoint/2012/main" Requires="p15">
+      <p:transition xmlns:p14="http://schemas.microsoft.com/office/powerpoint/2010/main" spd="slow" p14:dur="2000">
+        <p15:prstTrans prst="fallOver"/>
+      </p:transition>
+    </mc:Choice>
+    <mc:Fallback>
+      <p:transition spd="slow">
+        <p:fade/>
+      </p:transition>
+    </mc:Fallback>
+  </mc:AlternateContent>
   <p:timing>
     <p:tnLst>
       <p:par>
@@ -14386,6 +14470,18 @@
   <p:clrMapOvr>
     <a:masterClrMapping/>
   </p:clrMapOvr>
+  <mc:AlternateContent xmlns:mc="http://schemas.openxmlformats.org/markup-compatibility/2006">
+    <mc:Choice xmlns:p15="http://schemas.microsoft.com/office/powerpoint/2012/main" Requires="p15">
+      <p:transition xmlns:p14="http://schemas.microsoft.com/office/powerpoint/2010/main" spd="slow" p14:dur="2000">
+        <p15:prstTrans prst="fallOver"/>
+      </p:transition>
+    </mc:Choice>
+    <mc:Fallback>
+      <p:transition spd="slow">
+        <p:fade/>
+      </p:transition>
+    </mc:Fallback>
+  </mc:AlternateContent>
   <p:timing>
     <p:tnLst>
       <p:par>
@@ -15520,6 +15616,18 @@
   <p:clrMapOvr>
     <a:masterClrMapping/>
   </p:clrMapOvr>
+  <mc:AlternateContent xmlns:mc="http://schemas.openxmlformats.org/markup-compatibility/2006">
+    <mc:Choice xmlns:p15="http://schemas.microsoft.com/office/powerpoint/2012/main" Requires="p15">
+      <p:transition xmlns:p14="http://schemas.microsoft.com/office/powerpoint/2010/main" spd="slow" p14:dur="2000">
+        <p15:prstTrans prst="fallOver"/>
+      </p:transition>
+    </mc:Choice>
+    <mc:Fallback>
+      <p:transition spd="slow">
+        <p:fade/>
+      </p:transition>
+    </mc:Fallback>
+  </mc:AlternateContent>
   <p:timing>
     <p:tnLst>
       <p:par>
@@ -16188,6 +16296,18 @@
   <p:clrMapOvr>
     <a:masterClrMapping/>
   </p:clrMapOvr>
+  <mc:AlternateContent xmlns:mc="http://schemas.openxmlformats.org/markup-compatibility/2006">
+    <mc:Choice xmlns:p15="http://schemas.microsoft.com/office/powerpoint/2012/main" Requires="p15">
+      <p:transition xmlns:p14="http://schemas.microsoft.com/office/powerpoint/2010/main" spd="slow" p14:dur="2000">
+        <p15:prstTrans prst="fallOver"/>
+      </p:transition>
+    </mc:Choice>
+    <mc:Fallback>
+      <p:transition spd="slow">
+        <p:fade/>
+      </p:transition>
+    </mc:Fallback>
+  </mc:AlternateContent>
 </p:sld>
 </file>
 
@@ -16555,6 +16675,18 @@
   <p:clrMapOvr>
     <a:masterClrMapping/>
   </p:clrMapOvr>
+  <mc:AlternateContent xmlns:mc="http://schemas.openxmlformats.org/markup-compatibility/2006">
+    <mc:Choice xmlns:p15="http://schemas.microsoft.com/office/powerpoint/2012/main" Requires="p15">
+      <p:transition xmlns:p14="http://schemas.microsoft.com/office/powerpoint/2010/main" spd="slow" p14:dur="2000">
+        <p15:prstTrans prst="fallOver"/>
+      </p:transition>
+    </mc:Choice>
+    <mc:Fallback>
+      <p:transition spd="slow">
+        <p:fade/>
+      </p:transition>
+    </mc:Fallback>
+  </mc:AlternateContent>
 </p:sld>
 </file>
 
@@ -16618,7 +16750,7 @@
           <a:p>
             <a:pPr algn="l"/>
             <a:r>
-              <a:rPr lang="en-IN" sz="4999" b="1" dirty="0">
+              <a:rPr lang="en-IN" sz="4400" b="1" dirty="0">
                 <a:solidFill>
                   <a:srgbClr val="FFFF00"/>
                 </a:solidFill>
@@ -16691,6 +16823,18 @@
   <p:clrMapOvr>
     <a:masterClrMapping/>
   </p:clrMapOvr>
+  <mc:AlternateContent xmlns:mc="http://schemas.openxmlformats.org/markup-compatibility/2006">
+    <mc:Choice xmlns:p15="http://schemas.microsoft.com/office/powerpoint/2012/main" Requires="p15">
+      <p:transition xmlns:p14="http://schemas.microsoft.com/office/powerpoint/2010/main" spd="slow" p14:dur="2000">
+        <p15:prstTrans prst="fallOver"/>
+      </p:transition>
+    </mc:Choice>
+    <mc:Fallback>
+      <p:transition spd="slow">
+        <p:fade/>
+      </p:transition>
+    </mc:Fallback>
+  </mc:AlternateContent>
   <p:timing>
     <p:tnLst>
       <p:par>
@@ -17014,6 +17158,18 @@
   <p:clrMapOvr>
     <a:masterClrMapping/>
   </p:clrMapOvr>
+  <mc:AlternateContent xmlns:mc="http://schemas.openxmlformats.org/markup-compatibility/2006">
+    <mc:Choice xmlns:p15="http://schemas.microsoft.com/office/powerpoint/2012/main" Requires="p15">
+      <p:transition xmlns:p14="http://schemas.microsoft.com/office/powerpoint/2010/main" spd="slow" p14:dur="2000">
+        <p15:prstTrans prst="fallOver"/>
+      </p:transition>
+    </mc:Choice>
+    <mc:Fallback>
+      <p:transition spd="slow">
+        <p:fade/>
+      </p:transition>
+    </mc:Fallback>
+  </mc:AlternateContent>
 </p:sld>
 </file>
 
@@ -17219,6 +17375,18 @@
   <p:clrMapOvr>
     <a:masterClrMapping/>
   </p:clrMapOvr>
+  <mc:AlternateContent xmlns:mc="http://schemas.openxmlformats.org/markup-compatibility/2006">
+    <mc:Choice xmlns:p15="http://schemas.microsoft.com/office/powerpoint/2012/main" Requires="p15">
+      <p:transition xmlns:p14="http://schemas.microsoft.com/office/powerpoint/2010/main" spd="slow" p14:dur="2000">
+        <p15:prstTrans prst="fallOver"/>
+      </p:transition>
+    </mc:Choice>
+    <mc:Fallback>
+      <p:transition spd="slow">
+        <p:fade/>
+      </p:transition>
+    </mc:Fallback>
+  </mc:AlternateContent>
   <p:timing>
     <p:tnLst>
       <p:par>
@@ -18133,6 +18301,18 @@
   <p:clrMapOvr>
     <a:masterClrMapping/>
   </p:clrMapOvr>
+  <mc:AlternateContent xmlns:mc="http://schemas.openxmlformats.org/markup-compatibility/2006">
+    <mc:Choice xmlns:p15="http://schemas.microsoft.com/office/powerpoint/2012/main" Requires="p15">
+      <p:transition xmlns:p14="http://schemas.microsoft.com/office/powerpoint/2010/main" spd="slow" p14:dur="2000">
+        <p15:prstTrans prst="fallOver"/>
+      </p:transition>
+    </mc:Choice>
+    <mc:Fallback>
+      <p:transition spd="slow">
+        <p:fade/>
+      </p:transition>
+    </mc:Fallback>
+  </mc:AlternateContent>
   <p:timing>
     <p:tnLst>
       <p:par>
@@ -19359,6 +19539,18 @@
   <p:clrMapOvr>
     <a:masterClrMapping/>
   </p:clrMapOvr>
+  <mc:AlternateContent xmlns:mc="http://schemas.openxmlformats.org/markup-compatibility/2006">
+    <mc:Choice xmlns:p15="http://schemas.microsoft.com/office/powerpoint/2012/main" Requires="p15">
+      <p:transition xmlns:p14="http://schemas.microsoft.com/office/powerpoint/2010/main" spd="slow" p14:dur="2000">
+        <p15:prstTrans prst="fallOver"/>
+      </p:transition>
+    </mc:Choice>
+    <mc:Fallback>
+      <p:transition spd="slow">
+        <p:fade/>
+      </p:transition>
+    </mc:Fallback>
+  </mc:AlternateContent>
 </p:sld>
 </file>
 
@@ -19676,6 +19868,18 @@
   <p:clrMapOvr>
     <a:masterClrMapping/>
   </p:clrMapOvr>
+  <mc:AlternateContent xmlns:mc="http://schemas.openxmlformats.org/markup-compatibility/2006">
+    <mc:Choice xmlns:p15="http://schemas.microsoft.com/office/powerpoint/2012/main" Requires="p15">
+      <p:transition xmlns:p14="http://schemas.microsoft.com/office/powerpoint/2010/main" spd="slow" p14:dur="2000">
+        <p15:prstTrans prst="fallOver"/>
+      </p:transition>
+    </mc:Choice>
+    <mc:Fallback>
+      <p:transition spd="slow">
+        <p:fade/>
+      </p:transition>
+    </mc:Fallback>
+  </mc:AlternateContent>
   <p:timing>
     <p:tnLst>
       <p:par>
@@ -19989,7 +20193,7 @@
         <p:spPr>
           <a:xfrm>
             <a:off x="400914" y="4170598"/>
-            <a:ext cx="7141298" cy="1938992"/>
+            <a:ext cx="7293698" cy="1938992"/>
           </a:xfrm>
           <a:prstGeom prst="rect">
             <a:avLst/>
@@ -20040,7 +20244,7 @@
           <a:p>
             <a:r>
               <a:rPr lang="en-US" sz="2000" dirty="0"/>
-              <a:t>     audio, video, and business logic. </a:t>
+              <a:t>      audio, video, and business logic. </a:t>
             </a:r>
           </a:p>
           <a:p>
@@ -20146,6 +20350,18 @@
   <p:clrMapOvr>
     <a:masterClrMapping/>
   </p:clrMapOvr>
+  <mc:AlternateContent xmlns:mc="http://schemas.openxmlformats.org/markup-compatibility/2006">
+    <mc:Choice xmlns:p15="http://schemas.microsoft.com/office/powerpoint/2012/main" Requires="p15">
+      <p:transition xmlns:p14="http://schemas.microsoft.com/office/powerpoint/2010/main" spd="slow" p14:dur="2000">
+        <p15:prstTrans prst="fallOver"/>
+      </p:transition>
+    </mc:Choice>
+    <mc:Fallback>
+      <p:transition spd="slow">
+        <p:fade/>
+      </p:transition>
+    </mc:Fallback>
+  </mc:AlternateContent>
   <p:timing>
     <p:tnLst>
       <p:par>
@@ -20464,7 +20680,7 @@
                             </p:stCondLst>
                             <p:childTnLst>
                               <p:par>
-                                <p:cTn id="26" presetID="42" presetClass="entr" presetSubtype="0" fill="hold" nodeType="clickEffect">
+                                <p:cTn id="26" presetID="2" presetClass="entr" presetSubtype="4" fill="hold" nodeType="clickEffect">
                                   <p:stCondLst>
                                     <p:cond delay="0"/>
                                   </p:stCondLst>
@@ -20491,9 +20707,9 @@
                                         <p:strVal val="visible"/>
                                       </p:to>
                                     </p:set>
-                                    <p:animEffect transition="in" filter="fade">
-                                      <p:cBhvr>
-                                        <p:cTn id="28" dur="1000"/>
+                                    <p:anim calcmode="lin" valueType="num">
+                                      <p:cBhvr additive="base">
+                                        <p:cTn id="28" dur="500" fill="hold"/>
                                         <p:tgtEl>
                                           <p:spTgt spid="8">
                                             <p:txEl>
@@ -20501,11 +20717,26 @@
                                             </p:txEl>
                                           </p:spTgt>
                                         </p:tgtEl>
-                                      </p:cBhvr>
-                                    </p:animEffect>
+                                        <p:attrNameLst>
+                                          <p:attrName>ppt_x</p:attrName>
+                                        </p:attrNameLst>
+                                      </p:cBhvr>
+                                      <p:tavLst>
+                                        <p:tav tm="0">
+                                          <p:val>
+                                            <p:strVal val="#ppt_x"/>
+                                          </p:val>
+                                        </p:tav>
+                                        <p:tav tm="100000">
+                                          <p:val>
+                                            <p:strVal val="#ppt_x"/>
+                                          </p:val>
+                                        </p:tav>
+                                      </p:tavLst>
+                                    </p:anim>
                                     <p:anim calcmode="lin" valueType="num">
-                                      <p:cBhvr>
-                                        <p:cTn id="29" dur="1000" fill="hold"/>
+                                      <p:cBhvr additive="base">
+                                        <p:cTn id="29" dur="500" fill="hold"/>
                                         <p:tgtEl>
                                           <p:spTgt spid="8">
                                             <p:txEl>
@@ -20514,40 +20745,13 @@
                                           </p:spTgt>
                                         </p:tgtEl>
                                         <p:attrNameLst>
-                                          <p:attrName>ppt_x</p:attrName>
+                                          <p:attrName>ppt_y</p:attrName>
                                         </p:attrNameLst>
                                       </p:cBhvr>
                                       <p:tavLst>
                                         <p:tav tm="0">
                                           <p:val>
-                                            <p:strVal val="#ppt_x"/>
-                                          </p:val>
-                                        </p:tav>
-                                        <p:tav tm="100000">
-                                          <p:val>
-                                            <p:strVal val="#ppt_x"/>
-                                          </p:val>
-                                        </p:tav>
-                                      </p:tavLst>
-                                    </p:anim>
-                                    <p:anim calcmode="lin" valueType="num">
-                                      <p:cBhvr>
-                                        <p:cTn id="30" dur="1000" fill="hold"/>
-                                        <p:tgtEl>
-                                          <p:spTgt spid="8">
-                                            <p:txEl>
-                                              <p:pRg st="0" end="0"/>
-                                            </p:txEl>
-                                          </p:spTgt>
-                                        </p:tgtEl>
-                                        <p:attrNameLst>
-                                          <p:attrName>ppt_y</p:attrName>
-                                        </p:attrNameLst>
-                                      </p:cBhvr>
-                                      <p:tavLst>
-                                        <p:tav tm="0">
-                                          <p:val>
-                                            <p:strVal val="#ppt_y+.1"/>
+                                            <p:strVal val="1+#ppt_h/2"/>
                                           </p:val>
                                         </p:tav>
                                         <p:tav tm="100000">
@@ -20567,26 +20771,26 @@
                     </p:cTn>
                   </p:par>
                   <p:par>
-                    <p:cTn id="31" fill="hold">
+                    <p:cTn id="30" fill="hold">
                       <p:stCondLst>
                         <p:cond delay="indefinite"/>
                       </p:stCondLst>
                       <p:childTnLst>
                         <p:par>
-                          <p:cTn id="32" fill="hold">
+                          <p:cTn id="31" fill="hold">
                             <p:stCondLst>
                               <p:cond delay="0"/>
                             </p:stCondLst>
                             <p:childTnLst>
                               <p:par>
-                                <p:cTn id="33" presetID="42" presetClass="entr" presetSubtype="0" fill="hold" nodeType="clickEffect">
+                                <p:cTn id="32" presetID="2" presetClass="entr" presetSubtype="4" fill="hold" nodeType="clickEffect">
                                   <p:stCondLst>
                                     <p:cond delay="0"/>
                                   </p:stCondLst>
                                   <p:childTnLst>
                                     <p:set>
                                       <p:cBhvr>
-                                        <p:cTn id="34" dur="1" fill="hold">
+                                        <p:cTn id="33" dur="1" fill="hold">
                                           <p:stCondLst>
                                             <p:cond delay="0"/>
                                           </p:stCondLst>
@@ -20606,9 +20810,9 @@
                                         <p:strVal val="visible"/>
                                       </p:to>
                                     </p:set>
-                                    <p:animEffect transition="in" filter="fade">
-                                      <p:cBhvr>
-                                        <p:cTn id="35" dur="1000"/>
+                                    <p:anim calcmode="lin" valueType="num">
+                                      <p:cBhvr additive="base">
+                                        <p:cTn id="34" dur="500" fill="hold"/>
                                         <p:tgtEl>
                                           <p:spTgt spid="8">
                                             <p:txEl>
@@ -20616,11 +20820,26 @@
                                             </p:txEl>
                                           </p:spTgt>
                                         </p:tgtEl>
-                                      </p:cBhvr>
-                                    </p:animEffect>
+                                        <p:attrNameLst>
+                                          <p:attrName>ppt_x</p:attrName>
+                                        </p:attrNameLst>
+                                      </p:cBhvr>
+                                      <p:tavLst>
+                                        <p:tav tm="0">
+                                          <p:val>
+                                            <p:strVal val="#ppt_x"/>
+                                          </p:val>
+                                        </p:tav>
+                                        <p:tav tm="100000">
+                                          <p:val>
+                                            <p:strVal val="#ppt_x"/>
+                                          </p:val>
+                                        </p:tav>
+                                      </p:tavLst>
+                                    </p:anim>
                                     <p:anim calcmode="lin" valueType="num">
-                                      <p:cBhvr>
-                                        <p:cTn id="36" dur="1000" fill="hold"/>
+                                      <p:cBhvr additive="base">
+                                        <p:cTn id="35" dur="500" fill="hold"/>
                                         <p:tgtEl>
                                           <p:spTgt spid="8">
                                             <p:txEl>
@@ -20629,6 +20848,64 @@
                                           </p:spTgt>
                                         </p:tgtEl>
                                         <p:attrNameLst>
+                                          <p:attrName>ppt_y</p:attrName>
+                                        </p:attrNameLst>
+                                      </p:cBhvr>
+                                      <p:tavLst>
+                                        <p:tav tm="0">
+                                          <p:val>
+                                            <p:strVal val="1+#ppt_h/2"/>
+                                          </p:val>
+                                        </p:tav>
+                                        <p:tav tm="100000">
+                                          <p:val>
+                                            <p:strVal val="#ppt_y"/>
+                                          </p:val>
+                                        </p:tav>
+                                      </p:tavLst>
+                                    </p:anim>
+                                  </p:childTnLst>
+                                </p:cTn>
+                              </p:par>
+                              <p:par>
+                                <p:cTn id="36" presetID="2" presetClass="entr" presetSubtype="4" fill="hold" nodeType="withEffect">
+                                  <p:stCondLst>
+                                    <p:cond delay="0"/>
+                                  </p:stCondLst>
+                                  <p:childTnLst>
+                                    <p:set>
+                                      <p:cBhvr>
+                                        <p:cTn id="37" dur="1" fill="hold">
+                                          <p:stCondLst>
+                                            <p:cond delay="0"/>
+                                          </p:stCondLst>
+                                        </p:cTn>
+                                        <p:tgtEl>
+                                          <p:spTgt spid="8">
+                                            <p:txEl>
+                                              <p:pRg st="2" end="2"/>
+                                            </p:txEl>
+                                          </p:spTgt>
+                                        </p:tgtEl>
+                                        <p:attrNameLst>
+                                          <p:attrName>style.visibility</p:attrName>
+                                        </p:attrNameLst>
+                                      </p:cBhvr>
+                                      <p:to>
+                                        <p:strVal val="visible"/>
+                                      </p:to>
+                                    </p:set>
+                                    <p:anim calcmode="lin" valueType="num">
+                                      <p:cBhvr additive="base">
+                                        <p:cTn id="38" dur="500" fill="hold"/>
+                                        <p:tgtEl>
+                                          <p:spTgt spid="8">
+                                            <p:txEl>
+                                              <p:pRg st="2" end="2"/>
+                                            </p:txEl>
+                                          </p:spTgt>
+                                        </p:tgtEl>
+                                        <p:attrNameLst>
                                           <p:attrName>ppt_x</p:attrName>
                                         </p:attrNameLst>
                                       </p:cBhvr>
@@ -20646,12 +20923,12 @@
                                       </p:tavLst>
                                     </p:anim>
                                     <p:anim calcmode="lin" valueType="num">
-                                      <p:cBhvr>
-                                        <p:cTn id="37" dur="1000" fill="hold"/>
+                                      <p:cBhvr additive="base">
+                                        <p:cTn id="39" dur="500" fill="hold"/>
                                         <p:tgtEl>
                                           <p:spTgt spid="8">
                                             <p:txEl>
-                                              <p:pRg st="1" end="1"/>
+                                              <p:pRg st="2" end="2"/>
                                             </p:txEl>
                                           </p:spTgt>
                                         </p:tgtEl>
@@ -20662,7 +20939,7 @@
                                       <p:tavLst>
                                         <p:tav tm="0">
                                           <p:val>
-                                            <p:strVal val="#ppt_y+.1"/>
+                                            <p:strVal val="1+#ppt_h/2"/>
                                           </p:val>
                                         </p:tav>
                                         <p:tav tm="100000">
@@ -20682,26 +20959,26 @@
                     </p:cTn>
                   </p:par>
                   <p:par>
-                    <p:cTn id="38" fill="hold">
+                    <p:cTn id="40" fill="hold">
                       <p:stCondLst>
                         <p:cond delay="indefinite"/>
                       </p:stCondLst>
                       <p:childTnLst>
                         <p:par>
-                          <p:cTn id="39" fill="hold">
+                          <p:cTn id="41" fill="hold">
                             <p:stCondLst>
                               <p:cond delay="0"/>
                             </p:stCondLst>
                             <p:childTnLst>
                               <p:par>
-                                <p:cTn id="40" presetID="42" presetClass="entr" presetSubtype="0" fill="hold" nodeType="clickEffect">
+                                <p:cTn id="42" presetID="2" presetClass="entr" presetSubtype="4" fill="hold" nodeType="clickEffect">
                                   <p:stCondLst>
                                     <p:cond delay="0"/>
                                   </p:stCondLst>
                                   <p:childTnLst>
                                     <p:set>
                                       <p:cBhvr>
-                                        <p:cTn id="41" dur="1" fill="hold">
+                                        <p:cTn id="43" dur="1" fill="hold">
                                           <p:stCondLst>
                                             <p:cond delay="0"/>
                                           </p:stCondLst>
@@ -20709,7 +20986,7 @@
                                         <p:tgtEl>
                                           <p:spTgt spid="8">
                                             <p:txEl>
-                                              <p:pRg st="2" end="2"/>
+                                              <p:pRg st="3" end="3"/>
                                             </p:txEl>
                                           </p:spTgt>
                                         </p:tgtEl>
@@ -20721,25 +20998,13 @@
                                         <p:strVal val="visible"/>
                                       </p:to>
                                     </p:set>
-                                    <p:animEffect transition="in" filter="fade">
-                                      <p:cBhvr>
-                                        <p:cTn id="42" dur="1000"/>
+                                    <p:anim calcmode="lin" valueType="num">
+                                      <p:cBhvr additive="base">
+                                        <p:cTn id="44" dur="500" fill="hold"/>
                                         <p:tgtEl>
                                           <p:spTgt spid="8">
                                             <p:txEl>
-                                              <p:pRg st="2" end="2"/>
-                                            </p:txEl>
-                                          </p:spTgt>
-                                        </p:tgtEl>
-                                      </p:cBhvr>
-                                    </p:animEffect>
-                                    <p:anim calcmode="lin" valueType="num">
-                                      <p:cBhvr>
-                                        <p:cTn id="43" dur="1000" fill="hold"/>
-                                        <p:tgtEl>
-                                          <p:spTgt spid="8">
-                                            <p:txEl>
-                                              <p:pRg st="2" end="2"/>
+                                              <p:pRg st="3" end="3"/>
                                             </p:txEl>
                                           </p:spTgt>
                                         </p:tgtEl>
@@ -20761,12 +21026,12 @@
                                       </p:tavLst>
                                     </p:anim>
                                     <p:anim calcmode="lin" valueType="num">
-                                      <p:cBhvr>
-                                        <p:cTn id="44" dur="1000" fill="hold"/>
+                                      <p:cBhvr additive="base">
+                                        <p:cTn id="45" dur="500" fill="hold"/>
                                         <p:tgtEl>
                                           <p:spTgt spid="8">
                                             <p:txEl>
-                                              <p:pRg st="2" end="2"/>
+                                              <p:pRg st="3" end="3"/>
                                             </p:txEl>
                                           </p:spTgt>
                                         </p:tgtEl>
@@ -20777,7 +21042,92 @@
                                       <p:tavLst>
                                         <p:tav tm="0">
                                           <p:val>
-                                            <p:strVal val="#ppt_y+.1"/>
+                                            <p:strVal val="1+#ppt_h/2"/>
+                                          </p:val>
+                                        </p:tav>
+                                        <p:tav tm="100000">
+                                          <p:val>
+                                            <p:strVal val="#ppt_y"/>
+                                          </p:val>
+                                        </p:tav>
+                                      </p:tavLst>
+                                    </p:anim>
+                                  </p:childTnLst>
+                                </p:cTn>
+                              </p:par>
+                              <p:par>
+                                <p:cTn id="46" presetID="2" presetClass="entr" presetSubtype="4" fill="hold" nodeType="withEffect">
+                                  <p:stCondLst>
+                                    <p:cond delay="0"/>
+                                  </p:stCondLst>
+                                  <p:childTnLst>
+                                    <p:set>
+                                      <p:cBhvr>
+                                        <p:cTn id="47" dur="1" fill="hold">
+                                          <p:stCondLst>
+                                            <p:cond delay="0"/>
+                                          </p:stCondLst>
+                                        </p:cTn>
+                                        <p:tgtEl>
+                                          <p:spTgt spid="8">
+                                            <p:txEl>
+                                              <p:pRg st="4" end="4"/>
+                                            </p:txEl>
+                                          </p:spTgt>
+                                        </p:tgtEl>
+                                        <p:attrNameLst>
+                                          <p:attrName>style.visibility</p:attrName>
+                                        </p:attrNameLst>
+                                      </p:cBhvr>
+                                      <p:to>
+                                        <p:strVal val="visible"/>
+                                      </p:to>
+                                    </p:set>
+                                    <p:anim calcmode="lin" valueType="num">
+                                      <p:cBhvr additive="base">
+                                        <p:cTn id="48" dur="500" fill="hold"/>
+                                        <p:tgtEl>
+                                          <p:spTgt spid="8">
+                                            <p:txEl>
+                                              <p:pRg st="4" end="4"/>
+                                            </p:txEl>
+                                          </p:spTgt>
+                                        </p:tgtEl>
+                                        <p:attrNameLst>
+                                          <p:attrName>ppt_x</p:attrName>
+                                        </p:attrNameLst>
+                                      </p:cBhvr>
+                                      <p:tavLst>
+                                        <p:tav tm="0">
+                                          <p:val>
+                                            <p:strVal val="#ppt_x"/>
+                                          </p:val>
+                                        </p:tav>
+                                        <p:tav tm="100000">
+                                          <p:val>
+                                            <p:strVal val="#ppt_x"/>
+                                          </p:val>
+                                        </p:tav>
+                                      </p:tavLst>
+                                    </p:anim>
+                                    <p:anim calcmode="lin" valueType="num">
+                                      <p:cBhvr additive="base">
+                                        <p:cTn id="49" dur="500" fill="hold"/>
+                                        <p:tgtEl>
+                                          <p:spTgt spid="8">
+                                            <p:txEl>
+                                              <p:pRg st="4" end="4"/>
+                                            </p:txEl>
+                                          </p:spTgt>
+                                        </p:tgtEl>
+                                        <p:attrNameLst>
+                                          <p:attrName>ppt_y</p:attrName>
+                                        </p:attrNameLst>
+                                      </p:cBhvr>
+                                      <p:tavLst>
+                                        <p:tav tm="0">
+                                          <p:val>
+                                            <p:strVal val="1+#ppt_h/2"/>
                                           </p:val>
                                         </p:tav>
                                         <p:tav tm="100000">
@@ -20797,122 +21147,25 @@
                     </p:cTn>
                   </p:par>
                   <p:par>
-                    <p:cTn id="45" fill="hold">
+                    <p:cTn id="50" fill="hold">
                       <p:stCondLst>
                         <p:cond delay="indefinite"/>
                       </p:stCondLst>
                       <p:childTnLst>
                         <p:par>
-                          <p:cTn id="46" fill="hold">
+                          <p:cTn id="51" fill="hold">
                             <p:stCondLst>
                               <p:cond delay="0"/>
                             </p:stCondLst>
                             <p:childTnLst>
                               <p:par>
-                                <p:cTn id="47" presetID="42" presetClass="entr" presetSubtype="0" fill="hold" nodeType="clickEffect">
+                                <p:cTn id="52" presetID="2" presetClass="entr" presetSubtype="4" fill="hold" nodeType="clickEffect">
                                   <p:stCondLst>
                                     <p:cond delay="0"/>
                                   </p:stCondLst>
                                   <p:childTnLst>
                                     <p:set>
                                       <p:cBhvr>
-                                        <p:cTn id="48" dur="1" fill="hold">
-                                          <p:stCondLst>
-                                            <p:cond delay="0"/>
-                                          </p:stCondLst>
-                                        </p:cTn>
-                                        <p:tgtEl>
-                                          <p:spTgt spid="8">
-                                            <p:txEl>
-                                              <p:pRg st="3" end="3"/>
-                                            </p:txEl>
-                                          </p:spTgt>
-                                        </p:tgtEl>
-                                        <p:attrNameLst>
-                                          <p:attrName>style.visibility</p:attrName>
-                                        </p:attrNameLst>
-                                      </p:cBhvr>
-                                      <p:to>
-                                        <p:strVal val="visible"/>
-                                      </p:to>
-                                    </p:set>
-                                    <p:animEffect transition="in" filter="fade">
-                                      <p:cBhvr>
-                                        <p:cTn id="49" dur="1000"/>
-                                        <p:tgtEl>
-                                          <p:spTgt spid="8">
-                                            <p:txEl>
-                                              <p:pRg st="3" end="3"/>
-                                            </p:txEl>
-                                          </p:spTgt>
-                                        </p:tgtEl>
-                                      </p:cBhvr>
-                                    </p:animEffect>
-                                    <p:anim calcmode="lin" valueType="num">
-                                      <p:cBhvr>
-                                        <p:cTn id="50" dur="1000" fill="hold"/>
-                                        <p:tgtEl>
-                                          <p:spTgt spid="8">
-                                            <p:txEl>
-                                              <p:pRg st="3" end="3"/>
-                                            </p:txEl>
-                                          </p:spTgt>
-                                        </p:tgtEl>
-                                        <p:attrNameLst>
-                                          <p:attrName>ppt_x</p:attrName>
-                                        </p:attrNameLst>
-                                      </p:cBhvr>
-                                      <p:tavLst>
-                                        <p:tav tm="0">
-                                          <p:val>
-                                            <p:strVal val="#ppt_x"/>
-                                          </p:val>
-                                        </p:tav>
-                                        <p:tav tm="100000">
-                                          <p:val>
-                                            <p:strVal val="#ppt_x"/>
-                                          </p:val>
-                                        </p:tav>
-                                      </p:tavLst>
-                                    </p:anim>
-                                    <p:anim calcmode="lin" valueType="num">
-                                      <p:cBhvr>
-                                        <p:cTn id="51" dur="1000" fill="hold"/>
-                                        <p:tgtEl>
-                                          <p:spTgt spid="8">
-                                            <p:txEl>
-                                              <p:pRg st="3" end="3"/>
-                                            </p:txEl>
-                                          </p:spTgt>
-                                        </p:tgtEl>
-                                        <p:attrNameLst>
-                                          <p:attrName>ppt_y</p:attrName>
-                                        </p:attrNameLst>
-                                      </p:cBhvr>
-                                      <p:tavLst>
-                                        <p:tav tm="0">
-                                          <p:val>
-                                            <p:strVal val="#ppt_y+.1"/>
-                                          </p:val>
-                                        </p:tav>
-                                        <p:tav tm="100000">
-                                          <p:val>
-                                            <p:strVal val="#ppt_y"/>
-                                          </p:val>
-                                        </p:tav>
-                                      </p:tavLst>
-                                    </p:anim>
-                                  </p:childTnLst>
-                                </p:cTn>
-                              </p:par>
-                              <p:par>
-                                <p:cTn id="52" presetID="42" presetClass="entr" presetSubtype="0" fill="hold" nodeType="withEffect">
-                                  <p:stCondLst>
-                                    <p:cond delay="0"/>
-                                  </p:stCondLst>
-                                  <p:childTnLst>
-                                    <p:set>
-                                      <p:cBhvr>
                                         <p:cTn id="53" dur="1" fill="hold">
                                           <p:stCondLst>
                                             <p:cond delay="0"/>
@@ -20921,7 +21174,7 @@
                                         <p:tgtEl>
                                           <p:spTgt spid="8">
                                             <p:txEl>
-                                              <p:pRg st="4" end="4"/>
+                                              <p:pRg st="5" end="5"/>
                                             </p:txEl>
                                           </p:spTgt>
                                         </p:tgtEl>
@@ -20933,106 +21186,9 @@
                                         <p:strVal val="visible"/>
                                       </p:to>
                                     </p:set>
-                                    <p:animEffect transition="in" filter="fade">
-                                      <p:cBhvr>
-                                        <p:cTn id="54" dur="1000"/>
-                                        <p:tgtEl>
-                                          <p:spTgt spid="8">
-                                            <p:txEl>
-                                              <p:pRg st="4" end="4"/>
-                                            </p:txEl>
-                                          </p:spTgt>
-                                        </p:tgtEl>
-                                      </p:cBhvr>
-                                    </p:animEffect>
                                     <p:anim calcmode="lin" valueType="num">
-                                      <p:cBhvr>
-                                        <p:cTn id="55" dur="1000" fill="hold"/>
-                                        <p:tgtEl>
-                                          <p:spTgt spid="8">
-                                            <p:txEl>
-                                              <p:pRg st="4" end="4"/>
-                                            </p:txEl>
-                                          </p:spTgt>
-                                        </p:tgtEl>
-                                        <p:attrNameLst>
-                                          <p:attrName>ppt_x</p:attrName>
-                                        </p:attrNameLst>
-                                      </p:cBhvr>
-                                      <p:tavLst>
-                                        <p:tav tm="0">
-                                          <p:val>
-                                            <p:strVal val="#ppt_x"/>
-                                          </p:val>
-                                        </p:tav>
-                                        <p:tav tm="100000">
-                                          <p:val>
-                                            <p:strVal val="#ppt_x"/>
-                                          </p:val>
-                                        </p:tav>
-                                      </p:tavLst>
-                                    </p:anim>
-                                    <p:anim calcmode="lin" valueType="num">
-                                      <p:cBhvr>
-                                        <p:cTn id="56" dur="1000" fill="hold"/>
-                                        <p:tgtEl>
-                                          <p:spTgt spid="8">
-                                            <p:txEl>
-                                              <p:pRg st="4" end="4"/>
-                                            </p:txEl>
-                                          </p:spTgt>
-                                        </p:tgtEl>
-                                        <p:attrNameLst>
-                                          <p:attrName>ppt_y</p:attrName>
-                                        </p:attrNameLst>
-                                      </p:cBhvr>
-                                      <p:tavLst>
-                                        <p:tav tm="0">
-                                          <p:val>
-                                            <p:strVal val="#ppt_y+.1"/>
-                                          </p:val>
-                                        </p:tav>
-                                        <p:tav tm="100000">
-                                          <p:val>
-                                            <p:strVal val="#ppt_y"/>
-                                          </p:val>
-                                        </p:tav>
-                                      </p:tavLst>
-                                    </p:anim>
-                                  </p:childTnLst>
-                                </p:cTn>
-                              </p:par>
-                            </p:childTnLst>
-                          </p:cTn>
-                        </p:par>
-                      </p:childTnLst>
-                    </p:cTn>
-                  </p:par>
-                  <p:par>
-                    <p:cTn id="57" fill="hold">
-                      <p:stCondLst>
-                        <p:cond delay="indefinite"/>
-                      </p:stCondLst>
-                      <p:childTnLst>
-                        <p:par>
-                          <p:cTn id="58" fill="hold">
-                            <p:stCondLst>
-                              <p:cond delay="0"/>
-                            </p:stCondLst>
-                            <p:childTnLst>
-                              <p:par>
-                                <p:cTn id="59" presetID="42" presetClass="entr" presetSubtype="0" fill="hold" nodeType="clickEffect">
-                                  <p:stCondLst>
-                                    <p:cond delay="0"/>
-                                  </p:stCondLst>
-                                  <p:childTnLst>
-                                    <p:set>
-                                      <p:cBhvr>
-                                        <p:cTn id="60" dur="1" fill="hold">
-                                          <p:stCondLst>
-                                            <p:cond delay="0"/>
-                                          </p:stCondLst>
-                                        </p:cTn>
+                                      <p:cBhvr additive="base">
+                                        <p:cTn id="54" dur="500" fill="hold"/>
                                         <p:tgtEl>
                                           <p:spTgt spid="8">
                                             <p:txEl>
@@ -21041,16 +21197,25 @@
                                           </p:spTgt>
                                         </p:tgtEl>
                                         <p:attrNameLst>
-                                          <p:attrName>style.visibility</p:attrName>
-                                        </p:attrNameLst>
-                                      </p:cBhvr>
-                                      <p:to>
-                                        <p:strVal val="visible"/>
-                                      </p:to>
-                                    </p:set>
-                                    <p:animEffect transition="in" filter="fade">
-                                      <p:cBhvr>
-                                        <p:cTn id="61" dur="1000"/>
+                                          <p:attrName>ppt_x</p:attrName>
+                                        </p:attrNameLst>
+                                      </p:cBhvr>
+                                      <p:tavLst>
+                                        <p:tav tm="0">
+                                          <p:val>
+                                            <p:strVal val="#ppt_x"/>
+                                          </p:val>
+                                        </p:tav>
+                                        <p:tav tm="100000">
+                                          <p:val>
+                                            <p:strVal val="#ppt_x"/>
+                                          </p:val>
+                                        </p:tav>
+                                      </p:tavLst>
+                                    </p:anim>
+                                    <p:anim calcmode="lin" valueType="num">
+                                      <p:cBhvr additive="base">
+                                        <p:cTn id="55" dur="500" fill="hold"/>
                                         <p:tgtEl>
                                           <p:spTgt spid="8">
                                             <p:txEl>
@@ -21058,53 +21223,14 @@
                                             </p:txEl>
                                           </p:spTgt>
                                         </p:tgtEl>
-                                      </p:cBhvr>
-                                    </p:animEffect>
-                                    <p:anim calcmode="lin" valueType="num">
-                                      <p:cBhvr>
-                                        <p:cTn id="62" dur="1000" fill="hold"/>
-                                        <p:tgtEl>
-                                          <p:spTgt spid="8">
-                                            <p:txEl>
-                                              <p:pRg st="5" end="5"/>
-                                            </p:txEl>
-                                          </p:spTgt>
-                                        </p:tgtEl>
-                                        <p:attrNameLst>
-                                          <p:attrName>ppt_x</p:attrName>
+                                        <p:attrNameLst>
+                                          <p:attrName>ppt_y</p:attrName>
                                         </p:attrNameLst>
                                       </p:cBhvr>
                                       <p:tavLst>
                                         <p:tav tm="0">
                                           <p:val>
-                                            <p:strVal val="#ppt_x"/>
-                                          </p:val>
-                                        </p:tav>
-                                        <p:tav tm="100000">
-                                          <p:val>
-                                            <p:strVal val="#ppt_x"/>
-                                          </p:val>
-                                        </p:tav>
-                                      </p:tavLst>
-                                    </p:anim>
-                                    <p:anim calcmode="lin" valueType="num">
-                                      <p:cBhvr>
-                                        <p:cTn id="63" dur="1000" fill="hold"/>
-                                        <p:tgtEl>
-                                          <p:spTgt spid="8">
-                                            <p:txEl>
-                                              <p:pRg st="5" end="5"/>
-                                            </p:txEl>
-                                          </p:spTgt>
-                                        </p:tgtEl>
-                                        <p:attrNameLst>
-                                          <p:attrName>ppt_y</p:attrName>
-                                        </p:attrNameLst>
-                                      </p:cBhvr>
-                                      <p:tavLst>
-                                        <p:tav tm="0">
-                                          <p:val>
-                                            <p:strVal val="#ppt_y+.1"/>
+                                            <p:strVal val="1+#ppt_h/2"/>
                                           </p:val>
                                         </p:tav>
                                         <p:tav tm="100000">
@@ -21508,6 +21634,18 @@
   <p:clrMapOvr>
     <a:masterClrMapping/>
   </p:clrMapOvr>
+  <mc:AlternateContent xmlns:mc="http://schemas.openxmlformats.org/markup-compatibility/2006">
+    <mc:Choice xmlns:p15="http://schemas.microsoft.com/office/powerpoint/2012/main" Requires="p15">
+      <p:transition xmlns:p14="http://schemas.microsoft.com/office/powerpoint/2010/main" spd="slow" p14:dur="2000">
+        <p15:prstTrans prst="fallOver"/>
+      </p:transition>
+    </mc:Choice>
+    <mc:Fallback>
+      <p:transition spd="slow">
+        <p:fade/>
+      </p:transition>
+    </mc:Fallback>
+  </mc:AlternateContent>
   <p:timing>
     <p:tnLst>
       <p:par>
@@ -22324,6 +22462,18 @@
   <p:clrMapOvr>
     <a:masterClrMapping/>
   </p:clrMapOvr>
+  <mc:AlternateContent xmlns:mc="http://schemas.openxmlformats.org/markup-compatibility/2006">
+    <mc:Choice xmlns:p15="http://schemas.microsoft.com/office/powerpoint/2012/main" Requires="p15">
+      <p:transition xmlns:p14="http://schemas.microsoft.com/office/powerpoint/2010/main" spd="slow" p14:dur="2000">
+        <p15:prstTrans prst="fallOver"/>
+      </p:transition>
+    </mc:Choice>
+    <mc:Fallback>
+      <p:transition spd="slow">
+        <p:fade/>
+      </p:transition>
+    </mc:Fallback>
+  </mc:AlternateContent>
   <p:timing>
     <p:tnLst>
       <p:par>
@@ -23320,6 +23470,18 @@
   <p:clrMapOvr>
     <a:masterClrMapping/>
   </p:clrMapOvr>
+  <mc:AlternateContent xmlns:mc="http://schemas.openxmlformats.org/markup-compatibility/2006">
+    <mc:Choice xmlns:p15="http://schemas.microsoft.com/office/powerpoint/2012/main" Requires="p15">
+      <p:transition xmlns:p14="http://schemas.microsoft.com/office/powerpoint/2010/main" spd="slow" p14:dur="2000">
+        <p15:prstTrans prst="fallOver"/>
+      </p:transition>
+    </mc:Choice>
+    <mc:Fallback>
+      <p:transition spd="slow">
+        <p:fade/>
+      </p:transition>
+    </mc:Fallback>
+  </mc:AlternateContent>
   <p:timing>
     <p:tnLst>
       <p:par>
@@ -24394,6 +24556,18 @@
   <p:clrMapOvr>
     <a:masterClrMapping/>
   </p:clrMapOvr>
+  <mc:AlternateContent xmlns:mc="http://schemas.openxmlformats.org/markup-compatibility/2006">
+    <mc:Choice xmlns:p15="http://schemas.microsoft.com/office/powerpoint/2012/main" Requires="p15">
+      <p:transition xmlns:p14="http://schemas.microsoft.com/office/powerpoint/2010/main" spd="slow" p14:dur="2000">
+        <p15:prstTrans prst="fallOver"/>
+      </p:transition>
+    </mc:Choice>
+    <mc:Fallback>
+      <p:transition spd="slow">
+        <p:fade/>
+      </p:transition>
+    </mc:Fallback>
+  </mc:AlternateContent>
   <p:timing>
     <p:tnLst>
       <p:par>
@@ -25372,6 +25546,18 @@
   <p:clrMapOvr>
     <a:masterClrMapping/>
   </p:clrMapOvr>
+  <mc:AlternateContent xmlns:mc="http://schemas.openxmlformats.org/markup-compatibility/2006">
+    <mc:Choice xmlns:p15="http://schemas.microsoft.com/office/powerpoint/2012/main" Requires="p15">
+      <p:transition xmlns:p14="http://schemas.microsoft.com/office/powerpoint/2010/main" spd="slow" p14:dur="2000">
+        <p15:prstTrans prst="fallOver"/>
+      </p:transition>
+    </mc:Choice>
+    <mc:Fallback>
+      <p:transition spd="slow">
+        <p:fade/>
+      </p:transition>
+    </mc:Fallback>
+  </mc:AlternateContent>
   <p:timing>
     <p:tnLst>
       <p:par>
@@ -26059,6 +26245,18 @@
   <p:clrMapOvr>
     <a:masterClrMapping/>
   </p:clrMapOvr>
+  <mc:AlternateContent xmlns:mc="http://schemas.openxmlformats.org/markup-compatibility/2006">
+    <mc:Choice xmlns:p15="http://schemas.microsoft.com/office/powerpoint/2012/main" Requires="p15">
+      <p:transition xmlns:p14="http://schemas.microsoft.com/office/powerpoint/2010/main" spd="slow" p14:dur="2000">
+        <p15:prstTrans prst="fallOver"/>
+      </p:transition>
+    </mc:Choice>
+    <mc:Fallback>
+      <p:transition spd="slow">
+        <p:fade/>
+      </p:transition>
+    </mc:Fallback>
+  </mc:AlternateContent>
 </p:sld>
 </file>
 

--- a/powerpoint/SmartPDF/Don't Just PDF.pptx
+++ b/powerpoint/SmartPDF/Don't Just PDF.pptx
@@ -4140,7 +4140,7 @@
                   <a:schemeClr val="tx2"/>
                 </a:solidFill>
               </a:rPr>
-              <a:t>9/13/2016</a:t>
+              <a:t>9/14/2016</a:t>
             </a:fld>
             <a:endParaRPr>
               <a:solidFill>
@@ -4330,7 +4330,7 @@
             <a:fld id="{F95CF31C-F757-429C-A789-86504F04C3BE}" type="datetimeFigureOut">
               <a:rPr lang="en-US"/>
               <a:pPr/>
-              <a:t>9/13/2016</a:t>
+              <a:t>9/14/2016</a:t>
             </a:fld>
             <a:endParaRPr/>
           </a:p>
@@ -4751,7 +4751,7 @@
           <a:p>
             <a:fld id="{43BAF7D2-47D3-439E-B818-706FF392AEFA}" type="datetimeFigureOut">
               <a:rPr lang="en-IN" smtClean="0"/>
-              <a:t>13-09-2016</a:t>
+              <a:t>14-09-2016</a:t>
             </a:fld>
             <a:endParaRPr lang="en-IN"/>
           </a:p>
@@ -4921,7 +4921,7 @@
           <a:p>
             <a:fld id="{43BAF7D2-47D3-439E-B818-706FF392AEFA}" type="datetimeFigureOut">
               <a:rPr lang="en-IN" smtClean="0"/>
-              <a:t>13-09-2016</a:t>
+              <a:t>14-09-2016</a:t>
             </a:fld>
             <a:endParaRPr lang="en-IN"/>
           </a:p>
@@ -5101,7 +5101,7 @@
           <a:p>
             <a:fld id="{43BAF7D2-47D3-439E-B818-706FF392AEFA}" type="datetimeFigureOut">
               <a:rPr lang="en-IN" smtClean="0"/>
-              <a:t>13-09-2016</a:t>
+              <a:t>14-09-2016</a:t>
             </a:fld>
             <a:endParaRPr lang="en-IN"/>
           </a:p>
@@ -5407,7 +5407,7 @@
           <a:p>
             <a:fld id="{43BAF7D2-47D3-439E-B818-706FF392AEFA}" type="datetimeFigureOut">
               <a:rPr lang="en-IN" smtClean="0"/>
-              <a:t>13-09-2016</a:t>
+              <a:t>14-09-2016</a:t>
             </a:fld>
             <a:endParaRPr lang="en-IN"/>
           </a:p>
@@ -5774,7 +5774,7 @@
           <a:p>
             <a:fld id="{43BAF7D2-47D3-439E-B818-706FF392AEFA}" type="datetimeFigureOut">
               <a:rPr lang="en-IN" smtClean="0"/>
-              <a:t>13-09-2016</a:t>
+              <a:t>14-09-2016</a:t>
             </a:fld>
             <a:endParaRPr lang="en-IN"/>
           </a:p>
@@ -5892,7 +5892,7 @@
           <a:p>
             <a:fld id="{43BAF7D2-47D3-439E-B818-706FF392AEFA}" type="datetimeFigureOut">
               <a:rPr lang="en-IN" smtClean="0"/>
-              <a:t>13-09-2016</a:t>
+              <a:t>14-09-2016</a:t>
             </a:fld>
             <a:endParaRPr lang="en-IN"/>
           </a:p>
@@ -5987,7 +5987,7 @@
           <a:p>
             <a:fld id="{43BAF7D2-47D3-439E-B818-706FF392AEFA}" type="datetimeFigureOut">
               <a:rPr lang="en-IN" smtClean="0"/>
-              <a:t>13-09-2016</a:t>
+              <a:t>14-09-2016</a:t>
             </a:fld>
             <a:endParaRPr lang="en-IN"/>
           </a:p>
@@ -6264,7 +6264,7 @@
           <a:p>
             <a:fld id="{43BAF7D2-47D3-439E-B818-706FF392AEFA}" type="datetimeFigureOut">
               <a:rPr lang="en-IN" smtClean="0"/>
-              <a:t>13-09-2016</a:t>
+              <a:t>14-09-2016</a:t>
             </a:fld>
             <a:endParaRPr lang="en-IN"/>
           </a:p>
@@ -6521,7 +6521,7 @@
           <a:p>
             <a:fld id="{43BAF7D2-47D3-439E-B818-706FF392AEFA}" type="datetimeFigureOut">
               <a:rPr lang="en-IN" smtClean="0"/>
-              <a:t>13-09-2016</a:t>
+              <a:t>14-09-2016</a:t>
             </a:fld>
             <a:endParaRPr lang="en-IN"/>
           </a:p>
@@ -6743,7 +6743,7 @@
           <a:p>
             <a:fld id="{43BAF7D2-47D3-439E-B818-706FF392AEFA}" type="datetimeFigureOut">
               <a:rPr lang="en-IN" smtClean="0"/>
-              <a:t>13-09-2016</a:t>
+              <a:t>14-09-2016</a:t>
             </a:fld>
             <a:endParaRPr lang="en-IN"/>
           </a:p>
@@ -7624,13 +7624,13 @@
   <p:clrMapOvr>
     <a:masterClrMapping/>
   </p:clrMapOvr>
-  <mc:AlternateContent xmlns:mc="http://schemas.openxmlformats.org/markup-compatibility/2006">
-    <mc:Choice xmlns:p15="http://schemas.microsoft.com/office/powerpoint/2012/main" Requires="p15">
+  <mc:AlternateContent xmlns:mc="http://schemas.openxmlformats.org/markup-compatibility/2006" xmlns:p15="http://schemas.microsoft.com/office/powerpoint/2012/main">
+    <mc:Choice Requires="p15">
       <p:transition xmlns:p14="http://schemas.microsoft.com/office/powerpoint/2010/main" spd="slow" p14:dur="2000">
         <p15:prstTrans prst="fallOver"/>
       </p:transition>
     </mc:Choice>
-    <mc:Fallback>
+    <mc:Fallback xmlns="">
       <p:transition spd="slow">
         <p:fade/>
       </p:transition>
@@ -8530,13 +8530,13 @@
   <p:clrMapOvr>
     <a:masterClrMapping/>
   </p:clrMapOvr>
-  <mc:AlternateContent xmlns:mc="http://schemas.openxmlformats.org/markup-compatibility/2006">
-    <mc:Choice xmlns:p15="http://schemas.microsoft.com/office/powerpoint/2012/main" Requires="p15">
+  <mc:AlternateContent xmlns:mc="http://schemas.openxmlformats.org/markup-compatibility/2006" xmlns:p15="http://schemas.microsoft.com/office/powerpoint/2012/main">
+    <mc:Choice Requires="p15">
       <p:transition xmlns:p14="http://schemas.microsoft.com/office/powerpoint/2010/main" spd="slow" p14:dur="2000">
         <p15:prstTrans prst="fallOver"/>
       </p:transition>
     </mc:Choice>
-    <mc:Fallback>
+    <mc:Fallback xmlns="">
       <p:transition spd="slow">
         <p:fade/>
       </p:transition>
@@ -9088,13 +9088,13 @@
   <p:clrMapOvr>
     <a:masterClrMapping/>
   </p:clrMapOvr>
-  <mc:AlternateContent xmlns:mc="http://schemas.openxmlformats.org/markup-compatibility/2006">
-    <mc:Choice xmlns:p15="http://schemas.microsoft.com/office/powerpoint/2012/main" Requires="p15">
+  <mc:AlternateContent xmlns:mc="http://schemas.openxmlformats.org/markup-compatibility/2006" xmlns:p15="http://schemas.microsoft.com/office/powerpoint/2012/main">
+    <mc:Choice Requires="p15">
       <p:transition xmlns:p14="http://schemas.microsoft.com/office/powerpoint/2010/main" spd="slow" p14:dur="2000">
         <p15:prstTrans prst="fallOver"/>
       </p:transition>
     </mc:Choice>
-    <mc:Fallback>
+    <mc:Fallback xmlns="">
       <p:transition spd="slow">
         <p:fade/>
       </p:transition>
@@ -9642,13 +9642,13 @@
   <p:clrMapOvr>
     <a:masterClrMapping/>
   </p:clrMapOvr>
-  <mc:AlternateContent xmlns:mc="http://schemas.openxmlformats.org/markup-compatibility/2006">
-    <mc:Choice xmlns:p15="http://schemas.microsoft.com/office/powerpoint/2012/main" Requires="p15">
+  <mc:AlternateContent xmlns:mc="http://schemas.openxmlformats.org/markup-compatibility/2006" xmlns:p15="http://schemas.microsoft.com/office/powerpoint/2012/main">
+    <mc:Choice Requires="p15">
       <p:transition xmlns:p14="http://schemas.microsoft.com/office/powerpoint/2010/main" spd="slow" p14:dur="2000">
         <p15:prstTrans prst="fallOver"/>
       </p:transition>
     </mc:Choice>
-    <mc:Fallback>
+    <mc:Fallback xmlns="">
       <p:transition spd="slow">
         <p:fade/>
       </p:transition>
@@ -10293,13 +10293,13 @@
   <p:clrMapOvr>
     <a:masterClrMapping/>
   </p:clrMapOvr>
-  <mc:AlternateContent xmlns:mc="http://schemas.openxmlformats.org/markup-compatibility/2006">
-    <mc:Choice xmlns:p15="http://schemas.microsoft.com/office/powerpoint/2012/main" Requires="p15">
+  <mc:AlternateContent xmlns:mc="http://schemas.openxmlformats.org/markup-compatibility/2006" xmlns:p15="http://schemas.microsoft.com/office/powerpoint/2012/main">
+    <mc:Choice Requires="p15">
       <p:transition xmlns:p14="http://schemas.microsoft.com/office/powerpoint/2010/main" spd="slow" p14:dur="2000">
         <p15:prstTrans prst="fallOver"/>
       </p:transition>
     </mc:Choice>
-    <mc:Fallback>
+    <mc:Fallback xmlns="">
       <p:transition spd="slow">
         <p:fade/>
       </p:transition>
@@ -10828,13 +10828,13 @@
   <p:clrMapOvr>
     <a:masterClrMapping/>
   </p:clrMapOvr>
-  <mc:AlternateContent xmlns:mc="http://schemas.openxmlformats.org/markup-compatibility/2006">
-    <mc:Choice xmlns:p15="http://schemas.microsoft.com/office/powerpoint/2012/main" Requires="p15">
+  <mc:AlternateContent xmlns:mc="http://schemas.openxmlformats.org/markup-compatibility/2006" xmlns:p15="http://schemas.microsoft.com/office/powerpoint/2012/main">
+    <mc:Choice Requires="p15">
       <p:transition xmlns:p14="http://schemas.microsoft.com/office/powerpoint/2010/main" spd="slow" p14:dur="2000">
         <p15:prstTrans prst="fallOver"/>
       </p:transition>
     </mc:Choice>
-    <mc:Fallback>
+    <mc:Fallback xmlns="">
       <p:transition spd="slow">
         <p:fade/>
       </p:transition>
@@ -12147,13 +12147,13 @@
   <p:clrMapOvr>
     <a:masterClrMapping/>
   </p:clrMapOvr>
-  <mc:AlternateContent xmlns:mc="http://schemas.openxmlformats.org/markup-compatibility/2006">
-    <mc:Choice xmlns:p15="http://schemas.microsoft.com/office/powerpoint/2012/main" Requires="p15">
+  <mc:AlternateContent xmlns:mc="http://schemas.openxmlformats.org/markup-compatibility/2006" xmlns:p15="http://schemas.microsoft.com/office/powerpoint/2012/main">
+    <mc:Choice Requires="p15">
       <p:transition xmlns:p14="http://schemas.microsoft.com/office/powerpoint/2010/main" spd="slow" p14:dur="2000">
         <p15:prstTrans prst="fallOver"/>
       </p:transition>
     </mc:Choice>
-    <mc:Fallback>
+    <mc:Fallback xmlns="">
       <p:transition spd="slow">
         <p:fade/>
       </p:transition>
@@ -14470,13 +14470,13 @@
   <p:clrMapOvr>
     <a:masterClrMapping/>
   </p:clrMapOvr>
-  <mc:AlternateContent xmlns:mc="http://schemas.openxmlformats.org/markup-compatibility/2006">
-    <mc:Choice xmlns:p15="http://schemas.microsoft.com/office/powerpoint/2012/main" Requires="p15">
+  <mc:AlternateContent xmlns:mc="http://schemas.openxmlformats.org/markup-compatibility/2006" xmlns:p15="http://schemas.microsoft.com/office/powerpoint/2012/main">
+    <mc:Choice Requires="p15">
       <p:transition xmlns:p14="http://schemas.microsoft.com/office/powerpoint/2010/main" spd="slow" p14:dur="2000">
         <p15:prstTrans prst="fallOver"/>
       </p:transition>
     </mc:Choice>
-    <mc:Fallback>
+    <mc:Fallback xmlns="">
       <p:transition spd="slow">
         <p:fade/>
       </p:transition>
@@ -15616,13 +15616,13 @@
   <p:clrMapOvr>
     <a:masterClrMapping/>
   </p:clrMapOvr>
-  <mc:AlternateContent xmlns:mc="http://schemas.openxmlformats.org/markup-compatibility/2006">
-    <mc:Choice xmlns:p15="http://schemas.microsoft.com/office/powerpoint/2012/main" Requires="p15">
+  <mc:AlternateContent xmlns:mc="http://schemas.openxmlformats.org/markup-compatibility/2006" xmlns:p15="http://schemas.microsoft.com/office/powerpoint/2012/main">
+    <mc:Choice Requires="p15">
       <p:transition xmlns:p14="http://schemas.microsoft.com/office/powerpoint/2010/main" spd="slow" p14:dur="2000">
         <p15:prstTrans prst="fallOver"/>
       </p:transition>
     </mc:Choice>
-    <mc:Fallback>
+    <mc:Fallback xmlns="">
       <p:transition spd="slow">
         <p:fade/>
       </p:transition>
@@ -16296,13 +16296,13 @@
   <p:clrMapOvr>
     <a:masterClrMapping/>
   </p:clrMapOvr>
-  <mc:AlternateContent xmlns:mc="http://schemas.openxmlformats.org/markup-compatibility/2006">
-    <mc:Choice xmlns:p15="http://schemas.microsoft.com/office/powerpoint/2012/main" Requires="p15">
+  <mc:AlternateContent xmlns:mc="http://schemas.openxmlformats.org/markup-compatibility/2006" xmlns:p15="http://schemas.microsoft.com/office/powerpoint/2012/main">
+    <mc:Choice Requires="p15">
       <p:transition xmlns:p14="http://schemas.microsoft.com/office/powerpoint/2010/main" spd="slow" p14:dur="2000">
         <p15:prstTrans prst="fallOver"/>
       </p:transition>
     </mc:Choice>
-    <mc:Fallback>
+    <mc:Fallback xmlns="">
       <p:transition spd="slow">
         <p:fade/>
       </p:transition>
@@ -16675,13 +16675,13 @@
   <p:clrMapOvr>
     <a:masterClrMapping/>
   </p:clrMapOvr>
-  <mc:AlternateContent xmlns:mc="http://schemas.openxmlformats.org/markup-compatibility/2006">
-    <mc:Choice xmlns:p15="http://schemas.microsoft.com/office/powerpoint/2012/main" Requires="p15">
+  <mc:AlternateContent xmlns:mc="http://schemas.openxmlformats.org/markup-compatibility/2006" xmlns:p15="http://schemas.microsoft.com/office/powerpoint/2012/main">
+    <mc:Choice Requires="p15">
       <p:transition xmlns:p14="http://schemas.microsoft.com/office/powerpoint/2010/main" spd="slow" p14:dur="2000">
         <p15:prstTrans prst="fallOver"/>
       </p:transition>
     </mc:Choice>
-    <mc:Fallback>
+    <mc:Fallback xmlns="">
       <p:transition spd="slow">
         <p:fade/>
       </p:transition>
@@ -16823,13 +16823,13 @@
   <p:clrMapOvr>
     <a:masterClrMapping/>
   </p:clrMapOvr>
-  <mc:AlternateContent xmlns:mc="http://schemas.openxmlformats.org/markup-compatibility/2006">
-    <mc:Choice xmlns:p15="http://schemas.microsoft.com/office/powerpoint/2012/main" Requires="p15">
+  <mc:AlternateContent xmlns:mc="http://schemas.openxmlformats.org/markup-compatibility/2006" xmlns:p15="http://schemas.microsoft.com/office/powerpoint/2012/main">
+    <mc:Choice Requires="p15">
       <p:transition xmlns:p14="http://schemas.microsoft.com/office/powerpoint/2010/main" spd="slow" p14:dur="2000">
         <p15:prstTrans prst="fallOver"/>
       </p:transition>
     </mc:Choice>
-    <mc:Fallback>
+    <mc:Fallback xmlns="">
       <p:transition spd="slow">
         <p:fade/>
       </p:transition>
@@ -17158,13 +17158,13 @@
   <p:clrMapOvr>
     <a:masterClrMapping/>
   </p:clrMapOvr>
-  <mc:AlternateContent xmlns:mc="http://schemas.openxmlformats.org/markup-compatibility/2006">
-    <mc:Choice xmlns:p15="http://schemas.microsoft.com/office/powerpoint/2012/main" Requires="p15">
+  <mc:AlternateContent xmlns:mc="http://schemas.openxmlformats.org/markup-compatibility/2006" xmlns:p15="http://schemas.microsoft.com/office/powerpoint/2012/main">
+    <mc:Choice Requires="p15">
       <p:transition xmlns:p14="http://schemas.microsoft.com/office/powerpoint/2010/main" spd="slow" p14:dur="2000">
         <p15:prstTrans prst="fallOver"/>
       </p:transition>
     </mc:Choice>
-    <mc:Fallback>
+    <mc:Fallback xmlns="">
       <p:transition spd="slow">
         <p:fade/>
       </p:transition>
@@ -17375,13 +17375,13 @@
   <p:clrMapOvr>
     <a:masterClrMapping/>
   </p:clrMapOvr>
-  <mc:AlternateContent xmlns:mc="http://schemas.openxmlformats.org/markup-compatibility/2006">
-    <mc:Choice xmlns:p15="http://schemas.microsoft.com/office/powerpoint/2012/main" Requires="p15">
+  <mc:AlternateContent xmlns:mc="http://schemas.openxmlformats.org/markup-compatibility/2006" xmlns:p15="http://schemas.microsoft.com/office/powerpoint/2012/main">
+    <mc:Choice Requires="p15">
       <p:transition xmlns:p14="http://schemas.microsoft.com/office/powerpoint/2010/main" spd="slow" p14:dur="2000">
         <p15:prstTrans prst="fallOver"/>
       </p:transition>
     </mc:Choice>
-    <mc:Fallback>
+    <mc:Fallback xmlns="">
       <p:transition spd="slow">
         <p:fade/>
       </p:transition>
@@ -18301,13 +18301,13 @@
   <p:clrMapOvr>
     <a:masterClrMapping/>
   </p:clrMapOvr>
-  <mc:AlternateContent xmlns:mc="http://schemas.openxmlformats.org/markup-compatibility/2006">
-    <mc:Choice xmlns:p15="http://schemas.microsoft.com/office/powerpoint/2012/main" Requires="p15">
+  <mc:AlternateContent xmlns:mc="http://schemas.openxmlformats.org/markup-compatibility/2006" xmlns:p15="http://schemas.microsoft.com/office/powerpoint/2012/main">
+    <mc:Choice Requires="p15">
       <p:transition xmlns:p14="http://schemas.microsoft.com/office/powerpoint/2010/main" spd="slow" p14:dur="2000">
         <p15:prstTrans prst="fallOver"/>
       </p:transition>
     </mc:Choice>
-    <mc:Fallback>
+    <mc:Fallback xmlns="">
       <p:transition spd="slow">
         <p:fade/>
       </p:transition>
@@ -19505,8 +19505,8 @@
         </p:nvSpPr>
         <p:spPr>
           <a:xfrm>
-            <a:off x="9447212" y="6248400"/>
-            <a:ext cx="2051524" cy="461665"/>
+            <a:off x="8837612" y="6248400"/>
+            <a:ext cx="3167214" cy="461665"/>
           </a:xfrm>
           <a:prstGeom prst="rect">
             <a:avLst/>
@@ -19523,7 +19523,7 @@
               <a:rPr lang="en-US" dirty="0">
                 <a:hlinkClick r:id="rId2"/>
               </a:rPr>
-              <a:t>Demo-Barcode</a:t>
+              <a:t>Demo-Vote Registration</a:t>
             </a:r>
             <a:endParaRPr lang="en-US" dirty="0"/>
           </a:p>
@@ -19539,13 +19539,13 @@
   <p:clrMapOvr>
     <a:masterClrMapping/>
   </p:clrMapOvr>
-  <mc:AlternateContent xmlns:mc="http://schemas.openxmlformats.org/markup-compatibility/2006">
-    <mc:Choice xmlns:p15="http://schemas.microsoft.com/office/powerpoint/2012/main" Requires="p15">
+  <mc:AlternateContent xmlns:mc="http://schemas.openxmlformats.org/markup-compatibility/2006" xmlns:p15="http://schemas.microsoft.com/office/powerpoint/2012/main">
+    <mc:Choice Requires="p15">
       <p:transition xmlns:p14="http://schemas.microsoft.com/office/powerpoint/2010/main" spd="slow" p14:dur="2000">
         <p15:prstTrans prst="fallOver"/>
       </p:transition>
     </mc:Choice>
-    <mc:Fallback>
+    <mc:Fallback xmlns="">
       <p:transition spd="slow">
         <p:fade/>
       </p:transition>
@@ -19868,13 +19868,13 @@
   <p:clrMapOvr>
     <a:masterClrMapping/>
   </p:clrMapOvr>
-  <mc:AlternateContent xmlns:mc="http://schemas.openxmlformats.org/markup-compatibility/2006">
-    <mc:Choice xmlns:p15="http://schemas.microsoft.com/office/powerpoint/2012/main" Requires="p15">
+  <mc:AlternateContent xmlns:mc="http://schemas.openxmlformats.org/markup-compatibility/2006" xmlns:p15="http://schemas.microsoft.com/office/powerpoint/2012/main">
+    <mc:Choice Requires="p15">
       <p:transition xmlns:p14="http://schemas.microsoft.com/office/powerpoint/2010/main" spd="slow" p14:dur="2000">
         <p15:prstTrans prst="fallOver"/>
       </p:transition>
     </mc:Choice>
-    <mc:Fallback>
+    <mc:Fallback xmlns="">
       <p:transition spd="slow">
         <p:fade/>
       </p:transition>
@@ -20350,13 +20350,13 @@
   <p:clrMapOvr>
     <a:masterClrMapping/>
   </p:clrMapOvr>
-  <mc:AlternateContent xmlns:mc="http://schemas.openxmlformats.org/markup-compatibility/2006">
-    <mc:Choice xmlns:p15="http://schemas.microsoft.com/office/powerpoint/2012/main" Requires="p15">
+  <mc:AlternateContent xmlns:mc="http://schemas.openxmlformats.org/markup-compatibility/2006" xmlns:p15="http://schemas.microsoft.com/office/powerpoint/2012/main">
+    <mc:Choice Requires="p15">
       <p:transition xmlns:p14="http://schemas.microsoft.com/office/powerpoint/2010/main" spd="slow" p14:dur="2000">
         <p15:prstTrans prst="fallOver"/>
       </p:transition>
     </mc:Choice>
-    <mc:Fallback>
+    <mc:Fallback xmlns="">
       <p:transition spd="slow">
         <p:fade/>
       </p:transition>
@@ -21634,13 +21634,13 @@
   <p:clrMapOvr>
     <a:masterClrMapping/>
   </p:clrMapOvr>
-  <mc:AlternateContent xmlns:mc="http://schemas.openxmlformats.org/markup-compatibility/2006">
-    <mc:Choice xmlns:p15="http://schemas.microsoft.com/office/powerpoint/2012/main" Requires="p15">
+  <mc:AlternateContent xmlns:mc="http://schemas.openxmlformats.org/markup-compatibility/2006" xmlns:p15="http://schemas.microsoft.com/office/powerpoint/2012/main">
+    <mc:Choice Requires="p15">
       <p:transition xmlns:p14="http://schemas.microsoft.com/office/powerpoint/2010/main" spd="slow" p14:dur="2000">
         <p15:prstTrans prst="fallOver"/>
       </p:transition>
     </mc:Choice>
-    <mc:Fallback>
+    <mc:Fallback xmlns="">
       <p:transition spd="slow">
         <p:fade/>
       </p:transition>
@@ -22462,13 +22462,13 @@
   <p:clrMapOvr>
     <a:masterClrMapping/>
   </p:clrMapOvr>
-  <mc:AlternateContent xmlns:mc="http://schemas.openxmlformats.org/markup-compatibility/2006">
-    <mc:Choice xmlns:p15="http://schemas.microsoft.com/office/powerpoint/2012/main" Requires="p15">
+  <mc:AlternateContent xmlns:mc="http://schemas.openxmlformats.org/markup-compatibility/2006" xmlns:p15="http://schemas.microsoft.com/office/powerpoint/2012/main">
+    <mc:Choice Requires="p15">
       <p:transition xmlns:p14="http://schemas.microsoft.com/office/powerpoint/2010/main" spd="slow" p14:dur="2000">
         <p15:prstTrans prst="fallOver"/>
       </p:transition>
     </mc:Choice>
-    <mc:Fallback>
+    <mc:Fallback xmlns="">
       <p:transition spd="slow">
         <p:fade/>
       </p:transition>
@@ -23470,13 +23470,13 @@
   <p:clrMapOvr>
     <a:masterClrMapping/>
   </p:clrMapOvr>
-  <mc:AlternateContent xmlns:mc="http://schemas.openxmlformats.org/markup-compatibility/2006">
-    <mc:Choice xmlns:p15="http://schemas.microsoft.com/office/powerpoint/2012/main" Requires="p15">
+  <mc:AlternateContent xmlns:mc="http://schemas.openxmlformats.org/markup-compatibility/2006" xmlns:p15="http://schemas.microsoft.com/office/powerpoint/2012/main">
+    <mc:Choice Requires="p15">
       <p:transition xmlns:p14="http://schemas.microsoft.com/office/powerpoint/2010/main" spd="slow" p14:dur="2000">
         <p15:prstTrans prst="fallOver"/>
       </p:transition>
     </mc:Choice>
-    <mc:Fallback>
+    <mc:Fallback xmlns="">
       <p:transition spd="slow">
         <p:fade/>
       </p:transition>
@@ -24556,13 +24556,13 @@
   <p:clrMapOvr>
     <a:masterClrMapping/>
   </p:clrMapOvr>
-  <mc:AlternateContent xmlns:mc="http://schemas.openxmlformats.org/markup-compatibility/2006">
-    <mc:Choice xmlns:p15="http://schemas.microsoft.com/office/powerpoint/2012/main" Requires="p15">
+  <mc:AlternateContent xmlns:mc="http://schemas.openxmlformats.org/markup-compatibility/2006" xmlns:p15="http://schemas.microsoft.com/office/powerpoint/2012/main">
+    <mc:Choice Requires="p15">
       <p:transition xmlns:p14="http://schemas.microsoft.com/office/powerpoint/2010/main" spd="slow" p14:dur="2000">
         <p15:prstTrans prst="fallOver"/>
       </p:transition>
     </mc:Choice>
-    <mc:Fallback>
+    <mc:Fallback xmlns="">
       <p:transition spd="slow">
         <p:fade/>
       </p:transition>
@@ -25546,13 +25546,13 @@
   <p:clrMapOvr>
     <a:masterClrMapping/>
   </p:clrMapOvr>
-  <mc:AlternateContent xmlns:mc="http://schemas.openxmlformats.org/markup-compatibility/2006">
-    <mc:Choice xmlns:p15="http://schemas.microsoft.com/office/powerpoint/2012/main" Requires="p15">
+  <mc:AlternateContent xmlns:mc="http://schemas.openxmlformats.org/markup-compatibility/2006" xmlns:p15="http://schemas.microsoft.com/office/powerpoint/2012/main">
+    <mc:Choice Requires="p15">
       <p:transition xmlns:p14="http://schemas.microsoft.com/office/powerpoint/2010/main" spd="slow" p14:dur="2000">
         <p15:prstTrans prst="fallOver"/>
       </p:transition>
     </mc:Choice>
-    <mc:Fallback>
+    <mc:Fallback xmlns="">
       <p:transition spd="slow">
         <p:fade/>
       </p:transition>
@@ -26206,7 +26206,7 @@
         <p:spPr>
           <a:xfrm>
             <a:off x="8304212" y="6172200"/>
-            <a:ext cx="3610284" cy="461665"/>
+            <a:ext cx="3066673" cy="461665"/>
           </a:xfrm>
           <a:prstGeom prst="rect">
             <a:avLst/>
@@ -26245,13 +26245,13 @@
   <p:clrMapOvr>
     <a:masterClrMapping/>
   </p:clrMapOvr>
-  <mc:AlternateContent xmlns:mc="http://schemas.openxmlformats.org/markup-compatibility/2006">
-    <mc:Choice xmlns:p15="http://schemas.microsoft.com/office/powerpoint/2012/main" Requires="p15">
+  <mc:AlternateContent xmlns:mc="http://schemas.openxmlformats.org/markup-compatibility/2006" xmlns:p15="http://schemas.microsoft.com/office/powerpoint/2012/main">
+    <mc:Choice Requires="p15">
       <p:transition xmlns:p14="http://schemas.microsoft.com/office/powerpoint/2010/main" spd="slow" p14:dur="2000">
         <p15:prstTrans prst="fallOver"/>
       </p:transition>
     </mc:Choice>
-    <mc:Fallback>
+    <mc:Fallback xmlns="">
       <p:transition spd="slow">
         <p:fade/>
       </p:transition>

--- a/powerpoint/SmartPDF/Don't Just PDF.pptx
+++ b/powerpoint/SmartPDF/Don't Just PDF.pptx
@@ -4140,7 +4140,7 @@
                   <a:schemeClr val="tx2"/>
                 </a:solidFill>
               </a:rPr>
-              <a:t>9/14/2016</a:t>
+              <a:t>9/28/2016</a:t>
             </a:fld>
             <a:endParaRPr>
               <a:solidFill>
@@ -4330,7 +4330,7 @@
             <a:fld id="{F95CF31C-F757-429C-A789-86504F04C3BE}" type="datetimeFigureOut">
               <a:rPr lang="en-US"/>
               <a:pPr/>
-              <a:t>9/14/2016</a:t>
+              <a:t>9/28/2016</a:t>
             </a:fld>
             <a:endParaRPr/>
           </a:p>
@@ -4751,7 +4751,7 @@
           <a:p>
             <a:fld id="{43BAF7D2-47D3-439E-B818-706FF392AEFA}" type="datetimeFigureOut">
               <a:rPr lang="en-IN" smtClean="0"/>
-              <a:t>14-09-2016</a:t>
+              <a:t>28-09-2016</a:t>
             </a:fld>
             <a:endParaRPr lang="en-IN"/>
           </a:p>
@@ -4921,7 +4921,7 @@
           <a:p>
             <a:fld id="{43BAF7D2-47D3-439E-B818-706FF392AEFA}" type="datetimeFigureOut">
               <a:rPr lang="en-IN" smtClean="0"/>
-              <a:t>14-09-2016</a:t>
+              <a:t>28-09-2016</a:t>
             </a:fld>
             <a:endParaRPr lang="en-IN"/>
           </a:p>
@@ -5101,7 +5101,7 @@
           <a:p>
             <a:fld id="{43BAF7D2-47D3-439E-B818-706FF392AEFA}" type="datetimeFigureOut">
               <a:rPr lang="en-IN" smtClean="0"/>
-              <a:t>14-09-2016</a:t>
+              <a:t>28-09-2016</a:t>
             </a:fld>
             <a:endParaRPr lang="en-IN"/>
           </a:p>
@@ -5407,7 +5407,7 @@
           <a:p>
             <a:fld id="{43BAF7D2-47D3-439E-B818-706FF392AEFA}" type="datetimeFigureOut">
               <a:rPr lang="en-IN" smtClean="0"/>
-              <a:t>14-09-2016</a:t>
+              <a:t>28-09-2016</a:t>
             </a:fld>
             <a:endParaRPr lang="en-IN"/>
           </a:p>
@@ -5774,7 +5774,7 @@
           <a:p>
             <a:fld id="{43BAF7D2-47D3-439E-B818-706FF392AEFA}" type="datetimeFigureOut">
               <a:rPr lang="en-IN" smtClean="0"/>
-              <a:t>14-09-2016</a:t>
+              <a:t>28-09-2016</a:t>
             </a:fld>
             <a:endParaRPr lang="en-IN"/>
           </a:p>
@@ -5892,7 +5892,7 @@
           <a:p>
             <a:fld id="{43BAF7D2-47D3-439E-B818-706FF392AEFA}" type="datetimeFigureOut">
               <a:rPr lang="en-IN" smtClean="0"/>
-              <a:t>14-09-2016</a:t>
+              <a:t>28-09-2016</a:t>
             </a:fld>
             <a:endParaRPr lang="en-IN"/>
           </a:p>
@@ -5987,7 +5987,7 @@
           <a:p>
             <a:fld id="{43BAF7D2-47D3-439E-B818-706FF392AEFA}" type="datetimeFigureOut">
               <a:rPr lang="en-IN" smtClean="0"/>
-              <a:t>14-09-2016</a:t>
+              <a:t>28-09-2016</a:t>
             </a:fld>
             <a:endParaRPr lang="en-IN"/>
           </a:p>
@@ -6264,7 +6264,7 @@
           <a:p>
             <a:fld id="{43BAF7D2-47D3-439E-B818-706FF392AEFA}" type="datetimeFigureOut">
               <a:rPr lang="en-IN" smtClean="0"/>
-              <a:t>14-09-2016</a:t>
+              <a:t>28-09-2016</a:t>
             </a:fld>
             <a:endParaRPr lang="en-IN"/>
           </a:p>
@@ -6521,7 +6521,7 @@
           <a:p>
             <a:fld id="{43BAF7D2-47D3-439E-B818-706FF392AEFA}" type="datetimeFigureOut">
               <a:rPr lang="en-IN" smtClean="0"/>
-              <a:t>14-09-2016</a:t>
+              <a:t>28-09-2016</a:t>
             </a:fld>
             <a:endParaRPr lang="en-IN"/>
           </a:p>
@@ -6743,7 +6743,7 @@
           <a:p>
             <a:fld id="{43BAF7D2-47D3-439E-B818-706FF392AEFA}" type="datetimeFigureOut">
               <a:rPr lang="en-IN" smtClean="0"/>
-              <a:t>14-09-2016</a:t>
+              <a:t>28-09-2016</a:t>
             </a:fld>
             <a:endParaRPr lang="en-IN"/>
           </a:p>
@@ -16382,9 +16382,65 @@
           </a:p>
         </p:txBody>
       </p:sp>
+      <p:pic>
+        <p:nvPicPr>
+          <p:cNvPr id="10" name="Picture 9"/>
+          <p:cNvPicPr>
+            <a:picLocks noChangeAspect="1"/>
+          </p:cNvPicPr>
+          <p:nvPr/>
+        </p:nvPicPr>
+        <p:blipFill rotWithShape="1">
+          <a:blip r:embed="rId2" cstate="print">
+            <a:extLst>
+              <a:ext uri="{28A0092B-C50C-407E-A947-70E740481C1C}">
+                <a14:useLocalDpi xmlns:a14="http://schemas.microsoft.com/office/drawing/2010/main" val="0"/>
+              </a:ext>
+            </a:extLst>
+          </a:blip>
+          <a:srcRect l="28031" r="12878"/>
+          <a:stretch/>
+        </p:blipFill>
+        <p:spPr>
+          <a:xfrm>
+            <a:off x="7161212" y="1869708"/>
+            <a:ext cx="4343402" cy="4134584"/>
+          </a:xfrm>
+          <a:prstGeom prst="roundRect">
+            <a:avLst>
+              <a:gd name="adj" fmla="val 11111"/>
+            </a:avLst>
+          </a:prstGeom>
+          <a:ln w="190500" cap="rnd">
+            <a:solidFill>
+              <a:srgbClr val="C8C6BD"/>
+            </a:solidFill>
+            <a:prstDash val="solid"/>
+          </a:ln>
+          <a:effectLst>
+            <a:outerShdw blurRad="101600" dist="50800" dir="7200000" algn="tl" rotWithShape="0">
+              <a:srgbClr val="000000">
+                <a:alpha val="45000"/>
+              </a:srgbClr>
+            </a:outerShdw>
+          </a:effectLst>
+          <a:scene3d>
+            <a:camera prst="perspectiveFront" fov="5400000"/>
+            <a:lightRig rig="threePt" dir="t">
+              <a:rot lat="0" lon="0" rev="19200000"/>
+            </a:lightRig>
+          </a:scene3d>
+          <a:sp3d extrusionH="25400">
+            <a:bevelT w="304800" h="152400" prst="hardEdge"/>
+            <a:extrusionClr>
+              <a:srgbClr val="FFFFFF"/>
+            </a:extrusionClr>
+          </a:sp3d>
+        </p:spPr>
+      </p:pic>
       <p:sp>
         <p:nvSpPr>
-          <p:cNvPr id="9" name="Content Placeholder 13"/>
+          <p:cNvPr id="5" name="Content Placeholder 13"/>
           <p:cNvSpPr txBox="1">
             <a:spLocks/>
           </p:cNvSpPr>
@@ -16392,8 +16448,8 @@
         </p:nvSpPr>
         <p:spPr>
           <a:xfrm>
-            <a:off x="1778272" y="2501900"/>
-            <a:ext cx="3834103" cy="2870200"/>
+            <a:off x="989012" y="2143492"/>
+            <a:ext cx="4495799" cy="3962400"/>
           </a:xfrm>
           <a:prstGeom prst="rect">
             <a:avLst/>
@@ -16568,103 +16624,75 @@
             </a:lvl9pPr>
           </a:lstStyle>
           <a:p>
-            <a:pPr algn="l"/>
+            <a:pPr marL="457200" indent="-457200" algn="l">
+              <a:buFont typeface="Arial" panose="020B0604020202020204" pitchFamily="34" charset="0"/>
+              <a:buChar char="•"/>
+            </a:pPr>
             <a:r>
-              <a:rPr lang="en-US" dirty="0"/>
+              <a:rPr lang="en-US" sz="2800" dirty="0"/>
               <a:t>Shirak Avakian</a:t>
             </a:r>
           </a:p>
           <a:p>
-            <a:pPr algn="l"/>
+            <a:pPr marL="457200" indent="-457200" algn="l">
+              <a:buFont typeface="Arial" panose="020B0604020202020204" pitchFamily="34" charset="0"/>
+              <a:buChar char="•"/>
+            </a:pPr>
             <a:r>
-              <a:rPr lang="en-US" dirty="0"/>
+              <a:rPr lang="en-US" sz="2800" dirty="0"/>
               <a:t>Enterprise Solution Architect</a:t>
             </a:r>
           </a:p>
           <a:p>
-            <a:pPr algn="l"/>
+            <a:pPr marL="457200" indent="-457200" algn="l">
+              <a:buFont typeface="Arial" panose="020B0604020202020204" pitchFamily="34" charset="0"/>
+              <a:buChar char="•"/>
+            </a:pPr>
             <a:r>
-              <a:rPr lang="en-US" dirty="0"/>
+              <a:rPr lang="en-US" sz="2800" dirty="0"/>
               <a:t>QBI LLC</a:t>
             </a:r>
           </a:p>
           <a:p>
-            <a:pPr algn="l"/>
+            <a:pPr marL="457200" indent="-457200" algn="l">
+              <a:buFont typeface="Arial" panose="020B0604020202020204" pitchFamily="34" charset="0"/>
+              <a:buChar char="•"/>
+            </a:pPr>
             <a:r>
-              <a:rPr lang="en-US" dirty="0"/>
+              <a:rPr lang="en-US" sz="2800" dirty="0"/>
+              <a:t>I code too</a:t>
+            </a:r>
+          </a:p>
+          <a:p>
+            <a:pPr marL="457200" indent="-457200" algn="l">
+              <a:buFont typeface="Arial" panose="020B0604020202020204" pitchFamily="34" charset="0"/>
+              <a:buChar char="•"/>
+            </a:pPr>
+            <a:r>
+              <a:rPr lang="en-US" sz="2800" dirty="0">
+                <a:hlinkClick r:id="rId3"/>
+              </a:rPr>
+              <a:t>shirakavakian@gmail.com</a:t>
+            </a:r>
+            <a:endParaRPr lang="en-US" sz="2800" dirty="0"/>
+          </a:p>
+          <a:p>
+            <a:pPr marL="457200" indent="-457200" algn="l">
+              <a:buFont typeface="Arial" panose="020B0604020202020204" pitchFamily="34" charset="0"/>
+              <a:buChar char="•"/>
+            </a:pPr>
+            <a:r>
+              <a:rPr lang="en-US" sz="2800" dirty="0"/>
               <a:t>@</a:t>
             </a:r>
             <a:r>
-              <a:rPr lang="en-US" dirty="0" err="1"/>
-              <a:t>ShirakAvakian</a:t>
+              <a:rPr lang="en-US" sz="2800" dirty="0" err="1"/>
+              <a:t>shirakavakian</a:t>
             </a:r>
-            <a:endParaRPr lang="en-US" dirty="0"/>
-          </a:p>
-          <a:p>
-            <a:pPr algn="l"/>
-            <a:r>
-              <a:rPr lang="en-US" dirty="0"/>
-              <a:t>ShirakAvakian@gmail.com</a:t>
-            </a:r>
+            <a:endParaRPr lang="en-US" sz="2800" dirty="0"/>
           </a:p>
         </p:txBody>
       </p:sp>
-      <p:pic>
-        <p:nvPicPr>
-          <p:cNvPr id="10" name="Picture 9"/>
-          <p:cNvPicPr>
-            <a:picLocks noChangeAspect="1"/>
-          </p:cNvPicPr>
-          <p:nvPr/>
-        </p:nvPicPr>
-        <p:blipFill rotWithShape="1">
-          <a:blip r:embed="rId2" cstate="print">
-            <a:extLst>
-              <a:ext uri="{28A0092B-C50C-407E-A947-70E740481C1C}">
-                <a14:useLocalDpi xmlns:a14="http://schemas.microsoft.com/office/drawing/2010/main" val="0"/>
-              </a:ext>
-            </a:extLst>
-          </a:blip>
-          <a:srcRect l="28031" r="12878"/>
-          <a:stretch/>
-        </p:blipFill>
-        <p:spPr>
-          <a:xfrm>
-            <a:off x="7161212" y="1869708"/>
-            <a:ext cx="4343402" cy="4134584"/>
-          </a:xfrm>
-          <a:prstGeom prst="roundRect">
-            <a:avLst>
-              <a:gd name="adj" fmla="val 11111"/>
-            </a:avLst>
-          </a:prstGeom>
-          <a:ln w="190500" cap="rnd">
-            <a:solidFill>
-              <a:srgbClr val="C8C6BD"/>
-            </a:solidFill>
-            <a:prstDash val="solid"/>
-          </a:ln>
-          <a:effectLst>
-            <a:outerShdw blurRad="101600" dist="50800" dir="7200000" algn="tl" rotWithShape="0">
-              <a:srgbClr val="000000">
-                <a:alpha val="45000"/>
-              </a:srgbClr>
-            </a:outerShdw>
-          </a:effectLst>
-          <a:scene3d>
-            <a:camera prst="perspectiveFront" fov="5400000"/>
-            <a:lightRig rig="threePt" dir="t">
-              <a:rot lat="0" lon="0" rev="19200000"/>
-            </a:lightRig>
-          </a:scene3d>
-          <a:sp3d extrusionH="25400">
-            <a:bevelT w="304800" h="152400" prst="hardEdge"/>
-            <a:extrusionClr>
-              <a:srgbClr val="FFFFFF"/>
-            </a:extrusionClr>
-          </a:sp3d>
-        </p:spPr>
-      </p:pic>
     </p:spTree>
     <p:extLst>
       <p:ext uri="{BB962C8B-B14F-4D97-AF65-F5344CB8AC3E}">

--- a/powerpoint/SmartPDF/Don't Just PDF.pptx
+++ b/powerpoint/SmartPDF/Don't Just PDF.pptx
@@ -4140,7 +4140,7 @@
                   <a:schemeClr val="tx2"/>
                 </a:solidFill>
               </a:rPr>
-              <a:t>9/28/2016</a:t>
+              <a:t>10/1/2016</a:t>
             </a:fld>
             <a:endParaRPr>
               <a:solidFill>
@@ -4330,7 +4330,7 @@
             <a:fld id="{F95CF31C-F757-429C-A789-86504F04C3BE}" type="datetimeFigureOut">
               <a:rPr lang="en-US"/>
               <a:pPr/>
-              <a:t>9/28/2016</a:t>
+              <a:t>10/1/2016</a:t>
             </a:fld>
             <a:endParaRPr/>
           </a:p>
@@ -4751,7 +4751,7 @@
           <a:p>
             <a:fld id="{43BAF7D2-47D3-439E-B818-706FF392AEFA}" type="datetimeFigureOut">
               <a:rPr lang="en-IN" smtClean="0"/>
-              <a:t>28-09-2016</a:t>
+              <a:t>01-10-2016</a:t>
             </a:fld>
             <a:endParaRPr lang="en-IN"/>
           </a:p>
@@ -4921,7 +4921,7 @@
           <a:p>
             <a:fld id="{43BAF7D2-47D3-439E-B818-706FF392AEFA}" type="datetimeFigureOut">
               <a:rPr lang="en-IN" smtClean="0"/>
-              <a:t>28-09-2016</a:t>
+              <a:t>01-10-2016</a:t>
             </a:fld>
             <a:endParaRPr lang="en-IN"/>
           </a:p>
@@ -5101,7 +5101,7 @@
           <a:p>
             <a:fld id="{43BAF7D2-47D3-439E-B818-706FF392AEFA}" type="datetimeFigureOut">
               <a:rPr lang="en-IN" smtClean="0"/>
-              <a:t>28-09-2016</a:t>
+              <a:t>01-10-2016</a:t>
             </a:fld>
             <a:endParaRPr lang="en-IN"/>
           </a:p>
@@ -5407,7 +5407,7 @@
           <a:p>
             <a:fld id="{43BAF7D2-47D3-439E-B818-706FF392AEFA}" type="datetimeFigureOut">
               <a:rPr lang="en-IN" smtClean="0"/>
-              <a:t>28-09-2016</a:t>
+              <a:t>01-10-2016</a:t>
             </a:fld>
             <a:endParaRPr lang="en-IN"/>
           </a:p>
@@ -5774,7 +5774,7 @@
           <a:p>
             <a:fld id="{43BAF7D2-47D3-439E-B818-706FF392AEFA}" type="datetimeFigureOut">
               <a:rPr lang="en-IN" smtClean="0"/>
-              <a:t>28-09-2016</a:t>
+              <a:t>01-10-2016</a:t>
             </a:fld>
             <a:endParaRPr lang="en-IN"/>
           </a:p>
@@ -5892,7 +5892,7 @@
           <a:p>
             <a:fld id="{43BAF7D2-47D3-439E-B818-706FF392AEFA}" type="datetimeFigureOut">
               <a:rPr lang="en-IN" smtClean="0"/>
-              <a:t>28-09-2016</a:t>
+              <a:t>01-10-2016</a:t>
             </a:fld>
             <a:endParaRPr lang="en-IN"/>
           </a:p>
@@ -5987,7 +5987,7 @@
           <a:p>
             <a:fld id="{43BAF7D2-47D3-439E-B818-706FF392AEFA}" type="datetimeFigureOut">
               <a:rPr lang="en-IN" smtClean="0"/>
-              <a:t>28-09-2016</a:t>
+              <a:t>01-10-2016</a:t>
             </a:fld>
             <a:endParaRPr lang="en-IN"/>
           </a:p>
@@ -6264,7 +6264,7 @@
           <a:p>
             <a:fld id="{43BAF7D2-47D3-439E-B818-706FF392AEFA}" type="datetimeFigureOut">
               <a:rPr lang="en-IN" smtClean="0"/>
-              <a:t>28-09-2016</a:t>
+              <a:t>01-10-2016</a:t>
             </a:fld>
             <a:endParaRPr lang="en-IN"/>
           </a:p>
@@ -6521,7 +6521,7 @@
           <a:p>
             <a:fld id="{43BAF7D2-47D3-439E-B818-706FF392AEFA}" type="datetimeFigureOut">
               <a:rPr lang="en-IN" smtClean="0"/>
-              <a:t>28-09-2016</a:t>
+              <a:t>01-10-2016</a:t>
             </a:fld>
             <a:endParaRPr lang="en-IN"/>
           </a:p>
@@ -6743,7 +6743,7 @@
           <a:p>
             <a:fld id="{43BAF7D2-47D3-439E-B818-706FF392AEFA}" type="datetimeFigureOut">
               <a:rPr lang="en-IN" smtClean="0"/>
-              <a:t>28-09-2016</a:t>
+              <a:t>01-10-2016</a:t>
             </a:fld>
             <a:endParaRPr lang="en-IN"/>
           </a:p>
@@ -7233,6 +7233,9 @@
   <p:clrMapOvr>
     <a:masterClrMapping/>
   </p:clrMapOvr>
+  <p:transition spd="slow">
+    <p:push dir="u"/>
+  </p:transition>
 </p:sld>
 </file>
 
@@ -7624,18 +7627,9 @@
   <p:clrMapOvr>
     <a:masterClrMapping/>
   </p:clrMapOvr>
-  <mc:AlternateContent xmlns:mc="http://schemas.openxmlformats.org/markup-compatibility/2006" xmlns:p15="http://schemas.microsoft.com/office/powerpoint/2012/main">
-    <mc:Choice Requires="p15">
-      <p:transition xmlns:p14="http://schemas.microsoft.com/office/powerpoint/2010/main" spd="slow" p14:dur="2000">
-        <p15:prstTrans prst="fallOver"/>
-      </p:transition>
-    </mc:Choice>
-    <mc:Fallback xmlns="">
-      <p:transition spd="slow">
-        <p:fade/>
-      </p:transition>
-    </mc:Fallback>
-  </mc:AlternateContent>
+  <p:transition spd="slow">
+    <p:push dir="u"/>
+  </p:transition>
   <p:timing>
     <p:tnLst>
       <p:par>
@@ -8530,18 +8524,9 @@
   <p:clrMapOvr>
     <a:masterClrMapping/>
   </p:clrMapOvr>
-  <mc:AlternateContent xmlns:mc="http://schemas.openxmlformats.org/markup-compatibility/2006" xmlns:p15="http://schemas.microsoft.com/office/powerpoint/2012/main">
-    <mc:Choice Requires="p15">
-      <p:transition xmlns:p14="http://schemas.microsoft.com/office/powerpoint/2010/main" spd="slow" p14:dur="2000">
-        <p15:prstTrans prst="fallOver"/>
-      </p:transition>
-    </mc:Choice>
-    <mc:Fallback xmlns="">
-      <p:transition spd="slow">
-        <p:fade/>
-      </p:transition>
-    </mc:Fallback>
-  </mc:AlternateContent>
+  <p:transition spd="slow">
+    <p:push dir="u"/>
+  </p:transition>
   <p:timing>
     <p:tnLst>
       <p:par>
@@ -9088,18 +9073,9 @@
   <p:clrMapOvr>
     <a:masterClrMapping/>
   </p:clrMapOvr>
-  <mc:AlternateContent xmlns:mc="http://schemas.openxmlformats.org/markup-compatibility/2006" xmlns:p15="http://schemas.microsoft.com/office/powerpoint/2012/main">
-    <mc:Choice Requires="p15">
-      <p:transition xmlns:p14="http://schemas.microsoft.com/office/powerpoint/2010/main" spd="slow" p14:dur="2000">
-        <p15:prstTrans prst="fallOver"/>
-      </p:transition>
-    </mc:Choice>
-    <mc:Fallback xmlns="">
-      <p:transition spd="slow">
-        <p:fade/>
-      </p:transition>
-    </mc:Fallback>
-  </mc:AlternateContent>
+  <p:transition spd="slow">
+    <p:push dir="u"/>
+  </p:transition>
 </p:sld>
 </file>
 
@@ -9642,18 +9618,9 @@
   <p:clrMapOvr>
     <a:masterClrMapping/>
   </p:clrMapOvr>
-  <mc:AlternateContent xmlns:mc="http://schemas.openxmlformats.org/markup-compatibility/2006" xmlns:p15="http://schemas.microsoft.com/office/powerpoint/2012/main">
-    <mc:Choice Requires="p15">
-      <p:transition xmlns:p14="http://schemas.microsoft.com/office/powerpoint/2010/main" spd="slow" p14:dur="2000">
-        <p15:prstTrans prst="fallOver"/>
-      </p:transition>
-    </mc:Choice>
-    <mc:Fallback xmlns="">
-      <p:transition spd="slow">
-        <p:fade/>
-      </p:transition>
-    </mc:Fallback>
-  </mc:AlternateContent>
+  <p:transition spd="slow">
+    <p:push dir="u"/>
+  </p:transition>
   <p:timing>
     <p:tnLst>
       <p:par>
@@ -10293,18 +10260,9 @@
   <p:clrMapOvr>
     <a:masterClrMapping/>
   </p:clrMapOvr>
-  <mc:AlternateContent xmlns:mc="http://schemas.openxmlformats.org/markup-compatibility/2006" xmlns:p15="http://schemas.microsoft.com/office/powerpoint/2012/main">
-    <mc:Choice Requires="p15">
-      <p:transition xmlns:p14="http://schemas.microsoft.com/office/powerpoint/2010/main" spd="slow" p14:dur="2000">
-        <p15:prstTrans prst="fallOver"/>
-      </p:transition>
-    </mc:Choice>
-    <mc:Fallback xmlns="">
-      <p:transition spd="slow">
-        <p:fade/>
-      </p:transition>
-    </mc:Fallback>
-  </mc:AlternateContent>
+  <p:transition spd="slow">
+    <p:push dir="u"/>
+  </p:transition>
 </p:sld>
 </file>
 
@@ -10828,18 +10786,9 @@
   <p:clrMapOvr>
     <a:masterClrMapping/>
   </p:clrMapOvr>
-  <mc:AlternateContent xmlns:mc="http://schemas.openxmlformats.org/markup-compatibility/2006" xmlns:p15="http://schemas.microsoft.com/office/powerpoint/2012/main">
-    <mc:Choice Requires="p15">
-      <p:transition xmlns:p14="http://schemas.microsoft.com/office/powerpoint/2010/main" spd="slow" p14:dur="2000">
-        <p15:prstTrans prst="fallOver"/>
-      </p:transition>
-    </mc:Choice>
-    <mc:Fallback xmlns="">
-      <p:transition spd="slow">
-        <p:fade/>
-      </p:transition>
-    </mc:Fallback>
-  </mc:AlternateContent>
+  <p:transition spd="slow">
+    <p:push dir="u"/>
+  </p:transition>
   <p:timing>
     <p:tnLst>
       <p:par>
@@ -12147,18 +12096,9 @@
   <p:clrMapOvr>
     <a:masterClrMapping/>
   </p:clrMapOvr>
-  <mc:AlternateContent xmlns:mc="http://schemas.openxmlformats.org/markup-compatibility/2006" xmlns:p15="http://schemas.microsoft.com/office/powerpoint/2012/main">
-    <mc:Choice Requires="p15">
-      <p:transition xmlns:p14="http://schemas.microsoft.com/office/powerpoint/2010/main" spd="slow" p14:dur="2000">
-        <p15:prstTrans prst="fallOver"/>
-      </p:transition>
-    </mc:Choice>
-    <mc:Fallback xmlns="">
-      <p:transition spd="slow">
-        <p:fade/>
-      </p:transition>
-    </mc:Fallback>
-  </mc:AlternateContent>
+  <p:transition spd="slow">
+    <p:push dir="u"/>
+  </p:transition>
   <p:timing>
     <p:tnLst>
       <p:par>
@@ -14470,18 +14410,9 @@
   <p:clrMapOvr>
     <a:masterClrMapping/>
   </p:clrMapOvr>
-  <mc:AlternateContent xmlns:mc="http://schemas.openxmlformats.org/markup-compatibility/2006" xmlns:p15="http://schemas.microsoft.com/office/powerpoint/2012/main">
-    <mc:Choice Requires="p15">
-      <p:transition xmlns:p14="http://schemas.microsoft.com/office/powerpoint/2010/main" spd="slow" p14:dur="2000">
-        <p15:prstTrans prst="fallOver"/>
-      </p:transition>
-    </mc:Choice>
-    <mc:Fallback xmlns="">
-      <p:transition spd="slow">
-        <p:fade/>
-      </p:transition>
-    </mc:Fallback>
-  </mc:AlternateContent>
+  <p:transition spd="slow">
+    <p:push dir="u"/>
+  </p:transition>
   <p:timing>
     <p:tnLst>
       <p:par>
@@ -15616,18 +15547,9 @@
   <p:clrMapOvr>
     <a:masterClrMapping/>
   </p:clrMapOvr>
-  <mc:AlternateContent xmlns:mc="http://schemas.openxmlformats.org/markup-compatibility/2006" xmlns:p15="http://schemas.microsoft.com/office/powerpoint/2012/main">
-    <mc:Choice Requires="p15">
-      <p:transition xmlns:p14="http://schemas.microsoft.com/office/powerpoint/2010/main" spd="slow" p14:dur="2000">
-        <p15:prstTrans prst="fallOver"/>
-      </p:transition>
-    </mc:Choice>
-    <mc:Fallback xmlns="">
-      <p:transition spd="slow">
-        <p:fade/>
-      </p:transition>
-    </mc:Fallback>
-  </mc:AlternateContent>
+  <p:transition spd="slow">
+    <p:push dir="u"/>
+  </p:transition>
   <p:timing>
     <p:tnLst>
       <p:par>
@@ -16296,18 +16218,9 @@
   <p:clrMapOvr>
     <a:masterClrMapping/>
   </p:clrMapOvr>
-  <mc:AlternateContent xmlns:mc="http://schemas.openxmlformats.org/markup-compatibility/2006" xmlns:p15="http://schemas.microsoft.com/office/powerpoint/2012/main">
-    <mc:Choice Requires="p15">
-      <p:transition xmlns:p14="http://schemas.microsoft.com/office/powerpoint/2010/main" spd="slow" p14:dur="2000">
-        <p15:prstTrans prst="fallOver"/>
-      </p:transition>
-    </mc:Choice>
-    <mc:Fallback xmlns="">
-      <p:transition spd="slow">
-        <p:fade/>
-      </p:transition>
-    </mc:Fallback>
-  </mc:AlternateContent>
+  <p:transition spd="slow">
+    <p:push dir="u"/>
+  </p:transition>
 </p:sld>
 </file>
 
@@ -16703,18 +16616,9 @@
   <p:clrMapOvr>
     <a:masterClrMapping/>
   </p:clrMapOvr>
-  <mc:AlternateContent xmlns:mc="http://schemas.openxmlformats.org/markup-compatibility/2006" xmlns:p15="http://schemas.microsoft.com/office/powerpoint/2012/main">
-    <mc:Choice Requires="p15">
-      <p:transition xmlns:p14="http://schemas.microsoft.com/office/powerpoint/2010/main" spd="slow" p14:dur="2000">
-        <p15:prstTrans prst="fallOver"/>
-      </p:transition>
-    </mc:Choice>
-    <mc:Fallback xmlns="">
-      <p:transition spd="slow">
-        <p:fade/>
-      </p:transition>
-    </mc:Fallback>
-  </mc:AlternateContent>
+  <p:transition spd="slow">
+    <p:push dir="u"/>
+  </p:transition>
 </p:sld>
 </file>
 
@@ -16851,18 +16755,9 @@
   <p:clrMapOvr>
     <a:masterClrMapping/>
   </p:clrMapOvr>
-  <mc:AlternateContent xmlns:mc="http://schemas.openxmlformats.org/markup-compatibility/2006" xmlns:p15="http://schemas.microsoft.com/office/powerpoint/2012/main">
-    <mc:Choice Requires="p15">
-      <p:transition xmlns:p14="http://schemas.microsoft.com/office/powerpoint/2010/main" spd="slow" p14:dur="2000">
-        <p15:prstTrans prst="fallOver"/>
-      </p:transition>
-    </mc:Choice>
-    <mc:Fallback xmlns="">
-      <p:transition spd="slow">
-        <p:fade/>
-      </p:transition>
-    </mc:Fallback>
-  </mc:AlternateContent>
+  <p:transition spd="slow">
+    <p:push dir="u"/>
+  </p:transition>
   <p:timing>
     <p:tnLst>
       <p:par>
@@ -17186,18 +17081,9 @@
   <p:clrMapOvr>
     <a:masterClrMapping/>
   </p:clrMapOvr>
-  <mc:AlternateContent xmlns:mc="http://schemas.openxmlformats.org/markup-compatibility/2006" xmlns:p15="http://schemas.microsoft.com/office/powerpoint/2012/main">
-    <mc:Choice Requires="p15">
-      <p:transition xmlns:p14="http://schemas.microsoft.com/office/powerpoint/2010/main" spd="slow" p14:dur="2000">
-        <p15:prstTrans prst="fallOver"/>
-      </p:transition>
-    </mc:Choice>
-    <mc:Fallback xmlns="">
-      <p:transition spd="slow">
-        <p:fade/>
-      </p:transition>
-    </mc:Fallback>
-  </mc:AlternateContent>
+  <p:transition spd="slow">
+    <p:push dir="u"/>
+  </p:transition>
 </p:sld>
 </file>
 
@@ -17403,18 +17289,9 @@
   <p:clrMapOvr>
     <a:masterClrMapping/>
   </p:clrMapOvr>
-  <mc:AlternateContent xmlns:mc="http://schemas.openxmlformats.org/markup-compatibility/2006" xmlns:p15="http://schemas.microsoft.com/office/powerpoint/2012/main">
-    <mc:Choice Requires="p15">
-      <p:transition xmlns:p14="http://schemas.microsoft.com/office/powerpoint/2010/main" spd="slow" p14:dur="2000">
-        <p15:prstTrans prst="fallOver"/>
-      </p:transition>
-    </mc:Choice>
-    <mc:Fallback xmlns="">
-      <p:transition spd="slow">
-        <p:fade/>
-      </p:transition>
-    </mc:Fallback>
-  </mc:AlternateContent>
+  <p:transition spd="slow">
+    <p:push dir="u"/>
+  </p:transition>
   <p:timing>
     <p:tnLst>
       <p:par>
@@ -18329,18 +18206,9 @@
   <p:clrMapOvr>
     <a:masterClrMapping/>
   </p:clrMapOvr>
-  <mc:AlternateContent xmlns:mc="http://schemas.openxmlformats.org/markup-compatibility/2006" xmlns:p15="http://schemas.microsoft.com/office/powerpoint/2012/main">
-    <mc:Choice Requires="p15">
-      <p:transition xmlns:p14="http://schemas.microsoft.com/office/powerpoint/2010/main" spd="slow" p14:dur="2000">
-        <p15:prstTrans prst="fallOver"/>
-      </p:transition>
-    </mc:Choice>
-    <mc:Fallback xmlns="">
-      <p:transition spd="slow">
-        <p:fade/>
-      </p:transition>
-    </mc:Fallback>
-  </mc:AlternateContent>
+  <p:transition spd="slow">
+    <p:push dir="u"/>
+  </p:transition>
   <p:timing>
     <p:tnLst>
       <p:par>
@@ -19567,18 +19435,9 @@
   <p:clrMapOvr>
     <a:masterClrMapping/>
   </p:clrMapOvr>
-  <mc:AlternateContent xmlns:mc="http://schemas.openxmlformats.org/markup-compatibility/2006" xmlns:p15="http://schemas.microsoft.com/office/powerpoint/2012/main">
-    <mc:Choice Requires="p15">
-      <p:transition xmlns:p14="http://schemas.microsoft.com/office/powerpoint/2010/main" spd="slow" p14:dur="2000">
-        <p15:prstTrans prst="fallOver"/>
-      </p:transition>
-    </mc:Choice>
-    <mc:Fallback xmlns="">
-      <p:transition spd="slow">
-        <p:fade/>
-      </p:transition>
-    </mc:Fallback>
-  </mc:AlternateContent>
+  <p:transition spd="slow">
+    <p:push dir="u"/>
+  </p:transition>
 </p:sld>
 </file>
 
@@ -19896,150 +19755,9 @@
   <p:clrMapOvr>
     <a:masterClrMapping/>
   </p:clrMapOvr>
-  <mc:AlternateContent xmlns:mc="http://schemas.openxmlformats.org/markup-compatibility/2006" xmlns:p15="http://schemas.microsoft.com/office/powerpoint/2012/main">
-    <mc:Choice Requires="p15">
-      <p:transition xmlns:p14="http://schemas.microsoft.com/office/powerpoint/2010/main" spd="slow" p14:dur="2000">
-        <p15:prstTrans prst="fallOver"/>
-      </p:transition>
-    </mc:Choice>
-    <mc:Fallback xmlns="">
-      <p:transition spd="slow">
-        <p:fade/>
-      </p:transition>
-    </mc:Fallback>
-  </mc:AlternateContent>
-  <p:timing>
-    <p:tnLst>
-      <p:par>
-        <p:cTn id="1" dur="indefinite" restart="never" nodeType="tmRoot">
-          <p:childTnLst>
-            <p:seq concurrent="1" nextAc="seek">
-              <p:cTn id="2" dur="indefinite" nodeType="mainSeq">
-                <p:childTnLst>
-                  <p:par>
-                    <p:cTn id="3" fill="hold">
-                      <p:stCondLst>
-                        <p:cond delay="indefinite"/>
-                      </p:stCondLst>
-                      <p:childTnLst>
-                        <p:par>
-                          <p:cTn id="4" fill="hold">
-                            <p:stCondLst>
-                              <p:cond delay="0"/>
-                            </p:stCondLst>
-                            <p:childTnLst>
-                              <p:par>
-                                <p:cTn id="5" presetID="42" presetClass="entr" presetSubtype="0" fill="hold" grpId="0" nodeType="clickEffect">
-                                  <p:stCondLst>
-                                    <p:cond delay="0"/>
-                                  </p:stCondLst>
-                                  <p:childTnLst>
-                                    <p:set>
-                                      <p:cBhvr>
-                                        <p:cTn id="6" dur="1" fill="hold">
-                                          <p:stCondLst>
-                                            <p:cond delay="0"/>
-                                          </p:stCondLst>
-                                        </p:cTn>
-                                        <p:tgtEl>
-                                          <p:spTgt spid="6"/>
-                                        </p:tgtEl>
-                                        <p:attrNameLst>
-                                          <p:attrName>style.visibility</p:attrName>
-                                        </p:attrNameLst>
-                                      </p:cBhvr>
-                                      <p:to>
-                                        <p:strVal val="visible"/>
-                                      </p:to>
-                                    </p:set>
-                                    <p:animEffect transition="in" filter="fade">
-                                      <p:cBhvr>
-                                        <p:cTn id="7" dur="1000"/>
-                                        <p:tgtEl>
-                                          <p:spTgt spid="6"/>
-                                        </p:tgtEl>
-                                      </p:cBhvr>
-                                    </p:animEffect>
-                                    <p:anim calcmode="lin" valueType="num">
-                                      <p:cBhvr>
-                                        <p:cTn id="8" dur="1000" fill="hold"/>
-                                        <p:tgtEl>
-                                          <p:spTgt spid="6"/>
-                                        </p:tgtEl>
-                                        <p:attrNameLst>
-                                          <p:attrName>ppt_x</p:attrName>
-                                        </p:attrNameLst>
-                                      </p:cBhvr>
-                                      <p:tavLst>
-                                        <p:tav tm="0">
-                                          <p:val>
-                                            <p:strVal val="#ppt_x"/>
-                                          </p:val>
-                                        </p:tav>
-                                        <p:tav tm="100000">
-                                          <p:val>
-                                            <p:strVal val="#ppt_x"/>
-                                          </p:val>
-                                        </p:tav>
-                                      </p:tavLst>
-                                    </p:anim>
-                                    <p:anim calcmode="lin" valueType="num">
-                                      <p:cBhvr>
-                                        <p:cTn id="9" dur="1000" fill="hold"/>
-                                        <p:tgtEl>
-                                          <p:spTgt spid="6"/>
-                                        </p:tgtEl>
-                                        <p:attrNameLst>
-                                          <p:attrName>ppt_y</p:attrName>
-                                        </p:attrNameLst>
-                                      </p:cBhvr>
-                                      <p:tavLst>
-                                        <p:tav tm="0">
-                                          <p:val>
-                                            <p:strVal val="#ppt_y+.1"/>
-                                          </p:val>
-                                        </p:tav>
-                                        <p:tav tm="100000">
-                                          <p:val>
-                                            <p:strVal val="#ppt_y"/>
-                                          </p:val>
-                                        </p:tav>
-                                      </p:tavLst>
-                                    </p:anim>
-                                  </p:childTnLst>
-                                </p:cTn>
-                              </p:par>
-                            </p:childTnLst>
-                          </p:cTn>
-                        </p:par>
-                      </p:childTnLst>
-                    </p:cTn>
-                  </p:par>
-                </p:childTnLst>
-              </p:cTn>
-              <p:prevCondLst>
-                <p:cond evt="onPrev" delay="0">
-                  <p:tgtEl>
-                    <p:sldTgt/>
-                  </p:tgtEl>
-                </p:cond>
-              </p:prevCondLst>
-              <p:nextCondLst>
-                <p:cond evt="onNext" delay="0">
-                  <p:tgtEl>
-                    <p:sldTgt/>
-                  </p:tgtEl>
-                </p:cond>
-              </p:nextCondLst>
-            </p:seq>
-          </p:childTnLst>
-        </p:cTn>
-      </p:par>
-    </p:tnLst>
-    <p:bldLst>
-      <p:bldP spid="6" grpId="0"/>
-    </p:bldLst>
-  </p:timing>
+  <p:transition spd="slow">
+    <p:push dir="u"/>
+  </p:transition>
 </p:sld>
 </file>
 
@@ -20378,18 +20096,9 @@
   <p:clrMapOvr>
     <a:masterClrMapping/>
   </p:clrMapOvr>
-  <mc:AlternateContent xmlns:mc="http://schemas.openxmlformats.org/markup-compatibility/2006" xmlns:p15="http://schemas.microsoft.com/office/powerpoint/2012/main">
-    <mc:Choice Requires="p15">
-      <p:transition xmlns:p14="http://schemas.microsoft.com/office/powerpoint/2010/main" spd="slow" p14:dur="2000">
-        <p15:prstTrans prst="fallOver"/>
-      </p:transition>
-    </mc:Choice>
-    <mc:Fallback xmlns="">
-      <p:transition spd="slow">
-        <p:fade/>
-      </p:transition>
-    </mc:Fallback>
-  </mc:AlternateContent>
+  <p:transition spd="slow">
+    <p:push dir="u"/>
+  </p:transition>
   <p:timing>
     <p:tnLst>
       <p:par>
@@ -21662,18 +21371,9 @@
   <p:clrMapOvr>
     <a:masterClrMapping/>
   </p:clrMapOvr>
-  <mc:AlternateContent xmlns:mc="http://schemas.openxmlformats.org/markup-compatibility/2006" xmlns:p15="http://schemas.microsoft.com/office/powerpoint/2012/main">
-    <mc:Choice Requires="p15">
-      <p:transition xmlns:p14="http://schemas.microsoft.com/office/powerpoint/2010/main" spd="slow" p14:dur="2000">
-        <p15:prstTrans prst="fallOver"/>
-      </p:transition>
-    </mc:Choice>
-    <mc:Fallback xmlns="">
-      <p:transition spd="slow">
-        <p:fade/>
-      </p:transition>
-    </mc:Fallback>
-  </mc:AlternateContent>
+  <p:transition spd="slow">
+    <p:push dir="u"/>
+  </p:transition>
   <p:timing>
     <p:tnLst>
       <p:par>
@@ -22490,18 +22190,9 @@
   <p:clrMapOvr>
     <a:masterClrMapping/>
   </p:clrMapOvr>
-  <mc:AlternateContent xmlns:mc="http://schemas.openxmlformats.org/markup-compatibility/2006" xmlns:p15="http://schemas.microsoft.com/office/powerpoint/2012/main">
-    <mc:Choice Requires="p15">
-      <p:transition xmlns:p14="http://schemas.microsoft.com/office/powerpoint/2010/main" spd="slow" p14:dur="2000">
-        <p15:prstTrans prst="fallOver"/>
-      </p:transition>
-    </mc:Choice>
-    <mc:Fallback xmlns="">
-      <p:transition spd="slow">
-        <p:fade/>
-      </p:transition>
-    </mc:Fallback>
-  </mc:AlternateContent>
+  <p:transition spd="slow">
+    <p:push dir="u"/>
+  </p:transition>
   <p:timing>
     <p:tnLst>
       <p:par>
@@ -23498,18 +23189,9 @@
   <p:clrMapOvr>
     <a:masterClrMapping/>
   </p:clrMapOvr>
-  <mc:AlternateContent xmlns:mc="http://schemas.openxmlformats.org/markup-compatibility/2006" xmlns:p15="http://schemas.microsoft.com/office/powerpoint/2012/main">
-    <mc:Choice Requires="p15">
-      <p:transition xmlns:p14="http://schemas.microsoft.com/office/powerpoint/2010/main" spd="slow" p14:dur="2000">
-        <p15:prstTrans prst="fallOver"/>
-      </p:transition>
-    </mc:Choice>
-    <mc:Fallback xmlns="">
-      <p:transition spd="slow">
-        <p:fade/>
-      </p:transition>
-    </mc:Fallback>
-  </mc:AlternateContent>
+  <p:transition spd="slow">
+    <p:push dir="u"/>
+  </p:transition>
   <p:timing>
     <p:tnLst>
       <p:par>
@@ -24584,18 +24266,9 @@
   <p:clrMapOvr>
     <a:masterClrMapping/>
   </p:clrMapOvr>
-  <mc:AlternateContent xmlns:mc="http://schemas.openxmlformats.org/markup-compatibility/2006" xmlns:p15="http://schemas.microsoft.com/office/powerpoint/2012/main">
-    <mc:Choice Requires="p15">
-      <p:transition xmlns:p14="http://schemas.microsoft.com/office/powerpoint/2010/main" spd="slow" p14:dur="2000">
-        <p15:prstTrans prst="fallOver"/>
-      </p:transition>
-    </mc:Choice>
-    <mc:Fallback xmlns="">
-      <p:transition spd="slow">
-        <p:fade/>
-      </p:transition>
-    </mc:Fallback>
-  </mc:AlternateContent>
+  <p:transition spd="slow">
+    <p:push dir="u"/>
+  </p:transition>
   <p:timing>
     <p:tnLst>
       <p:par>
@@ -25574,18 +25247,9 @@
   <p:clrMapOvr>
     <a:masterClrMapping/>
   </p:clrMapOvr>
-  <mc:AlternateContent xmlns:mc="http://schemas.openxmlformats.org/markup-compatibility/2006" xmlns:p15="http://schemas.microsoft.com/office/powerpoint/2012/main">
-    <mc:Choice Requires="p15">
-      <p:transition xmlns:p14="http://schemas.microsoft.com/office/powerpoint/2010/main" spd="slow" p14:dur="2000">
-        <p15:prstTrans prst="fallOver"/>
-      </p:transition>
-    </mc:Choice>
-    <mc:Fallback xmlns="">
-      <p:transition spd="slow">
-        <p:fade/>
-      </p:transition>
-    </mc:Fallback>
-  </mc:AlternateContent>
+  <p:transition spd="slow">
+    <p:push dir="u"/>
+  </p:transition>
   <p:timing>
     <p:tnLst>
       <p:par>
@@ -26273,18 +25937,9 @@
   <p:clrMapOvr>
     <a:masterClrMapping/>
   </p:clrMapOvr>
-  <mc:AlternateContent xmlns:mc="http://schemas.openxmlformats.org/markup-compatibility/2006" xmlns:p15="http://schemas.microsoft.com/office/powerpoint/2012/main">
-    <mc:Choice Requires="p15">
-      <p:transition xmlns:p14="http://schemas.microsoft.com/office/powerpoint/2010/main" spd="slow" p14:dur="2000">
-        <p15:prstTrans prst="fallOver"/>
-      </p:transition>
-    </mc:Choice>
-    <mc:Fallback xmlns="">
-      <p:transition spd="slow">
-        <p:fade/>
-      </p:transition>
-    </mc:Fallback>
-  </mc:AlternateContent>
+  <p:transition spd="slow">
+    <p:push dir="u"/>
+  </p:transition>
 </p:sld>
 </file>
 

--- a/powerpoint/SmartPDF/Don't Just PDF.pptx
+++ b/powerpoint/SmartPDF/Don't Just PDF.pptx
@@ -14328,7 +14328,7 @@
           <a:p>
             <a:r>
               <a:rPr lang="en-US" sz="1800" dirty="0"/>
-              <a:t>Used in tracking and marketing. Free to use, flexible in size, have a high fault tolerance, and have fast readability, though they can’t be read with a laser scanner. Support four different modes of data: numeric, alphanumeric, byte/binary, and Kanji. They are public domain and free to use.</a:t>
+              <a:t>Used in tracking and marketing. Free to use, flexible in size, has a high fault tolerance, and fast readability. However, they can’t be read with a laser scanner. It supports four different modes of data: numeric, alphanumeric, byte/binary, and Kanji. It is a public domain and free to use.</a:t>
             </a:r>
           </a:p>
         </p:txBody>
@@ -14363,7 +14363,7 @@
           <a:p>
             <a:r>
               <a:rPr lang="en-US" sz="1800" dirty="0"/>
-              <a:t>They can hold over 1.1 kilobytes of machine-readable data, making them much more powerful than other 2D barcodes. Like QR codes, PDF417 barcodes are public domain and free to use.</a:t>
+              <a:t>It can hold over 1.1 kilobytes of machine-readable data, making it more powerful than other 2D barcodes. Like QR codes, PDF417 barcodes are public domain and free to use.</a:t>
             </a:r>
           </a:p>
         </p:txBody>
@@ -17114,7 +17114,7 @@
         </p:nvSpPr>
         <p:spPr>
           <a:xfrm>
-            <a:off x="244634" y="893"/>
+            <a:off x="257953" y="0"/>
             <a:ext cx="10789459" cy="1363224"/>
           </a:xfrm>
           <a:prstGeom prst="rect">
@@ -17153,106 +17153,7 @@
                 </a:solidFill>
                 <a:latin typeface="Adobe Clean" panose="020B0503020404020204" pitchFamily="34" charset="0"/>
               </a:rPr>
-              <a:t>All together in real case scenario</a:t>
-            </a:r>
-          </a:p>
-        </p:txBody>
-      </p:sp>
-      <p:sp>
-        <p:nvSpPr>
-          <p:cNvPr id="5" name="Rectangle 4"/>
-          <p:cNvSpPr/>
-          <p:nvPr/>
-        </p:nvSpPr>
-        <p:spPr>
-          <a:xfrm>
-            <a:off x="379412" y="1579538"/>
-            <a:ext cx="2753574" cy="523220"/>
-          </a:xfrm>
-          <a:prstGeom prst="rect">
-            <a:avLst/>
-          </a:prstGeom>
-        </p:spPr>
-        <p:txBody>
-          <a:bodyPr wrap="none">
-            <a:spAutoFit/>
-          </a:bodyPr>
-          <a:lstStyle/>
-          <a:p>
-            <a:r>
-              <a:rPr lang="en-US" sz="2800" b="1" dirty="0"/>
-              <a:t>Projected</a:t>
-            </a:r>
-            <a:r>
-              <a:rPr lang="en-US" b="1" dirty="0"/>
-              <a:t> </a:t>
-            </a:r>
-            <a:r>
-              <a:rPr lang="en-US" sz="2800" b="1" dirty="0"/>
-              <a:t>subject</a:t>
-            </a:r>
-            <a:endParaRPr lang="en-US" b="1" dirty="0"/>
-          </a:p>
-        </p:txBody>
-      </p:sp>
-      <p:sp>
-        <p:nvSpPr>
-          <p:cNvPr id="9" name="TextBox 8"/>
-          <p:cNvSpPr txBox="1"/>
-          <p:nvPr/>
-        </p:nvSpPr>
-        <p:spPr>
-          <a:xfrm>
-            <a:off x="379412" y="2041203"/>
-            <a:ext cx="4572000" cy="3170099"/>
-          </a:xfrm>
-          <a:prstGeom prst="rect">
-            <a:avLst/>
-          </a:prstGeom>
-          <a:noFill/>
-        </p:spPr>
-        <p:txBody>
-          <a:bodyPr wrap="square" rtlCol="0">
-            <a:spAutoFit/>
-          </a:bodyPr>
-          <a:lstStyle/>
-          <a:p>
-            <a:r>
-              <a:rPr lang="en-US" sz="2000" dirty="0"/>
-              <a:t>Managing the LiveCycle of a PDF starting from creating to final signature and storage. </a:t>
-            </a:r>
-          </a:p>
-          <a:p>
-            <a:endParaRPr lang="en-US" sz="2000" dirty="0"/>
-          </a:p>
-          <a:p>
-            <a:pPr marL="285750" indent="-285750">
-              <a:buFont typeface="Arial" panose="020B0604020202020204" pitchFamily="34" charset="0"/>
-              <a:buChar char="•"/>
-            </a:pPr>
-            <a:r>
-              <a:rPr lang="en-US" sz="2000" dirty="0"/>
-              <a:t>Combining previously discussed actions we can track and manage a PDF.</a:t>
-            </a:r>
-          </a:p>
-          <a:p>
-            <a:endParaRPr lang="en-US" sz="2000" dirty="0"/>
-          </a:p>
-          <a:p>
-            <a:pPr marL="285750" indent="-285750">
-              <a:buFont typeface="Arial" panose="020B0604020202020204" pitchFamily="34" charset="0"/>
-              <a:buChar char="•"/>
-            </a:pPr>
-            <a:endParaRPr lang="en-US" sz="2000" dirty="0"/>
-          </a:p>
-          <a:p>
-            <a:pPr marL="285750" indent="-285750">
-              <a:buFont typeface="Arial" panose="020B0604020202020204" pitchFamily="34" charset="0"/>
-              <a:buChar char="•"/>
-            </a:pPr>
-            <a:r>
-              <a:rPr lang="en-US" sz="2000" dirty="0"/>
-              <a:t>Electronically received PDFs are much easier to manage than mailed in PDFs</a:t>
+              <a:t>Real case scenario</a:t>
             </a:r>
           </a:p>
         </p:txBody>
@@ -17264,13 +17165,13 @@
           <p:nvPr>
             <p:extLst>
               <p:ext uri="{D42A27DB-BD31-4B8C-83A1-F6EECF244321}">
-                <p14:modId xmlns:p14="http://schemas.microsoft.com/office/powerpoint/2010/main" val="643778281"/>
+                <p14:modId xmlns:p14="http://schemas.microsoft.com/office/powerpoint/2010/main" val="2825911701"/>
               </p:ext>
             </p:extLst>
           </p:nvPr>
         </p:nvGraphicFramePr>
         <p:xfrm>
-          <a:off x="4875212" y="1579538"/>
+          <a:off x="2208212" y="1752600"/>
           <a:ext cx="7516283" cy="4960056"/>
         </p:xfrm>
         <a:graphic>
@@ -17313,7 +17214,7 @@
                             </p:stCondLst>
                             <p:childTnLst>
                               <p:par>
-                                <p:cTn id="5" presetID="42" presetClass="entr" presetSubtype="0" fill="hold" grpId="0" nodeType="clickEffect">
+                                <p:cTn id="5" presetID="53" presetClass="entr" presetSubtype="16" fill="hold" grpId="0" nodeType="clickEffect">
                                   <p:stCondLst>
                                     <p:cond delay="0"/>
                                   </p:stCondLst>
@@ -17326,450 +17227,6 @@
                                           </p:stCondLst>
                                         </p:cTn>
                                         <p:tgtEl>
-                                          <p:spTgt spid="5"/>
-                                        </p:tgtEl>
-                                        <p:attrNameLst>
-                                          <p:attrName>style.visibility</p:attrName>
-                                        </p:attrNameLst>
-                                      </p:cBhvr>
-                                      <p:to>
-                                        <p:strVal val="visible"/>
-                                      </p:to>
-                                    </p:set>
-                                    <p:animEffect transition="in" filter="fade">
-                                      <p:cBhvr>
-                                        <p:cTn id="7" dur="1000"/>
-                                        <p:tgtEl>
-                                          <p:spTgt spid="5"/>
-                                        </p:tgtEl>
-                                      </p:cBhvr>
-                                    </p:animEffect>
-                                    <p:anim calcmode="lin" valueType="num">
-                                      <p:cBhvr>
-                                        <p:cTn id="8" dur="1000" fill="hold"/>
-                                        <p:tgtEl>
-                                          <p:spTgt spid="5"/>
-                                        </p:tgtEl>
-                                        <p:attrNameLst>
-                                          <p:attrName>ppt_x</p:attrName>
-                                        </p:attrNameLst>
-                                      </p:cBhvr>
-                                      <p:tavLst>
-                                        <p:tav tm="0">
-                                          <p:val>
-                                            <p:strVal val="#ppt_x"/>
-                                          </p:val>
-                                        </p:tav>
-                                        <p:tav tm="100000">
-                                          <p:val>
-                                            <p:strVal val="#ppt_x"/>
-                                          </p:val>
-                                        </p:tav>
-                                      </p:tavLst>
-                                    </p:anim>
-                                    <p:anim calcmode="lin" valueType="num">
-                                      <p:cBhvr>
-                                        <p:cTn id="9" dur="1000" fill="hold"/>
-                                        <p:tgtEl>
-                                          <p:spTgt spid="5"/>
-                                        </p:tgtEl>
-                                        <p:attrNameLst>
-                                          <p:attrName>ppt_y</p:attrName>
-                                        </p:attrNameLst>
-                                      </p:cBhvr>
-                                      <p:tavLst>
-                                        <p:tav tm="0">
-                                          <p:val>
-                                            <p:strVal val="#ppt_y+.1"/>
-                                          </p:val>
-                                        </p:tav>
-                                        <p:tav tm="100000">
-                                          <p:val>
-                                            <p:strVal val="#ppt_y"/>
-                                          </p:val>
-                                        </p:tav>
-                                      </p:tavLst>
-                                    </p:anim>
-                                  </p:childTnLst>
-                                </p:cTn>
-                              </p:par>
-                            </p:childTnLst>
-                          </p:cTn>
-                        </p:par>
-                      </p:childTnLst>
-                    </p:cTn>
-                  </p:par>
-                  <p:par>
-                    <p:cTn id="10" fill="hold">
-                      <p:stCondLst>
-                        <p:cond delay="indefinite"/>
-                      </p:stCondLst>
-                      <p:childTnLst>
-                        <p:par>
-                          <p:cTn id="11" fill="hold">
-                            <p:stCondLst>
-                              <p:cond delay="0"/>
-                            </p:stCondLst>
-                            <p:childTnLst>
-                              <p:par>
-                                <p:cTn id="12" presetID="42" presetClass="entr" presetSubtype="0" fill="hold" nodeType="clickEffect">
-                                  <p:stCondLst>
-                                    <p:cond delay="0"/>
-                                  </p:stCondLst>
-                                  <p:childTnLst>
-                                    <p:set>
-                                      <p:cBhvr>
-                                        <p:cTn id="13" dur="1" fill="hold">
-                                          <p:stCondLst>
-                                            <p:cond delay="0"/>
-                                          </p:stCondLst>
-                                        </p:cTn>
-                                        <p:tgtEl>
-                                          <p:spTgt spid="9">
-                                            <p:txEl>
-                                              <p:pRg st="0" end="0"/>
-                                            </p:txEl>
-                                          </p:spTgt>
-                                        </p:tgtEl>
-                                        <p:attrNameLst>
-                                          <p:attrName>style.visibility</p:attrName>
-                                        </p:attrNameLst>
-                                      </p:cBhvr>
-                                      <p:to>
-                                        <p:strVal val="visible"/>
-                                      </p:to>
-                                    </p:set>
-                                    <p:animEffect transition="in" filter="fade">
-                                      <p:cBhvr>
-                                        <p:cTn id="14" dur="1000"/>
-                                        <p:tgtEl>
-                                          <p:spTgt spid="9">
-                                            <p:txEl>
-                                              <p:pRg st="0" end="0"/>
-                                            </p:txEl>
-                                          </p:spTgt>
-                                        </p:tgtEl>
-                                      </p:cBhvr>
-                                    </p:animEffect>
-                                    <p:anim calcmode="lin" valueType="num">
-                                      <p:cBhvr>
-                                        <p:cTn id="15" dur="1000" fill="hold"/>
-                                        <p:tgtEl>
-                                          <p:spTgt spid="9">
-                                            <p:txEl>
-                                              <p:pRg st="0" end="0"/>
-                                            </p:txEl>
-                                          </p:spTgt>
-                                        </p:tgtEl>
-                                        <p:attrNameLst>
-                                          <p:attrName>ppt_x</p:attrName>
-                                        </p:attrNameLst>
-                                      </p:cBhvr>
-                                      <p:tavLst>
-                                        <p:tav tm="0">
-                                          <p:val>
-                                            <p:strVal val="#ppt_x"/>
-                                          </p:val>
-                                        </p:tav>
-                                        <p:tav tm="100000">
-                                          <p:val>
-                                            <p:strVal val="#ppt_x"/>
-                                          </p:val>
-                                        </p:tav>
-                                      </p:tavLst>
-                                    </p:anim>
-                                    <p:anim calcmode="lin" valueType="num">
-                                      <p:cBhvr>
-                                        <p:cTn id="16" dur="1000" fill="hold"/>
-                                        <p:tgtEl>
-                                          <p:spTgt spid="9">
-                                            <p:txEl>
-                                              <p:pRg st="0" end="0"/>
-                                            </p:txEl>
-                                          </p:spTgt>
-                                        </p:tgtEl>
-                                        <p:attrNameLst>
-                                          <p:attrName>ppt_y</p:attrName>
-                                        </p:attrNameLst>
-                                      </p:cBhvr>
-                                      <p:tavLst>
-                                        <p:tav tm="0">
-                                          <p:val>
-                                            <p:strVal val="#ppt_y+.1"/>
-                                          </p:val>
-                                        </p:tav>
-                                        <p:tav tm="100000">
-                                          <p:val>
-                                            <p:strVal val="#ppt_y"/>
-                                          </p:val>
-                                        </p:tav>
-                                      </p:tavLst>
-                                    </p:anim>
-                                  </p:childTnLst>
-                                </p:cTn>
-                              </p:par>
-                            </p:childTnLst>
-                          </p:cTn>
-                        </p:par>
-                      </p:childTnLst>
-                    </p:cTn>
-                  </p:par>
-                  <p:par>
-                    <p:cTn id="17" fill="hold">
-                      <p:stCondLst>
-                        <p:cond delay="indefinite"/>
-                      </p:stCondLst>
-                      <p:childTnLst>
-                        <p:par>
-                          <p:cTn id="18" fill="hold">
-                            <p:stCondLst>
-                              <p:cond delay="0"/>
-                            </p:stCondLst>
-                            <p:childTnLst>
-                              <p:par>
-                                <p:cTn id="19" presetID="42" presetClass="entr" presetSubtype="0" fill="hold" nodeType="clickEffect">
-                                  <p:stCondLst>
-                                    <p:cond delay="0"/>
-                                  </p:stCondLst>
-                                  <p:childTnLst>
-                                    <p:set>
-                                      <p:cBhvr>
-                                        <p:cTn id="20" dur="1" fill="hold">
-                                          <p:stCondLst>
-                                            <p:cond delay="0"/>
-                                          </p:stCondLst>
-                                        </p:cTn>
-                                        <p:tgtEl>
-                                          <p:spTgt spid="9">
-                                            <p:txEl>
-                                              <p:pRg st="2" end="2"/>
-                                            </p:txEl>
-                                          </p:spTgt>
-                                        </p:tgtEl>
-                                        <p:attrNameLst>
-                                          <p:attrName>style.visibility</p:attrName>
-                                        </p:attrNameLst>
-                                      </p:cBhvr>
-                                      <p:to>
-                                        <p:strVal val="visible"/>
-                                      </p:to>
-                                    </p:set>
-                                    <p:animEffect transition="in" filter="fade">
-                                      <p:cBhvr>
-                                        <p:cTn id="21" dur="1000"/>
-                                        <p:tgtEl>
-                                          <p:spTgt spid="9">
-                                            <p:txEl>
-                                              <p:pRg st="2" end="2"/>
-                                            </p:txEl>
-                                          </p:spTgt>
-                                        </p:tgtEl>
-                                      </p:cBhvr>
-                                    </p:animEffect>
-                                    <p:anim calcmode="lin" valueType="num">
-                                      <p:cBhvr>
-                                        <p:cTn id="22" dur="1000" fill="hold"/>
-                                        <p:tgtEl>
-                                          <p:spTgt spid="9">
-                                            <p:txEl>
-                                              <p:pRg st="2" end="2"/>
-                                            </p:txEl>
-                                          </p:spTgt>
-                                        </p:tgtEl>
-                                        <p:attrNameLst>
-                                          <p:attrName>ppt_x</p:attrName>
-                                        </p:attrNameLst>
-                                      </p:cBhvr>
-                                      <p:tavLst>
-                                        <p:tav tm="0">
-                                          <p:val>
-                                            <p:strVal val="#ppt_x"/>
-                                          </p:val>
-                                        </p:tav>
-                                        <p:tav tm="100000">
-                                          <p:val>
-                                            <p:strVal val="#ppt_x"/>
-                                          </p:val>
-                                        </p:tav>
-                                      </p:tavLst>
-                                    </p:anim>
-                                    <p:anim calcmode="lin" valueType="num">
-                                      <p:cBhvr>
-                                        <p:cTn id="23" dur="1000" fill="hold"/>
-                                        <p:tgtEl>
-                                          <p:spTgt spid="9">
-                                            <p:txEl>
-                                              <p:pRg st="2" end="2"/>
-                                            </p:txEl>
-                                          </p:spTgt>
-                                        </p:tgtEl>
-                                        <p:attrNameLst>
-                                          <p:attrName>ppt_y</p:attrName>
-                                        </p:attrNameLst>
-                                      </p:cBhvr>
-                                      <p:tavLst>
-                                        <p:tav tm="0">
-                                          <p:val>
-                                            <p:strVal val="#ppt_y+.1"/>
-                                          </p:val>
-                                        </p:tav>
-                                        <p:tav tm="100000">
-                                          <p:val>
-                                            <p:strVal val="#ppt_y"/>
-                                          </p:val>
-                                        </p:tav>
-                                      </p:tavLst>
-                                    </p:anim>
-                                  </p:childTnLst>
-                                </p:cTn>
-                              </p:par>
-                            </p:childTnLst>
-                          </p:cTn>
-                        </p:par>
-                      </p:childTnLst>
-                    </p:cTn>
-                  </p:par>
-                  <p:par>
-                    <p:cTn id="24" fill="hold">
-                      <p:stCondLst>
-                        <p:cond delay="indefinite"/>
-                      </p:stCondLst>
-                      <p:childTnLst>
-                        <p:par>
-                          <p:cTn id="25" fill="hold">
-                            <p:stCondLst>
-                              <p:cond delay="0"/>
-                            </p:stCondLst>
-                            <p:childTnLst>
-                              <p:par>
-                                <p:cTn id="26" presetID="42" presetClass="entr" presetSubtype="0" fill="hold" nodeType="clickEffect">
-                                  <p:stCondLst>
-                                    <p:cond delay="0"/>
-                                  </p:stCondLst>
-                                  <p:childTnLst>
-                                    <p:set>
-                                      <p:cBhvr>
-                                        <p:cTn id="27" dur="1" fill="hold">
-                                          <p:stCondLst>
-                                            <p:cond delay="0"/>
-                                          </p:stCondLst>
-                                        </p:cTn>
-                                        <p:tgtEl>
-                                          <p:spTgt spid="9">
-                                            <p:txEl>
-                                              <p:pRg st="5" end="5"/>
-                                            </p:txEl>
-                                          </p:spTgt>
-                                        </p:tgtEl>
-                                        <p:attrNameLst>
-                                          <p:attrName>style.visibility</p:attrName>
-                                        </p:attrNameLst>
-                                      </p:cBhvr>
-                                      <p:to>
-                                        <p:strVal val="visible"/>
-                                      </p:to>
-                                    </p:set>
-                                    <p:animEffect transition="in" filter="fade">
-                                      <p:cBhvr>
-                                        <p:cTn id="28" dur="1000"/>
-                                        <p:tgtEl>
-                                          <p:spTgt spid="9">
-                                            <p:txEl>
-                                              <p:pRg st="5" end="5"/>
-                                            </p:txEl>
-                                          </p:spTgt>
-                                        </p:tgtEl>
-                                      </p:cBhvr>
-                                    </p:animEffect>
-                                    <p:anim calcmode="lin" valueType="num">
-                                      <p:cBhvr>
-                                        <p:cTn id="29" dur="1000" fill="hold"/>
-                                        <p:tgtEl>
-                                          <p:spTgt spid="9">
-                                            <p:txEl>
-                                              <p:pRg st="5" end="5"/>
-                                            </p:txEl>
-                                          </p:spTgt>
-                                        </p:tgtEl>
-                                        <p:attrNameLst>
-                                          <p:attrName>ppt_x</p:attrName>
-                                        </p:attrNameLst>
-                                      </p:cBhvr>
-                                      <p:tavLst>
-                                        <p:tav tm="0">
-                                          <p:val>
-                                            <p:strVal val="#ppt_x"/>
-                                          </p:val>
-                                        </p:tav>
-                                        <p:tav tm="100000">
-                                          <p:val>
-                                            <p:strVal val="#ppt_x"/>
-                                          </p:val>
-                                        </p:tav>
-                                      </p:tavLst>
-                                    </p:anim>
-                                    <p:anim calcmode="lin" valueType="num">
-                                      <p:cBhvr>
-                                        <p:cTn id="30" dur="1000" fill="hold"/>
-                                        <p:tgtEl>
-                                          <p:spTgt spid="9">
-                                            <p:txEl>
-                                              <p:pRg st="5" end="5"/>
-                                            </p:txEl>
-                                          </p:spTgt>
-                                        </p:tgtEl>
-                                        <p:attrNameLst>
-                                          <p:attrName>ppt_y</p:attrName>
-                                        </p:attrNameLst>
-                                      </p:cBhvr>
-                                      <p:tavLst>
-                                        <p:tav tm="0">
-                                          <p:val>
-                                            <p:strVal val="#ppt_y+.1"/>
-                                          </p:val>
-                                        </p:tav>
-                                        <p:tav tm="100000">
-                                          <p:val>
-                                            <p:strVal val="#ppt_y"/>
-                                          </p:val>
-                                        </p:tav>
-                                      </p:tavLst>
-                                    </p:anim>
-                                  </p:childTnLst>
-                                </p:cTn>
-                              </p:par>
-                            </p:childTnLst>
-                          </p:cTn>
-                        </p:par>
-                      </p:childTnLst>
-                    </p:cTn>
-                  </p:par>
-                  <p:par>
-                    <p:cTn id="31" fill="hold">
-                      <p:stCondLst>
-                        <p:cond delay="indefinite"/>
-                      </p:stCondLst>
-                      <p:childTnLst>
-                        <p:par>
-                          <p:cTn id="32" fill="hold">
-                            <p:stCondLst>
-                              <p:cond delay="0"/>
-                            </p:stCondLst>
-                            <p:childTnLst>
-                              <p:par>
-                                <p:cTn id="33" presetID="53" presetClass="entr" presetSubtype="16" fill="hold" grpId="0" nodeType="clickEffect">
-                                  <p:stCondLst>
-                                    <p:cond delay="0"/>
-                                  </p:stCondLst>
-                                  <p:childTnLst>
-                                    <p:set>
-                                      <p:cBhvr>
-                                        <p:cTn id="34" dur="1" fill="hold">
-                                          <p:stCondLst>
-                                            <p:cond delay="0"/>
-                                          </p:stCondLst>
-                                        </p:cTn>
-                                        <p:tgtEl>
                                           <p:spTgt spid="10"/>
                                         </p:tgtEl>
                                         <p:attrNameLst>
@@ -17782,7 +17239,7 @@
                                     </p:set>
                                     <p:anim calcmode="lin" valueType="num">
                                       <p:cBhvr>
-                                        <p:cTn id="35" dur="500" fill="hold"/>
+                                        <p:cTn id="7" dur="500" fill="hold"/>
                                         <p:tgtEl>
                                           <p:spTgt spid="10"/>
                                         </p:tgtEl>
@@ -17805,7 +17262,7 @@
                                     </p:anim>
                                     <p:anim calcmode="lin" valueType="num">
                                       <p:cBhvr>
-                                        <p:cTn id="36" dur="500" fill="hold"/>
+                                        <p:cTn id="8" dur="500" fill="hold"/>
                                         <p:tgtEl>
                                           <p:spTgt spid="10"/>
                                         </p:tgtEl>
@@ -17828,7 +17285,7 @@
                                     </p:anim>
                                     <p:animEffect transition="in" filter="fade">
                                       <p:cBhvr>
-                                        <p:cTn id="37" dur="500"/>
+                                        <p:cTn id="9" dur="500"/>
                                         <p:tgtEl>
                                           <p:spTgt spid="10"/>
                                         </p:tgtEl>
@@ -17865,7 +17322,6 @@
       </p:par>
     </p:tnLst>
     <p:bldLst>
-      <p:bldP spid="5" grpId="0"/>
       <p:bldGraphic spid="10" grpId="0">
         <p:bldAsOne/>
       </p:bldGraphic>
@@ -17940,7 +17396,7 @@
                 </a:solidFill>
                 <a:latin typeface="Adobe Clean" panose="020B0503020404020204" pitchFamily="34" charset="0"/>
               </a:rPr>
-              <a:t>All together in real case scenario</a:t>
+              <a:t>Real case scenario</a:t>
             </a:r>
           </a:p>
         </p:txBody>
@@ -19878,7 +19334,7 @@
               <a:rPr lang="en-US" sz="2400" b="1" dirty="0">
                 <a:latin typeface="+mn-lt"/>
               </a:rPr>
-              <a:t>What is PDF</a:t>
+              <a:t>What is a PDF?</a:t>
             </a:r>
           </a:p>
         </p:txBody>
@@ -20051,7 +19507,7 @@
               <a:rPr lang="en-US" sz="2400" b="1" dirty="0">
                 <a:latin typeface="+mn-lt"/>
               </a:rPr>
-              <a:t>Some Facts About PDF</a:t>
+              <a:t>Some Facts About a PDF</a:t>
             </a:r>
           </a:p>
         </p:txBody>
@@ -21299,7 +20755,7 @@
             </a:pPr>
             <a:r>
               <a:rPr lang="en-US" sz="2000" dirty="0"/>
-              <a:t>Today, Warnock's vision is alive, well, and evolving. Adobe PDFs preserve all the data in the original file - even when text, graphics, spreadsheets, and more</a:t>
+              <a:t>Today, Warnock's vision is alive, well, and evolving. Adobe PDFs preserve all the data in the original file - even when text, graphics, spreadsheets, and more.</a:t>
             </a:r>
             <a:endParaRPr lang="en-US" sz="1800" dirty="0"/>
           </a:p>
@@ -22114,7 +21570,7 @@
             </a:pPr>
             <a:r>
               <a:rPr lang="en-US" sz="2000" dirty="0"/>
-              <a:t>Password protect your PDF </a:t>
+              <a:t>Password </a:t>
             </a:r>
           </a:p>
           <a:p>
@@ -22124,7 +21580,7 @@
             </a:pPr>
             <a:r>
               <a:rPr lang="en-US" sz="2000" dirty="0"/>
-              <a:t>Redact sensitive information</a:t>
+              <a:t>Redacting sensitive information</a:t>
             </a:r>
           </a:p>
           <a:p>
@@ -22144,7 +21600,7 @@
             </a:pPr>
             <a:r>
               <a:rPr lang="en-US" sz="2000" dirty="0"/>
-              <a:t>Digitally sign the PDF using private/public key pair </a:t>
+              <a:t>Digital signature using a private/public key pair </a:t>
             </a:r>
             <a:endParaRPr lang="en-US" sz="1800" dirty="0"/>
           </a:p>
@@ -22180,6 +21636,35 @@
           </a:prstGeom>
         </p:spPr>
       </p:pic>
+      <p:sp>
+        <p:nvSpPr>
+          <p:cNvPr id="2" name="TextBox 1"/>
+          <p:cNvSpPr txBox="1"/>
+          <p:nvPr/>
+        </p:nvSpPr>
+        <p:spPr>
+          <a:xfrm>
+            <a:off x="836612" y="1981200"/>
+            <a:ext cx="2207336" cy="461665"/>
+          </a:xfrm>
+          <a:prstGeom prst="rect">
+            <a:avLst/>
+          </a:prstGeom>
+          <a:noFill/>
+        </p:spPr>
+        <p:txBody>
+          <a:bodyPr wrap="none" rtlCol="0">
+            <a:spAutoFit/>
+          </a:bodyPr>
+          <a:lstStyle/>
+          <a:p>
+            <a:r>
+              <a:rPr lang="en-US" b="1" dirty="0"/>
+              <a:t>Secure a PDF by</a:t>
+            </a:r>
+          </a:p>
+        </p:txBody>
+      </p:sp>
     </p:spTree>
     <p:extLst>
       <p:ext uri="{BB962C8B-B14F-4D97-AF65-F5344CB8AC3E}">
@@ -24250,7 +23735,7 @@
           <a:p>
             <a:r>
               <a:rPr lang="en-US" sz="2400" dirty="0"/>
-              <a:t>All together to create PDF workflow.</a:t>
+              <a:t>All together to create a PDF workflow.</a:t>
             </a:r>
             <a:endParaRPr lang="en-US" sz="2000" dirty="0"/>
           </a:p>
@@ -25160,7 +24645,7 @@
             </a:pPr>
             <a:r>
               <a:rPr lang="en-US" sz="2400" dirty="0"/>
-              <a:t>To Create custom properties we will use JAVA.</a:t>
+              <a:t>To create custom properties we will use JAVA.</a:t>
             </a:r>
           </a:p>
           <a:p>
@@ -25170,7 +24655,7 @@
             </a:pPr>
             <a:r>
               <a:rPr lang="en-US" sz="2400" dirty="0"/>
-              <a:t>No need to load extra library ColdFusion already has </a:t>
+              <a:t>No need to load extra library, ColdFusion already has </a:t>
             </a:r>
             <a:r>
               <a:rPr lang="en-US" sz="2400" dirty="0" err="1"/>

--- a/powerpoint/SmartPDF/Don't Just PDF.pptx
+++ b/powerpoint/SmartPDF/Don't Just PDF.pptx
@@ -5,10 +5,10 @@
     <p:sldMasterId id="2147483680" r:id="rId2"/>
   </p:sldMasterIdLst>
   <p:notesMasterIdLst>
-    <p:notesMasterId r:id="rId28"/>
+    <p:notesMasterId r:id="rId27"/>
   </p:notesMasterIdLst>
   <p:handoutMasterIdLst>
-    <p:handoutMasterId r:id="rId29"/>
+    <p:handoutMasterId r:id="rId28"/>
   </p:handoutMasterIdLst>
   <p:sldIdLst>
     <p:sldId id="302" r:id="rId3"/>
@@ -29,13 +29,12 @@
     <p:sldId id="317" r:id="rId18"/>
     <p:sldId id="318" r:id="rId19"/>
     <p:sldId id="319" r:id="rId20"/>
-    <p:sldId id="320" r:id="rId21"/>
-    <p:sldId id="321" r:id="rId22"/>
-    <p:sldId id="322" r:id="rId23"/>
-    <p:sldId id="323" r:id="rId24"/>
-    <p:sldId id="324" r:id="rId25"/>
-    <p:sldId id="325" r:id="rId26"/>
-    <p:sldId id="326" r:id="rId27"/>
+    <p:sldId id="321" r:id="rId21"/>
+    <p:sldId id="320" r:id="rId22"/>
+    <p:sldId id="323" r:id="rId23"/>
+    <p:sldId id="324" r:id="rId24"/>
+    <p:sldId id="325" r:id="rId25"/>
+    <p:sldId id="326" r:id="rId26"/>
   </p:sldIdLst>
   <p:sldSz cx="12188825" cy="6858000"/>
   <p:notesSz cx="6858000" cy="9144000"/>
@@ -4140,7 +4139,7 @@
                   <a:schemeClr val="tx2"/>
                 </a:solidFill>
               </a:rPr>
-              <a:t>10/1/2016</a:t>
+              <a:t>10/5/2016</a:t>
             </a:fld>
             <a:endParaRPr>
               <a:solidFill>
@@ -4330,7 +4329,7 @@
             <a:fld id="{F95CF31C-F757-429C-A789-86504F04C3BE}" type="datetimeFigureOut">
               <a:rPr lang="en-US"/>
               <a:pPr/>
-              <a:t>10/1/2016</a:t>
+              <a:t>10/5/2016</a:t>
             </a:fld>
             <a:endParaRPr/>
           </a:p>
@@ -4751,7 +4750,7 @@
           <a:p>
             <a:fld id="{43BAF7D2-47D3-439E-B818-706FF392AEFA}" type="datetimeFigureOut">
               <a:rPr lang="en-IN" smtClean="0"/>
-              <a:t>01-10-2016</a:t>
+              <a:t>05-10-2016</a:t>
             </a:fld>
             <a:endParaRPr lang="en-IN"/>
           </a:p>
@@ -4921,7 +4920,7 @@
           <a:p>
             <a:fld id="{43BAF7D2-47D3-439E-B818-706FF392AEFA}" type="datetimeFigureOut">
               <a:rPr lang="en-IN" smtClean="0"/>
-              <a:t>01-10-2016</a:t>
+              <a:t>05-10-2016</a:t>
             </a:fld>
             <a:endParaRPr lang="en-IN"/>
           </a:p>
@@ -5101,7 +5100,7 @@
           <a:p>
             <a:fld id="{43BAF7D2-47D3-439E-B818-706FF392AEFA}" type="datetimeFigureOut">
               <a:rPr lang="en-IN" smtClean="0"/>
-              <a:t>01-10-2016</a:t>
+              <a:t>05-10-2016</a:t>
             </a:fld>
             <a:endParaRPr lang="en-IN"/>
           </a:p>
@@ -5407,7 +5406,7 @@
           <a:p>
             <a:fld id="{43BAF7D2-47D3-439E-B818-706FF392AEFA}" type="datetimeFigureOut">
               <a:rPr lang="en-IN" smtClean="0"/>
-              <a:t>01-10-2016</a:t>
+              <a:t>05-10-2016</a:t>
             </a:fld>
             <a:endParaRPr lang="en-IN"/>
           </a:p>
@@ -5774,7 +5773,7 @@
           <a:p>
             <a:fld id="{43BAF7D2-47D3-439E-B818-706FF392AEFA}" type="datetimeFigureOut">
               <a:rPr lang="en-IN" smtClean="0"/>
-              <a:t>01-10-2016</a:t>
+              <a:t>05-10-2016</a:t>
             </a:fld>
             <a:endParaRPr lang="en-IN"/>
           </a:p>
@@ -5892,7 +5891,7 @@
           <a:p>
             <a:fld id="{43BAF7D2-47D3-439E-B818-706FF392AEFA}" type="datetimeFigureOut">
               <a:rPr lang="en-IN" smtClean="0"/>
-              <a:t>01-10-2016</a:t>
+              <a:t>05-10-2016</a:t>
             </a:fld>
             <a:endParaRPr lang="en-IN"/>
           </a:p>
@@ -5987,7 +5986,7 @@
           <a:p>
             <a:fld id="{43BAF7D2-47D3-439E-B818-706FF392AEFA}" type="datetimeFigureOut">
               <a:rPr lang="en-IN" smtClean="0"/>
-              <a:t>01-10-2016</a:t>
+              <a:t>05-10-2016</a:t>
             </a:fld>
             <a:endParaRPr lang="en-IN"/>
           </a:p>
@@ -6264,7 +6263,7 @@
           <a:p>
             <a:fld id="{43BAF7D2-47D3-439E-B818-706FF392AEFA}" type="datetimeFigureOut">
               <a:rPr lang="en-IN" smtClean="0"/>
-              <a:t>01-10-2016</a:t>
+              <a:t>05-10-2016</a:t>
             </a:fld>
             <a:endParaRPr lang="en-IN"/>
           </a:p>
@@ -6521,7 +6520,7 @@
           <a:p>
             <a:fld id="{43BAF7D2-47D3-439E-B818-706FF392AEFA}" type="datetimeFigureOut">
               <a:rPr lang="en-IN" smtClean="0"/>
-              <a:t>01-10-2016</a:t>
+              <a:t>05-10-2016</a:t>
             </a:fld>
             <a:endParaRPr lang="en-IN"/>
           </a:p>
@@ -6743,7 +6742,7 @@
           <a:p>
             <a:fld id="{43BAF7D2-47D3-439E-B818-706FF392AEFA}" type="datetimeFigureOut">
               <a:rPr lang="en-IN" smtClean="0"/>
-              <a:t>01-10-2016</a:t>
+              <a:t>05-10-2016</a:t>
             </a:fld>
             <a:endParaRPr lang="en-IN"/>
           </a:p>
@@ -9026,7 +9025,7 @@
               <a:rPr lang="en-IN" dirty="0">
                 <a:latin typeface="Adobe Clean" panose="020B0503020404020204" pitchFamily="34" charset="0"/>
               </a:rPr>
-              <a:t>DEMO</a:t>
+              <a:t>DEMO 2</a:t>
             </a:r>
           </a:p>
         </p:txBody>
@@ -9346,7 +9345,7 @@
             </a:br>
             <a:r>
               <a:rPr lang="en-US" sz="2000" dirty="0"/>
-              <a:t>Removes metadata from your PDF document so that sensitive information is not inadvertently passed along when you publish your PDF.</a:t>
+              <a:t>Removes metadata from your PDF document so that sensitive information is not passed along when you publish your PDF.</a:t>
             </a:r>
             <a:br>
               <a:rPr lang="en-US" sz="2000" dirty="0"/>
@@ -10213,7 +10212,7 @@
               <a:rPr lang="en-IN" dirty="0">
                 <a:latin typeface="Adobe Clean" panose="020B0503020404020204" pitchFamily="34" charset="0"/>
               </a:rPr>
-              <a:t>DEMO</a:t>
+              <a:t>DEMO 3</a:t>
             </a:r>
           </a:p>
         </p:txBody>
@@ -14328,7 +14327,7 @@
           <a:p>
             <a:r>
               <a:rPr lang="en-US" sz="1800" dirty="0"/>
-              <a:t>Used in tracking and marketing. Free to use, flexible in size, has a high fault tolerance, and fast readability. However, they can’t be read with a laser scanner. It supports four different modes of data: numeric, alphanumeric, byte/binary, and Kanji. It is a public domain and free to use.</a:t>
+              <a:t>Used in tracking and marketing. Free to use, flexible in size, has a high fault tolerance, and fast readability. However, it can’t be read with a laser scanner. It supports four different modes of data: numeric, alphanumeric, byte/binary, and Kanji. It is a public domain and free to use.</a:t>
             </a:r>
           </a:p>
         </p:txBody>
@@ -16148,70 +16147,114 @@
       </p:grpSpPr>
       <p:sp>
         <p:nvSpPr>
-          <p:cNvPr id="2" name="Title 1"/>
-          <p:cNvSpPr>
-            <a:spLocks noGrp="1"/>
+          <p:cNvPr id="6" name="Title 1"/>
+          <p:cNvSpPr txBox="1">
+            <a:spLocks/>
           </p:cNvSpPr>
-          <p:nvPr>
-            <p:ph type="title" idx="4294967295"/>
-          </p:nvPr>
+          <p:nvPr/>
         </p:nvSpPr>
         <p:spPr>
           <a:xfrm>
-            <a:off x="757791" y="2835764"/>
-            <a:ext cx="10512862" cy="1325218"/>
+            <a:off x="244634" y="893"/>
+            <a:ext cx="10789459" cy="1363224"/>
           </a:xfrm>
+          <a:prstGeom prst="rect">
+            <a:avLst/>
+          </a:prstGeom>
         </p:spPr>
         <p:txBody>
-          <a:bodyPr/>
-          <a:lstStyle/>
+          <a:bodyPr vert="horz" lIns="91416" tIns="45708" rIns="91416" bIns="45708" rtlCol="0" anchor="ctr">
+            <a:normAutofit/>
+          </a:bodyPr>
+          <a:lstStyle>
+            <a:lvl1pPr algn="ctr" defTabSz="914400" rtl="0" eaLnBrk="1" latinLnBrk="0" hangingPunct="1">
+              <a:lnSpc>
+                <a:spcPct val="90000"/>
+              </a:lnSpc>
+              <a:spcBef>
+                <a:spcPct val="0"/>
+              </a:spcBef>
+              <a:buNone/>
+              <a:defRPr sz="6000" kern="1200">
+                <a:solidFill>
+                  <a:schemeClr val="tx1"/>
+                </a:solidFill>
+                <a:latin typeface="+mj-lt"/>
+                <a:ea typeface="+mj-ea"/>
+                <a:cs typeface="+mj-cs"/>
+              </a:defRPr>
+            </a:lvl1pPr>
+          </a:lstStyle>
           <a:p>
-            <a:pPr algn="ctr"/>
+            <a:pPr algn="l"/>
             <a:r>
-              <a:rPr lang="en-IN" dirty="0">
+              <a:rPr lang="en-IN" sz="4400" b="1" dirty="0">
+                <a:solidFill>
+                  <a:srgbClr val="FFFF00"/>
+                </a:solidFill>
                 <a:latin typeface="Adobe Clean" panose="020B0503020404020204" pitchFamily="34" charset="0"/>
               </a:rPr>
-              <a:t>DEMO</a:t>
+              <a:t>Barcode-2D-PDF417</a:t>
             </a:r>
           </a:p>
         </p:txBody>
       </p:sp>
       <p:sp>
         <p:nvSpPr>
-          <p:cNvPr id="3" name="TextBox 2"/>
-          <p:cNvSpPr txBox="1"/>
+          <p:cNvPr id="7" name="Rectangle 6"/>
+          <p:cNvSpPr/>
           <p:nvPr/>
         </p:nvSpPr>
         <p:spPr>
           <a:xfrm>
-            <a:off x="9447212" y="6248400"/>
-            <a:ext cx="2051524" cy="461665"/>
+            <a:off x="303212" y="1511366"/>
+            <a:ext cx="4454553" cy="461665"/>
           </a:xfrm>
           <a:prstGeom prst="rect">
             <a:avLst/>
           </a:prstGeom>
-          <a:noFill/>
         </p:spPr>
         <p:txBody>
-          <a:bodyPr wrap="none" rtlCol="0">
+          <a:bodyPr wrap="none">
             <a:spAutoFit/>
           </a:bodyPr>
           <a:lstStyle/>
           <a:p>
             <a:r>
-              <a:rPr lang="en-US" dirty="0">
-                <a:hlinkClick r:id="rId2"/>
-              </a:rPr>
-              <a:t>Demo-Barcode</a:t>
+              <a:rPr lang="en-US" b="1" dirty="0"/>
+              <a:t>How to generate PDF417 Barcode</a:t>
             </a:r>
-            <a:endParaRPr lang="en-US" dirty="0"/>
           </a:p>
         </p:txBody>
       </p:sp>
+      <p:pic>
+        <p:nvPicPr>
+          <p:cNvPr id="8" name="Picture 7"/>
+          <p:cNvPicPr>
+            <a:picLocks noChangeAspect="1"/>
+          </p:cNvPicPr>
+          <p:nvPr/>
+        </p:nvPicPr>
+        <p:blipFill>
+          <a:blip r:embed="rId2"/>
+          <a:stretch>
+            <a:fillRect/>
+          </a:stretch>
+        </p:blipFill>
+        <p:spPr>
+          <a:xfrm>
+            <a:off x="244633" y="2057400"/>
+            <a:ext cx="11627497" cy="4419600"/>
+          </a:xfrm>
+          <a:prstGeom prst="rect">
+            <a:avLst/>
+          </a:prstGeom>
+        </p:spPr>
+      </p:pic>
     </p:spTree>
     <p:extLst>
       <p:ext uri="{BB962C8B-B14F-4D97-AF65-F5344CB8AC3E}">
-        <p14:creationId xmlns:p14="http://schemas.microsoft.com/office/powerpoint/2010/main" val="905370532"/>
+        <p14:creationId xmlns:p14="http://schemas.microsoft.com/office/powerpoint/2010/main" val="3185200426"/>
       </p:ext>
     </p:extLst>
   </p:cSld>
@@ -16221,6 +16264,237 @@
   <p:transition spd="slow">
     <p:push dir="u"/>
   </p:transition>
+  <p:timing>
+    <p:tnLst>
+      <p:par>
+        <p:cTn id="1" dur="indefinite" restart="never" nodeType="tmRoot">
+          <p:childTnLst>
+            <p:seq concurrent="1" nextAc="seek">
+              <p:cTn id="2" dur="indefinite" nodeType="mainSeq">
+                <p:childTnLst>
+                  <p:par>
+                    <p:cTn id="3" fill="hold">
+                      <p:stCondLst>
+                        <p:cond delay="indefinite"/>
+                      </p:stCondLst>
+                      <p:childTnLst>
+                        <p:par>
+                          <p:cTn id="4" fill="hold">
+                            <p:stCondLst>
+                              <p:cond delay="0"/>
+                            </p:stCondLst>
+                            <p:childTnLst>
+                              <p:par>
+                                <p:cTn id="5" presetID="42" presetClass="entr" presetSubtype="0" fill="hold" grpId="0" nodeType="clickEffect">
+                                  <p:stCondLst>
+                                    <p:cond delay="0"/>
+                                  </p:stCondLst>
+                                  <p:childTnLst>
+                                    <p:set>
+                                      <p:cBhvr>
+                                        <p:cTn id="6" dur="1" fill="hold">
+                                          <p:stCondLst>
+                                            <p:cond delay="0"/>
+                                          </p:stCondLst>
+                                        </p:cTn>
+                                        <p:tgtEl>
+                                          <p:spTgt spid="7"/>
+                                        </p:tgtEl>
+                                        <p:attrNameLst>
+                                          <p:attrName>style.visibility</p:attrName>
+                                        </p:attrNameLst>
+                                      </p:cBhvr>
+                                      <p:to>
+                                        <p:strVal val="visible"/>
+                                      </p:to>
+                                    </p:set>
+                                    <p:animEffect transition="in" filter="fade">
+                                      <p:cBhvr>
+                                        <p:cTn id="7" dur="1000"/>
+                                        <p:tgtEl>
+                                          <p:spTgt spid="7"/>
+                                        </p:tgtEl>
+                                      </p:cBhvr>
+                                    </p:animEffect>
+                                    <p:anim calcmode="lin" valueType="num">
+                                      <p:cBhvr>
+                                        <p:cTn id="8" dur="1000" fill="hold"/>
+                                        <p:tgtEl>
+                                          <p:spTgt spid="7"/>
+                                        </p:tgtEl>
+                                        <p:attrNameLst>
+                                          <p:attrName>ppt_x</p:attrName>
+                                        </p:attrNameLst>
+                                      </p:cBhvr>
+                                      <p:tavLst>
+                                        <p:tav tm="0">
+                                          <p:val>
+                                            <p:strVal val="#ppt_x"/>
+                                          </p:val>
+                                        </p:tav>
+                                        <p:tav tm="100000">
+                                          <p:val>
+                                            <p:strVal val="#ppt_x"/>
+                                          </p:val>
+                                        </p:tav>
+                                      </p:tavLst>
+                                    </p:anim>
+                                    <p:anim calcmode="lin" valueType="num">
+                                      <p:cBhvr>
+                                        <p:cTn id="9" dur="1000" fill="hold"/>
+                                        <p:tgtEl>
+                                          <p:spTgt spid="7"/>
+                                        </p:tgtEl>
+                                        <p:attrNameLst>
+                                          <p:attrName>ppt_y</p:attrName>
+                                        </p:attrNameLst>
+                                      </p:cBhvr>
+                                      <p:tavLst>
+                                        <p:tav tm="0">
+                                          <p:val>
+                                            <p:strVal val="#ppt_y+.1"/>
+                                          </p:val>
+                                        </p:tav>
+                                        <p:tav tm="100000">
+                                          <p:val>
+                                            <p:strVal val="#ppt_y"/>
+                                          </p:val>
+                                        </p:tav>
+                                      </p:tavLst>
+                                    </p:anim>
+                                  </p:childTnLst>
+                                </p:cTn>
+                              </p:par>
+                            </p:childTnLst>
+                          </p:cTn>
+                        </p:par>
+                      </p:childTnLst>
+                    </p:cTn>
+                  </p:par>
+                  <p:par>
+                    <p:cTn id="10" fill="hold">
+                      <p:stCondLst>
+                        <p:cond delay="indefinite"/>
+                      </p:stCondLst>
+                      <p:childTnLst>
+                        <p:par>
+                          <p:cTn id="11" fill="hold">
+                            <p:stCondLst>
+                              <p:cond delay="0"/>
+                            </p:stCondLst>
+                            <p:childTnLst>
+                              <p:par>
+                                <p:cTn id="12" presetID="53" presetClass="entr" presetSubtype="16" fill="hold" nodeType="clickEffect">
+                                  <p:stCondLst>
+                                    <p:cond delay="0"/>
+                                  </p:stCondLst>
+                                  <p:childTnLst>
+                                    <p:set>
+                                      <p:cBhvr>
+                                        <p:cTn id="13" dur="1" fill="hold">
+                                          <p:stCondLst>
+                                            <p:cond delay="0"/>
+                                          </p:stCondLst>
+                                        </p:cTn>
+                                        <p:tgtEl>
+                                          <p:spTgt spid="8"/>
+                                        </p:tgtEl>
+                                        <p:attrNameLst>
+                                          <p:attrName>style.visibility</p:attrName>
+                                        </p:attrNameLst>
+                                      </p:cBhvr>
+                                      <p:to>
+                                        <p:strVal val="visible"/>
+                                      </p:to>
+                                    </p:set>
+                                    <p:anim calcmode="lin" valueType="num">
+                                      <p:cBhvr>
+                                        <p:cTn id="14" dur="500" fill="hold"/>
+                                        <p:tgtEl>
+                                          <p:spTgt spid="8"/>
+                                        </p:tgtEl>
+                                        <p:attrNameLst>
+                                          <p:attrName>ppt_w</p:attrName>
+                                        </p:attrNameLst>
+                                      </p:cBhvr>
+                                      <p:tavLst>
+                                        <p:tav tm="0">
+                                          <p:val>
+                                            <p:fltVal val="0"/>
+                                          </p:val>
+                                        </p:tav>
+                                        <p:tav tm="100000">
+                                          <p:val>
+                                            <p:strVal val="#ppt_w"/>
+                                          </p:val>
+                                        </p:tav>
+                                      </p:tavLst>
+                                    </p:anim>
+                                    <p:anim calcmode="lin" valueType="num">
+                                      <p:cBhvr>
+                                        <p:cTn id="15" dur="500" fill="hold"/>
+                                        <p:tgtEl>
+                                          <p:spTgt spid="8"/>
+                                        </p:tgtEl>
+                                        <p:attrNameLst>
+                                          <p:attrName>ppt_h</p:attrName>
+                                        </p:attrNameLst>
+                                      </p:cBhvr>
+                                      <p:tavLst>
+                                        <p:tav tm="0">
+                                          <p:val>
+                                            <p:fltVal val="0"/>
+                                          </p:val>
+                                        </p:tav>
+                                        <p:tav tm="100000">
+                                          <p:val>
+                                            <p:strVal val="#ppt_h"/>
+                                          </p:val>
+                                        </p:tav>
+                                      </p:tavLst>
+                                    </p:anim>
+                                    <p:animEffect transition="in" filter="fade">
+                                      <p:cBhvr>
+                                        <p:cTn id="16" dur="500"/>
+                                        <p:tgtEl>
+                                          <p:spTgt spid="8"/>
+                                        </p:tgtEl>
+                                      </p:cBhvr>
+                                    </p:animEffect>
+                                  </p:childTnLst>
+                                </p:cTn>
+                              </p:par>
+                            </p:childTnLst>
+                          </p:cTn>
+                        </p:par>
+                      </p:childTnLst>
+                    </p:cTn>
+                  </p:par>
+                </p:childTnLst>
+              </p:cTn>
+              <p:prevCondLst>
+                <p:cond evt="onPrev" delay="0">
+                  <p:tgtEl>
+                    <p:sldTgt/>
+                  </p:tgtEl>
+                </p:cond>
+              </p:prevCondLst>
+              <p:nextCondLst>
+                <p:cond evt="onNext" delay="0">
+                  <p:tgtEl>
+                    <p:sldTgt/>
+                  </p:tgtEl>
+                </p:cond>
+              </p:nextCondLst>
+            </p:seq>
+          </p:childTnLst>
+        </p:cTn>
+      </p:par>
+    </p:tnLst>
+    <p:bldLst>
+      <p:bldP spid="7" grpId="0"/>
+    </p:bldLst>
+  </p:timing>
 </p:sld>
 </file>
 
@@ -16641,376 +16915,6 @@
       </p:grpSpPr>
       <p:sp>
         <p:nvSpPr>
-          <p:cNvPr id="6" name="Title 1"/>
-          <p:cNvSpPr txBox="1">
-            <a:spLocks/>
-          </p:cNvSpPr>
-          <p:nvPr/>
-        </p:nvSpPr>
-        <p:spPr>
-          <a:xfrm>
-            <a:off x="244634" y="893"/>
-            <a:ext cx="10789459" cy="1363224"/>
-          </a:xfrm>
-          <a:prstGeom prst="rect">
-            <a:avLst/>
-          </a:prstGeom>
-        </p:spPr>
-        <p:txBody>
-          <a:bodyPr vert="horz" lIns="91416" tIns="45708" rIns="91416" bIns="45708" rtlCol="0" anchor="ctr">
-            <a:normAutofit/>
-          </a:bodyPr>
-          <a:lstStyle>
-            <a:lvl1pPr algn="ctr" defTabSz="914400" rtl="0" eaLnBrk="1" latinLnBrk="0" hangingPunct="1">
-              <a:lnSpc>
-                <a:spcPct val="90000"/>
-              </a:lnSpc>
-              <a:spcBef>
-                <a:spcPct val="0"/>
-              </a:spcBef>
-              <a:buNone/>
-              <a:defRPr sz="6000" kern="1200">
-                <a:solidFill>
-                  <a:schemeClr val="tx1"/>
-                </a:solidFill>
-                <a:latin typeface="+mj-lt"/>
-                <a:ea typeface="+mj-ea"/>
-                <a:cs typeface="+mj-cs"/>
-              </a:defRPr>
-            </a:lvl1pPr>
-          </a:lstStyle>
-          <a:p>
-            <a:pPr algn="l"/>
-            <a:r>
-              <a:rPr lang="en-IN" sz="4400" b="1" dirty="0">
-                <a:solidFill>
-                  <a:srgbClr val="FFFF00"/>
-                </a:solidFill>
-                <a:latin typeface="Adobe Clean" panose="020B0503020404020204" pitchFamily="34" charset="0"/>
-              </a:rPr>
-              <a:t>Barcode-2D-PDF417</a:t>
-            </a:r>
-          </a:p>
-        </p:txBody>
-      </p:sp>
-      <p:sp>
-        <p:nvSpPr>
-          <p:cNvPr id="7" name="Rectangle 6"/>
-          <p:cNvSpPr/>
-          <p:nvPr/>
-        </p:nvSpPr>
-        <p:spPr>
-          <a:xfrm>
-            <a:off x="303212" y="1511366"/>
-            <a:ext cx="4454553" cy="461665"/>
-          </a:xfrm>
-          <a:prstGeom prst="rect">
-            <a:avLst/>
-          </a:prstGeom>
-        </p:spPr>
-        <p:txBody>
-          <a:bodyPr wrap="none">
-            <a:spAutoFit/>
-          </a:bodyPr>
-          <a:lstStyle/>
-          <a:p>
-            <a:r>
-              <a:rPr lang="en-US" b="1" dirty="0"/>
-              <a:t>How to generate PDF417 Barcode</a:t>
-            </a:r>
-          </a:p>
-        </p:txBody>
-      </p:sp>
-      <p:pic>
-        <p:nvPicPr>
-          <p:cNvPr id="8" name="Picture 7"/>
-          <p:cNvPicPr>
-            <a:picLocks noChangeAspect="1"/>
-          </p:cNvPicPr>
-          <p:nvPr/>
-        </p:nvPicPr>
-        <p:blipFill>
-          <a:blip r:embed="rId2"/>
-          <a:stretch>
-            <a:fillRect/>
-          </a:stretch>
-        </p:blipFill>
-        <p:spPr>
-          <a:xfrm>
-            <a:off x="244633" y="2057400"/>
-            <a:ext cx="11627497" cy="4419600"/>
-          </a:xfrm>
-          <a:prstGeom prst="rect">
-            <a:avLst/>
-          </a:prstGeom>
-        </p:spPr>
-      </p:pic>
-    </p:spTree>
-    <p:extLst>
-      <p:ext uri="{BB962C8B-B14F-4D97-AF65-F5344CB8AC3E}">
-        <p14:creationId xmlns:p14="http://schemas.microsoft.com/office/powerpoint/2010/main" val="3185200426"/>
-      </p:ext>
-    </p:extLst>
-  </p:cSld>
-  <p:clrMapOvr>
-    <a:masterClrMapping/>
-  </p:clrMapOvr>
-  <p:transition spd="slow">
-    <p:push dir="u"/>
-  </p:transition>
-  <p:timing>
-    <p:tnLst>
-      <p:par>
-        <p:cTn id="1" dur="indefinite" restart="never" nodeType="tmRoot">
-          <p:childTnLst>
-            <p:seq concurrent="1" nextAc="seek">
-              <p:cTn id="2" dur="indefinite" nodeType="mainSeq">
-                <p:childTnLst>
-                  <p:par>
-                    <p:cTn id="3" fill="hold">
-                      <p:stCondLst>
-                        <p:cond delay="indefinite"/>
-                      </p:stCondLst>
-                      <p:childTnLst>
-                        <p:par>
-                          <p:cTn id="4" fill="hold">
-                            <p:stCondLst>
-                              <p:cond delay="0"/>
-                            </p:stCondLst>
-                            <p:childTnLst>
-                              <p:par>
-                                <p:cTn id="5" presetID="42" presetClass="entr" presetSubtype="0" fill="hold" grpId="0" nodeType="clickEffect">
-                                  <p:stCondLst>
-                                    <p:cond delay="0"/>
-                                  </p:stCondLst>
-                                  <p:childTnLst>
-                                    <p:set>
-                                      <p:cBhvr>
-                                        <p:cTn id="6" dur="1" fill="hold">
-                                          <p:stCondLst>
-                                            <p:cond delay="0"/>
-                                          </p:stCondLst>
-                                        </p:cTn>
-                                        <p:tgtEl>
-                                          <p:spTgt spid="7"/>
-                                        </p:tgtEl>
-                                        <p:attrNameLst>
-                                          <p:attrName>style.visibility</p:attrName>
-                                        </p:attrNameLst>
-                                      </p:cBhvr>
-                                      <p:to>
-                                        <p:strVal val="visible"/>
-                                      </p:to>
-                                    </p:set>
-                                    <p:animEffect transition="in" filter="fade">
-                                      <p:cBhvr>
-                                        <p:cTn id="7" dur="1000"/>
-                                        <p:tgtEl>
-                                          <p:spTgt spid="7"/>
-                                        </p:tgtEl>
-                                      </p:cBhvr>
-                                    </p:animEffect>
-                                    <p:anim calcmode="lin" valueType="num">
-                                      <p:cBhvr>
-                                        <p:cTn id="8" dur="1000" fill="hold"/>
-                                        <p:tgtEl>
-                                          <p:spTgt spid="7"/>
-                                        </p:tgtEl>
-                                        <p:attrNameLst>
-                                          <p:attrName>ppt_x</p:attrName>
-                                        </p:attrNameLst>
-                                      </p:cBhvr>
-                                      <p:tavLst>
-                                        <p:tav tm="0">
-                                          <p:val>
-                                            <p:strVal val="#ppt_x"/>
-                                          </p:val>
-                                        </p:tav>
-                                        <p:tav tm="100000">
-                                          <p:val>
-                                            <p:strVal val="#ppt_x"/>
-                                          </p:val>
-                                        </p:tav>
-                                      </p:tavLst>
-                                    </p:anim>
-                                    <p:anim calcmode="lin" valueType="num">
-                                      <p:cBhvr>
-                                        <p:cTn id="9" dur="1000" fill="hold"/>
-                                        <p:tgtEl>
-                                          <p:spTgt spid="7"/>
-                                        </p:tgtEl>
-                                        <p:attrNameLst>
-                                          <p:attrName>ppt_y</p:attrName>
-                                        </p:attrNameLst>
-                                      </p:cBhvr>
-                                      <p:tavLst>
-                                        <p:tav tm="0">
-                                          <p:val>
-                                            <p:strVal val="#ppt_y+.1"/>
-                                          </p:val>
-                                        </p:tav>
-                                        <p:tav tm="100000">
-                                          <p:val>
-                                            <p:strVal val="#ppt_y"/>
-                                          </p:val>
-                                        </p:tav>
-                                      </p:tavLst>
-                                    </p:anim>
-                                  </p:childTnLst>
-                                </p:cTn>
-                              </p:par>
-                            </p:childTnLst>
-                          </p:cTn>
-                        </p:par>
-                      </p:childTnLst>
-                    </p:cTn>
-                  </p:par>
-                  <p:par>
-                    <p:cTn id="10" fill="hold">
-                      <p:stCondLst>
-                        <p:cond delay="indefinite"/>
-                      </p:stCondLst>
-                      <p:childTnLst>
-                        <p:par>
-                          <p:cTn id="11" fill="hold">
-                            <p:stCondLst>
-                              <p:cond delay="0"/>
-                            </p:stCondLst>
-                            <p:childTnLst>
-                              <p:par>
-                                <p:cTn id="12" presetID="53" presetClass="entr" presetSubtype="16" fill="hold" nodeType="clickEffect">
-                                  <p:stCondLst>
-                                    <p:cond delay="0"/>
-                                  </p:stCondLst>
-                                  <p:childTnLst>
-                                    <p:set>
-                                      <p:cBhvr>
-                                        <p:cTn id="13" dur="1" fill="hold">
-                                          <p:stCondLst>
-                                            <p:cond delay="0"/>
-                                          </p:stCondLst>
-                                        </p:cTn>
-                                        <p:tgtEl>
-                                          <p:spTgt spid="8"/>
-                                        </p:tgtEl>
-                                        <p:attrNameLst>
-                                          <p:attrName>style.visibility</p:attrName>
-                                        </p:attrNameLst>
-                                      </p:cBhvr>
-                                      <p:to>
-                                        <p:strVal val="visible"/>
-                                      </p:to>
-                                    </p:set>
-                                    <p:anim calcmode="lin" valueType="num">
-                                      <p:cBhvr>
-                                        <p:cTn id="14" dur="500" fill="hold"/>
-                                        <p:tgtEl>
-                                          <p:spTgt spid="8"/>
-                                        </p:tgtEl>
-                                        <p:attrNameLst>
-                                          <p:attrName>ppt_w</p:attrName>
-                                        </p:attrNameLst>
-                                      </p:cBhvr>
-                                      <p:tavLst>
-                                        <p:tav tm="0">
-                                          <p:val>
-                                            <p:fltVal val="0"/>
-                                          </p:val>
-                                        </p:tav>
-                                        <p:tav tm="100000">
-                                          <p:val>
-                                            <p:strVal val="#ppt_w"/>
-                                          </p:val>
-                                        </p:tav>
-                                      </p:tavLst>
-                                    </p:anim>
-                                    <p:anim calcmode="lin" valueType="num">
-                                      <p:cBhvr>
-                                        <p:cTn id="15" dur="500" fill="hold"/>
-                                        <p:tgtEl>
-                                          <p:spTgt spid="8"/>
-                                        </p:tgtEl>
-                                        <p:attrNameLst>
-                                          <p:attrName>ppt_h</p:attrName>
-                                        </p:attrNameLst>
-                                      </p:cBhvr>
-                                      <p:tavLst>
-                                        <p:tav tm="0">
-                                          <p:val>
-                                            <p:fltVal val="0"/>
-                                          </p:val>
-                                        </p:tav>
-                                        <p:tav tm="100000">
-                                          <p:val>
-                                            <p:strVal val="#ppt_h"/>
-                                          </p:val>
-                                        </p:tav>
-                                      </p:tavLst>
-                                    </p:anim>
-                                    <p:animEffect transition="in" filter="fade">
-                                      <p:cBhvr>
-                                        <p:cTn id="16" dur="500"/>
-                                        <p:tgtEl>
-                                          <p:spTgt spid="8"/>
-                                        </p:tgtEl>
-                                      </p:cBhvr>
-                                    </p:animEffect>
-                                  </p:childTnLst>
-                                </p:cTn>
-                              </p:par>
-                            </p:childTnLst>
-                          </p:cTn>
-                        </p:par>
-                      </p:childTnLst>
-                    </p:cTn>
-                  </p:par>
-                </p:childTnLst>
-              </p:cTn>
-              <p:prevCondLst>
-                <p:cond evt="onPrev" delay="0">
-                  <p:tgtEl>
-                    <p:sldTgt/>
-                  </p:tgtEl>
-                </p:cond>
-              </p:prevCondLst>
-              <p:nextCondLst>
-                <p:cond evt="onNext" delay="0">
-                  <p:tgtEl>
-                    <p:sldTgt/>
-                  </p:tgtEl>
-                </p:cond>
-              </p:nextCondLst>
-            </p:seq>
-          </p:childTnLst>
-        </p:cTn>
-      </p:par>
-    </p:tnLst>
-    <p:bldLst>
-      <p:bldP spid="7" grpId="0"/>
-    </p:bldLst>
-  </p:timing>
-</p:sld>
-</file>
-
-<file path=ppt/slides/slide21.xml><?xml version="1.0" encoding="utf-8"?>
-<p:sld xmlns:a="http://schemas.openxmlformats.org/drawingml/2006/main" xmlns:r="http://schemas.openxmlformats.org/officeDocument/2006/relationships" xmlns:p="http://schemas.openxmlformats.org/presentationml/2006/main">
-  <p:cSld>
-    <p:spTree>
-      <p:nvGrpSpPr>
-        <p:cNvPr id="1" name=""/>
-        <p:cNvGrpSpPr/>
-        <p:nvPr/>
-      </p:nvGrpSpPr>
-      <p:grpSpPr>
-        <a:xfrm>
-          <a:off x="0" y="0"/>
-          <a:ext cx="0" cy="0"/>
-          <a:chOff x="0" y="0"/>
-          <a:chExt cx="0" cy="0"/>
-        </a:xfrm>
-      </p:grpSpPr>
-      <p:sp>
-        <p:nvSpPr>
           <p:cNvPr id="2" name="Title 1"/>
           <p:cNvSpPr>
             <a:spLocks noGrp="1"/>
@@ -17034,7 +16938,7 @@
               <a:rPr lang="en-IN" dirty="0">
                 <a:latin typeface="Adobe Clean" panose="020B0503020404020204" pitchFamily="34" charset="0"/>
               </a:rPr>
-              <a:t>DEMO</a:t>
+              <a:t>DEMO 4</a:t>
             </a:r>
           </a:p>
         </p:txBody>
@@ -17074,7 +16978,7 @@
     </p:spTree>
     <p:extLst>
       <p:ext uri="{BB962C8B-B14F-4D97-AF65-F5344CB8AC3E}">
-        <p14:creationId xmlns:p14="http://schemas.microsoft.com/office/powerpoint/2010/main" val="3340815881"/>
+        <p14:creationId xmlns:p14="http://schemas.microsoft.com/office/powerpoint/2010/main" val="905370532"/>
       </p:ext>
     </p:extLst>
   </p:cSld>
@@ -17087,7 +16991,7 @@
 </p:sld>
 </file>
 
-<file path=ppt/slides/slide22.xml><?xml version="1.0" encoding="utf-8"?>
+<file path=ppt/slides/slide21.xml><?xml version="1.0" encoding="utf-8"?>
 <p:sld xmlns:a="http://schemas.openxmlformats.org/drawingml/2006/main" xmlns:r="http://schemas.openxmlformats.org/officeDocument/2006/relationships" xmlns:p="http://schemas.openxmlformats.org/presentationml/2006/main">
   <p:cSld>
     <p:spTree>
@@ -17330,7 +17234,7 @@
 </p:sld>
 </file>
 
-<file path=ppt/slides/slide23.xml><?xml version="1.0" encoding="utf-8"?>
+<file path=ppt/slides/slide22.xml><?xml version="1.0" encoding="utf-8"?>
 <p:sld xmlns:a="http://schemas.openxmlformats.org/drawingml/2006/main" xmlns:r="http://schemas.openxmlformats.org/officeDocument/2006/relationships" xmlns:p="http://schemas.openxmlformats.org/presentationml/2006/main">
   <p:cSld>
     <p:spTree>
@@ -17567,7 +17471,7 @@
         <p:spPr>
           <a:xfrm>
             <a:off x="6475412" y="1941932"/>
-            <a:ext cx="4495800" cy="4401205"/>
+            <a:ext cx="4495800" cy="1631216"/>
           </a:xfrm>
           <a:prstGeom prst="rect">
             <a:avLst/>
@@ -17609,46 +17513,6 @@
           </a:p>
           <a:p>
             <a:endParaRPr lang="en-US" sz="2000" dirty="0"/>
-          </a:p>
-          <a:p>
-            <a:pPr marL="285750" indent="-285750">
-              <a:buFont typeface="Arial" panose="020B0604020202020204" pitchFamily="34" charset="0"/>
-              <a:buChar char="•"/>
-            </a:pPr>
-            <a:r>
-              <a:rPr lang="en-US" sz="2000" dirty="0"/>
-              <a:t>Create separate drive for your filing system and make sure to tighten your security by only allowing CF account to manage the drive</a:t>
-            </a:r>
-          </a:p>
-          <a:p>
-            <a:endParaRPr lang="en-US" sz="2000" dirty="0"/>
-          </a:p>
-          <a:p>
-            <a:pPr marL="285750" indent="-285750">
-              <a:buFont typeface="Arial" panose="020B0604020202020204" pitchFamily="34" charset="0"/>
-              <a:buChar char="•"/>
-            </a:pPr>
-            <a:r>
-              <a:rPr lang="en-US" sz="2000" dirty="0"/>
-              <a:t>Run schedule jobs to follow up with file statuses and disk space</a:t>
-            </a:r>
-          </a:p>
-          <a:p>
-            <a:pPr marL="285750" indent="-285750">
-              <a:buFont typeface="Arial" panose="020B0604020202020204" pitchFamily="34" charset="0"/>
-              <a:buChar char="•"/>
-            </a:pPr>
-            <a:endParaRPr lang="en-US" sz="2000" dirty="0"/>
-          </a:p>
-          <a:p>
-            <a:pPr marL="285750" indent="-285750">
-              <a:buFont typeface="Arial" panose="020B0604020202020204" pitchFamily="34" charset="0"/>
-              <a:buChar char="•"/>
-            </a:pPr>
-            <a:r>
-              <a:rPr lang="en-US" sz="2000" dirty="0"/>
-              <a:t>Use threads when processing PDFs</a:t>
-            </a:r>
           </a:p>
         </p:txBody>
       </p:sp>
@@ -18428,351 +18292,6 @@
                       </p:childTnLst>
                     </p:cTn>
                   </p:par>
-                  <p:par>
-                    <p:cTn id="50" fill="hold">
-                      <p:stCondLst>
-                        <p:cond delay="indefinite"/>
-                      </p:stCondLst>
-                      <p:childTnLst>
-                        <p:par>
-                          <p:cTn id="51" fill="hold">
-                            <p:stCondLst>
-                              <p:cond delay="0"/>
-                            </p:stCondLst>
-                            <p:childTnLst>
-                              <p:par>
-                                <p:cTn id="52" presetID="42" presetClass="entr" presetSubtype="0" fill="hold" nodeType="clickEffect">
-                                  <p:stCondLst>
-                                    <p:cond delay="0"/>
-                                  </p:stCondLst>
-                                  <p:childTnLst>
-                                    <p:set>
-                                      <p:cBhvr>
-                                        <p:cTn id="53" dur="1" fill="hold">
-                                          <p:stCondLst>
-                                            <p:cond delay="0"/>
-                                          </p:stCondLst>
-                                        </p:cTn>
-                                        <p:tgtEl>
-                                          <p:spTgt spid="12">
-                                            <p:txEl>
-                                              <p:pRg st="3" end="3"/>
-                                            </p:txEl>
-                                          </p:spTgt>
-                                        </p:tgtEl>
-                                        <p:attrNameLst>
-                                          <p:attrName>style.visibility</p:attrName>
-                                        </p:attrNameLst>
-                                      </p:cBhvr>
-                                      <p:to>
-                                        <p:strVal val="visible"/>
-                                      </p:to>
-                                    </p:set>
-                                    <p:animEffect transition="in" filter="fade">
-                                      <p:cBhvr>
-                                        <p:cTn id="54" dur="1000"/>
-                                        <p:tgtEl>
-                                          <p:spTgt spid="12">
-                                            <p:txEl>
-                                              <p:pRg st="3" end="3"/>
-                                            </p:txEl>
-                                          </p:spTgt>
-                                        </p:tgtEl>
-                                      </p:cBhvr>
-                                    </p:animEffect>
-                                    <p:anim calcmode="lin" valueType="num">
-                                      <p:cBhvr>
-                                        <p:cTn id="55" dur="1000" fill="hold"/>
-                                        <p:tgtEl>
-                                          <p:spTgt spid="12">
-                                            <p:txEl>
-                                              <p:pRg st="3" end="3"/>
-                                            </p:txEl>
-                                          </p:spTgt>
-                                        </p:tgtEl>
-                                        <p:attrNameLst>
-                                          <p:attrName>ppt_x</p:attrName>
-                                        </p:attrNameLst>
-                                      </p:cBhvr>
-                                      <p:tavLst>
-                                        <p:tav tm="0">
-                                          <p:val>
-                                            <p:strVal val="#ppt_x"/>
-                                          </p:val>
-                                        </p:tav>
-                                        <p:tav tm="100000">
-                                          <p:val>
-                                            <p:strVal val="#ppt_x"/>
-                                          </p:val>
-                                        </p:tav>
-                                      </p:tavLst>
-                                    </p:anim>
-                                    <p:anim calcmode="lin" valueType="num">
-                                      <p:cBhvr>
-                                        <p:cTn id="56" dur="1000" fill="hold"/>
-                                        <p:tgtEl>
-                                          <p:spTgt spid="12">
-                                            <p:txEl>
-                                              <p:pRg st="3" end="3"/>
-                                            </p:txEl>
-                                          </p:spTgt>
-                                        </p:tgtEl>
-                                        <p:attrNameLst>
-                                          <p:attrName>ppt_y</p:attrName>
-                                        </p:attrNameLst>
-                                      </p:cBhvr>
-                                      <p:tavLst>
-                                        <p:tav tm="0">
-                                          <p:val>
-                                            <p:strVal val="#ppt_y+.1"/>
-                                          </p:val>
-                                        </p:tav>
-                                        <p:tav tm="100000">
-                                          <p:val>
-                                            <p:strVal val="#ppt_y"/>
-                                          </p:val>
-                                        </p:tav>
-                                      </p:tavLst>
-                                    </p:anim>
-                                  </p:childTnLst>
-                                </p:cTn>
-                              </p:par>
-                            </p:childTnLst>
-                          </p:cTn>
-                        </p:par>
-                      </p:childTnLst>
-                    </p:cTn>
-                  </p:par>
-                  <p:par>
-                    <p:cTn id="57" fill="hold">
-                      <p:stCondLst>
-                        <p:cond delay="indefinite"/>
-                      </p:stCondLst>
-                      <p:childTnLst>
-                        <p:par>
-                          <p:cTn id="58" fill="hold">
-                            <p:stCondLst>
-                              <p:cond delay="0"/>
-                            </p:stCondLst>
-                            <p:childTnLst>
-                              <p:par>
-                                <p:cTn id="59" presetID="42" presetClass="entr" presetSubtype="0" fill="hold" nodeType="clickEffect">
-                                  <p:stCondLst>
-                                    <p:cond delay="0"/>
-                                  </p:stCondLst>
-                                  <p:childTnLst>
-                                    <p:set>
-                                      <p:cBhvr>
-                                        <p:cTn id="60" dur="1" fill="hold">
-                                          <p:stCondLst>
-                                            <p:cond delay="0"/>
-                                          </p:stCondLst>
-                                        </p:cTn>
-                                        <p:tgtEl>
-                                          <p:spTgt spid="12">
-                                            <p:txEl>
-                                              <p:pRg st="5" end="5"/>
-                                            </p:txEl>
-                                          </p:spTgt>
-                                        </p:tgtEl>
-                                        <p:attrNameLst>
-                                          <p:attrName>style.visibility</p:attrName>
-                                        </p:attrNameLst>
-                                      </p:cBhvr>
-                                      <p:to>
-                                        <p:strVal val="visible"/>
-                                      </p:to>
-                                    </p:set>
-                                    <p:animEffect transition="in" filter="fade">
-                                      <p:cBhvr>
-                                        <p:cTn id="61" dur="1000"/>
-                                        <p:tgtEl>
-                                          <p:spTgt spid="12">
-                                            <p:txEl>
-                                              <p:pRg st="5" end="5"/>
-                                            </p:txEl>
-                                          </p:spTgt>
-                                        </p:tgtEl>
-                                      </p:cBhvr>
-                                    </p:animEffect>
-                                    <p:anim calcmode="lin" valueType="num">
-                                      <p:cBhvr>
-                                        <p:cTn id="62" dur="1000" fill="hold"/>
-                                        <p:tgtEl>
-                                          <p:spTgt spid="12">
-                                            <p:txEl>
-                                              <p:pRg st="5" end="5"/>
-                                            </p:txEl>
-                                          </p:spTgt>
-                                        </p:tgtEl>
-                                        <p:attrNameLst>
-                                          <p:attrName>ppt_x</p:attrName>
-                                        </p:attrNameLst>
-                                      </p:cBhvr>
-                                      <p:tavLst>
-                                        <p:tav tm="0">
-                                          <p:val>
-                                            <p:strVal val="#ppt_x"/>
-                                          </p:val>
-                                        </p:tav>
-                                        <p:tav tm="100000">
-                                          <p:val>
-                                            <p:strVal val="#ppt_x"/>
-                                          </p:val>
-                                        </p:tav>
-                                      </p:tavLst>
-                                    </p:anim>
-                                    <p:anim calcmode="lin" valueType="num">
-                                      <p:cBhvr>
-                                        <p:cTn id="63" dur="1000" fill="hold"/>
-                                        <p:tgtEl>
-                                          <p:spTgt spid="12">
-                                            <p:txEl>
-                                              <p:pRg st="5" end="5"/>
-                                            </p:txEl>
-                                          </p:spTgt>
-                                        </p:tgtEl>
-                                        <p:attrNameLst>
-                                          <p:attrName>ppt_y</p:attrName>
-                                        </p:attrNameLst>
-                                      </p:cBhvr>
-                                      <p:tavLst>
-                                        <p:tav tm="0">
-                                          <p:val>
-                                            <p:strVal val="#ppt_y+.1"/>
-                                          </p:val>
-                                        </p:tav>
-                                        <p:tav tm="100000">
-                                          <p:val>
-                                            <p:strVal val="#ppt_y"/>
-                                          </p:val>
-                                        </p:tav>
-                                      </p:tavLst>
-                                    </p:anim>
-                                  </p:childTnLst>
-                                </p:cTn>
-                              </p:par>
-                            </p:childTnLst>
-                          </p:cTn>
-                        </p:par>
-                      </p:childTnLst>
-                    </p:cTn>
-                  </p:par>
-                  <p:par>
-                    <p:cTn id="64" fill="hold">
-                      <p:stCondLst>
-                        <p:cond delay="indefinite"/>
-                      </p:stCondLst>
-                      <p:childTnLst>
-                        <p:par>
-                          <p:cTn id="65" fill="hold">
-                            <p:stCondLst>
-                              <p:cond delay="0"/>
-                            </p:stCondLst>
-                            <p:childTnLst>
-                              <p:par>
-                                <p:cTn id="66" presetID="42" presetClass="entr" presetSubtype="0" fill="hold" nodeType="clickEffect">
-                                  <p:stCondLst>
-                                    <p:cond delay="0"/>
-                                  </p:stCondLst>
-                                  <p:childTnLst>
-                                    <p:set>
-                                      <p:cBhvr>
-                                        <p:cTn id="67" dur="1" fill="hold">
-                                          <p:stCondLst>
-                                            <p:cond delay="0"/>
-                                          </p:stCondLst>
-                                        </p:cTn>
-                                        <p:tgtEl>
-                                          <p:spTgt spid="12">
-                                            <p:txEl>
-                                              <p:pRg st="7" end="7"/>
-                                            </p:txEl>
-                                          </p:spTgt>
-                                        </p:tgtEl>
-                                        <p:attrNameLst>
-                                          <p:attrName>style.visibility</p:attrName>
-                                        </p:attrNameLst>
-                                      </p:cBhvr>
-                                      <p:to>
-                                        <p:strVal val="visible"/>
-                                      </p:to>
-                                    </p:set>
-                                    <p:animEffect transition="in" filter="fade">
-                                      <p:cBhvr>
-                                        <p:cTn id="68" dur="1000"/>
-                                        <p:tgtEl>
-                                          <p:spTgt spid="12">
-                                            <p:txEl>
-                                              <p:pRg st="7" end="7"/>
-                                            </p:txEl>
-                                          </p:spTgt>
-                                        </p:tgtEl>
-                                      </p:cBhvr>
-                                    </p:animEffect>
-                                    <p:anim calcmode="lin" valueType="num">
-                                      <p:cBhvr>
-                                        <p:cTn id="69" dur="1000" fill="hold"/>
-                                        <p:tgtEl>
-                                          <p:spTgt spid="12">
-                                            <p:txEl>
-                                              <p:pRg st="7" end="7"/>
-                                            </p:txEl>
-                                          </p:spTgt>
-                                        </p:tgtEl>
-                                        <p:attrNameLst>
-                                          <p:attrName>ppt_x</p:attrName>
-                                        </p:attrNameLst>
-                                      </p:cBhvr>
-                                      <p:tavLst>
-                                        <p:tav tm="0">
-                                          <p:val>
-                                            <p:strVal val="#ppt_x"/>
-                                          </p:val>
-                                        </p:tav>
-                                        <p:tav tm="100000">
-                                          <p:val>
-                                            <p:strVal val="#ppt_x"/>
-                                          </p:val>
-                                        </p:tav>
-                                      </p:tavLst>
-                                    </p:anim>
-                                    <p:anim calcmode="lin" valueType="num">
-                                      <p:cBhvr>
-                                        <p:cTn id="70" dur="1000" fill="hold"/>
-                                        <p:tgtEl>
-                                          <p:spTgt spid="12">
-                                            <p:txEl>
-                                              <p:pRg st="7" end="7"/>
-                                            </p:txEl>
-                                          </p:spTgt>
-                                        </p:tgtEl>
-                                        <p:attrNameLst>
-                                          <p:attrName>ppt_y</p:attrName>
-                                        </p:attrNameLst>
-                                      </p:cBhvr>
-                                      <p:tavLst>
-                                        <p:tav tm="0">
-                                          <p:val>
-                                            <p:strVal val="#ppt_y+.1"/>
-                                          </p:val>
-                                        </p:tav>
-                                        <p:tav tm="100000">
-                                          <p:val>
-                                            <p:strVal val="#ppt_y"/>
-                                          </p:val>
-                                        </p:tav>
-                                      </p:tavLst>
-                                    </p:anim>
-                                  </p:childTnLst>
-                                </p:cTn>
-                              </p:par>
-                            </p:childTnLst>
-                          </p:cTn>
-                        </p:par>
-                      </p:childTnLst>
-                    </p:cTn>
-                  </p:par>
                 </p:childTnLst>
               </p:cTn>
               <p:prevCondLst>
@@ -18802,7 +18321,7 @@
 </p:sld>
 </file>
 
-<file path=ppt/slides/slide24.xml><?xml version="1.0" encoding="utf-8"?>
+<file path=ppt/slides/slide23.xml><?xml version="1.0" encoding="utf-8"?>
 <p:sld xmlns:a="http://schemas.openxmlformats.org/drawingml/2006/main" xmlns:r="http://schemas.openxmlformats.org/officeDocument/2006/relationships" xmlns:p="http://schemas.openxmlformats.org/presentationml/2006/main">
   <p:cSld>
     <p:spTree>
@@ -18844,7 +18363,7 @@
               <a:rPr lang="en-IN" dirty="0">
                 <a:latin typeface="Adobe Clean" panose="020B0503020404020204" pitchFamily="34" charset="0"/>
               </a:rPr>
-              <a:t>DEMO</a:t>
+              <a:t>DEMO 5</a:t>
             </a:r>
           </a:p>
         </p:txBody>
@@ -18897,7 +18416,7 @@
 </p:sld>
 </file>
 
-<file path=ppt/slides/slide25.xml><?xml version="1.0" encoding="utf-8"?>
+<file path=ppt/slides/slide24.xml><?xml version="1.0" encoding="utf-8"?>
 <p:sld xmlns:a="http://schemas.openxmlformats.org/drawingml/2006/main" xmlns:r="http://schemas.openxmlformats.org/officeDocument/2006/relationships" xmlns:p="http://schemas.openxmlformats.org/presentationml/2006/main">
   <p:cSld>
     <p:spTree>
@@ -19424,13 +18943,7 @@
             </a:pPr>
             <a:r>
               <a:rPr lang="en-US" sz="2000" dirty="0"/>
-              <a:t>Open standard maintained by the International Organization for </a:t>
-            </a:r>
-          </a:p>
-          <a:p>
-            <a:r>
-              <a:rPr lang="en-US" sz="2000" dirty="0"/>
-              <a:t>      Standardization (ISO). </a:t>
+              <a:t>Open standard maintained by ISO ( International Standards Organization).</a:t>
             </a:r>
           </a:p>
           <a:p>
@@ -19873,7 +19386,7 @@
                             </p:stCondLst>
                             <p:childTnLst>
                               <p:par>
-                                <p:cTn id="26" presetID="2" presetClass="entr" presetSubtype="4" fill="hold" nodeType="clickEffect">
+                                <p:cTn id="26" presetID="2" presetClass="entr" presetSubtype="4" fill="hold" grpId="0" nodeType="clickEffect">
                                   <p:stCondLst>
                                     <p:cond delay="0"/>
                                   </p:stCondLst>
@@ -19886,11 +19399,7 @@
                                           </p:stCondLst>
                                         </p:cTn>
                                         <p:tgtEl>
-                                          <p:spTgt spid="8">
-                                            <p:txEl>
-                                              <p:pRg st="0" end="0"/>
-                                            </p:txEl>
-                                          </p:spTgt>
+                                          <p:spTgt spid="8"/>
                                         </p:tgtEl>
                                         <p:attrNameLst>
                                           <p:attrName>style.visibility</p:attrName>
@@ -19904,11 +19413,7 @@
                                       <p:cBhvr additive="base">
                                         <p:cTn id="28" dur="500" fill="hold"/>
                                         <p:tgtEl>
-                                          <p:spTgt spid="8">
-                                            <p:txEl>
-                                              <p:pRg st="0" end="0"/>
-                                            </p:txEl>
-                                          </p:spTgt>
+                                          <p:spTgt spid="8"/>
                                         </p:tgtEl>
                                         <p:attrNameLst>
                                           <p:attrName>ppt_x</p:attrName>
@@ -19931,490 +19436,7 @@
                                       <p:cBhvr additive="base">
                                         <p:cTn id="29" dur="500" fill="hold"/>
                                         <p:tgtEl>
-                                          <p:spTgt spid="8">
-                                            <p:txEl>
-                                              <p:pRg st="0" end="0"/>
-                                            </p:txEl>
-                                          </p:spTgt>
-                                        </p:tgtEl>
-                                        <p:attrNameLst>
-                                          <p:attrName>ppt_y</p:attrName>
-                                        </p:attrNameLst>
-                                      </p:cBhvr>
-                                      <p:tavLst>
-                                        <p:tav tm="0">
-                                          <p:val>
-                                            <p:strVal val="1+#ppt_h/2"/>
-                                          </p:val>
-                                        </p:tav>
-                                        <p:tav tm="100000">
-                                          <p:val>
-                                            <p:strVal val="#ppt_y"/>
-                                          </p:val>
-                                        </p:tav>
-                                      </p:tavLst>
-                                    </p:anim>
-                                  </p:childTnLst>
-                                </p:cTn>
-                              </p:par>
-                            </p:childTnLst>
-                          </p:cTn>
-                        </p:par>
-                      </p:childTnLst>
-                    </p:cTn>
-                  </p:par>
-                  <p:par>
-                    <p:cTn id="30" fill="hold">
-                      <p:stCondLst>
-                        <p:cond delay="indefinite"/>
-                      </p:stCondLst>
-                      <p:childTnLst>
-                        <p:par>
-                          <p:cTn id="31" fill="hold">
-                            <p:stCondLst>
-                              <p:cond delay="0"/>
-                            </p:stCondLst>
-                            <p:childTnLst>
-                              <p:par>
-                                <p:cTn id="32" presetID="2" presetClass="entr" presetSubtype="4" fill="hold" nodeType="clickEffect">
-                                  <p:stCondLst>
-                                    <p:cond delay="0"/>
-                                  </p:stCondLst>
-                                  <p:childTnLst>
-                                    <p:set>
-                                      <p:cBhvr>
-                                        <p:cTn id="33" dur="1" fill="hold">
-                                          <p:stCondLst>
-                                            <p:cond delay="0"/>
-                                          </p:stCondLst>
-                                        </p:cTn>
-                                        <p:tgtEl>
-                                          <p:spTgt spid="8">
-                                            <p:txEl>
-                                              <p:pRg st="1" end="1"/>
-                                            </p:txEl>
-                                          </p:spTgt>
-                                        </p:tgtEl>
-                                        <p:attrNameLst>
-                                          <p:attrName>style.visibility</p:attrName>
-                                        </p:attrNameLst>
-                                      </p:cBhvr>
-                                      <p:to>
-                                        <p:strVal val="visible"/>
-                                      </p:to>
-                                    </p:set>
-                                    <p:anim calcmode="lin" valueType="num">
-                                      <p:cBhvr additive="base">
-                                        <p:cTn id="34" dur="500" fill="hold"/>
-                                        <p:tgtEl>
-                                          <p:spTgt spid="8">
-                                            <p:txEl>
-                                              <p:pRg st="1" end="1"/>
-                                            </p:txEl>
-                                          </p:spTgt>
-                                        </p:tgtEl>
-                                        <p:attrNameLst>
-                                          <p:attrName>ppt_x</p:attrName>
-                                        </p:attrNameLst>
-                                      </p:cBhvr>
-                                      <p:tavLst>
-                                        <p:tav tm="0">
-                                          <p:val>
-                                            <p:strVal val="#ppt_x"/>
-                                          </p:val>
-                                        </p:tav>
-                                        <p:tav tm="100000">
-                                          <p:val>
-                                            <p:strVal val="#ppt_x"/>
-                                          </p:val>
-                                        </p:tav>
-                                      </p:tavLst>
-                                    </p:anim>
-                                    <p:anim calcmode="lin" valueType="num">
-                                      <p:cBhvr additive="base">
-                                        <p:cTn id="35" dur="500" fill="hold"/>
-                                        <p:tgtEl>
-                                          <p:spTgt spid="8">
-                                            <p:txEl>
-                                              <p:pRg st="1" end="1"/>
-                                            </p:txEl>
-                                          </p:spTgt>
-                                        </p:tgtEl>
-                                        <p:attrNameLst>
-                                          <p:attrName>ppt_y</p:attrName>
-                                        </p:attrNameLst>
-                                      </p:cBhvr>
-                                      <p:tavLst>
-                                        <p:tav tm="0">
-                                          <p:val>
-                                            <p:strVal val="1+#ppt_h/2"/>
-                                          </p:val>
-                                        </p:tav>
-                                        <p:tav tm="100000">
-                                          <p:val>
-                                            <p:strVal val="#ppt_y"/>
-                                          </p:val>
-                                        </p:tav>
-                                      </p:tavLst>
-                                    </p:anim>
-                                  </p:childTnLst>
-                                </p:cTn>
-                              </p:par>
-                              <p:par>
-                                <p:cTn id="36" presetID="2" presetClass="entr" presetSubtype="4" fill="hold" nodeType="withEffect">
-                                  <p:stCondLst>
-                                    <p:cond delay="0"/>
-                                  </p:stCondLst>
-                                  <p:childTnLst>
-                                    <p:set>
-                                      <p:cBhvr>
-                                        <p:cTn id="37" dur="1" fill="hold">
-                                          <p:stCondLst>
-                                            <p:cond delay="0"/>
-                                          </p:stCondLst>
-                                        </p:cTn>
-                                        <p:tgtEl>
-                                          <p:spTgt spid="8">
-                                            <p:txEl>
-                                              <p:pRg st="2" end="2"/>
-                                            </p:txEl>
-                                          </p:spTgt>
-                                        </p:tgtEl>
-                                        <p:attrNameLst>
-                                          <p:attrName>style.visibility</p:attrName>
-                                        </p:attrNameLst>
-                                      </p:cBhvr>
-                                      <p:to>
-                                        <p:strVal val="visible"/>
-                                      </p:to>
-                                    </p:set>
-                                    <p:anim calcmode="lin" valueType="num">
-                                      <p:cBhvr additive="base">
-                                        <p:cTn id="38" dur="500" fill="hold"/>
-                                        <p:tgtEl>
-                                          <p:spTgt spid="8">
-                                            <p:txEl>
-                                              <p:pRg st="2" end="2"/>
-                                            </p:txEl>
-                                          </p:spTgt>
-                                        </p:tgtEl>
-                                        <p:attrNameLst>
-                                          <p:attrName>ppt_x</p:attrName>
-                                        </p:attrNameLst>
-                                      </p:cBhvr>
-                                      <p:tavLst>
-                                        <p:tav tm="0">
-                                          <p:val>
-                                            <p:strVal val="#ppt_x"/>
-                                          </p:val>
-                                        </p:tav>
-                                        <p:tav tm="100000">
-                                          <p:val>
-                                            <p:strVal val="#ppt_x"/>
-                                          </p:val>
-                                        </p:tav>
-                                      </p:tavLst>
-                                    </p:anim>
-                                    <p:anim calcmode="lin" valueType="num">
-                                      <p:cBhvr additive="base">
-                                        <p:cTn id="39" dur="500" fill="hold"/>
-                                        <p:tgtEl>
-                                          <p:spTgt spid="8">
-                                            <p:txEl>
-                                              <p:pRg st="2" end="2"/>
-                                            </p:txEl>
-                                          </p:spTgt>
-                                        </p:tgtEl>
-                                        <p:attrNameLst>
-                                          <p:attrName>ppt_y</p:attrName>
-                                        </p:attrNameLst>
-                                      </p:cBhvr>
-                                      <p:tavLst>
-                                        <p:tav tm="0">
-                                          <p:val>
-                                            <p:strVal val="1+#ppt_h/2"/>
-                                          </p:val>
-                                        </p:tav>
-                                        <p:tav tm="100000">
-                                          <p:val>
-                                            <p:strVal val="#ppt_y"/>
-                                          </p:val>
-                                        </p:tav>
-                                      </p:tavLst>
-                                    </p:anim>
-                                  </p:childTnLst>
-                                </p:cTn>
-                              </p:par>
-                            </p:childTnLst>
-                          </p:cTn>
-                        </p:par>
-                      </p:childTnLst>
-                    </p:cTn>
-                  </p:par>
-                  <p:par>
-                    <p:cTn id="40" fill="hold">
-                      <p:stCondLst>
-                        <p:cond delay="indefinite"/>
-                      </p:stCondLst>
-                      <p:childTnLst>
-                        <p:par>
-                          <p:cTn id="41" fill="hold">
-                            <p:stCondLst>
-                              <p:cond delay="0"/>
-                            </p:stCondLst>
-                            <p:childTnLst>
-                              <p:par>
-                                <p:cTn id="42" presetID="2" presetClass="entr" presetSubtype="4" fill="hold" nodeType="clickEffect">
-                                  <p:stCondLst>
-                                    <p:cond delay="0"/>
-                                  </p:stCondLst>
-                                  <p:childTnLst>
-                                    <p:set>
-                                      <p:cBhvr>
-                                        <p:cTn id="43" dur="1" fill="hold">
-                                          <p:stCondLst>
-                                            <p:cond delay="0"/>
-                                          </p:stCondLst>
-                                        </p:cTn>
-                                        <p:tgtEl>
-                                          <p:spTgt spid="8">
-                                            <p:txEl>
-                                              <p:pRg st="3" end="3"/>
-                                            </p:txEl>
-                                          </p:spTgt>
-                                        </p:tgtEl>
-                                        <p:attrNameLst>
-                                          <p:attrName>style.visibility</p:attrName>
-                                        </p:attrNameLst>
-                                      </p:cBhvr>
-                                      <p:to>
-                                        <p:strVal val="visible"/>
-                                      </p:to>
-                                    </p:set>
-                                    <p:anim calcmode="lin" valueType="num">
-                                      <p:cBhvr additive="base">
-                                        <p:cTn id="44" dur="500" fill="hold"/>
-                                        <p:tgtEl>
-                                          <p:spTgt spid="8">
-                                            <p:txEl>
-                                              <p:pRg st="3" end="3"/>
-                                            </p:txEl>
-                                          </p:spTgt>
-                                        </p:tgtEl>
-                                        <p:attrNameLst>
-                                          <p:attrName>ppt_x</p:attrName>
-                                        </p:attrNameLst>
-                                      </p:cBhvr>
-                                      <p:tavLst>
-                                        <p:tav tm="0">
-                                          <p:val>
-                                            <p:strVal val="#ppt_x"/>
-                                          </p:val>
-                                        </p:tav>
-                                        <p:tav tm="100000">
-                                          <p:val>
-                                            <p:strVal val="#ppt_x"/>
-                                          </p:val>
-                                        </p:tav>
-                                      </p:tavLst>
-                                    </p:anim>
-                                    <p:anim calcmode="lin" valueType="num">
-                                      <p:cBhvr additive="base">
-                                        <p:cTn id="45" dur="500" fill="hold"/>
-                                        <p:tgtEl>
-                                          <p:spTgt spid="8">
-                                            <p:txEl>
-                                              <p:pRg st="3" end="3"/>
-                                            </p:txEl>
-                                          </p:spTgt>
-                                        </p:tgtEl>
-                                        <p:attrNameLst>
-                                          <p:attrName>ppt_y</p:attrName>
-                                        </p:attrNameLst>
-                                      </p:cBhvr>
-                                      <p:tavLst>
-                                        <p:tav tm="0">
-                                          <p:val>
-                                            <p:strVal val="1+#ppt_h/2"/>
-                                          </p:val>
-                                        </p:tav>
-                                        <p:tav tm="100000">
-                                          <p:val>
-                                            <p:strVal val="#ppt_y"/>
-                                          </p:val>
-                                        </p:tav>
-                                      </p:tavLst>
-                                    </p:anim>
-                                  </p:childTnLst>
-                                </p:cTn>
-                              </p:par>
-                              <p:par>
-                                <p:cTn id="46" presetID="2" presetClass="entr" presetSubtype="4" fill="hold" nodeType="withEffect">
-                                  <p:stCondLst>
-                                    <p:cond delay="0"/>
-                                  </p:stCondLst>
-                                  <p:childTnLst>
-                                    <p:set>
-                                      <p:cBhvr>
-                                        <p:cTn id="47" dur="1" fill="hold">
-                                          <p:stCondLst>
-                                            <p:cond delay="0"/>
-                                          </p:stCondLst>
-                                        </p:cTn>
-                                        <p:tgtEl>
-                                          <p:spTgt spid="8">
-                                            <p:txEl>
-                                              <p:pRg st="4" end="4"/>
-                                            </p:txEl>
-                                          </p:spTgt>
-                                        </p:tgtEl>
-                                        <p:attrNameLst>
-                                          <p:attrName>style.visibility</p:attrName>
-                                        </p:attrNameLst>
-                                      </p:cBhvr>
-                                      <p:to>
-                                        <p:strVal val="visible"/>
-                                      </p:to>
-                                    </p:set>
-                                    <p:anim calcmode="lin" valueType="num">
-                                      <p:cBhvr additive="base">
-                                        <p:cTn id="48" dur="500" fill="hold"/>
-                                        <p:tgtEl>
-                                          <p:spTgt spid="8">
-                                            <p:txEl>
-                                              <p:pRg st="4" end="4"/>
-                                            </p:txEl>
-                                          </p:spTgt>
-                                        </p:tgtEl>
-                                        <p:attrNameLst>
-                                          <p:attrName>ppt_x</p:attrName>
-                                        </p:attrNameLst>
-                                      </p:cBhvr>
-                                      <p:tavLst>
-                                        <p:tav tm="0">
-                                          <p:val>
-                                            <p:strVal val="#ppt_x"/>
-                                          </p:val>
-                                        </p:tav>
-                                        <p:tav tm="100000">
-                                          <p:val>
-                                            <p:strVal val="#ppt_x"/>
-                                          </p:val>
-                                        </p:tav>
-                                      </p:tavLst>
-                                    </p:anim>
-                                    <p:anim calcmode="lin" valueType="num">
-                                      <p:cBhvr additive="base">
-                                        <p:cTn id="49" dur="500" fill="hold"/>
-                                        <p:tgtEl>
-                                          <p:spTgt spid="8">
-                                            <p:txEl>
-                                              <p:pRg st="4" end="4"/>
-                                            </p:txEl>
-                                          </p:spTgt>
-                                        </p:tgtEl>
-                                        <p:attrNameLst>
-                                          <p:attrName>ppt_y</p:attrName>
-                                        </p:attrNameLst>
-                                      </p:cBhvr>
-                                      <p:tavLst>
-                                        <p:tav tm="0">
-                                          <p:val>
-                                            <p:strVal val="1+#ppt_h/2"/>
-                                          </p:val>
-                                        </p:tav>
-                                        <p:tav tm="100000">
-                                          <p:val>
-                                            <p:strVal val="#ppt_y"/>
-                                          </p:val>
-                                        </p:tav>
-                                      </p:tavLst>
-                                    </p:anim>
-                                  </p:childTnLst>
-                                </p:cTn>
-                              </p:par>
-                            </p:childTnLst>
-                          </p:cTn>
-                        </p:par>
-                      </p:childTnLst>
-                    </p:cTn>
-                  </p:par>
-                  <p:par>
-                    <p:cTn id="50" fill="hold">
-                      <p:stCondLst>
-                        <p:cond delay="indefinite"/>
-                      </p:stCondLst>
-                      <p:childTnLst>
-                        <p:par>
-                          <p:cTn id="51" fill="hold">
-                            <p:stCondLst>
-                              <p:cond delay="0"/>
-                            </p:stCondLst>
-                            <p:childTnLst>
-                              <p:par>
-                                <p:cTn id="52" presetID="2" presetClass="entr" presetSubtype="4" fill="hold" nodeType="clickEffect">
-                                  <p:stCondLst>
-                                    <p:cond delay="0"/>
-                                  </p:stCondLst>
-                                  <p:childTnLst>
-                                    <p:set>
-                                      <p:cBhvr>
-                                        <p:cTn id="53" dur="1" fill="hold">
-                                          <p:stCondLst>
-                                            <p:cond delay="0"/>
-                                          </p:stCondLst>
-                                        </p:cTn>
-                                        <p:tgtEl>
-                                          <p:spTgt spid="8">
-                                            <p:txEl>
-                                              <p:pRg st="5" end="5"/>
-                                            </p:txEl>
-                                          </p:spTgt>
-                                        </p:tgtEl>
-                                        <p:attrNameLst>
-                                          <p:attrName>style.visibility</p:attrName>
-                                        </p:attrNameLst>
-                                      </p:cBhvr>
-                                      <p:to>
-                                        <p:strVal val="visible"/>
-                                      </p:to>
-                                    </p:set>
-                                    <p:anim calcmode="lin" valueType="num">
-                                      <p:cBhvr additive="base">
-                                        <p:cTn id="54" dur="500" fill="hold"/>
-                                        <p:tgtEl>
-                                          <p:spTgt spid="8">
-                                            <p:txEl>
-                                              <p:pRg st="5" end="5"/>
-                                            </p:txEl>
-                                          </p:spTgt>
-                                        </p:tgtEl>
-                                        <p:attrNameLst>
-                                          <p:attrName>ppt_x</p:attrName>
-                                        </p:attrNameLst>
-                                      </p:cBhvr>
-                                      <p:tavLst>
-                                        <p:tav tm="0">
-                                          <p:val>
-                                            <p:strVal val="#ppt_x"/>
-                                          </p:val>
-                                        </p:tav>
-                                        <p:tav tm="100000">
-                                          <p:val>
-                                            <p:strVal val="#ppt_x"/>
-                                          </p:val>
-                                        </p:tav>
-                                      </p:tavLst>
-                                    </p:anim>
-                                    <p:anim calcmode="lin" valueType="num">
-                                      <p:cBhvr additive="base">
-                                        <p:cTn id="55" dur="500" fill="hold"/>
-                                        <p:tgtEl>
-                                          <p:spTgt spid="8">
-                                            <p:txEl>
-                                              <p:pRg st="5" end="5"/>
-                                            </p:txEl>
-                                          </p:spTgt>
+                                          <p:spTgt spid="8"/>
                                         </p:tgtEl>
                                         <p:attrNameLst>
                                           <p:attrName>ppt_y</p:attrName>
@@ -20466,6 +19488,7 @@
     <p:bldLst>
       <p:bldP spid="5" grpId="0"/>
       <p:bldP spid="7" grpId="0"/>
+      <p:bldP spid="8" grpId="0"/>
       <p:bldP spid="11" grpId="0"/>
     </p:bldLst>
   </p:timing>
@@ -21590,7 +20613,7 @@
             </a:pPr>
             <a:r>
               <a:rPr lang="en-US" sz="2000" dirty="0"/>
-              <a:t>Sanitization—Remove hidden data from PDF</a:t>
+              <a:t>Sanitization—Remove hidden data from a PDF</a:t>
             </a:r>
           </a:p>
           <a:p>
@@ -22553,7 +21576,7 @@
             </a:pPr>
             <a:r>
               <a:rPr lang="en-US" sz="2000" dirty="0"/>
-              <a:t>If you can sign, edit, comment, stamp PDF.</a:t>
+              <a:t>If you can sign, edit, comment, stamp a PDF.</a:t>
             </a:r>
           </a:p>
           <a:p>
@@ -25369,7 +24392,7 @@
               <a:rPr lang="en-IN" dirty="0">
                 <a:latin typeface="Adobe Clean" panose="020B0503020404020204" pitchFamily="34" charset="0"/>
               </a:rPr>
-              <a:t>DEMO</a:t>
+              <a:t>DEMO1</a:t>
             </a:r>
           </a:p>
         </p:txBody>

--- a/powerpoint/SmartPDF/Don't Just PDF.pptx
+++ b/powerpoint/SmartPDF/Don't Just PDF.pptx
@@ -24389,11 +24389,14 @@
           <a:p>
             <a:pPr algn="ctr"/>
             <a:r>
-              <a:rPr lang="en-IN" dirty="0">
+              <a:rPr lang="en-IN">
                 <a:latin typeface="Adobe Clean" panose="020B0503020404020204" pitchFamily="34" charset="0"/>
               </a:rPr>
-              <a:t>DEMO1</a:t>
+              <a:t>DEMO 1</a:t>
             </a:r>
+            <a:endParaRPr lang="en-IN" dirty="0">
+              <a:latin typeface="Adobe Clean" panose="020B0503020404020204" pitchFamily="34" charset="0"/>
+            </a:endParaRPr>
           </a:p>
         </p:txBody>
       </p:sp>

--- a/powerpoint/SmartPDF/Don't Just PDF.pptx
+++ b/powerpoint/SmartPDF/Don't Just PDF.pptx
@@ -4139,7 +4139,7 @@
                   <a:schemeClr val="tx2"/>
                 </a:solidFill>
               </a:rPr>
-              <a:t>10/5/2016</a:t>
+              <a:t>10/10/2016</a:t>
             </a:fld>
             <a:endParaRPr>
               <a:solidFill>
@@ -4329,7 +4329,7 @@
             <a:fld id="{F95CF31C-F757-429C-A789-86504F04C3BE}" type="datetimeFigureOut">
               <a:rPr lang="en-US"/>
               <a:pPr/>
-              <a:t>10/5/2016</a:t>
+              <a:t>10/10/2016</a:t>
             </a:fld>
             <a:endParaRPr/>
           </a:p>
@@ -4750,7 +4750,7 @@
           <a:p>
             <a:fld id="{43BAF7D2-47D3-439E-B818-706FF392AEFA}" type="datetimeFigureOut">
               <a:rPr lang="en-IN" smtClean="0"/>
-              <a:t>05-10-2016</a:t>
+              <a:t>10-10-2016</a:t>
             </a:fld>
             <a:endParaRPr lang="en-IN"/>
           </a:p>
@@ -4920,7 +4920,7 @@
           <a:p>
             <a:fld id="{43BAF7D2-47D3-439E-B818-706FF392AEFA}" type="datetimeFigureOut">
               <a:rPr lang="en-IN" smtClean="0"/>
-              <a:t>05-10-2016</a:t>
+              <a:t>10-10-2016</a:t>
             </a:fld>
             <a:endParaRPr lang="en-IN"/>
           </a:p>
@@ -5100,7 +5100,7 @@
           <a:p>
             <a:fld id="{43BAF7D2-47D3-439E-B818-706FF392AEFA}" type="datetimeFigureOut">
               <a:rPr lang="en-IN" smtClean="0"/>
-              <a:t>05-10-2016</a:t>
+              <a:t>10-10-2016</a:t>
             </a:fld>
             <a:endParaRPr lang="en-IN"/>
           </a:p>
@@ -5406,7 +5406,7 @@
           <a:p>
             <a:fld id="{43BAF7D2-47D3-439E-B818-706FF392AEFA}" type="datetimeFigureOut">
               <a:rPr lang="en-IN" smtClean="0"/>
-              <a:t>05-10-2016</a:t>
+              <a:t>10-10-2016</a:t>
             </a:fld>
             <a:endParaRPr lang="en-IN"/>
           </a:p>
@@ -5773,7 +5773,7 @@
           <a:p>
             <a:fld id="{43BAF7D2-47D3-439E-B818-706FF392AEFA}" type="datetimeFigureOut">
               <a:rPr lang="en-IN" smtClean="0"/>
-              <a:t>05-10-2016</a:t>
+              <a:t>10-10-2016</a:t>
             </a:fld>
             <a:endParaRPr lang="en-IN"/>
           </a:p>
@@ -5891,7 +5891,7 @@
           <a:p>
             <a:fld id="{43BAF7D2-47D3-439E-B818-706FF392AEFA}" type="datetimeFigureOut">
               <a:rPr lang="en-IN" smtClean="0"/>
-              <a:t>05-10-2016</a:t>
+              <a:t>10-10-2016</a:t>
             </a:fld>
             <a:endParaRPr lang="en-IN"/>
           </a:p>
@@ -5986,7 +5986,7 @@
           <a:p>
             <a:fld id="{43BAF7D2-47D3-439E-B818-706FF392AEFA}" type="datetimeFigureOut">
               <a:rPr lang="en-IN" smtClean="0"/>
-              <a:t>05-10-2016</a:t>
+              <a:t>10-10-2016</a:t>
             </a:fld>
             <a:endParaRPr lang="en-IN"/>
           </a:p>
@@ -6263,7 +6263,7 @@
           <a:p>
             <a:fld id="{43BAF7D2-47D3-439E-B818-706FF392AEFA}" type="datetimeFigureOut">
               <a:rPr lang="en-IN" smtClean="0"/>
-              <a:t>05-10-2016</a:t>
+              <a:t>10-10-2016</a:t>
             </a:fld>
             <a:endParaRPr lang="en-IN"/>
           </a:p>
@@ -6520,7 +6520,7 @@
           <a:p>
             <a:fld id="{43BAF7D2-47D3-439E-B818-706FF392AEFA}" type="datetimeFigureOut">
               <a:rPr lang="en-IN" smtClean="0"/>
-              <a:t>05-10-2016</a:t>
+              <a:t>10-10-2016</a:t>
             </a:fld>
             <a:endParaRPr lang="en-IN"/>
           </a:p>
@@ -6742,7 +6742,7 @@
           <a:p>
             <a:fld id="{43BAF7D2-47D3-439E-B818-706FF392AEFA}" type="datetimeFigureOut">
               <a:rPr lang="en-IN" smtClean="0"/>
-              <a:t>05-10-2016</a:t>
+              <a:t>10-10-2016</a:t>
             </a:fld>
             <a:endParaRPr lang="en-IN"/>
           </a:p>
@@ -22764,6 +22764,62 @@
           </a:p>
         </p:txBody>
       </p:sp>
+      <p:pic>
+        <p:nvPicPr>
+          <p:cNvPr id="3" name="Picture 2"/>
+          <p:cNvPicPr>
+            <a:picLocks noChangeAspect="1"/>
+          </p:cNvPicPr>
+          <p:nvPr/>
+        </p:nvPicPr>
+        <p:blipFill>
+          <a:blip r:embed="rId2" cstate="print">
+            <a:extLst>
+              <a:ext uri="{28A0092B-C50C-407E-A947-70E740481C1C}">
+                <a14:useLocalDpi xmlns:a14="http://schemas.microsoft.com/office/drawing/2010/main" val="0"/>
+              </a:ext>
+            </a:extLst>
+          </a:blip>
+          <a:stretch>
+            <a:fillRect/>
+          </a:stretch>
+        </p:blipFill>
+        <p:spPr>
+          <a:xfrm>
+            <a:off x="6932612" y="3048000"/>
+            <a:ext cx="4605867" cy="2590800"/>
+          </a:xfrm>
+          <a:prstGeom prst="rect">
+            <a:avLst/>
+          </a:prstGeom>
+          <a:ln w="190500" cap="sq">
+            <a:solidFill>
+              <a:srgbClr val="C8C6BD"/>
+            </a:solidFill>
+            <a:prstDash val="solid"/>
+            <a:miter lim="800000"/>
+          </a:ln>
+          <a:effectLst>
+            <a:outerShdw blurRad="254000" algn="bl" rotWithShape="0">
+              <a:srgbClr val="000000">
+                <a:alpha val="43000"/>
+              </a:srgbClr>
+            </a:outerShdw>
+          </a:effectLst>
+          <a:scene3d>
+            <a:camera prst="perspectiveFront" fov="5400000"/>
+            <a:lightRig rig="threePt" dir="t">
+              <a:rot lat="0" lon="0" rev="2100000"/>
+            </a:lightRig>
+          </a:scene3d>
+          <a:sp3d extrusionH="25400">
+            <a:bevelT w="304800" h="152400" prst="hardEdge"/>
+            <a:extrusionClr>
+              <a:srgbClr val="000000"/>
+            </a:extrusionClr>
+          </a:sp3d>
+        </p:spPr>
+      </p:pic>
     </p:spTree>
     <p:extLst>
       <p:ext uri="{BB962C8B-B14F-4D97-AF65-F5344CB8AC3E}">
@@ -22798,7 +22854,7 @@
                             </p:stCondLst>
                             <p:childTnLst>
                               <p:par>
-                                <p:cTn id="5" presetID="42" presetClass="entr" presetSubtype="0" fill="hold" nodeType="clickEffect">
+                                <p:cTn id="5" presetID="10" presetClass="entr" presetSubtype="0" fill="hold" nodeType="clickEffect">
                                   <p:stCondLst>
                                     <p:cond delay="0"/>
                                   </p:stCondLst>
@@ -22811,6 +22867,59 @@
                                           </p:stCondLst>
                                         </p:cTn>
                                         <p:tgtEl>
+                                          <p:spTgt spid="3"/>
+                                        </p:tgtEl>
+                                        <p:attrNameLst>
+                                          <p:attrName>style.visibility</p:attrName>
+                                        </p:attrNameLst>
+                                      </p:cBhvr>
+                                      <p:to>
+                                        <p:strVal val="visible"/>
+                                      </p:to>
+                                    </p:set>
+                                    <p:animEffect transition="in" filter="fade">
+                                      <p:cBhvr>
+                                        <p:cTn id="7" dur="500"/>
+                                        <p:tgtEl>
+                                          <p:spTgt spid="3"/>
+                                        </p:tgtEl>
+                                      </p:cBhvr>
+                                    </p:animEffect>
+                                  </p:childTnLst>
+                                </p:cTn>
+                              </p:par>
+                            </p:childTnLst>
+                          </p:cTn>
+                        </p:par>
+                      </p:childTnLst>
+                    </p:cTn>
+                  </p:par>
+                  <p:par>
+                    <p:cTn id="8" fill="hold">
+                      <p:stCondLst>
+                        <p:cond delay="indefinite"/>
+                      </p:stCondLst>
+                      <p:childTnLst>
+                        <p:par>
+                          <p:cTn id="9" fill="hold">
+                            <p:stCondLst>
+                              <p:cond delay="0"/>
+                            </p:stCondLst>
+                            <p:childTnLst>
+                              <p:par>
+                                <p:cTn id="10" presetID="2" presetClass="entr" presetSubtype="4" fill="hold" nodeType="clickEffect">
+                                  <p:stCondLst>
+                                    <p:cond delay="0"/>
+                                  </p:stCondLst>
+                                  <p:childTnLst>
+                                    <p:set>
+                                      <p:cBhvr>
+                                        <p:cTn id="11" dur="1" fill="hold">
+                                          <p:stCondLst>
+                                            <p:cond delay="0"/>
+                                          </p:stCondLst>
+                                        </p:cTn>
+                                        <p:tgtEl>
                                           <p:spTgt spid="6">
                                             <p:txEl>
                                               <p:pRg st="0" end="0"/>
@@ -22825,9 +22934,9 @@
                                         <p:strVal val="visible"/>
                                       </p:to>
                                     </p:set>
-                                    <p:animEffect transition="in" filter="fade">
-                                      <p:cBhvr>
-                                        <p:cTn id="7" dur="1000"/>
+                                    <p:anim calcmode="lin" valueType="num">
+                                      <p:cBhvr additive="base">
+                                        <p:cTn id="12" dur="500" fill="hold"/>
                                         <p:tgtEl>
                                           <p:spTgt spid="6">
                                             <p:txEl>
@@ -22835,11 +22944,26 @@
                                             </p:txEl>
                                           </p:spTgt>
                                         </p:tgtEl>
-                                      </p:cBhvr>
-                                    </p:animEffect>
+                                        <p:attrNameLst>
+                                          <p:attrName>ppt_x</p:attrName>
+                                        </p:attrNameLst>
+                                      </p:cBhvr>
+                                      <p:tavLst>
+                                        <p:tav tm="0">
+                                          <p:val>
+                                            <p:strVal val="#ppt_x"/>
+                                          </p:val>
+                                        </p:tav>
+                                        <p:tav tm="100000">
+                                          <p:val>
+                                            <p:strVal val="#ppt_x"/>
+                                          </p:val>
+                                        </p:tav>
+                                      </p:tavLst>
+                                    </p:anim>
                                     <p:anim calcmode="lin" valueType="num">
-                                      <p:cBhvr>
-                                        <p:cTn id="8" dur="1000" fill="hold"/>
+                                      <p:cBhvr additive="base">
+                                        <p:cTn id="13" dur="500" fill="hold"/>
                                         <p:tgtEl>
                                           <p:spTgt spid="6">
                                             <p:txEl>
@@ -22848,40 +22972,13 @@
                                           </p:spTgt>
                                         </p:tgtEl>
                                         <p:attrNameLst>
-                                          <p:attrName>ppt_x</p:attrName>
+                                          <p:attrName>ppt_y</p:attrName>
                                         </p:attrNameLst>
                                       </p:cBhvr>
                                       <p:tavLst>
                                         <p:tav tm="0">
                                           <p:val>
-                                            <p:strVal val="#ppt_x"/>
-                                          </p:val>
-                                        </p:tav>
-                                        <p:tav tm="100000">
-                                          <p:val>
-                                            <p:strVal val="#ppt_x"/>
-                                          </p:val>
-                                        </p:tav>
-                                      </p:tavLst>
-                                    </p:anim>
-                                    <p:anim calcmode="lin" valueType="num">
-                                      <p:cBhvr>
-                                        <p:cTn id="9" dur="1000" fill="hold"/>
-                                        <p:tgtEl>
-                                          <p:spTgt spid="6">
-                                            <p:txEl>
-                                              <p:pRg st="0" end="0"/>
-                                            </p:txEl>
-                                          </p:spTgt>
-                                        </p:tgtEl>
-                                        <p:attrNameLst>
-                                          <p:attrName>ppt_y</p:attrName>
-                                        </p:attrNameLst>
-                                      </p:cBhvr>
-                                      <p:tavLst>
-                                        <p:tav tm="0">
-                                          <p:val>
-                                            <p:strVal val="#ppt_y+.1"/>
+                                            <p:strVal val="1+#ppt_h/2"/>
                                           </p:val>
                                         </p:tav>
                                         <p:tav tm="100000">
@@ -22901,26 +22998,26 @@
                     </p:cTn>
                   </p:par>
                   <p:par>
-                    <p:cTn id="10" fill="hold">
+                    <p:cTn id="14" fill="hold">
                       <p:stCondLst>
                         <p:cond delay="indefinite"/>
                       </p:stCondLst>
                       <p:childTnLst>
                         <p:par>
-                          <p:cTn id="11" fill="hold">
+                          <p:cTn id="15" fill="hold">
                             <p:stCondLst>
                               <p:cond delay="0"/>
                             </p:stCondLst>
                             <p:childTnLst>
                               <p:par>
-                                <p:cTn id="12" presetID="42" presetClass="entr" presetSubtype="0" fill="hold" nodeType="clickEffect">
+                                <p:cTn id="16" presetID="2" presetClass="entr" presetSubtype="4" fill="hold" nodeType="clickEffect">
                                   <p:stCondLst>
                                     <p:cond delay="0"/>
                                   </p:stCondLst>
                                   <p:childTnLst>
                                     <p:set>
                                       <p:cBhvr>
-                                        <p:cTn id="13" dur="1" fill="hold">
+                                        <p:cTn id="17" dur="1" fill="hold">
                                           <p:stCondLst>
                                             <p:cond delay="0"/>
                                           </p:stCondLst>
@@ -22940,9 +23037,9 @@
                                         <p:strVal val="visible"/>
                                       </p:to>
                                     </p:set>
-                                    <p:animEffect transition="in" filter="fade">
-                                      <p:cBhvr>
-                                        <p:cTn id="14" dur="1000"/>
+                                    <p:anim calcmode="lin" valueType="num">
+                                      <p:cBhvr additive="base">
+                                        <p:cTn id="18" dur="500" fill="hold"/>
                                         <p:tgtEl>
                                           <p:spTgt spid="6">
                                             <p:txEl>
@@ -22950,11 +23047,26 @@
                                             </p:txEl>
                                           </p:spTgt>
                                         </p:tgtEl>
-                                      </p:cBhvr>
-                                    </p:animEffect>
+                                        <p:attrNameLst>
+                                          <p:attrName>ppt_x</p:attrName>
+                                        </p:attrNameLst>
+                                      </p:cBhvr>
+                                      <p:tavLst>
+                                        <p:tav tm="0">
+                                          <p:val>
+                                            <p:strVal val="#ppt_x"/>
+                                          </p:val>
+                                        </p:tav>
+                                        <p:tav tm="100000">
+                                          <p:val>
+                                            <p:strVal val="#ppt_x"/>
+                                          </p:val>
+                                        </p:tav>
+                                      </p:tavLst>
+                                    </p:anim>
                                     <p:anim calcmode="lin" valueType="num">
-                                      <p:cBhvr>
-                                        <p:cTn id="15" dur="1000" fill="hold"/>
+                                      <p:cBhvr additive="base">
+                                        <p:cTn id="19" dur="500" fill="hold"/>
                                         <p:tgtEl>
                                           <p:spTgt spid="6">
                                             <p:txEl>
@@ -22963,40 +23075,13 @@
                                           </p:spTgt>
                                         </p:tgtEl>
                                         <p:attrNameLst>
-                                          <p:attrName>ppt_x</p:attrName>
+                                          <p:attrName>ppt_y</p:attrName>
                                         </p:attrNameLst>
                                       </p:cBhvr>
                                       <p:tavLst>
                                         <p:tav tm="0">
                                           <p:val>
-                                            <p:strVal val="#ppt_x"/>
-                                          </p:val>
-                                        </p:tav>
-                                        <p:tav tm="100000">
-                                          <p:val>
-                                            <p:strVal val="#ppt_x"/>
-                                          </p:val>
-                                        </p:tav>
-                                      </p:tavLst>
-                                    </p:anim>
-                                    <p:anim calcmode="lin" valueType="num">
-                                      <p:cBhvr>
-                                        <p:cTn id="16" dur="1000" fill="hold"/>
-                                        <p:tgtEl>
-                                          <p:spTgt spid="6">
-                                            <p:txEl>
-                                              <p:pRg st="1" end="1"/>
-                                            </p:txEl>
-                                          </p:spTgt>
-                                        </p:tgtEl>
-                                        <p:attrNameLst>
-                                          <p:attrName>ppt_y</p:attrName>
-                                        </p:attrNameLst>
-                                      </p:cBhvr>
-                                      <p:tavLst>
-                                        <p:tav tm="0">
-                                          <p:val>
-                                            <p:strVal val="#ppt_y+.1"/>
+                                            <p:strVal val="1+#ppt_h/2"/>
                                           </p:val>
                                         </p:tav>
                                         <p:tav tm="100000">
@@ -23016,26 +23101,26 @@
                     </p:cTn>
                   </p:par>
                   <p:par>
-                    <p:cTn id="17" fill="hold">
+                    <p:cTn id="20" fill="hold">
                       <p:stCondLst>
                         <p:cond delay="indefinite"/>
                       </p:stCondLst>
                       <p:childTnLst>
                         <p:par>
-                          <p:cTn id="18" fill="hold">
+                          <p:cTn id="21" fill="hold">
                             <p:stCondLst>
                               <p:cond delay="0"/>
                             </p:stCondLst>
                             <p:childTnLst>
                               <p:par>
-                                <p:cTn id="19" presetID="42" presetClass="entr" presetSubtype="0" fill="hold" nodeType="clickEffect">
+                                <p:cTn id="22" presetID="2" presetClass="entr" presetSubtype="4" fill="hold" nodeType="clickEffect">
                                   <p:stCondLst>
                                     <p:cond delay="0"/>
                                   </p:stCondLst>
                                   <p:childTnLst>
                                     <p:set>
                                       <p:cBhvr>
-                                        <p:cTn id="20" dur="1" fill="hold">
+                                        <p:cTn id="23" dur="1" fill="hold">
                                           <p:stCondLst>
                                             <p:cond delay="0"/>
                                           </p:stCondLst>
@@ -23055,9 +23140,9 @@
                                         <p:strVal val="visible"/>
                                       </p:to>
                                     </p:set>
-                                    <p:animEffect transition="in" filter="fade">
-                                      <p:cBhvr>
-                                        <p:cTn id="21" dur="1000"/>
+                                    <p:anim calcmode="lin" valueType="num">
+                                      <p:cBhvr additive="base">
+                                        <p:cTn id="24" dur="500" fill="hold"/>
                                         <p:tgtEl>
                                           <p:spTgt spid="6">
                                             <p:txEl>
@@ -23065,11 +23150,26 @@
                                             </p:txEl>
                                           </p:spTgt>
                                         </p:tgtEl>
-                                      </p:cBhvr>
-                                    </p:animEffect>
+                                        <p:attrNameLst>
+                                          <p:attrName>ppt_x</p:attrName>
+                                        </p:attrNameLst>
+                                      </p:cBhvr>
+                                      <p:tavLst>
+                                        <p:tav tm="0">
+                                          <p:val>
+                                            <p:strVal val="#ppt_x"/>
+                                          </p:val>
+                                        </p:tav>
+                                        <p:tav tm="100000">
+                                          <p:val>
+                                            <p:strVal val="#ppt_x"/>
+                                          </p:val>
+                                        </p:tav>
+                                      </p:tavLst>
+                                    </p:anim>
                                     <p:anim calcmode="lin" valueType="num">
-                                      <p:cBhvr>
-                                        <p:cTn id="22" dur="1000" fill="hold"/>
+                                      <p:cBhvr additive="base">
+                                        <p:cTn id="25" dur="500" fill="hold"/>
                                         <p:tgtEl>
                                           <p:spTgt spid="6">
                                             <p:txEl>
@@ -23078,40 +23178,13 @@
                                           </p:spTgt>
                                         </p:tgtEl>
                                         <p:attrNameLst>
-                                          <p:attrName>ppt_x</p:attrName>
+                                          <p:attrName>ppt_y</p:attrName>
                                         </p:attrNameLst>
                                       </p:cBhvr>
                                       <p:tavLst>
                                         <p:tav tm="0">
                                           <p:val>
-                                            <p:strVal val="#ppt_x"/>
-                                          </p:val>
-                                        </p:tav>
-                                        <p:tav tm="100000">
-                                          <p:val>
-                                            <p:strVal val="#ppt_x"/>
-                                          </p:val>
-                                        </p:tav>
-                                      </p:tavLst>
-                                    </p:anim>
-                                    <p:anim calcmode="lin" valueType="num">
-                                      <p:cBhvr>
-                                        <p:cTn id="23" dur="1000" fill="hold"/>
-                                        <p:tgtEl>
-                                          <p:spTgt spid="6">
-                                            <p:txEl>
-                                              <p:pRg st="2" end="2"/>
-                                            </p:txEl>
-                                          </p:spTgt>
-                                        </p:tgtEl>
-                                        <p:attrNameLst>
-                                          <p:attrName>ppt_y</p:attrName>
-                                        </p:attrNameLst>
-                                      </p:cBhvr>
-                                      <p:tavLst>
-                                        <p:tav tm="0">
-                                          <p:val>
-                                            <p:strVal val="#ppt_y+.1"/>
+                                            <p:strVal val="1+#ppt_h/2"/>
                                           </p:val>
                                         </p:tav>
                                         <p:tav tm="100000">
@@ -23131,26 +23204,26 @@
                     </p:cTn>
                   </p:par>
                   <p:par>
-                    <p:cTn id="24" fill="hold">
+                    <p:cTn id="26" fill="hold">
                       <p:stCondLst>
                         <p:cond delay="indefinite"/>
                       </p:stCondLst>
                       <p:childTnLst>
                         <p:par>
-                          <p:cTn id="25" fill="hold">
+                          <p:cTn id="27" fill="hold">
                             <p:stCondLst>
                               <p:cond delay="0"/>
                             </p:stCondLst>
                             <p:childTnLst>
                               <p:par>
-                                <p:cTn id="26" presetID="42" presetClass="entr" presetSubtype="0" fill="hold" nodeType="clickEffect">
+                                <p:cTn id="28" presetID="2" presetClass="entr" presetSubtype="4" fill="hold" nodeType="clickEffect">
                                   <p:stCondLst>
                                     <p:cond delay="0"/>
                                   </p:stCondLst>
                                   <p:childTnLst>
                                     <p:set>
                                       <p:cBhvr>
-                                        <p:cTn id="27" dur="1" fill="hold">
+                                        <p:cTn id="29" dur="1" fill="hold">
                                           <p:stCondLst>
                                             <p:cond delay="0"/>
                                           </p:stCondLst>
@@ -23170,9 +23243,9 @@
                                         <p:strVal val="visible"/>
                                       </p:to>
                                     </p:set>
-                                    <p:animEffect transition="in" filter="fade">
-                                      <p:cBhvr>
-                                        <p:cTn id="28" dur="1000"/>
+                                    <p:anim calcmode="lin" valueType="num">
+                                      <p:cBhvr additive="base">
+                                        <p:cTn id="30" dur="500" fill="hold"/>
                                         <p:tgtEl>
                                           <p:spTgt spid="6">
                                             <p:txEl>
@@ -23180,11 +23253,26 @@
                                             </p:txEl>
                                           </p:spTgt>
                                         </p:tgtEl>
-                                      </p:cBhvr>
-                                    </p:animEffect>
+                                        <p:attrNameLst>
+                                          <p:attrName>ppt_x</p:attrName>
+                                        </p:attrNameLst>
+                                      </p:cBhvr>
+                                      <p:tavLst>
+                                        <p:tav tm="0">
+                                          <p:val>
+                                            <p:strVal val="#ppt_x"/>
+                                          </p:val>
+                                        </p:tav>
+                                        <p:tav tm="100000">
+                                          <p:val>
+                                            <p:strVal val="#ppt_x"/>
+                                          </p:val>
+                                        </p:tav>
+                                      </p:tavLst>
+                                    </p:anim>
                                     <p:anim calcmode="lin" valueType="num">
-                                      <p:cBhvr>
-                                        <p:cTn id="29" dur="1000" fill="hold"/>
+                                      <p:cBhvr additive="base">
+                                        <p:cTn id="31" dur="500" fill="hold"/>
                                         <p:tgtEl>
                                           <p:spTgt spid="6">
                                             <p:txEl>
@@ -23193,40 +23281,13 @@
                                           </p:spTgt>
                                         </p:tgtEl>
                                         <p:attrNameLst>
-                                          <p:attrName>ppt_x</p:attrName>
+                                          <p:attrName>ppt_y</p:attrName>
                                         </p:attrNameLst>
                                       </p:cBhvr>
                                       <p:tavLst>
                                         <p:tav tm="0">
                                           <p:val>
-                                            <p:strVal val="#ppt_x"/>
-                                          </p:val>
-                                        </p:tav>
-                                        <p:tav tm="100000">
-                                          <p:val>
-                                            <p:strVal val="#ppt_x"/>
-                                          </p:val>
-                                        </p:tav>
-                                      </p:tavLst>
-                                    </p:anim>
-                                    <p:anim calcmode="lin" valueType="num">
-                                      <p:cBhvr>
-                                        <p:cTn id="30" dur="1000" fill="hold"/>
-                                        <p:tgtEl>
-                                          <p:spTgt spid="6">
-                                            <p:txEl>
-                                              <p:pRg st="3" end="3"/>
-                                            </p:txEl>
-                                          </p:spTgt>
-                                        </p:tgtEl>
-                                        <p:attrNameLst>
-                                          <p:attrName>ppt_y</p:attrName>
-                                        </p:attrNameLst>
-                                      </p:cBhvr>
-                                      <p:tavLst>
-                                        <p:tav tm="0">
-                                          <p:val>
-                                            <p:strVal val="#ppt_y+.1"/>
+                                            <p:strVal val="1+#ppt_h/2"/>
                                           </p:val>
                                         </p:tav>
                                         <p:tav tm="100000">
@@ -23246,26 +23307,26 @@
                     </p:cTn>
                   </p:par>
                   <p:par>
-                    <p:cTn id="31" fill="hold">
+                    <p:cTn id="32" fill="hold">
                       <p:stCondLst>
                         <p:cond delay="indefinite"/>
                       </p:stCondLst>
                       <p:childTnLst>
                         <p:par>
-                          <p:cTn id="32" fill="hold">
+                          <p:cTn id="33" fill="hold">
                             <p:stCondLst>
                               <p:cond delay="0"/>
                             </p:stCondLst>
                             <p:childTnLst>
                               <p:par>
-                                <p:cTn id="33" presetID="42" presetClass="entr" presetSubtype="0" fill="hold" nodeType="clickEffect">
+                                <p:cTn id="34" presetID="2" presetClass="entr" presetSubtype="4" fill="hold" nodeType="clickEffect">
                                   <p:stCondLst>
                                     <p:cond delay="0"/>
                                   </p:stCondLst>
                                   <p:childTnLst>
                                     <p:set>
                                       <p:cBhvr>
-                                        <p:cTn id="34" dur="1" fill="hold">
+                                        <p:cTn id="35" dur="1" fill="hold">
                                           <p:stCondLst>
                                             <p:cond delay="0"/>
                                           </p:stCondLst>
@@ -23285,9 +23346,9 @@
                                         <p:strVal val="visible"/>
                                       </p:to>
                                     </p:set>
-                                    <p:animEffect transition="in" filter="fade">
-                                      <p:cBhvr>
-                                        <p:cTn id="35" dur="1000"/>
+                                    <p:anim calcmode="lin" valueType="num">
+                                      <p:cBhvr additive="base">
+                                        <p:cTn id="36" dur="500" fill="hold"/>
                                         <p:tgtEl>
                                           <p:spTgt spid="6">
                                             <p:txEl>
@@ -23295,11 +23356,26 @@
                                             </p:txEl>
                                           </p:spTgt>
                                         </p:tgtEl>
-                                      </p:cBhvr>
-                                    </p:animEffect>
+                                        <p:attrNameLst>
+                                          <p:attrName>ppt_x</p:attrName>
+                                        </p:attrNameLst>
+                                      </p:cBhvr>
+                                      <p:tavLst>
+                                        <p:tav tm="0">
+                                          <p:val>
+                                            <p:strVal val="#ppt_x"/>
+                                          </p:val>
+                                        </p:tav>
+                                        <p:tav tm="100000">
+                                          <p:val>
+                                            <p:strVal val="#ppt_x"/>
+                                          </p:val>
+                                        </p:tav>
+                                      </p:tavLst>
+                                    </p:anim>
                                     <p:anim calcmode="lin" valueType="num">
-                                      <p:cBhvr>
-                                        <p:cTn id="36" dur="1000" fill="hold"/>
+                                      <p:cBhvr additive="base">
+                                        <p:cTn id="37" dur="500" fill="hold"/>
                                         <p:tgtEl>
                                           <p:spTgt spid="6">
                                             <p:txEl>
@@ -23308,40 +23384,13 @@
                                           </p:spTgt>
                                         </p:tgtEl>
                                         <p:attrNameLst>
-                                          <p:attrName>ppt_x</p:attrName>
+                                          <p:attrName>ppt_y</p:attrName>
                                         </p:attrNameLst>
                                       </p:cBhvr>
                                       <p:tavLst>
                                         <p:tav tm="0">
                                           <p:val>
-                                            <p:strVal val="#ppt_x"/>
-                                          </p:val>
-                                        </p:tav>
-                                        <p:tav tm="100000">
-                                          <p:val>
-                                            <p:strVal val="#ppt_x"/>
-                                          </p:val>
-                                        </p:tav>
-                                      </p:tavLst>
-                                    </p:anim>
-                                    <p:anim calcmode="lin" valueType="num">
-                                      <p:cBhvr>
-                                        <p:cTn id="37" dur="1000" fill="hold"/>
-                                        <p:tgtEl>
-                                          <p:spTgt spid="6">
-                                            <p:txEl>
-                                              <p:pRg st="4" end="4"/>
-                                            </p:txEl>
-                                          </p:spTgt>
-                                        </p:tgtEl>
-                                        <p:attrNameLst>
-                                          <p:attrName>ppt_y</p:attrName>
-                                        </p:attrNameLst>
-                                      </p:cBhvr>
-                                      <p:tavLst>
-                                        <p:tav tm="0">
-                                          <p:val>
-                                            <p:strVal val="#ppt_y+.1"/>
+                                            <p:strVal val="1+#ppt_h/2"/>
                                           </p:val>
                                         </p:tav>
                                         <p:tav tm="100000">
